--- a/Oral.pptx
+++ b/Oral.pptx
@@ -5,10 +5,10 @@
     <p:sldMasterId id="2147483828" r:id="rId1"/>
   </p:sldMasterIdLst>
   <p:notesMasterIdLst>
-    <p:notesMasterId r:id="rId17"/>
+    <p:notesMasterId r:id="rId19"/>
   </p:notesMasterIdLst>
   <p:handoutMasterIdLst>
-    <p:handoutMasterId r:id="rId18"/>
+    <p:handoutMasterId r:id="rId20"/>
   </p:handoutMasterIdLst>
   <p:sldIdLst>
     <p:sldId id="256" r:id="rId2"/>
@@ -24,8 +24,10 @@
     <p:sldId id="371" r:id="rId12"/>
     <p:sldId id="372" r:id="rId13"/>
     <p:sldId id="373" r:id="rId14"/>
-    <p:sldId id="374" r:id="rId15"/>
-    <p:sldId id="375" r:id="rId16"/>
+    <p:sldId id="376" r:id="rId15"/>
+    <p:sldId id="377" r:id="rId16"/>
+    <p:sldId id="374" r:id="rId17"/>
+    <p:sldId id="375" r:id="rId18"/>
   </p:sldIdLst>
   <p:sldSz cx="9144000" cy="6858000" type="screen4x3"/>
   <p:notesSz cx="7099300" cy="10234613"/>
@@ -393,7 +395,7 @@
               <a:pPr>
                 <a:defRPr/>
               </a:pPr>
-              <a:t>2017/9/28</a:t>
+              <a:t>2017/9/29</a:t>
             </a:fld>
             <a:endParaRPr lang="zh-TW" altLang="en-US"/>
           </a:p>
@@ -1258,7 +1260,7 @@
               <a:pPr>
                 <a:defRPr/>
               </a:pPr>
-              <a:t>15</a:t>
+              <a:t>17</a:t>
             </a:fld>
             <a:endParaRPr lang="zh-TW" altLang="en-US"/>
           </a:p>
@@ -1503,7 +1505,7 @@
               <a:pPr>
                 <a:defRPr/>
               </a:pPr>
-              <a:t>2017/9/28</a:t>
+              <a:t>2017/9/29</a:t>
             </a:fld>
             <a:endParaRPr lang="zh-TW" altLang="en-US"/>
           </a:p>
@@ -1698,7 +1700,7 @@
               <a:pPr>
                 <a:defRPr/>
               </a:pPr>
-              <a:t>2017/9/28</a:t>
+              <a:t>2017/9/29</a:t>
             </a:fld>
             <a:endParaRPr lang="zh-TW" altLang="en-US"/>
           </a:p>
@@ -1903,7 +1905,7 @@
               <a:pPr>
                 <a:defRPr/>
               </a:pPr>
-              <a:t>2017/9/28</a:t>
+              <a:t>2017/9/29</a:t>
             </a:fld>
             <a:endParaRPr lang="zh-TW" altLang="en-US"/>
           </a:p>
@@ -2080,7 +2082,7 @@
               <a:pPr>
                 <a:defRPr/>
               </a:pPr>
-              <a:t>2017/9/28</a:t>
+              <a:t>2017/9/29</a:t>
             </a:fld>
             <a:endParaRPr lang="zh-TW" altLang="en-US"/>
           </a:p>
@@ -2329,7 +2331,7 @@
               <a:pPr>
                 <a:defRPr/>
               </a:pPr>
-              <a:t>2017/9/28</a:t>
+              <a:t>2017/9/29</a:t>
             </a:fld>
             <a:endParaRPr lang="zh-TW" altLang="en-US"/>
           </a:p>
@@ -2600,7 +2602,7 @@
               <a:pPr>
                 <a:defRPr/>
               </a:pPr>
-              <a:t>2017/9/28</a:t>
+              <a:t>2017/9/29</a:t>
             </a:fld>
             <a:endParaRPr lang="zh-TW" altLang="en-US"/>
           </a:p>
@@ -2913,7 +2915,7 @@
               <a:pPr>
                 <a:defRPr/>
               </a:pPr>
-              <a:t>2017/9/28</a:t>
+              <a:t>2017/9/29</a:t>
             </a:fld>
             <a:endParaRPr lang="zh-TW" altLang="en-US"/>
           </a:p>
@@ -3360,7 +3362,7 @@
               <a:pPr>
                 <a:defRPr/>
               </a:pPr>
-              <a:t>2017/9/28</a:t>
+              <a:t>2017/9/29</a:t>
             </a:fld>
             <a:endParaRPr lang="zh-TW" altLang="en-US"/>
           </a:p>
@@ -3503,7 +3505,7 @@
               <a:pPr>
                 <a:defRPr/>
               </a:pPr>
-              <a:t>2017/9/28</a:t>
+              <a:t>2017/9/29</a:t>
             </a:fld>
             <a:endParaRPr lang="zh-TW" altLang="en-US"/>
           </a:p>
@@ -3623,7 +3625,7 @@
               <a:pPr>
                 <a:defRPr/>
               </a:pPr>
-              <a:t>2017/9/28</a:t>
+              <a:t>2017/9/29</a:t>
             </a:fld>
             <a:endParaRPr lang="zh-TW" altLang="en-US"/>
           </a:p>
@@ -3925,7 +3927,7 @@
               <a:pPr>
                 <a:defRPr/>
               </a:pPr>
-              <a:t>2017/9/28</a:t>
+              <a:t>2017/9/29</a:t>
             </a:fld>
             <a:endParaRPr lang="zh-TW" altLang="en-US"/>
           </a:p>
@@ -4210,7 +4212,7 @@
               <a:pPr>
                 <a:defRPr/>
               </a:pPr>
-              <a:t>2017/9/28</a:t>
+              <a:t>2017/9/29</a:t>
             </a:fld>
             <a:endParaRPr lang="zh-TW" altLang="en-US"/>
           </a:p>
@@ -4476,7 +4478,7 @@
               <a:pPr>
                 <a:defRPr/>
               </a:pPr>
-              <a:t>2017/9/28</a:t>
+              <a:t>2017/9/29</a:t>
             </a:fld>
             <a:endParaRPr lang="zh-TW" altLang="en-US"/>
           </a:p>
@@ -5879,12 +5881,9 @@
           <a:p>
             <a:r>
               <a:rPr lang="zh-TW" altLang="en-US" dirty="0" smtClean="0"/>
-              <a:t>時間</a:t>
-            </a:r>
-            <a:r>
-              <a:rPr lang="zh-TW" altLang="en-US" dirty="0"/>
-              <a:t>差</a:t>
-            </a:r>
+              <a:t>手動部署</a:t>
+            </a:r>
+            <a:endParaRPr lang="zh-TW" altLang="en-US" dirty="0"/>
           </a:p>
         </p:txBody>
       </p:sp>
@@ -5898,14 +5897,14 @@
             <p:ph idx="1"/>
             <p:extLst>
               <p:ext uri="{D42A27DB-BD31-4B8C-83A1-F6EECF244321}">
-                <p14:modId xmlns:p14="http://schemas.microsoft.com/office/powerpoint/2010/main" val="581933814"/>
+                <p14:modId xmlns:p14="http://schemas.microsoft.com/office/powerpoint/2010/main" val="83676399"/>
               </p:ext>
             </p:extLst>
           </p:nvPr>
         </p:nvGraphicFramePr>
         <p:xfrm>
-          <a:off x="1763688" y="1844824"/>
-          <a:ext cx="5616624" cy="1634480"/>
+          <a:off x="457200" y="1600200"/>
+          <a:ext cx="8229600" cy="3484984"/>
         </p:xfrm>
         <a:graphic>
           <a:graphicData uri="http://schemas.openxmlformats.org/drawingml/2006/table">
@@ -5914,40 +5913,11 @@
                 <a:tableStyleId>{5C22544A-7EE6-4342-B048-85BDC9FD1C3A}</a:tableStyleId>
               </a:tblPr>
               <a:tblGrid>
-                <a:gridCol w="2736304"/>
-                <a:gridCol w="2880320"/>
+                <a:gridCol w="2743200"/>
+                <a:gridCol w="2743200"/>
+                <a:gridCol w="2743200"/>
               </a:tblGrid>
-              <a:tr h="612035">
-                <a:tc>
-                  <a:txBody>
-                    <a:bodyPr/>
-                    <a:lstStyle/>
-                    <a:p>
-                      <a:r>
-                        <a:rPr lang="zh-TW" altLang="en-US" sz="3200" dirty="0" smtClean="0"/>
-                        <a:t>手動部署時間</a:t>
-                      </a:r>
-                      <a:endParaRPr lang="zh-TW" altLang="en-US" sz="3200" dirty="0"/>
-                    </a:p>
-                  </a:txBody>
-                  <a:tcPr/>
-                </a:tc>
-                <a:tc>
-                  <a:txBody>
-                    <a:bodyPr/>
-                    <a:lstStyle/>
-                    <a:p>
-                      <a:r>
-                        <a:rPr lang="zh-TW" altLang="en-US" sz="3200" dirty="0" smtClean="0"/>
-                        <a:t>自動部署時間</a:t>
-                      </a:r>
-                      <a:endParaRPr lang="zh-TW" altLang="en-US" sz="3200" dirty="0"/>
-                    </a:p>
-                  </a:txBody>
-                  <a:tcPr/>
-                </a:tc>
-              </a:tr>
-              <a:tr h="1022445">
+              <a:tr h="1742492">
                 <a:tc>
                   <a:txBody>
                     <a:bodyPr/>
@@ -5963,6 +5933,134 @@
                     <a:bodyPr/>
                     <a:lstStyle/>
                     <a:p>
+                      <a:r>
+                        <a:rPr lang="en-US" altLang="zh-TW" dirty="0" smtClean="0"/>
+                        <a:t>Account</a:t>
+                      </a:r>
+                      <a:r>
+                        <a:rPr lang="en-US" altLang="zh-TW" baseline="0" dirty="0" smtClean="0"/>
+                        <a:t> Management</a:t>
+                      </a:r>
+                      <a:endParaRPr lang="zh-TW" altLang="en-US" dirty="0"/>
+                    </a:p>
+                  </a:txBody>
+                  <a:tcPr/>
+                </a:tc>
+                <a:tc>
+                  <a:txBody>
+                    <a:bodyPr/>
+                    <a:lstStyle/>
+                    <a:p>
+                      <a:r>
+                        <a:rPr lang="en-US" altLang="zh-TW" dirty="0" smtClean="0"/>
+                        <a:t>Notification</a:t>
+                      </a:r>
+                      <a:endParaRPr lang="zh-TW" altLang="en-US" dirty="0"/>
+                    </a:p>
+                  </a:txBody>
+                  <a:tcPr/>
+                </a:tc>
+              </a:tr>
+              <a:tr h="1742492">
+                <a:tc>
+                  <a:txBody>
+                    <a:bodyPr/>
+                    <a:lstStyle/>
+                    <a:p>
+                      <a:r>
+                        <a:rPr lang="zh-TW" altLang="en-US" dirty="0" smtClean="0"/>
+                        <a:t>時間</a:t>
+                      </a:r>
+                      <a:endParaRPr lang="zh-TW" altLang="en-US" dirty="0"/>
+                    </a:p>
+                  </a:txBody>
+                  <a:tcPr/>
+                </a:tc>
+                <a:tc>
+                  <a:txBody>
+                    <a:bodyPr/>
+                    <a:lstStyle/>
+                    <a:p>
+                      <a:endParaRPr lang="en-US" altLang="zh-TW" dirty="0" smtClean="0"/>
+                    </a:p>
+                    <a:p>
+                      <a:endParaRPr lang="en-US" altLang="zh-TW" dirty="0" smtClean="0"/>
+                    </a:p>
+                    <a:p>
+                      <a:endParaRPr lang="en-US" altLang="zh-TW" dirty="0" smtClean="0"/>
+                    </a:p>
+                    <a:p>
+                      <a:endParaRPr lang="en-US" altLang="zh-TW" dirty="0" smtClean="0"/>
+                    </a:p>
+                    <a:p>
+                      <a:endParaRPr lang="en-US" altLang="zh-TW" dirty="0" smtClean="0"/>
+                    </a:p>
+                    <a:p>
+                      <a:r>
+                        <a:rPr lang="zh-TW" altLang="en-US" dirty="0" smtClean="0"/>
+                        <a:t>約</a:t>
+                      </a:r>
+                      <a:r>
+                        <a:rPr lang="en-US" altLang="zh-TW" dirty="0" smtClean="0"/>
+                        <a:t>6</a:t>
+                      </a:r>
+                      <a:r>
+                        <a:rPr lang="zh-TW" altLang="en-US" dirty="0" smtClean="0"/>
+                        <a:t>分</a:t>
+                      </a:r>
+                      <a:r>
+                        <a:rPr lang="en-US" altLang="zh-TW" dirty="0" smtClean="0"/>
+                        <a:t>3</a:t>
+                      </a:r>
+                      <a:r>
+                        <a:rPr lang="zh-TW" altLang="en-US" dirty="0" smtClean="0"/>
+                        <a:t>秒</a:t>
+                      </a:r>
+                      <a:endParaRPr lang="zh-TW" altLang="en-US" dirty="0"/>
+                    </a:p>
+                  </a:txBody>
+                  <a:tcPr/>
+                </a:tc>
+                <a:tc>
+                  <a:txBody>
+                    <a:bodyPr/>
+                    <a:lstStyle/>
+                    <a:p>
+                      <a:endParaRPr lang="en-US" altLang="zh-TW" dirty="0" smtClean="0"/>
+                    </a:p>
+                    <a:p>
+                      <a:endParaRPr lang="en-US" altLang="zh-TW" dirty="0" smtClean="0"/>
+                    </a:p>
+                    <a:p>
+                      <a:endParaRPr lang="en-US" altLang="zh-TW" dirty="0" smtClean="0"/>
+                    </a:p>
+                    <a:p>
+                      <a:endParaRPr lang="en-US" altLang="zh-TW" dirty="0" smtClean="0"/>
+                    </a:p>
+                    <a:p>
+                      <a:endParaRPr lang="en-US" altLang="zh-TW" dirty="0" smtClean="0"/>
+                    </a:p>
+                    <a:p>
+                      <a:r>
+                        <a:rPr lang="zh-TW" altLang="en-US" dirty="0" smtClean="0"/>
+                        <a:t>約</a:t>
+                      </a:r>
+                      <a:r>
+                        <a:rPr lang="en-US" altLang="zh-TW" dirty="0" smtClean="0"/>
+                        <a:t>8</a:t>
+                      </a:r>
+                      <a:r>
+                        <a:rPr lang="zh-TW" altLang="en-US" dirty="0" smtClean="0"/>
+                        <a:t>分</a:t>
+                      </a:r>
+                      <a:r>
+                        <a:rPr lang="en-US" altLang="zh-TW" dirty="0" smtClean="0"/>
+                        <a:t>6</a:t>
+                      </a:r>
+                      <a:r>
+                        <a:rPr lang="zh-TW" altLang="en-US" dirty="0" smtClean="0"/>
+                        <a:t>秒</a:t>
+                      </a:r>
                       <a:endParaRPr lang="zh-TW" altLang="en-US" dirty="0"/>
                     </a:p>
                   </a:txBody>
@@ -6002,10 +6100,58 @@
           </a:p>
         </p:txBody>
       </p:sp>
+      <p:pic>
+        <p:nvPicPr>
+          <p:cNvPr id="6" name="圖片 5"/>
+          <p:cNvPicPr>
+            <a:picLocks noChangeAspect="1"/>
+          </p:cNvPicPr>
+          <p:nvPr/>
+        </p:nvPicPr>
+        <p:blipFill>
+          <a:blip r:embed="rId2"/>
+          <a:stretch>
+            <a:fillRect/>
+          </a:stretch>
+        </p:blipFill>
+        <p:spPr>
+          <a:xfrm>
+            <a:off x="6000750" y="3342692"/>
+            <a:ext cx="2686050" cy="1371600"/>
+          </a:xfrm>
+          <a:prstGeom prst="rect">
+            <a:avLst/>
+          </a:prstGeom>
+        </p:spPr>
+      </p:pic>
+      <p:pic>
+        <p:nvPicPr>
+          <p:cNvPr id="7" name="圖片 6"/>
+          <p:cNvPicPr>
+            <a:picLocks noChangeAspect="1"/>
+          </p:cNvPicPr>
+          <p:nvPr/>
+        </p:nvPicPr>
+        <p:blipFill>
+          <a:blip r:embed="rId3"/>
+          <a:stretch>
+            <a:fillRect/>
+          </a:stretch>
+        </p:blipFill>
+        <p:spPr>
+          <a:xfrm>
+            <a:off x="3228975" y="3323149"/>
+            <a:ext cx="2686050" cy="1409700"/>
+          </a:xfrm>
+          <a:prstGeom prst="rect">
+            <a:avLst/>
+          </a:prstGeom>
+        </p:spPr>
+      </p:pic>
     </p:spTree>
     <p:extLst>
       <p:ext uri="{BB962C8B-B14F-4D97-AF65-F5344CB8AC3E}">
-        <p14:creationId xmlns:p14="http://schemas.microsoft.com/office/powerpoint/2010/main" val="2310772509"/>
+        <p14:creationId xmlns:p14="http://schemas.microsoft.com/office/powerpoint/2010/main" val="2086381393"/>
       </p:ext>
     </p:extLst>
   </p:cSld>
@@ -6048,366 +6194,10 @@
           <a:lstStyle/>
           <a:p>
             <a:r>
-              <a:rPr lang="en-US" altLang="zh-TW" dirty="0" smtClean="0"/>
-              <a:t>DevOps</a:t>
+              <a:rPr lang="zh-TW" altLang="en-US" dirty="0" smtClean="0"/>
+              <a:t>自動部署</a:t>
             </a:r>
             <a:endParaRPr lang="zh-TW" altLang="en-US" dirty="0"/>
-          </a:p>
-        </p:txBody>
-      </p:sp>
-      <p:sp>
-        <p:nvSpPr>
-          <p:cNvPr id="3" name="內容版面配置區 2"/>
-          <p:cNvSpPr>
-            <a:spLocks noGrp="1"/>
-          </p:cNvSpPr>
-          <p:nvPr>
-            <p:ph idx="1"/>
-          </p:nvPr>
-        </p:nvSpPr>
-        <p:spPr>
-          <a:xfrm>
-            <a:off x="444288" y="1657730"/>
-            <a:ext cx="8699711" cy="4525963"/>
-          </a:xfrm>
-        </p:spPr>
-        <p:txBody>
-          <a:bodyPr/>
-          <a:lstStyle/>
-          <a:p>
-            <a:r>
-              <a:rPr lang="en-US" altLang="zh-TW" sz="2000" dirty="0" smtClean="0">
-                <a:latin typeface="標楷體" panose="03000509000000000000" pitchFamily="65" charset="-120"/>
-              </a:rPr>
-              <a:t>Development(</a:t>
-            </a:r>
-            <a:r>
-              <a:rPr lang="zh-TW" altLang="en-US" sz="2000" dirty="0" smtClean="0">
-                <a:latin typeface="標楷體" panose="03000509000000000000" pitchFamily="65" charset="-120"/>
-              </a:rPr>
-              <a:t>開發</a:t>
-            </a:r>
-            <a:r>
-              <a:rPr lang="en-US" altLang="zh-TW" sz="2000" dirty="0" smtClean="0">
-                <a:latin typeface="標楷體" panose="03000509000000000000" pitchFamily="65" charset="-120"/>
-              </a:rPr>
-              <a:t>)</a:t>
-            </a:r>
-          </a:p>
-          <a:p>
-            <a:r>
-              <a:rPr lang="en-US" altLang="zh-TW" sz="2000" dirty="0" smtClean="0">
-                <a:latin typeface="標楷體" panose="03000509000000000000" pitchFamily="65" charset="-120"/>
-              </a:rPr>
-              <a:t>Operation(</a:t>
-            </a:r>
-            <a:r>
-              <a:rPr lang="zh-TW" altLang="en-US" sz="2000" dirty="0">
-                <a:latin typeface="標楷體" panose="03000509000000000000" pitchFamily="65" charset="-120"/>
-              </a:rPr>
-              <a:t>維</a:t>
-            </a:r>
-            <a:r>
-              <a:rPr lang="zh-TW" altLang="en-US" sz="2000" dirty="0" smtClean="0">
-                <a:latin typeface="標楷體" panose="03000509000000000000" pitchFamily="65" charset="-120"/>
-              </a:rPr>
-              <a:t>運</a:t>
-            </a:r>
-            <a:r>
-              <a:rPr lang="en-US" altLang="zh-TW" sz="2000" dirty="0" smtClean="0">
-                <a:latin typeface="標楷體" panose="03000509000000000000" pitchFamily="65" charset="-120"/>
-              </a:rPr>
-              <a:t>)</a:t>
-            </a:r>
-          </a:p>
-          <a:p>
-            <a:r>
-              <a:rPr lang="zh-TW" altLang="en-US" sz="2000" dirty="0" smtClean="0">
-                <a:latin typeface="標楷體" panose="03000509000000000000" pitchFamily="65" charset="-120"/>
-              </a:rPr>
-              <a:t>目標 </a:t>
-            </a:r>
-            <a:r>
-              <a:rPr lang="en-US" altLang="zh-TW" sz="2000" dirty="0" smtClean="0">
-                <a:latin typeface="標楷體" panose="03000509000000000000" pitchFamily="65" charset="-120"/>
-              </a:rPr>
-              <a:t>:</a:t>
-            </a:r>
-            <a:r>
-              <a:rPr lang="zh-TW" altLang="en-US" sz="2000" dirty="0" smtClean="0">
-                <a:latin typeface="標楷體" panose="03000509000000000000" pitchFamily="65" charset="-120"/>
-              </a:rPr>
-              <a:t> 加快服務改版的速度</a:t>
-            </a:r>
-            <a:endParaRPr lang="en-US" altLang="zh-TW" sz="2000" dirty="0" smtClean="0">
-              <a:latin typeface="標楷體" panose="03000509000000000000" pitchFamily="65" charset="-120"/>
-            </a:endParaRPr>
-          </a:p>
-          <a:p>
-            <a:r>
-              <a:rPr lang="zh-TW" altLang="en-US" sz="2000" dirty="0" smtClean="0">
-                <a:latin typeface="標楷體" panose="03000509000000000000" pitchFamily="65" charset="-120"/>
-              </a:rPr>
-              <a:t>提出快速的交付、部署與得到使用者的回饋的觀念與工具</a:t>
-            </a:r>
-            <a:endParaRPr lang="en-US" altLang="zh-TW" sz="2000" dirty="0" smtClean="0">
-              <a:latin typeface="標楷體" panose="03000509000000000000" pitchFamily="65" charset="-120"/>
-            </a:endParaRPr>
-          </a:p>
-          <a:p>
-            <a:r>
-              <a:rPr lang="zh-TW" altLang="en-US" sz="2000" dirty="0"/>
-              <a:t>開發人員也可以專注在產生更有品質的程式碼，避免之後不停的</a:t>
-            </a:r>
-            <a:r>
-              <a:rPr lang="zh-TW" altLang="en-US" sz="2000" dirty="0" smtClean="0"/>
-              <a:t>修補</a:t>
-            </a:r>
-            <a:endParaRPr lang="en-US" altLang="zh-TW" sz="2000" dirty="0" smtClean="0"/>
-          </a:p>
-          <a:p>
-            <a:r>
-              <a:rPr lang="zh-TW" altLang="en-US" sz="2000" dirty="0" smtClean="0"/>
-              <a:t>程式碼</a:t>
-            </a:r>
-            <a:endParaRPr lang="en-US" altLang="zh-TW" sz="2000" dirty="0" smtClean="0"/>
-          </a:p>
-          <a:p>
-            <a:r>
-              <a:rPr lang="en-US" altLang="zh-TW" sz="2000" dirty="0" smtClean="0">
-                <a:latin typeface="標楷體" panose="03000509000000000000" pitchFamily="65" charset="-120"/>
-              </a:rPr>
-              <a:t>CALMS : </a:t>
-            </a:r>
-          </a:p>
-          <a:p>
-            <a:r>
-              <a:rPr lang="zh-TW" altLang="en-US" sz="2000" dirty="0" smtClean="0">
-                <a:latin typeface="標楷體" panose="03000509000000000000" pitchFamily="65" charset="-120"/>
-              </a:rPr>
-              <a:t>文</a:t>
-            </a:r>
-            <a:r>
-              <a:rPr lang="zh-TW" altLang="en-US" sz="2000" dirty="0">
-                <a:latin typeface="標楷體" panose="03000509000000000000" pitchFamily="65" charset="-120"/>
-              </a:rPr>
-              <a:t>化</a:t>
-            </a:r>
-            <a:r>
-              <a:rPr lang="en-US" altLang="zh-TW" sz="2000" dirty="0" smtClean="0">
-                <a:latin typeface="標楷體" panose="03000509000000000000" pitchFamily="65" charset="-120"/>
-              </a:rPr>
-              <a:t>(Culture)</a:t>
-            </a:r>
-            <a:r>
-              <a:rPr lang="zh-TW" altLang="en-US" sz="2000" dirty="0" smtClean="0">
-                <a:latin typeface="標楷體" panose="03000509000000000000" pitchFamily="65" charset="-120"/>
-              </a:rPr>
-              <a:t> </a:t>
-            </a:r>
-            <a:r>
-              <a:rPr lang="en-US" altLang="zh-TW" sz="2000" dirty="0" smtClean="0">
-                <a:latin typeface="標楷體" panose="03000509000000000000" pitchFamily="65" charset="-120"/>
-              </a:rPr>
-              <a:t>:</a:t>
-            </a:r>
-            <a:r>
-              <a:rPr lang="zh-TW" altLang="en-US" sz="2000" dirty="0" smtClean="0">
-                <a:latin typeface="標楷體" panose="03000509000000000000" pitchFamily="65" charset="-120"/>
-              </a:rPr>
-              <a:t> </a:t>
-            </a:r>
-            <a:r>
-              <a:rPr lang="zh-TW" altLang="en-US" sz="2000" dirty="0" smtClean="0"/>
-              <a:t>開發</a:t>
-            </a:r>
-            <a:r>
-              <a:rPr lang="zh-TW" altLang="en-US" sz="2000" dirty="0"/>
-              <a:t>多去想維運面，維運多去想開發</a:t>
-            </a:r>
-            <a:r>
-              <a:rPr lang="zh-TW" altLang="en-US" sz="2000" dirty="0" smtClean="0"/>
-              <a:t>面。</a:t>
-            </a:r>
-            <a:endParaRPr lang="en-US" altLang="zh-TW" sz="2000" dirty="0" smtClean="0">
-              <a:latin typeface="標楷體" panose="03000509000000000000" pitchFamily="65" charset="-120"/>
-            </a:endParaRPr>
-          </a:p>
-          <a:p>
-            <a:r>
-              <a:rPr lang="zh-TW" altLang="en-US" sz="2000" dirty="0" smtClean="0">
-                <a:latin typeface="標楷體" panose="03000509000000000000" pitchFamily="65" charset="-120"/>
-              </a:rPr>
-              <a:t>自動化</a:t>
-            </a:r>
-            <a:r>
-              <a:rPr lang="en-US" altLang="zh-TW" sz="2000" dirty="0" smtClean="0">
-                <a:latin typeface="標楷體" panose="03000509000000000000" pitchFamily="65" charset="-120"/>
-              </a:rPr>
-              <a:t>(Automation)</a:t>
-            </a:r>
-            <a:r>
-              <a:rPr lang="zh-TW" altLang="en-US" sz="2000" dirty="0" smtClean="0">
-                <a:latin typeface="標楷體" panose="03000509000000000000" pitchFamily="65" charset="-120"/>
-              </a:rPr>
-              <a:t> </a:t>
-            </a:r>
-            <a:r>
-              <a:rPr lang="en-US" altLang="zh-TW" sz="2000" dirty="0" smtClean="0">
-                <a:latin typeface="標楷體" panose="03000509000000000000" pitchFamily="65" charset="-120"/>
-              </a:rPr>
-              <a:t>:</a:t>
-            </a:r>
-            <a:r>
-              <a:rPr lang="zh-TW" altLang="en-US" sz="2000" dirty="0" smtClean="0">
-                <a:latin typeface="標楷體" panose="03000509000000000000" pitchFamily="65" charset="-120"/>
-              </a:rPr>
-              <a:t> 需求的潤滑劑。</a:t>
-            </a:r>
-            <a:endParaRPr lang="en-US" altLang="zh-TW" sz="2000" dirty="0" smtClean="0">
-              <a:latin typeface="標楷體" panose="03000509000000000000" pitchFamily="65" charset="-120"/>
-            </a:endParaRPr>
-          </a:p>
-          <a:p>
-            <a:r>
-              <a:rPr lang="zh-TW" altLang="en-US" sz="2000" dirty="0" smtClean="0">
-                <a:latin typeface="標楷體" panose="03000509000000000000" pitchFamily="65" charset="-120"/>
-              </a:rPr>
-              <a:t>精實</a:t>
-            </a:r>
-            <a:r>
-              <a:rPr lang="en-US" altLang="zh-TW" sz="2000" dirty="0" smtClean="0">
-                <a:latin typeface="標楷體" panose="03000509000000000000" pitchFamily="65" charset="-120"/>
-              </a:rPr>
-              <a:t>(Lean)</a:t>
-            </a:r>
-            <a:r>
-              <a:rPr lang="zh-TW" altLang="en-US" sz="2000" dirty="0" smtClean="0">
-                <a:latin typeface="標楷體" panose="03000509000000000000" pitchFamily="65" charset="-120"/>
-              </a:rPr>
-              <a:t> </a:t>
-            </a:r>
-            <a:r>
-              <a:rPr lang="en-US" altLang="zh-TW" sz="2000" dirty="0" smtClean="0">
-                <a:latin typeface="標楷體" panose="03000509000000000000" pitchFamily="65" charset="-120"/>
-              </a:rPr>
-              <a:t>:</a:t>
-            </a:r>
-            <a:r>
-              <a:rPr lang="zh-TW" altLang="en-US" sz="2000" dirty="0" smtClean="0">
-                <a:latin typeface="標楷體" panose="03000509000000000000" pitchFamily="65" charset="-120"/>
-              </a:rPr>
-              <a:t> </a:t>
-            </a:r>
-            <a:r>
-              <a:rPr lang="zh-TW" altLang="en-US" sz="2000" dirty="0" smtClean="0"/>
-              <a:t>精</a:t>
-            </a:r>
-            <a:r>
-              <a:rPr lang="zh-TW" altLang="en-US" sz="2000" dirty="0"/>
-              <a:t>實</a:t>
-            </a:r>
-            <a:r>
-              <a:rPr lang="zh-TW" altLang="en-US" sz="2000" dirty="0" smtClean="0"/>
-              <a:t>軟體開發。</a:t>
-            </a:r>
-            <a:endParaRPr lang="en-US" altLang="zh-TW" sz="2000" dirty="0" smtClean="0">
-              <a:latin typeface="標楷體" panose="03000509000000000000" pitchFamily="65" charset="-120"/>
-            </a:endParaRPr>
-          </a:p>
-          <a:p>
-            <a:r>
-              <a:rPr lang="zh-TW" altLang="en-US" sz="2000" dirty="0" smtClean="0">
-                <a:latin typeface="標楷體" panose="03000509000000000000" pitchFamily="65" charset="-120"/>
-              </a:rPr>
-              <a:t>測量</a:t>
-            </a:r>
-            <a:r>
-              <a:rPr lang="en-US" altLang="zh-TW" sz="2000" dirty="0" smtClean="0">
-                <a:latin typeface="標楷體" panose="03000509000000000000" pitchFamily="65" charset="-120"/>
-              </a:rPr>
-              <a:t>(Measurement)</a:t>
-            </a:r>
-            <a:r>
-              <a:rPr lang="zh-TW" altLang="en-US" sz="2000" dirty="0" smtClean="0">
-                <a:latin typeface="標楷體" panose="03000509000000000000" pitchFamily="65" charset="-120"/>
-              </a:rPr>
-              <a:t> </a:t>
-            </a:r>
-            <a:r>
-              <a:rPr lang="en-US" altLang="zh-TW" sz="2000" dirty="0" smtClean="0">
-                <a:latin typeface="標楷體" panose="03000509000000000000" pitchFamily="65" charset="-120"/>
-              </a:rPr>
-              <a:t>:</a:t>
-            </a:r>
-            <a:r>
-              <a:rPr lang="zh-TW" altLang="en-US" sz="2000" dirty="0" smtClean="0">
-                <a:latin typeface="標楷體" panose="03000509000000000000" pitchFamily="65" charset="-120"/>
-              </a:rPr>
-              <a:t> 提示</a:t>
-            </a:r>
-            <a:r>
-              <a:rPr lang="zh-TW" altLang="en-US" sz="2000" dirty="0" smtClean="0"/>
-              <a:t>團隊</a:t>
-            </a:r>
-            <a:r>
-              <a:rPr lang="zh-TW" altLang="en-US" sz="2000" dirty="0"/>
-              <a:t>如何做更正確的</a:t>
-            </a:r>
-            <a:r>
-              <a:rPr lang="zh-TW" altLang="en-US" sz="2000" dirty="0" smtClean="0"/>
-              <a:t>改善。</a:t>
-            </a:r>
-            <a:endParaRPr lang="en-US" altLang="zh-TW" sz="2000" dirty="0" smtClean="0">
-              <a:latin typeface="標楷體" panose="03000509000000000000" pitchFamily="65" charset="-120"/>
-            </a:endParaRPr>
-          </a:p>
-          <a:p>
-            <a:r>
-              <a:rPr lang="zh-TW" altLang="en-US" sz="2000" dirty="0" smtClean="0">
-                <a:latin typeface="標楷體" panose="03000509000000000000" pitchFamily="65" charset="-120"/>
-              </a:rPr>
-              <a:t>分享</a:t>
-            </a:r>
-            <a:r>
-              <a:rPr lang="en-US" altLang="zh-TW" sz="2000" dirty="0" smtClean="0">
-                <a:latin typeface="標楷體" panose="03000509000000000000" pitchFamily="65" charset="-120"/>
-              </a:rPr>
-              <a:t>(Sharing)</a:t>
-            </a:r>
-            <a:r>
-              <a:rPr lang="zh-TW" altLang="en-US" sz="2000" dirty="0" smtClean="0">
-                <a:latin typeface="標楷體" panose="03000509000000000000" pitchFamily="65" charset="-120"/>
-              </a:rPr>
-              <a:t> </a:t>
-            </a:r>
-            <a:r>
-              <a:rPr lang="en-US" altLang="zh-TW" sz="2000" dirty="0" smtClean="0">
-                <a:latin typeface="標楷體" panose="03000509000000000000" pitchFamily="65" charset="-120"/>
-              </a:rPr>
-              <a:t>:</a:t>
-            </a:r>
-            <a:r>
-              <a:rPr lang="zh-TW" altLang="en-US" sz="2000" dirty="0" smtClean="0">
-                <a:latin typeface="標楷體" panose="03000509000000000000" pitchFamily="65" charset="-120"/>
-              </a:rPr>
-              <a:t> </a:t>
-            </a:r>
-            <a:r>
-              <a:rPr lang="zh-TW" altLang="en-US" sz="2000" dirty="0" smtClean="0"/>
-              <a:t>增加</a:t>
-            </a:r>
-            <a:r>
-              <a:rPr lang="zh-TW" altLang="en-US" sz="2000" dirty="0"/>
-              <a:t>團隊</a:t>
-            </a:r>
-            <a:r>
-              <a:rPr lang="zh-TW" altLang="en-US" sz="2000" dirty="0" smtClean="0"/>
-              <a:t>透明度。</a:t>
-            </a:r>
-            <a:endParaRPr lang="zh-TW" altLang="en-US" sz="2000" dirty="0">
-              <a:latin typeface="標楷體" panose="03000509000000000000" pitchFamily="65" charset="-120"/>
-            </a:endParaRPr>
           </a:p>
         </p:txBody>
       </p:sp>
@@ -6435,6 +6225,1129 @@
                 <a:defRPr/>
               </a:pPr>
               <a:t>15</a:t>
+            </a:fld>
+            <a:endParaRPr lang="zh-TW" altLang="en-US"/>
+          </a:p>
+        </p:txBody>
+      </p:sp>
+      <p:graphicFrame>
+        <p:nvGraphicFramePr>
+          <p:cNvPr id="5" name="內容版面配置區 4"/>
+          <p:cNvGraphicFramePr>
+            <a:graphicFrameLocks/>
+          </p:cNvGraphicFramePr>
+          <p:nvPr>
+            <p:extLst>
+              <p:ext uri="{D42A27DB-BD31-4B8C-83A1-F6EECF244321}">
+                <p14:modId xmlns:p14="http://schemas.microsoft.com/office/powerpoint/2010/main" val="1505875952"/>
+              </p:ext>
+            </p:extLst>
+          </p:nvPr>
+        </p:nvGraphicFramePr>
+        <p:xfrm>
+          <a:off x="457200" y="1786347"/>
+          <a:ext cx="8229600" cy="3484984"/>
+        </p:xfrm>
+        <a:graphic>
+          <a:graphicData uri="http://schemas.openxmlformats.org/drawingml/2006/table">
+            <a:tbl>
+              <a:tblPr firstRow="1" bandRow="1">
+                <a:tableStyleId>{5C22544A-7EE6-4342-B048-85BDC9FD1C3A}</a:tableStyleId>
+              </a:tblPr>
+              <a:tblGrid>
+                <a:gridCol w="2743200"/>
+                <a:gridCol w="2743200"/>
+                <a:gridCol w="2743200"/>
+              </a:tblGrid>
+              <a:tr h="1742492">
+                <a:tc>
+                  <a:txBody>
+                    <a:bodyPr/>
+                    <a:lstStyle/>
+                    <a:p>
+                      <a:endParaRPr lang="zh-TW" altLang="en-US" dirty="0"/>
+                    </a:p>
+                  </a:txBody>
+                  <a:tcPr/>
+                </a:tc>
+                <a:tc>
+                  <a:txBody>
+                    <a:bodyPr/>
+                    <a:lstStyle/>
+                    <a:p>
+                      <a:r>
+                        <a:rPr lang="en-US" altLang="zh-TW" dirty="0" smtClean="0"/>
+                        <a:t>Account</a:t>
+                      </a:r>
+                      <a:r>
+                        <a:rPr lang="en-US" altLang="zh-TW" baseline="0" dirty="0" smtClean="0"/>
+                        <a:t> Management</a:t>
+                      </a:r>
+                      <a:endParaRPr lang="zh-TW" altLang="en-US" dirty="0"/>
+                    </a:p>
+                  </a:txBody>
+                  <a:tcPr/>
+                </a:tc>
+                <a:tc>
+                  <a:txBody>
+                    <a:bodyPr/>
+                    <a:lstStyle/>
+                    <a:p>
+                      <a:r>
+                        <a:rPr lang="en-US" altLang="zh-TW" dirty="0" smtClean="0"/>
+                        <a:t>Notification</a:t>
+                      </a:r>
+                      <a:endParaRPr lang="zh-TW" altLang="en-US" dirty="0"/>
+                    </a:p>
+                  </a:txBody>
+                  <a:tcPr/>
+                </a:tc>
+              </a:tr>
+              <a:tr h="1742492">
+                <a:tc>
+                  <a:txBody>
+                    <a:bodyPr/>
+                    <a:lstStyle/>
+                    <a:p>
+                      <a:r>
+                        <a:rPr lang="zh-TW" altLang="en-US" dirty="0" smtClean="0"/>
+                        <a:t>時間</a:t>
+                      </a:r>
+                      <a:endParaRPr lang="zh-TW" altLang="en-US" dirty="0"/>
+                    </a:p>
+                  </a:txBody>
+                  <a:tcPr/>
+                </a:tc>
+                <a:tc>
+                  <a:txBody>
+                    <a:bodyPr/>
+                    <a:lstStyle/>
+                    <a:p>
+                      <a:endParaRPr lang="en-US" altLang="zh-TW" dirty="0" smtClean="0"/>
+                    </a:p>
+                    <a:p>
+                      <a:endParaRPr lang="en-US" altLang="zh-TW" dirty="0" smtClean="0"/>
+                    </a:p>
+                    <a:p>
+                      <a:endParaRPr lang="en-US" altLang="zh-TW" dirty="0" smtClean="0"/>
+                    </a:p>
+                    <a:p>
+                      <a:endParaRPr lang="en-US" altLang="zh-TW" dirty="0" smtClean="0"/>
+                    </a:p>
+                    <a:p>
+                      <a:endParaRPr lang="en-US" altLang="zh-TW" dirty="0" smtClean="0"/>
+                    </a:p>
+                    <a:p>
+                      <a:r>
+                        <a:rPr lang="zh-TW" altLang="en-US" dirty="0" smtClean="0"/>
+                        <a:t>約</a:t>
+                      </a:r>
+                      <a:r>
+                        <a:rPr lang="en-US" altLang="zh-TW" dirty="0" smtClean="0"/>
+                        <a:t>1</a:t>
+                      </a:r>
+                      <a:r>
+                        <a:rPr lang="zh-TW" altLang="en-US" dirty="0" smtClean="0"/>
+                        <a:t>分</a:t>
+                      </a:r>
+                      <a:r>
+                        <a:rPr lang="en-US" altLang="zh-TW" dirty="0" smtClean="0"/>
+                        <a:t>53</a:t>
+                      </a:r>
+                      <a:r>
+                        <a:rPr lang="zh-TW" altLang="en-US" dirty="0" smtClean="0"/>
+                        <a:t>秒</a:t>
+                      </a:r>
+                      <a:endParaRPr lang="zh-TW" altLang="en-US" dirty="0"/>
+                    </a:p>
+                  </a:txBody>
+                  <a:tcPr/>
+                </a:tc>
+                <a:tc>
+                  <a:txBody>
+                    <a:bodyPr/>
+                    <a:lstStyle/>
+                    <a:p>
+                      <a:endParaRPr lang="en-US" altLang="zh-TW" dirty="0" smtClean="0"/>
+                    </a:p>
+                    <a:p>
+                      <a:endParaRPr lang="en-US" altLang="zh-TW" dirty="0" smtClean="0"/>
+                    </a:p>
+                    <a:p>
+                      <a:endParaRPr lang="en-US" altLang="zh-TW" dirty="0" smtClean="0"/>
+                    </a:p>
+                    <a:p>
+                      <a:endParaRPr lang="en-US" altLang="zh-TW" dirty="0" smtClean="0"/>
+                    </a:p>
+                    <a:p>
+                      <a:endParaRPr lang="en-US" altLang="zh-TW" dirty="0" smtClean="0"/>
+                    </a:p>
+                    <a:p>
+                      <a:r>
+                        <a:rPr lang="zh-TW" altLang="en-US" dirty="0" smtClean="0"/>
+                        <a:t>約</a:t>
+                      </a:r>
+                      <a:r>
+                        <a:rPr lang="en-US" altLang="zh-TW" dirty="0" smtClean="0"/>
+                        <a:t>2</a:t>
+                      </a:r>
+                      <a:r>
+                        <a:rPr lang="zh-TW" altLang="en-US" dirty="0" smtClean="0"/>
+                        <a:t>分</a:t>
+                      </a:r>
+                      <a:r>
+                        <a:rPr lang="en-US" altLang="zh-TW" dirty="0" smtClean="0"/>
+                        <a:t>6</a:t>
+                      </a:r>
+                      <a:r>
+                        <a:rPr lang="zh-TW" altLang="en-US" dirty="0" smtClean="0"/>
+                        <a:t>秒</a:t>
+                      </a:r>
+                      <a:endParaRPr lang="zh-TW" altLang="en-US" dirty="0"/>
+                    </a:p>
+                  </a:txBody>
+                  <a:tcPr/>
+                </a:tc>
+              </a:tr>
+            </a:tbl>
+          </a:graphicData>
+        </a:graphic>
+      </p:graphicFrame>
+      <p:pic>
+        <p:nvPicPr>
+          <p:cNvPr id="8" name="圖片 7"/>
+          <p:cNvPicPr>
+            <a:picLocks noChangeAspect="1"/>
+          </p:cNvPicPr>
+          <p:nvPr/>
+        </p:nvPicPr>
+        <p:blipFill>
+          <a:blip r:embed="rId2"/>
+          <a:stretch>
+            <a:fillRect/>
+          </a:stretch>
+        </p:blipFill>
+        <p:spPr>
+          <a:xfrm>
+            <a:off x="5955840" y="3517387"/>
+            <a:ext cx="2746648" cy="1323975"/>
+          </a:xfrm>
+          <a:prstGeom prst="rect">
+            <a:avLst/>
+          </a:prstGeom>
+        </p:spPr>
+      </p:pic>
+      <p:pic>
+        <p:nvPicPr>
+          <p:cNvPr id="11" name="圖片 10"/>
+          <p:cNvPicPr>
+            <a:picLocks noChangeAspect="1"/>
+          </p:cNvPicPr>
+          <p:nvPr/>
+        </p:nvPicPr>
+        <p:blipFill>
+          <a:blip r:embed="rId3"/>
+          <a:stretch>
+            <a:fillRect/>
+          </a:stretch>
+        </p:blipFill>
+        <p:spPr>
+          <a:xfrm>
+            <a:off x="3243262" y="3528839"/>
+            <a:ext cx="2657475" cy="1323975"/>
+          </a:xfrm>
+          <a:prstGeom prst="rect">
+            <a:avLst/>
+          </a:prstGeom>
+        </p:spPr>
+      </p:pic>
+    </p:spTree>
+    <p:extLst>
+      <p:ext uri="{BB962C8B-B14F-4D97-AF65-F5344CB8AC3E}">
+        <p14:creationId xmlns:p14="http://schemas.microsoft.com/office/powerpoint/2010/main" val="2421157207"/>
+      </p:ext>
+    </p:extLst>
+  </p:cSld>
+  <p:clrMapOvr>
+    <a:masterClrMapping/>
+  </p:clrMapOvr>
+</p:sld>
+</file>
+
+<file path=ppt/slides/slide16.xml><?xml version="1.0" encoding="utf-8"?>
+<p:sld xmlns:a="http://schemas.openxmlformats.org/drawingml/2006/main" xmlns:r="http://schemas.openxmlformats.org/officeDocument/2006/relationships" xmlns:p="http://schemas.openxmlformats.org/presentationml/2006/main">
+  <p:cSld>
+    <p:spTree>
+      <p:nvGrpSpPr>
+        <p:cNvPr id="1" name=""/>
+        <p:cNvGrpSpPr/>
+        <p:nvPr/>
+      </p:nvGrpSpPr>
+      <p:grpSpPr>
+        <a:xfrm>
+          <a:off x="0" y="0"/>
+          <a:ext cx="0" cy="0"/>
+          <a:chOff x="0" y="0"/>
+          <a:chExt cx="0" cy="0"/>
+        </a:xfrm>
+      </p:grpSpPr>
+      <p:sp>
+        <p:nvSpPr>
+          <p:cNvPr id="2" name="標題 1"/>
+          <p:cNvSpPr>
+            <a:spLocks noGrp="1"/>
+          </p:cNvSpPr>
+          <p:nvPr>
+            <p:ph type="title"/>
+          </p:nvPr>
+        </p:nvSpPr>
+        <p:spPr>
+          <a:xfrm>
+            <a:off x="539552" y="116632"/>
+            <a:ext cx="8229600" cy="1143000"/>
+          </a:xfrm>
+        </p:spPr>
+        <p:txBody>
+          <a:bodyPr/>
+          <a:lstStyle/>
+          <a:p>
+            <a:r>
+              <a:rPr lang="zh-TW" altLang="en-US" dirty="0" smtClean="0"/>
+              <a:t>比較</a:t>
+            </a:r>
+            <a:endParaRPr lang="zh-TW" altLang="en-US" dirty="0"/>
+          </a:p>
+        </p:txBody>
+      </p:sp>
+      <p:sp>
+        <p:nvSpPr>
+          <p:cNvPr id="4" name="投影片編號版面配置區 3"/>
+          <p:cNvSpPr>
+            <a:spLocks noGrp="1"/>
+          </p:cNvSpPr>
+          <p:nvPr>
+            <p:ph type="sldNum" sz="quarter" idx="12"/>
+          </p:nvPr>
+        </p:nvSpPr>
+        <p:spPr/>
+        <p:txBody>
+          <a:bodyPr/>
+          <a:lstStyle/>
+          <a:p>
+            <a:pPr>
+              <a:defRPr/>
+            </a:pPr>
+            <a:fld id="{3DB7C113-B292-4711-9FA5-4E4B2395B52F}" type="slidenum">
+              <a:rPr lang="zh-TW" altLang="en-US" smtClean="0"/>
+              <a:pPr>
+                <a:defRPr/>
+              </a:pPr>
+              <a:t>16</a:t>
+            </a:fld>
+            <a:endParaRPr lang="zh-TW" altLang="en-US"/>
+          </a:p>
+        </p:txBody>
+      </p:sp>
+      <p:graphicFrame>
+        <p:nvGraphicFramePr>
+          <p:cNvPr id="6" name="內容版面配置區 5"/>
+          <p:cNvGraphicFramePr>
+            <a:graphicFrameLocks noGrp="1"/>
+          </p:cNvGraphicFramePr>
+          <p:nvPr>
+            <p:ph idx="1"/>
+            <p:extLst>
+              <p:ext uri="{D42A27DB-BD31-4B8C-83A1-F6EECF244321}">
+                <p14:modId xmlns:p14="http://schemas.microsoft.com/office/powerpoint/2010/main" val="2021648870"/>
+              </p:ext>
+            </p:extLst>
+          </p:nvPr>
+        </p:nvGraphicFramePr>
+        <p:xfrm>
+          <a:off x="457200" y="1600200"/>
+          <a:ext cx="8229600" cy="3875139"/>
+        </p:xfrm>
+        <a:graphic>
+          <a:graphicData uri="http://schemas.openxmlformats.org/drawingml/2006/table">
+            <a:tbl>
+              <a:tblPr firstRow="1" bandRow="1">
+                <a:tableStyleId>{5C22544A-7EE6-4342-B048-85BDC9FD1C3A}</a:tableStyleId>
+              </a:tblPr>
+              <a:tblGrid>
+                <a:gridCol w="2743200"/>
+                <a:gridCol w="2743200"/>
+                <a:gridCol w="2743200"/>
+              </a:tblGrid>
+              <a:tr h="460648">
+                <a:tc>
+                  <a:txBody>
+                    <a:bodyPr/>
+                    <a:lstStyle/>
+                    <a:p>
+                      <a:endParaRPr lang="zh-TW" altLang="en-US" dirty="0"/>
+                    </a:p>
+                  </a:txBody>
+                  <a:tcPr/>
+                </a:tc>
+                <a:tc>
+                  <a:txBody>
+                    <a:bodyPr/>
+                    <a:lstStyle/>
+                    <a:p>
+                      <a:r>
+                        <a:rPr lang="zh-TW" altLang="en-US" sz="3600" dirty="0" smtClean="0"/>
+                        <a:t>手動部署</a:t>
+                      </a:r>
+                      <a:endParaRPr lang="zh-TW" altLang="en-US" sz="3600" dirty="0"/>
+                    </a:p>
+                  </a:txBody>
+                  <a:tcPr/>
+                </a:tc>
+                <a:tc>
+                  <a:txBody>
+                    <a:bodyPr/>
+                    <a:lstStyle/>
+                    <a:p>
+                      <a:r>
+                        <a:rPr lang="zh-TW" altLang="en-US" sz="3600" dirty="0" smtClean="0"/>
+                        <a:t>自動部署</a:t>
+                      </a:r>
+                      <a:endParaRPr lang="zh-TW" altLang="en-US" sz="3600" dirty="0"/>
+                    </a:p>
+                  </a:txBody>
+                  <a:tcPr/>
+                </a:tc>
+              </a:tr>
+              <a:tr h="1497699">
+                <a:tc>
+                  <a:txBody>
+                    <a:bodyPr/>
+                    <a:lstStyle/>
+                    <a:p>
+                      <a:r>
+                        <a:rPr lang="zh-TW" altLang="en-US" dirty="0" smtClean="0"/>
+                        <a:t>步驟</a:t>
+                      </a:r>
+                      <a:endParaRPr lang="zh-TW" altLang="en-US" dirty="0"/>
+                    </a:p>
+                  </a:txBody>
+                  <a:tcPr/>
+                </a:tc>
+                <a:tc>
+                  <a:txBody>
+                    <a:bodyPr/>
+                    <a:lstStyle/>
+                    <a:p>
+                      <a:r>
+                        <a:rPr lang="en-US" altLang="zh-TW" sz="1800" dirty="0" smtClean="0"/>
+                        <a:t>1.</a:t>
+                      </a:r>
+                      <a:r>
+                        <a:rPr lang="zh-TW" altLang="en-US" sz="1800" dirty="0" smtClean="0"/>
+                        <a:t>從</a:t>
+                      </a:r>
+                      <a:r>
+                        <a:rPr lang="en-US" altLang="zh-TW" sz="1800" dirty="0" err="1" smtClean="0"/>
+                        <a:t>Github</a:t>
+                      </a:r>
+                      <a:r>
+                        <a:rPr lang="zh-TW" altLang="en-US" sz="1800" dirty="0" smtClean="0"/>
+                        <a:t>下載程式碼 </a:t>
+                      </a:r>
+                      <a:endParaRPr lang="en-US" altLang="zh-TW" sz="1800" dirty="0" smtClean="0"/>
+                    </a:p>
+                    <a:p>
+                      <a:r>
+                        <a:rPr lang="en-US" altLang="zh-TW" sz="1800" dirty="0" smtClean="0"/>
+                        <a:t>2.</a:t>
+                      </a:r>
+                      <a:r>
+                        <a:rPr lang="zh-TW" altLang="en-US" sz="1800" dirty="0" smtClean="0"/>
+                        <a:t>下載與安裝</a:t>
+                      </a:r>
+                      <a:r>
+                        <a:rPr lang="en-US" altLang="zh-TW" sz="1800" dirty="0" smtClean="0"/>
+                        <a:t>IDE </a:t>
+                      </a:r>
+                    </a:p>
+                    <a:p>
+                      <a:pPr marL="0" marR="0" lvl="0" indent="0" algn="l" defTabSz="914400" rtl="0" eaLnBrk="1" fontAlgn="auto" latinLnBrk="0" hangingPunct="1">
+                        <a:lnSpc>
+                          <a:spcPct val="100000"/>
+                        </a:lnSpc>
+                        <a:spcBef>
+                          <a:spcPts val="0"/>
+                        </a:spcBef>
+                        <a:spcAft>
+                          <a:spcPts val="0"/>
+                        </a:spcAft>
+                        <a:buClrTx/>
+                        <a:buSzTx/>
+                        <a:buFontTx/>
+                        <a:buNone/>
+                        <a:tabLst/>
+                        <a:defRPr/>
+                      </a:pPr>
+                      <a:r>
+                        <a:rPr lang="en-US" altLang="zh-TW" sz="1800" dirty="0" smtClean="0"/>
+                        <a:t>3.</a:t>
+                      </a:r>
+                      <a:r>
+                        <a:rPr lang="zh-TW" altLang="en-US" sz="1800" dirty="0" smtClean="0">
+                          <a:latin typeface="標楷體" panose="03000509000000000000" pitchFamily="65" charset="-120"/>
+                        </a:rPr>
+                        <a:t>設定環境變數</a:t>
+                      </a:r>
+                      <a:endParaRPr lang="en-US" altLang="zh-TW" sz="1800" dirty="0" smtClean="0">
+                        <a:latin typeface="標楷體" panose="03000509000000000000" pitchFamily="65" charset="-120"/>
+                      </a:endParaRPr>
+                    </a:p>
+                    <a:p>
+                      <a:pPr marL="0" marR="0" lvl="0" indent="0" algn="l" defTabSz="914400" rtl="0" eaLnBrk="1" fontAlgn="auto" latinLnBrk="0" hangingPunct="1">
+                        <a:lnSpc>
+                          <a:spcPct val="100000"/>
+                        </a:lnSpc>
+                        <a:spcBef>
+                          <a:spcPts val="0"/>
+                        </a:spcBef>
+                        <a:spcAft>
+                          <a:spcPts val="0"/>
+                        </a:spcAft>
+                        <a:buClrTx/>
+                        <a:buSzTx/>
+                        <a:buFontTx/>
+                        <a:buNone/>
+                        <a:tabLst/>
+                        <a:defRPr/>
+                      </a:pPr>
+                      <a:r>
+                        <a:rPr lang="en-US" altLang="zh-TW" sz="1800" dirty="0" smtClean="0"/>
+                        <a:t>4.</a:t>
+                      </a:r>
+                      <a:r>
+                        <a:rPr lang="zh-TW" altLang="en-US" sz="1800" dirty="0" smtClean="0"/>
+                        <a:t>跑</a:t>
+                      </a:r>
+                      <a:r>
+                        <a:rPr lang="en-US" altLang="zh-TW" sz="1800" dirty="0" smtClean="0"/>
+                        <a:t>Unit Test</a:t>
+                      </a:r>
+                    </a:p>
+                    <a:p>
+                      <a:pPr marL="0" marR="0" lvl="0" indent="0" algn="l" defTabSz="914400" rtl="0" eaLnBrk="1" fontAlgn="auto" latinLnBrk="0" hangingPunct="1">
+                        <a:lnSpc>
+                          <a:spcPct val="100000"/>
+                        </a:lnSpc>
+                        <a:spcBef>
+                          <a:spcPts val="0"/>
+                        </a:spcBef>
+                        <a:spcAft>
+                          <a:spcPts val="0"/>
+                        </a:spcAft>
+                        <a:buClrTx/>
+                        <a:buSzTx/>
+                        <a:buFontTx/>
+                        <a:buNone/>
+                        <a:tabLst/>
+                        <a:defRPr/>
+                      </a:pPr>
+                      <a:r>
+                        <a:rPr lang="en-US" altLang="zh-TW" sz="1800" dirty="0" smtClean="0"/>
+                        <a:t>5.</a:t>
+                      </a:r>
+                      <a:r>
+                        <a:rPr lang="zh-TW" altLang="en-US" sz="1800" dirty="0" smtClean="0"/>
+                        <a:t>啟動</a:t>
+                      </a:r>
+                      <a:r>
+                        <a:rPr lang="en-US" altLang="zh-TW" sz="1800" dirty="0" smtClean="0"/>
+                        <a:t>Service</a:t>
+                      </a:r>
+                      <a:endParaRPr lang="zh-TW" altLang="en-US" sz="1800" dirty="0" smtClean="0"/>
+                    </a:p>
+                    <a:p>
+                      <a:pPr marL="0" marR="0" lvl="0" indent="0" algn="l" defTabSz="914400" rtl="0" eaLnBrk="1" fontAlgn="auto" latinLnBrk="0" hangingPunct="1">
+                        <a:lnSpc>
+                          <a:spcPct val="100000"/>
+                        </a:lnSpc>
+                        <a:spcBef>
+                          <a:spcPts val="0"/>
+                        </a:spcBef>
+                        <a:spcAft>
+                          <a:spcPts val="0"/>
+                        </a:spcAft>
+                        <a:buClrTx/>
+                        <a:buSzTx/>
+                        <a:buFontTx/>
+                        <a:buNone/>
+                        <a:tabLst/>
+                        <a:defRPr/>
+                      </a:pPr>
+                      <a:endParaRPr lang="en-US" altLang="zh-TW" sz="1800" dirty="0" smtClean="0"/>
+                    </a:p>
+                  </a:txBody>
+                  <a:tcPr/>
+                </a:tc>
+                <a:tc>
+                  <a:txBody>
+                    <a:bodyPr/>
+                    <a:lstStyle/>
+                    <a:p>
+                      <a:pPr marL="342900" indent="-342900">
+                        <a:buAutoNum type="arabicPeriod"/>
+                      </a:pPr>
+                      <a:r>
+                        <a:rPr lang="en-US" altLang="zh-TW" sz="1800" dirty="0" err="1" smtClean="0"/>
+                        <a:t>Git</a:t>
+                      </a:r>
+                      <a:r>
+                        <a:rPr lang="en-US" altLang="zh-TW" sz="1800" dirty="0" smtClean="0"/>
+                        <a:t> change push to </a:t>
+                      </a:r>
+                      <a:r>
+                        <a:rPr lang="en-US" altLang="zh-TW" sz="1800" dirty="0" err="1" smtClean="0"/>
+                        <a:t>Github</a:t>
+                      </a:r>
+                      <a:r>
+                        <a:rPr lang="en-US" altLang="zh-TW" sz="1800" dirty="0" smtClean="0"/>
+                        <a:t> </a:t>
+                      </a:r>
+                    </a:p>
+                    <a:p>
+                      <a:pPr marL="342900" marR="0" lvl="0" indent="-342900" algn="l" defTabSz="914400" rtl="0" eaLnBrk="1" fontAlgn="auto" latinLnBrk="0" hangingPunct="1">
+                        <a:lnSpc>
+                          <a:spcPct val="100000"/>
+                        </a:lnSpc>
+                        <a:spcBef>
+                          <a:spcPts val="0"/>
+                        </a:spcBef>
+                        <a:spcAft>
+                          <a:spcPts val="0"/>
+                        </a:spcAft>
+                        <a:buClrTx/>
+                        <a:buSzTx/>
+                        <a:buFontTx/>
+                        <a:buAutoNum type="arabicPeriod"/>
+                        <a:tabLst/>
+                        <a:defRPr/>
+                      </a:pPr>
+                      <a:r>
+                        <a:rPr lang="en-US" altLang="zh-TW" sz="1800" dirty="0" smtClean="0"/>
+                        <a:t>Unit Test -&gt; Build jar file -&gt; </a:t>
+                      </a:r>
+                      <a:r>
+                        <a:rPr lang="en-US" altLang="zh-TW" sz="1800" dirty="0" err="1" smtClean="0"/>
+                        <a:t>docker</a:t>
+                      </a:r>
+                      <a:r>
+                        <a:rPr lang="en-US" altLang="zh-TW" sz="1800" dirty="0" smtClean="0"/>
+                        <a:t> create image -&gt; </a:t>
+                      </a:r>
+                      <a:r>
+                        <a:rPr lang="zh-TW" altLang="en-US" sz="1800" dirty="0" smtClean="0"/>
+                        <a:t>自動啟動</a:t>
+                      </a:r>
+                      <a:r>
+                        <a:rPr lang="en-US" altLang="zh-TW" sz="1800" dirty="0" smtClean="0"/>
+                        <a:t>Service</a:t>
+                      </a:r>
+                      <a:endParaRPr lang="zh-TW" altLang="en-US" sz="1800" dirty="0" smtClean="0"/>
+                    </a:p>
+                    <a:p>
+                      <a:pPr marL="0" indent="0">
+                        <a:buNone/>
+                      </a:pPr>
+                      <a:endParaRPr lang="zh-TW" altLang="en-US" dirty="0"/>
+                    </a:p>
+                  </a:txBody>
+                  <a:tcPr/>
+                </a:tc>
+              </a:tr>
+              <a:tr h="1497699">
+                <a:tc>
+                  <a:txBody>
+                    <a:bodyPr/>
+                    <a:lstStyle/>
+                    <a:p>
+                      <a:r>
+                        <a:rPr lang="zh-TW" altLang="en-US" dirty="0" smtClean="0"/>
+                        <a:t>所花的時間差</a:t>
+                      </a:r>
+                      <a:endParaRPr lang="zh-TW" altLang="en-US" dirty="0"/>
+                    </a:p>
+                  </a:txBody>
+                  <a:tcPr/>
+                </a:tc>
+                <a:tc gridSpan="2">
+                  <a:txBody>
+                    <a:bodyPr/>
+                    <a:lstStyle/>
+                    <a:p>
+                      <a:r>
+                        <a:rPr lang="zh-TW" altLang="en-US" dirty="0" smtClean="0"/>
+                        <a:t>大約</a:t>
+                      </a:r>
+                      <a:r>
+                        <a:rPr lang="en-US" altLang="zh-TW" dirty="0" smtClean="0"/>
+                        <a:t>10</a:t>
+                      </a:r>
+                      <a:r>
+                        <a:rPr lang="zh-TW" altLang="en-US" dirty="0" smtClean="0"/>
+                        <a:t>分</a:t>
+                      </a:r>
+                      <a:endParaRPr lang="zh-TW" altLang="en-US" dirty="0"/>
+                    </a:p>
+                  </a:txBody>
+                  <a:tcPr/>
+                </a:tc>
+                <a:tc hMerge="1">
+                  <a:txBody>
+                    <a:bodyPr/>
+                    <a:lstStyle/>
+                    <a:p>
+                      <a:endParaRPr lang="zh-TW" altLang="en-US" dirty="0"/>
+                    </a:p>
+                  </a:txBody>
+                  <a:tcPr/>
+                </a:tc>
+              </a:tr>
+            </a:tbl>
+          </a:graphicData>
+        </a:graphic>
+      </p:graphicFrame>
+    </p:spTree>
+    <p:extLst>
+      <p:ext uri="{BB962C8B-B14F-4D97-AF65-F5344CB8AC3E}">
+        <p14:creationId xmlns:p14="http://schemas.microsoft.com/office/powerpoint/2010/main" val="2310772509"/>
+      </p:ext>
+    </p:extLst>
+  </p:cSld>
+  <p:clrMapOvr>
+    <a:masterClrMapping/>
+  </p:clrMapOvr>
+</p:sld>
+</file>
+
+<file path=ppt/slides/slide17.xml><?xml version="1.0" encoding="utf-8"?>
+<p:sld xmlns:a="http://schemas.openxmlformats.org/drawingml/2006/main" xmlns:r="http://schemas.openxmlformats.org/officeDocument/2006/relationships" xmlns:p="http://schemas.openxmlformats.org/presentationml/2006/main">
+  <p:cSld>
+    <p:spTree>
+      <p:nvGrpSpPr>
+        <p:cNvPr id="1" name=""/>
+        <p:cNvGrpSpPr/>
+        <p:nvPr/>
+      </p:nvGrpSpPr>
+      <p:grpSpPr>
+        <a:xfrm>
+          <a:off x="0" y="0"/>
+          <a:ext cx="0" cy="0"/>
+          <a:chOff x="0" y="0"/>
+          <a:chExt cx="0" cy="0"/>
+        </a:xfrm>
+      </p:grpSpPr>
+      <p:sp>
+        <p:nvSpPr>
+          <p:cNvPr id="2" name="標題 1"/>
+          <p:cNvSpPr>
+            <a:spLocks noGrp="1"/>
+          </p:cNvSpPr>
+          <p:nvPr>
+            <p:ph type="title"/>
+          </p:nvPr>
+        </p:nvSpPr>
+        <p:spPr/>
+        <p:txBody>
+          <a:bodyPr/>
+          <a:lstStyle/>
+          <a:p>
+            <a:r>
+              <a:rPr lang="en-US" altLang="zh-TW" dirty="0" smtClean="0"/>
+              <a:t>DevOps</a:t>
+            </a:r>
+            <a:endParaRPr lang="zh-TW" altLang="en-US" dirty="0"/>
+          </a:p>
+        </p:txBody>
+      </p:sp>
+      <p:sp>
+        <p:nvSpPr>
+          <p:cNvPr id="3" name="內容版面配置區 2"/>
+          <p:cNvSpPr>
+            <a:spLocks noGrp="1"/>
+          </p:cNvSpPr>
+          <p:nvPr>
+            <p:ph idx="1"/>
+          </p:nvPr>
+        </p:nvSpPr>
+        <p:spPr>
+          <a:xfrm>
+            <a:off x="444288" y="1657730"/>
+            <a:ext cx="8699711" cy="4525963"/>
+          </a:xfrm>
+        </p:spPr>
+        <p:txBody>
+          <a:bodyPr/>
+          <a:lstStyle/>
+          <a:p>
+            <a:r>
+              <a:rPr lang="en-US" altLang="zh-TW" sz="2000" dirty="0" smtClean="0">
+                <a:latin typeface="標楷體" panose="03000509000000000000" pitchFamily="65" charset="-120"/>
+              </a:rPr>
+              <a:t>Development(</a:t>
+            </a:r>
+            <a:r>
+              <a:rPr lang="zh-TW" altLang="en-US" sz="2000" dirty="0" smtClean="0">
+                <a:latin typeface="標楷體" panose="03000509000000000000" pitchFamily="65" charset="-120"/>
+              </a:rPr>
+              <a:t>開發</a:t>
+            </a:r>
+            <a:r>
+              <a:rPr lang="en-US" altLang="zh-TW" sz="2000" dirty="0" smtClean="0">
+                <a:latin typeface="標楷體" panose="03000509000000000000" pitchFamily="65" charset="-120"/>
+              </a:rPr>
+              <a:t>)</a:t>
+            </a:r>
+          </a:p>
+          <a:p>
+            <a:r>
+              <a:rPr lang="en-US" altLang="zh-TW" sz="2000" dirty="0" smtClean="0">
+                <a:latin typeface="標楷體" panose="03000509000000000000" pitchFamily="65" charset="-120"/>
+              </a:rPr>
+              <a:t>Operation(</a:t>
+            </a:r>
+            <a:r>
+              <a:rPr lang="zh-TW" altLang="en-US" sz="2000" dirty="0">
+                <a:latin typeface="標楷體" panose="03000509000000000000" pitchFamily="65" charset="-120"/>
+              </a:rPr>
+              <a:t>維</a:t>
+            </a:r>
+            <a:r>
+              <a:rPr lang="zh-TW" altLang="en-US" sz="2000" dirty="0" smtClean="0">
+                <a:latin typeface="標楷體" panose="03000509000000000000" pitchFamily="65" charset="-120"/>
+              </a:rPr>
+              <a:t>運</a:t>
+            </a:r>
+            <a:r>
+              <a:rPr lang="en-US" altLang="zh-TW" sz="2000" dirty="0" smtClean="0">
+                <a:latin typeface="標楷體" panose="03000509000000000000" pitchFamily="65" charset="-120"/>
+              </a:rPr>
+              <a:t>)</a:t>
+            </a:r>
+          </a:p>
+          <a:p>
+            <a:r>
+              <a:rPr lang="zh-TW" altLang="en-US" sz="2000" dirty="0" smtClean="0">
+                <a:latin typeface="標楷體" panose="03000509000000000000" pitchFamily="65" charset="-120"/>
+              </a:rPr>
+              <a:t>目標 </a:t>
+            </a:r>
+            <a:r>
+              <a:rPr lang="en-US" altLang="zh-TW" sz="2000" dirty="0" smtClean="0">
+                <a:latin typeface="標楷體" panose="03000509000000000000" pitchFamily="65" charset="-120"/>
+              </a:rPr>
+              <a:t>:</a:t>
+            </a:r>
+            <a:r>
+              <a:rPr lang="zh-TW" altLang="en-US" sz="2000" dirty="0" smtClean="0">
+                <a:latin typeface="標楷體" panose="03000509000000000000" pitchFamily="65" charset="-120"/>
+              </a:rPr>
+              <a:t> 加快服務改版的速度</a:t>
+            </a:r>
+            <a:endParaRPr lang="en-US" altLang="zh-TW" sz="2000" dirty="0" smtClean="0">
+              <a:latin typeface="標楷體" panose="03000509000000000000" pitchFamily="65" charset="-120"/>
+            </a:endParaRPr>
+          </a:p>
+          <a:p>
+            <a:r>
+              <a:rPr lang="zh-TW" altLang="en-US" sz="2000" dirty="0" smtClean="0">
+                <a:latin typeface="標楷體" panose="03000509000000000000" pitchFamily="65" charset="-120"/>
+              </a:rPr>
+              <a:t>提出快速的交付、部署與得到使用者的回饋的觀念與工具</a:t>
+            </a:r>
+            <a:endParaRPr lang="en-US" altLang="zh-TW" sz="2000" dirty="0" smtClean="0">
+              <a:latin typeface="標楷體" panose="03000509000000000000" pitchFamily="65" charset="-120"/>
+            </a:endParaRPr>
+          </a:p>
+          <a:p>
+            <a:r>
+              <a:rPr lang="zh-TW" altLang="en-US" sz="2000" dirty="0"/>
+              <a:t>開發人員也可以專注在產生更有品質的程式碼，避免之後不停的</a:t>
+            </a:r>
+            <a:r>
+              <a:rPr lang="zh-TW" altLang="en-US" sz="2000" dirty="0" smtClean="0"/>
+              <a:t>修補</a:t>
+            </a:r>
+            <a:endParaRPr lang="en-US" altLang="zh-TW" sz="2000" dirty="0" smtClean="0"/>
+          </a:p>
+          <a:p>
+            <a:r>
+              <a:rPr lang="zh-TW" altLang="en-US" sz="2000" dirty="0" smtClean="0"/>
+              <a:t>程式碼</a:t>
+            </a:r>
+            <a:endParaRPr lang="en-US" altLang="zh-TW" sz="2000" dirty="0" smtClean="0"/>
+          </a:p>
+          <a:p>
+            <a:r>
+              <a:rPr lang="en-US" altLang="zh-TW" sz="2000" dirty="0" smtClean="0">
+                <a:latin typeface="標楷體" panose="03000509000000000000" pitchFamily="65" charset="-120"/>
+              </a:rPr>
+              <a:t>CALMS : </a:t>
+            </a:r>
+          </a:p>
+          <a:p>
+            <a:r>
+              <a:rPr lang="zh-TW" altLang="en-US" sz="2000" dirty="0" smtClean="0">
+                <a:latin typeface="標楷體" panose="03000509000000000000" pitchFamily="65" charset="-120"/>
+              </a:rPr>
+              <a:t>文</a:t>
+            </a:r>
+            <a:r>
+              <a:rPr lang="zh-TW" altLang="en-US" sz="2000" dirty="0">
+                <a:latin typeface="標楷體" panose="03000509000000000000" pitchFamily="65" charset="-120"/>
+              </a:rPr>
+              <a:t>化</a:t>
+            </a:r>
+            <a:r>
+              <a:rPr lang="en-US" altLang="zh-TW" sz="2000" dirty="0" smtClean="0">
+                <a:latin typeface="標楷體" panose="03000509000000000000" pitchFamily="65" charset="-120"/>
+              </a:rPr>
+              <a:t>(Culture)</a:t>
+            </a:r>
+            <a:r>
+              <a:rPr lang="zh-TW" altLang="en-US" sz="2000" dirty="0" smtClean="0">
+                <a:latin typeface="標楷體" panose="03000509000000000000" pitchFamily="65" charset="-120"/>
+              </a:rPr>
+              <a:t> </a:t>
+            </a:r>
+            <a:r>
+              <a:rPr lang="en-US" altLang="zh-TW" sz="2000" dirty="0" smtClean="0">
+                <a:latin typeface="標楷體" panose="03000509000000000000" pitchFamily="65" charset="-120"/>
+              </a:rPr>
+              <a:t>:</a:t>
+            </a:r>
+            <a:r>
+              <a:rPr lang="zh-TW" altLang="en-US" sz="2000" dirty="0" smtClean="0">
+                <a:latin typeface="標楷體" panose="03000509000000000000" pitchFamily="65" charset="-120"/>
+              </a:rPr>
+              <a:t> </a:t>
+            </a:r>
+            <a:r>
+              <a:rPr lang="zh-TW" altLang="en-US" sz="2000" dirty="0" smtClean="0"/>
+              <a:t>開發</a:t>
+            </a:r>
+            <a:r>
+              <a:rPr lang="zh-TW" altLang="en-US" sz="2000" dirty="0"/>
+              <a:t>多去想維運面，維運多去想開發</a:t>
+            </a:r>
+            <a:r>
+              <a:rPr lang="zh-TW" altLang="en-US" sz="2000" dirty="0" smtClean="0"/>
+              <a:t>面。</a:t>
+            </a:r>
+            <a:endParaRPr lang="en-US" altLang="zh-TW" sz="2000" dirty="0" smtClean="0">
+              <a:latin typeface="標楷體" panose="03000509000000000000" pitchFamily="65" charset="-120"/>
+            </a:endParaRPr>
+          </a:p>
+          <a:p>
+            <a:r>
+              <a:rPr lang="zh-TW" altLang="en-US" sz="2000" dirty="0" smtClean="0">
+                <a:latin typeface="標楷體" panose="03000509000000000000" pitchFamily="65" charset="-120"/>
+              </a:rPr>
+              <a:t>自動化</a:t>
+            </a:r>
+            <a:r>
+              <a:rPr lang="en-US" altLang="zh-TW" sz="2000" dirty="0" smtClean="0">
+                <a:latin typeface="標楷體" panose="03000509000000000000" pitchFamily="65" charset="-120"/>
+              </a:rPr>
+              <a:t>(Automation)</a:t>
+            </a:r>
+            <a:r>
+              <a:rPr lang="zh-TW" altLang="en-US" sz="2000" dirty="0" smtClean="0">
+                <a:latin typeface="標楷體" panose="03000509000000000000" pitchFamily="65" charset="-120"/>
+              </a:rPr>
+              <a:t> </a:t>
+            </a:r>
+            <a:r>
+              <a:rPr lang="en-US" altLang="zh-TW" sz="2000" dirty="0" smtClean="0">
+                <a:latin typeface="標楷體" panose="03000509000000000000" pitchFamily="65" charset="-120"/>
+              </a:rPr>
+              <a:t>:</a:t>
+            </a:r>
+            <a:r>
+              <a:rPr lang="zh-TW" altLang="en-US" sz="2000" dirty="0" smtClean="0">
+                <a:latin typeface="標楷體" panose="03000509000000000000" pitchFamily="65" charset="-120"/>
+              </a:rPr>
+              <a:t> 需求的潤滑劑。</a:t>
+            </a:r>
+            <a:endParaRPr lang="en-US" altLang="zh-TW" sz="2000" dirty="0" smtClean="0">
+              <a:latin typeface="標楷體" panose="03000509000000000000" pitchFamily="65" charset="-120"/>
+            </a:endParaRPr>
+          </a:p>
+          <a:p>
+            <a:r>
+              <a:rPr lang="zh-TW" altLang="en-US" sz="2000" dirty="0" smtClean="0">
+                <a:latin typeface="標楷體" panose="03000509000000000000" pitchFamily="65" charset="-120"/>
+              </a:rPr>
+              <a:t>精實</a:t>
+            </a:r>
+            <a:r>
+              <a:rPr lang="en-US" altLang="zh-TW" sz="2000" dirty="0" smtClean="0">
+                <a:latin typeface="標楷體" panose="03000509000000000000" pitchFamily="65" charset="-120"/>
+              </a:rPr>
+              <a:t>(Lean)</a:t>
+            </a:r>
+            <a:r>
+              <a:rPr lang="zh-TW" altLang="en-US" sz="2000" dirty="0" smtClean="0">
+                <a:latin typeface="標楷體" panose="03000509000000000000" pitchFamily="65" charset="-120"/>
+              </a:rPr>
+              <a:t> </a:t>
+            </a:r>
+            <a:r>
+              <a:rPr lang="en-US" altLang="zh-TW" sz="2000" dirty="0" smtClean="0">
+                <a:latin typeface="標楷體" panose="03000509000000000000" pitchFamily="65" charset="-120"/>
+              </a:rPr>
+              <a:t>:</a:t>
+            </a:r>
+            <a:r>
+              <a:rPr lang="zh-TW" altLang="en-US" sz="2000" dirty="0" smtClean="0">
+                <a:latin typeface="標楷體" panose="03000509000000000000" pitchFamily="65" charset="-120"/>
+              </a:rPr>
+              <a:t> </a:t>
+            </a:r>
+            <a:r>
+              <a:rPr lang="zh-TW" altLang="en-US" sz="2000" dirty="0" smtClean="0"/>
+              <a:t>精</a:t>
+            </a:r>
+            <a:r>
+              <a:rPr lang="zh-TW" altLang="en-US" sz="2000" dirty="0"/>
+              <a:t>實</a:t>
+            </a:r>
+            <a:r>
+              <a:rPr lang="zh-TW" altLang="en-US" sz="2000" dirty="0" smtClean="0"/>
+              <a:t>軟體開發。</a:t>
+            </a:r>
+            <a:endParaRPr lang="en-US" altLang="zh-TW" sz="2000" dirty="0" smtClean="0">
+              <a:latin typeface="標楷體" panose="03000509000000000000" pitchFamily="65" charset="-120"/>
+            </a:endParaRPr>
+          </a:p>
+          <a:p>
+            <a:r>
+              <a:rPr lang="zh-TW" altLang="en-US" sz="2000" dirty="0" smtClean="0">
+                <a:latin typeface="標楷體" panose="03000509000000000000" pitchFamily="65" charset="-120"/>
+              </a:rPr>
+              <a:t>測量</a:t>
+            </a:r>
+            <a:r>
+              <a:rPr lang="en-US" altLang="zh-TW" sz="2000" dirty="0" smtClean="0">
+                <a:latin typeface="標楷體" panose="03000509000000000000" pitchFamily="65" charset="-120"/>
+              </a:rPr>
+              <a:t>(Measurement)</a:t>
+            </a:r>
+            <a:r>
+              <a:rPr lang="zh-TW" altLang="en-US" sz="2000" dirty="0" smtClean="0">
+                <a:latin typeface="標楷體" panose="03000509000000000000" pitchFamily="65" charset="-120"/>
+              </a:rPr>
+              <a:t> </a:t>
+            </a:r>
+            <a:r>
+              <a:rPr lang="en-US" altLang="zh-TW" sz="2000" dirty="0" smtClean="0">
+                <a:latin typeface="標楷體" panose="03000509000000000000" pitchFamily="65" charset="-120"/>
+              </a:rPr>
+              <a:t>:</a:t>
+            </a:r>
+            <a:r>
+              <a:rPr lang="zh-TW" altLang="en-US" sz="2000" dirty="0" smtClean="0">
+                <a:latin typeface="標楷體" panose="03000509000000000000" pitchFamily="65" charset="-120"/>
+              </a:rPr>
+              <a:t> 提示</a:t>
+            </a:r>
+            <a:r>
+              <a:rPr lang="zh-TW" altLang="en-US" sz="2000" dirty="0" smtClean="0"/>
+              <a:t>團隊</a:t>
+            </a:r>
+            <a:r>
+              <a:rPr lang="zh-TW" altLang="en-US" sz="2000" dirty="0"/>
+              <a:t>如何做更正確的</a:t>
+            </a:r>
+            <a:r>
+              <a:rPr lang="zh-TW" altLang="en-US" sz="2000" dirty="0" smtClean="0"/>
+              <a:t>改善。</a:t>
+            </a:r>
+            <a:endParaRPr lang="en-US" altLang="zh-TW" sz="2000" dirty="0" smtClean="0">
+              <a:latin typeface="標楷體" panose="03000509000000000000" pitchFamily="65" charset="-120"/>
+            </a:endParaRPr>
+          </a:p>
+          <a:p>
+            <a:r>
+              <a:rPr lang="zh-TW" altLang="en-US" sz="2000" dirty="0" smtClean="0">
+                <a:latin typeface="標楷體" panose="03000509000000000000" pitchFamily="65" charset="-120"/>
+              </a:rPr>
+              <a:t>分享</a:t>
+            </a:r>
+            <a:r>
+              <a:rPr lang="en-US" altLang="zh-TW" sz="2000" dirty="0" smtClean="0">
+                <a:latin typeface="標楷體" panose="03000509000000000000" pitchFamily="65" charset="-120"/>
+              </a:rPr>
+              <a:t>(Sharing)</a:t>
+            </a:r>
+            <a:r>
+              <a:rPr lang="zh-TW" altLang="en-US" sz="2000" dirty="0" smtClean="0">
+                <a:latin typeface="標楷體" panose="03000509000000000000" pitchFamily="65" charset="-120"/>
+              </a:rPr>
+              <a:t> </a:t>
+            </a:r>
+            <a:r>
+              <a:rPr lang="en-US" altLang="zh-TW" sz="2000" dirty="0" smtClean="0">
+                <a:latin typeface="標楷體" panose="03000509000000000000" pitchFamily="65" charset="-120"/>
+              </a:rPr>
+              <a:t>:</a:t>
+            </a:r>
+            <a:r>
+              <a:rPr lang="zh-TW" altLang="en-US" sz="2000" dirty="0" smtClean="0">
+                <a:latin typeface="標楷體" panose="03000509000000000000" pitchFamily="65" charset="-120"/>
+              </a:rPr>
+              <a:t> </a:t>
+            </a:r>
+            <a:r>
+              <a:rPr lang="zh-TW" altLang="en-US" sz="2000" dirty="0" smtClean="0"/>
+              <a:t>增加</a:t>
+            </a:r>
+            <a:r>
+              <a:rPr lang="zh-TW" altLang="en-US" sz="2000" dirty="0"/>
+              <a:t>團隊</a:t>
+            </a:r>
+            <a:r>
+              <a:rPr lang="zh-TW" altLang="en-US" sz="2000" dirty="0" smtClean="0"/>
+              <a:t>透明度。</a:t>
+            </a:r>
+            <a:endParaRPr lang="zh-TW" altLang="en-US" sz="2000" dirty="0">
+              <a:latin typeface="標楷體" panose="03000509000000000000" pitchFamily="65" charset="-120"/>
+            </a:endParaRPr>
+          </a:p>
+        </p:txBody>
+      </p:sp>
+      <p:sp>
+        <p:nvSpPr>
+          <p:cNvPr id="4" name="投影片編號版面配置區 3"/>
+          <p:cNvSpPr>
+            <a:spLocks noGrp="1"/>
+          </p:cNvSpPr>
+          <p:nvPr>
+            <p:ph type="sldNum" sz="quarter" idx="12"/>
+          </p:nvPr>
+        </p:nvSpPr>
+        <p:spPr/>
+        <p:txBody>
+          <a:bodyPr/>
+          <a:lstStyle/>
+          <a:p>
+            <a:pPr>
+              <a:defRPr/>
+            </a:pPr>
+            <a:fld id="{3DB7C113-B292-4711-9FA5-4E4B2395B52F}" type="slidenum">
+              <a:rPr lang="zh-TW" altLang="en-US" smtClean="0"/>
+              <a:pPr>
+                <a:defRPr/>
+              </a:pPr>
+              <a:t>17</a:t>
             </a:fld>
             <a:endParaRPr lang="zh-TW" altLang="en-US"/>
           </a:p>
@@ -6595,11 +7508,7 @@
           <a:p>
             <a:r>
               <a:rPr lang="zh-TW" altLang="en-US" dirty="0" smtClean="0"/>
-              <a:t>手動部署</a:t>
-            </a:r>
-            <a:r>
-              <a:rPr lang="zh-TW" altLang="en-US" dirty="0" smtClean="0"/>
-              <a:t>做法</a:t>
+              <a:t>手動部署做法</a:t>
             </a:r>
             <a:endParaRPr lang="zh-TW" altLang="en-US" dirty="0"/>
           </a:p>
@@ -7017,7 +7926,11 @@
             </a:r>
             <a:r>
               <a:rPr lang="zh-TW" altLang="en-US" sz="2000" dirty="0" smtClean="0"/>
-              <a:t>下載要編譯與執行的</a:t>
+              <a:t>下載與安裝要</a:t>
+            </a:r>
+            <a:r>
+              <a:rPr lang="zh-TW" altLang="en-US" sz="2000" dirty="0" smtClean="0"/>
+              <a:t>編譯與執行的</a:t>
             </a:r>
             <a:r>
               <a:rPr lang="en-US" altLang="zh-TW" sz="2000" dirty="0" smtClean="0"/>
@@ -7135,7 +8048,7 @@
         </p:blipFill>
         <p:spPr>
           <a:xfrm>
-            <a:off x="0" y="1268759"/>
+            <a:off x="15204" y="1268760"/>
             <a:ext cx="9144000" cy="4781113"/>
           </a:xfrm>
           <a:prstGeom prst="rect">
@@ -7296,7 +8209,7 @@
       </p:sp>
       <p:pic>
         <p:nvPicPr>
-          <p:cNvPr id="5" name="圖片 4"/>
+          <p:cNvPr id="6" name="圖片 5"/>
           <p:cNvPicPr>
             <a:picLocks noChangeAspect="1"/>
           </p:cNvPicPr>
@@ -7310,8 +8223,8 @@
         </p:blipFill>
         <p:spPr>
           <a:xfrm>
-            <a:off x="611560" y="1988840"/>
-            <a:ext cx="7525065" cy="4869160"/>
+            <a:off x="819150" y="1953722"/>
+            <a:ext cx="7505700" cy="4886325"/>
           </a:xfrm>
           <a:prstGeom prst="rect">
             <a:avLst/>

--- a/Oral.pptx
+++ b/Oral.pptx
@@ -5,10 +5,10 @@
     <p:sldMasterId id="2147483828" r:id="rId1"/>
   </p:sldMasterIdLst>
   <p:notesMasterIdLst>
-    <p:notesMasterId r:id="rId19"/>
+    <p:notesMasterId r:id="rId21"/>
   </p:notesMasterIdLst>
   <p:handoutMasterIdLst>
-    <p:handoutMasterId r:id="rId20"/>
+    <p:handoutMasterId r:id="rId22"/>
   </p:handoutMasterIdLst>
   <p:sldIdLst>
     <p:sldId id="256" r:id="rId2"/>
@@ -27,7 +27,9 @@
     <p:sldId id="376" r:id="rId15"/>
     <p:sldId id="377" r:id="rId16"/>
     <p:sldId id="374" r:id="rId17"/>
-    <p:sldId id="375" r:id="rId18"/>
+    <p:sldId id="378" r:id="rId18"/>
+    <p:sldId id="379" r:id="rId19"/>
+    <p:sldId id="375" r:id="rId20"/>
   </p:sldIdLst>
   <p:sldSz cx="9144000" cy="6858000" type="screen4x3"/>
   <p:notesSz cx="7099300" cy="10234613"/>
@@ -395,7 +397,7 @@
               <a:pPr>
                 <a:defRPr/>
               </a:pPr>
-              <a:t>2017/9/29</a:t>
+              <a:t>2017/10/3</a:t>
             </a:fld>
             <a:endParaRPr lang="zh-TW" altLang="en-US"/>
           </a:p>
@@ -1182,6 +1184,280 @@
           <a:bodyPr/>
           <a:lstStyle/>
           <a:p>
+            <a:endParaRPr lang="zh-TW" altLang="en-US" dirty="0"/>
+          </a:p>
+        </p:txBody>
+      </p:sp>
+      <p:sp>
+        <p:nvSpPr>
+          <p:cNvPr id="4" name="投影片編號版面配置區 3"/>
+          <p:cNvSpPr>
+            <a:spLocks noGrp="1"/>
+          </p:cNvSpPr>
+          <p:nvPr>
+            <p:ph type="sldNum" sz="quarter" idx="10"/>
+          </p:nvPr>
+        </p:nvSpPr>
+        <p:spPr/>
+        <p:txBody>
+          <a:bodyPr/>
+          <a:lstStyle/>
+          <a:p>
+            <a:pPr>
+              <a:defRPr/>
+            </a:pPr>
+            <a:fld id="{6F308B74-7694-4F8D-8B02-081695F7FEB9}" type="slidenum">
+              <a:rPr lang="zh-TW" altLang="en-US" smtClean="0"/>
+              <a:pPr>
+                <a:defRPr/>
+              </a:pPr>
+              <a:t>17</a:t>
+            </a:fld>
+            <a:endParaRPr lang="zh-TW" altLang="en-US"/>
+          </a:p>
+        </p:txBody>
+      </p:sp>
+    </p:spTree>
+    <p:extLst>
+      <p:ext uri="{BB962C8B-B14F-4D97-AF65-F5344CB8AC3E}">
+        <p14:creationId xmlns:p14="http://schemas.microsoft.com/office/powerpoint/2010/main" val="1046849409"/>
+      </p:ext>
+    </p:extLst>
+  </p:cSld>
+  <p:clrMapOvr>
+    <a:masterClrMapping/>
+  </p:clrMapOvr>
+</p:notes>
+</file>
+
+<file path=ppt/notesSlides/notesSlide6.xml><?xml version="1.0" encoding="utf-8"?>
+<p:notes xmlns:a="http://schemas.openxmlformats.org/drawingml/2006/main" xmlns:r="http://schemas.openxmlformats.org/officeDocument/2006/relationships" xmlns:p="http://schemas.openxmlformats.org/presentationml/2006/main">
+  <p:cSld>
+    <p:spTree>
+      <p:nvGrpSpPr>
+        <p:cNvPr id="1" name=""/>
+        <p:cNvGrpSpPr/>
+        <p:nvPr/>
+      </p:nvGrpSpPr>
+      <p:grpSpPr>
+        <a:xfrm>
+          <a:off x="0" y="0"/>
+          <a:ext cx="0" cy="0"/>
+          <a:chOff x="0" y="0"/>
+          <a:chExt cx="0" cy="0"/>
+        </a:xfrm>
+      </p:grpSpPr>
+      <p:sp>
+        <p:nvSpPr>
+          <p:cNvPr id="2" name="投影片圖像版面配置區 1"/>
+          <p:cNvSpPr>
+            <a:spLocks noGrp="1" noRot="1" noChangeAspect="1"/>
+          </p:cNvSpPr>
+          <p:nvPr>
+            <p:ph type="sldImg"/>
+          </p:nvPr>
+        </p:nvSpPr>
+        <p:spPr/>
+      </p:sp>
+      <p:sp>
+        <p:nvSpPr>
+          <p:cNvPr id="3" name="備忘稿版面配置區 2"/>
+          <p:cNvSpPr>
+            <a:spLocks noGrp="1"/>
+          </p:cNvSpPr>
+          <p:nvPr>
+            <p:ph type="body" idx="1"/>
+          </p:nvPr>
+        </p:nvSpPr>
+        <p:spPr/>
+        <p:txBody>
+          <a:bodyPr/>
+          <a:lstStyle/>
+          <a:p>
+            <a:r>
+              <a:rPr lang="zh-TW" altLang="en-US" dirty="0" smtClean="0"/>
+              <a:t>映像</a:t>
+            </a:r>
+            <a:r>
+              <a:rPr lang="en-US" altLang="zh-TW" dirty="0" smtClean="0"/>
+              <a:t>(Image)</a:t>
+            </a:r>
+            <a:r>
+              <a:rPr lang="zh-TW" altLang="en-US" dirty="0" smtClean="0"/>
+              <a:t>是唯讀的不可修改，一個</a:t>
+            </a:r>
+            <a:r>
+              <a:rPr lang="en-US" altLang="zh-TW" dirty="0" smtClean="0"/>
+              <a:t>Image</a:t>
+            </a:r>
+            <a:r>
+              <a:rPr lang="zh-TW" altLang="en-US" dirty="0" smtClean="0"/>
+              <a:t>可以產生出多個不同的容器</a:t>
+            </a:r>
+            <a:r>
+              <a:rPr lang="en-US" altLang="zh-TW" dirty="0" smtClean="0"/>
+              <a:t>(Container)</a:t>
+            </a:r>
+            <a:r>
+              <a:rPr lang="zh-TW" altLang="en-US" dirty="0" smtClean="0"/>
+              <a:t>。</a:t>
+            </a:r>
+            <a:endParaRPr lang="en-US" altLang="zh-TW" dirty="0" smtClean="0"/>
+          </a:p>
+          <a:p>
+            <a:r>
+              <a:rPr lang="zh-TW" altLang="en-US" dirty="0" smtClean="0"/>
+              <a:t>容器是映像的可寫層</a:t>
+            </a:r>
+            <a:r>
+              <a:rPr lang="zh-TW" altLang="en-US" dirty="0" smtClean="0"/>
+              <a:t>。</a:t>
+            </a:r>
+            <a:endParaRPr lang="en-US" altLang="zh-TW" dirty="0" smtClean="0"/>
+          </a:p>
+          <a:p>
+            <a:r>
+              <a:rPr lang="zh-TW" altLang="en-US" dirty="0" smtClean="0"/>
+              <a:t>貢獻 </a:t>
+            </a:r>
+            <a:r>
+              <a:rPr lang="en-US" altLang="zh-TW" dirty="0" smtClean="0"/>
+              <a:t>:</a:t>
+            </a:r>
+            <a:r>
+              <a:rPr lang="zh-TW" altLang="en-US" dirty="0" smtClean="0"/>
+              <a:t> 讓</a:t>
+            </a:r>
+            <a:r>
+              <a:rPr lang="en-US" altLang="zh-TW" dirty="0" err="1" smtClean="0"/>
+              <a:t>jenkins</a:t>
+            </a:r>
+            <a:r>
+              <a:rPr lang="zh-TW" altLang="en-US" dirty="0" smtClean="0"/>
+              <a:t>自動跑</a:t>
+            </a:r>
+            <a:r>
+              <a:rPr lang="en-US" altLang="zh-TW" dirty="0" smtClean="0"/>
+              <a:t>Unit Test</a:t>
+            </a:r>
+            <a:r>
+              <a:rPr lang="zh-TW" altLang="en-US" dirty="0" smtClean="0"/>
+              <a:t>，使用</a:t>
+            </a:r>
+            <a:r>
+              <a:rPr lang="en-US" altLang="zh-TW" dirty="0" smtClean="0"/>
+              <a:t>Docker</a:t>
+            </a:r>
+            <a:r>
+              <a:rPr lang="zh-TW" altLang="en-US" dirty="0" smtClean="0"/>
+              <a:t>指定要部署的</a:t>
+            </a:r>
+            <a:r>
+              <a:rPr lang="en-US" altLang="zh-TW" dirty="0" smtClean="0"/>
+              <a:t>port</a:t>
+            </a:r>
+            <a:r>
+              <a:rPr lang="zh-TW" altLang="en-US" dirty="0" smtClean="0"/>
+              <a:t>號，寫驗收測試確認服務已和</a:t>
+            </a:r>
+            <a:r>
+              <a:rPr lang="en-US" altLang="zh-TW" dirty="0" err="1" smtClean="0"/>
+              <a:t>ezScrum</a:t>
+            </a:r>
+            <a:r>
+              <a:rPr lang="zh-TW" altLang="en-US" dirty="0" smtClean="0"/>
+              <a:t>連上線。</a:t>
+            </a:r>
+            <a:endParaRPr lang="zh-TW" altLang="en-US" dirty="0"/>
+          </a:p>
+        </p:txBody>
+      </p:sp>
+      <p:sp>
+        <p:nvSpPr>
+          <p:cNvPr id="4" name="投影片編號版面配置區 3"/>
+          <p:cNvSpPr>
+            <a:spLocks noGrp="1"/>
+          </p:cNvSpPr>
+          <p:nvPr>
+            <p:ph type="sldNum" sz="quarter" idx="10"/>
+          </p:nvPr>
+        </p:nvSpPr>
+        <p:spPr/>
+        <p:txBody>
+          <a:bodyPr/>
+          <a:lstStyle/>
+          <a:p>
+            <a:pPr>
+              <a:defRPr/>
+            </a:pPr>
+            <a:fld id="{6F308B74-7694-4F8D-8B02-081695F7FEB9}" type="slidenum">
+              <a:rPr lang="zh-TW" altLang="en-US" smtClean="0"/>
+              <a:pPr>
+                <a:defRPr/>
+              </a:pPr>
+              <a:t>18</a:t>
+            </a:fld>
+            <a:endParaRPr lang="zh-TW" altLang="en-US"/>
+          </a:p>
+        </p:txBody>
+      </p:sp>
+    </p:spTree>
+    <p:extLst>
+      <p:ext uri="{BB962C8B-B14F-4D97-AF65-F5344CB8AC3E}">
+        <p14:creationId xmlns:p14="http://schemas.microsoft.com/office/powerpoint/2010/main" val="4015106971"/>
+      </p:ext>
+    </p:extLst>
+  </p:cSld>
+  <p:clrMapOvr>
+    <a:masterClrMapping/>
+  </p:clrMapOvr>
+</p:notes>
+</file>
+
+<file path=ppt/notesSlides/notesSlide7.xml><?xml version="1.0" encoding="utf-8"?>
+<p:notes xmlns:a="http://schemas.openxmlformats.org/drawingml/2006/main" xmlns:r="http://schemas.openxmlformats.org/officeDocument/2006/relationships" xmlns:p="http://schemas.openxmlformats.org/presentationml/2006/main">
+  <p:cSld>
+    <p:spTree>
+      <p:nvGrpSpPr>
+        <p:cNvPr id="1" name=""/>
+        <p:cNvGrpSpPr/>
+        <p:nvPr/>
+      </p:nvGrpSpPr>
+      <p:grpSpPr>
+        <a:xfrm>
+          <a:off x="0" y="0"/>
+          <a:ext cx="0" cy="0"/>
+          <a:chOff x="0" y="0"/>
+          <a:chExt cx="0" cy="0"/>
+        </a:xfrm>
+      </p:grpSpPr>
+      <p:sp>
+        <p:nvSpPr>
+          <p:cNvPr id="2" name="投影片圖像版面配置區 1"/>
+          <p:cNvSpPr>
+            <a:spLocks noGrp="1" noRot="1" noChangeAspect="1"/>
+          </p:cNvSpPr>
+          <p:nvPr>
+            <p:ph type="sldImg"/>
+          </p:nvPr>
+        </p:nvSpPr>
+        <p:spPr/>
+      </p:sp>
+      <p:sp>
+        <p:nvSpPr>
+          <p:cNvPr id="3" name="備忘稿版面配置區 2"/>
+          <p:cNvSpPr>
+            <a:spLocks noGrp="1"/>
+          </p:cNvSpPr>
+          <p:nvPr>
+            <p:ph type="body" idx="1"/>
+          </p:nvPr>
+        </p:nvSpPr>
+        <p:spPr/>
+        <p:txBody>
+          <a:bodyPr/>
+          <a:lstStyle/>
+          <a:p>
             <a:r>
               <a:rPr lang="zh-TW" altLang="en-US" dirty="0" smtClean="0"/>
               <a:t>自動化表示</a:t>
@@ -1260,7 +1536,7 @@
               <a:pPr>
                 <a:defRPr/>
               </a:pPr>
-              <a:t>17</a:t>
+              <a:t>19</a:t>
             </a:fld>
             <a:endParaRPr lang="zh-TW" altLang="en-US"/>
           </a:p>
@@ -1505,7 +1781,7 @@
               <a:pPr>
                 <a:defRPr/>
               </a:pPr>
-              <a:t>2017/9/29</a:t>
+              <a:t>2017/10/3</a:t>
             </a:fld>
             <a:endParaRPr lang="zh-TW" altLang="en-US"/>
           </a:p>
@@ -1700,7 +1976,7 @@
               <a:pPr>
                 <a:defRPr/>
               </a:pPr>
-              <a:t>2017/9/29</a:t>
+              <a:t>2017/10/3</a:t>
             </a:fld>
             <a:endParaRPr lang="zh-TW" altLang="en-US"/>
           </a:p>
@@ -1905,7 +2181,7 @@
               <a:pPr>
                 <a:defRPr/>
               </a:pPr>
-              <a:t>2017/9/29</a:t>
+              <a:t>2017/10/3</a:t>
             </a:fld>
             <a:endParaRPr lang="zh-TW" altLang="en-US"/>
           </a:p>
@@ -2082,7 +2358,7 @@
               <a:pPr>
                 <a:defRPr/>
               </a:pPr>
-              <a:t>2017/9/29</a:t>
+              <a:t>2017/10/3</a:t>
             </a:fld>
             <a:endParaRPr lang="zh-TW" altLang="en-US"/>
           </a:p>
@@ -2331,7 +2607,7 @@
               <a:pPr>
                 <a:defRPr/>
               </a:pPr>
-              <a:t>2017/9/29</a:t>
+              <a:t>2017/10/3</a:t>
             </a:fld>
             <a:endParaRPr lang="zh-TW" altLang="en-US"/>
           </a:p>
@@ -2602,7 +2878,7 @@
               <a:pPr>
                 <a:defRPr/>
               </a:pPr>
-              <a:t>2017/9/29</a:t>
+              <a:t>2017/10/3</a:t>
             </a:fld>
             <a:endParaRPr lang="zh-TW" altLang="en-US"/>
           </a:p>
@@ -2915,7 +3191,7 @@
               <a:pPr>
                 <a:defRPr/>
               </a:pPr>
-              <a:t>2017/9/29</a:t>
+              <a:t>2017/10/3</a:t>
             </a:fld>
             <a:endParaRPr lang="zh-TW" altLang="en-US"/>
           </a:p>
@@ -3362,7 +3638,7 @@
               <a:pPr>
                 <a:defRPr/>
               </a:pPr>
-              <a:t>2017/9/29</a:t>
+              <a:t>2017/10/3</a:t>
             </a:fld>
             <a:endParaRPr lang="zh-TW" altLang="en-US"/>
           </a:p>
@@ -3505,7 +3781,7 @@
               <a:pPr>
                 <a:defRPr/>
               </a:pPr>
-              <a:t>2017/9/29</a:t>
+              <a:t>2017/10/3</a:t>
             </a:fld>
             <a:endParaRPr lang="zh-TW" altLang="en-US"/>
           </a:p>
@@ -3625,7 +3901,7 @@
               <a:pPr>
                 <a:defRPr/>
               </a:pPr>
-              <a:t>2017/9/29</a:t>
+              <a:t>2017/10/3</a:t>
             </a:fld>
             <a:endParaRPr lang="zh-TW" altLang="en-US"/>
           </a:p>
@@ -3927,7 +4203,7 @@
               <a:pPr>
                 <a:defRPr/>
               </a:pPr>
-              <a:t>2017/9/29</a:t>
+              <a:t>2017/10/3</a:t>
             </a:fld>
             <a:endParaRPr lang="zh-TW" altLang="en-US"/>
           </a:p>
@@ -4212,7 +4488,7 @@
               <a:pPr>
                 <a:defRPr/>
               </a:pPr>
-              <a:t>2017/9/29</a:t>
+              <a:t>2017/10/3</a:t>
             </a:fld>
             <a:endParaRPr lang="zh-TW" altLang="en-US"/>
           </a:p>
@@ -4478,7 +4754,7 @@
               <a:pPr>
                 <a:defRPr/>
               </a:pPr>
-              <a:t>2017/9/29</a:t>
+              <a:t>2017/10/3</a:t>
             </a:fld>
             <a:endParaRPr lang="zh-TW" altLang="en-US"/>
           </a:p>
@@ -6961,366 +7237,10 @@
           <a:lstStyle/>
           <a:p>
             <a:r>
-              <a:rPr lang="en-US" altLang="zh-TW" dirty="0" smtClean="0"/>
-              <a:t>DevOps</a:t>
+              <a:rPr lang="zh-TW" altLang="en-US" dirty="0" smtClean="0"/>
+              <a:t>自動化部署流程</a:t>
             </a:r>
             <a:endParaRPr lang="zh-TW" altLang="en-US" dirty="0"/>
-          </a:p>
-        </p:txBody>
-      </p:sp>
-      <p:sp>
-        <p:nvSpPr>
-          <p:cNvPr id="3" name="內容版面配置區 2"/>
-          <p:cNvSpPr>
-            <a:spLocks noGrp="1"/>
-          </p:cNvSpPr>
-          <p:nvPr>
-            <p:ph idx="1"/>
-          </p:nvPr>
-        </p:nvSpPr>
-        <p:spPr>
-          <a:xfrm>
-            <a:off x="444288" y="1657730"/>
-            <a:ext cx="8699711" cy="4525963"/>
-          </a:xfrm>
-        </p:spPr>
-        <p:txBody>
-          <a:bodyPr/>
-          <a:lstStyle/>
-          <a:p>
-            <a:r>
-              <a:rPr lang="en-US" altLang="zh-TW" sz="2000" dirty="0" smtClean="0">
-                <a:latin typeface="標楷體" panose="03000509000000000000" pitchFamily="65" charset="-120"/>
-              </a:rPr>
-              <a:t>Development(</a:t>
-            </a:r>
-            <a:r>
-              <a:rPr lang="zh-TW" altLang="en-US" sz="2000" dirty="0" smtClean="0">
-                <a:latin typeface="標楷體" panose="03000509000000000000" pitchFamily="65" charset="-120"/>
-              </a:rPr>
-              <a:t>開發</a:t>
-            </a:r>
-            <a:r>
-              <a:rPr lang="en-US" altLang="zh-TW" sz="2000" dirty="0" smtClean="0">
-                <a:latin typeface="標楷體" panose="03000509000000000000" pitchFamily="65" charset="-120"/>
-              </a:rPr>
-              <a:t>)</a:t>
-            </a:r>
-          </a:p>
-          <a:p>
-            <a:r>
-              <a:rPr lang="en-US" altLang="zh-TW" sz="2000" dirty="0" smtClean="0">
-                <a:latin typeface="標楷體" panose="03000509000000000000" pitchFamily="65" charset="-120"/>
-              </a:rPr>
-              <a:t>Operation(</a:t>
-            </a:r>
-            <a:r>
-              <a:rPr lang="zh-TW" altLang="en-US" sz="2000" dirty="0">
-                <a:latin typeface="標楷體" panose="03000509000000000000" pitchFamily="65" charset="-120"/>
-              </a:rPr>
-              <a:t>維</a:t>
-            </a:r>
-            <a:r>
-              <a:rPr lang="zh-TW" altLang="en-US" sz="2000" dirty="0" smtClean="0">
-                <a:latin typeface="標楷體" panose="03000509000000000000" pitchFamily="65" charset="-120"/>
-              </a:rPr>
-              <a:t>運</a:t>
-            </a:r>
-            <a:r>
-              <a:rPr lang="en-US" altLang="zh-TW" sz="2000" dirty="0" smtClean="0">
-                <a:latin typeface="標楷體" panose="03000509000000000000" pitchFamily="65" charset="-120"/>
-              </a:rPr>
-              <a:t>)</a:t>
-            </a:r>
-          </a:p>
-          <a:p>
-            <a:r>
-              <a:rPr lang="zh-TW" altLang="en-US" sz="2000" dirty="0" smtClean="0">
-                <a:latin typeface="標楷體" panose="03000509000000000000" pitchFamily="65" charset="-120"/>
-              </a:rPr>
-              <a:t>目標 </a:t>
-            </a:r>
-            <a:r>
-              <a:rPr lang="en-US" altLang="zh-TW" sz="2000" dirty="0" smtClean="0">
-                <a:latin typeface="標楷體" panose="03000509000000000000" pitchFamily="65" charset="-120"/>
-              </a:rPr>
-              <a:t>:</a:t>
-            </a:r>
-            <a:r>
-              <a:rPr lang="zh-TW" altLang="en-US" sz="2000" dirty="0" smtClean="0">
-                <a:latin typeface="標楷體" panose="03000509000000000000" pitchFamily="65" charset="-120"/>
-              </a:rPr>
-              <a:t> 加快服務改版的速度</a:t>
-            </a:r>
-            <a:endParaRPr lang="en-US" altLang="zh-TW" sz="2000" dirty="0" smtClean="0">
-              <a:latin typeface="標楷體" panose="03000509000000000000" pitchFamily="65" charset="-120"/>
-            </a:endParaRPr>
-          </a:p>
-          <a:p>
-            <a:r>
-              <a:rPr lang="zh-TW" altLang="en-US" sz="2000" dirty="0" smtClean="0">
-                <a:latin typeface="標楷體" panose="03000509000000000000" pitchFamily="65" charset="-120"/>
-              </a:rPr>
-              <a:t>提出快速的交付、部署與得到使用者的回饋的觀念與工具</a:t>
-            </a:r>
-            <a:endParaRPr lang="en-US" altLang="zh-TW" sz="2000" dirty="0" smtClean="0">
-              <a:latin typeface="標楷體" panose="03000509000000000000" pitchFamily="65" charset="-120"/>
-            </a:endParaRPr>
-          </a:p>
-          <a:p>
-            <a:r>
-              <a:rPr lang="zh-TW" altLang="en-US" sz="2000" dirty="0"/>
-              <a:t>開發人員也可以專注在產生更有品質的程式碼，避免之後不停的</a:t>
-            </a:r>
-            <a:r>
-              <a:rPr lang="zh-TW" altLang="en-US" sz="2000" dirty="0" smtClean="0"/>
-              <a:t>修補</a:t>
-            </a:r>
-            <a:endParaRPr lang="en-US" altLang="zh-TW" sz="2000" dirty="0" smtClean="0"/>
-          </a:p>
-          <a:p>
-            <a:r>
-              <a:rPr lang="zh-TW" altLang="en-US" sz="2000" dirty="0" smtClean="0"/>
-              <a:t>程式碼</a:t>
-            </a:r>
-            <a:endParaRPr lang="en-US" altLang="zh-TW" sz="2000" dirty="0" smtClean="0"/>
-          </a:p>
-          <a:p>
-            <a:r>
-              <a:rPr lang="en-US" altLang="zh-TW" sz="2000" dirty="0" smtClean="0">
-                <a:latin typeface="標楷體" panose="03000509000000000000" pitchFamily="65" charset="-120"/>
-              </a:rPr>
-              <a:t>CALMS : </a:t>
-            </a:r>
-          </a:p>
-          <a:p>
-            <a:r>
-              <a:rPr lang="zh-TW" altLang="en-US" sz="2000" dirty="0" smtClean="0">
-                <a:latin typeface="標楷體" panose="03000509000000000000" pitchFamily="65" charset="-120"/>
-              </a:rPr>
-              <a:t>文</a:t>
-            </a:r>
-            <a:r>
-              <a:rPr lang="zh-TW" altLang="en-US" sz="2000" dirty="0">
-                <a:latin typeface="標楷體" panose="03000509000000000000" pitchFamily="65" charset="-120"/>
-              </a:rPr>
-              <a:t>化</a:t>
-            </a:r>
-            <a:r>
-              <a:rPr lang="en-US" altLang="zh-TW" sz="2000" dirty="0" smtClean="0">
-                <a:latin typeface="標楷體" panose="03000509000000000000" pitchFamily="65" charset="-120"/>
-              </a:rPr>
-              <a:t>(Culture)</a:t>
-            </a:r>
-            <a:r>
-              <a:rPr lang="zh-TW" altLang="en-US" sz="2000" dirty="0" smtClean="0">
-                <a:latin typeface="標楷體" panose="03000509000000000000" pitchFamily="65" charset="-120"/>
-              </a:rPr>
-              <a:t> </a:t>
-            </a:r>
-            <a:r>
-              <a:rPr lang="en-US" altLang="zh-TW" sz="2000" dirty="0" smtClean="0">
-                <a:latin typeface="標楷體" panose="03000509000000000000" pitchFamily="65" charset="-120"/>
-              </a:rPr>
-              <a:t>:</a:t>
-            </a:r>
-            <a:r>
-              <a:rPr lang="zh-TW" altLang="en-US" sz="2000" dirty="0" smtClean="0">
-                <a:latin typeface="標楷體" panose="03000509000000000000" pitchFamily="65" charset="-120"/>
-              </a:rPr>
-              <a:t> </a:t>
-            </a:r>
-            <a:r>
-              <a:rPr lang="zh-TW" altLang="en-US" sz="2000" dirty="0" smtClean="0"/>
-              <a:t>開發</a:t>
-            </a:r>
-            <a:r>
-              <a:rPr lang="zh-TW" altLang="en-US" sz="2000" dirty="0"/>
-              <a:t>多去想維運面，維運多去想開發</a:t>
-            </a:r>
-            <a:r>
-              <a:rPr lang="zh-TW" altLang="en-US" sz="2000" dirty="0" smtClean="0"/>
-              <a:t>面。</a:t>
-            </a:r>
-            <a:endParaRPr lang="en-US" altLang="zh-TW" sz="2000" dirty="0" smtClean="0">
-              <a:latin typeface="標楷體" panose="03000509000000000000" pitchFamily="65" charset="-120"/>
-            </a:endParaRPr>
-          </a:p>
-          <a:p>
-            <a:r>
-              <a:rPr lang="zh-TW" altLang="en-US" sz="2000" dirty="0" smtClean="0">
-                <a:latin typeface="標楷體" panose="03000509000000000000" pitchFamily="65" charset="-120"/>
-              </a:rPr>
-              <a:t>自動化</a:t>
-            </a:r>
-            <a:r>
-              <a:rPr lang="en-US" altLang="zh-TW" sz="2000" dirty="0" smtClean="0">
-                <a:latin typeface="標楷體" panose="03000509000000000000" pitchFamily="65" charset="-120"/>
-              </a:rPr>
-              <a:t>(Automation)</a:t>
-            </a:r>
-            <a:r>
-              <a:rPr lang="zh-TW" altLang="en-US" sz="2000" dirty="0" smtClean="0">
-                <a:latin typeface="標楷體" panose="03000509000000000000" pitchFamily="65" charset="-120"/>
-              </a:rPr>
-              <a:t> </a:t>
-            </a:r>
-            <a:r>
-              <a:rPr lang="en-US" altLang="zh-TW" sz="2000" dirty="0" smtClean="0">
-                <a:latin typeface="標楷體" panose="03000509000000000000" pitchFamily="65" charset="-120"/>
-              </a:rPr>
-              <a:t>:</a:t>
-            </a:r>
-            <a:r>
-              <a:rPr lang="zh-TW" altLang="en-US" sz="2000" dirty="0" smtClean="0">
-                <a:latin typeface="標楷體" panose="03000509000000000000" pitchFamily="65" charset="-120"/>
-              </a:rPr>
-              <a:t> 需求的潤滑劑。</a:t>
-            </a:r>
-            <a:endParaRPr lang="en-US" altLang="zh-TW" sz="2000" dirty="0" smtClean="0">
-              <a:latin typeface="標楷體" panose="03000509000000000000" pitchFamily="65" charset="-120"/>
-            </a:endParaRPr>
-          </a:p>
-          <a:p>
-            <a:r>
-              <a:rPr lang="zh-TW" altLang="en-US" sz="2000" dirty="0" smtClean="0">
-                <a:latin typeface="標楷體" panose="03000509000000000000" pitchFamily="65" charset="-120"/>
-              </a:rPr>
-              <a:t>精實</a:t>
-            </a:r>
-            <a:r>
-              <a:rPr lang="en-US" altLang="zh-TW" sz="2000" dirty="0" smtClean="0">
-                <a:latin typeface="標楷體" panose="03000509000000000000" pitchFamily="65" charset="-120"/>
-              </a:rPr>
-              <a:t>(Lean)</a:t>
-            </a:r>
-            <a:r>
-              <a:rPr lang="zh-TW" altLang="en-US" sz="2000" dirty="0" smtClean="0">
-                <a:latin typeface="標楷體" panose="03000509000000000000" pitchFamily="65" charset="-120"/>
-              </a:rPr>
-              <a:t> </a:t>
-            </a:r>
-            <a:r>
-              <a:rPr lang="en-US" altLang="zh-TW" sz="2000" dirty="0" smtClean="0">
-                <a:latin typeface="標楷體" panose="03000509000000000000" pitchFamily="65" charset="-120"/>
-              </a:rPr>
-              <a:t>:</a:t>
-            </a:r>
-            <a:r>
-              <a:rPr lang="zh-TW" altLang="en-US" sz="2000" dirty="0" smtClean="0">
-                <a:latin typeface="標楷體" panose="03000509000000000000" pitchFamily="65" charset="-120"/>
-              </a:rPr>
-              <a:t> </a:t>
-            </a:r>
-            <a:r>
-              <a:rPr lang="zh-TW" altLang="en-US" sz="2000" dirty="0" smtClean="0"/>
-              <a:t>精</a:t>
-            </a:r>
-            <a:r>
-              <a:rPr lang="zh-TW" altLang="en-US" sz="2000" dirty="0"/>
-              <a:t>實</a:t>
-            </a:r>
-            <a:r>
-              <a:rPr lang="zh-TW" altLang="en-US" sz="2000" dirty="0" smtClean="0"/>
-              <a:t>軟體開發。</a:t>
-            </a:r>
-            <a:endParaRPr lang="en-US" altLang="zh-TW" sz="2000" dirty="0" smtClean="0">
-              <a:latin typeface="標楷體" panose="03000509000000000000" pitchFamily="65" charset="-120"/>
-            </a:endParaRPr>
-          </a:p>
-          <a:p>
-            <a:r>
-              <a:rPr lang="zh-TW" altLang="en-US" sz="2000" dirty="0" smtClean="0">
-                <a:latin typeface="標楷體" panose="03000509000000000000" pitchFamily="65" charset="-120"/>
-              </a:rPr>
-              <a:t>測量</a:t>
-            </a:r>
-            <a:r>
-              <a:rPr lang="en-US" altLang="zh-TW" sz="2000" dirty="0" smtClean="0">
-                <a:latin typeface="標楷體" panose="03000509000000000000" pitchFamily="65" charset="-120"/>
-              </a:rPr>
-              <a:t>(Measurement)</a:t>
-            </a:r>
-            <a:r>
-              <a:rPr lang="zh-TW" altLang="en-US" sz="2000" dirty="0" smtClean="0">
-                <a:latin typeface="標楷體" panose="03000509000000000000" pitchFamily="65" charset="-120"/>
-              </a:rPr>
-              <a:t> </a:t>
-            </a:r>
-            <a:r>
-              <a:rPr lang="en-US" altLang="zh-TW" sz="2000" dirty="0" smtClean="0">
-                <a:latin typeface="標楷體" panose="03000509000000000000" pitchFamily="65" charset="-120"/>
-              </a:rPr>
-              <a:t>:</a:t>
-            </a:r>
-            <a:r>
-              <a:rPr lang="zh-TW" altLang="en-US" sz="2000" dirty="0" smtClean="0">
-                <a:latin typeface="標楷體" panose="03000509000000000000" pitchFamily="65" charset="-120"/>
-              </a:rPr>
-              <a:t> 提示</a:t>
-            </a:r>
-            <a:r>
-              <a:rPr lang="zh-TW" altLang="en-US" sz="2000" dirty="0" smtClean="0"/>
-              <a:t>團隊</a:t>
-            </a:r>
-            <a:r>
-              <a:rPr lang="zh-TW" altLang="en-US" sz="2000" dirty="0"/>
-              <a:t>如何做更正確的</a:t>
-            </a:r>
-            <a:r>
-              <a:rPr lang="zh-TW" altLang="en-US" sz="2000" dirty="0" smtClean="0"/>
-              <a:t>改善。</a:t>
-            </a:r>
-            <a:endParaRPr lang="en-US" altLang="zh-TW" sz="2000" dirty="0" smtClean="0">
-              <a:latin typeface="標楷體" panose="03000509000000000000" pitchFamily="65" charset="-120"/>
-            </a:endParaRPr>
-          </a:p>
-          <a:p>
-            <a:r>
-              <a:rPr lang="zh-TW" altLang="en-US" sz="2000" dirty="0" smtClean="0">
-                <a:latin typeface="標楷體" panose="03000509000000000000" pitchFamily="65" charset="-120"/>
-              </a:rPr>
-              <a:t>分享</a:t>
-            </a:r>
-            <a:r>
-              <a:rPr lang="en-US" altLang="zh-TW" sz="2000" dirty="0" smtClean="0">
-                <a:latin typeface="標楷體" panose="03000509000000000000" pitchFamily="65" charset="-120"/>
-              </a:rPr>
-              <a:t>(Sharing)</a:t>
-            </a:r>
-            <a:r>
-              <a:rPr lang="zh-TW" altLang="en-US" sz="2000" dirty="0" smtClean="0">
-                <a:latin typeface="標楷體" panose="03000509000000000000" pitchFamily="65" charset="-120"/>
-              </a:rPr>
-              <a:t> </a:t>
-            </a:r>
-            <a:r>
-              <a:rPr lang="en-US" altLang="zh-TW" sz="2000" dirty="0" smtClean="0">
-                <a:latin typeface="標楷體" panose="03000509000000000000" pitchFamily="65" charset="-120"/>
-              </a:rPr>
-              <a:t>:</a:t>
-            </a:r>
-            <a:r>
-              <a:rPr lang="zh-TW" altLang="en-US" sz="2000" dirty="0" smtClean="0">
-                <a:latin typeface="標楷體" panose="03000509000000000000" pitchFamily="65" charset="-120"/>
-              </a:rPr>
-              <a:t> </a:t>
-            </a:r>
-            <a:r>
-              <a:rPr lang="zh-TW" altLang="en-US" sz="2000" dirty="0" smtClean="0"/>
-              <a:t>增加</a:t>
-            </a:r>
-            <a:r>
-              <a:rPr lang="zh-TW" altLang="en-US" sz="2000" dirty="0"/>
-              <a:t>團隊</a:t>
-            </a:r>
-            <a:r>
-              <a:rPr lang="zh-TW" altLang="en-US" sz="2000" dirty="0" smtClean="0"/>
-              <a:t>透明度。</a:t>
-            </a:r>
-            <a:endParaRPr lang="zh-TW" altLang="en-US" sz="2000" dirty="0">
-              <a:latin typeface="標楷體" panose="03000509000000000000" pitchFamily="65" charset="-120"/>
-            </a:endParaRPr>
           </a:p>
         </p:txBody>
       </p:sp>
@@ -7348,6 +7268,885 @@
                 <a:defRPr/>
               </a:pPr>
               <a:t>17</a:t>
+            </a:fld>
+            <a:endParaRPr lang="zh-TW" altLang="en-US"/>
+          </a:p>
+        </p:txBody>
+      </p:sp>
+      <p:pic>
+        <p:nvPicPr>
+          <p:cNvPr id="7" name="內容版面配置區 6"/>
+          <p:cNvPicPr>
+            <a:picLocks noGrp="1" noChangeAspect="1"/>
+          </p:cNvPicPr>
+          <p:nvPr>
+            <p:ph idx="1"/>
+          </p:nvPr>
+        </p:nvPicPr>
+        <p:blipFill>
+          <a:blip r:embed="rId3">
+            <a:extLst>
+              <a:ext uri="{28A0092B-C50C-407E-A947-70E740481C1C}">
+                <a14:useLocalDpi xmlns:a14="http://schemas.microsoft.com/office/drawing/2010/main" val="0"/>
+              </a:ext>
+            </a:extLst>
+          </a:blip>
+          <a:stretch>
+            <a:fillRect/>
+          </a:stretch>
+        </p:blipFill>
+        <p:spPr>
+          <a:xfrm>
+            <a:off x="442680" y="2070517"/>
+            <a:ext cx="8229600" cy="3632954"/>
+          </a:xfrm>
+        </p:spPr>
+      </p:pic>
+    </p:spTree>
+    <p:extLst>
+      <p:ext uri="{BB962C8B-B14F-4D97-AF65-F5344CB8AC3E}">
+        <p14:creationId xmlns:p14="http://schemas.microsoft.com/office/powerpoint/2010/main" val="3499250854"/>
+      </p:ext>
+    </p:extLst>
+  </p:cSld>
+  <p:clrMapOvr>
+    <a:masterClrMapping/>
+  </p:clrMapOvr>
+  <p:timing>
+    <p:tnLst>
+      <p:par>
+        <p:cTn id="1" dur="indefinite" restart="never" nodeType="tmRoot"/>
+      </p:par>
+    </p:tnLst>
+  </p:timing>
+</p:sld>
+</file>
+
+<file path=ppt/slides/slide18.xml><?xml version="1.0" encoding="utf-8"?>
+<p:sld xmlns:a="http://schemas.openxmlformats.org/drawingml/2006/main" xmlns:r="http://schemas.openxmlformats.org/officeDocument/2006/relationships" xmlns:p="http://schemas.openxmlformats.org/presentationml/2006/main">
+  <p:cSld>
+    <p:spTree>
+      <p:nvGrpSpPr>
+        <p:cNvPr id="1" name=""/>
+        <p:cNvGrpSpPr/>
+        <p:nvPr/>
+      </p:nvGrpSpPr>
+      <p:grpSpPr>
+        <a:xfrm>
+          <a:off x="0" y="0"/>
+          <a:ext cx="0" cy="0"/>
+          <a:chOff x="0" y="0"/>
+          <a:chExt cx="0" cy="0"/>
+        </a:xfrm>
+      </p:grpSpPr>
+      <p:sp>
+        <p:nvSpPr>
+          <p:cNvPr id="2" name="標題 1"/>
+          <p:cNvSpPr>
+            <a:spLocks noGrp="1"/>
+          </p:cNvSpPr>
+          <p:nvPr>
+            <p:ph type="title"/>
+          </p:nvPr>
+        </p:nvSpPr>
+        <p:spPr/>
+        <p:txBody>
+          <a:bodyPr/>
+          <a:lstStyle/>
+          <a:p>
+            <a:r>
+              <a:rPr lang="zh-TW" altLang="en-US" dirty="0" smtClean="0"/>
+              <a:t>我的做法</a:t>
+            </a:r>
+            <a:endParaRPr lang="zh-TW" altLang="en-US" dirty="0"/>
+          </a:p>
+        </p:txBody>
+      </p:sp>
+      <p:sp>
+        <p:nvSpPr>
+          <p:cNvPr id="3" name="內容版面配置區 2"/>
+          <p:cNvSpPr>
+            <a:spLocks noGrp="1"/>
+          </p:cNvSpPr>
+          <p:nvPr>
+            <p:ph idx="1"/>
+          </p:nvPr>
+        </p:nvSpPr>
+        <p:spPr>
+          <a:xfrm>
+            <a:off x="457200" y="1600200"/>
+            <a:ext cx="8686800" cy="4525963"/>
+          </a:xfrm>
+        </p:spPr>
+        <p:txBody>
+          <a:bodyPr/>
+          <a:lstStyle/>
+          <a:p>
+            <a:r>
+              <a:rPr lang="en-US" altLang="zh-TW" sz="2000" dirty="0" smtClean="0"/>
+              <a:t>1.</a:t>
+            </a:r>
+            <a:r>
+              <a:rPr lang="zh-TW" altLang="en-US" sz="2000" dirty="0" smtClean="0"/>
+              <a:t>當使用者在</a:t>
+            </a:r>
+            <a:r>
+              <a:rPr lang="en-US" altLang="zh-TW" sz="2000" dirty="0" err="1" smtClean="0"/>
+              <a:t>AccountManagement</a:t>
+            </a:r>
+            <a:r>
+              <a:rPr lang="zh-TW" altLang="en-US" sz="2000" dirty="0" smtClean="0"/>
+              <a:t>、</a:t>
+            </a:r>
+            <a:r>
+              <a:rPr lang="en-US" altLang="zh-TW" sz="2000" dirty="0" smtClean="0"/>
+              <a:t>Notification</a:t>
+            </a:r>
+            <a:r>
+              <a:rPr lang="zh-TW" altLang="en-US" sz="2000" dirty="0" smtClean="0"/>
+              <a:t>的兩</a:t>
+            </a:r>
+            <a:r>
+              <a:rPr lang="zh-TW" altLang="en-US" sz="2000" dirty="0"/>
+              <a:t>個</a:t>
+            </a:r>
+            <a:r>
+              <a:rPr lang="en-US" altLang="zh-TW" sz="2000" dirty="0" smtClean="0"/>
+              <a:t>Service</a:t>
+            </a:r>
+            <a:r>
+              <a:rPr lang="zh-TW" altLang="en-US" sz="2000" dirty="0" smtClean="0"/>
+              <a:t>修改</a:t>
+            </a:r>
+            <a:r>
+              <a:rPr lang="en-US" altLang="zh-TW" sz="2000" dirty="0" smtClean="0"/>
+              <a:t>Code</a:t>
+            </a:r>
+            <a:r>
+              <a:rPr lang="zh-TW" altLang="en-US" sz="2000" dirty="0" smtClean="0"/>
+              <a:t>並</a:t>
+            </a:r>
+            <a:endParaRPr lang="en-US" altLang="zh-TW" sz="2000" dirty="0" smtClean="0"/>
+          </a:p>
+          <a:p>
+            <a:pPr marL="0" indent="0">
+              <a:buNone/>
+            </a:pPr>
+            <a:r>
+              <a:rPr lang="zh-TW" altLang="en-US" sz="2000" dirty="0"/>
+              <a:t> </a:t>
+            </a:r>
+            <a:r>
+              <a:rPr lang="zh-TW" altLang="en-US" sz="2000" dirty="0" smtClean="0"/>
+              <a:t>        </a:t>
+            </a:r>
+            <a:r>
+              <a:rPr lang="en-US" altLang="zh-TW" sz="2000" dirty="0" smtClean="0"/>
+              <a:t>Push</a:t>
+            </a:r>
+            <a:r>
+              <a:rPr lang="zh-TW" altLang="en-US" sz="2000" dirty="0" smtClean="0"/>
+              <a:t>到</a:t>
+            </a:r>
+            <a:r>
+              <a:rPr lang="en-US" altLang="zh-TW" sz="2000" dirty="0" err="1" smtClean="0"/>
+              <a:t>Github</a:t>
+            </a:r>
+            <a:r>
+              <a:rPr lang="zh-TW" altLang="en-US" sz="2000" dirty="0" smtClean="0"/>
+              <a:t>上時，</a:t>
+            </a:r>
+            <a:r>
+              <a:rPr lang="en-US" altLang="zh-TW" sz="2000" dirty="0" smtClean="0"/>
+              <a:t>Jenkins</a:t>
+            </a:r>
+            <a:r>
+              <a:rPr lang="zh-TW" altLang="en-US" sz="2000" dirty="0" smtClean="0"/>
+              <a:t>接收通知自動跑</a:t>
+            </a:r>
+            <a:r>
+              <a:rPr lang="en-US" altLang="zh-TW" sz="2000" dirty="0" smtClean="0"/>
+              <a:t>Unit Test</a:t>
+            </a:r>
+            <a:r>
+              <a:rPr lang="zh-TW" altLang="en-US" sz="2000" dirty="0" smtClean="0"/>
+              <a:t>。</a:t>
+            </a:r>
+            <a:endParaRPr lang="en-US" altLang="zh-TW" sz="2000" dirty="0" smtClean="0"/>
+          </a:p>
+          <a:p>
+            <a:endParaRPr lang="en-US" altLang="zh-TW" sz="2000" dirty="0" smtClean="0"/>
+          </a:p>
+          <a:p>
+            <a:r>
+              <a:rPr lang="en-US" altLang="zh-TW" sz="2000" dirty="0" smtClean="0"/>
+              <a:t>2.</a:t>
+            </a:r>
+            <a:r>
+              <a:rPr lang="zh-TW" altLang="en-US" sz="2000" dirty="0" smtClean="0"/>
+              <a:t>使用</a:t>
+            </a:r>
+            <a:r>
+              <a:rPr lang="en-US" altLang="zh-TW" sz="2000" dirty="0" smtClean="0"/>
+              <a:t>Maven</a:t>
+            </a:r>
+            <a:r>
+              <a:rPr lang="zh-TW" altLang="en-US" sz="2000" dirty="0" smtClean="0"/>
+              <a:t>指令將</a:t>
+            </a:r>
+            <a:r>
+              <a:rPr lang="en-US" altLang="zh-TW" sz="2000" dirty="0" smtClean="0"/>
+              <a:t>Service</a:t>
+            </a:r>
+            <a:r>
+              <a:rPr lang="zh-TW" altLang="en-US" sz="2000" dirty="0" smtClean="0"/>
+              <a:t>建置、編譯與打包成可以執行</a:t>
+            </a:r>
+            <a:r>
+              <a:rPr lang="en-US" altLang="zh-TW" sz="2000" dirty="0" smtClean="0"/>
+              <a:t>jar</a:t>
+            </a:r>
+            <a:r>
+              <a:rPr lang="zh-TW" altLang="en-US" sz="2000" dirty="0" smtClean="0"/>
+              <a:t>包。</a:t>
+            </a:r>
+            <a:endParaRPr lang="en-US" altLang="zh-TW" sz="2000" dirty="0" smtClean="0"/>
+          </a:p>
+          <a:p>
+            <a:endParaRPr lang="en-US" altLang="zh-TW" sz="2000" dirty="0" smtClean="0"/>
+          </a:p>
+          <a:p>
+            <a:r>
+              <a:rPr lang="en-US" altLang="zh-TW" sz="2000" dirty="0" smtClean="0"/>
+              <a:t>3.</a:t>
+            </a:r>
+            <a:r>
+              <a:rPr lang="zh-TW" altLang="en-US" sz="2000" dirty="0" smtClean="0"/>
+              <a:t>使用</a:t>
+            </a:r>
+            <a:r>
+              <a:rPr lang="en-US" altLang="zh-TW" sz="2000" dirty="0" smtClean="0"/>
+              <a:t>Docker</a:t>
+            </a:r>
+            <a:r>
+              <a:rPr lang="zh-TW" altLang="en-US" sz="2000" dirty="0" smtClean="0"/>
+              <a:t>把</a:t>
+            </a:r>
+            <a:r>
+              <a:rPr lang="en-US" altLang="zh-TW" sz="2000" dirty="0" smtClean="0"/>
+              <a:t>jar</a:t>
+            </a:r>
+            <a:r>
+              <a:rPr lang="zh-TW" altLang="en-US" sz="2000" dirty="0" smtClean="0"/>
+              <a:t>包放入</a:t>
+            </a:r>
+            <a:r>
+              <a:rPr lang="en-US" altLang="zh-TW" sz="2000" dirty="0" smtClean="0"/>
+              <a:t>Docker</a:t>
+            </a:r>
+            <a:r>
+              <a:rPr lang="zh-TW" altLang="en-US" sz="2000" dirty="0" smtClean="0"/>
+              <a:t>的</a:t>
+            </a:r>
+            <a:r>
+              <a:rPr lang="en-US" altLang="zh-TW" sz="2000" dirty="0" smtClean="0"/>
+              <a:t>Image</a:t>
+            </a:r>
+            <a:r>
+              <a:rPr lang="zh-TW" altLang="en-US" sz="2000" dirty="0" smtClean="0"/>
+              <a:t>中。</a:t>
+            </a:r>
+            <a:endParaRPr lang="en-US" altLang="zh-TW" sz="2000" dirty="0" smtClean="0"/>
+          </a:p>
+          <a:p>
+            <a:endParaRPr lang="en-US" altLang="zh-TW" sz="2000" dirty="0"/>
+          </a:p>
+          <a:p>
+            <a:r>
+              <a:rPr lang="en-US" altLang="zh-TW" sz="2000" dirty="0" smtClean="0"/>
+              <a:t>4.</a:t>
+            </a:r>
+            <a:r>
+              <a:rPr lang="zh-TW" altLang="en-US" sz="2000" dirty="0" smtClean="0"/>
+              <a:t>使用</a:t>
+            </a:r>
+            <a:r>
+              <a:rPr lang="en-US" altLang="zh-TW" sz="2000" dirty="0" err="1" smtClean="0"/>
+              <a:t>Dockerfile</a:t>
+            </a:r>
+            <a:r>
+              <a:rPr lang="zh-TW" altLang="en-US" sz="2000" dirty="0" smtClean="0"/>
+              <a:t>建置</a:t>
+            </a:r>
+            <a:r>
+              <a:rPr lang="en-US" altLang="zh-TW" sz="2000" dirty="0" smtClean="0"/>
+              <a:t>Docker</a:t>
+            </a:r>
+            <a:r>
+              <a:rPr lang="zh-TW" altLang="en-US" sz="2000" dirty="0" smtClean="0"/>
+              <a:t>的</a:t>
+            </a:r>
+            <a:r>
+              <a:rPr lang="en-US" altLang="zh-TW" sz="2000" dirty="0" smtClean="0"/>
+              <a:t>Image</a:t>
+            </a:r>
+            <a:r>
+              <a:rPr lang="zh-TW" altLang="en-US" sz="2000" dirty="0" smtClean="0"/>
+              <a:t>並指定</a:t>
+            </a:r>
+            <a:r>
+              <a:rPr lang="en-US" altLang="zh-TW" sz="2000" dirty="0" smtClean="0"/>
+              <a:t>Image</a:t>
+            </a:r>
+            <a:r>
+              <a:rPr lang="zh-TW" altLang="en-US" sz="2000" dirty="0" smtClean="0"/>
+              <a:t>要部署的</a:t>
+            </a:r>
+            <a:r>
+              <a:rPr lang="en-US" altLang="zh-TW" sz="2000" dirty="0" smtClean="0"/>
+              <a:t>port</a:t>
+            </a:r>
+            <a:r>
+              <a:rPr lang="zh-TW" altLang="en-US" sz="2000" dirty="0" smtClean="0"/>
+              <a:t>號。</a:t>
+            </a:r>
+            <a:endParaRPr lang="en-US" altLang="zh-TW" sz="2000" dirty="0" smtClean="0"/>
+          </a:p>
+          <a:p>
+            <a:endParaRPr lang="en-US" altLang="zh-TW" sz="2000" dirty="0" smtClean="0"/>
+          </a:p>
+          <a:p>
+            <a:r>
+              <a:rPr lang="en-US" altLang="zh-TW" sz="2000" dirty="0"/>
+              <a:t>5</a:t>
+            </a:r>
+            <a:r>
+              <a:rPr lang="en-US" altLang="zh-TW" sz="2000" dirty="0" smtClean="0"/>
+              <a:t>.</a:t>
+            </a:r>
+            <a:r>
+              <a:rPr lang="zh-TW" altLang="en-US" sz="2000" dirty="0" smtClean="0"/>
+              <a:t>在</a:t>
+            </a:r>
+            <a:r>
+              <a:rPr lang="en-US" altLang="zh-TW" sz="2000" dirty="0" smtClean="0"/>
+              <a:t>Jenkins</a:t>
+            </a:r>
+            <a:r>
+              <a:rPr lang="zh-TW" altLang="en-US" sz="2000" dirty="0" smtClean="0"/>
+              <a:t>中自動啟動</a:t>
+            </a:r>
+            <a:r>
+              <a:rPr lang="en-US" altLang="zh-TW" sz="2000" dirty="0" smtClean="0"/>
+              <a:t>Service</a:t>
+            </a:r>
+            <a:r>
+              <a:rPr lang="zh-TW" altLang="en-US" sz="2000" dirty="0" smtClean="0"/>
+              <a:t>。</a:t>
+            </a:r>
+            <a:endParaRPr lang="en-US" altLang="zh-TW" sz="2000" dirty="0" smtClean="0"/>
+          </a:p>
+          <a:p>
+            <a:endParaRPr lang="en-US" altLang="zh-TW" sz="2000" dirty="0"/>
+          </a:p>
+          <a:p>
+            <a:r>
+              <a:rPr lang="en-US" altLang="zh-TW" sz="2000" dirty="0" smtClean="0"/>
+              <a:t>6.</a:t>
+            </a:r>
+            <a:r>
+              <a:rPr lang="zh-TW" altLang="en-US" sz="2000" dirty="0" smtClean="0"/>
+              <a:t>設計驗收測試確認</a:t>
+            </a:r>
+            <a:r>
+              <a:rPr lang="en-US" altLang="zh-TW" sz="2000" dirty="0" smtClean="0"/>
+              <a:t>Service</a:t>
+            </a:r>
+            <a:r>
+              <a:rPr lang="zh-TW" altLang="en-US" sz="2000" dirty="0" smtClean="0"/>
+              <a:t>已經啟動並與</a:t>
+            </a:r>
+            <a:r>
+              <a:rPr lang="en-US" altLang="zh-TW" sz="2000" dirty="0" err="1" smtClean="0"/>
+              <a:t>ezScrum</a:t>
+            </a:r>
+            <a:r>
+              <a:rPr lang="zh-TW" altLang="en-US" sz="2000" dirty="0" smtClean="0"/>
+              <a:t>連上線。</a:t>
+            </a:r>
+            <a:endParaRPr lang="zh-TW" altLang="en-US" sz="2000" dirty="0"/>
+          </a:p>
+        </p:txBody>
+      </p:sp>
+      <p:sp>
+        <p:nvSpPr>
+          <p:cNvPr id="4" name="投影片編號版面配置區 3"/>
+          <p:cNvSpPr>
+            <a:spLocks noGrp="1"/>
+          </p:cNvSpPr>
+          <p:nvPr>
+            <p:ph type="sldNum" sz="quarter" idx="12"/>
+          </p:nvPr>
+        </p:nvSpPr>
+        <p:spPr/>
+        <p:txBody>
+          <a:bodyPr/>
+          <a:lstStyle/>
+          <a:p>
+            <a:pPr>
+              <a:defRPr/>
+            </a:pPr>
+            <a:fld id="{3DB7C113-B292-4711-9FA5-4E4B2395B52F}" type="slidenum">
+              <a:rPr lang="zh-TW" altLang="en-US" smtClean="0"/>
+              <a:pPr>
+                <a:defRPr/>
+              </a:pPr>
+              <a:t>18</a:t>
+            </a:fld>
+            <a:endParaRPr lang="zh-TW" altLang="en-US"/>
+          </a:p>
+        </p:txBody>
+      </p:sp>
+    </p:spTree>
+    <p:extLst>
+      <p:ext uri="{BB962C8B-B14F-4D97-AF65-F5344CB8AC3E}">
+        <p14:creationId xmlns:p14="http://schemas.microsoft.com/office/powerpoint/2010/main" val="2049691656"/>
+      </p:ext>
+    </p:extLst>
+  </p:cSld>
+  <p:clrMapOvr>
+    <a:masterClrMapping/>
+  </p:clrMapOvr>
+  <p:timing>
+    <p:tnLst>
+      <p:par>
+        <p:cTn id="1" dur="indefinite" restart="never" nodeType="tmRoot"/>
+      </p:par>
+    </p:tnLst>
+  </p:timing>
+</p:sld>
+</file>
+
+<file path=ppt/slides/slide19.xml><?xml version="1.0" encoding="utf-8"?>
+<p:sld xmlns:a="http://schemas.openxmlformats.org/drawingml/2006/main" xmlns:r="http://schemas.openxmlformats.org/officeDocument/2006/relationships" xmlns:p="http://schemas.openxmlformats.org/presentationml/2006/main">
+  <p:cSld>
+    <p:spTree>
+      <p:nvGrpSpPr>
+        <p:cNvPr id="1" name=""/>
+        <p:cNvGrpSpPr/>
+        <p:nvPr/>
+      </p:nvGrpSpPr>
+      <p:grpSpPr>
+        <a:xfrm>
+          <a:off x="0" y="0"/>
+          <a:ext cx="0" cy="0"/>
+          <a:chOff x="0" y="0"/>
+          <a:chExt cx="0" cy="0"/>
+        </a:xfrm>
+      </p:grpSpPr>
+      <p:sp>
+        <p:nvSpPr>
+          <p:cNvPr id="2" name="標題 1"/>
+          <p:cNvSpPr>
+            <a:spLocks noGrp="1"/>
+          </p:cNvSpPr>
+          <p:nvPr>
+            <p:ph type="title"/>
+          </p:nvPr>
+        </p:nvSpPr>
+        <p:spPr/>
+        <p:txBody>
+          <a:bodyPr/>
+          <a:lstStyle/>
+          <a:p>
+            <a:r>
+              <a:rPr lang="en-US" altLang="zh-TW" dirty="0" smtClean="0"/>
+              <a:t>DevOps</a:t>
+            </a:r>
+            <a:endParaRPr lang="zh-TW" altLang="en-US" dirty="0"/>
+          </a:p>
+        </p:txBody>
+      </p:sp>
+      <p:sp>
+        <p:nvSpPr>
+          <p:cNvPr id="3" name="內容版面配置區 2"/>
+          <p:cNvSpPr>
+            <a:spLocks noGrp="1"/>
+          </p:cNvSpPr>
+          <p:nvPr>
+            <p:ph idx="1"/>
+          </p:nvPr>
+        </p:nvSpPr>
+        <p:spPr>
+          <a:xfrm>
+            <a:off x="444288" y="1657730"/>
+            <a:ext cx="8699711" cy="4525963"/>
+          </a:xfrm>
+        </p:spPr>
+        <p:txBody>
+          <a:bodyPr/>
+          <a:lstStyle/>
+          <a:p>
+            <a:r>
+              <a:rPr lang="en-US" altLang="zh-TW" sz="2000" dirty="0" smtClean="0">
+                <a:latin typeface="標楷體" panose="03000509000000000000" pitchFamily="65" charset="-120"/>
+              </a:rPr>
+              <a:t>Development(</a:t>
+            </a:r>
+            <a:r>
+              <a:rPr lang="zh-TW" altLang="en-US" sz="2000" dirty="0" smtClean="0">
+                <a:latin typeface="標楷體" panose="03000509000000000000" pitchFamily="65" charset="-120"/>
+              </a:rPr>
+              <a:t>開發</a:t>
+            </a:r>
+            <a:r>
+              <a:rPr lang="en-US" altLang="zh-TW" sz="2000" dirty="0" smtClean="0">
+                <a:latin typeface="標楷體" panose="03000509000000000000" pitchFamily="65" charset="-120"/>
+              </a:rPr>
+              <a:t>)</a:t>
+            </a:r>
+          </a:p>
+          <a:p>
+            <a:r>
+              <a:rPr lang="en-US" altLang="zh-TW" sz="2000" dirty="0" smtClean="0">
+                <a:latin typeface="標楷體" panose="03000509000000000000" pitchFamily="65" charset="-120"/>
+              </a:rPr>
+              <a:t>Operation(</a:t>
+            </a:r>
+            <a:r>
+              <a:rPr lang="zh-TW" altLang="en-US" sz="2000" dirty="0">
+                <a:latin typeface="標楷體" panose="03000509000000000000" pitchFamily="65" charset="-120"/>
+              </a:rPr>
+              <a:t>維</a:t>
+            </a:r>
+            <a:r>
+              <a:rPr lang="zh-TW" altLang="en-US" sz="2000" dirty="0" smtClean="0">
+                <a:latin typeface="標楷體" panose="03000509000000000000" pitchFamily="65" charset="-120"/>
+              </a:rPr>
+              <a:t>運</a:t>
+            </a:r>
+            <a:r>
+              <a:rPr lang="en-US" altLang="zh-TW" sz="2000" dirty="0" smtClean="0">
+                <a:latin typeface="標楷體" panose="03000509000000000000" pitchFamily="65" charset="-120"/>
+              </a:rPr>
+              <a:t>)</a:t>
+            </a:r>
+          </a:p>
+          <a:p>
+            <a:r>
+              <a:rPr lang="zh-TW" altLang="en-US" sz="2000" dirty="0" smtClean="0">
+                <a:latin typeface="標楷體" panose="03000509000000000000" pitchFamily="65" charset="-120"/>
+              </a:rPr>
+              <a:t>目標 </a:t>
+            </a:r>
+            <a:r>
+              <a:rPr lang="en-US" altLang="zh-TW" sz="2000" dirty="0" smtClean="0">
+                <a:latin typeface="標楷體" panose="03000509000000000000" pitchFamily="65" charset="-120"/>
+              </a:rPr>
+              <a:t>:</a:t>
+            </a:r>
+            <a:r>
+              <a:rPr lang="zh-TW" altLang="en-US" sz="2000" dirty="0" smtClean="0">
+                <a:latin typeface="標楷體" panose="03000509000000000000" pitchFamily="65" charset="-120"/>
+              </a:rPr>
+              <a:t> 加快服務改版的速度</a:t>
+            </a:r>
+            <a:endParaRPr lang="en-US" altLang="zh-TW" sz="2000" dirty="0" smtClean="0">
+              <a:latin typeface="標楷體" panose="03000509000000000000" pitchFamily="65" charset="-120"/>
+            </a:endParaRPr>
+          </a:p>
+          <a:p>
+            <a:r>
+              <a:rPr lang="zh-TW" altLang="en-US" sz="2000" dirty="0" smtClean="0">
+                <a:latin typeface="標楷體" panose="03000509000000000000" pitchFamily="65" charset="-120"/>
+              </a:rPr>
+              <a:t>提出快速的交付、部署與得到使用者的回饋的觀念與工具</a:t>
+            </a:r>
+            <a:endParaRPr lang="en-US" altLang="zh-TW" sz="2000" dirty="0" smtClean="0">
+              <a:latin typeface="標楷體" panose="03000509000000000000" pitchFamily="65" charset="-120"/>
+            </a:endParaRPr>
+          </a:p>
+          <a:p>
+            <a:r>
+              <a:rPr lang="zh-TW" altLang="en-US" sz="2000" dirty="0"/>
+              <a:t>開發人員也可以專注在產生更有品質的程式碼，避免之後不停的</a:t>
+            </a:r>
+            <a:r>
+              <a:rPr lang="zh-TW" altLang="en-US" sz="2000" dirty="0" smtClean="0"/>
+              <a:t>修補</a:t>
+            </a:r>
+            <a:endParaRPr lang="en-US" altLang="zh-TW" sz="2000" dirty="0" smtClean="0"/>
+          </a:p>
+          <a:p>
+            <a:r>
+              <a:rPr lang="zh-TW" altLang="en-US" sz="2000" dirty="0" smtClean="0"/>
+              <a:t>程式碼</a:t>
+            </a:r>
+            <a:endParaRPr lang="en-US" altLang="zh-TW" sz="2000" dirty="0" smtClean="0"/>
+          </a:p>
+          <a:p>
+            <a:r>
+              <a:rPr lang="en-US" altLang="zh-TW" sz="2000" dirty="0" smtClean="0">
+                <a:latin typeface="標楷體" panose="03000509000000000000" pitchFamily="65" charset="-120"/>
+              </a:rPr>
+              <a:t>CALMS : </a:t>
+            </a:r>
+          </a:p>
+          <a:p>
+            <a:r>
+              <a:rPr lang="zh-TW" altLang="en-US" sz="2000" dirty="0" smtClean="0">
+                <a:latin typeface="標楷體" panose="03000509000000000000" pitchFamily="65" charset="-120"/>
+              </a:rPr>
+              <a:t>文</a:t>
+            </a:r>
+            <a:r>
+              <a:rPr lang="zh-TW" altLang="en-US" sz="2000" dirty="0">
+                <a:latin typeface="標楷體" panose="03000509000000000000" pitchFamily="65" charset="-120"/>
+              </a:rPr>
+              <a:t>化</a:t>
+            </a:r>
+            <a:r>
+              <a:rPr lang="en-US" altLang="zh-TW" sz="2000" dirty="0" smtClean="0">
+                <a:latin typeface="標楷體" panose="03000509000000000000" pitchFamily="65" charset="-120"/>
+              </a:rPr>
+              <a:t>(Culture)</a:t>
+            </a:r>
+            <a:r>
+              <a:rPr lang="zh-TW" altLang="en-US" sz="2000" dirty="0" smtClean="0">
+                <a:latin typeface="標楷體" panose="03000509000000000000" pitchFamily="65" charset="-120"/>
+              </a:rPr>
+              <a:t> </a:t>
+            </a:r>
+            <a:r>
+              <a:rPr lang="en-US" altLang="zh-TW" sz="2000" dirty="0" smtClean="0">
+                <a:latin typeface="標楷體" panose="03000509000000000000" pitchFamily="65" charset="-120"/>
+              </a:rPr>
+              <a:t>:</a:t>
+            </a:r>
+            <a:r>
+              <a:rPr lang="zh-TW" altLang="en-US" sz="2000" dirty="0" smtClean="0">
+                <a:latin typeface="標楷體" panose="03000509000000000000" pitchFamily="65" charset="-120"/>
+              </a:rPr>
+              <a:t> </a:t>
+            </a:r>
+            <a:r>
+              <a:rPr lang="zh-TW" altLang="en-US" sz="2000" dirty="0" smtClean="0"/>
+              <a:t>開發</a:t>
+            </a:r>
+            <a:r>
+              <a:rPr lang="zh-TW" altLang="en-US" sz="2000" dirty="0"/>
+              <a:t>多去想維運面，維運多去想開發</a:t>
+            </a:r>
+            <a:r>
+              <a:rPr lang="zh-TW" altLang="en-US" sz="2000" dirty="0" smtClean="0"/>
+              <a:t>面。</a:t>
+            </a:r>
+            <a:endParaRPr lang="en-US" altLang="zh-TW" sz="2000" dirty="0" smtClean="0">
+              <a:latin typeface="標楷體" panose="03000509000000000000" pitchFamily="65" charset="-120"/>
+            </a:endParaRPr>
+          </a:p>
+          <a:p>
+            <a:r>
+              <a:rPr lang="zh-TW" altLang="en-US" sz="2000" dirty="0" smtClean="0">
+                <a:latin typeface="標楷體" panose="03000509000000000000" pitchFamily="65" charset="-120"/>
+              </a:rPr>
+              <a:t>自動化</a:t>
+            </a:r>
+            <a:r>
+              <a:rPr lang="en-US" altLang="zh-TW" sz="2000" dirty="0" smtClean="0">
+                <a:latin typeface="標楷體" panose="03000509000000000000" pitchFamily="65" charset="-120"/>
+              </a:rPr>
+              <a:t>(Automation)</a:t>
+            </a:r>
+            <a:r>
+              <a:rPr lang="zh-TW" altLang="en-US" sz="2000" dirty="0" smtClean="0">
+                <a:latin typeface="標楷體" panose="03000509000000000000" pitchFamily="65" charset="-120"/>
+              </a:rPr>
+              <a:t> </a:t>
+            </a:r>
+            <a:r>
+              <a:rPr lang="en-US" altLang="zh-TW" sz="2000" dirty="0" smtClean="0">
+                <a:latin typeface="標楷體" panose="03000509000000000000" pitchFamily="65" charset="-120"/>
+              </a:rPr>
+              <a:t>:</a:t>
+            </a:r>
+            <a:r>
+              <a:rPr lang="zh-TW" altLang="en-US" sz="2000" dirty="0" smtClean="0">
+                <a:latin typeface="標楷體" panose="03000509000000000000" pitchFamily="65" charset="-120"/>
+              </a:rPr>
+              <a:t> 需求的潤滑劑。</a:t>
+            </a:r>
+            <a:endParaRPr lang="en-US" altLang="zh-TW" sz="2000" dirty="0" smtClean="0">
+              <a:latin typeface="標楷體" panose="03000509000000000000" pitchFamily="65" charset="-120"/>
+            </a:endParaRPr>
+          </a:p>
+          <a:p>
+            <a:r>
+              <a:rPr lang="zh-TW" altLang="en-US" sz="2000" dirty="0" smtClean="0">
+                <a:latin typeface="標楷體" panose="03000509000000000000" pitchFamily="65" charset="-120"/>
+              </a:rPr>
+              <a:t>精實</a:t>
+            </a:r>
+            <a:r>
+              <a:rPr lang="en-US" altLang="zh-TW" sz="2000" dirty="0" smtClean="0">
+                <a:latin typeface="標楷體" panose="03000509000000000000" pitchFamily="65" charset="-120"/>
+              </a:rPr>
+              <a:t>(Lean)</a:t>
+            </a:r>
+            <a:r>
+              <a:rPr lang="zh-TW" altLang="en-US" sz="2000" dirty="0" smtClean="0">
+                <a:latin typeface="標楷體" panose="03000509000000000000" pitchFamily="65" charset="-120"/>
+              </a:rPr>
+              <a:t> </a:t>
+            </a:r>
+            <a:r>
+              <a:rPr lang="en-US" altLang="zh-TW" sz="2000" dirty="0" smtClean="0">
+                <a:latin typeface="標楷體" panose="03000509000000000000" pitchFamily="65" charset="-120"/>
+              </a:rPr>
+              <a:t>:</a:t>
+            </a:r>
+            <a:r>
+              <a:rPr lang="zh-TW" altLang="en-US" sz="2000" dirty="0" smtClean="0">
+                <a:latin typeface="標楷體" panose="03000509000000000000" pitchFamily="65" charset="-120"/>
+              </a:rPr>
+              <a:t> </a:t>
+            </a:r>
+            <a:r>
+              <a:rPr lang="zh-TW" altLang="en-US" sz="2000" dirty="0" smtClean="0"/>
+              <a:t>精</a:t>
+            </a:r>
+            <a:r>
+              <a:rPr lang="zh-TW" altLang="en-US" sz="2000" dirty="0"/>
+              <a:t>實</a:t>
+            </a:r>
+            <a:r>
+              <a:rPr lang="zh-TW" altLang="en-US" sz="2000" dirty="0" smtClean="0"/>
+              <a:t>軟體開發。</a:t>
+            </a:r>
+            <a:endParaRPr lang="en-US" altLang="zh-TW" sz="2000" dirty="0" smtClean="0">
+              <a:latin typeface="標楷體" panose="03000509000000000000" pitchFamily="65" charset="-120"/>
+            </a:endParaRPr>
+          </a:p>
+          <a:p>
+            <a:r>
+              <a:rPr lang="zh-TW" altLang="en-US" sz="2000" dirty="0" smtClean="0">
+                <a:latin typeface="標楷體" panose="03000509000000000000" pitchFamily="65" charset="-120"/>
+              </a:rPr>
+              <a:t>測量</a:t>
+            </a:r>
+            <a:r>
+              <a:rPr lang="en-US" altLang="zh-TW" sz="2000" dirty="0" smtClean="0">
+                <a:latin typeface="標楷體" panose="03000509000000000000" pitchFamily="65" charset="-120"/>
+              </a:rPr>
+              <a:t>(Measurement)</a:t>
+            </a:r>
+            <a:r>
+              <a:rPr lang="zh-TW" altLang="en-US" sz="2000" dirty="0" smtClean="0">
+                <a:latin typeface="標楷體" panose="03000509000000000000" pitchFamily="65" charset="-120"/>
+              </a:rPr>
+              <a:t> </a:t>
+            </a:r>
+            <a:r>
+              <a:rPr lang="en-US" altLang="zh-TW" sz="2000" dirty="0" smtClean="0">
+                <a:latin typeface="標楷體" panose="03000509000000000000" pitchFamily="65" charset="-120"/>
+              </a:rPr>
+              <a:t>:</a:t>
+            </a:r>
+            <a:r>
+              <a:rPr lang="zh-TW" altLang="en-US" sz="2000" dirty="0" smtClean="0">
+                <a:latin typeface="標楷體" panose="03000509000000000000" pitchFamily="65" charset="-120"/>
+              </a:rPr>
+              <a:t> 提示</a:t>
+            </a:r>
+            <a:r>
+              <a:rPr lang="zh-TW" altLang="en-US" sz="2000" dirty="0" smtClean="0"/>
+              <a:t>團隊</a:t>
+            </a:r>
+            <a:r>
+              <a:rPr lang="zh-TW" altLang="en-US" sz="2000" dirty="0"/>
+              <a:t>如何做更正確的</a:t>
+            </a:r>
+            <a:r>
+              <a:rPr lang="zh-TW" altLang="en-US" sz="2000" dirty="0" smtClean="0"/>
+              <a:t>改善。</a:t>
+            </a:r>
+            <a:endParaRPr lang="en-US" altLang="zh-TW" sz="2000" dirty="0" smtClean="0">
+              <a:latin typeface="標楷體" panose="03000509000000000000" pitchFamily="65" charset="-120"/>
+            </a:endParaRPr>
+          </a:p>
+          <a:p>
+            <a:r>
+              <a:rPr lang="zh-TW" altLang="en-US" sz="2000" dirty="0" smtClean="0">
+                <a:latin typeface="標楷體" panose="03000509000000000000" pitchFamily="65" charset="-120"/>
+              </a:rPr>
+              <a:t>分享</a:t>
+            </a:r>
+            <a:r>
+              <a:rPr lang="en-US" altLang="zh-TW" sz="2000" dirty="0" smtClean="0">
+                <a:latin typeface="標楷體" panose="03000509000000000000" pitchFamily="65" charset="-120"/>
+              </a:rPr>
+              <a:t>(Sharing)</a:t>
+            </a:r>
+            <a:r>
+              <a:rPr lang="zh-TW" altLang="en-US" sz="2000" dirty="0" smtClean="0">
+                <a:latin typeface="標楷體" panose="03000509000000000000" pitchFamily="65" charset="-120"/>
+              </a:rPr>
+              <a:t> </a:t>
+            </a:r>
+            <a:r>
+              <a:rPr lang="en-US" altLang="zh-TW" sz="2000" dirty="0" smtClean="0">
+                <a:latin typeface="標楷體" panose="03000509000000000000" pitchFamily="65" charset="-120"/>
+              </a:rPr>
+              <a:t>:</a:t>
+            </a:r>
+            <a:r>
+              <a:rPr lang="zh-TW" altLang="en-US" sz="2000" dirty="0" smtClean="0">
+                <a:latin typeface="標楷體" panose="03000509000000000000" pitchFamily="65" charset="-120"/>
+              </a:rPr>
+              <a:t> </a:t>
+            </a:r>
+            <a:r>
+              <a:rPr lang="zh-TW" altLang="en-US" sz="2000" dirty="0" smtClean="0"/>
+              <a:t>增加</a:t>
+            </a:r>
+            <a:r>
+              <a:rPr lang="zh-TW" altLang="en-US" sz="2000" dirty="0"/>
+              <a:t>團隊</a:t>
+            </a:r>
+            <a:r>
+              <a:rPr lang="zh-TW" altLang="en-US" sz="2000" dirty="0" smtClean="0"/>
+              <a:t>透明度。</a:t>
+            </a:r>
+            <a:endParaRPr lang="zh-TW" altLang="en-US" sz="2000" dirty="0">
+              <a:latin typeface="標楷體" panose="03000509000000000000" pitchFamily="65" charset="-120"/>
+            </a:endParaRPr>
+          </a:p>
+        </p:txBody>
+      </p:sp>
+      <p:sp>
+        <p:nvSpPr>
+          <p:cNvPr id="4" name="投影片編號版面配置區 3"/>
+          <p:cNvSpPr>
+            <a:spLocks noGrp="1"/>
+          </p:cNvSpPr>
+          <p:nvPr>
+            <p:ph type="sldNum" sz="quarter" idx="12"/>
+          </p:nvPr>
+        </p:nvSpPr>
+        <p:spPr/>
+        <p:txBody>
+          <a:bodyPr/>
+          <a:lstStyle/>
+          <a:p>
+            <a:pPr>
+              <a:defRPr/>
+            </a:pPr>
+            <a:fld id="{3DB7C113-B292-4711-9FA5-4E4B2395B52F}" type="slidenum">
+              <a:rPr lang="zh-TW" altLang="en-US" smtClean="0"/>
+              <a:pPr>
+                <a:defRPr/>
+              </a:pPr>
+              <a:t>19</a:t>
             </a:fld>
             <a:endParaRPr lang="zh-TW" altLang="en-US"/>
           </a:p>
@@ -7363,6 +8162,21 @@
   <p:clrMapOvr>
     <a:masterClrMapping/>
   </p:clrMapOvr>
+  <mc:AlternateContent xmlns:mc="http://schemas.openxmlformats.org/markup-compatibility/2006">
+    <mc:Choice xmlns:p14="http://schemas.microsoft.com/office/powerpoint/2010/main" Requires="p14">
+      <p:transition spd="slow" p14:dur="2000"/>
+    </mc:Choice>
+    <mc:Fallback>
+      <p:transition spd="slow"/>
+    </mc:Fallback>
+  </mc:AlternateContent>
+  <p:timing>
+    <p:tnLst>
+      <p:par>
+        <p:cTn id="1" dur="indefinite" restart="never" nodeType="tmRoot"/>
+      </p:par>
+    </p:tnLst>
+  </p:timing>
 </p:sld>
 </file>
 
@@ -7926,11 +8740,7 @@
             </a:r>
             <a:r>
               <a:rPr lang="zh-TW" altLang="en-US" sz="2000" dirty="0" smtClean="0"/>
-              <a:t>下載與安裝要</a:t>
-            </a:r>
-            <a:r>
-              <a:rPr lang="zh-TW" altLang="en-US" sz="2000" dirty="0" smtClean="0"/>
-              <a:t>編譯與執行的</a:t>
+              <a:t>下載與安裝要編譯與執行的</a:t>
             </a:r>
             <a:r>
               <a:rPr lang="en-US" altLang="zh-TW" sz="2000" dirty="0" smtClean="0"/>

--- a/Oral.pptx
+++ b/Oral.pptx
@@ -397,7 +397,7 @@
               <a:pPr>
                 <a:defRPr/>
               </a:pPr>
-              <a:t>2017/10/3</a:t>
+              <a:t>2017/10/5</a:t>
             </a:fld>
             <a:endParaRPr lang="zh-TW" altLang="en-US"/>
           </a:p>
@@ -1307,11 +1307,7 @@
           <a:p>
             <a:r>
               <a:rPr lang="zh-TW" altLang="en-US" dirty="0" smtClean="0"/>
-              <a:t>容器是映像的可寫層</a:t>
-            </a:r>
-            <a:r>
-              <a:rPr lang="zh-TW" altLang="en-US" dirty="0" smtClean="0"/>
-              <a:t>。</a:t>
+              <a:t>容器是映像的可寫層。</a:t>
             </a:r>
             <a:endParaRPr lang="en-US" altLang="zh-TW" dirty="0" smtClean="0"/>
           </a:p>
@@ -1781,7 +1777,7 @@
               <a:pPr>
                 <a:defRPr/>
               </a:pPr>
-              <a:t>2017/10/3</a:t>
+              <a:t>2017/10/5</a:t>
             </a:fld>
             <a:endParaRPr lang="zh-TW" altLang="en-US"/>
           </a:p>
@@ -1976,7 +1972,7 @@
               <a:pPr>
                 <a:defRPr/>
               </a:pPr>
-              <a:t>2017/10/3</a:t>
+              <a:t>2017/10/5</a:t>
             </a:fld>
             <a:endParaRPr lang="zh-TW" altLang="en-US"/>
           </a:p>
@@ -2181,7 +2177,7 @@
               <a:pPr>
                 <a:defRPr/>
               </a:pPr>
-              <a:t>2017/10/3</a:t>
+              <a:t>2017/10/5</a:t>
             </a:fld>
             <a:endParaRPr lang="zh-TW" altLang="en-US"/>
           </a:p>
@@ -2358,7 +2354,7 @@
               <a:pPr>
                 <a:defRPr/>
               </a:pPr>
-              <a:t>2017/10/3</a:t>
+              <a:t>2017/10/5</a:t>
             </a:fld>
             <a:endParaRPr lang="zh-TW" altLang="en-US"/>
           </a:p>
@@ -2607,7 +2603,7 @@
               <a:pPr>
                 <a:defRPr/>
               </a:pPr>
-              <a:t>2017/10/3</a:t>
+              <a:t>2017/10/5</a:t>
             </a:fld>
             <a:endParaRPr lang="zh-TW" altLang="en-US"/>
           </a:p>
@@ -2878,7 +2874,7 @@
               <a:pPr>
                 <a:defRPr/>
               </a:pPr>
-              <a:t>2017/10/3</a:t>
+              <a:t>2017/10/5</a:t>
             </a:fld>
             <a:endParaRPr lang="zh-TW" altLang="en-US"/>
           </a:p>
@@ -3191,7 +3187,7 @@
               <a:pPr>
                 <a:defRPr/>
               </a:pPr>
-              <a:t>2017/10/3</a:t>
+              <a:t>2017/10/5</a:t>
             </a:fld>
             <a:endParaRPr lang="zh-TW" altLang="en-US"/>
           </a:p>
@@ -3638,7 +3634,7 @@
               <a:pPr>
                 <a:defRPr/>
               </a:pPr>
-              <a:t>2017/10/3</a:t>
+              <a:t>2017/10/5</a:t>
             </a:fld>
             <a:endParaRPr lang="zh-TW" altLang="en-US"/>
           </a:p>
@@ -3781,7 +3777,7 @@
               <a:pPr>
                 <a:defRPr/>
               </a:pPr>
-              <a:t>2017/10/3</a:t>
+              <a:t>2017/10/5</a:t>
             </a:fld>
             <a:endParaRPr lang="zh-TW" altLang="en-US"/>
           </a:p>
@@ -3901,7 +3897,7 @@
               <a:pPr>
                 <a:defRPr/>
               </a:pPr>
-              <a:t>2017/10/3</a:t>
+              <a:t>2017/10/5</a:t>
             </a:fld>
             <a:endParaRPr lang="zh-TW" altLang="en-US"/>
           </a:p>
@@ -4203,7 +4199,7 @@
               <a:pPr>
                 <a:defRPr/>
               </a:pPr>
-              <a:t>2017/10/3</a:t>
+              <a:t>2017/10/5</a:t>
             </a:fld>
             <a:endParaRPr lang="zh-TW" altLang="en-US"/>
           </a:p>
@@ -4488,7 +4484,7 @@
               <a:pPr>
                 <a:defRPr/>
               </a:pPr>
-              <a:t>2017/10/3</a:t>
+              <a:t>2017/10/5</a:t>
             </a:fld>
             <a:endParaRPr lang="zh-TW" altLang="en-US"/>
           </a:p>
@@ -4754,7 +4750,7 @@
               <a:pPr>
                 <a:defRPr/>
               </a:pPr>
-              <a:t>2017/10/3</a:t>
+              <a:t>2017/10/5</a:t>
             </a:fld>
             <a:endParaRPr lang="zh-TW" altLang="en-US"/>
           </a:p>
@@ -8162,11 +8158,11 @@
   <p:clrMapOvr>
     <a:masterClrMapping/>
   </p:clrMapOvr>
-  <mc:AlternateContent xmlns:mc="http://schemas.openxmlformats.org/markup-compatibility/2006">
-    <mc:Choice xmlns:p14="http://schemas.microsoft.com/office/powerpoint/2010/main" Requires="p14">
+  <mc:AlternateContent xmlns:mc="http://schemas.openxmlformats.org/markup-compatibility/2006" xmlns:p14="http://schemas.microsoft.com/office/powerpoint/2010/main">
+    <mc:Choice Requires="p14">
       <p:transition spd="slow" p14:dur="2000"/>
     </mc:Choice>
-    <mc:Fallback>
+    <mc:Fallback xmlns="">
       <p:transition spd="slow"/>
     </mc:Fallback>
   </mc:AlternateContent>
@@ -8744,7 +8740,13 @@
             </a:r>
             <a:r>
               <a:rPr lang="en-US" altLang="zh-TW" sz="2000" dirty="0" smtClean="0"/>
-              <a:t>IDE : IntelliJ IDEA</a:t>
+              <a:t>IDE : </a:t>
+            </a:r>
+            <a:r>
+              <a:rPr lang="en-US" altLang="zh-TW" sz="2000" dirty="0" smtClean="0">
+                <a:hlinkClick r:id="rId2"/>
+              </a:rPr>
+              <a:t>IntelliJ IDEA</a:t>
             </a:r>
             <a:endParaRPr lang="zh-TW" altLang="en-US" sz="2000" dirty="0"/>
           </a:p>
@@ -8788,7 +8790,7 @@
           <p:nvPr/>
         </p:nvPicPr>
         <p:blipFill>
-          <a:blip r:embed="rId2"/>
+          <a:blip r:embed="rId3"/>
           <a:stretch>
             <a:fillRect/>
           </a:stretch>

--- a/Oral.pptx
+++ b/Oral.pptx
@@ -5,31 +5,39 @@
     <p:sldMasterId id="2147483828" r:id="rId1"/>
   </p:sldMasterIdLst>
   <p:notesMasterIdLst>
-    <p:notesMasterId r:id="rId21"/>
+    <p:notesMasterId r:id="rId29"/>
   </p:notesMasterIdLst>
   <p:handoutMasterIdLst>
-    <p:handoutMasterId r:id="rId22"/>
+    <p:handoutMasterId r:id="rId30"/>
   </p:handoutMasterIdLst>
   <p:sldIdLst>
     <p:sldId id="256" r:id="rId2"/>
-    <p:sldId id="363" r:id="rId3"/>
-    <p:sldId id="362" r:id="rId4"/>
-    <p:sldId id="364" r:id="rId5"/>
-    <p:sldId id="365" r:id="rId6"/>
-    <p:sldId id="366" r:id="rId7"/>
-    <p:sldId id="367" r:id="rId8"/>
-    <p:sldId id="368" r:id="rId9"/>
-    <p:sldId id="369" r:id="rId10"/>
-    <p:sldId id="370" r:id="rId11"/>
-    <p:sldId id="371" r:id="rId12"/>
-    <p:sldId id="372" r:id="rId13"/>
-    <p:sldId id="373" r:id="rId14"/>
-    <p:sldId id="376" r:id="rId15"/>
-    <p:sldId id="377" r:id="rId16"/>
-    <p:sldId id="374" r:id="rId17"/>
-    <p:sldId id="378" r:id="rId18"/>
-    <p:sldId id="379" r:id="rId19"/>
-    <p:sldId id="375" r:id="rId20"/>
+    <p:sldId id="381" r:id="rId3"/>
+    <p:sldId id="383" r:id="rId4"/>
+    <p:sldId id="382" r:id="rId5"/>
+    <p:sldId id="384" r:id="rId6"/>
+    <p:sldId id="385" r:id="rId7"/>
+    <p:sldId id="386" r:id="rId8"/>
+    <p:sldId id="387" r:id="rId9"/>
+    <p:sldId id="363" r:id="rId10"/>
+    <p:sldId id="362" r:id="rId11"/>
+    <p:sldId id="364" r:id="rId12"/>
+    <p:sldId id="365" r:id="rId13"/>
+    <p:sldId id="366" r:id="rId14"/>
+    <p:sldId id="367" r:id="rId15"/>
+    <p:sldId id="368" r:id="rId16"/>
+    <p:sldId id="369" r:id="rId17"/>
+    <p:sldId id="370" r:id="rId18"/>
+    <p:sldId id="371" r:id="rId19"/>
+    <p:sldId id="372" r:id="rId20"/>
+    <p:sldId id="373" r:id="rId21"/>
+    <p:sldId id="376" r:id="rId22"/>
+    <p:sldId id="377" r:id="rId23"/>
+    <p:sldId id="374" r:id="rId24"/>
+    <p:sldId id="378" r:id="rId25"/>
+    <p:sldId id="379" r:id="rId26"/>
+    <p:sldId id="375" r:id="rId27"/>
+    <p:sldId id="380" r:id="rId28"/>
   </p:sldIdLst>
   <p:sldSz cx="9144000" cy="6858000" type="screen4x3"/>
   <p:notesSz cx="7099300" cy="10234613"/>
@@ -397,7 +405,7 @@
               <a:pPr>
                 <a:defRPr/>
               </a:pPr>
-              <a:t>2017/10/5</a:t>
+              <a:t>2017/10/17</a:t>
             </a:fld>
             <a:endParaRPr lang="zh-TW" altLang="en-US"/>
           </a:p>
@@ -898,6 +906,48 @@
           <a:bodyPr/>
           <a:lstStyle/>
           <a:p>
+            <a:r>
+              <a:rPr lang="zh-TW" altLang="zh-TW" sz="1200" kern="1200" dirty="0" smtClean="0">
+                <a:solidFill>
+                  <a:schemeClr val="tx1"/>
+                </a:solidFill>
+                <a:effectLst/>
+                <a:latin typeface="+mn-lt"/>
+                <a:ea typeface="+mn-ea"/>
+                <a:cs typeface="+mn-cs"/>
+              </a:rPr>
+              <a:t>當服務數量增加，工作量也就相對的增加</a:t>
+            </a:r>
+            <a:r>
+              <a:rPr lang="zh-TW" altLang="en-US" sz="1200" kern="1200" dirty="0" smtClean="0">
+                <a:solidFill>
+                  <a:schemeClr val="tx1"/>
+                </a:solidFill>
+                <a:effectLst/>
+                <a:latin typeface="+mn-lt"/>
+                <a:ea typeface="+mn-ea"/>
+                <a:cs typeface="+mn-cs"/>
+              </a:rPr>
+              <a:t>。</a:t>
+            </a:r>
+            <a:endParaRPr lang="en-US" altLang="zh-TW" sz="1200" kern="1200" dirty="0" smtClean="0">
+              <a:solidFill>
+                <a:schemeClr val="tx1"/>
+              </a:solidFill>
+              <a:effectLst/>
+              <a:latin typeface="+mn-lt"/>
+              <a:ea typeface="+mn-ea"/>
+              <a:cs typeface="+mn-cs"/>
+            </a:endParaRPr>
+          </a:p>
+          <a:p>
+            <a:r>
+              <a:rPr lang="zh-TW" altLang="en-US" dirty="0" smtClean="0"/>
+              <a:t>因此本論文提出一個的自動化的方法來，藉此改善軟體強健度。</a:t>
+            </a:r>
+            <a:endParaRPr lang="en-US" altLang="zh-TW" dirty="0" smtClean="0"/>
+          </a:p>
+          <a:p>
             <a:endParaRPr lang="zh-TW" altLang="en-US" dirty="0"/>
           </a:p>
         </p:txBody>
@@ -925,7 +975,7 @@
               <a:pPr>
                 <a:defRPr/>
               </a:pPr>
-              <a:t>3</a:t>
+              <a:t>4</a:t>
             </a:fld>
             <a:endParaRPr lang="zh-TW" altLang="en-US"/>
           </a:p>
@@ -934,7 +984,7 @@
     </p:spTree>
     <p:extLst>
       <p:ext uri="{BB962C8B-B14F-4D97-AF65-F5344CB8AC3E}">
-        <p14:creationId xmlns:p14="http://schemas.microsoft.com/office/powerpoint/2010/main" val="3185385322"/>
+        <p14:creationId xmlns:p14="http://schemas.microsoft.com/office/powerpoint/2010/main" val="2848473853"/>
       </p:ext>
     </p:extLst>
   </p:cSld>
@@ -988,18 +1038,6 @@
           <a:bodyPr/>
           <a:lstStyle/>
           <a:p>
-            <a:r>
-              <a:rPr lang="zh-TW" altLang="en-US" dirty="0" smtClean="0"/>
-              <a:t>使用</a:t>
-            </a:r>
-            <a:r>
-              <a:rPr lang="en-US" altLang="zh-TW" dirty="0" err="1" smtClean="0"/>
-              <a:t>TortoiseGit</a:t>
-            </a:r>
-            <a:r>
-              <a:rPr lang="zh-TW" altLang="en-US" dirty="0" smtClean="0"/>
-              <a:t>下載程式碼</a:t>
-            </a:r>
             <a:endParaRPr lang="zh-TW" altLang="en-US" dirty="0"/>
           </a:p>
         </p:txBody>
@@ -1027,7 +1065,7 @@
               <a:pPr>
                 <a:defRPr/>
               </a:pPr>
-              <a:t>4</a:t>
+              <a:t>10</a:t>
             </a:fld>
             <a:endParaRPr lang="zh-TW" altLang="en-US"/>
           </a:p>
@@ -1036,7 +1074,7 @@
     </p:spTree>
     <p:extLst>
       <p:ext uri="{BB962C8B-B14F-4D97-AF65-F5344CB8AC3E}">
-        <p14:creationId xmlns:p14="http://schemas.microsoft.com/office/powerpoint/2010/main" val="579127549"/>
+        <p14:creationId xmlns:p14="http://schemas.microsoft.com/office/powerpoint/2010/main" val="3185385322"/>
       </p:ext>
     </p:extLst>
   </p:cSld>
@@ -1092,7 +1130,15 @@
           <a:p>
             <a:r>
               <a:rPr lang="zh-TW" altLang="en-US" dirty="0" smtClean="0"/>
-              <a:t>下載完成產生的檔案</a:t>
+              <a:t>使用</a:t>
+            </a:r>
+            <a:r>
+              <a:rPr lang="en-US" altLang="zh-TW" dirty="0" err="1" smtClean="0"/>
+              <a:t>TortoiseGit</a:t>
+            </a:r>
+            <a:r>
+              <a:rPr lang="zh-TW" altLang="en-US" dirty="0" smtClean="0"/>
+              <a:t>下載程式碼</a:t>
             </a:r>
             <a:endParaRPr lang="zh-TW" altLang="en-US" dirty="0"/>
           </a:p>
@@ -1121,7 +1167,7 @@
               <a:pPr>
                 <a:defRPr/>
               </a:pPr>
-              <a:t>5</a:t>
+              <a:t>11</a:t>
             </a:fld>
             <a:endParaRPr lang="zh-TW" altLang="en-US"/>
           </a:p>
@@ -1130,7 +1176,7 @@
     </p:spTree>
     <p:extLst>
       <p:ext uri="{BB962C8B-B14F-4D97-AF65-F5344CB8AC3E}">
-        <p14:creationId xmlns:p14="http://schemas.microsoft.com/office/powerpoint/2010/main" val="3810037892"/>
+        <p14:creationId xmlns:p14="http://schemas.microsoft.com/office/powerpoint/2010/main" val="579127549"/>
       </p:ext>
     </p:extLst>
   </p:cSld>
@@ -1184,6 +1230,10 @@
           <a:bodyPr/>
           <a:lstStyle/>
           <a:p>
+            <a:r>
+              <a:rPr lang="zh-TW" altLang="en-US" dirty="0" smtClean="0"/>
+              <a:t>下載完成產生的檔案</a:t>
+            </a:r>
             <a:endParaRPr lang="zh-TW" altLang="en-US" dirty="0"/>
           </a:p>
         </p:txBody>
@@ -1211,7 +1261,7 @@
               <a:pPr>
                 <a:defRPr/>
               </a:pPr>
-              <a:t>17</a:t>
+              <a:t>12</a:t>
             </a:fld>
             <a:endParaRPr lang="zh-TW" altLang="en-US"/>
           </a:p>
@@ -1220,7 +1270,7 @@
     </p:spTree>
     <p:extLst>
       <p:ext uri="{BB962C8B-B14F-4D97-AF65-F5344CB8AC3E}">
-        <p14:creationId xmlns:p14="http://schemas.microsoft.com/office/powerpoint/2010/main" val="1046849409"/>
+        <p14:creationId xmlns:p14="http://schemas.microsoft.com/office/powerpoint/2010/main" val="3810037892"/>
       </p:ext>
     </p:extLst>
   </p:cSld>
@@ -1274,96 +1324,6 @@
           <a:bodyPr/>
           <a:lstStyle/>
           <a:p>
-            <a:r>
-              <a:rPr lang="zh-TW" altLang="en-US" dirty="0" smtClean="0"/>
-              <a:t>映像</a:t>
-            </a:r>
-            <a:r>
-              <a:rPr lang="en-US" altLang="zh-TW" dirty="0" smtClean="0"/>
-              <a:t>(Image)</a:t>
-            </a:r>
-            <a:r>
-              <a:rPr lang="zh-TW" altLang="en-US" dirty="0" smtClean="0"/>
-              <a:t>是唯讀的不可修改，一個</a:t>
-            </a:r>
-            <a:r>
-              <a:rPr lang="en-US" altLang="zh-TW" dirty="0" smtClean="0"/>
-              <a:t>Image</a:t>
-            </a:r>
-            <a:r>
-              <a:rPr lang="zh-TW" altLang="en-US" dirty="0" smtClean="0"/>
-              <a:t>可以產生出多個不同的容器</a:t>
-            </a:r>
-            <a:r>
-              <a:rPr lang="en-US" altLang="zh-TW" dirty="0" smtClean="0"/>
-              <a:t>(Container)</a:t>
-            </a:r>
-            <a:r>
-              <a:rPr lang="zh-TW" altLang="en-US" dirty="0" smtClean="0"/>
-              <a:t>。</a:t>
-            </a:r>
-            <a:endParaRPr lang="en-US" altLang="zh-TW" dirty="0" smtClean="0"/>
-          </a:p>
-          <a:p>
-            <a:r>
-              <a:rPr lang="zh-TW" altLang="en-US" dirty="0" smtClean="0"/>
-              <a:t>容器是映像的可寫層。</a:t>
-            </a:r>
-            <a:endParaRPr lang="en-US" altLang="zh-TW" dirty="0" smtClean="0"/>
-          </a:p>
-          <a:p>
-            <a:r>
-              <a:rPr lang="zh-TW" altLang="en-US" dirty="0" smtClean="0"/>
-              <a:t>貢獻 </a:t>
-            </a:r>
-            <a:r>
-              <a:rPr lang="en-US" altLang="zh-TW" dirty="0" smtClean="0"/>
-              <a:t>:</a:t>
-            </a:r>
-            <a:r>
-              <a:rPr lang="zh-TW" altLang="en-US" dirty="0" smtClean="0"/>
-              <a:t> 讓</a:t>
-            </a:r>
-            <a:r>
-              <a:rPr lang="en-US" altLang="zh-TW" dirty="0" err="1" smtClean="0"/>
-              <a:t>jenkins</a:t>
-            </a:r>
-            <a:r>
-              <a:rPr lang="zh-TW" altLang="en-US" dirty="0" smtClean="0"/>
-              <a:t>自動跑</a:t>
-            </a:r>
-            <a:r>
-              <a:rPr lang="en-US" altLang="zh-TW" dirty="0" smtClean="0"/>
-              <a:t>Unit Test</a:t>
-            </a:r>
-            <a:r>
-              <a:rPr lang="zh-TW" altLang="en-US" dirty="0" smtClean="0"/>
-              <a:t>，使用</a:t>
-            </a:r>
-            <a:r>
-              <a:rPr lang="en-US" altLang="zh-TW" dirty="0" smtClean="0"/>
-              <a:t>Docker</a:t>
-            </a:r>
-            <a:r>
-              <a:rPr lang="zh-TW" altLang="en-US" dirty="0" smtClean="0"/>
-              <a:t>指定要部署的</a:t>
-            </a:r>
-            <a:r>
-              <a:rPr lang="en-US" altLang="zh-TW" dirty="0" smtClean="0"/>
-              <a:t>port</a:t>
-            </a:r>
-            <a:r>
-              <a:rPr lang="zh-TW" altLang="en-US" dirty="0" smtClean="0"/>
-              <a:t>號，寫驗收測試確認服務已和</a:t>
-            </a:r>
-            <a:r>
-              <a:rPr lang="en-US" altLang="zh-TW" dirty="0" err="1" smtClean="0"/>
-              <a:t>ezScrum</a:t>
-            </a:r>
-            <a:r>
-              <a:rPr lang="zh-TW" altLang="en-US" dirty="0" smtClean="0"/>
-              <a:t>連上線。</a:t>
-            </a:r>
             <a:endParaRPr lang="zh-TW" altLang="en-US" dirty="0"/>
           </a:p>
         </p:txBody>
@@ -1391,7 +1351,7 @@
               <a:pPr>
                 <a:defRPr/>
               </a:pPr>
-              <a:t>18</a:t>
+              <a:t>24</a:t>
             </a:fld>
             <a:endParaRPr lang="zh-TW" altLang="en-US"/>
           </a:p>
@@ -1400,7 +1360,7 @@
     </p:spTree>
     <p:extLst>
       <p:ext uri="{BB962C8B-B14F-4D97-AF65-F5344CB8AC3E}">
-        <p14:creationId xmlns:p14="http://schemas.microsoft.com/office/powerpoint/2010/main" val="4015106971"/>
+        <p14:creationId xmlns:p14="http://schemas.microsoft.com/office/powerpoint/2010/main" val="1046849409"/>
       </p:ext>
     </p:extLst>
   </p:cSld>
@@ -1456,6 +1416,186 @@
           <a:p>
             <a:r>
               <a:rPr lang="zh-TW" altLang="en-US" dirty="0" smtClean="0"/>
+              <a:t>映像</a:t>
+            </a:r>
+            <a:r>
+              <a:rPr lang="en-US" altLang="zh-TW" dirty="0" smtClean="0"/>
+              <a:t>(Image)</a:t>
+            </a:r>
+            <a:r>
+              <a:rPr lang="zh-TW" altLang="en-US" dirty="0" smtClean="0"/>
+              <a:t>是唯讀的不可修改，一個</a:t>
+            </a:r>
+            <a:r>
+              <a:rPr lang="en-US" altLang="zh-TW" dirty="0" smtClean="0"/>
+              <a:t>Image</a:t>
+            </a:r>
+            <a:r>
+              <a:rPr lang="zh-TW" altLang="en-US" dirty="0" smtClean="0"/>
+              <a:t>可以產生出多個不同的容器</a:t>
+            </a:r>
+            <a:r>
+              <a:rPr lang="en-US" altLang="zh-TW" dirty="0" smtClean="0"/>
+              <a:t>(Container)</a:t>
+            </a:r>
+            <a:r>
+              <a:rPr lang="zh-TW" altLang="en-US" dirty="0" smtClean="0"/>
+              <a:t>。</a:t>
+            </a:r>
+            <a:endParaRPr lang="en-US" altLang="zh-TW" dirty="0" smtClean="0"/>
+          </a:p>
+          <a:p>
+            <a:r>
+              <a:rPr lang="zh-TW" altLang="en-US" dirty="0" smtClean="0"/>
+              <a:t>容器是映像的可寫層。</a:t>
+            </a:r>
+            <a:endParaRPr lang="en-US" altLang="zh-TW" dirty="0" smtClean="0"/>
+          </a:p>
+          <a:p>
+            <a:r>
+              <a:rPr lang="zh-TW" altLang="en-US" dirty="0" smtClean="0"/>
+              <a:t>貢獻 </a:t>
+            </a:r>
+            <a:r>
+              <a:rPr lang="en-US" altLang="zh-TW" dirty="0" smtClean="0"/>
+              <a:t>:</a:t>
+            </a:r>
+            <a:r>
+              <a:rPr lang="zh-TW" altLang="en-US" dirty="0" smtClean="0"/>
+              <a:t> 讓</a:t>
+            </a:r>
+            <a:r>
+              <a:rPr lang="en-US" altLang="zh-TW" dirty="0" err="1" smtClean="0"/>
+              <a:t>jenkins</a:t>
+            </a:r>
+            <a:r>
+              <a:rPr lang="zh-TW" altLang="en-US" dirty="0" smtClean="0"/>
+              <a:t>自動跑</a:t>
+            </a:r>
+            <a:r>
+              <a:rPr lang="en-US" altLang="zh-TW" dirty="0" smtClean="0"/>
+              <a:t>Unit Test</a:t>
+            </a:r>
+            <a:r>
+              <a:rPr lang="zh-TW" altLang="en-US" dirty="0" smtClean="0"/>
+              <a:t>，使用</a:t>
+            </a:r>
+            <a:r>
+              <a:rPr lang="en-US" altLang="zh-TW" dirty="0" smtClean="0"/>
+              <a:t>Docker</a:t>
+            </a:r>
+            <a:r>
+              <a:rPr lang="zh-TW" altLang="en-US" dirty="0" smtClean="0"/>
+              <a:t>指定要部署的</a:t>
+            </a:r>
+            <a:r>
+              <a:rPr lang="en-US" altLang="zh-TW" dirty="0" smtClean="0"/>
+              <a:t>port</a:t>
+            </a:r>
+            <a:r>
+              <a:rPr lang="zh-TW" altLang="en-US" dirty="0" smtClean="0"/>
+              <a:t>號，寫驗收測試確認服務已和</a:t>
+            </a:r>
+            <a:r>
+              <a:rPr lang="en-US" altLang="zh-TW" dirty="0" err="1" smtClean="0"/>
+              <a:t>ezScrum</a:t>
+            </a:r>
+            <a:r>
+              <a:rPr lang="zh-TW" altLang="en-US" dirty="0" smtClean="0"/>
+              <a:t>連上線。</a:t>
+            </a:r>
+            <a:endParaRPr lang="zh-TW" altLang="en-US" dirty="0"/>
+          </a:p>
+        </p:txBody>
+      </p:sp>
+      <p:sp>
+        <p:nvSpPr>
+          <p:cNvPr id="4" name="投影片編號版面配置區 3"/>
+          <p:cNvSpPr>
+            <a:spLocks noGrp="1"/>
+          </p:cNvSpPr>
+          <p:nvPr>
+            <p:ph type="sldNum" sz="quarter" idx="10"/>
+          </p:nvPr>
+        </p:nvSpPr>
+        <p:spPr/>
+        <p:txBody>
+          <a:bodyPr/>
+          <a:lstStyle/>
+          <a:p>
+            <a:pPr>
+              <a:defRPr/>
+            </a:pPr>
+            <a:fld id="{6F308B74-7694-4F8D-8B02-081695F7FEB9}" type="slidenum">
+              <a:rPr lang="zh-TW" altLang="en-US" smtClean="0"/>
+              <a:pPr>
+                <a:defRPr/>
+              </a:pPr>
+              <a:t>25</a:t>
+            </a:fld>
+            <a:endParaRPr lang="zh-TW" altLang="en-US"/>
+          </a:p>
+        </p:txBody>
+      </p:sp>
+    </p:spTree>
+    <p:extLst>
+      <p:ext uri="{BB962C8B-B14F-4D97-AF65-F5344CB8AC3E}">
+        <p14:creationId xmlns:p14="http://schemas.microsoft.com/office/powerpoint/2010/main" val="4015106971"/>
+      </p:ext>
+    </p:extLst>
+  </p:cSld>
+  <p:clrMapOvr>
+    <a:masterClrMapping/>
+  </p:clrMapOvr>
+</p:notes>
+</file>
+
+<file path=ppt/notesSlides/notesSlide8.xml><?xml version="1.0" encoding="utf-8"?>
+<p:notes xmlns:a="http://schemas.openxmlformats.org/drawingml/2006/main" xmlns:r="http://schemas.openxmlformats.org/officeDocument/2006/relationships" xmlns:p="http://schemas.openxmlformats.org/presentationml/2006/main">
+  <p:cSld>
+    <p:spTree>
+      <p:nvGrpSpPr>
+        <p:cNvPr id="1" name=""/>
+        <p:cNvGrpSpPr/>
+        <p:nvPr/>
+      </p:nvGrpSpPr>
+      <p:grpSpPr>
+        <a:xfrm>
+          <a:off x="0" y="0"/>
+          <a:ext cx="0" cy="0"/>
+          <a:chOff x="0" y="0"/>
+          <a:chExt cx="0" cy="0"/>
+        </a:xfrm>
+      </p:grpSpPr>
+      <p:sp>
+        <p:nvSpPr>
+          <p:cNvPr id="2" name="投影片圖像版面配置區 1"/>
+          <p:cNvSpPr>
+            <a:spLocks noGrp="1" noRot="1" noChangeAspect="1"/>
+          </p:cNvSpPr>
+          <p:nvPr>
+            <p:ph type="sldImg"/>
+          </p:nvPr>
+        </p:nvSpPr>
+        <p:spPr/>
+      </p:sp>
+      <p:sp>
+        <p:nvSpPr>
+          <p:cNvPr id="3" name="備忘稿版面配置區 2"/>
+          <p:cNvSpPr>
+            <a:spLocks noGrp="1"/>
+          </p:cNvSpPr>
+          <p:nvPr>
+            <p:ph type="body" idx="1"/>
+          </p:nvPr>
+        </p:nvSpPr>
+        <p:spPr/>
+        <p:txBody>
+          <a:bodyPr/>
+          <a:lstStyle/>
+          <a:p>
+            <a:r>
+              <a:rPr lang="zh-TW" altLang="en-US" dirty="0" smtClean="0"/>
               <a:t>自動化表示</a:t>
             </a:r>
             <a:r>
@@ -1532,7 +1672,7 @@
               <a:pPr>
                 <a:defRPr/>
               </a:pPr>
-              <a:t>19</a:t>
+              <a:t>26</a:t>
             </a:fld>
             <a:endParaRPr lang="zh-TW" altLang="en-US"/>
           </a:p>
@@ -1777,7 +1917,7 @@
               <a:pPr>
                 <a:defRPr/>
               </a:pPr>
-              <a:t>2017/10/5</a:t>
+              <a:t>2017/10/17</a:t>
             </a:fld>
             <a:endParaRPr lang="zh-TW" altLang="en-US"/>
           </a:p>
@@ -1972,7 +2112,7 @@
               <a:pPr>
                 <a:defRPr/>
               </a:pPr>
-              <a:t>2017/10/5</a:t>
+              <a:t>2017/10/17</a:t>
             </a:fld>
             <a:endParaRPr lang="zh-TW" altLang="en-US"/>
           </a:p>
@@ -2177,7 +2317,7 @@
               <a:pPr>
                 <a:defRPr/>
               </a:pPr>
-              <a:t>2017/10/5</a:t>
+              <a:t>2017/10/17</a:t>
             </a:fld>
             <a:endParaRPr lang="zh-TW" altLang="en-US"/>
           </a:p>
@@ -2354,7 +2494,7 @@
               <a:pPr>
                 <a:defRPr/>
               </a:pPr>
-              <a:t>2017/10/5</a:t>
+              <a:t>2017/10/17</a:t>
             </a:fld>
             <a:endParaRPr lang="zh-TW" altLang="en-US"/>
           </a:p>
@@ -2603,7 +2743,7 @@
               <a:pPr>
                 <a:defRPr/>
               </a:pPr>
-              <a:t>2017/10/5</a:t>
+              <a:t>2017/10/17</a:t>
             </a:fld>
             <a:endParaRPr lang="zh-TW" altLang="en-US"/>
           </a:p>
@@ -2874,7 +3014,7 @@
               <a:pPr>
                 <a:defRPr/>
               </a:pPr>
-              <a:t>2017/10/5</a:t>
+              <a:t>2017/10/17</a:t>
             </a:fld>
             <a:endParaRPr lang="zh-TW" altLang="en-US"/>
           </a:p>
@@ -3187,7 +3327,7 @@
               <a:pPr>
                 <a:defRPr/>
               </a:pPr>
-              <a:t>2017/10/5</a:t>
+              <a:t>2017/10/17</a:t>
             </a:fld>
             <a:endParaRPr lang="zh-TW" altLang="en-US"/>
           </a:p>
@@ -3634,7 +3774,7 @@
               <a:pPr>
                 <a:defRPr/>
               </a:pPr>
-              <a:t>2017/10/5</a:t>
+              <a:t>2017/10/17</a:t>
             </a:fld>
             <a:endParaRPr lang="zh-TW" altLang="en-US"/>
           </a:p>
@@ -3777,7 +3917,7 @@
               <a:pPr>
                 <a:defRPr/>
               </a:pPr>
-              <a:t>2017/10/5</a:t>
+              <a:t>2017/10/17</a:t>
             </a:fld>
             <a:endParaRPr lang="zh-TW" altLang="en-US"/>
           </a:p>
@@ -3897,7 +4037,7 @@
               <a:pPr>
                 <a:defRPr/>
               </a:pPr>
-              <a:t>2017/10/5</a:t>
+              <a:t>2017/10/17</a:t>
             </a:fld>
             <a:endParaRPr lang="zh-TW" altLang="en-US"/>
           </a:p>
@@ -4199,7 +4339,7 @@
               <a:pPr>
                 <a:defRPr/>
               </a:pPr>
-              <a:t>2017/10/5</a:t>
+              <a:t>2017/10/17</a:t>
             </a:fld>
             <a:endParaRPr lang="zh-TW" altLang="en-US"/>
           </a:p>
@@ -4484,7 +4624,7 @@
               <a:pPr>
                 <a:defRPr/>
               </a:pPr>
-              <a:t>2017/10/5</a:t>
+              <a:t>2017/10/17</a:t>
             </a:fld>
             <a:endParaRPr lang="zh-TW" altLang="en-US"/>
           </a:p>
@@ -4750,7 +4890,7 @@
               <a:pPr>
                 <a:defRPr/>
               </a:pPr>
-              <a:t>2017/10/5</a:t>
+              <a:t>2017/10/17</a:t>
             </a:fld>
             <a:endParaRPr lang="zh-TW" altLang="en-US"/>
           </a:p>
@@ -5319,11 +5459,36 @@
               <a:defRPr/>
             </a:pPr>
             <a:r>
+              <a:rPr lang="zh-TW" altLang="zh-TW" dirty="0">
+                <a:effectLst/>
+              </a:rPr>
+              <a:t>使用自動化部署改善</a:t>
+            </a:r>
+            <a:r>
+              <a:rPr lang="en-US" altLang="zh-TW" dirty="0" err="1">
+                <a:effectLst/>
+              </a:rPr>
+              <a:t>Microservice</a:t>
+            </a:r>
+            <a:r>
+              <a:rPr lang="zh-TW" altLang="zh-TW" dirty="0">
+                <a:effectLst/>
+              </a:rPr>
+              <a:t>上線的時間</a:t>
+            </a:r>
+            <a:r>
               <a:rPr lang="zh-TW" altLang="en-US" dirty="0" smtClean="0">
                 <a:latin typeface="標楷體" pitchFamily="65" charset="-120"/>
                 <a:ea typeface="標楷體" pitchFamily="65" charset="-120"/>
               </a:rPr>
-              <a:t>：以</a:t>
+              <a:t>：</a:t>
+            </a:r>
+            <a:r>
+              <a:rPr lang="zh-TW" altLang="en-US" dirty="0" smtClean="0">
+                <a:latin typeface="標楷體" pitchFamily="65" charset="-120"/>
+                <a:ea typeface="標楷體" pitchFamily="65" charset="-120"/>
+              </a:rPr>
+              <a:t>以</a:t>
             </a:r>
             <a:r>
               <a:rPr lang="en-US" altLang="zh-TW" dirty="0" smtClean="0">
@@ -5586,7 +5751,11 @@
           <a:bodyPr/>
           <a:lstStyle/>
           <a:p>
-            <a:endParaRPr lang="zh-TW" altLang="en-US"/>
+            <a:r>
+              <a:rPr lang="zh-TW" altLang="en-US" dirty="0" smtClean="0"/>
+              <a:t>手動部署做法</a:t>
+            </a:r>
+            <a:endParaRPr lang="zh-TW" altLang="en-US" dirty="0"/>
           </a:p>
         </p:txBody>
       </p:sp>
@@ -5600,23 +5769,58 @@
             <p:ph idx="1"/>
           </p:nvPr>
         </p:nvSpPr>
-        <p:spPr/>
+        <p:spPr>
+          <a:xfrm>
+            <a:off x="0" y="1600200"/>
+            <a:ext cx="9144000" cy="5257800"/>
+          </a:xfrm>
+        </p:spPr>
         <p:txBody>
           <a:bodyPr/>
           <a:lstStyle/>
           <a:p>
             <a:r>
+              <a:rPr lang="zh-TW" altLang="en-US" sz="2000" dirty="0" smtClean="0"/>
+              <a:t>手動部署要經過的步驟 </a:t>
+            </a:r>
+            <a:r>
               <a:rPr lang="en-US" altLang="zh-TW" sz="2000" dirty="0" smtClean="0"/>
-              <a:t>5.</a:t>
+              <a:t>:</a:t>
             </a:r>
             <a:r>
               <a:rPr lang="zh-TW" altLang="en-US" sz="2000" dirty="0" smtClean="0"/>
-              <a:t>啟動</a:t>
-            </a:r>
+              <a:t> </a:t>
+            </a:r>
+            <a:endParaRPr lang="en-US" altLang="zh-TW" sz="2000" dirty="0" smtClean="0"/>
+          </a:p>
+          <a:p>
             <a:r>
               <a:rPr lang="en-US" altLang="zh-TW" sz="2000" dirty="0" smtClean="0"/>
-              <a:t>Service</a:t>
-            </a:r>
+              <a:t>1.</a:t>
+            </a:r>
+            <a:r>
+              <a:rPr lang="zh-TW" altLang="en-US" sz="2000" dirty="0" smtClean="0"/>
+              <a:t>從</a:t>
+            </a:r>
+            <a:r>
+              <a:rPr lang="en-US" altLang="zh-TW" sz="2000" dirty="0" err="1" smtClean="0"/>
+              <a:t>Github</a:t>
+            </a:r>
+            <a:r>
+              <a:rPr lang="zh-TW" altLang="en-US" sz="2000" dirty="0" smtClean="0"/>
+              <a:t>下載程式碼 </a:t>
+            </a:r>
+            <a:r>
+              <a:rPr lang="en-US" altLang="zh-TW" sz="2000" dirty="0" smtClean="0"/>
+              <a:t>:</a:t>
+            </a:r>
+            <a:r>
+              <a:rPr lang="zh-TW" altLang="en-US" sz="2000" dirty="0" smtClean="0"/>
+              <a:t> </a:t>
+            </a:r>
+            <a:endParaRPr lang="en-US" altLang="zh-TW" sz="2000" dirty="0" smtClean="0"/>
+          </a:p>
+          <a:p>
             <a:endParaRPr lang="zh-TW" altLang="en-US" sz="2000" dirty="0"/>
           </a:p>
         </p:txBody>
@@ -5645,6 +5849,885 @@
                 <a:defRPr/>
               </a:pPr>
               <a:t>10</a:t>
+            </a:fld>
+            <a:endParaRPr lang="zh-TW" altLang="en-US"/>
+          </a:p>
+        </p:txBody>
+      </p:sp>
+      <p:pic>
+        <p:nvPicPr>
+          <p:cNvPr id="5" name="圖片 4"/>
+          <p:cNvPicPr>
+            <a:picLocks noChangeAspect="1"/>
+          </p:cNvPicPr>
+          <p:nvPr/>
+        </p:nvPicPr>
+        <p:blipFill>
+          <a:blip r:embed="rId3"/>
+          <a:stretch>
+            <a:fillRect/>
+          </a:stretch>
+        </p:blipFill>
+        <p:spPr>
+          <a:xfrm>
+            <a:off x="539552" y="2438015"/>
+            <a:ext cx="7560840" cy="4283460"/>
+          </a:xfrm>
+          <a:prstGeom prst="rect">
+            <a:avLst/>
+          </a:prstGeom>
+        </p:spPr>
+      </p:pic>
+    </p:spTree>
+    <p:extLst>
+      <p:ext uri="{BB962C8B-B14F-4D97-AF65-F5344CB8AC3E}">
+        <p14:creationId xmlns:p14="http://schemas.microsoft.com/office/powerpoint/2010/main" val="2204037131"/>
+      </p:ext>
+    </p:extLst>
+  </p:cSld>
+  <p:clrMapOvr>
+    <a:masterClrMapping/>
+  </p:clrMapOvr>
+  <p:timing>
+    <p:tnLst>
+      <p:par>
+        <p:cTn id="1" dur="indefinite" restart="never" nodeType="tmRoot"/>
+      </p:par>
+    </p:tnLst>
+  </p:timing>
+</p:sld>
+</file>
+
+<file path=ppt/slides/slide11.xml><?xml version="1.0" encoding="utf-8"?>
+<p:sld xmlns:a="http://schemas.openxmlformats.org/drawingml/2006/main" xmlns:r="http://schemas.openxmlformats.org/officeDocument/2006/relationships" xmlns:p="http://schemas.openxmlformats.org/presentationml/2006/main">
+  <p:cSld>
+    <p:spTree>
+      <p:nvGrpSpPr>
+        <p:cNvPr id="1" name=""/>
+        <p:cNvGrpSpPr/>
+        <p:nvPr/>
+      </p:nvGrpSpPr>
+      <p:grpSpPr>
+        <a:xfrm>
+          <a:off x="0" y="0"/>
+          <a:ext cx="0" cy="0"/>
+          <a:chOff x="0" y="0"/>
+          <a:chExt cx="0" cy="0"/>
+        </a:xfrm>
+      </p:grpSpPr>
+      <p:sp>
+        <p:nvSpPr>
+          <p:cNvPr id="4" name="投影片編號版面配置區 3"/>
+          <p:cNvSpPr>
+            <a:spLocks noGrp="1"/>
+          </p:cNvSpPr>
+          <p:nvPr>
+            <p:ph type="sldNum" sz="quarter" idx="12"/>
+          </p:nvPr>
+        </p:nvSpPr>
+        <p:spPr/>
+        <p:txBody>
+          <a:bodyPr/>
+          <a:lstStyle/>
+          <a:p>
+            <a:pPr>
+              <a:defRPr/>
+            </a:pPr>
+            <a:fld id="{3DB7C113-B292-4711-9FA5-4E4B2395B52F}" type="slidenum">
+              <a:rPr lang="zh-TW" altLang="en-US" smtClean="0"/>
+              <a:pPr>
+                <a:defRPr/>
+              </a:pPr>
+              <a:t>11</a:t>
+            </a:fld>
+            <a:endParaRPr lang="zh-TW" altLang="en-US"/>
+          </a:p>
+        </p:txBody>
+      </p:sp>
+      <p:pic>
+        <p:nvPicPr>
+          <p:cNvPr id="5" name="圖片 4"/>
+          <p:cNvPicPr>
+            <a:picLocks noChangeAspect="1"/>
+          </p:cNvPicPr>
+          <p:nvPr/>
+        </p:nvPicPr>
+        <p:blipFill>
+          <a:blip r:embed="rId3"/>
+          <a:stretch>
+            <a:fillRect/>
+          </a:stretch>
+        </p:blipFill>
+        <p:spPr>
+          <a:xfrm>
+            <a:off x="0" y="1772816"/>
+            <a:ext cx="9144000" cy="4221990"/>
+          </a:xfrm>
+          <a:prstGeom prst="rect">
+            <a:avLst/>
+          </a:prstGeom>
+        </p:spPr>
+      </p:pic>
+      <p:cxnSp>
+        <p:nvCxnSpPr>
+          <p:cNvPr id="7" name="直線單箭頭接點 6"/>
+          <p:cNvCxnSpPr/>
+          <p:nvPr/>
+        </p:nvCxnSpPr>
+        <p:spPr>
+          <a:xfrm flipV="1">
+            <a:off x="1619672" y="2708920"/>
+            <a:ext cx="2520280" cy="1512168"/>
+          </a:xfrm>
+          <a:prstGeom prst="straightConnector1">
+            <a:avLst/>
+          </a:prstGeom>
+          <a:ln>
+            <a:solidFill>
+              <a:srgbClr val="FF0000"/>
+            </a:solidFill>
+            <a:tailEnd type="triangle"/>
+          </a:ln>
+        </p:spPr>
+        <p:style>
+          <a:lnRef idx="1">
+            <a:schemeClr val="accent1"/>
+          </a:lnRef>
+          <a:fillRef idx="0">
+            <a:schemeClr val="accent1"/>
+          </a:fillRef>
+          <a:effectRef idx="0">
+            <a:schemeClr val="accent1"/>
+          </a:effectRef>
+          <a:fontRef idx="minor">
+            <a:schemeClr val="tx1"/>
+          </a:fontRef>
+        </p:style>
+      </p:cxnSp>
+    </p:spTree>
+    <p:extLst>
+      <p:ext uri="{BB962C8B-B14F-4D97-AF65-F5344CB8AC3E}">
+        <p14:creationId xmlns:p14="http://schemas.microsoft.com/office/powerpoint/2010/main" val="3558745422"/>
+      </p:ext>
+    </p:extLst>
+  </p:cSld>
+  <p:clrMapOvr>
+    <a:masterClrMapping/>
+  </p:clrMapOvr>
+  <p:timing>
+    <p:tnLst>
+      <p:par>
+        <p:cTn id="1" dur="indefinite" restart="never" nodeType="tmRoot"/>
+      </p:par>
+    </p:tnLst>
+  </p:timing>
+</p:sld>
+</file>
+
+<file path=ppt/slides/slide12.xml><?xml version="1.0" encoding="utf-8"?>
+<p:sld xmlns:a="http://schemas.openxmlformats.org/drawingml/2006/main" xmlns:r="http://schemas.openxmlformats.org/officeDocument/2006/relationships" xmlns:p="http://schemas.openxmlformats.org/presentationml/2006/main">
+  <p:cSld>
+    <p:spTree>
+      <p:nvGrpSpPr>
+        <p:cNvPr id="1" name=""/>
+        <p:cNvGrpSpPr/>
+        <p:nvPr/>
+      </p:nvGrpSpPr>
+      <p:grpSpPr>
+        <a:xfrm>
+          <a:off x="0" y="0"/>
+          <a:ext cx="0" cy="0"/>
+          <a:chOff x="0" y="0"/>
+          <a:chExt cx="0" cy="0"/>
+        </a:xfrm>
+      </p:grpSpPr>
+      <p:sp>
+        <p:nvSpPr>
+          <p:cNvPr id="4" name="投影片編號版面配置區 3"/>
+          <p:cNvSpPr>
+            <a:spLocks noGrp="1"/>
+          </p:cNvSpPr>
+          <p:nvPr>
+            <p:ph type="sldNum" sz="quarter" idx="12"/>
+          </p:nvPr>
+        </p:nvSpPr>
+        <p:spPr/>
+        <p:txBody>
+          <a:bodyPr/>
+          <a:lstStyle/>
+          <a:p>
+            <a:pPr>
+              <a:defRPr/>
+            </a:pPr>
+            <a:fld id="{3DB7C113-B292-4711-9FA5-4E4B2395B52F}" type="slidenum">
+              <a:rPr lang="zh-TW" altLang="en-US" smtClean="0"/>
+              <a:pPr>
+                <a:defRPr/>
+              </a:pPr>
+              <a:t>12</a:t>
+            </a:fld>
+            <a:endParaRPr lang="zh-TW" altLang="en-US"/>
+          </a:p>
+        </p:txBody>
+      </p:sp>
+      <p:pic>
+        <p:nvPicPr>
+          <p:cNvPr id="5" name="圖片 4"/>
+          <p:cNvPicPr>
+            <a:picLocks noChangeAspect="1"/>
+          </p:cNvPicPr>
+          <p:nvPr/>
+        </p:nvPicPr>
+        <p:blipFill>
+          <a:blip r:embed="rId3"/>
+          <a:stretch>
+            <a:fillRect/>
+          </a:stretch>
+        </p:blipFill>
+        <p:spPr>
+          <a:xfrm>
+            <a:off x="31530" y="1340768"/>
+            <a:ext cx="9112469" cy="4938279"/>
+          </a:xfrm>
+          <a:prstGeom prst="rect">
+            <a:avLst/>
+          </a:prstGeom>
+        </p:spPr>
+      </p:pic>
+    </p:spTree>
+    <p:extLst>
+      <p:ext uri="{BB962C8B-B14F-4D97-AF65-F5344CB8AC3E}">
+        <p14:creationId xmlns:p14="http://schemas.microsoft.com/office/powerpoint/2010/main" val="4105638983"/>
+      </p:ext>
+    </p:extLst>
+  </p:cSld>
+  <p:clrMapOvr>
+    <a:masterClrMapping/>
+  </p:clrMapOvr>
+  <p:timing>
+    <p:tnLst>
+      <p:par>
+        <p:cTn id="1" dur="indefinite" restart="never" nodeType="tmRoot"/>
+      </p:par>
+    </p:tnLst>
+  </p:timing>
+</p:sld>
+</file>
+
+<file path=ppt/slides/slide13.xml><?xml version="1.0" encoding="utf-8"?>
+<p:sld xmlns:a="http://schemas.openxmlformats.org/drawingml/2006/main" xmlns:r="http://schemas.openxmlformats.org/officeDocument/2006/relationships" xmlns:p="http://schemas.openxmlformats.org/presentationml/2006/main">
+  <p:cSld>
+    <p:spTree>
+      <p:nvGrpSpPr>
+        <p:cNvPr id="1" name=""/>
+        <p:cNvGrpSpPr/>
+        <p:nvPr/>
+      </p:nvGrpSpPr>
+      <p:grpSpPr>
+        <a:xfrm>
+          <a:off x="0" y="0"/>
+          <a:ext cx="0" cy="0"/>
+          <a:chOff x="0" y="0"/>
+          <a:chExt cx="0" cy="0"/>
+        </a:xfrm>
+      </p:grpSpPr>
+      <p:sp>
+        <p:nvSpPr>
+          <p:cNvPr id="2" name="標題 1"/>
+          <p:cNvSpPr>
+            <a:spLocks noGrp="1"/>
+          </p:cNvSpPr>
+          <p:nvPr>
+            <p:ph type="title"/>
+          </p:nvPr>
+        </p:nvSpPr>
+        <p:spPr/>
+        <p:txBody>
+          <a:bodyPr/>
+          <a:lstStyle/>
+          <a:p>
+            <a:endParaRPr lang="zh-TW" altLang="en-US" dirty="0"/>
+          </a:p>
+        </p:txBody>
+      </p:sp>
+      <p:sp>
+        <p:nvSpPr>
+          <p:cNvPr id="3" name="內容版面配置區 2"/>
+          <p:cNvSpPr>
+            <a:spLocks noGrp="1"/>
+          </p:cNvSpPr>
+          <p:nvPr>
+            <p:ph idx="1"/>
+          </p:nvPr>
+        </p:nvSpPr>
+        <p:spPr/>
+        <p:txBody>
+          <a:bodyPr/>
+          <a:lstStyle/>
+          <a:p>
+            <a:r>
+              <a:rPr lang="en-US" altLang="zh-TW" sz="2000" dirty="0" smtClean="0"/>
+              <a:t>2.</a:t>
+            </a:r>
+            <a:r>
+              <a:rPr lang="zh-TW" altLang="en-US" sz="2000" dirty="0" smtClean="0"/>
+              <a:t>下載與安裝要編譯與執行的</a:t>
+            </a:r>
+            <a:r>
+              <a:rPr lang="en-US" altLang="zh-TW" sz="2000" dirty="0" smtClean="0"/>
+              <a:t>IDE : </a:t>
+            </a:r>
+            <a:r>
+              <a:rPr lang="en-US" altLang="zh-TW" sz="2000" dirty="0" smtClean="0">
+                <a:hlinkClick r:id="rId2"/>
+              </a:rPr>
+              <a:t>IntelliJ IDEA</a:t>
+            </a:r>
+            <a:endParaRPr lang="zh-TW" altLang="en-US" sz="2000" dirty="0"/>
+          </a:p>
+        </p:txBody>
+      </p:sp>
+      <p:sp>
+        <p:nvSpPr>
+          <p:cNvPr id="4" name="投影片編號版面配置區 3"/>
+          <p:cNvSpPr>
+            <a:spLocks noGrp="1"/>
+          </p:cNvSpPr>
+          <p:nvPr>
+            <p:ph type="sldNum" sz="quarter" idx="12"/>
+          </p:nvPr>
+        </p:nvSpPr>
+        <p:spPr/>
+        <p:txBody>
+          <a:bodyPr/>
+          <a:lstStyle/>
+          <a:p>
+            <a:pPr>
+              <a:defRPr/>
+            </a:pPr>
+            <a:fld id="{3DB7C113-B292-4711-9FA5-4E4B2395B52F}" type="slidenum">
+              <a:rPr lang="zh-TW" altLang="en-US" smtClean="0"/>
+              <a:pPr>
+                <a:defRPr/>
+              </a:pPr>
+              <a:t>13</a:t>
+            </a:fld>
+            <a:endParaRPr lang="zh-TW" altLang="en-US"/>
+          </a:p>
+        </p:txBody>
+      </p:sp>
+      <p:pic>
+        <p:nvPicPr>
+          <p:cNvPr id="5" name="圖片 4"/>
+          <p:cNvPicPr>
+            <a:picLocks noChangeAspect="1"/>
+          </p:cNvPicPr>
+          <p:nvPr/>
+        </p:nvPicPr>
+        <p:blipFill>
+          <a:blip r:embed="rId3"/>
+          <a:stretch>
+            <a:fillRect/>
+          </a:stretch>
+        </p:blipFill>
+        <p:spPr>
+          <a:xfrm>
+            <a:off x="611560" y="1993784"/>
+            <a:ext cx="7308304" cy="4864216"/>
+          </a:xfrm>
+          <a:prstGeom prst="rect">
+            <a:avLst/>
+          </a:prstGeom>
+        </p:spPr>
+      </p:pic>
+    </p:spTree>
+    <p:extLst>
+      <p:ext uri="{BB962C8B-B14F-4D97-AF65-F5344CB8AC3E}">
+        <p14:creationId xmlns:p14="http://schemas.microsoft.com/office/powerpoint/2010/main" val="3312868546"/>
+      </p:ext>
+    </p:extLst>
+  </p:cSld>
+  <p:clrMapOvr>
+    <a:masterClrMapping/>
+  </p:clrMapOvr>
+  <p:timing>
+    <p:tnLst>
+      <p:par>
+        <p:cTn id="1" dur="indefinite" restart="never" nodeType="tmRoot"/>
+      </p:par>
+    </p:tnLst>
+  </p:timing>
+</p:sld>
+</file>
+
+<file path=ppt/slides/slide14.xml><?xml version="1.0" encoding="utf-8"?>
+<p:sld xmlns:a="http://schemas.openxmlformats.org/drawingml/2006/main" xmlns:r="http://schemas.openxmlformats.org/officeDocument/2006/relationships" xmlns:p="http://schemas.openxmlformats.org/presentationml/2006/main">
+  <p:cSld>
+    <p:spTree>
+      <p:nvGrpSpPr>
+        <p:cNvPr id="1" name=""/>
+        <p:cNvGrpSpPr/>
+        <p:nvPr/>
+      </p:nvGrpSpPr>
+      <p:grpSpPr>
+        <a:xfrm>
+          <a:off x="0" y="0"/>
+          <a:ext cx="0" cy="0"/>
+          <a:chOff x="0" y="0"/>
+          <a:chExt cx="0" cy="0"/>
+        </a:xfrm>
+      </p:grpSpPr>
+      <p:pic>
+        <p:nvPicPr>
+          <p:cNvPr id="5" name="內容版面配置區 4"/>
+          <p:cNvPicPr>
+            <a:picLocks noGrp="1" noChangeAspect="1"/>
+          </p:cNvPicPr>
+          <p:nvPr>
+            <p:ph idx="1"/>
+          </p:nvPr>
+        </p:nvPicPr>
+        <p:blipFill>
+          <a:blip r:embed="rId2"/>
+          <a:stretch>
+            <a:fillRect/>
+          </a:stretch>
+        </p:blipFill>
+        <p:spPr>
+          <a:xfrm>
+            <a:off x="15204" y="1268760"/>
+            <a:ext cx="9144000" cy="4781113"/>
+          </a:xfrm>
+          <a:prstGeom prst="rect">
+            <a:avLst/>
+          </a:prstGeom>
+        </p:spPr>
+      </p:pic>
+      <p:sp>
+        <p:nvSpPr>
+          <p:cNvPr id="4" name="投影片編號版面配置區 3"/>
+          <p:cNvSpPr>
+            <a:spLocks noGrp="1"/>
+          </p:cNvSpPr>
+          <p:nvPr>
+            <p:ph type="sldNum" sz="quarter" idx="12"/>
+          </p:nvPr>
+        </p:nvSpPr>
+        <p:spPr/>
+        <p:txBody>
+          <a:bodyPr/>
+          <a:lstStyle/>
+          <a:p>
+            <a:pPr>
+              <a:defRPr/>
+            </a:pPr>
+            <a:fld id="{3DB7C113-B292-4711-9FA5-4E4B2395B52F}" type="slidenum">
+              <a:rPr lang="zh-TW" altLang="en-US" smtClean="0"/>
+              <a:pPr>
+                <a:defRPr/>
+              </a:pPr>
+              <a:t>14</a:t>
+            </a:fld>
+            <a:endParaRPr lang="zh-TW" altLang="en-US"/>
+          </a:p>
+        </p:txBody>
+      </p:sp>
+    </p:spTree>
+    <p:extLst>
+      <p:ext uri="{BB962C8B-B14F-4D97-AF65-F5344CB8AC3E}">
+        <p14:creationId xmlns:p14="http://schemas.microsoft.com/office/powerpoint/2010/main" val="3281813370"/>
+      </p:ext>
+    </p:extLst>
+  </p:cSld>
+  <p:clrMapOvr>
+    <a:masterClrMapping/>
+  </p:clrMapOvr>
+  <p:timing>
+    <p:tnLst>
+      <p:par>
+        <p:cTn id="1" dur="indefinite" restart="never" nodeType="tmRoot"/>
+      </p:par>
+    </p:tnLst>
+  </p:timing>
+</p:sld>
+</file>
+
+<file path=ppt/slides/slide15.xml><?xml version="1.0" encoding="utf-8"?>
+<p:sld xmlns:a="http://schemas.openxmlformats.org/drawingml/2006/main" xmlns:r="http://schemas.openxmlformats.org/officeDocument/2006/relationships" xmlns:p="http://schemas.openxmlformats.org/presentationml/2006/main">
+  <p:cSld>
+    <p:spTree>
+      <p:nvGrpSpPr>
+        <p:cNvPr id="1" name=""/>
+        <p:cNvGrpSpPr/>
+        <p:nvPr/>
+      </p:nvGrpSpPr>
+      <p:grpSpPr>
+        <a:xfrm>
+          <a:off x="0" y="0"/>
+          <a:ext cx="0" cy="0"/>
+          <a:chOff x="0" y="0"/>
+          <a:chExt cx="0" cy="0"/>
+        </a:xfrm>
+      </p:grpSpPr>
+      <p:sp>
+        <p:nvSpPr>
+          <p:cNvPr id="2" name="標題 1"/>
+          <p:cNvSpPr>
+            <a:spLocks noGrp="1"/>
+          </p:cNvSpPr>
+          <p:nvPr>
+            <p:ph type="title"/>
+          </p:nvPr>
+        </p:nvSpPr>
+        <p:spPr/>
+        <p:txBody>
+          <a:bodyPr/>
+          <a:lstStyle/>
+          <a:p>
+            <a:endParaRPr lang="zh-TW" altLang="en-US"/>
+          </a:p>
+        </p:txBody>
+      </p:sp>
+      <p:sp>
+        <p:nvSpPr>
+          <p:cNvPr id="3" name="內容版面配置區 2"/>
+          <p:cNvSpPr>
+            <a:spLocks noGrp="1"/>
+          </p:cNvSpPr>
+          <p:nvPr>
+            <p:ph idx="1"/>
+          </p:nvPr>
+        </p:nvSpPr>
+        <p:spPr/>
+        <p:txBody>
+          <a:bodyPr/>
+          <a:lstStyle/>
+          <a:p>
+            <a:r>
+              <a:rPr lang="en-US" altLang="zh-TW" sz="2000" dirty="0" smtClean="0"/>
+              <a:t>3.</a:t>
+            </a:r>
+            <a:r>
+              <a:rPr lang="zh-TW" altLang="en-US" sz="2000" dirty="0" smtClean="0">
+                <a:latin typeface="標楷體" panose="03000509000000000000" pitchFamily="65" charset="-120"/>
+              </a:rPr>
+              <a:t>設定要執行環境變數</a:t>
+            </a:r>
+            <a:r>
+              <a:rPr lang="en-US" altLang="zh-TW" sz="2000" dirty="0" smtClean="0">
+                <a:latin typeface="標楷體" panose="03000509000000000000" pitchFamily="65" charset="-120"/>
+              </a:rPr>
+              <a:t>(Spring boot)</a:t>
+            </a:r>
+          </a:p>
+          <a:p>
+            <a:endParaRPr lang="zh-TW" altLang="en-US" sz="2000" dirty="0"/>
+          </a:p>
+        </p:txBody>
+      </p:sp>
+      <p:sp>
+        <p:nvSpPr>
+          <p:cNvPr id="4" name="投影片編號版面配置區 3"/>
+          <p:cNvSpPr>
+            <a:spLocks noGrp="1"/>
+          </p:cNvSpPr>
+          <p:nvPr>
+            <p:ph type="sldNum" sz="quarter" idx="12"/>
+          </p:nvPr>
+        </p:nvSpPr>
+        <p:spPr/>
+        <p:txBody>
+          <a:bodyPr/>
+          <a:lstStyle/>
+          <a:p>
+            <a:pPr>
+              <a:defRPr/>
+            </a:pPr>
+            <a:fld id="{3DB7C113-B292-4711-9FA5-4E4B2395B52F}" type="slidenum">
+              <a:rPr lang="zh-TW" altLang="en-US" smtClean="0"/>
+              <a:pPr>
+                <a:defRPr/>
+              </a:pPr>
+              <a:t>15</a:t>
+            </a:fld>
+            <a:endParaRPr lang="zh-TW" altLang="en-US"/>
+          </a:p>
+        </p:txBody>
+      </p:sp>
+      <p:pic>
+        <p:nvPicPr>
+          <p:cNvPr id="6" name="圖片 5"/>
+          <p:cNvPicPr>
+            <a:picLocks noChangeAspect="1"/>
+          </p:cNvPicPr>
+          <p:nvPr/>
+        </p:nvPicPr>
+        <p:blipFill>
+          <a:blip r:embed="rId2"/>
+          <a:stretch>
+            <a:fillRect/>
+          </a:stretch>
+        </p:blipFill>
+        <p:spPr>
+          <a:xfrm>
+            <a:off x="819150" y="1953722"/>
+            <a:ext cx="7505700" cy="4886325"/>
+          </a:xfrm>
+          <a:prstGeom prst="rect">
+            <a:avLst/>
+          </a:prstGeom>
+        </p:spPr>
+      </p:pic>
+    </p:spTree>
+    <p:extLst>
+      <p:ext uri="{BB962C8B-B14F-4D97-AF65-F5344CB8AC3E}">
+        <p14:creationId xmlns:p14="http://schemas.microsoft.com/office/powerpoint/2010/main" val="1411047929"/>
+      </p:ext>
+    </p:extLst>
+  </p:cSld>
+  <p:clrMapOvr>
+    <a:masterClrMapping/>
+  </p:clrMapOvr>
+  <p:timing>
+    <p:tnLst>
+      <p:par>
+        <p:cTn id="1" dur="indefinite" restart="never" nodeType="tmRoot"/>
+      </p:par>
+    </p:tnLst>
+  </p:timing>
+</p:sld>
+</file>
+
+<file path=ppt/slides/slide16.xml><?xml version="1.0" encoding="utf-8"?>
+<p:sld xmlns:a="http://schemas.openxmlformats.org/drawingml/2006/main" xmlns:r="http://schemas.openxmlformats.org/officeDocument/2006/relationships" xmlns:p="http://schemas.openxmlformats.org/presentationml/2006/main">
+  <p:cSld>
+    <p:spTree>
+      <p:nvGrpSpPr>
+        <p:cNvPr id="1" name=""/>
+        <p:cNvGrpSpPr/>
+        <p:nvPr/>
+      </p:nvGrpSpPr>
+      <p:grpSpPr>
+        <a:xfrm>
+          <a:off x="0" y="0"/>
+          <a:ext cx="0" cy="0"/>
+          <a:chOff x="0" y="0"/>
+          <a:chExt cx="0" cy="0"/>
+        </a:xfrm>
+      </p:grpSpPr>
+      <p:sp>
+        <p:nvSpPr>
+          <p:cNvPr id="2" name="標題 1"/>
+          <p:cNvSpPr>
+            <a:spLocks noGrp="1"/>
+          </p:cNvSpPr>
+          <p:nvPr>
+            <p:ph type="title"/>
+          </p:nvPr>
+        </p:nvSpPr>
+        <p:spPr/>
+        <p:txBody>
+          <a:bodyPr/>
+          <a:lstStyle/>
+          <a:p>
+            <a:endParaRPr lang="zh-TW" altLang="en-US"/>
+          </a:p>
+        </p:txBody>
+      </p:sp>
+      <p:sp>
+        <p:nvSpPr>
+          <p:cNvPr id="3" name="內容版面配置區 2"/>
+          <p:cNvSpPr>
+            <a:spLocks noGrp="1"/>
+          </p:cNvSpPr>
+          <p:nvPr>
+            <p:ph idx="1"/>
+          </p:nvPr>
+        </p:nvSpPr>
+        <p:spPr/>
+        <p:txBody>
+          <a:bodyPr/>
+          <a:lstStyle/>
+          <a:p>
+            <a:r>
+              <a:rPr lang="en-US" altLang="zh-TW" sz="2000" dirty="0" smtClean="0"/>
+              <a:t>4.</a:t>
+            </a:r>
+            <a:r>
+              <a:rPr lang="zh-TW" altLang="en-US" sz="2000" dirty="0" smtClean="0"/>
+              <a:t>跑</a:t>
+            </a:r>
+            <a:r>
+              <a:rPr lang="en-US" altLang="zh-TW" sz="2000" dirty="0" smtClean="0"/>
+              <a:t>Unit Test</a:t>
+            </a:r>
+          </a:p>
+        </p:txBody>
+      </p:sp>
+      <p:sp>
+        <p:nvSpPr>
+          <p:cNvPr id="4" name="投影片編號版面配置區 3"/>
+          <p:cNvSpPr>
+            <a:spLocks noGrp="1"/>
+          </p:cNvSpPr>
+          <p:nvPr>
+            <p:ph type="sldNum" sz="quarter" idx="12"/>
+          </p:nvPr>
+        </p:nvSpPr>
+        <p:spPr/>
+        <p:txBody>
+          <a:bodyPr/>
+          <a:lstStyle/>
+          <a:p>
+            <a:pPr>
+              <a:defRPr/>
+            </a:pPr>
+            <a:fld id="{3DB7C113-B292-4711-9FA5-4E4B2395B52F}" type="slidenum">
+              <a:rPr lang="zh-TW" altLang="en-US" smtClean="0"/>
+              <a:pPr>
+                <a:defRPr/>
+              </a:pPr>
+              <a:t>16</a:t>
+            </a:fld>
+            <a:endParaRPr lang="zh-TW" altLang="en-US"/>
+          </a:p>
+        </p:txBody>
+      </p:sp>
+      <p:pic>
+        <p:nvPicPr>
+          <p:cNvPr id="7" name="圖片 6"/>
+          <p:cNvPicPr>
+            <a:picLocks noChangeAspect="1"/>
+          </p:cNvPicPr>
+          <p:nvPr/>
+        </p:nvPicPr>
+        <p:blipFill>
+          <a:blip r:embed="rId2"/>
+          <a:stretch>
+            <a:fillRect/>
+          </a:stretch>
+        </p:blipFill>
+        <p:spPr>
+          <a:xfrm>
+            <a:off x="0" y="1988840"/>
+            <a:ext cx="9144000" cy="4066686"/>
+          </a:xfrm>
+          <a:prstGeom prst="rect">
+            <a:avLst/>
+          </a:prstGeom>
+        </p:spPr>
+      </p:pic>
+    </p:spTree>
+    <p:extLst>
+      <p:ext uri="{BB962C8B-B14F-4D97-AF65-F5344CB8AC3E}">
+        <p14:creationId xmlns:p14="http://schemas.microsoft.com/office/powerpoint/2010/main" val="2121799242"/>
+      </p:ext>
+    </p:extLst>
+  </p:cSld>
+  <p:clrMapOvr>
+    <a:masterClrMapping/>
+  </p:clrMapOvr>
+  <p:timing>
+    <p:tnLst>
+      <p:par>
+        <p:cTn id="1" dur="indefinite" restart="never" nodeType="tmRoot"/>
+      </p:par>
+    </p:tnLst>
+  </p:timing>
+</p:sld>
+</file>
+
+<file path=ppt/slides/slide17.xml><?xml version="1.0" encoding="utf-8"?>
+<p:sld xmlns:a="http://schemas.openxmlformats.org/drawingml/2006/main" xmlns:r="http://schemas.openxmlformats.org/officeDocument/2006/relationships" xmlns:p="http://schemas.openxmlformats.org/presentationml/2006/main">
+  <p:cSld>
+    <p:spTree>
+      <p:nvGrpSpPr>
+        <p:cNvPr id="1" name=""/>
+        <p:cNvGrpSpPr/>
+        <p:nvPr/>
+      </p:nvGrpSpPr>
+      <p:grpSpPr>
+        <a:xfrm>
+          <a:off x="0" y="0"/>
+          <a:ext cx="0" cy="0"/>
+          <a:chOff x="0" y="0"/>
+          <a:chExt cx="0" cy="0"/>
+        </a:xfrm>
+      </p:grpSpPr>
+      <p:sp>
+        <p:nvSpPr>
+          <p:cNvPr id="2" name="標題 1"/>
+          <p:cNvSpPr>
+            <a:spLocks noGrp="1"/>
+          </p:cNvSpPr>
+          <p:nvPr>
+            <p:ph type="title"/>
+          </p:nvPr>
+        </p:nvSpPr>
+        <p:spPr/>
+        <p:txBody>
+          <a:bodyPr/>
+          <a:lstStyle/>
+          <a:p>
+            <a:endParaRPr lang="zh-TW" altLang="en-US"/>
+          </a:p>
+        </p:txBody>
+      </p:sp>
+      <p:sp>
+        <p:nvSpPr>
+          <p:cNvPr id="3" name="內容版面配置區 2"/>
+          <p:cNvSpPr>
+            <a:spLocks noGrp="1"/>
+          </p:cNvSpPr>
+          <p:nvPr>
+            <p:ph idx="1"/>
+          </p:nvPr>
+        </p:nvSpPr>
+        <p:spPr/>
+        <p:txBody>
+          <a:bodyPr/>
+          <a:lstStyle/>
+          <a:p>
+            <a:r>
+              <a:rPr lang="en-US" altLang="zh-TW" sz="2000" dirty="0" smtClean="0"/>
+              <a:t>5.</a:t>
+            </a:r>
+            <a:r>
+              <a:rPr lang="zh-TW" altLang="en-US" sz="2000" dirty="0" smtClean="0"/>
+              <a:t>啟動</a:t>
+            </a:r>
+            <a:r>
+              <a:rPr lang="en-US" altLang="zh-TW" sz="2000" dirty="0" smtClean="0"/>
+              <a:t>Service</a:t>
+            </a:r>
+            <a:endParaRPr lang="zh-TW" altLang="en-US" sz="2000" dirty="0"/>
+          </a:p>
+        </p:txBody>
+      </p:sp>
+      <p:sp>
+        <p:nvSpPr>
+          <p:cNvPr id="4" name="投影片編號版面配置區 3"/>
+          <p:cNvSpPr>
+            <a:spLocks noGrp="1"/>
+          </p:cNvSpPr>
+          <p:nvPr>
+            <p:ph type="sldNum" sz="quarter" idx="12"/>
+          </p:nvPr>
+        </p:nvSpPr>
+        <p:spPr/>
+        <p:txBody>
+          <a:bodyPr/>
+          <a:lstStyle/>
+          <a:p>
+            <a:pPr>
+              <a:defRPr/>
+            </a:pPr>
+            <a:fld id="{3DB7C113-B292-4711-9FA5-4E4B2395B52F}" type="slidenum">
+              <a:rPr lang="zh-TW" altLang="en-US" smtClean="0"/>
+              <a:pPr>
+                <a:defRPr/>
+              </a:pPr>
+              <a:t>17</a:t>
             </a:fld>
             <a:endParaRPr lang="zh-TW" altLang="en-US"/>
           </a:p>
@@ -5694,7 +6777,7 @@
 </p:sld>
 </file>
 
-<file path=ppt/slides/slide11.xml><?xml version="1.0" encoding="utf-8"?>
+<file path=ppt/slides/slide18.xml><?xml version="1.0" encoding="utf-8"?>
 <p:sld xmlns:a="http://schemas.openxmlformats.org/drawingml/2006/main" xmlns:r="http://schemas.openxmlformats.org/officeDocument/2006/relationships" xmlns:p="http://schemas.openxmlformats.org/presentationml/2006/main">
   <p:cSld>
     <p:spTree>
@@ -5796,7 +6879,7 @@
               <a:pPr>
                 <a:defRPr/>
               </a:pPr>
-              <a:t>11</a:t>
+              <a:t>18</a:t>
             </a:fld>
             <a:endParaRPr lang="zh-TW" altLang="en-US"/>
           </a:p>
@@ -5845,7 +6928,7 @@
 </p:sld>
 </file>
 
-<file path=ppt/slides/slide12.xml><?xml version="1.0" encoding="utf-8"?>
+<file path=ppt/slides/slide19.xml><?xml version="1.0" encoding="utf-8"?>
 <p:sld xmlns:a="http://schemas.openxmlformats.org/drawingml/2006/main" xmlns:r="http://schemas.openxmlformats.org/officeDocument/2006/relationships" xmlns:p="http://schemas.openxmlformats.org/presentationml/2006/main">
   <p:cSld>
     <p:spTree>
@@ -5935,7 +7018,7 @@
               <a:pPr>
                 <a:defRPr/>
               </a:pPr>
-              <a:t>12</a:t>
+              <a:t>19</a:t>
             </a:fld>
             <a:endParaRPr lang="zh-TW" altLang="en-US"/>
           </a:p>
@@ -5978,7 +7061,7 @@
 </p:sld>
 </file>
 
-<file path=ppt/slides/slide13.xml><?xml version="1.0" encoding="utf-8"?>
+<file path=ppt/slides/slide2.xml><?xml version="1.0" encoding="utf-8"?>
 <p:sld xmlns:a="http://schemas.openxmlformats.org/drawingml/2006/main" xmlns:r="http://schemas.openxmlformats.org/officeDocument/2006/relationships" xmlns:p="http://schemas.openxmlformats.org/presentationml/2006/main">
   <p:cSld>
     <p:spTree>
@@ -6010,7 +7093,11 @@
           <a:bodyPr/>
           <a:lstStyle/>
           <a:p>
-            <a:endParaRPr lang="zh-TW" altLang="en-US"/>
+            <a:r>
+              <a:rPr lang="zh-TW" altLang="en-US" dirty="0" smtClean="0"/>
+              <a:t>大綱</a:t>
+            </a:r>
+            <a:endParaRPr lang="zh-TW" altLang="en-US" dirty="0"/>
           </a:p>
         </p:txBody>
       </p:sp>
@@ -6029,26 +7116,99 @@
           <a:bodyPr/>
           <a:lstStyle/>
           <a:p>
-            <a:r>
-              <a:rPr lang="en-US" altLang="zh-TW" sz="2000" dirty="0" smtClean="0"/>
-              <a:t>3.Unit Test -&gt; Build jar file -&gt; </a:t>
-            </a:r>
-            <a:r>
-              <a:rPr lang="en-US" altLang="zh-TW" sz="2000" dirty="0" err="1" smtClean="0"/>
-              <a:t>docker</a:t>
-            </a:r>
-            <a:r>
-              <a:rPr lang="en-US" altLang="zh-TW" sz="2000" dirty="0" smtClean="0"/>
-              <a:t> create image -&gt; </a:t>
-            </a:r>
-            <a:r>
-              <a:rPr lang="zh-TW" altLang="en-US" sz="2000" dirty="0" smtClean="0"/>
-              <a:t>自動啟動</a:t>
-            </a:r>
-            <a:r>
-              <a:rPr lang="en-US" altLang="zh-TW" sz="2000" dirty="0" smtClean="0"/>
-              <a:t>Service</a:t>
-            </a:r>
+            <a:pPr eaLnBrk="1" hangingPunct="1">
+              <a:buFont typeface="Arial" charset="0"/>
+              <a:buChar char="•"/>
+              <a:defRPr/>
+            </a:pPr>
+            <a:r>
+              <a:rPr lang="zh-TW" altLang="en-US" dirty="0">
+                <a:latin typeface="標楷體" pitchFamily="65" charset="-120"/>
+              </a:rPr>
+              <a:t>研究背景與動機</a:t>
+            </a:r>
+            <a:endParaRPr lang="en-US" altLang="zh-TW" dirty="0">
+              <a:latin typeface="標楷體" pitchFamily="65" charset="-120"/>
+            </a:endParaRPr>
+          </a:p>
+          <a:p>
+            <a:pPr eaLnBrk="1" hangingPunct="1">
+              <a:buFont typeface="Arial" charset="0"/>
+              <a:buChar char="•"/>
+              <a:defRPr/>
+            </a:pPr>
+            <a:r>
+              <a:rPr lang="zh-TW" altLang="en-US" dirty="0">
+                <a:latin typeface="標楷體" pitchFamily="65" charset="-120"/>
+              </a:rPr>
+              <a:t>研究目標</a:t>
+            </a:r>
+            <a:endParaRPr lang="en-US" altLang="zh-TW" dirty="0">
+              <a:latin typeface="標楷體" pitchFamily="65" charset="-120"/>
+            </a:endParaRPr>
+          </a:p>
+          <a:p>
+            <a:pPr eaLnBrk="1" hangingPunct="1">
+              <a:buFont typeface="Arial" charset="0"/>
+              <a:buChar char="•"/>
+              <a:defRPr/>
+            </a:pPr>
+            <a:r>
+              <a:rPr lang="zh-TW" altLang="en-US" dirty="0">
+                <a:latin typeface="標楷體" pitchFamily="65" charset="-120"/>
+              </a:rPr>
+              <a:t>背景知識</a:t>
+            </a:r>
+            <a:endParaRPr lang="en-US" altLang="zh-TW" dirty="0">
+              <a:latin typeface="標楷體" pitchFamily="65" charset="-120"/>
+            </a:endParaRPr>
+          </a:p>
+          <a:p>
+            <a:pPr eaLnBrk="1" hangingPunct="1">
+              <a:buFont typeface="Arial" charset="0"/>
+              <a:buChar char="•"/>
+              <a:defRPr/>
+            </a:pPr>
+            <a:r>
+              <a:rPr lang="zh-TW" altLang="en-US" dirty="0" smtClean="0">
+                <a:latin typeface="標楷體" pitchFamily="65" charset="-120"/>
+              </a:rPr>
+              <a:t>自動化部署方法</a:t>
+            </a:r>
+            <a:endParaRPr lang="zh-TW" altLang="en-US" dirty="0">
+              <a:latin typeface="標楷體" pitchFamily="65" charset="-120"/>
+            </a:endParaRPr>
+          </a:p>
+          <a:p>
+            <a:pPr eaLnBrk="1" hangingPunct="1">
+              <a:buFont typeface="Arial" charset="0"/>
+              <a:buChar char="•"/>
+              <a:defRPr/>
+            </a:pPr>
+            <a:r>
+              <a:rPr lang="zh-TW" altLang="en-US" dirty="0">
+                <a:latin typeface="標楷體" pitchFamily="65" charset="-120"/>
+              </a:rPr>
+              <a:t>案例實作</a:t>
+            </a:r>
+            <a:endParaRPr lang="en-US" altLang="zh-TW" dirty="0">
+              <a:latin typeface="標楷體" pitchFamily="65" charset="-120"/>
+            </a:endParaRPr>
+          </a:p>
+          <a:p>
+            <a:pPr eaLnBrk="1" hangingPunct="1">
+              <a:buFont typeface="Arial" charset="0"/>
+              <a:buChar char="•"/>
+              <a:defRPr/>
+            </a:pPr>
+            <a:r>
+              <a:rPr lang="zh-TW" altLang="en-US" dirty="0">
+                <a:latin typeface="標楷體" pitchFamily="65" charset="-120"/>
+              </a:rPr>
+              <a:t>結論與未來展望</a:t>
+            </a:r>
+          </a:p>
+          <a:p>
             <a:endParaRPr lang="zh-TW" altLang="en-US" sz="2000" dirty="0"/>
           </a:p>
         </p:txBody>
@@ -6076,7 +7236,131 @@
               <a:pPr>
                 <a:defRPr/>
               </a:pPr>
-              <a:t>13</a:t>
+              <a:t>2</a:t>
+            </a:fld>
+            <a:endParaRPr lang="zh-TW" altLang="en-US"/>
+          </a:p>
+        </p:txBody>
+      </p:sp>
+    </p:spTree>
+    <p:extLst>
+      <p:ext uri="{BB962C8B-B14F-4D97-AF65-F5344CB8AC3E}">
+        <p14:creationId xmlns:p14="http://schemas.microsoft.com/office/powerpoint/2010/main" val="4211622135"/>
+      </p:ext>
+    </p:extLst>
+  </p:cSld>
+  <p:clrMapOvr>
+    <a:masterClrMapping/>
+  </p:clrMapOvr>
+  <p:timing>
+    <p:tnLst>
+      <p:par>
+        <p:cTn id="1" dur="indefinite" restart="never" nodeType="tmRoot"/>
+      </p:par>
+    </p:tnLst>
+  </p:timing>
+</p:sld>
+</file>
+
+<file path=ppt/slides/slide20.xml><?xml version="1.0" encoding="utf-8"?>
+<p:sld xmlns:a="http://schemas.openxmlformats.org/drawingml/2006/main" xmlns:r="http://schemas.openxmlformats.org/officeDocument/2006/relationships" xmlns:p="http://schemas.openxmlformats.org/presentationml/2006/main">
+  <p:cSld>
+    <p:spTree>
+      <p:nvGrpSpPr>
+        <p:cNvPr id="1" name=""/>
+        <p:cNvGrpSpPr/>
+        <p:nvPr/>
+      </p:nvGrpSpPr>
+      <p:grpSpPr>
+        <a:xfrm>
+          <a:off x="0" y="0"/>
+          <a:ext cx="0" cy="0"/>
+          <a:chOff x="0" y="0"/>
+          <a:chExt cx="0" cy="0"/>
+        </a:xfrm>
+      </p:grpSpPr>
+      <p:sp>
+        <p:nvSpPr>
+          <p:cNvPr id="2" name="標題 1"/>
+          <p:cNvSpPr>
+            <a:spLocks noGrp="1"/>
+          </p:cNvSpPr>
+          <p:nvPr>
+            <p:ph type="title"/>
+          </p:nvPr>
+        </p:nvSpPr>
+        <p:spPr/>
+        <p:txBody>
+          <a:bodyPr/>
+          <a:lstStyle/>
+          <a:p>
+            <a:endParaRPr lang="zh-TW" altLang="en-US"/>
+          </a:p>
+        </p:txBody>
+      </p:sp>
+      <p:sp>
+        <p:nvSpPr>
+          <p:cNvPr id="3" name="內容版面配置區 2"/>
+          <p:cNvSpPr>
+            <a:spLocks noGrp="1"/>
+          </p:cNvSpPr>
+          <p:nvPr>
+            <p:ph idx="1"/>
+          </p:nvPr>
+        </p:nvSpPr>
+        <p:spPr/>
+        <p:txBody>
+          <a:bodyPr/>
+          <a:lstStyle/>
+          <a:p>
+            <a:r>
+              <a:rPr lang="en-US" altLang="zh-TW" sz="2000" dirty="0" smtClean="0"/>
+              <a:t>3.Unit Test -&gt; Build jar file -&gt; </a:t>
+            </a:r>
+            <a:r>
+              <a:rPr lang="en-US" altLang="zh-TW" sz="2000" dirty="0" err="1" smtClean="0"/>
+              <a:t>docker</a:t>
+            </a:r>
+            <a:r>
+              <a:rPr lang="en-US" altLang="zh-TW" sz="2000" dirty="0" smtClean="0"/>
+              <a:t> create image -&gt; </a:t>
+            </a:r>
+            <a:r>
+              <a:rPr lang="zh-TW" altLang="en-US" sz="2000" dirty="0" smtClean="0"/>
+              <a:t>自動啟動</a:t>
+            </a:r>
+            <a:r>
+              <a:rPr lang="en-US" altLang="zh-TW" sz="2000" dirty="0" smtClean="0"/>
+              <a:t>Service</a:t>
+            </a:r>
+            <a:endParaRPr lang="zh-TW" altLang="en-US" sz="2000" dirty="0"/>
+          </a:p>
+        </p:txBody>
+      </p:sp>
+      <p:sp>
+        <p:nvSpPr>
+          <p:cNvPr id="4" name="投影片編號版面配置區 3"/>
+          <p:cNvSpPr>
+            <a:spLocks noGrp="1"/>
+          </p:cNvSpPr>
+          <p:nvPr>
+            <p:ph type="sldNum" sz="quarter" idx="12"/>
+          </p:nvPr>
+        </p:nvSpPr>
+        <p:spPr/>
+        <p:txBody>
+          <a:bodyPr/>
+          <a:lstStyle/>
+          <a:p>
+            <a:pPr>
+              <a:defRPr/>
+            </a:pPr>
+            <a:fld id="{3DB7C113-B292-4711-9FA5-4E4B2395B52F}" type="slidenum">
+              <a:rPr lang="zh-TW" altLang="en-US" smtClean="0"/>
+              <a:pPr>
+                <a:defRPr/>
+              </a:pPr>
+              <a:t>20</a:t>
             </a:fld>
             <a:endParaRPr lang="zh-TW" altLang="en-US"/>
           </a:p>
@@ -6119,7 +7403,7 @@
 </p:sld>
 </file>
 
-<file path=ppt/slides/slide14.xml><?xml version="1.0" encoding="utf-8"?>
+<file path=ppt/slides/slide21.xml><?xml version="1.0" encoding="utf-8"?>
 <p:sld xmlns:a="http://schemas.openxmlformats.org/drawingml/2006/main" xmlns:r="http://schemas.openxmlformats.org/officeDocument/2006/relationships" xmlns:p="http://schemas.openxmlformats.org/presentationml/2006/main">
   <p:cSld>
     <p:spTree>
@@ -6366,7 +7650,7 @@
               <a:pPr>
                 <a:defRPr/>
               </a:pPr>
-              <a:t>14</a:t>
+              <a:t>21</a:t>
             </a:fld>
             <a:endParaRPr lang="zh-TW" altLang="en-US"/>
           </a:p>
@@ -6433,7 +7717,7 @@
 </p:sld>
 </file>
 
-<file path=ppt/slides/slide15.xml><?xml version="1.0" encoding="utf-8"?>
+<file path=ppt/slides/slide22.xml><?xml version="1.0" encoding="utf-8"?>
 <p:sld xmlns:a="http://schemas.openxmlformats.org/drawingml/2006/main" xmlns:r="http://schemas.openxmlformats.org/officeDocument/2006/relationships" xmlns:p="http://schemas.openxmlformats.org/presentationml/2006/main">
   <p:cSld>
     <p:spTree>
@@ -6496,7 +7780,7 @@
               <a:pPr>
                 <a:defRPr/>
               </a:pPr>
-              <a:t>15</a:t>
+              <a:t>22</a:t>
             </a:fld>
             <a:endParaRPr lang="zh-TW" altLang="en-US"/>
           </a:p>
@@ -6746,7 +8030,7 @@
 </p:sld>
 </file>
 
-<file path=ppt/slides/slide16.xml><?xml version="1.0" encoding="utf-8"?>
+<file path=ppt/slides/slide23.xml><?xml version="1.0" encoding="utf-8"?>
 <p:sld xmlns:a="http://schemas.openxmlformats.org/drawingml/2006/main" xmlns:r="http://schemas.openxmlformats.org/officeDocument/2006/relationships" xmlns:p="http://schemas.openxmlformats.org/presentationml/2006/main">
   <p:cSld>
     <p:spTree>
@@ -6814,7 +8098,7 @@
               <a:pPr>
                 <a:defRPr/>
               </a:pPr>
-              <a:t>16</a:t>
+              <a:t>23</a:t>
             </a:fld>
             <a:endParaRPr lang="zh-TW" altLang="en-US"/>
           </a:p>
@@ -7200,7 +8484,7 @@
 </p:sld>
 </file>
 
-<file path=ppt/slides/slide17.xml><?xml version="1.0" encoding="utf-8"?>
+<file path=ppt/slides/slide24.xml><?xml version="1.0" encoding="utf-8"?>
 <p:sld xmlns:a="http://schemas.openxmlformats.org/drawingml/2006/main" xmlns:r="http://schemas.openxmlformats.org/officeDocument/2006/relationships" xmlns:p="http://schemas.openxmlformats.org/presentationml/2006/main">
   <p:cSld>
     <p:spTree>
@@ -7263,7 +8547,7 @@
               <a:pPr>
                 <a:defRPr/>
               </a:pPr>
-              <a:t>17</a:t>
+              <a:t>24</a:t>
             </a:fld>
             <a:endParaRPr lang="zh-TW" altLang="en-US"/>
           </a:p>
@@ -7318,7 +8602,7 @@
 </p:sld>
 </file>
 
-<file path=ppt/slides/slide18.xml><?xml version="1.0" encoding="utf-8"?>
+<file path=ppt/slides/slide25.xml><?xml version="1.0" encoding="utf-8"?>
 <p:sld xmlns:a="http://schemas.openxmlformats.org/drawingml/2006/main" xmlns:r="http://schemas.openxmlformats.org/officeDocument/2006/relationships" xmlns:p="http://schemas.openxmlformats.org/presentationml/2006/main">
   <p:cSld>
     <p:spTree>
@@ -7697,7 +8981,7 @@
               <a:pPr>
                 <a:defRPr/>
               </a:pPr>
-              <a:t>18</a:t>
+              <a:t>25</a:t>
             </a:fld>
             <a:endParaRPr lang="zh-TW" altLang="en-US"/>
           </a:p>
@@ -7723,7 +9007,7 @@
 </p:sld>
 </file>
 
-<file path=ppt/slides/slide19.xml><?xml version="1.0" encoding="utf-8"?>
+<file path=ppt/slides/slide26.xml><?xml version="1.0" encoding="utf-8"?>
 <p:sld xmlns:a="http://schemas.openxmlformats.org/drawingml/2006/main" xmlns:r="http://schemas.openxmlformats.org/officeDocument/2006/relationships" xmlns:p="http://schemas.openxmlformats.org/presentationml/2006/main">
   <p:cSld>
     <p:spTree>
@@ -8142,7 +9426,7 @@
               <a:pPr>
                 <a:defRPr/>
               </a:pPr>
-              <a:t>19</a:t>
+              <a:t>26</a:t>
             </a:fld>
             <a:endParaRPr lang="zh-TW" altLang="en-US"/>
           </a:p>
@@ -8176,7 +9460,7 @@
 </p:sld>
 </file>
 
-<file path=ppt/slides/slide2.xml><?xml version="1.0" encoding="utf-8"?>
+<file path=ppt/slides/slide27.xml><?xml version="1.0" encoding="utf-8"?>
 <p:sld xmlns:a="http://schemas.openxmlformats.org/drawingml/2006/main" xmlns:r="http://schemas.openxmlformats.org/officeDocument/2006/relationships" xmlns:p="http://schemas.openxmlformats.org/presentationml/2006/main">
   <p:cSld>
     <p:spTree>
@@ -8208,10 +9492,6 @@
           <a:bodyPr/>
           <a:lstStyle/>
           <a:p>
-            <a:r>
-              <a:rPr lang="zh-TW" altLang="en-US" dirty="0" smtClean="0"/>
-              <a:t>自動化部署</a:t>
-            </a:r>
             <a:endParaRPr lang="zh-TW" altLang="en-US" dirty="0"/>
           </a:p>
         </p:txBody>
@@ -8258,7 +9538,7 @@
               <a:pPr>
                 <a:defRPr/>
               </a:pPr>
-              <a:t>2</a:t>
+              <a:t>27</a:t>
             </a:fld>
             <a:endParaRPr lang="zh-TW" altLang="en-US"/>
           </a:p>
@@ -8267,20 +9547,13 @@
     </p:spTree>
     <p:extLst>
       <p:ext uri="{BB962C8B-B14F-4D97-AF65-F5344CB8AC3E}">
-        <p14:creationId xmlns:p14="http://schemas.microsoft.com/office/powerpoint/2010/main" val="2218104004"/>
+        <p14:creationId xmlns:p14="http://schemas.microsoft.com/office/powerpoint/2010/main" val="3611920576"/>
       </p:ext>
     </p:extLst>
   </p:cSld>
   <p:clrMapOvr>
     <a:masterClrMapping/>
   </p:clrMapOvr>
-  <p:timing>
-    <p:tnLst>
-      <p:par>
-        <p:cTn id="1" dur="indefinite" restart="never" nodeType="tmRoot"/>
-      </p:par>
-    </p:tnLst>
-  </p:timing>
 </p:sld>
 </file>
 
@@ -8318,7 +9591,7 @@
           <a:p>
             <a:r>
               <a:rPr lang="zh-TW" altLang="en-US" dirty="0" smtClean="0"/>
-              <a:t>手動部署做法</a:t>
+              <a:t>大綱</a:t>
             </a:r>
             <a:endParaRPr lang="zh-TW" altLang="en-US" dirty="0"/>
           </a:p>
@@ -8334,59 +9607,142 @@
             <p:ph idx="1"/>
           </p:nvPr>
         </p:nvSpPr>
-        <p:spPr>
-          <a:xfrm>
-            <a:off x="0" y="1600200"/>
-            <a:ext cx="9144000" cy="5257800"/>
-          </a:xfrm>
-        </p:spPr>
+        <p:spPr/>
         <p:txBody>
           <a:bodyPr/>
           <a:lstStyle/>
           <a:p>
-            <a:r>
-              <a:rPr lang="zh-TW" altLang="en-US" sz="2000" dirty="0" smtClean="0"/>
-              <a:t>手動部署要經過的步驟 </a:t>
-            </a:r>
-            <a:r>
-              <a:rPr lang="en-US" altLang="zh-TW" sz="2000" dirty="0" smtClean="0"/>
-              <a:t>:</a:t>
-            </a:r>
-            <a:r>
-              <a:rPr lang="zh-TW" altLang="en-US" sz="2000" dirty="0" smtClean="0"/>
-              <a:t> </a:t>
-            </a:r>
-            <a:endParaRPr lang="en-US" altLang="zh-TW" sz="2000" dirty="0" smtClean="0"/>
-          </a:p>
-          <a:p>
-            <a:r>
-              <a:rPr lang="en-US" altLang="zh-TW" sz="2000" dirty="0" smtClean="0"/>
-              <a:t>1.</a:t>
-            </a:r>
-            <a:r>
-              <a:rPr lang="zh-TW" altLang="en-US" sz="2000" dirty="0" smtClean="0"/>
-              <a:t>從</a:t>
-            </a:r>
-            <a:r>
-              <a:rPr lang="en-US" altLang="zh-TW" sz="2000" dirty="0" err="1" smtClean="0"/>
-              <a:t>Github</a:t>
-            </a:r>
-            <a:r>
-              <a:rPr lang="zh-TW" altLang="en-US" sz="2000" dirty="0" smtClean="0"/>
-              <a:t>下載程式碼 </a:t>
-            </a:r>
-            <a:r>
-              <a:rPr lang="en-US" altLang="zh-TW" sz="2000" dirty="0" smtClean="0"/>
-              <a:t>:</a:t>
-            </a:r>
-            <a:r>
-              <a:rPr lang="zh-TW" altLang="en-US" sz="2000" dirty="0" smtClean="0"/>
-              <a:t> </a:t>
-            </a:r>
-            <a:endParaRPr lang="en-US" altLang="zh-TW" sz="2000" dirty="0" smtClean="0"/>
-          </a:p>
-          <a:p>
-            <a:endParaRPr lang="zh-TW" altLang="en-US" sz="2000" dirty="0"/>
+            <a:pPr eaLnBrk="1" hangingPunct="1">
+              <a:buFont typeface="Arial" charset="0"/>
+              <a:buChar char="•"/>
+              <a:defRPr/>
+            </a:pPr>
+            <a:r>
+              <a:rPr lang="zh-TW" altLang="en-US" dirty="0">
+                <a:latin typeface="標楷體" pitchFamily="65" charset="-120"/>
+              </a:rPr>
+              <a:t>研究背景與動機</a:t>
+            </a:r>
+            <a:endParaRPr lang="en-US" altLang="zh-TW" dirty="0">
+              <a:latin typeface="標楷體" pitchFamily="65" charset="-120"/>
+            </a:endParaRPr>
+          </a:p>
+          <a:p>
+            <a:pPr eaLnBrk="1" hangingPunct="1">
+              <a:buFont typeface="Arial" charset="0"/>
+              <a:buChar char="•"/>
+              <a:defRPr/>
+            </a:pPr>
+            <a:r>
+              <a:rPr lang="zh-TW" altLang="en-US" dirty="0">
+                <a:solidFill>
+                  <a:schemeClr val="bg1">
+                    <a:lumMod val="75000"/>
+                  </a:schemeClr>
+                </a:solidFill>
+                <a:latin typeface="標楷體" pitchFamily="65" charset="-120"/>
+              </a:rPr>
+              <a:t>研究目標</a:t>
+            </a:r>
+            <a:endParaRPr lang="en-US" altLang="zh-TW" dirty="0">
+              <a:solidFill>
+                <a:schemeClr val="bg1">
+                  <a:lumMod val="75000"/>
+                </a:schemeClr>
+              </a:solidFill>
+              <a:latin typeface="標楷體" pitchFamily="65" charset="-120"/>
+            </a:endParaRPr>
+          </a:p>
+          <a:p>
+            <a:pPr eaLnBrk="1" hangingPunct="1">
+              <a:buFont typeface="Arial" charset="0"/>
+              <a:buChar char="•"/>
+              <a:defRPr/>
+            </a:pPr>
+            <a:r>
+              <a:rPr lang="zh-TW" altLang="en-US" dirty="0">
+                <a:solidFill>
+                  <a:schemeClr val="bg1">
+                    <a:lumMod val="75000"/>
+                  </a:schemeClr>
+                </a:solidFill>
+                <a:latin typeface="標楷體" pitchFamily="65" charset="-120"/>
+              </a:rPr>
+              <a:t>背景知識</a:t>
+            </a:r>
+            <a:endParaRPr lang="en-US" altLang="zh-TW" dirty="0">
+              <a:solidFill>
+                <a:schemeClr val="bg1">
+                  <a:lumMod val="75000"/>
+                </a:schemeClr>
+              </a:solidFill>
+              <a:latin typeface="標楷體" pitchFamily="65" charset="-120"/>
+            </a:endParaRPr>
+          </a:p>
+          <a:p>
+            <a:pPr eaLnBrk="1" hangingPunct="1">
+              <a:buFont typeface="Arial" charset="0"/>
+              <a:buChar char="•"/>
+              <a:defRPr/>
+            </a:pPr>
+            <a:r>
+              <a:rPr lang="zh-TW" altLang="en-US" dirty="0">
+                <a:solidFill>
+                  <a:schemeClr val="bg1">
+                    <a:lumMod val="75000"/>
+                  </a:schemeClr>
+                </a:solidFill>
+                <a:latin typeface="標楷體" pitchFamily="65" charset="-120"/>
+              </a:rPr>
+              <a:t>自動化部署方法</a:t>
+            </a:r>
+          </a:p>
+          <a:p>
+            <a:pPr eaLnBrk="1" hangingPunct="1">
+              <a:buFont typeface="Arial" charset="0"/>
+              <a:buChar char="•"/>
+              <a:defRPr/>
+            </a:pPr>
+            <a:r>
+              <a:rPr lang="zh-TW" altLang="en-US" dirty="0">
+                <a:solidFill>
+                  <a:schemeClr val="bg1">
+                    <a:lumMod val="75000"/>
+                  </a:schemeClr>
+                </a:solidFill>
+                <a:latin typeface="標楷體" pitchFamily="65" charset="-120"/>
+              </a:rPr>
+              <a:t>案例實作</a:t>
+            </a:r>
+            <a:endParaRPr lang="en-US" altLang="zh-TW" dirty="0">
+              <a:solidFill>
+                <a:schemeClr val="bg1">
+                  <a:lumMod val="75000"/>
+                </a:schemeClr>
+              </a:solidFill>
+              <a:latin typeface="標楷體" pitchFamily="65" charset="-120"/>
+            </a:endParaRPr>
+          </a:p>
+          <a:p>
+            <a:pPr eaLnBrk="1" hangingPunct="1">
+              <a:buFont typeface="Arial" charset="0"/>
+              <a:buChar char="•"/>
+              <a:defRPr/>
+            </a:pPr>
+            <a:r>
+              <a:rPr lang="zh-TW" altLang="en-US" dirty="0">
+                <a:solidFill>
+                  <a:schemeClr val="bg1">
+                    <a:lumMod val="75000"/>
+                  </a:schemeClr>
+                </a:solidFill>
+                <a:latin typeface="標楷體" pitchFamily="65" charset="-120"/>
+              </a:rPr>
+              <a:t>結論與未來展望</a:t>
+            </a:r>
+          </a:p>
+          <a:p>
+            <a:endParaRPr lang="zh-TW" altLang="en-US" dirty="0"/>
           </a:p>
         </p:txBody>
       </p:sp>
@@ -8419,34 +9775,10 @@
           </a:p>
         </p:txBody>
       </p:sp>
-      <p:pic>
-        <p:nvPicPr>
-          <p:cNvPr id="5" name="圖片 4"/>
-          <p:cNvPicPr>
-            <a:picLocks noChangeAspect="1"/>
-          </p:cNvPicPr>
-          <p:nvPr/>
-        </p:nvPicPr>
-        <p:blipFill>
-          <a:blip r:embed="rId3"/>
-          <a:stretch>
-            <a:fillRect/>
-          </a:stretch>
-        </p:blipFill>
-        <p:spPr>
-          <a:xfrm>
-            <a:off x="539552" y="2438015"/>
-            <a:ext cx="7560840" cy="4283460"/>
-          </a:xfrm>
-          <a:prstGeom prst="rect">
-            <a:avLst/>
-          </a:prstGeom>
-        </p:spPr>
-      </p:pic>
     </p:spTree>
     <p:extLst>
       <p:ext uri="{BB962C8B-B14F-4D97-AF65-F5344CB8AC3E}">
-        <p14:creationId xmlns:p14="http://schemas.microsoft.com/office/powerpoint/2010/main" val="2204037131"/>
+        <p14:creationId xmlns:p14="http://schemas.microsoft.com/office/powerpoint/2010/main" val="2831826523"/>
       </p:ext>
     </p:extLst>
   </p:cSld>
@@ -8482,6 +9814,115 @@
       </p:grpSpPr>
       <p:sp>
         <p:nvSpPr>
+          <p:cNvPr id="2" name="標題 1"/>
+          <p:cNvSpPr>
+            <a:spLocks noGrp="1"/>
+          </p:cNvSpPr>
+          <p:nvPr>
+            <p:ph type="title"/>
+          </p:nvPr>
+        </p:nvSpPr>
+        <p:spPr/>
+        <p:txBody>
+          <a:bodyPr/>
+          <a:lstStyle/>
+          <a:p>
+            <a:r>
+              <a:rPr lang="zh-TW" altLang="en-US" dirty="0" smtClean="0"/>
+              <a:t>研究背景與動機</a:t>
+            </a:r>
+            <a:endParaRPr lang="zh-TW" altLang="en-US" dirty="0"/>
+          </a:p>
+        </p:txBody>
+      </p:sp>
+      <p:sp>
+        <p:nvSpPr>
+          <p:cNvPr id="3" name="內容版面配置區 2"/>
+          <p:cNvSpPr>
+            <a:spLocks noGrp="1"/>
+          </p:cNvSpPr>
+          <p:nvPr>
+            <p:ph idx="1"/>
+          </p:nvPr>
+        </p:nvSpPr>
+        <p:spPr>
+          <a:xfrm>
+            <a:off x="457200" y="1600199"/>
+            <a:ext cx="8686800" cy="5121275"/>
+          </a:xfrm>
+        </p:spPr>
+        <p:txBody>
+          <a:bodyPr/>
+          <a:lstStyle/>
+          <a:p>
+            <a:r>
+              <a:rPr lang="zh-TW" altLang="en-US" sz="2000" dirty="0" smtClean="0"/>
+              <a:t>每次</a:t>
+            </a:r>
+            <a:r>
+              <a:rPr lang="zh-TW" altLang="zh-TW" sz="2000" dirty="0" smtClean="0"/>
+              <a:t>發佈</a:t>
+            </a:r>
+            <a:r>
+              <a:rPr lang="zh-TW" altLang="zh-TW" sz="2000" dirty="0"/>
+              <a:t>服務時必須做編譯、打包、部署的三件</a:t>
+            </a:r>
+            <a:r>
+              <a:rPr lang="zh-TW" altLang="zh-TW" sz="2000" dirty="0" smtClean="0"/>
+              <a:t>事情</a:t>
+            </a:r>
+            <a:r>
+              <a:rPr lang="zh-TW" altLang="en-US" sz="2000" dirty="0" smtClean="0"/>
+              <a:t>，</a:t>
+            </a:r>
+            <a:r>
+              <a:rPr lang="zh-TW" altLang="zh-TW" sz="2000" dirty="0"/>
+              <a:t>這些</a:t>
+            </a:r>
+            <a:r>
+              <a:rPr lang="zh-TW" altLang="zh-TW" sz="2000" dirty="0" smtClean="0"/>
+              <a:t>過程以</a:t>
+            </a:r>
+            <a:r>
+              <a:rPr lang="zh-TW" altLang="zh-TW" sz="2000" dirty="0"/>
+              <a:t>手動</a:t>
+            </a:r>
+            <a:r>
+              <a:rPr lang="zh-TW" altLang="zh-TW" sz="2000" dirty="0" smtClean="0"/>
+              <a:t>的</a:t>
+            </a:r>
+            <a:endParaRPr lang="en-US" altLang="zh-TW" sz="2000" dirty="0" smtClean="0"/>
+          </a:p>
+          <a:p>
+            <a:r>
+              <a:rPr lang="zh-TW" altLang="zh-TW" sz="2000" dirty="0" smtClean="0"/>
+              <a:t>方式容易</a:t>
+            </a:r>
+            <a:r>
+              <a:rPr lang="zh-TW" altLang="zh-TW" sz="2000" dirty="0"/>
+              <a:t>出錯且缺乏</a:t>
+            </a:r>
+            <a:r>
+              <a:rPr lang="zh-TW" altLang="zh-TW" sz="2000" dirty="0" smtClean="0"/>
+              <a:t>管理</a:t>
+            </a:r>
+            <a:r>
+              <a:rPr lang="zh-TW" altLang="en-US" sz="2000" dirty="0" smtClean="0"/>
+              <a:t>，當服務數量增加時，要花費的時間也相對地增</a:t>
+            </a:r>
+            <a:endParaRPr lang="en-US" altLang="zh-TW" sz="2000" dirty="0" smtClean="0"/>
+          </a:p>
+          <a:p>
+            <a:r>
+              <a:rPr lang="zh-TW" altLang="en-US" sz="2000" dirty="0" smtClean="0"/>
+              <a:t>加。</a:t>
+            </a:r>
+            <a:endParaRPr lang="zh-TW" altLang="en-US" sz="2000" dirty="0"/>
+          </a:p>
+        </p:txBody>
+      </p:sp>
+      <p:sp>
+        <p:nvSpPr>
           <p:cNvPr id="4" name="投影片編號版面配置區 3"/>
           <p:cNvSpPr>
             <a:spLocks noGrp="1"/>
@@ -8509,70 +9950,10 @@
           </a:p>
         </p:txBody>
       </p:sp>
-      <p:pic>
-        <p:nvPicPr>
-          <p:cNvPr id="5" name="圖片 4"/>
-          <p:cNvPicPr>
-            <a:picLocks noChangeAspect="1"/>
-          </p:cNvPicPr>
-          <p:nvPr/>
-        </p:nvPicPr>
-        <p:blipFill>
-          <a:blip r:embed="rId3"/>
-          <a:stretch>
-            <a:fillRect/>
-          </a:stretch>
-        </p:blipFill>
-        <p:spPr>
-          <a:xfrm>
-            <a:off x="0" y="1772816"/>
-            <a:ext cx="9144000" cy="4221990"/>
-          </a:xfrm>
-          <a:prstGeom prst="rect">
-            <a:avLst/>
-          </a:prstGeom>
-        </p:spPr>
-      </p:pic>
-      <p:cxnSp>
-        <p:nvCxnSpPr>
-          <p:cNvPr id="7" name="直線單箭頭接點 6"/>
-          <p:cNvCxnSpPr/>
-          <p:nvPr/>
-        </p:nvCxnSpPr>
-        <p:spPr>
-          <a:xfrm flipV="1">
-            <a:off x="1619672" y="2708920"/>
-            <a:ext cx="2520280" cy="1512168"/>
-          </a:xfrm>
-          <a:prstGeom prst="straightConnector1">
-            <a:avLst/>
-          </a:prstGeom>
-          <a:ln>
-            <a:solidFill>
-              <a:srgbClr val="FF0000"/>
-            </a:solidFill>
-            <a:tailEnd type="triangle"/>
-          </a:ln>
-        </p:spPr>
-        <p:style>
-          <a:lnRef idx="1">
-            <a:schemeClr val="accent1"/>
-          </a:lnRef>
-          <a:fillRef idx="0">
-            <a:schemeClr val="accent1"/>
-          </a:fillRef>
-          <a:effectRef idx="0">
-            <a:schemeClr val="accent1"/>
-          </a:effectRef>
-          <a:fontRef idx="minor">
-            <a:schemeClr val="tx1"/>
-          </a:fontRef>
-        </p:style>
-      </p:cxnSp>
     </p:spTree>
     <p:extLst>
       <p:ext uri="{BB962C8B-B14F-4D97-AF65-F5344CB8AC3E}">
-        <p14:creationId xmlns:p14="http://schemas.microsoft.com/office/powerpoint/2010/main" val="3558745422"/>
+        <p14:creationId xmlns:p14="http://schemas.microsoft.com/office/powerpoint/2010/main" val="1593735734"/>
       </p:ext>
     </p:extLst>
   </p:cSld>
@@ -8608,6 +9989,178 @@
       </p:grpSpPr>
       <p:sp>
         <p:nvSpPr>
+          <p:cNvPr id="2" name="標題 1"/>
+          <p:cNvSpPr>
+            <a:spLocks noGrp="1"/>
+          </p:cNvSpPr>
+          <p:nvPr>
+            <p:ph type="title"/>
+          </p:nvPr>
+        </p:nvSpPr>
+        <p:spPr/>
+        <p:txBody>
+          <a:bodyPr/>
+          <a:lstStyle/>
+          <a:p>
+            <a:r>
+              <a:rPr lang="zh-TW" altLang="en-US" dirty="0" smtClean="0"/>
+              <a:t>大綱</a:t>
+            </a:r>
+            <a:endParaRPr lang="zh-TW" altLang="en-US" dirty="0"/>
+          </a:p>
+        </p:txBody>
+      </p:sp>
+      <p:sp>
+        <p:nvSpPr>
+          <p:cNvPr id="3" name="內容版面配置區 2"/>
+          <p:cNvSpPr>
+            <a:spLocks noGrp="1"/>
+          </p:cNvSpPr>
+          <p:nvPr>
+            <p:ph idx="1"/>
+          </p:nvPr>
+        </p:nvSpPr>
+        <p:spPr/>
+        <p:txBody>
+          <a:bodyPr/>
+          <a:lstStyle/>
+          <a:p>
+            <a:pPr eaLnBrk="1" hangingPunct="1">
+              <a:buFont typeface="Arial" charset="0"/>
+              <a:buChar char="•"/>
+              <a:defRPr/>
+            </a:pPr>
+            <a:r>
+              <a:rPr lang="zh-TW" altLang="en-US" dirty="0">
+                <a:solidFill>
+                  <a:schemeClr val="bg1">
+                    <a:lumMod val="75000"/>
+                  </a:schemeClr>
+                </a:solidFill>
+                <a:latin typeface="標楷體" pitchFamily="65" charset="-120"/>
+              </a:rPr>
+              <a:t>研究背景與動機</a:t>
+            </a:r>
+            <a:endParaRPr lang="en-US" altLang="zh-TW" dirty="0">
+              <a:solidFill>
+                <a:schemeClr val="bg1">
+                  <a:lumMod val="75000"/>
+                </a:schemeClr>
+              </a:solidFill>
+              <a:latin typeface="標楷體" pitchFamily="65" charset="-120"/>
+            </a:endParaRPr>
+          </a:p>
+          <a:p>
+            <a:pPr eaLnBrk="1" hangingPunct="1">
+              <a:buFont typeface="Arial" charset="0"/>
+              <a:buChar char="•"/>
+              <a:defRPr/>
+            </a:pPr>
+            <a:r>
+              <a:rPr lang="zh-TW" altLang="en-US" dirty="0">
+                <a:latin typeface="標楷體" pitchFamily="65" charset="-120"/>
+              </a:rPr>
+              <a:t>研究目標</a:t>
+            </a:r>
+            <a:endParaRPr lang="en-US" altLang="zh-TW" dirty="0">
+              <a:latin typeface="標楷體" pitchFamily="65" charset="-120"/>
+            </a:endParaRPr>
+          </a:p>
+          <a:p>
+            <a:pPr eaLnBrk="1" hangingPunct="1">
+              <a:buFont typeface="Arial" charset="0"/>
+              <a:buChar char="•"/>
+              <a:defRPr/>
+            </a:pPr>
+            <a:r>
+              <a:rPr lang="zh-TW" altLang="en-US" dirty="0">
+                <a:solidFill>
+                  <a:schemeClr val="bg1">
+                    <a:lumMod val="75000"/>
+                  </a:schemeClr>
+                </a:solidFill>
+                <a:latin typeface="標楷體" pitchFamily="65" charset="-120"/>
+              </a:rPr>
+              <a:t>背景知識</a:t>
+            </a:r>
+            <a:endParaRPr lang="en-US" altLang="zh-TW" dirty="0">
+              <a:solidFill>
+                <a:schemeClr val="bg1">
+                  <a:lumMod val="75000"/>
+                </a:schemeClr>
+              </a:solidFill>
+              <a:latin typeface="標楷體" pitchFamily="65" charset="-120"/>
+            </a:endParaRPr>
+          </a:p>
+          <a:p>
+            <a:pPr eaLnBrk="1" hangingPunct="1">
+              <a:buFont typeface="Arial" charset="0"/>
+              <a:buChar char="•"/>
+              <a:defRPr/>
+            </a:pPr>
+            <a:r>
+              <a:rPr lang="zh-TW" altLang="en-US" dirty="0">
+                <a:solidFill>
+                  <a:schemeClr val="bg1">
+                    <a:lumMod val="75000"/>
+                  </a:schemeClr>
+                </a:solidFill>
+                <a:latin typeface="標楷體" pitchFamily="65" charset="-120"/>
+              </a:rPr>
+              <a:t>自動化部署方法</a:t>
+            </a:r>
+          </a:p>
+          <a:p>
+            <a:pPr eaLnBrk="1" hangingPunct="1">
+              <a:buFont typeface="Arial" charset="0"/>
+              <a:buChar char="•"/>
+              <a:defRPr/>
+            </a:pPr>
+            <a:r>
+              <a:rPr lang="zh-TW" altLang="en-US" dirty="0">
+                <a:solidFill>
+                  <a:schemeClr val="bg1">
+                    <a:lumMod val="75000"/>
+                  </a:schemeClr>
+                </a:solidFill>
+                <a:latin typeface="標楷體" pitchFamily="65" charset="-120"/>
+              </a:rPr>
+              <a:t>案例實作</a:t>
+            </a:r>
+            <a:endParaRPr lang="en-US" altLang="zh-TW" dirty="0">
+              <a:solidFill>
+                <a:schemeClr val="bg1">
+                  <a:lumMod val="75000"/>
+                </a:schemeClr>
+              </a:solidFill>
+              <a:latin typeface="標楷體" pitchFamily="65" charset="-120"/>
+            </a:endParaRPr>
+          </a:p>
+          <a:p>
+            <a:pPr eaLnBrk="1" hangingPunct="1">
+              <a:buFont typeface="Arial" charset="0"/>
+              <a:buChar char="•"/>
+              <a:defRPr/>
+            </a:pPr>
+            <a:r>
+              <a:rPr lang="zh-TW" altLang="en-US" dirty="0">
+                <a:solidFill>
+                  <a:schemeClr val="bg1">
+                    <a:lumMod val="75000"/>
+                  </a:schemeClr>
+                </a:solidFill>
+                <a:latin typeface="標楷體" pitchFamily="65" charset="-120"/>
+              </a:rPr>
+              <a:t>結論與未來展望</a:t>
+            </a:r>
+          </a:p>
+          <a:p>
+            <a:endParaRPr lang="zh-TW" altLang="en-US" dirty="0"/>
+          </a:p>
+        </p:txBody>
+      </p:sp>
+      <p:sp>
+        <p:nvSpPr>
           <p:cNvPr id="4" name="投影片編號版面配置區 3"/>
           <p:cNvSpPr>
             <a:spLocks noGrp="1"/>
@@ -8635,47 +10188,16 @@
           </a:p>
         </p:txBody>
       </p:sp>
-      <p:pic>
-        <p:nvPicPr>
-          <p:cNvPr id="5" name="圖片 4"/>
-          <p:cNvPicPr>
-            <a:picLocks noChangeAspect="1"/>
-          </p:cNvPicPr>
-          <p:nvPr/>
-        </p:nvPicPr>
-        <p:blipFill>
-          <a:blip r:embed="rId3"/>
-          <a:stretch>
-            <a:fillRect/>
-          </a:stretch>
-        </p:blipFill>
-        <p:spPr>
-          <a:xfrm>
-            <a:off x="31530" y="1340768"/>
-            <a:ext cx="9112469" cy="4938279"/>
-          </a:xfrm>
-          <a:prstGeom prst="rect">
-            <a:avLst/>
-          </a:prstGeom>
-        </p:spPr>
-      </p:pic>
     </p:spTree>
     <p:extLst>
       <p:ext uri="{BB962C8B-B14F-4D97-AF65-F5344CB8AC3E}">
-        <p14:creationId xmlns:p14="http://schemas.microsoft.com/office/powerpoint/2010/main" val="4105638983"/>
+        <p14:creationId xmlns:p14="http://schemas.microsoft.com/office/powerpoint/2010/main" val="3230856703"/>
       </p:ext>
     </p:extLst>
   </p:cSld>
   <p:clrMapOvr>
     <a:masterClrMapping/>
   </p:clrMapOvr>
-  <p:timing>
-    <p:tnLst>
-      <p:par>
-        <p:cTn id="1" dur="indefinite" restart="never" nodeType="tmRoot"/>
-      </p:par>
-    </p:tnLst>
-  </p:timing>
 </p:sld>
 </file>
 
@@ -8711,6 +10233,10 @@
           <a:bodyPr/>
           <a:lstStyle/>
           <a:p>
+            <a:r>
+              <a:rPr lang="zh-TW" altLang="en-US" dirty="0" smtClean="0"/>
+              <a:t>研究目標</a:t>
+            </a:r>
             <a:endParaRPr lang="zh-TW" altLang="en-US" dirty="0"/>
           </a:p>
         </p:txBody>
@@ -8731,22 +10257,27 @@
           <a:lstStyle/>
           <a:p>
             <a:r>
+              <a:rPr lang="zh-TW" altLang="en-US" sz="2000" dirty="0" smtClean="0"/>
+              <a:t>提出自動化部署的方法。</a:t>
+            </a:r>
+            <a:endParaRPr lang="en-US" altLang="zh-TW" sz="2000" dirty="0" smtClean="0"/>
+          </a:p>
+          <a:p>
+            <a:r>
+              <a:rPr lang="zh-TW" altLang="en-US" sz="2000" dirty="0" smtClean="0"/>
+              <a:t>將此方法套用在</a:t>
+            </a:r>
+            <a:r>
+              <a:rPr lang="en-US" altLang="zh-TW" sz="2000" dirty="0" err="1" smtClean="0"/>
+              <a:t>ezScrum</a:t>
+            </a:r>
+            <a:r>
               <a:rPr lang="en-US" altLang="zh-TW" sz="2000" dirty="0" smtClean="0"/>
-              <a:t>2.</a:t>
+              <a:t> </a:t>
             </a:r>
             <a:r>
               <a:rPr lang="zh-TW" altLang="en-US" sz="2000" dirty="0" smtClean="0"/>
-              <a:t>下載與安裝要編譯與執行的</a:t>
-            </a:r>
-            <a:r>
-              <a:rPr lang="en-US" altLang="zh-TW" sz="2000" dirty="0" smtClean="0"/>
-              <a:t>IDE : </a:t>
-            </a:r>
-            <a:r>
-              <a:rPr lang="en-US" altLang="zh-TW" sz="2000" dirty="0" smtClean="0">
-                <a:hlinkClick r:id="rId2"/>
-              </a:rPr>
-              <a:t>IntelliJ IDEA</a:t>
+              <a:t>上，減少軟體上線所花費地時間。</a:t>
             </a:r>
             <a:endParaRPr lang="zh-TW" altLang="en-US" sz="2000" dirty="0"/>
           </a:p>
@@ -8781,47 +10312,16 @@
           </a:p>
         </p:txBody>
       </p:sp>
-      <p:pic>
-        <p:nvPicPr>
-          <p:cNvPr id="5" name="圖片 4"/>
-          <p:cNvPicPr>
-            <a:picLocks noChangeAspect="1"/>
-          </p:cNvPicPr>
-          <p:nvPr/>
-        </p:nvPicPr>
-        <p:blipFill>
-          <a:blip r:embed="rId3"/>
-          <a:stretch>
-            <a:fillRect/>
-          </a:stretch>
-        </p:blipFill>
-        <p:spPr>
-          <a:xfrm>
-            <a:off x="611560" y="1993784"/>
-            <a:ext cx="7308304" cy="4864216"/>
-          </a:xfrm>
-          <a:prstGeom prst="rect">
-            <a:avLst/>
-          </a:prstGeom>
-        </p:spPr>
-      </p:pic>
     </p:spTree>
     <p:extLst>
       <p:ext uri="{BB962C8B-B14F-4D97-AF65-F5344CB8AC3E}">
-        <p14:creationId xmlns:p14="http://schemas.microsoft.com/office/powerpoint/2010/main" val="3312868546"/>
+        <p14:creationId xmlns:p14="http://schemas.microsoft.com/office/powerpoint/2010/main" val="3117316429"/>
       </p:ext>
     </p:extLst>
   </p:cSld>
   <p:clrMapOvr>
     <a:masterClrMapping/>
   </p:clrMapOvr>
-  <p:timing>
-    <p:tnLst>
-      <p:par>
-        <p:cTn id="1" dur="indefinite" restart="never" nodeType="tmRoot"/>
-      </p:par>
-    </p:tnLst>
-  </p:timing>
 </p:sld>
 </file>
 
@@ -8842,32 +10342,178 @@
           <a:chExt cx="0" cy="0"/>
         </a:xfrm>
       </p:grpSpPr>
-      <p:pic>
-        <p:nvPicPr>
-          <p:cNvPr id="5" name="內容版面配置區 4"/>
-          <p:cNvPicPr>
-            <a:picLocks noGrp="1" noChangeAspect="1"/>
-          </p:cNvPicPr>
+      <p:sp>
+        <p:nvSpPr>
+          <p:cNvPr id="2" name="標題 1"/>
+          <p:cNvSpPr>
+            <a:spLocks noGrp="1"/>
+          </p:cNvSpPr>
+          <p:nvPr>
+            <p:ph type="title"/>
+          </p:nvPr>
+        </p:nvSpPr>
+        <p:spPr/>
+        <p:txBody>
+          <a:bodyPr/>
+          <a:lstStyle/>
+          <a:p>
+            <a:r>
+              <a:rPr lang="zh-TW" altLang="en-US" dirty="0" smtClean="0"/>
+              <a:t>大綱</a:t>
+            </a:r>
+            <a:endParaRPr lang="zh-TW" altLang="en-US" dirty="0"/>
+          </a:p>
+        </p:txBody>
+      </p:sp>
+      <p:sp>
+        <p:nvSpPr>
+          <p:cNvPr id="3" name="內容版面配置區 2"/>
+          <p:cNvSpPr>
+            <a:spLocks noGrp="1"/>
+          </p:cNvSpPr>
           <p:nvPr>
             <p:ph idx="1"/>
           </p:nvPr>
-        </p:nvPicPr>
-        <p:blipFill>
-          <a:blip r:embed="rId2"/>
-          <a:stretch>
-            <a:fillRect/>
-          </a:stretch>
-        </p:blipFill>
-        <p:spPr>
-          <a:xfrm>
-            <a:off x="15204" y="1268760"/>
-            <a:ext cx="9144000" cy="4781113"/>
-          </a:xfrm>
-          <a:prstGeom prst="rect">
-            <a:avLst/>
-          </a:prstGeom>
-        </p:spPr>
-      </p:pic>
+        </p:nvSpPr>
+        <p:spPr/>
+        <p:txBody>
+          <a:bodyPr/>
+          <a:lstStyle/>
+          <a:p>
+            <a:pPr eaLnBrk="1" hangingPunct="1">
+              <a:buFont typeface="Arial" charset="0"/>
+              <a:buChar char="•"/>
+              <a:defRPr/>
+            </a:pPr>
+            <a:r>
+              <a:rPr lang="zh-TW" altLang="en-US" dirty="0">
+                <a:solidFill>
+                  <a:schemeClr val="bg1">
+                    <a:lumMod val="75000"/>
+                  </a:schemeClr>
+                </a:solidFill>
+                <a:latin typeface="標楷體" pitchFamily="65" charset="-120"/>
+              </a:rPr>
+              <a:t>研究背景與動機</a:t>
+            </a:r>
+            <a:endParaRPr lang="en-US" altLang="zh-TW" dirty="0">
+              <a:solidFill>
+                <a:schemeClr val="bg1">
+                  <a:lumMod val="75000"/>
+                </a:schemeClr>
+              </a:solidFill>
+              <a:latin typeface="標楷體" pitchFamily="65" charset="-120"/>
+            </a:endParaRPr>
+          </a:p>
+          <a:p>
+            <a:pPr eaLnBrk="1" hangingPunct="1">
+              <a:buFont typeface="Arial" charset="0"/>
+              <a:buChar char="•"/>
+              <a:defRPr/>
+            </a:pPr>
+            <a:r>
+              <a:rPr lang="zh-TW" altLang="en-US" dirty="0">
+                <a:solidFill>
+                  <a:schemeClr val="bg1">
+                    <a:lumMod val="75000"/>
+                  </a:schemeClr>
+                </a:solidFill>
+                <a:latin typeface="標楷體" pitchFamily="65" charset="-120"/>
+              </a:rPr>
+              <a:t>研究目標</a:t>
+            </a:r>
+            <a:endParaRPr lang="en-US" altLang="zh-TW" dirty="0">
+              <a:solidFill>
+                <a:schemeClr val="bg1">
+                  <a:lumMod val="75000"/>
+                </a:schemeClr>
+              </a:solidFill>
+              <a:latin typeface="標楷體" pitchFamily="65" charset="-120"/>
+            </a:endParaRPr>
+          </a:p>
+          <a:p>
+            <a:pPr eaLnBrk="1" hangingPunct="1">
+              <a:buFont typeface="Arial" charset="0"/>
+              <a:buChar char="•"/>
+              <a:defRPr/>
+            </a:pPr>
+            <a:r>
+              <a:rPr lang="zh-TW" altLang="en-US" dirty="0">
+                <a:latin typeface="標楷體" pitchFamily="65" charset="-120"/>
+              </a:rPr>
+              <a:t>背景知識</a:t>
+            </a:r>
+            <a:endParaRPr lang="en-US" altLang="zh-TW" dirty="0">
+              <a:latin typeface="標楷體" pitchFamily="65" charset="-120"/>
+            </a:endParaRPr>
+          </a:p>
+          <a:p>
+            <a:pPr eaLnBrk="1" hangingPunct="1">
+              <a:buFont typeface="Arial" charset="0"/>
+              <a:buChar char="•"/>
+              <a:defRPr/>
+            </a:pPr>
+            <a:r>
+              <a:rPr lang="zh-TW" altLang="en-US" dirty="0">
+                <a:solidFill>
+                  <a:schemeClr val="bg1">
+                    <a:lumMod val="75000"/>
+                  </a:schemeClr>
+                </a:solidFill>
+                <a:latin typeface="標楷體" pitchFamily="65" charset="-120"/>
+              </a:rPr>
+              <a:t>自動化部署方法</a:t>
+            </a:r>
+          </a:p>
+          <a:p>
+            <a:pPr eaLnBrk="1" hangingPunct="1">
+              <a:buFont typeface="Arial" charset="0"/>
+              <a:buChar char="•"/>
+              <a:defRPr/>
+            </a:pPr>
+            <a:r>
+              <a:rPr lang="zh-TW" altLang="en-US" dirty="0">
+                <a:solidFill>
+                  <a:schemeClr val="bg1">
+                    <a:lumMod val="75000"/>
+                  </a:schemeClr>
+                </a:solidFill>
+                <a:latin typeface="標楷體" pitchFamily="65" charset="-120"/>
+              </a:rPr>
+              <a:t>案例實作</a:t>
+            </a:r>
+            <a:endParaRPr lang="en-US" altLang="zh-TW" dirty="0">
+              <a:solidFill>
+                <a:schemeClr val="bg1">
+                  <a:lumMod val="75000"/>
+                </a:schemeClr>
+              </a:solidFill>
+              <a:latin typeface="標楷體" pitchFamily="65" charset="-120"/>
+            </a:endParaRPr>
+          </a:p>
+          <a:p>
+            <a:pPr eaLnBrk="1" hangingPunct="1">
+              <a:buFont typeface="Arial" charset="0"/>
+              <a:buChar char="•"/>
+              <a:defRPr/>
+            </a:pPr>
+            <a:r>
+              <a:rPr lang="zh-TW" altLang="en-US" dirty="0">
+                <a:solidFill>
+                  <a:schemeClr val="bg1">
+                    <a:lumMod val="75000"/>
+                  </a:schemeClr>
+                </a:solidFill>
+                <a:latin typeface="標楷體" pitchFamily="65" charset="-120"/>
+              </a:rPr>
+              <a:t>結論與未來展望</a:t>
+            </a:r>
+          </a:p>
+          <a:p>
+            <a:endParaRPr lang="zh-TW" altLang="en-US" dirty="0"/>
+          </a:p>
+        </p:txBody>
+      </p:sp>
       <p:sp>
         <p:nvSpPr>
           <p:cNvPr id="4" name="投影片編號版面配置區 3"/>
@@ -8900,20 +10546,13 @@
     </p:spTree>
     <p:extLst>
       <p:ext uri="{BB962C8B-B14F-4D97-AF65-F5344CB8AC3E}">
-        <p14:creationId xmlns:p14="http://schemas.microsoft.com/office/powerpoint/2010/main" val="3281813370"/>
+        <p14:creationId xmlns:p14="http://schemas.microsoft.com/office/powerpoint/2010/main" val="2412168143"/>
       </p:ext>
     </p:extLst>
   </p:cSld>
   <p:clrMapOvr>
     <a:masterClrMapping/>
   </p:clrMapOvr>
-  <p:timing>
-    <p:tnLst>
-      <p:par>
-        <p:cTn id="1" dur="indefinite" restart="never" nodeType="tmRoot"/>
-      </p:par>
-    </p:tnLst>
-  </p:timing>
 </p:sld>
 </file>
 
@@ -8949,7 +10588,11 @@
           <a:bodyPr/>
           <a:lstStyle/>
           <a:p>
-            <a:endParaRPr lang="zh-TW" altLang="en-US"/>
+            <a:r>
+              <a:rPr lang="zh-TW" altLang="en-US" dirty="0" smtClean="0"/>
+              <a:t>背景知識</a:t>
+            </a:r>
+            <a:endParaRPr lang="zh-TW" altLang="en-US" dirty="0"/>
           </a:p>
         </p:txBody>
       </p:sp>
@@ -8967,24 +10610,6 @@
         <p:txBody>
           <a:bodyPr/>
           <a:lstStyle/>
-          <a:p>
-            <a:r>
-              <a:rPr lang="en-US" altLang="zh-TW" sz="2000" dirty="0" smtClean="0"/>
-              <a:t>3.</a:t>
-            </a:r>
-            <a:r>
-              <a:rPr lang="zh-TW" altLang="en-US" sz="2000" dirty="0" smtClean="0">
-                <a:latin typeface="標楷體" panose="03000509000000000000" pitchFamily="65" charset="-120"/>
-              </a:rPr>
-              <a:t>設定要執行環境變數</a:t>
-            </a:r>
-            <a:r>
-              <a:rPr lang="en-US" altLang="zh-TW" sz="2000" dirty="0" smtClean="0">
-                <a:latin typeface="標楷體" panose="03000509000000000000" pitchFamily="65" charset="-120"/>
-              </a:rPr>
-              <a:t>(Spring boot)</a:t>
-            </a:r>
-          </a:p>
           <a:p>
             <a:endParaRPr lang="zh-TW" altLang="en-US" sz="2000" dirty="0"/>
           </a:p>
@@ -9019,47 +10644,16 @@
           </a:p>
         </p:txBody>
       </p:sp>
-      <p:pic>
-        <p:nvPicPr>
-          <p:cNvPr id="6" name="圖片 5"/>
-          <p:cNvPicPr>
-            <a:picLocks noChangeAspect="1"/>
-          </p:cNvPicPr>
-          <p:nvPr/>
-        </p:nvPicPr>
-        <p:blipFill>
-          <a:blip r:embed="rId2"/>
-          <a:stretch>
-            <a:fillRect/>
-          </a:stretch>
-        </p:blipFill>
-        <p:spPr>
-          <a:xfrm>
-            <a:off x="819150" y="1953722"/>
-            <a:ext cx="7505700" cy="4886325"/>
-          </a:xfrm>
-          <a:prstGeom prst="rect">
-            <a:avLst/>
-          </a:prstGeom>
-        </p:spPr>
-      </p:pic>
     </p:spTree>
     <p:extLst>
       <p:ext uri="{BB962C8B-B14F-4D97-AF65-F5344CB8AC3E}">
-        <p14:creationId xmlns:p14="http://schemas.microsoft.com/office/powerpoint/2010/main" val="1411047929"/>
+        <p14:creationId xmlns:p14="http://schemas.microsoft.com/office/powerpoint/2010/main" val="4227570465"/>
       </p:ext>
     </p:extLst>
   </p:cSld>
   <p:clrMapOvr>
     <a:masterClrMapping/>
   </p:clrMapOvr>
-  <p:timing>
-    <p:tnLst>
-      <p:par>
-        <p:cTn id="1" dur="indefinite" restart="never" nodeType="tmRoot"/>
-      </p:par>
-    </p:tnLst>
-  </p:timing>
 </p:sld>
 </file>
 
@@ -9095,7 +10689,11 @@
           <a:bodyPr/>
           <a:lstStyle/>
           <a:p>
-            <a:endParaRPr lang="zh-TW" altLang="en-US"/>
+            <a:r>
+              <a:rPr lang="zh-TW" altLang="en-US" dirty="0" smtClean="0"/>
+              <a:t>自動化部署</a:t>
+            </a:r>
+            <a:endParaRPr lang="zh-TW" altLang="en-US" dirty="0"/>
           </a:p>
         </p:txBody>
       </p:sp>
@@ -9114,18 +10712,7 @@
           <a:bodyPr/>
           <a:lstStyle/>
           <a:p>
-            <a:r>
-              <a:rPr lang="en-US" altLang="zh-TW" sz="2000" dirty="0" smtClean="0"/>
-              <a:t>4.</a:t>
-            </a:r>
-            <a:r>
-              <a:rPr lang="zh-TW" altLang="en-US" sz="2000" dirty="0" smtClean="0"/>
-              <a:t>跑</a:t>
-            </a:r>
-            <a:r>
-              <a:rPr lang="en-US" altLang="zh-TW" sz="2000" dirty="0" smtClean="0"/>
-              <a:t>Unit Test</a:t>
-            </a:r>
+            <a:endParaRPr lang="zh-TW" altLang="en-US" dirty="0"/>
           </a:p>
         </p:txBody>
       </p:sp>
@@ -9158,34 +10745,10 @@
           </a:p>
         </p:txBody>
       </p:sp>
-      <p:pic>
-        <p:nvPicPr>
-          <p:cNvPr id="7" name="圖片 6"/>
-          <p:cNvPicPr>
-            <a:picLocks noChangeAspect="1"/>
-          </p:cNvPicPr>
-          <p:nvPr/>
-        </p:nvPicPr>
-        <p:blipFill>
-          <a:blip r:embed="rId2"/>
-          <a:stretch>
-            <a:fillRect/>
-          </a:stretch>
-        </p:blipFill>
-        <p:spPr>
-          <a:xfrm>
-            <a:off x="0" y="1988840"/>
-            <a:ext cx="9144000" cy="4066686"/>
-          </a:xfrm>
-          <a:prstGeom prst="rect">
-            <a:avLst/>
-          </a:prstGeom>
-        </p:spPr>
-      </p:pic>
     </p:spTree>
     <p:extLst>
       <p:ext uri="{BB962C8B-B14F-4D97-AF65-F5344CB8AC3E}">
-        <p14:creationId xmlns:p14="http://schemas.microsoft.com/office/powerpoint/2010/main" val="2121799242"/>
+        <p14:creationId xmlns:p14="http://schemas.microsoft.com/office/powerpoint/2010/main" val="2218104004"/>
       </p:ext>
     </p:extLst>
   </p:cSld>

--- a/Oral.pptx
+++ b/Oral.pptx
@@ -5,10 +5,10 @@
     <p:sldMasterId id="2147483828" r:id="rId1"/>
   </p:sldMasterIdLst>
   <p:notesMasterIdLst>
-    <p:notesMasterId r:id="rId29"/>
+    <p:notesMasterId r:id="rId40"/>
   </p:notesMasterIdLst>
   <p:handoutMasterIdLst>
-    <p:handoutMasterId r:id="rId30"/>
+    <p:handoutMasterId r:id="rId41"/>
   </p:handoutMasterIdLst>
   <p:sldIdLst>
     <p:sldId id="256" r:id="rId2"/>
@@ -19,25 +19,36 @@
     <p:sldId id="385" r:id="rId7"/>
     <p:sldId id="386" r:id="rId8"/>
     <p:sldId id="387" r:id="rId9"/>
-    <p:sldId id="363" r:id="rId10"/>
-    <p:sldId id="362" r:id="rId11"/>
-    <p:sldId id="364" r:id="rId12"/>
-    <p:sldId id="365" r:id="rId13"/>
-    <p:sldId id="366" r:id="rId14"/>
-    <p:sldId id="367" r:id="rId15"/>
-    <p:sldId id="368" r:id="rId16"/>
-    <p:sldId id="369" r:id="rId17"/>
-    <p:sldId id="370" r:id="rId18"/>
-    <p:sldId id="371" r:id="rId19"/>
-    <p:sldId id="372" r:id="rId20"/>
-    <p:sldId id="373" r:id="rId21"/>
-    <p:sldId id="376" r:id="rId22"/>
-    <p:sldId id="377" r:id="rId23"/>
-    <p:sldId id="374" r:id="rId24"/>
-    <p:sldId id="378" r:id="rId25"/>
-    <p:sldId id="379" r:id="rId26"/>
-    <p:sldId id="375" r:id="rId27"/>
-    <p:sldId id="380" r:id="rId28"/>
+    <p:sldId id="388" r:id="rId10"/>
+    <p:sldId id="363" r:id="rId11"/>
+    <p:sldId id="362" r:id="rId12"/>
+    <p:sldId id="364" r:id="rId13"/>
+    <p:sldId id="365" r:id="rId14"/>
+    <p:sldId id="366" r:id="rId15"/>
+    <p:sldId id="367" r:id="rId16"/>
+    <p:sldId id="368" r:id="rId17"/>
+    <p:sldId id="369" r:id="rId18"/>
+    <p:sldId id="370" r:id="rId19"/>
+    <p:sldId id="371" r:id="rId20"/>
+    <p:sldId id="372" r:id="rId21"/>
+    <p:sldId id="373" r:id="rId22"/>
+    <p:sldId id="376" r:id="rId23"/>
+    <p:sldId id="377" r:id="rId24"/>
+    <p:sldId id="374" r:id="rId25"/>
+    <p:sldId id="378" r:id="rId26"/>
+    <p:sldId id="379" r:id="rId27"/>
+    <p:sldId id="375" r:id="rId28"/>
+    <p:sldId id="380" r:id="rId29"/>
+    <p:sldId id="393" r:id="rId30"/>
+    <p:sldId id="389" r:id="rId31"/>
+    <p:sldId id="390" r:id="rId32"/>
+    <p:sldId id="391" r:id="rId33"/>
+    <p:sldId id="392" r:id="rId34"/>
+    <p:sldId id="394" r:id="rId35"/>
+    <p:sldId id="395" r:id="rId36"/>
+    <p:sldId id="396" r:id="rId37"/>
+    <p:sldId id="397" r:id="rId38"/>
+    <p:sldId id="398" r:id="rId39"/>
   </p:sldIdLst>
   <p:sldSz cx="9144000" cy="6858000" type="screen4x3"/>
   <p:notesSz cx="7099300" cy="10234613"/>
@@ -405,7 +416,7 @@
               <a:pPr>
                 <a:defRPr/>
               </a:pPr>
-              <a:t>2017/10/17</a:t>
+              <a:t>2017/10/27</a:t>
             </a:fld>
             <a:endParaRPr lang="zh-TW" altLang="en-US"/>
           </a:p>
@@ -1065,7 +1076,7 @@
               <a:pPr>
                 <a:defRPr/>
               </a:pPr>
-              <a:t>10</a:t>
+              <a:t>11</a:t>
             </a:fld>
             <a:endParaRPr lang="zh-TW" altLang="en-US"/>
           </a:p>
@@ -1167,7 +1178,7 @@
               <a:pPr>
                 <a:defRPr/>
               </a:pPr>
-              <a:t>11</a:t>
+              <a:t>12</a:t>
             </a:fld>
             <a:endParaRPr lang="zh-TW" altLang="en-US"/>
           </a:p>
@@ -1261,7 +1272,7 @@
               <a:pPr>
                 <a:defRPr/>
               </a:pPr>
-              <a:t>12</a:t>
+              <a:t>13</a:t>
             </a:fld>
             <a:endParaRPr lang="zh-TW" altLang="en-US"/>
           </a:p>
@@ -1351,7 +1362,7 @@
               <a:pPr>
                 <a:defRPr/>
               </a:pPr>
-              <a:t>24</a:t>
+              <a:t>25</a:t>
             </a:fld>
             <a:endParaRPr lang="zh-TW" altLang="en-US"/>
           </a:p>
@@ -1531,7 +1542,7 @@
               <a:pPr>
                 <a:defRPr/>
               </a:pPr>
-              <a:t>25</a:t>
+              <a:t>26</a:t>
             </a:fld>
             <a:endParaRPr lang="zh-TW" altLang="en-US"/>
           </a:p>
@@ -1672,7 +1683,7 @@
               <a:pPr>
                 <a:defRPr/>
               </a:pPr>
-              <a:t>26</a:t>
+              <a:t>27</a:t>
             </a:fld>
             <a:endParaRPr lang="zh-TW" altLang="en-US"/>
           </a:p>
@@ -1917,7 +1928,7 @@
               <a:pPr>
                 <a:defRPr/>
               </a:pPr>
-              <a:t>2017/10/17</a:t>
+              <a:t>2017/10/27</a:t>
             </a:fld>
             <a:endParaRPr lang="zh-TW" altLang="en-US"/>
           </a:p>
@@ -2112,7 +2123,7 @@
               <a:pPr>
                 <a:defRPr/>
               </a:pPr>
-              <a:t>2017/10/17</a:t>
+              <a:t>2017/10/27</a:t>
             </a:fld>
             <a:endParaRPr lang="zh-TW" altLang="en-US"/>
           </a:p>
@@ -2317,7 +2328,7 @@
               <a:pPr>
                 <a:defRPr/>
               </a:pPr>
-              <a:t>2017/10/17</a:t>
+              <a:t>2017/10/27</a:t>
             </a:fld>
             <a:endParaRPr lang="zh-TW" altLang="en-US"/>
           </a:p>
@@ -2494,7 +2505,7 @@
               <a:pPr>
                 <a:defRPr/>
               </a:pPr>
-              <a:t>2017/10/17</a:t>
+              <a:t>2017/10/27</a:t>
             </a:fld>
             <a:endParaRPr lang="zh-TW" altLang="en-US"/>
           </a:p>
@@ -2743,7 +2754,7 @@
               <a:pPr>
                 <a:defRPr/>
               </a:pPr>
-              <a:t>2017/10/17</a:t>
+              <a:t>2017/10/27</a:t>
             </a:fld>
             <a:endParaRPr lang="zh-TW" altLang="en-US"/>
           </a:p>
@@ -3014,7 +3025,7 @@
               <a:pPr>
                 <a:defRPr/>
               </a:pPr>
-              <a:t>2017/10/17</a:t>
+              <a:t>2017/10/27</a:t>
             </a:fld>
             <a:endParaRPr lang="zh-TW" altLang="en-US"/>
           </a:p>
@@ -3327,7 +3338,7 @@
               <a:pPr>
                 <a:defRPr/>
               </a:pPr>
-              <a:t>2017/10/17</a:t>
+              <a:t>2017/10/27</a:t>
             </a:fld>
             <a:endParaRPr lang="zh-TW" altLang="en-US"/>
           </a:p>
@@ -3774,7 +3785,7 @@
               <a:pPr>
                 <a:defRPr/>
               </a:pPr>
-              <a:t>2017/10/17</a:t>
+              <a:t>2017/10/27</a:t>
             </a:fld>
             <a:endParaRPr lang="zh-TW" altLang="en-US"/>
           </a:p>
@@ -3917,7 +3928,7 @@
               <a:pPr>
                 <a:defRPr/>
               </a:pPr>
-              <a:t>2017/10/17</a:t>
+              <a:t>2017/10/27</a:t>
             </a:fld>
             <a:endParaRPr lang="zh-TW" altLang="en-US"/>
           </a:p>
@@ -4037,7 +4048,7 @@
               <a:pPr>
                 <a:defRPr/>
               </a:pPr>
-              <a:t>2017/10/17</a:t>
+              <a:t>2017/10/27</a:t>
             </a:fld>
             <a:endParaRPr lang="zh-TW" altLang="en-US"/>
           </a:p>
@@ -4339,7 +4350,7 @@
               <a:pPr>
                 <a:defRPr/>
               </a:pPr>
-              <a:t>2017/10/17</a:t>
+              <a:t>2017/10/27</a:t>
             </a:fld>
             <a:endParaRPr lang="zh-TW" altLang="en-US"/>
           </a:p>
@@ -4624,7 +4635,7 @@
               <a:pPr>
                 <a:defRPr/>
               </a:pPr>
-              <a:t>2017/10/17</a:t>
+              <a:t>2017/10/27</a:t>
             </a:fld>
             <a:endParaRPr lang="zh-TW" altLang="en-US"/>
           </a:p>
@@ -4890,7 +4901,7 @@
               <a:pPr>
                 <a:defRPr/>
               </a:pPr>
-              <a:t>2017/10/17</a:t>
+              <a:t>2017/10/27</a:t>
             </a:fld>
             <a:endParaRPr lang="zh-TW" altLang="en-US"/>
           </a:p>
@@ -5481,14 +5492,7 @@
                 <a:latin typeface="標楷體" pitchFamily="65" charset="-120"/>
                 <a:ea typeface="標楷體" pitchFamily="65" charset="-120"/>
               </a:rPr>
-              <a:t>：</a:t>
-            </a:r>
-            <a:r>
-              <a:rPr lang="zh-TW" altLang="en-US" dirty="0" smtClean="0">
-                <a:latin typeface="標楷體" pitchFamily="65" charset="-120"/>
-                <a:ea typeface="標楷體" pitchFamily="65" charset="-120"/>
-              </a:rPr>
-              <a:t>以</a:t>
+              <a:t>：以</a:t>
             </a:r>
             <a:r>
               <a:rPr lang="en-US" altLang="zh-TW" dirty="0" smtClean="0">
@@ -5753,7 +5757,7 @@
           <a:p>
             <a:r>
               <a:rPr lang="zh-TW" altLang="en-US" dirty="0" smtClean="0"/>
-              <a:t>手動部署做法</a:t>
+              <a:t>自動化部署</a:t>
             </a:r>
             <a:endParaRPr lang="zh-TW" altLang="en-US" dirty="0"/>
           </a:p>
@@ -5769,59 +5773,12 @@
             <p:ph idx="1"/>
           </p:nvPr>
         </p:nvSpPr>
-        <p:spPr>
-          <a:xfrm>
-            <a:off x="0" y="1600200"/>
-            <a:ext cx="9144000" cy="5257800"/>
-          </a:xfrm>
-        </p:spPr>
+        <p:spPr/>
         <p:txBody>
           <a:bodyPr/>
           <a:lstStyle/>
           <a:p>
-            <a:r>
-              <a:rPr lang="zh-TW" altLang="en-US" sz="2000" dirty="0" smtClean="0"/>
-              <a:t>手動部署要經過的步驟 </a:t>
-            </a:r>
-            <a:r>
-              <a:rPr lang="en-US" altLang="zh-TW" sz="2000" dirty="0" smtClean="0"/>
-              <a:t>:</a:t>
-            </a:r>
-            <a:r>
-              <a:rPr lang="zh-TW" altLang="en-US" sz="2000" dirty="0" smtClean="0"/>
-              <a:t> </a:t>
-            </a:r>
-            <a:endParaRPr lang="en-US" altLang="zh-TW" sz="2000" dirty="0" smtClean="0"/>
-          </a:p>
-          <a:p>
-            <a:r>
-              <a:rPr lang="en-US" altLang="zh-TW" sz="2000" dirty="0" smtClean="0"/>
-              <a:t>1.</a:t>
-            </a:r>
-            <a:r>
-              <a:rPr lang="zh-TW" altLang="en-US" sz="2000" dirty="0" smtClean="0"/>
-              <a:t>從</a:t>
-            </a:r>
-            <a:r>
-              <a:rPr lang="en-US" altLang="zh-TW" sz="2000" dirty="0" err="1" smtClean="0"/>
-              <a:t>Github</a:t>
-            </a:r>
-            <a:r>
-              <a:rPr lang="zh-TW" altLang="en-US" sz="2000" dirty="0" smtClean="0"/>
-              <a:t>下載程式碼 </a:t>
-            </a:r>
-            <a:r>
-              <a:rPr lang="en-US" altLang="zh-TW" sz="2000" dirty="0" smtClean="0"/>
-              <a:t>:</a:t>
-            </a:r>
-            <a:r>
-              <a:rPr lang="zh-TW" altLang="en-US" sz="2000" dirty="0" smtClean="0"/>
-              <a:t> </a:t>
-            </a:r>
-            <a:endParaRPr lang="en-US" altLang="zh-TW" sz="2000" dirty="0" smtClean="0"/>
-          </a:p>
-          <a:p>
-            <a:endParaRPr lang="zh-TW" altLang="en-US" sz="2000" dirty="0"/>
+            <a:endParaRPr lang="zh-TW" altLang="en-US" dirty="0"/>
           </a:p>
         </p:txBody>
       </p:sp>
@@ -5849,6 +5806,161 @@
                 <a:defRPr/>
               </a:pPr>
               <a:t>10</a:t>
+            </a:fld>
+            <a:endParaRPr lang="zh-TW" altLang="en-US"/>
+          </a:p>
+        </p:txBody>
+      </p:sp>
+    </p:spTree>
+    <p:extLst>
+      <p:ext uri="{BB962C8B-B14F-4D97-AF65-F5344CB8AC3E}">
+        <p14:creationId xmlns:p14="http://schemas.microsoft.com/office/powerpoint/2010/main" val="2218104004"/>
+      </p:ext>
+    </p:extLst>
+  </p:cSld>
+  <p:clrMapOvr>
+    <a:masterClrMapping/>
+  </p:clrMapOvr>
+  <p:timing>
+    <p:tnLst>
+      <p:par>
+        <p:cTn id="1" dur="indefinite" restart="never" nodeType="tmRoot"/>
+      </p:par>
+    </p:tnLst>
+  </p:timing>
+</p:sld>
+</file>
+
+<file path=ppt/slides/slide11.xml><?xml version="1.0" encoding="utf-8"?>
+<p:sld xmlns:a="http://schemas.openxmlformats.org/drawingml/2006/main" xmlns:r="http://schemas.openxmlformats.org/officeDocument/2006/relationships" xmlns:p="http://schemas.openxmlformats.org/presentationml/2006/main">
+  <p:cSld>
+    <p:spTree>
+      <p:nvGrpSpPr>
+        <p:cNvPr id="1" name=""/>
+        <p:cNvGrpSpPr/>
+        <p:nvPr/>
+      </p:nvGrpSpPr>
+      <p:grpSpPr>
+        <a:xfrm>
+          <a:off x="0" y="0"/>
+          <a:ext cx="0" cy="0"/>
+          <a:chOff x="0" y="0"/>
+          <a:chExt cx="0" cy="0"/>
+        </a:xfrm>
+      </p:grpSpPr>
+      <p:sp>
+        <p:nvSpPr>
+          <p:cNvPr id="2" name="標題 1"/>
+          <p:cNvSpPr>
+            <a:spLocks noGrp="1"/>
+          </p:cNvSpPr>
+          <p:nvPr>
+            <p:ph type="title"/>
+          </p:nvPr>
+        </p:nvSpPr>
+        <p:spPr/>
+        <p:txBody>
+          <a:bodyPr/>
+          <a:lstStyle/>
+          <a:p>
+            <a:r>
+              <a:rPr lang="zh-TW" altLang="en-US" dirty="0" smtClean="0"/>
+              <a:t>手動部署做法</a:t>
+            </a:r>
+            <a:endParaRPr lang="zh-TW" altLang="en-US" dirty="0"/>
+          </a:p>
+        </p:txBody>
+      </p:sp>
+      <p:sp>
+        <p:nvSpPr>
+          <p:cNvPr id="3" name="內容版面配置區 2"/>
+          <p:cNvSpPr>
+            <a:spLocks noGrp="1"/>
+          </p:cNvSpPr>
+          <p:nvPr>
+            <p:ph idx="1"/>
+          </p:nvPr>
+        </p:nvSpPr>
+        <p:spPr>
+          <a:xfrm>
+            <a:off x="0" y="1600200"/>
+            <a:ext cx="9144000" cy="5257800"/>
+          </a:xfrm>
+        </p:spPr>
+        <p:txBody>
+          <a:bodyPr/>
+          <a:lstStyle/>
+          <a:p>
+            <a:r>
+              <a:rPr lang="zh-TW" altLang="en-US" sz="2000" dirty="0" smtClean="0"/>
+              <a:t>手動部署要經過的步驟 </a:t>
+            </a:r>
+            <a:r>
+              <a:rPr lang="en-US" altLang="zh-TW" sz="2000" dirty="0" smtClean="0"/>
+              <a:t>:</a:t>
+            </a:r>
+            <a:r>
+              <a:rPr lang="zh-TW" altLang="en-US" sz="2000" dirty="0" smtClean="0"/>
+              <a:t> </a:t>
+            </a:r>
+            <a:endParaRPr lang="en-US" altLang="zh-TW" sz="2000" dirty="0" smtClean="0"/>
+          </a:p>
+          <a:p>
+            <a:r>
+              <a:rPr lang="en-US" altLang="zh-TW" sz="2000" dirty="0" smtClean="0"/>
+              <a:t>1.</a:t>
+            </a:r>
+            <a:r>
+              <a:rPr lang="zh-TW" altLang="en-US" sz="2000" dirty="0" smtClean="0"/>
+              <a:t>從</a:t>
+            </a:r>
+            <a:r>
+              <a:rPr lang="en-US" altLang="zh-TW" sz="2000" dirty="0" err="1" smtClean="0"/>
+              <a:t>Github</a:t>
+            </a:r>
+            <a:r>
+              <a:rPr lang="zh-TW" altLang="en-US" sz="2000" dirty="0" smtClean="0"/>
+              <a:t>下載程式碼 </a:t>
+            </a:r>
+            <a:r>
+              <a:rPr lang="en-US" altLang="zh-TW" sz="2000" dirty="0" smtClean="0"/>
+              <a:t>:</a:t>
+            </a:r>
+            <a:r>
+              <a:rPr lang="zh-TW" altLang="en-US" sz="2000" dirty="0" smtClean="0"/>
+              <a:t> </a:t>
+            </a:r>
+            <a:endParaRPr lang="en-US" altLang="zh-TW" sz="2000" dirty="0" smtClean="0"/>
+          </a:p>
+          <a:p>
+            <a:endParaRPr lang="zh-TW" altLang="en-US" sz="2000" dirty="0"/>
+          </a:p>
+        </p:txBody>
+      </p:sp>
+      <p:sp>
+        <p:nvSpPr>
+          <p:cNvPr id="4" name="投影片編號版面配置區 3"/>
+          <p:cNvSpPr>
+            <a:spLocks noGrp="1"/>
+          </p:cNvSpPr>
+          <p:nvPr>
+            <p:ph type="sldNum" sz="quarter" idx="12"/>
+          </p:nvPr>
+        </p:nvSpPr>
+        <p:spPr/>
+        <p:txBody>
+          <a:bodyPr/>
+          <a:lstStyle/>
+          <a:p>
+            <a:pPr>
+              <a:defRPr/>
+            </a:pPr>
+            <a:fld id="{3DB7C113-B292-4711-9FA5-4E4B2395B52F}" type="slidenum">
+              <a:rPr lang="zh-TW" altLang="en-US" smtClean="0"/>
+              <a:pPr>
+                <a:defRPr/>
+              </a:pPr>
+              <a:t>11</a:t>
             </a:fld>
             <a:endParaRPr lang="zh-TW" altLang="en-US"/>
           </a:p>
@@ -5898,7 +6010,7 @@
 </p:sld>
 </file>
 
-<file path=ppt/slides/slide11.xml><?xml version="1.0" encoding="utf-8"?>
+<file path=ppt/slides/slide12.xml><?xml version="1.0" encoding="utf-8"?>
 <p:sld xmlns:a="http://schemas.openxmlformats.org/drawingml/2006/main" xmlns:r="http://schemas.openxmlformats.org/officeDocument/2006/relationships" xmlns:p="http://schemas.openxmlformats.org/presentationml/2006/main">
   <p:cSld>
     <p:spTree>
@@ -5938,7 +6050,7 @@
               <a:pPr>
                 <a:defRPr/>
               </a:pPr>
-              <a:t>11</a:t>
+              <a:t>12</a:t>
             </a:fld>
             <a:endParaRPr lang="zh-TW" altLang="en-US"/>
           </a:p>
@@ -6024,7 +6136,7 @@
 </p:sld>
 </file>
 
-<file path=ppt/slides/slide12.xml><?xml version="1.0" encoding="utf-8"?>
+<file path=ppt/slides/slide13.xml><?xml version="1.0" encoding="utf-8"?>
 <p:sld xmlns:a="http://schemas.openxmlformats.org/drawingml/2006/main" xmlns:r="http://schemas.openxmlformats.org/officeDocument/2006/relationships" xmlns:p="http://schemas.openxmlformats.org/presentationml/2006/main">
   <p:cSld>
     <p:spTree>
@@ -6064,7 +6176,7 @@
               <a:pPr>
                 <a:defRPr/>
               </a:pPr>
-              <a:t>12</a:t>
+              <a:t>13</a:t>
             </a:fld>
             <a:endParaRPr lang="zh-TW" altLang="en-US"/>
           </a:p>
@@ -6114,7 +6226,7 @@
 </p:sld>
 </file>
 
-<file path=ppt/slides/slide13.xml><?xml version="1.0" encoding="utf-8"?>
+<file path=ppt/slides/slide14.xml><?xml version="1.0" encoding="utf-8"?>
 <p:sld xmlns:a="http://schemas.openxmlformats.org/drawingml/2006/main" xmlns:r="http://schemas.openxmlformats.org/officeDocument/2006/relationships" xmlns:p="http://schemas.openxmlformats.org/presentationml/2006/main">
   <p:cSld>
     <p:spTree>
@@ -6210,7 +6322,7 @@
               <a:pPr>
                 <a:defRPr/>
               </a:pPr>
-              <a:t>13</a:t>
+              <a:t>14</a:t>
             </a:fld>
             <a:endParaRPr lang="zh-TW" altLang="en-US"/>
           </a:p>
@@ -6260,7 +6372,7 @@
 </p:sld>
 </file>
 
-<file path=ppt/slides/slide14.xml><?xml version="1.0" encoding="utf-8"?>
+<file path=ppt/slides/slide15.xml><?xml version="1.0" encoding="utf-8"?>
 <p:sld xmlns:a="http://schemas.openxmlformats.org/drawingml/2006/main" xmlns:r="http://schemas.openxmlformats.org/officeDocument/2006/relationships" xmlns:p="http://schemas.openxmlformats.org/presentationml/2006/main">
   <p:cSld>
     <p:spTree>
@@ -6326,7 +6438,7 @@
               <a:pPr>
                 <a:defRPr/>
               </a:pPr>
-              <a:t>14</a:t>
+              <a:t>15</a:t>
             </a:fld>
             <a:endParaRPr lang="zh-TW" altLang="en-US"/>
           </a:p>
@@ -6352,7 +6464,7 @@
 </p:sld>
 </file>
 
-<file path=ppt/slides/slide15.xml><?xml version="1.0" encoding="utf-8"?>
+<file path=ppt/slides/slide16.xml><?xml version="1.0" encoding="utf-8"?>
 <p:sld xmlns:a="http://schemas.openxmlformats.org/drawingml/2006/main" xmlns:r="http://schemas.openxmlformats.org/officeDocument/2006/relationships" xmlns:p="http://schemas.openxmlformats.org/presentationml/2006/main">
   <p:cSld>
     <p:spTree>
@@ -6448,7 +6560,7 @@
               <a:pPr>
                 <a:defRPr/>
               </a:pPr>
-              <a:t>15</a:t>
+              <a:t>16</a:t>
             </a:fld>
             <a:endParaRPr lang="zh-TW" altLang="en-US"/>
           </a:p>
@@ -6498,7 +6610,7 @@
 </p:sld>
 </file>
 
-<file path=ppt/slides/slide16.xml><?xml version="1.0" encoding="utf-8"?>
+<file path=ppt/slides/slide17.xml><?xml version="1.0" encoding="utf-8"?>
 <p:sld xmlns:a="http://schemas.openxmlformats.org/drawingml/2006/main" xmlns:r="http://schemas.openxmlformats.org/officeDocument/2006/relationships" xmlns:p="http://schemas.openxmlformats.org/presentationml/2006/main">
   <p:cSld>
     <p:spTree>
@@ -6587,7 +6699,7 @@
               <a:pPr>
                 <a:defRPr/>
               </a:pPr>
-              <a:t>16</a:t>
+              <a:t>17</a:t>
             </a:fld>
             <a:endParaRPr lang="zh-TW" altLang="en-US"/>
           </a:p>
@@ -6637,7 +6749,7 @@
 </p:sld>
 </file>
 
-<file path=ppt/slides/slide17.xml><?xml version="1.0" encoding="utf-8"?>
+<file path=ppt/slides/slide18.xml><?xml version="1.0" encoding="utf-8"?>
 <p:sld xmlns:a="http://schemas.openxmlformats.org/drawingml/2006/main" xmlns:r="http://schemas.openxmlformats.org/officeDocument/2006/relationships" xmlns:p="http://schemas.openxmlformats.org/presentationml/2006/main">
   <p:cSld>
     <p:spTree>
@@ -6727,7 +6839,7 @@
               <a:pPr>
                 <a:defRPr/>
               </a:pPr>
-              <a:t>17</a:t>
+              <a:t>18</a:t>
             </a:fld>
             <a:endParaRPr lang="zh-TW" altLang="en-US"/>
           </a:p>
@@ -6777,7 +6889,7 @@
 </p:sld>
 </file>
 
-<file path=ppt/slides/slide18.xml><?xml version="1.0" encoding="utf-8"?>
+<file path=ppt/slides/slide19.xml><?xml version="1.0" encoding="utf-8"?>
 <p:sld xmlns:a="http://schemas.openxmlformats.org/drawingml/2006/main" xmlns:r="http://schemas.openxmlformats.org/officeDocument/2006/relationships" xmlns:p="http://schemas.openxmlformats.org/presentationml/2006/main">
   <p:cSld>
     <p:spTree>
@@ -6879,7 +6991,7 @@
               <a:pPr>
                 <a:defRPr/>
               </a:pPr>
-              <a:t>18</a:t>
+              <a:t>19</a:t>
             </a:fld>
             <a:endParaRPr lang="zh-TW" altLang="en-US"/>
           </a:p>
@@ -6928,7 +7040,7 @@
 </p:sld>
 </file>
 
-<file path=ppt/slides/slide19.xml><?xml version="1.0" encoding="utf-8"?>
+<file path=ppt/slides/slide2.xml><?xml version="1.0" encoding="utf-8"?>
 <p:sld xmlns:a="http://schemas.openxmlformats.org/drawingml/2006/main" xmlns:r="http://schemas.openxmlformats.org/officeDocument/2006/relationships" xmlns:p="http://schemas.openxmlformats.org/presentationml/2006/main">
   <p:cSld>
     <p:spTree>
@@ -6960,7 +7072,11 @@
           <a:bodyPr/>
           <a:lstStyle/>
           <a:p>
-            <a:endParaRPr lang="zh-TW" altLang="en-US"/>
+            <a:r>
+              <a:rPr lang="zh-TW" altLang="en-US" dirty="0" smtClean="0"/>
+              <a:t>大綱</a:t>
+            </a:r>
+            <a:endParaRPr lang="zh-TW" altLang="en-US" dirty="0"/>
           </a:p>
         </p:txBody>
       </p:sp>
@@ -6979,18 +7095,99 @@
           <a:bodyPr/>
           <a:lstStyle/>
           <a:p>
-            <a:r>
-              <a:rPr lang="en-US" altLang="zh-TW" sz="2000" dirty="0" smtClean="0"/>
-              <a:t>2.</a:t>
-            </a:r>
-            <a:r>
-              <a:rPr lang="zh-TW" altLang="en-US" sz="2000" dirty="0" smtClean="0"/>
-              <a:t>觸發</a:t>
-            </a:r>
-            <a:r>
-              <a:rPr lang="en-US" altLang="zh-TW" sz="2000" dirty="0" smtClean="0"/>
-              <a:t>Jenkins</a:t>
-            </a:r>
+            <a:pPr eaLnBrk="1" hangingPunct="1">
+              <a:buFont typeface="Arial" charset="0"/>
+              <a:buChar char="•"/>
+              <a:defRPr/>
+            </a:pPr>
+            <a:r>
+              <a:rPr lang="zh-TW" altLang="en-US" dirty="0">
+                <a:latin typeface="標楷體" pitchFamily="65" charset="-120"/>
+              </a:rPr>
+              <a:t>研究背景與動機</a:t>
+            </a:r>
+            <a:endParaRPr lang="en-US" altLang="zh-TW" dirty="0">
+              <a:latin typeface="標楷體" pitchFamily="65" charset="-120"/>
+            </a:endParaRPr>
+          </a:p>
+          <a:p>
+            <a:pPr eaLnBrk="1" hangingPunct="1">
+              <a:buFont typeface="Arial" charset="0"/>
+              <a:buChar char="•"/>
+              <a:defRPr/>
+            </a:pPr>
+            <a:r>
+              <a:rPr lang="zh-TW" altLang="en-US" dirty="0">
+                <a:latin typeface="標楷體" pitchFamily="65" charset="-120"/>
+              </a:rPr>
+              <a:t>研究目標</a:t>
+            </a:r>
+            <a:endParaRPr lang="en-US" altLang="zh-TW" dirty="0">
+              <a:latin typeface="標楷體" pitchFamily="65" charset="-120"/>
+            </a:endParaRPr>
+          </a:p>
+          <a:p>
+            <a:pPr eaLnBrk="1" hangingPunct="1">
+              <a:buFont typeface="Arial" charset="0"/>
+              <a:buChar char="•"/>
+              <a:defRPr/>
+            </a:pPr>
+            <a:r>
+              <a:rPr lang="zh-TW" altLang="en-US" dirty="0">
+                <a:latin typeface="標楷體" pitchFamily="65" charset="-120"/>
+              </a:rPr>
+              <a:t>背景知識</a:t>
+            </a:r>
+            <a:endParaRPr lang="en-US" altLang="zh-TW" dirty="0">
+              <a:latin typeface="標楷體" pitchFamily="65" charset="-120"/>
+            </a:endParaRPr>
+          </a:p>
+          <a:p>
+            <a:pPr eaLnBrk="1" hangingPunct="1">
+              <a:buFont typeface="Arial" charset="0"/>
+              <a:buChar char="•"/>
+              <a:defRPr/>
+            </a:pPr>
+            <a:r>
+              <a:rPr lang="zh-TW" altLang="en-US" dirty="0" smtClean="0">
+                <a:latin typeface="標楷體" pitchFamily="65" charset="-120"/>
+              </a:rPr>
+              <a:t>自動化部署方法</a:t>
+            </a:r>
+            <a:endParaRPr lang="zh-TW" altLang="en-US" dirty="0">
+              <a:latin typeface="標楷體" pitchFamily="65" charset="-120"/>
+            </a:endParaRPr>
+          </a:p>
+          <a:p>
+            <a:pPr eaLnBrk="1" hangingPunct="1">
+              <a:buFont typeface="Arial" charset="0"/>
+              <a:buChar char="•"/>
+              <a:defRPr/>
+            </a:pPr>
+            <a:r>
+              <a:rPr lang="zh-TW" altLang="en-US" dirty="0">
+                <a:latin typeface="標楷體" pitchFamily="65" charset="-120"/>
+              </a:rPr>
+              <a:t>案例實作</a:t>
+            </a:r>
+            <a:endParaRPr lang="en-US" altLang="zh-TW" dirty="0">
+              <a:latin typeface="標楷體" pitchFamily="65" charset="-120"/>
+            </a:endParaRPr>
+          </a:p>
+          <a:p>
+            <a:pPr eaLnBrk="1" hangingPunct="1">
+              <a:buFont typeface="Arial" charset="0"/>
+              <a:buChar char="•"/>
+              <a:defRPr/>
+            </a:pPr>
+            <a:r>
+              <a:rPr lang="zh-TW" altLang="en-US" dirty="0">
+                <a:latin typeface="標楷體" pitchFamily="65" charset="-120"/>
+              </a:rPr>
+              <a:t>結論與未來展望</a:t>
+            </a:r>
+          </a:p>
+          <a:p>
             <a:endParaRPr lang="zh-TW" altLang="en-US" sz="2000" dirty="0"/>
           </a:p>
         </p:txBody>
@@ -7018,7 +7215,123 @@
               <a:pPr>
                 <a:defRPr/>
               </a:pPr>
-              <a:t>19</a:t>
+              <a:t>2</a:t>
+            </a:fld>
+            <a:endParaRPr lang="zh-TW" altLang="en-US"/>
+          </a:p>
+        </p:txBody>
+      </p:sp>
+    </p:spTree>
+    <p:extLst>
+      <p:ext uri="{BB962C8B-B14F-4D97-AF65-F5344CB8AC3E}">
+        <p14:creationId xmlns:p14="http://schemas.microsoft.com/office/powerpoint/2010/main" val="4211622135"/>
+      </p:ext>
+    </p:extLst>
+  </p:cSld>
+  <p:clrMapOvr>
+    <a:masterClrMapping/>
+  </p:clrMapOvr>
+  <p:timing>
+    <p:tnLst>
+      <p:par>
+        <p:cTn id="1" dur="indefinite" restart="never" nodeType="tmRoot"/>
+      </p:par>
+    </p:tnLst>
+  </p:timing>
+</p:sld>
+</file>
+
+<file path=ppt/slides/slide20.xml><?xml version="1.0" encoding="utf-8"?>
+<p:sld xmlns:a="http://schemas.openxmlformats.org/drawingml/2006/main" xmlns:r="http://schemas.openxmlformats.org/officeDocument/2006/relationships" xmlns:p="http://schemas.openxmlformats.org/presentationml/2006/main">
+  <p:cSld>
+    <p:spTree>
+      <p:nvGrpSpPr>
+        <p:cNvPr id="1" name=""/>
+        <p:cNvGrpSpPr/>
+        <p:nvPr/>
+      </p:nvGrpSpPr>
+      <p:grpSpPr>
+        <a:xfrm>
+          <a:off x="0" y="0"/>
+          <a:ext cx="0" cy="0"/>
+          <a:chOff x="0" y="0"/>
+          <a:chExt cx="0" cy="0"/>
+        </a:xfrm>
+      </p:grpSpPr>
+      <p:sp>
+        <p:nvSpPr>
+          <p:cNvPr id="2" name="標題 1"/>
+          <p:cNvSpPr>
+            <a:spLocks noGrp="1"/>
+          </p:cNvSpPr>
+          <p:nvPr>
+            <p:ph type="title"/>
+          </p:nvPr>
+        </p:nvSpPr>
+        <p:spPr/>
+        <p:txBody>
+          <a:bodyPr/>
+          <a:lstStyle/>
+          <a:p>
+            <a:endParaRPr lang="zh-TW" altLang="en-US"/>
+          </a:p>
+        </p:txBody>
+      </p:sp>
+      <p:sp>
+        <p:nvSpPr>
+          <p:cNvPr id="3" name="內容版面配置區 2"/>
+          <p:cNvSpPr>
+            <a:spLocks noGrp="1"/>
+          </p:cNvSpPr>
+          <p:nvPr>
+            <p:ph idx="1"/>
+          </p:nvPr>
+        </p:nvSpPr>
+        <p:spPr/>
+        <p:txBody>
+          <a:bodyPr/>
+          <a:lstStyle/>
+          <a:p>
+            <a:r>
+              <a:rPr lang="en-US" altLang="zh-TW" sz="2000" dirty="0" smtClean="0"/>
+              <a:t>2.</a:t>
+            </a:r>
+            <a:r>
+              <a:rPr lang="zh-TW" altLang="en-US" sz="2000" dirty="0" smtClean="0"/>
+              <a:t>觸發</a:t>
+            </a:r>
+            <a:r>
+              <a:rPr lang="en-US" altLang="zh-TW" sz="2000" dirty="0" smtClean="0"/>
+              <a:t>Jenkins</a:t>
+            </a:r>
+            <a:endParaRPr lang="zh-TW" altLang="en-US" sz="2000" dirty="0"/>
+          </a:p>
+        </p:txBody>
+      </p:sp>
+      <p:sp>
+        <p:nvSpPr>
+          <p:cNvPr id="4" name="投影片編號版面配置區 3"/>
+          <p:cNvSpPr>
+            <a:spLocks noGrp="1"/>
+          </p:cNvSpPr>
+          <p:nvPr>
+            <p:ph type="sldNum" sz="quarter" idx="12"/>
+          </p:nvPr>
+        </p:nvSpPr>
+        <p:spPr/>
+        <p:txBody>
+          <a:bodyPr/>
+          <a:lstStyle/>
+          <a:p>
+            <a:pPr>
+              <a:defRPr/>
+            </a:pPr>
+            <a:fld id="{3DB7C113-B292-4711-9FA5-4E4B2395B52F}" type="slidenum">
+              <a:rPr lang="zh-TW" altLang="en-US" smtClean="0"/>
+              <a:pPr>
+                <a:defRPr/>
+              </a:pPr>
+              <a:t>20</a:t>
             </a:fld>
             <a:endParaRPr lang="zh-TW" altLang="en-US"/>
           </a:p>
@@ -7061,7 +7374,7 @@
 </p:sld>
 </file>
 
-<file path=ppt/slides/slide2.xml><?xml version="1.0" encoding="utf-8"?>
+<file path=ppt/slides/slide21.xml><?xml version="1.0" encoding="utf-8"?>
 <p:sld xmlns:a="http://schemas.openxmlformats.org/drawingml/2006/main" xmlns:r="http://schemas.openxmlformats.org/officeDocument/2006/relationships" xmlns:p="http://schemas.openxmlformats.org/presentationml/2006/main">
   <p:cSld>
     <p:spTree>
@@ -7093,11 +7406,7 @@
           <a:bodyPr/>
           <a:lstStyle/>
           <a:p>
-            <a:r>
-              <a:rPr lang="zh-TW" altLang="en-US" dirty="0" smtClean="0"/>
-              <a:t>大綱</a:t>
-            </a:r>
-            <a:endParaRPr lang="zh-TW" altLang="en-US" dirty="0"/>
+            <a:endParaRPr lang="zh-TW" altLang="en-US"/>
           </a:p>
         </p:txBody>
       </p:sp>
@@ -7116,99 +7425,26 @@
           <a:bodyPr/>
           <a:lstStyle/>
           <a:p>
-            <a:pPr eaLnBrk="1" hangingPunct="1">
-              <a:buFont typeface="Arial" charset="0"/>
-              <a:buChar char="•"/>
-              <a:defRPr/>
-            </a:pPr>
-            <a:r>
-              <a:rPr lang="zh-TW" altLang="en-US" dirty="0">
-                <a:latin typeface="標楷體" pitchFamily="65" charset="-120"/>
-              </a:rPr>
-              <a:t>研究背景與動機</a:t>
-            </a:r>
-            <a:endParaRPr lang="en-US" altLang="zh-TW" dirty="0">
-              <a:latin typeface="標楷體" pitchFamily="65" charset="-120"/>
-            </a:endParaRPr>
-          </a:p>
-          <a:p>
-            <a:pPr eaLnBrk="1" hangingPunct="1">
-              <a:buFont typeface="Arial" charset="0"/>
-              <a:buChar char="•"/>
-              <a:defRPr/>
-            </a:pPr>
-            <a:r>
-              <a:rPr lang="zh-TW" altLang="en-US" dirty="0">
-                <a:latin typeface="標楷體" pitchFamily="65" charset="-120"/>
-              </a:rPr>
-              <a:t>研究目標</a:t>
-            </a:r>
-            <a:endParaRPr lang="en-US" altLang="zh-TW" dirty="0">
-              <a:latin typeface="標楷體" pitchFamily="65" charset="-120"/>
-            </a:endParaRPr>
-          </a:p>
-          <a:p>
-            <a:pPr eaLnBrk="1" hangingPunct="1">
-              <a:buFont typeface="Arial" charset="0"/>
-              <a:buChar char="•"/>
-              <a:defRPr/>
-            </a:pPr>
-            <a:r>
-              <a:rPr lang="zh-TW" altLang="en-US" dirty="0">
-                <a:latin typeface="標楷體" pitchFamily="65" charset="-120"/>
-              </a:rPr>
-              <a:t>背景知識</a:t>
-            </a:r>
-            <a:endParaRPr lang="en-US" altLang="zh-TW" dirty="0">
-              <a:latin typeface="標楷體" pitchFamily="65" charset="-120"/>
-            </a:endParaRPr>
-          </a:p>
-          <a:p>
-            <a:pPr eaLnBrk="1" hangingPunct="1">
-              <a:buFont typeface="Arial" charset="0"/>
-              <a:buChar char="•"/>
-              <a:defRPr/>
-            </a:pPr>
-            <a:r>
-              <a:rPr lang="zh-TW" altLang="en-US" dirty="0" smtClean="0">
-                <a:latin typeface="標楷體" pitchFamily="65" charset="-120"/>
-              </a:rPr>
-              <a:t>自動化部署方法</a:t>
-            </a:r>
-            <a:endParaRPr lang="zh-TW" altLang="en-US" dirty="0">
-              <a:latin typeface="標楷體" pitchFamily="65" charset="-120"/>
-            </a:endParaRPr>
-          </a:p>
-          <a:p>
-            <a:pPr eaLnBrk="1" hangingPunct="1">
-              <a:buFont typeface="Arial" charset="0"/>
-              <a:buChar char="•"/>
-              <a:defRPr/>
-            </a:pPr>
-            <a:r>
-              <a:rPr lang="zh-TW" altLang="en-US" dirty="0">
-                <a:latin typeface="標楷體" pitchFamily="65" charset="-120"/>
-              </a:rPr>
-              <a:t>案例實作</a:t>
-            </a:r>
-            <a:endParaRPr lang="en-US" altLang="zh-TW" dirty="0">
-              <a:latin typeface="標楷體" pitchFamily="65" charset="-120"/>
-            </a:endParaRPr>
-          </a:p>
-          <a:p>
-            <a:pPr eaLnBrk="1" hangingPunct="1">
-              <a:buFont typeface="Arial" charset="0"/>
-              <a:buChar char="•"/>
-              <a:defRPr/>
-            </a:pPr>
-            <a:r>
-              <a:rPr lang="zh-TW" altLang="en-US" dirty="0">
-                <a:latin typeface="標楷體" pitchFamily="65" charset="-120"/>
-              </a:rPr>
-              <a:t>結論與未來展望</a:t>
-            </a:r>
-          </a:p>
-          <a:p>
+            <a:r>
+              <a:rPr lang="en-US" altLang="zh-TW" sz="2000" dirty="0" smtClean="0"/>
+              <a:t>3.Unit Test -&gt; Build jar file -&gt; </a:t>
+            </a:r>
+            <a:r>
+              <a:rPr lang="en-US" altLang="zh-TW" sz="2000" dirty="0" err="1" smtClean="0"/>
+              <a:t>docker</a:t>
+            </a:r>
+            <a:r>
+              <a:rPr lang="en-US" altLang="zh-TW" sz="2000" dirty="0" smtClean="0"/>
+              <a:t> create image -&gt; </a:t>
+            </a:r>
+            <a:r>
+              <a:rPr lang="zh-TW" altLang="en-US" sz="2000" dirty="0" smtClean="0"/>
+              <a:t>自動啟動</a:t>
+            </a:r>
+            <a:r>
+              <a:rPr lang="en-US" altLang="zh-TW" sz="2000" dirty="0" smtClean="0"/>
+              <a:t>Service</a:t>
+            </a:r>
             <a:endParaRPr lang="zh-TW" altLang="en-US" sz="2000" dirty="0"/>
           </a:p>
         </p:txBody>
@@ -7236,131 +7472,7 @@
               <a:pPr>
                 <a:defRPr/>
               </a:pPr>
-              <a:t>2</a:t>
-            </a:fld>
-            <a:endParaRPr lang="zh-TW" altLang="en-US"/>
-          </a:p>
-        </p:txBody>
-      </p:sp>
-    </p:spTree>
-    <p:extLst>
-      <p:ext uri="{BB962C8B-B14F-4D97-AF65-F5344CB8AC3E}">
-        <p14:creationId xmlns:p14="http://schemas.microsoft.com/office/powerpoint/2010/main" val="4211622135"/>
-      </p:ext>
-    </p:extLst>
-  </p:cSld>
-  <p:clrMapOvr>
-    <a:masterClrMapping/>
-  </p:clrMapOvr>
-  <p:timing>
-    <p:tnLst>
-      <p:par>
-        <p:cTn id="1" dur="indefinite" restart="never" nodeType="tmRoot"/>
-      </p:par>
-    </p:tnLst>
-  </p:timing>
-</p:sld>
-</file>
-
-<file path=ppt/slides/slide20.xml><?xml version="1.0" encoding="utf-8"?>
-<p:sld xmlns:a="http://schemas.openxmlformats.org/drawingml/2006/main" xmlns:r="http://schemas.openxmlformats.org/officeDocument/2006/relationships" xmlns:p="http://schemas.openxmlformats.org/presentationml/2006/main">
-  <p:cSld>
-    <p:spTree>
-      <p:nvGrpSpPr>
-        <p:cNvPr id="1" name=""/>
-        <p:cNvGrpSpPr/>
-        <p:nvPr/>
-      </p:nvGrpSpPr>
-      <p:grpSpPr>
-        <a:xfrm>
-          <a:off x="0" y="0"/>
-          <a:ext cx="0" cy="0"/>
-          <a:chOff x="0" y="0"/>
-          <a:chExt cx="0" cy="0"/>
-        </a:xfrm>
-      </p:grpSpPr>
-      <p:sp>
-        <p:nvSpPr>
-          <p:cNvPr id="2" name="標題 1"/>
-          <p:cNvSpPr>
-            <a:spLocks noGrp="1"/>
-          </p:cNvSpPr>
-          <p:nvPr>
-            <p:ph type="title"/>
-          </p:nvPr>
-        </p:nvSpPr>
-        <p:spPr/>
-        <p:txBody>
-          <a:bodyPr/>
-          <a:lstStyle/>
-          <a:p>
-            <a:endParaRPr lang="zh-TW" altLang="en-US"/>
-          </a:p>
-        </p:txBody>
-      </p:sp>
-      <p:sp>
-        <p:nvSpPr>
-          <p:cNvPr id="3" name="內容版面配置區 2"/>
-          <p:cNvSpPr>
-            <a:spLocks noGrp="1"/>
-          </p:cNvSpPr>
-          <p:nvPr>
-            <p:ph idx="1"/>
-          </p:nvPr>
-        </p:nvSpPr>
-        <p:spPr/>
-        <p:txBody>
-          <a:bodyPr/>
-          <a:lstStyle/>
-          <a:p>
-            <a:r>
-              <a:rPr lang="en-US" altLang="zh-TW" sz="2000" dirty="0" smtClean="0"/>
-              <a:t>3.Unit Test -&gt; Build jar file -&gt; </a:t>
-            </a:r>
-            <a:r>
-              <a:rPr lang="en-US" altLang="zh-TW" sz="2000" dirty="0" err="1" smtClean="0"/>
-              <a:t>docker</a:t>
-            </a:r>
-            <a:r>
-              <a:rPr lang="en-US" altLang="zh-TW" sz="2000" dirty="0" smtClean="0"/>
-              <a:t> create image -&gt; </a:t>
-            </a:r>
-            <a:r>
-              <a:rPr lang="zh-TW" altLang="en-US" sz="2000" dirty="0" smtClean="0"/>
-              <a:t>自動啟動</a:t>
-            </a:r>
-            <a:r>
-              <a:rPr lang="en-US" altLang="zh-TW" sz="2000" dirty="0" smtClean="0"/>
-              <a:t>Service</a:t>
-            </a:r>
-            <a:endParaRPr lang="zh-TW" altLang="en-US" sz="2000" dirty="0"/>
-          </a:p>
-        </p:txBody>
-      </p:sp>
-      <p:sp>
-        <p:nvSpPr>
-          <p:cNvPr id="4" name="投影片編號版面配置區 3"/>
-          <p:cNvSpPr>
-            <a:spLocks noGrp="1"/>
-          </p:cNvSpPr>
-          <p:nvPr>
-            <p:ph type="sldNum" sz="quarter" idx="12"/>
-          </p:nvPr>
-        </p:nvSpPr>
-        <p:spPr/>
-        <p:txBody>
-          <a:bodyPr/>
-          <a:lstStyle/>
-          <a:p>
-            <a:pPr>
-              <a:defRPr/>
-            </a:pPr>
-            <a:fld id="{3DB7C113-B292-4711-9FA5-4E4B2395B52F}" type="slidenum">
-              <a:rPr lang="zh-TW" altLang="en-US" smtClean="0"/>
-              <a:pPr>
-                <a:defRPr/>
-              </a:pPr>
-              <a:t>20</a:t>
+              <a:t>21</a:t>
             </a:fld>
             <a:endParaRPr lang="zh-TW" altLang="en-US"/>
           </a:p>
@@ -7403,7 +7515,7 @@
 </p:sld>
 </file>
 
-<file path=ppt/slides/slide21.xml><?xml version="1.0" encoding="utf-8"?>
+<file path=ppt/slides/slide22.xml><?xml version="1.0" encoding="utf-8"?>
 <p:sld xmlns:a="http://schemas.openxmlformats.org/drawingml/2006/main" xmlns:r="http://schemas.openxmlformats.org/officeDocument/2006/relationships" xmlns:p="http://schemas.openxmlformats.org/presentationml/2006/main">
   <p:cSld>
     <p:spTree>
@@ -7650,7 +7762,7 @@
               <a:pPr>
                 <a:defRPr/>
               </a:pPr>
-              <a:t>21</a:t>
+              <a:t>22</a:t>
             </a:fld>
             <a:endParaRPr lang="zh-TW" altLang="en-US"/>
           </a:p>
@@ -7717,7 +7829,7 @@
 </p:sld>
 </file>
 
-<file path=ppt/slides/slide22.xml><?xml version="1.0" encoding="utf-8"?>
+<file path=ppt/slides/slide23.xml><?xml version="1.0" encoding="utf-8"?>
 <p:sld xmlns:a="http://schemas.openxmlformats.org/drawingml/2006/main" xmlns:r="http://schemas.openxmlformats.org/officeDocument/2006/relationships" xmlns:p="http://schemas.openxmlformats.org/presentationml/2006/main">
   <p:cSld>
     <p:spTree>
@@ -7780,7 +7892,7 @@
               <a:pPr>
                 <a:defRPr/>
               </a:pPr>
-              <a:t>22</a:t>
+              <a:t>23</a:t>
             </a:fld>
             <a:endParaRPr lang="zh-TW" altLang="en-US"/>
           </a:p>
@@ -8030,7 +8142,7 @@
 </p:sld>
 </file>
 
-<file path=ppt/slides/slide23.xml><?xml version="1.0" encoding="utf-8"?>
+<file path=ppt/slides/slide24.xml><?xml version="1.0" encoding="utf-8"?>
 <p:sld xmlns:a="http://schemas.openxmlformats.org/drawingml/2006/main" xmlns:r="http://schemas.openxmlformats.org/officeDocument/2006/relationships" xmlns:p="http://schemas.openxmlformats.org/presentationml/2006/main">
   <p:cSld>
     <p:spTree>
@@ -8098,7 +8210,7 @@
               <a:pPr>
                 <a:defRPr/>
               </a:pPr>
-              <a:t>23</a:t>
+              <a:t>24</a:t>
             </a:fld>
             <a:endParaRPr lang="zh-TW" altLang="en-US"/>
           </a:p>
@@ -8484,7 +8596,7 @@
 </p:sld>
 </file>
 
-<file path=ppt/slides/slide24.xml><?xml version="1.0" encoding="utf-8"?>
+<file path=ppt/slides/slide25.xml><?xml version="1.0" encoding="utf-8"?>
 <p:sld xmlns:a="http://schemas.openxmlformats.org/drawingml/2006/main" xmlns:r="http://schemas.openxmlformats.org/officeDocument/2006/relationships" xmlns:p="http://schemas.openxmlformats.org/presentationml/2006/main">
   <p:cSld>
     <p:spTree>
@@ -8547,7 +8659,7 @@
               <a:pPr>
                 <a:defRPr/>
               </a:pPr>
-              <a:t>24</a:t>
+              <a:t>25</a:t>
             </a:fld>
             <a:endParaRPr lang="zh-TW" altLang="en-US"/>
           </a:p>
@@ -8602,7 +8714,7 @@
 </p:sld>
 </file>
 
-<file path=ppt/slides/slide25.xml><?xml version="1.0" encoding="utf-8"?>
+<file path=ppt/slides/slide26.xml><?xml version="1.0" encoding="utf-8"?>
 <p:sld xmlns:a="http://schemas.openxmlformats.org/drawingml/2006/main" xmlns:r="http://schemas.openxmlformats.org/officeDocument/2006/relationships" xmlns:p="http://schemas.openxmlformats.org/presentationml/2006/main">
   <p:cSld>
     <p:spTree>
@@ -8981,7 +9093,7 @@
               <a:pPr>
                 <a:defRPr/>
               </a:pPr>
-              <a:t>25</a:t>
+              <a:t>26</a:t>
             </a:fld>
             <a:endParaRPr lang="zh-TW" altLang="en-US"/>
           </a:p>
@@ -9007,7 +9119,7 @@
 </p:sld>
 </file>
 
-<file path=ppt/slides/slide26.xml><?xml version="1.0" encoding="utf-8"?>
+<file path=ppt/slides/slide27.xml><?xml version="1.0" encoding="utf-8"?>
 <p:sld xmlns:a="http://schemas.openxmlformats.org/drawingml/2006/main" xmlns:r="http://schemas.openxmlformats.org/officeDocument/2006/relationships" xmlns:p="http://schemas.openxmlformats.org/presentationml/2006/main">
   <p:cSld>
     <p:spTree>
@@ -9426,7 +9538,7 @@
               <a:pPr>
                 <a:defRPr/>
               </a:pPr>
-              <a:t>26</a:t>
+              <a:t>27</a:t>
             </a:fld>
             <a:endParaRPr lang="zh-TW" altLang="en-US"/>
           </a:p>
@@ -9460,7 +9572,7 @@
 </p:sld>
 </file>
 
-<file path=ppt/slides/slide27.xml><?xml version="1.0" encoding="utf-8"?>
+<file path=ppt/slides/slide28.xml><?xml version="1.0" encoding="utf-8"?>
 <p:sld xmlns:a="http://schemas.openxmlformats.org/drawingml/2006/main" xmlns:r="http://schemas.openxmlformats.org/officeDocument/2006/relationships" xmlns:p="http://schemas.openxmlformats.org/presentationml/2006/main">
   <p:cSld>
     <p:spTree>
@@ -9511,7 +9623,121 @@
           <a:bodyPr/>
           <a:lstStyle/>
           <a:p>
-            <a:endParaRPr lang="zh-TW" altLang="en-US"/>
+            <a:r>
+              <a:rPr lang="en-US" altLang="zh-TW" sz="2000" dirty="0" smtClean="0"/>
+              <a:t>1.</a:t>
+            </a:r>
+            <a:r>
+              <a:rPr lang="zh-TW" altLang="en-US" sz="2000" dirty="0" smtClean="0"/>
+              <a:t>使用</a:t>
+            </a:r>
+            <a:r>
+              <a:rPr lang="en-US" altLang="zh-TW" sz="2000" dirty="0" smtClean="0"/>
+              <a:t>Jenkins</a:t>
+            </a:r>
+            <a:r>
+              <a:rPr lang="zh-TW" altLang="en-US" sz="2000" dirty="0" smtClean="0"/>
+              <a:t>連結</a:t>
+            </a:r>
+            <a:r>
+              <a:rPr lang="en-US" altLang="zh-TW" sz="2000" dirty="0" err="1" smtClean="0"/>
+              <a:t>github</a:t>
+            </a:r>
+            <a:r>
+              <a:rPr lang="zh-TW" altLang="en-US" sz="2000" dirty="0" smtClean="0"/>
+              <a:t>專案，</a:t>
+            </a:r>
+            <a:r>
+              <a:rPr lang="zh-TW" altLang="en-US" sz="2000" dirty="0"/>
+              <a:t>自動跑專案的</a:t>
+            </a:r>
+            <a:r>
+              <a:rPr lang="en-US" altLang="zh-TW" sz="2000" dirty="0"/>
+              <a:t>UT</a:t>
+            </a:r>
+            <a:r>
+              <a:rPr lang="zh-TW" altLang="en-US" sz="2000" dirty="0" smtClean="0"/>
+              <a:t>，</a:t>
+            </a:r>
+            <a:endParaRPr lang="en-US" altLang="zh-TW" sz="2000" dirty="0" smtClean="0"/>
+          </a:p>
+          <a:p>
+            <a:endParaRPr lang="en-US" altLang="zh-TW" sz="2000" dirty="0"/>
+          </a:p>
+          <a:p>
+            <a:pPr marL="0" indent="0">
+              <a:buNone/>
+            </a:pPr>
+            <a:endParaRPr lang="en-US" altLang="zh-TW" sz="2000" dirty="0" smtClean="0"/>
+          </a:p>
+          <a:p>
+            <a:r>
+              <a:rPr lang="en-US" altLang="zh-TW" sz="2000" dirty="0" smtClean="0"/>
+              <a:t>2.</a:t>
+            </a:r>
+            <a:r>
+              <a:rPr lang="zh-TW" altLang="en-US" sz="2000" dirty="0" smtClean="0"/>
+              <a:t>使用</a:t>
+            </a:r>
+            <a:r>
+              <a:rPr lang="en-US" altLang="zh-TW" sz="2000" dirty="0" smtClean="0"/>
+              <a:t>Docker</a:t>
+            </a:r>
+            <a:r>
+              <a:rPr lang="zh-TW" altLang="en-US" sz="2000" dirty="0" smtClean="0"/>
+              <a:t>將服務產生的</a:t>
+            </a:r>
+            <a:r>
+              <a:rPr lang="en-US" altLang="zh-TW" sz="2000" dirty="0" smtClean="0"/>
+              <a:t>Jar</a:t>
+            </a:r>
+            <a:r>
+              <a:rPr lang="zh-TW" altLang="en-US" sz="2000" dirty="0" smtClean="0"/>
+              <a:t>包產生成</a:t>
+            </a:r>
+            <a:r>
+              <a:rPr lang="en-US" altLang="zh-TW" sz="2000" dirty="0"/>
+              <a:t>I</a:t>
+            </a:r>
+            <a:r>
+              <a:rPr lang="en-US" altLang="zh-TW" sz="2000" dirty="0" smtClean="0"/>
+              <a:t>mage</a:t>
+            </a:r>
+            <a:endParaRPr lang="en-US" altLang="zh-TW" sz="2000" dirty="0"/>
+          </a:p>
+          <a:p>
+            <a:endParaRPr lang="en-US" altLang="zh-TW" sz="2000" dirty="0" smtClean="0"/>
+          </a:p>
+          <a:p>
+            <a:endParaRPr lang="en-US" altLang="zh-TW" sz="2000" dirty="0" smtClean="0"/>
+          </a:p>
+          <a:p>
+            <a:r>
+              <a:rPr lang="en-US" altLang="zh-TW" sz="2000" dirty="0" smtClean="0"/>
+              <a:t>3.Jenkins</a:t>
+            </a:r>
+            <a:r>
+              <a:rPr lang="zh-TW" altLang="en-US" sz="2000" dirty="0" smtClean="0"/>
+              <a:t>自動啟動服務</a:t>
+            </a:r>
+            <a:endParaRPr lang="en-US" altLang="zh-TW" sz="2000" dirty="0"/>
+          </a:p>
+          <a:p>
+            <a:endParaRPr lang="en-US" altLang="zh-TW" sz="2000" dirty="0" smtClean="0"/>
+          </a:p>
+          <a:p>
+            <a:endParaRPr lang="en-US" altLang="zh-TW" sz="2000" dirty="0" smtClean="0"/>
+          </a:p>
+          <a:p>
+            <a:r>
+              <a:rPr lang="en-US" altLang="zh-TW" sz="2000" dirty="0" smtClean="0"/>
+              <a:t>4.</a:t>
+            </a:r>
+            <a:r>
+              <a:rPr lang="zh-TW" altLang="en-US" sz="2000" dirty="0" smtClean="0"/>
+              <a:t>撰寫驗收測試驗證服務已連上線</a:t>
+            </a:r>
+            <a:endParaRPr lang="zh-TW" altLang="en-US" sz="2000" dirty="0"/>
           </a:p>
         </p:txBody>
       </p:sp>
@@ -9538,7 +9764,7 @@
               <a:pPr>
                 <a:defRPr/>
               </a:pPr>
-              <a:t>27</a:t>
+              <a:t>28</a:t>
             </a:fld>
             <a:endParaRPr lang="zh-TW" altLang="en-US"/>
           </a:p>
@@ -9548,6 +9774,114 @@
     <p:extLst>
       <p:ext uri="{BB962C8B-B14F-4D97-AF65-F5344CB8AC3E}">
         <p14:creationId xmlns:p14="http://schemas.microsoft.com/office/powerpoint/2010/main" val="3611920576"/>
+      </p:ext>
+    </p:extLst>
+  </p:cSld>
+  <p:clrMapOvr>
+    <a:masterClrMapping/>
+  </p:clrMapOvr>
+</p:sld>
+</file>
+
+<file path=ppt/slides/slide29.xml><?xml version="1.0" encoding="utf-8"?>
+<p:sld xmlns:a="http://schemas.openxmlformats.org/drawingml/2006/main" xmlns:r="http://schemas.openxmlformats.org/officeDocument/2006/relationships" xmlns:p="http://schemas.openxmlformats.org/presentationml/2006/main">
+  <p:cSld>
+    <p:spTree>
+      <p:nvGrpSpPr>
+        <p:cNvPr id="1" name=""/>
+        <p:cNvGrpSpPr/>
+        <p:nvPr/>
+      </p:nvGrpSpPr>
+      <p:grpSpPr>
+        <a:xfrm>
+          <a:off x="0" y="0"/>
+          <a:ext cx="0" cy="0"/>
+          <a:chOff x="0" y="0"/>
+          <a:chExt cx="0" cy="0"/>
+        </a:xfrm>
+      </p:grpSpPr>
+      <p:sp>
+        <p:nvSpPr>
+          <p:cNvPr id="2" name="標題 1"/>
+          <p:cNvSpPr>
+            <a:spLocks noGrp="1"/>
+          </p:cNvSpPr>
+          <p:nvPr>
+            <p:ph type="title"/>
+          </p:nvPr>
+        </p:nvSpPr>
+        <p:spPr/>
+        <p:txBody>
+          <a:bodyPr/>
+          <a:lstStyle/>
+          <a:p>
+            <a:endParaRPr lang="zh-TW" altLang="en-US"/>
+          </a:p>
+        </p:txBody>
+      </p:sp>
+      <p:sp>
+        <p:nvSpPr>
+          <p:cNvPr id="4" name="投影片編號版面配置區 3"/>
+          <p:cNvSpPr>
+            <a:spLocks noGrp="1"/>
+          </p:cNvSpPr>
+          <p:nvPr>
+            <p:ph type="sldNum" sz="quarter" idx="12"/>
+          </p:nvPr>
+        </p:nvSpPr>
+        <p:spPr/>
+        <p:txBody>
+          <a:bodyPr/>
+          <a:lstStyle/>
+          <a:p>
+            <a:pPr>
+              <a:defRPr/>
+            </a:pPr>
+            <a:fld id="{3DB7C113-B292-4711-9FA5-4E4B2395B52F}" type="slidenum">
+              <a:rPr lang="zh-TW" altLang="en-US" smtClean="0"/>
+              <a:pPr>
+                <a:defRPr/>
+              </a:pPr>
+              <a:t>29</a:t>
+            </a:fld>
+            <a:endParaRPr lang="zh-TW" altLang="en-US"/>
+          </a:p>
+        </p:txBody>
+      </p:sp>
+      <p:pic>
+        <p:nvPicPr>
+          <p:cNvPr id="8" name="圖片 7"/>
+          <p:cNvPicPr>
+            <a:picLocks noChangeAspect="1"/>
+          </p:cNvPicPr>
+          <p:nvPr/>
+        </p:nvPicPr>
+        <p:blipFill>
+          <a:blip r:embed="rId2">
+            <a:extLst>
+              <a:ext uri="{28A0092B-C50C-407E-A947-70E740481C1C}">
+                <a14:useLocalDpi xmlns:a14="http://schemas.microsoft.com/office/drawing/2010/main" val="0"/>
+              </a:ext>
+            </a:extLst>
+          </a:blip>
+          <a:stretch>
+            <a:fillRect/>
+          </a:stretch>
+        </p:blipFill>
+        <p:spPr>
+          <a:xfrm>
+            <a:off x="1371600" y="1881187"/>
+            <a:ext cx="6400800" cy="3095625"/>
+          </a:xfrm>
+          <a:prstGeom prst="rect">
+            <a:avLst/>
+          </a:prstGeom>
+        </p:spPr>
+      </p:pic>
+    </p:spTree>
+    <p:extLst>
+      <p:ext uri="{BB962C8B-B14F-4D97-AF65-F5344CB8AC3E}">
+        <p14:creationId xmlns:p14="http://schemas.microsoft.com/office/powerpoint/2010/main" val="1846621955"/>
       </p:ext>
     </p:extLst>
   </p:cSld>
@@ -9792,6 +10126,983 @@
       </p:par>
     </p:tnLst>
   </p:timing>
+</p:sld>
+</file>
+
+<file path=ppt/slides/slide30.xml><?xml version="1.0" encoding="utf-8"?>
+<p:sld xmlns:a="http://schemas.openxmlformats.org/drawingml/2006/main" xmlns:r="http://schemas.openxmlformats.org/officeDocument/2006/relationships" xmlns:p="http://schemas.openxmlformats.org/presentationml/2006/main">
+  <p:cSld>
+    <p:spTree>
+      <p:nvGrpSpPr>
+        <p:cNvPr id="1" name=""/>
+        <p:cNvGrpSpPr/>
+        <p:nvPr/>
+      </p:nvGrpSpPr>
+      <p:grpSpPr>
+        <a:xfrm>
+          <a:off x="0" y="0"/>
+          <a:ext cx="0" cy="0"/>
+          <a:chOff x="0" y="0"/>
+          <a:chExt cx="0" cy="0"/>
+        </a:xfrm>
+      </p:grpSpPr>
+      <p:sp>
+        <p:nvSpPr>
+          <p:cNvPr id="2" name="標題 1"/>
+          <p:cNvSpPr>
+            <a:spLocks noGrp="1"/>
+          </p:cNvSpPr>
+          <p:nvPr>
+            <p:ph type="title"/>
+          </p:nvPr>
+        </p:nvSpPr>
+        <p:spPr/>
+        <p:txBody>
+          <a:bodyPr/>
+          <a:lstStyle/>
+          <a:p>
+            <a:endParaRPr lang="zh-TW" altLang="en-US"/>
+          </a:p>
+        </p:txBody>
+      </p:sp>
+      <p:pic>
+        <p:nvPicPr>
+          <p:cNvPr id="5" name="內容版面配置區 4"/>
+          <p:cNvPicPr>
+            <a:picLocks noGrp="1" noChangeAspect="1"/>
+          </p:cNvPicPr>
+          <p:nvPr>
+            <p:ph idx="1"/>
+          </p:nvPr>
+        </p:nvPicPr>
+        <p:blipFill>
+          <a:blip r:embed="rId2">
+            <a:extLst>
+              <a:ext uri="{28A0092B-C50C-407E-A947-70E740481C1C}">
+                <a14:useLocalDpi xmlns:a14="http://schemas.microsoft.com/office/drawing/2010/main" val="0"/>
+              </a:ext>
+            </a:extLst>
+          </a:blip>
+          <a:stretch>
+            <a:fillRect/>
+          </a:stretch>
+        </p:blipFill>
+        <p:spPr>
+          <a:xfrm>
+            <a:off x="1371153" y="1634020"/>
+            <a:ext cx="6401693" cy="4458322"/>
+          </a:xfrm>
+        </p:spPr>
+      </p:pic>
+      <p:sp>
+        <p:nvSpPr>
+          <p:cNvPr id="4" name="投影片編號版面配置區 3"/>
+          <p:cNvSpPr>
+            <a:spLocks noGrp="1"/>
+          </p:cNvSpPr>
+          <p:nvPr>
+            <p:ph type="sldNum" sz="quarter" idx="12"/>
+          </p:nvPr>
+        </p:nvSpPr>
+        <p:spPr/>
+        <p:txBody>
+          <a:bodyPr/>
+          <a:lstStyle/>
+          <a:p>
+            <a:pPr>
+              <a:defRPr/>
+            </a:pPr>
+            <a:fld id="{3DB7C113-B292-4711-9FA5-4E4B2395B52F}" type="slidenum">
+              <a:rPr lang="zh-TW" altLang="en-US" smtClean="0"/>
+              <a:pPr>
+                <a:defRPr/>
+              </a:pPr>
+              <a:t>30</a:t>
+            </a:fld>
+            <a:endParaRPr lang="zh-TW" altLang="en-US"/>
+          </a:p>
+        </p:txBody>
+      </p:sp>
+    </p:spTree>
+    <p:extLst>
+      <p:ext uri="{BB962C8B-B14F-4D97-AF65-F5344CB8AC3E}">
+        <p14:creationId xmlns:p14="http://schemas.microsoft.com/office/powerpoint/2010/main" val="2248061773"/>
+      </p:ext>
+    </p:extLst>
+  </p:cSld>
+  <p:clrMapOvr>
+    <a:masterClrMapping/>
+  </p:clrMapOvr>
+</p:sld>
+</file>
+
+<file path=ppt/slides/slide31.xml><?xml version="1.0" encoding="utf-8"?>
+<p:sld xmlns:a="http://schemas.openxmlformats.org/drawingml/2006/main" xmlns:r="http://schemas.openxmlformats.org/officeDocument/2006/relationships" xmlns:p="http://schemas.openxmlformats.org/presentationml/2006/main">
+  <p:cSld>
+    <p:spTree>
+      <p:nvGrpSpPr>
+        <p:cNvPr id="1" name=""/>
+        <p:cNvGrpSpPr/>
+        <p:nvPr/>
+      </p:nvGrpSpPr>
+      <p:grpSpPr>
+        <a:xfrm>
+          <a:off x="0" y="0"/>
+          <a:ext cx="0" cy="0"/>
+          <a:chOff x="0" y="0"/>
+          <a:chExt cx="0" cy="0"/>
+        </a:xfrm>
+      </p:grpSpPr>
+      <p:sp>
+        <p:nvSpPr>
+          <p:cNvPr id="2" name="標題 1"/>
+          <p:cNvSpPr>
+            <a:spLocks noGrp="1"/>
+          </p:cNvSpPr>
+          <p:nvPr>
+            <p:ph type="title"/>
+          </p:nvPr>
+        </p:nvSpPr>
+        <p:spPr/>
+        <p:txBody>
+          <a:bodyPr/>
+          <a:lstStyle/>
+          <a:p>
+            <a:endParaRPr lang="zh-TW" altLang="en-US"/>
+          </a:p>
+        </p:txBody>
+      </p:sp>
+      <p:sp>
+        <p:nvSpPr>
+          <p:cNvPr id="4" name="投影片編號版面配置區 3"/>
+          <p:cNvSpPr>
+            <a:spLocks noGrp="1"/>
+          </p:cNvSpPr>
+          <p:nvPr>
+            <p:ph type="sldNum" sz="quarter" idx="12"/>
+          </p:nvPr>
+        </p:nvSpPr>
+        <p:spPr/>
+        <p:txBody>
+          <a:bodyPr/>
+          <a:lstStyle/>
+          <a:p>
+            <a:pPr>
+              <a:defRPr/>
+            </a:pPr>
+            <a:fld id="{3DB7C113-B292-4711-9FA5-4E4B2395B52F}" type="slidenum">
+              <a:rPr lang="zh-TW" altLang="en-US" smtClean="0"/>
+              <a:pPr>
+                <a:defRPr/>
+              </a:pPr>
+              <a:t>31</a:t>
+            </a:fld>
+            <a:endParaRPr lang="zh-TW" altLang="en-US"/>
+          </a:p>
+        </p:txBody>
+      </p:sp>
+      <p:pic>
+        <p:nvPicPr>
+          <p:cNvPr id="7" name="內容版面配置區 6"/>
+          <p:cNvPicPr>
+            <a:picLocks noGrp="1" noChangeAspect="1"/>
+          </p:cNvPicPr>
+          <p:nvPr>
+            <p:ph idx="1"/>
+          </p:nvPr>
+        </p:nvPicPr>
+        <p:blipFill>
+          <a:blip r:embed="rId2">
+            <a:extLst>
+              <a:ext uri="{28A0092B-C50C-407E-A947-70E740481C1C}">
+                <a14:useLocalDpi xmlns:a14="http://schemas.microsoft.com/office/drawing/2010/main" val="0"/>
+              </a:ext>
+            </a:extLst>
+          </a:blip>
+          <a:stretch>
+            <a:fillRect/>
+          </a:stretch>
+        </p:blipFill>
+        <p:spPr>
+          <a:xfrm>
+            <a:off x="457200" y="2289644"/>
+            <a:ext cx="8229600" cy="3147074"/>
+          </a:xfrm>
+        </p:spPr>
+      </p:pic>
+    </p:spTree>
+    <p:extLst>
+      <p:ext uri="{BB962C8B-B14F-4D97-AF65-F5344CB8AC3E}">
+        <p14:creationId xmlns:p14="http://schemas.microsoft.com/office/powerpoint/2010/main" val="869967300"/>
+      </p:ext>
+    </p:extLst>
+  </p:cSld>
+  <p:clrMapOvr>
+    <a:masterClrMapping/>
+  </p:clrMapOvr>
+</p:sld>
+</file>
+
+<file path=ppt/slides/slide32.xml><?xml version="1.0" encoding="utf-8"?>
+<p:sld xmlns:a="http://schemas.openxmlformats.org/drawingml/2006/main" xmlns:r="http://schemas.openxmlformats.org/officeDocument/2006/relationships" xmlns:p="http://schemas.openxmlformats.org/presentationml/2006/main">
+  <p:cSld>
+    <p:spTree>
+      <p:nvGrpSpPr>
+        <p:cNvPr id="1" name=""/>
+        <p:cNvGrpSpPr/>
+        <p:nvPr/>
+      </p:nvGrpSpPr>
+      <p:grpSpPr>
+        <a:xfrm>
+          <a:off x="0" y="0"/>
+          <a:ext cx="0" cy="0"/>
+          <a:chOff x="0" y="0"/>
+          <a:chExt cx="0" cy="0"/>
+        </a:xfrm>
+      </p:grpSpPr>
+      <p:sp>
+        <p:nvSpPr>
+          <p:cNvPr id="2" name="標題 1"/>
+          <p:cNvSpPr>
+            <a:spLocks noGrp="1"/>
+          </p:cNvSpPr>
+          <p:nvPr>
+            <p:ph type="title"/>
+          </p:nvPr>
+        </p:nvSpPr>
+        <p:spPr/>
+        <p:txBody>
+          <a:bodyPr/>
+          <a:lstStyle/>
+          <a:p>
+            <a:endParaRPr lang="zh-TW" altLang="en-US"/>
+          </a:p>
+        </p:txBody>
+      </p:sp>
+      <p:pic>
+        <p:nvPicPr>
+          <p:cNvPr id="5" name="內容版面配置區 4"/>
+          <p:cNvPicPr>
+            <a:picLocks noGrp="1" noChangeAspect="1"/>
+          </p:cNvPicPr>
+          <p:nvPr>
+            <p:ph idx="1"/>
+          </p:nvPr>
+        </p:nvPicPr>
+        <p:blipFill>
+          <a:blip r:embed="rId2">
+            <a:extLst>
+              <a:ext uri="{28A0092B-C50C-407E-A947-70E740481C1C}">
+                <a14:useLocalDpi xmlns:a14="http://schemas.microsoft.com/office/drawing/2010/main" val="0"/>
+              </a:ext>
+            </a:extLst>
+          </a:blip>
+          <a:stretch>
+            <a:fillRect/>
+          </a:stretch>
+        </p:blipFill>
+        <p:spPr>
+          <a:xfrm>
+            <a:off x="2090020" y="1600200"/>
+            <a:ext cx="4963959" cy="4525963"/>
+          </a:xfrm>
+        </p:spPr>
+      </p:pic>
+      <p:sp>
+        <p:nvSpPr>
+          <p:cNvPr id="4" name="投影片編號版面配置區 3"/>
+          <p:cNvSpPr>
+            <a:spLocks noGrp="1"/>
+          </p:cNvSpPr>
+          <p:nvPr>
+            <p:ph type="sldNum" sz="quarter" idx="12"/>
+          </p:nvPr>
+        </p:nvSpPr>
+        <p:spPr/>
+        <p:txBody>
+          <a:bodyPr/>
+          <a:lstStyle/>
+          <a:p>
+            <a:pPr>
+              <a:defRPr/>
+            </a:pPr>
+            <a:fld id="{3DB7C113-B292-4711-9FA5-4E4B2395B52F}" type="slidenum">
+              <a:rPr lang="zh-TW" altLang="en-US" smtClean="0"/>
+              <a:pPr>
+                <a:defRPr/>
+              </a:pPr>
+              <a:t>32</a:t>
+            </a:fld>
+            <a:endParaRPr lang="zh-TW" altLang="en-US"/>
+          </a:p>
+        </p:txBody>
+      </p:sp>
+    </p:spTree>
+    <p:extLst>
+      <p:ext uri="{BB962C8B-B14F-4D97-AF65-F5344CB8AC3E}">
+        <p14:creationId xmlns:p14="http://schemas.microsoft.com/office/powerpoint/2010/main" val="3496760729"/>
+      </p:ext>
+    </p:extLst>
+  </p:cSld>
+  <p:clrMapOvr>
+    <a:masterClrMapping/>
+  </p:clrMapOvr>
+</p:sld>
+</file>
+
+<file path=ppt/slides/slide33.xml><?xml version="1.0" encoding="utf-8"?>
+<p:sld xmlns:a="http://schemas.openxmlformats.org/drawingml/2006/main" xmlns:r="http://schemas.openxmlformats.org/officeDocument/2006/relationships" xmlns:p="http://schemas.openxmlformats.org/presentationml/2006/main">
+  <p:cSld>
+    <p:spTree>
+      <p:nvGrpSpPr>
+        <p:cNvPr id="1" name=""/>
+        <p:cNvGrpSpPr/>
+        <p:nvPr/>
+      </p:nvGrpSpPr>
+      <p:grpSpPr>
+        <a:xfrm>
+          <a:off x="0" y="0"/>
+          <a:ext cx="0" cy="0"/>
+          <a:chOff x="0" y="0"/>
+          <a:chExt cx="0" cy="0"/>
+        </a:xfrm>
+      </p:grpSpPr>
+      <p:sp>
+        <p:nvSpPr>
+          <p:cNvPr id="2" name="標題 1"/>
+          <p:cNvSpPr>
+            <a:spLocks noGrp="1"/>
+          </p:cNvSpPr>
+          <p:nvPr>
+            <p:ph type="title"/>
+          </p:nvPr>
+        </p:nvSpPr>
+        <p:spPr/>
+        <p:txBody>
+          <a:bodyPr/>
+          <a:lstStyle/>
+          <a:p>
+            <a:endParaRPr lang="zh-TW" altLang="en-US"/>
+          </a:p>
+        </p:txBody>
+      </p:sp>
+      <p:sp>
+        <p:nvSpPr>
+          <p:cNvPr id="4" name="投影片編號版面配置區 3"/>
+          <p:cNvSpPr>
+            <a:spLocks noGrp="1"/>
+          </p:cNvSpPr>
+          <p:nvPr>
+            <p:ph type="sldNum" sz="quarter" idx="12"/>
+          </p:nvPr>
+        </p:nvSpPr>
+        <p:spPr/>
+        <p:txBody>
+          <a:bodyPr/>
+          <a:lstStyle/>
+          <a:p>
+            <a:pPr>
+              <a:defRPr/>
+            </a:pPr>
+            <a:fld id="{3DB7C113-B292-4711-9FA5-4E4B2395B52F}" type="slidenum">
+              <a:rPr lang="zh-TW" altLang="en-US" smtClean="0"/>
+              <a:pPr>
+                <a:defRPr/>
+              </a:pPr>
+              <a:t>33</a:t>
+            </a:fld>
+            <a:endParaRPr lang="zh-TW" altLang="en-US"/>
+          </a:p>
+        </p:txBody>
+      </p:sp>
+      <p:pic>
+        <p:nvPicPr>
+          <p:cNvPr id="7" name="內容版面配置區 6"/>
+          <p:cNvPicPr>
+            <a:picLocks noGrp="1" noChangeAspect="1"/>
+          </p:cNvPicPr>
+          <p:nvPr>
+            <p:ph idx="1"/>
+          </p:nvPr>
+        </p:nvPicPr>
+        <p:blipFill>
+          <a:blip r:embed="rId2">
+            <a:extLst>
+              <a:ext uri="{28A0092B-C50C-407E-A947-70E740481C1C}">
+                <a14:useLocalDpi xmlns:a14="http://schemas.microsoft.com/office/drawing/2010/main" val="0"/>
+              </a:ext>
+            </a:extLst>
+          </a:blip>
+          <a:stretch>
+            <a:fillRect/>
+          </a:stretch>
+        </p:blipFill>
+        <p:spPr>
+          <a:xfrm>
+            <a:off x="1667600" y="1600200"/>
+            <a:ext cx="5808799" cy="4525963"/>
+          </a:xfrm>
+        </p:spPr>
+      </p:pic>
+    </p:spTree>
+    <p:extLst>
+      <p:ext uri="{BB962C8B-B14F-4D97-AF65-F5344CB8AC3E}">
+        <p14:creationId xmlns:p14="http://schemas.microsoft.com/office/powerpoint/2010/main" val="1808651420"/>
+      </p:ext>
+    </p:extLst>
+  </p:cSld>
+  <p:clrMapOvr>
+    <a:masterClrMapping/>
+  </p:clrMapOvr>
+</p:sld>
+</file>
+
+<file path=ppt/slides/slide34.xml><?xml version="1.0" encoding="utf-8"?>
+<p:sld xmlns:a="http://schemas.openxmlformats.org/drawingml/2006/main" xmlns:r="http://schemas.openxmlformats.org/officeDocument/2006/relationships" xmlns:p="http://schemas.openxmlformats.org/presentationml/2006/main">
+  <p:cSld>
+    <p:spTree>
+      <p:nvGrpSpPr>
+        <p:cNvPr id="1" name=""/>
+        <p:cNvGrpSpPr/>
+        <p:nvPr/>
+      </p:nvGrpSpPr>
+      <p:grpSpPr>
+        <a:xfrm>
+          <a:off x="0" y="0"/>
+          <a:ext cx="0" cy="0"/>
+          <a:chOff x="0" y="0"/>
+          <a:chExt cx="0" cy="0"/>
+        </a:xfrm>
+      </p:grpSpPr>
+      <p:sp>
+        <p:nvSpPr>
+          <p:cNvPr id="2" name="標題 1"/>
+          <p:cNvSpPr>
+            <a:spLocks noGrp="1"/>
+          </p:cNvSpPr>
+          <p:nvPr>
+            <p:ph type="title"/>
+          </p:nvPr>
+        </p:nvSpPr>
+        <p:spPr/>
+        <p:txBody>
+          <a:bodyPr/>
+          <a:lstStyle/>
+          <a:p>
+            <a:endParaRPr lang="zh-TW" altLang="en-US"/>
+          </a:p>
+        </p:txBody>
+      </p:sp>
+      <p:sp>
+        <p:nvSpPr>
+          <p:cNvPr id="4" name="投影片編號版面配置區 3"/>
+          <p:cNvSpPr>
+            <a:spLocks noGrp="1"/>
+          </p:cNvSpPr>
+          <p:nvPr>
+            <p:ph type="sldNum" sz="quarter" idx="12"/>
+          </p:nvPr>
+        </p:nvSpPr>
+        <p:spPr/>
+        <p:txBody>
+          <a:bodyPr/>
+          <a:lstStyle/>
+          <a:p>
+            <a:pPr>
+              <a:defRPr/>
+            </a:pPr>
+            <a:fld id="{3DB7C113-B292-4711-9FA5-4E4B2395B52F}" type="slidenum">
+              <a:rPr lang="zh-TW" altLang="en-US" smtClean="0"/>
+              <a:pPr>
+                <a:defRPr/>
+              </a:pPr>
+              <a:t>34</a:t>
+            </a:fld>
+            <a:endParaRPr lang="zh-TW" altLang="en-US"/>
+          </a:p>
+        </p:txBody>
+      </p:sp>
+      <p:pic>
+        <p:nvPicPr>
+          <p:cNvPr id="7" name="內容版面配置區 6"/>
+          <p:cNvPicPr>
+            <a:picLocks noGrp="1" noChangeAspect="1"/>
+          </p:cNvPicPr>
+          <p:nvPr>
+            <p:ph idx="1"/>
+          </p:nvPr>
+        </p:nvPicPr>
+        <p:blipFill>
+          <a:blip r:embed="rId2">
+            <a:extLst>
+              <a:ext uri="{28A0092B-C50C-407E-A947-70E740481C1C}">
+                <a14:useLocalDpi xmlns:a14="http://schemas.microsoft.com/office/drawing/2010/main" val="0"/>
+              </a:ext>
+            </a:extLst>
+          </a:blip>
+          <a:stretch>
+            <a:fillRect/>
+          </a:stretch>
+        </p:blipFill>
+        <p:spPr>
+          <a:xfrm>
+            <a:off x="457200" y="1659828"/>
+            <a:ext cx="8229600" cy="4406706"/>
+          </a:xfrm>
+        </p:spPr>
+      </p:pic>
+    </p:spTree>
+    <p:extLst>
+      <p:ext uri="{BB962C8B-B14F-4D97-AF65-F5344CB8AC3E}">
+        <p14:creationId xmlns:p14="http://schemas.microsoft.com/office/powerpoint/2010/main" val="3316669575"/>
+      </p:ext>
+    </p:extLst>
+  </p:cSld>
+  <p:clrMapOvr>
+    <a:masterClrMapping/>
+  </p:clrMapOvr>
+</p:sld>
+</file>
+
+<file path=ppt/slides/slide35.xml><?xml version="1.0" encoding="utf-8"?>
+<p:sld xmlns:a="http://schemas.openxmlformats.org/drawingml/2006/main" xmlns:r="http://schemas.openxmlformats.org/officeDocument/2006/relationships" xmlns:p="http://schemas.openxmlformats.org/presentationml/2006/main">
+  <p:cSld>
+    <p:spTree>
+      <p:nvGrpSpPr>
+        <p:cNvPr id="1" name=""/>
+        <p:cNvGrpSpPr/>
+        <p:nvPr/>
+      </p:nvGrpSpPr>
+      <p:grpSpPr>
+        <a:xfrm>
+          <a:off x="0" y="0"/>
+          <a:ext cx="0" cy="0"/>
+          <a:chOff x="0" y="0"/>
+          <a:chExt cx="0" cy="0"/>
+        </a:xfrm>
+      </p:grpSpPr>
+      <p:sp>
+        <p:nvSpPr>
+          <p:cNvPr id="2" name="標題 1"/>
+          <p:cNvSpPr>
+            <a:spLocks noGrp="1"/>
+          </p:cNvSpPr>
+          <p:nvPr>
+            <p:ph type="title"/>
+          </p:nvPr>
+        </p:nvSpPr>
+        <p:spPr/>
+        <p:txBody>
+          <a:bodyPr/>
+          <a:lstStyle/>
+          <a:p>
+            <a:endParaRPr lang="zh-TW" altLang="en-US"/>
+          </a:p>
+        </p:txBody>
+      </p:sp>
+      <p:sp>
+        <p:nvSpPr>
+          <p:cNvPr id="4" name="投影片編號版面配置區 3"/>
+          <p:cNvSpPr>
+            <a:spLocks noGrp="1"/>
+          </p:cNvSpPr>
+          <p:nvPr>
+            <p:ph type="sldNum" sz="quarter" idx="12"/>
+          </p:nvPr>
+        </p:nvSpPr>
+        <p:spPr/>
+        <p:txBody>
+          <a:bodyPr/>
+          <a:lstStyle/>
+          <a:p>
+            <a:pPr>
+              <a:defRPr/>
+            </a:pPr>
+            <a:fld id="{3DB7C113-B292-4711-9FA5-4E4B2395B52F}" type="slidenum">
+              <a:rPr lang="zh-TW" altLang="en-US" smtClean="0"/>
+              <a:pPr>
+                <a:defRPr/>
+              </a:pPr>
+              <a:t>35</a:t>
+            </a:fld>
+            <a:endParaRPr lang="zh-TW" altLang="en-US"/>
+          </a:p>
+        </p:txBody>
+      </p:sp>
+      <p:pic>
+        <p:nvPicPr>
+          <p:cNvPr id="8" name="內容版面配置區 7"/>
+          <p:cNvPicPr>
+            <a:picLocks noGrp="1" noChangeAspect="1"/>
+          </p:cNvPicPr>
+          <p:nvPr>
+            <p:ph idx="1"/>
+          </p:nvPr>
+        </p:nvPicPr>
+        <p:blipFill>
+          <a:blip r:embed="rId2">
+            <a:extLst>
+              <a:ext uri="{28A0092B-C50C-407E-A947-70E740481C1C}">
+                <a14:useLocalDpi xmlns:a14="http://schemas.microsoft.com/office/drawing/2010/main" val="0"/>
+              </a:ext>
+            </a:extLst>
+          </a:blip>
+          <a:stretch>
+            <a:fillRect/>
+          </a:stretch>
+        </p:blipFill>
+        <p:spPr>
+          <a:xfrm>
+            <a:off x="457200" y="1657554"/>
+            <a:ext cx="8229600" cy="4411255"/>
+          </a:xfrm>
+        </p:spPr>
+      </p:pic>
+    </p:spTree>
+    <p:extLst>
+      <p:ext uri="{BB962C8B-B14F-4D97-AF65-F5344CB8AC3E}">
+        <p14:creationId xmlns:p14="http://schemas.microsoft.com/office/powerpoint/2010/main" val="644741698"/>
+      </p:ext>
+    </p:extLst>
+  </p:cSld>
+  <p:clrMapOvr>
+    <a:masterClrMapping/>
+  </p:clrMapOvr>
+</p:sld>
+</file>
+
+<file path=ppt/slides/slide36.xml><?xml version="1.0" encoding="utf-8"?>
+<p:sld xmlns:a="http://schemas.openxmlformats.org/drawingml/2006/main" xmlns:r="http://schemas.openxmlformats.org/officeDocument/2006/relationships" xmlns:p="http://schemas.openxmlformats.org/presentationml/2006/main">
+  <p:cSld>
+    <p:spTree>
+      <p:nvGrpSpPr>
+        <p:cNvPr id="1" name=""/>
+        <p:cNvGrpSpPr/>
+        <p:nvPr/>
+      </p:nvGrpSpPr>
+      <p:grpSpPr>
+        <a:xfrm>
+          <a:off x="0" y="0"/>
+          <a:ext cx="0" cy="0"/>
+          <a:chOff x="0" y="0"/>
+          <a:chExt cx="0" cy="0"/>
+        </a:xfrm>
+      </p:grpSpPr>
+      <p:sp>
+        <p:nvSpPr>
+          <p:cNvPr id="2" name="標題 1"/>
+          <p:cNvSpPr>
+            <a:spLocks noGrp="1"/>
+          </p:cNvSpPr>
+          <p:nvPr>
+            <p:ph type="title"/>
+          </p:nvPr>
+        </p:nvSpPr>
+        <p:spPr/>
+        <p:txBody>
+          <a:bodyPr/>
+          <a:lstStyle/>
+          <a:p>
+            <a:endParaRPr lang="zh-TW" altLang="en-US"/>
+          </a:p>
+        </p:txBody>
+      </p:sp>
+      <p:pic>
+        <p:nvPicPr>
+          <p:cNvPr id="5" name="內容版面配置區 4"/>
+          <p:cNvPicPr>
+            <a:picLocks noGrp="1" noChangeAspect="1"/>
+          </p:cNvPicPr>
+          <p:nvPr>
+            <p:ph idx="1"/>
+          </p:nvPr>
+        </p:nvPicPr>
+        <p:blipFill>
+          <a:blip r:embed="rId2">
+            <a:extLst>
+              <a:ext uri="{28A0092B-C50C-407E-A947-70E740481C1C}">
+                <a14:useLocalDpi xmlns:a14="http://schemas.microsoft.com/office/drawing/2010/main" val="0"/>
+              </a:ext>
+            </a:extLst>
+          </a:blip>
+          <a:stretch>
+            <a:fillRect/>
+          </a:stretch>
+        </p:blipFill>
+        <p:spPr>
+          <a:xfrm>
+            <a:off x="1805236" y="1600200"/>
+            <a:ext cx="5533528" cy="4525963"/>
+          </a:xfrm>
+        </p:spPr>
+      </p:pic>
+      <p:sp>
+        <p:nvSpPr>
+          <p:cNvPr id="4" name="投影片編號版面配置區 3"/>
+          <p:cNvSpPr>
+            <a:spLocks noGrp="1"/>
+          </p:cNvSpPr>
+          <p:nvPr>
+            <p:ph type="sldNum" sz="quarter" idx="12"/>
+          </p:nvPr>
+        </p:nvSpPr>
+        <p:spPr/>
+        <p:txBody>
+          <a:bodyPr/>
+          <a:lstStyle/>
+          <a:p>
+            <a:pPr>
+              <a:defRPr/>
+            </a:pPr>
+            <a:fld id="{3DB7C113-B292-4711-9FA5-4E4B2395B52F}" type="slidenum">
+              <a:rPr lang="zh-TW" altLang="en-US" smtClean="0"/>
+              <a:pPr>
+                <a:defRPr/>
+              </a:pPr>
+              <a:t>36</a:t>
+            </a:fld>
+            <a:endParaRPr lang="zh-TW" altLang="en-US"/>
+          </a:p>
+        </p:txBody>
+      </p:sp>
+    </p:spTree>
+    <p:extLst>
+      <p:ext uri="{BB962C8B-B14F-4D97-AF65-F5344CB8AC3E}">
+        <p14:creationId xmlns:p14="http://schemas.microsoft.com/office/powerpoint/2010/main" val="167842299"/>
+      </p:ext>
+    </p:extLst>
+  </p:cSld>
+  <p:clrMapOvr>
+    <a:masterClrMapping/>
+  </p:clrMapOvr>
+</p:sld>
+</file>
+
+<file path=ppt/slides/slide37.xml><?xml version="1.0" encoding="utf-8"?>
+<p:sld xmlns:a="http://schemas.openxmlformats.org/drawingml/2006/main" xmlns:r="http://schemas.openxmlformats.org/officeDocument/2006/relationships" xmlns:p="http://schemas.openxmlformats.org/presentationml/2006/main">
+  <p:cSld>
+    <p:spTree>
+      <p:nvGrpSpPr>
+        <p:cNvPr id="1" name=""/>
+        <p:cNvGrpSpPr/>
+        <p:nvPr/>
+      </p:nvGrpSpPr>
+      <p:grpSpPr>
+        <a:xfrm>
+          <a:off x="0" y="0"/>
+          <a:ext cx="0" cy="0"/>
+          <a:chOff x="0" y="0"/>
+          <a:chExt cx="0" cy="0"/>
+        </a:xfrm>
+      </p:grpSpPr>
+      <p:sp>
+        <p:nvSpPr>
+          <p:cNvPr id="2" name="標題 1"/>
+          <p:cNvSpPr>
+            <a:spLocks noGrp="1"/>
+          </p:cNvSpPr>
+          <p:nvPr>
+            <p:ph type="title"/>
+          </p:nvPr>
+        </p:nvSpPr>
+        <p:spPr/>
+        <p:txBody>
+          <a:bodyPr/>
+          <a:lstStyle/>
+          <a:p>
+            <a:endParaRPr lang="zh-TW" altLang="en-US"/>
+          </a:p>
+        </p:txBody>
+      </p:sp>
+      <p:sp>
+        <p:nvSpPr>
+          <p:cNvPr id="3" name="內容版面配置區 2"/>
+          <p:cNvSpPr>
+            <a:spLocks noGrp="1"/>
+          </p:cNvSpPr>
+          <p:nvPr>
+            <p:ph idx="1"/>
+          </p:nvPr>
+        </p:nvSpPr>
+        <p:spPr/>
+        <p:txBody>
+          <a:bodyPr/>
+          <a:lstStyle/>
+          <a:p>
+            <a:endParaRPr lang="zh-TW" altLang="en-US"/>
+          </a:p>
+        </p:txBody>
+      </p:sp>
+      <p:sp>
+        <p:nvSpPr>
+          <p:cNvPr id="4" name="投影片編號版面配置區 3"/>
+          <p:cNvSpPr>
+            <a:spLocks noGrp="1"/>
+          </p:cNvSpPr>
+          <p:nvPr>
+            <p:ph type="sldNum" sz="quarter" idx="12"/>
+          </p:nvPr>
+        </p:nvSpPr>
+        <p:spPr/>
+        <p:txBody>
+          <a:bodyPr/>
+          <a:lstStyle/>
+          <a:p>
+            <a:pPr>
+              <a:defRPr/>
+            </a:pPr>
+            <a:fld id="{3DB7C113-B292-4711-9FA5-4E4B2395B52F}" type="slidenum">
+              <a:rPr lang="zh-TW" altLang="en-US" smtClean="0"/>
+              <a:pPr>
+                <a:defRPr/>
+              </a:pPr>
+              <a:t>37</a:t>
+            </a:fld>
+            <a:endParaRPr lang="zh-TW" altLang="en-US"/>
+          </a:p>
+        </p:txBody>
+      </p:sp>
+      <p:pic>
+        <p:nvPicPr>
+          <p:cNvPr id="5" name="圖片 4"/>
+          <p:cNvPicPr>
+            <a:picLocks noChangeAspect="1"/>
+          </p:cNvPicPr>
+          <p:nvPr/>
+        </p:nvPicPr>
+        <p:blipFill>
+          <a:blip r:embed="rId2"/>
+          <a:stretch>
+            <a:fillRect/>
+          </a:stretch>
+        </p:blipFill>
+        <p:spPr>
+          <a:xfrm>
+            <a:off x="0" y="2144246"/>
+            <a:ext cx="9144000" cy="2569507"/>
+          </a:xfrm>
+          <a:prstGeom prst="rect">
+            <a:avLst/>
+          </a:prstGeom>
+        </p:spPr>
+      </p:pic>
+    </p:spTree>
+    <p:extLst>
+      <p:ext uri="{BB962C8B-B14F-4D97-AF65-F5344CB8AC3E}">
+        <p14:creationId xmlns:p14="http://schemas.microsoft.com/office/powerpoint/2010/main" val="3059487078"/>
+      </p:ext>
+    </p:extLst>
+  </p:cSld>
+  <p:clrMapOvr>
+    <a:masterClrMapping/>
+  </p:clrMapOvr>
+</p:sld>
+</file>
+
+<file path=ppt/slides/slide38.xml><?xml version="1.0" encoding="utf-8"?>
+<p:sld xmlns:a="http://schemas.openxmlformats.org/drawingml/2006/main" xmlns:r="http://schemas.openxmlformats.org/officeDocument/2006/relationships" xmlns:p="http://schemas.openxmlformats.org/presentationml/2006/main">
+  <p:cSld>
+    <p:spTree>
+      <p:nvGrpSpPr>
+        <p:cNvPr id="1" name=""/>
+        <p:cNvGrpSpPr/>
+        <p:nvPr/>
+      </p:nvGrpSpPr>
+      <p:grpSpPr>
+        <a:xfrm>
+          <a:off x="0" y="0"/>
+          <a:ext cx="0" cy="0"/>
+          <a:chOff x="0" y="0"/>
+          <a:chExt cx="0" cy="0"/>
+        </a:xfrm>
+      </p:grpSpPr>
+      <p:sp>
+        <p:nvSpPr>
+          <p:cNvPr id="2" name="標題 1"/>
+          <p:cNvSpPr>
+            <a:spLocks noGrp="1"/>
+          </p:cNvSpPr>
+          <p:nvPr>
+            <p:ph type="title"/>
+          </p:nvPr>
+        </p:nvSpPr>
+        <p:spPr/>
+        <p:txBody>
+          <a:bodyPr/>
+          <a:lstStyle/>
+          <a:p>
+            <a:endParaRPr lang="zh-TW" altLang="en-US"/>
+          </a:p>
+        </p:txBody>
+      </p:sp>
+      <p:pic>
+        <p:nvPicPr>
+          <p:cNvPr id="5" name="內容版面配置區 4"/>
+          <p:cNvPicPr>
+            <a:picLocks noGrp="1" noChangeAspect="1"/>
+          </p:cNvPicPr>
+          <p:nvPr>
+            <p:ph idx="1"/>
+          </p:nvPr>
+        </p:nvPicPr>
+        <p:blipFill>
+          <a:blip r:embed="rId2">
+            <a:extLst>
+              <a:ext uri="{28A0092B-C50C-407E-A947-70E740481C1C}">
+                <a14:useLocalDpi xmlns:a14="http://schemas.microsoft.com/office/drawing/2010/main" val="0"/>
+              </a:ext>
+            </a:extLst>
+          </a:blip>
+          <a:stretch>
+            <a:fillRect/>
+          </a:stretch>
+        </p:blipFill>
+        <p:spPr>
+          <a:xfrm>
+            <a:off x="581443" y="1600200"/>
+            <a:ext cx="7981114" cy="4525963"/>
+          </a:xfrm>
+        </p:spPr>
+      </p:pic>
+      <p:sp>
+        <p:nvSpPr>
+          <p:cNvPr id="4" name="投影片編號版面配置區 3"/>
+          <p:cNvSpPr>
+            <a:spLocks noGrp="1"/>
+          </p:cNvSpPr>
+          <p:nvPr>
+            <p:ph type="sldNum" sz="quarter" idx="12"/>
+          </p:nvPr>
+        </p:nvSpPr>
+        <p:spPr/>
+        <p:txBody>
+          <a:bodyPr/>
+          <a:lstStyle/>
+          <a:p>
+            <a:pPr>
+              <a:defRPr/>
+            </a:pPr>
+            <a:fld id="{3DB7C113-B292-4711-9FA5-4E4B2395B52F}" type="slidenum">
+              <a:rPr lang="zh-TW" altLang="en-US" smtClean="0"/>
+              <a:pPr>
+                <a:defRPr/>
+              </a:pPr>
+              <a:t>38</a:t>
+            </a:fld>
+            <a:endParaRPr lang="zh-TW" altLang="en-US"/>
+          </a:p>
+        </p:txBody>
+      </p:sp>
+    </p:spTree>
+    <p:extLst>
+      <p:ext uri="{BB962C8B-B14F-4D97-AF65-F5344CB8AC3E}">
+        <p14:creationId xmlns:p14="http://schemas.microsoft.com/office/powerpoint/2010/main" val="2250589311"/>
+      </p:ext>
+    </p:extLst>
+  </p:cSld>
+  <p:clrMapOvr>
+    <a:masterClrMapping/>
+  </p:clrMapOvr>
 </p:sld>
 </file>
 
@@ -10099,7 +11410,7 @@
               <a:defRPr/>
             </a:pPr>
             <a:r>
-              <a:rPr lang="zh-TW" altLang="en-US" dirty="0">
+              <a:rPr lang="zh-TW" altLang="en-US" dirty="0" smtClean="0">
                 <a:solidFill>
                   <a:schemeClr val="bg1">
                     <a:lumMod val="75000"/>
@@ -10107,8 +11418,16 @@
                 </a:solidFill>
                 <a:latin typeface="標楷體" pitchFamily="65" charset="-120"/>
               </a:rPr>
-              <a:t>自動化部署方法</a:t>
-            </a:r>
+              <a:t>研究方法</a:t>
+            </a:r>
+            <a:endParaRPr lang="zh-TW" altLang="en-US" dirty="0">
+              <a:solidFill>
+                <a:schemeClr val="bg1">
+                  <a:lumMod val="75000"/>
+                </a:schemeClr>
+              </a:solidFill>
+              <a:latin typeface="標楷體" pitchFamily="65" charset="-120"/>
+            </a:endParaRPr>
           </a:p>
           <a:p>
             <a:pPr eaLnBrk="1" hangingPunct="1">
@@ -10279,6 +11598,9 @@
               <a:rPr lang="zh-TW" altLang="en-US" sz="2000" dirty="0" smtClean="0"/>
               <a:t>上，減少軟體上線所花費地時間。</a:t>
             </a:r>
+            <a:endParaRPr lang="en-US" altLang="zh-TW" sz="2000" dirty="0" smtClean="0"/>
+          </a:p>
+          <a:p>
             <a:endParaRPr lang="zh-TW" altLang="en-US" sz="2000" dirty="0"/>
           </a:p>
         </p:txBody>
@@ -10454,7 +11776,7 @@
               <a:defRPr/>
             </a:pPr>
             <a:r>
-              <a:rPr lang="zh-TW" altLang="en-US" dirty="0">
+              <a:rPr lang="zh-TW" altLang="en-US" dirty="0" smtClean="0">
                 <a:solidFill>
                   <a:schemeClr val="bg1">
                     <a:lumMod val="75000"/>
@@ -10462,8 +11784,16 @@
                 </a:solidFill>
                 <a:latin typeface="標楷體" pitchFamily="65" charset="-120"/>
               </a:rPr>
-              <a:t>自動化部署方法</a:t>
-            </a:r>
+              <a:t>研究方法</a:t>
+            </a:r>
+            <a:endParaRPr lang="zh-TW" altLang="en-US" dirty="0">
+              <a:solidFill>
+                <a:schemeClr val="bg1">
+                  <a:lumMod val="75000"/>
+                </a:schemeClr>
+              </a:solidFill>
+              <a:latin typeface="標楷體" pitchFamily="65" charset="-120"/>
+            </a:endParaRPr>
           </a:p>
           <a:p>
             <a:pPr eaLnBrk="1" hangingPunct="1">
@@ -10606,10 +11936,100 @@
             <p:ph idx="1"/>
           </p:nvPr>
         </p:nvSpPr>
-        <p:spPr/>
+        <p:spPr>
+          <a:xfrm>
+            <a:off x="457200" y="1600200"/>
+            <a:ext cx="8686800" cy="4853136"/>
+          </a:xfrm>
+        </p:spPr>
         <p:txBody>
           <a:bodyPr/>
           <a:lstStyle/>
+          <a:p>
+            <a:r>
+              <a:rPr lang="en-US" altLang="zh-TW" sz="2000" dirty="0" smtClean="0"/>
+              <a:t>Jenkins</a:t>
+            </a:r>
+            <a:r>
+              <a:rPr lang="zh-TW" altLang="en-US" sz="2000" dirty="0" smtClean="0"/>
+              <a:t> </a:t>
+            </a:r>
+            <a:r>
+              <a:rPr lang="en-US" altLang="zh-TW" sz="2000" dirty="0" smtClean="0"/>
+              <a:t>:</a:t>
+            </a:r>
+            <a:r>
+              <a:rPr lang="zh-TW" altLang="en-US" sz="2000" dirty="0" smtClean="0"/>
+              <a:t> </a:t>
+            </a:r>
+            <a:endParaRPr lang="en-US" altLang="zh-TW" sz="2000" dirty="0" smtClean="0"/>
+          </a:p>
+          <a:p>
+            <a:r>
+              <a:rPr lang="en-US" altLang="zh-TW" sz="2000" dirty="0" err="1" smtClean="0"/>
+              <a:t>Jenkens</a:t>
+            </a:r>
+            <a:r>
+              <a:rPr lang="zh-TW" altLang="zh-TW" sz="2000" dirty="0" smtClean="0"/>
+              <a:t>是</a:t>
+            </a:r>
+            <a:r>
+              <a:rPr lang="zh-TW" altLang="zh-TW" sz="2000" dirty="0"/>
+              <a:t>一個開源軟體提供持續整合的工具，它可以構建自動化的</a:t>
+            </a:r>
+            <a:r>
+              <a:rPr lang="zh-TW" altLang="zh-TW" sz="2000" dirty="0" smtClean="0"/>
+              <a:t>持續</a:t>
+            </a:r>
+            <a:endParaRPr lang="en-US" altLang="zh-TW" sz="2000" dirty="0" smtClean="0"/>
+          </a:p>
+          <a:p>
+            <a:r>
+              <a:rPr lang="zh-TW" altLang="zh-TW" sz="2000" dirty="0" smtClean="0"/>
+              <a:t>整合</a:t>
+            </a:r>
+            <a:r>
+              <a:rPr lang="zh-TW" altLang="zh-TW" sz="2000" dirty="0"/>
+              <a:t>的</a:t>
+            </a:r>
+            <a:r>
+              <a:rPr lang="zh-TW" altLang="zh-TW" sz="2000" dirty="0" smtClean="0"/>
+              <a:t>環</a:t>
+            </a:r>
+            <a:r>
+              <a:rPr lang="zh-TW" altLang="en-US" sz="2000" dirty="0" smtClean="0"/>
+              <a:t>境</a:t>
+            </a:r>
+            <a:r>
+              <a:rPr lang="zh-TW" altLang="zh-TW" sz="2000" dirty="0" smtClean="0"/>
+              <a:t>，版本</a:t>
+            </a:r>
+            <a:r>
+              <a:rPr lang="zh-TW" altLang="en-US" sz="2000" dirty="0" smtClean="0"/>
+              <a:t>控制的</a:t>
+            </a:r>
+            <a:r>
+              <a:rPr lang="zh-TW" altLang="zh-TW" sz="2000" dirty="0" smtClean="0"/>
+              <a:t>管理軟體</a:t>
+            </a:r>
+            <a:r>
+              <a:rPr lang="zh-TW" altLang="en-US" sz="2000" dirty="0" smtClean="0"/>
+              <a:t>，。</a:t>
+            </a:r>
+            <a:endParaRPr lang="en-US" altLang="zh-TW" sz="2000" dirty="0" smtClean="0">
+              <a:latin typeface="+mn-ea"/>
+              <a:ea typeface="+mn-ea"/>
+            </a:endParaRPr>
+          </a:p>
+          <a:p>
+            <a:endParaRPr lang="en-US" altLang="zh-TW" sz="2000" dirty="0" smtClean="0"/>
+          </a:p>
+          <a:p>
+            <a:r>
+              <a:rPr lang="en-US" altLang="zh-TW" sz="2000" dirty="0" smtClean="0"/>
+              <a:t>Docker</a:t>
+            </a:r>
+          </a:p>
           <a:p>
             <a:endParaRPr lang="zh-TW" altLang="en-US" sz="2000" dirty="0"/>
           </a:p>
@@ -10691,7 +12111,7 @@
           <a:p>
             <a:r>
               <a:rPr lang="zh-TW" altLang="en-US" dirty="0" smtClean="0"/>
-              <a:t>自動化部署</a:t>
+              <a:t>研究方法</a:t>
             </a:r>
             <a:endParaRPr lang="zh-TW" altLang="en-US" dirty="0"/>
           </a:p>
@@ -10712,7 +12132,7 @@
           <a:bodyPr/>
           <a:lstStyle/>
           <a:p>
-            <a:endParaRPr lang="zh-TW" altLang="en-US" dirty="0"/>
+            <a:endParaRPr lang="zh-TW" altLang="en-US"/>
           </a:p>
         </p:txBody>
       </p:sp>
@@ -10748,20 +12168,13 @@
     </p:spTree>
     <p:extLst>
       <p:ext uri="{BB962C8B-B14F-4D97-AF65-F5344CB8AC3E}">
-        <p14:creationId xmlns:p14="http://schemas.microsoft.com/office/powerpoint/2010/main" val="2218104004"/>
+        <p14:creationId xmlns:p14="http://schemas.microsoft.com/office/powerpoint/2010/main" val="3444823952"/>
       </p:ext>
     </p:extLst>
   </p:cSld>
   <p:clrMapOvr>
     <a:masterClrMapping/>
   </p:clrMapOvr>
-  <p:timing>
-    <p:tnLst>
-      <p:par>
-        <p:cTn id="1" dur="indefinite" restart="never" nodeType="tmRoot"/>
-      </p:par>
-    </p:tnLst>
-  </p:timing>
 </p:sld>
 </file>
 

--- a/Oral.pptx
+++ b/Oral.pptx
@@ -5,10 +5,10 @@
     <p:sldMasterId id="2147483828" r:id="rId1"/>
   </p:sldMasterIdLst>
   <p:notesMasterIdLst>
-    <p:notesMasterId r:id="rId40"/>
+    <p:notesMasterId r:id="rId38"/>
   </p:notesMasterIdLst>
   <p:handoutMasterIdLst>
-    <p:handoutMasterId r:id="rId41"/>
+    <p:handoutMasterId r:id="rId39"/>
   </p:handoutMasterIdLst>
   <p:sldIdLst>
     <p:sldId id="256" r:id="rId2"/>
@@ -19,36 +19,34 @@
     <p:sldId id="385" r:id="rId7"/>
     <p:sldId id="386" r:id="rId8"/>
     <p:sldId id="387" r:id="rId9"/>
-    <p:sldId id="388" r:id="rId10"/>
-    <p:sldId id="363" r:id="rId11"/>
-    <p:sldId id="362" r:id="rId12"/>
-    <p:sldId id="364" r:id="rId13"/>
-    <p:sldId id="365" r:id="rId14"/>
-    <p:sldId id="366" r:id="rId15"/>
-    <p:sldId id="367" r:id="rId16"/>
+    <p:sldId id="414" r:id="rId10"/>
+    <p:sldId id="411" r:id="rId11"/>
+    <p:sldId id="388" r:id="rId12"/>
+    <p:sldId id="362" r:id="rId13"/>
+    <p:sldId id="364" r:id="rId14"/>
+    <p:sldId id="365" r:id="rId15"/>
+    <p:sldId id="366" r:id="rId16"/>
     <p:sldId id="368" r:id="rId17"/>
     <p:sldId id="369" r:id="rId18"/>
     <p:sldId id="370" r:id="rId19"/>
-    <p:sldId id="371" r:id="rId20"/>
-    <p:sldId id="372" r:id="rId21"/>
-    <p:sldId id="373" r:id="rId22"/>
-    <p:sldId id="376" r:id="rId23"/>
-    <p:sldId id="377" r:id="rId24"/>
-    <p:sldId id="374" r:id="rId25"/>
-    <p:sldId id="378" r:id="rId26"/>
-    <p:sldId id="379" r:id="rId27"/>
-    <p:sldId id="375" r:id="rId28"/>
-    <p:sldId id="380" r:id="rId29"/>
-    <p:sldId id="393" r:id="rId30"/>
-    <p:sldId id="389" r:id="rId31"/>
-    <p:sldId id="390" r:id="rId32"/>
-    <p:sldId id="391" r:id="rId33"/>
-    <p:sldId id="392" r:id="rId34"/>
-    <p:sldId id="394" r:id="rId35"/>
-    <p:sldId id="395" r:id="rId36"/>
-    <p:sldId id="396" r:id="rId37"/>
-    <p:sldId id="397" r:id="rId38"/>
-    <p:sldId id="398" r:id="rId39"/>
+    <p:sldId id="415" r:id="rId20"/>
+    <p:sldId id="379" r:id="rId21"/>
+    <p:sldId id="371" r:id="rId22"/>
+    <p:sldId id="372" r:id="rId23"/>
+    <p:sldId id="373" r:id="rId24"/>
+    <p:sldId id="409" r:id="rId25"/>
+    <p:sldId id="410" r:id="rId26"/>
+    <p:sldId id="416" r:id="rId27"/>
+    <p:sldId id="418" r:id="rId28"/>
+    <p:sldId id="419" r:id="rId29"/>
+    <p:sldId id="407" r:id="rId30"/>
+    <p:sldId id="412" r:id="rId31"/>
+    <p:sldId id="376" r:id="rId32"/>
+    <p:sldId id="377" r:id="rId33"/>
+    <p:sldId id="374" r:id="rId34"/>
+    <p:sldId id="413" r:id="rId35"/>
+    <p:sldId id="375" r:id="rId36"/>
+    <p:sldId id="380" r:id="rId37"/>
   </p:sldIdLst>
   <p:sldSz cx="9144000" cy="6858000" type="screen4x3"/>
   <p:notesSz cx="7099300" cy="10234613"/>
@@ -416,7 +414,7 @@
               <a:pPr>
                 <a:defRPr/>
               </a:pPr>
-              <a:t>2017/10/27</a:t>
+              <a:t>2017/10/28</a:t>
             </a:fld>
             <a:endParaRPr lang="zh-TW" altLang="en-US"/>
           </a:p>
@@ -1076,7 +1074,7 @@
               <a:pPr>
                 <a:defRPr/>
               </a:pPr>
-              <a:t>11</a:t>
+              <a:t>12</a:t>
             </a:fld>
             <a:endParaRPr lang="zh-TW" altLang="en-US"/>
           </a:p>
@@ -1178,7 +1176,7 @@
               <a:pPr>
                 <a:defRPr/>
               </a:pPr>
-              <a:t>12</a:t>
+              <a:t>13</a:t>
             </a:fld>
             <a:endParaRPr lang="zh-TW" altLang="en-US"/>
           </a:p>
@@ -1272,7 +1270,7 @@
               <a:pPr>
                 <a:defRPr/>
               </a:pPr>
-              <a:t>13</a:t>
+              <a:t>14</a:t>
             </a:fld>
             <a:endParaRPr lang="zh-TW" altLang="en-US"/>
           </a:p>
@@ -1335,6 +1333,96 @@
           <a:bodyPr/>
           <a:lstStyle/>
           <a:p>
+            <a:r>
+              <a:rPr lang="zh-TW" altLang="en-US" dirty="0" smtClean="0"/>
+              <a:t>映像</a:t>
+            </a:r>
+            <a:r>
+              <a:rPr lang="en-US" altLang="zh-TW" dirty="0" smtClean="0"/>
+              <a:t>(Image)</a:t>
+            </a:r>
+            <a:r>
+              <a:rPr lang="zh-TW" altLang="en-US" dirty="0" smtClean="0"/>
+              <a:t>是唯讀的不可修改，一個</a:t>
+            </a:r>
+            <a:r>
+              <a:rPr lang="en-US" altLang="zh-TW" dirty="0" smtClean="0"/>
+              <a:t>Image</a:t>
+            </a:r>
+            <a:r>
+              <a:rPr lang="zh-TW" altLang="en-US" dirty="0" smtClean="0"/>
+              <a:t>可以產生出多個不同的容器</a:t>
+            </a:r>
+            <a:r>
+              <a:rPr lang="en-US" altLang="zh-TW" dirty="0" smtClean="0"/>
+              <a:t>(Container)</a:t>
+            </a:r>
+            <a:r>
+              <a:rPr lang="zh-TW" altLang="en-US" dirty="0" smtClean="0"/>
+              <a:t>。</a:t>
+            </a:r>
+            <a:endParaRPr lang="en-US" altLang="zh-TW" dirty="0" smtClean="0"/>
+          </a:p>
+          <a:p>
+            <a:r>
+              <a:rPr lang="zh-TW" altLang="en-US" dirty="0" smtClean="0"/>
+              <a:t>容器是映像的可寫層。</a:t>
+            </a:r>
+            <a:endParaRPr lang="en-US" altLang="zh-TW" dirty="0" smtClean="0"/>
+          </a:p>
+          <a:p>
+            <a:r>
+              <a:rPr lang="zh-TW" altLang="en-US" dirty="0" smtClean="0"/>
+              <a:t>貢獻 </a:t>
+            </a:r>
+            <a:r>
+              <a:rPr lang="en-US" altLang="zh-TW" dirty="0" smtClean="0"/>
+              <a:t>:</a:t>
+            </a:r>
+            <a:r>
+              <a:rPr lang="zh-TW" altLang="en-US" dirty="0" smtClean="0"/>
+              <a:t> 讓</a:t>
+            </a:r>
+            <a:r>
+              <a:rPr lang="en-US" altLang="zh-TW" dirty="0" err="1" smtClean="0"/>
+              <a:t>jenkins</a:t>
+            </a:r>
+            <a:r>
+              <a:rPr lang="zh-TW" altLang="en-US" dirty="0" smtClean="0"/>
+              <a:t>自動跑</a:t>
+            </a:r>
+            <a:r>
+              <a:rPr lang="en-US" altLang="zh-TW" dirty="0" smtClean="0"/>
+              <a:t>Unit Test</a:t>
+            </a:r>
+            <a:r>
+              <a:rPr lang="zh-TW" altLang="en-US" dirty="0" smtClean="0"/>
+              <a:t>，使用</a:t>
+            </a:r>
+            <a:r>
+              <a:rPr lang="en-US" altLang="zh-TW" dirty="0" smtClean="0"/>
+              <a:t>Docker</a:t>
+            </a:r>
+            <a:r>
+              <a:rPr lang="zh-TW" altLang="en-US" dirty="0" smtClean="0"/>
+              <a:t>指定要部署的</a:t>
+            </a:r>
+            <a:r>
+              <a:rPr lang="en-US" altLang="zh-TW" dirty="0" smtClean="0"/>
+              <a:t>port</a:t>
+            </a:r>
+            <a:r>
+              <a:rPr lang="zh-TW" altLang="en-US" dirty="0" smtClean="0"/>
+              <a:t>號，寫驗收測試確認服務已和</a:t>
+            </a:r>
+            <a:r>
+              <a:rPr lang="en-US" altLang="zh-TW" dirty="0" err="1" smtClean="0"/>
+              <a:t>ezScrum</a:t>
+            </a:r>
+            <a:r>
+              <a:rPr lang="zh-TW" altLang="en-US" dirty="0" smtClean="0"/>
+              <a:t>連上線。</a:t>
+            </a:r>
             <a:endParaRPr lang="zh-TW" altLang="en-US" dirty="0"/>
           </a:p>
         </p:txBody>
@@ -1362,7 +1450,7 @@
               <a:pPr>
                 <a:defRPr/>
               </a:pPr>
-              <a:t>25</a:t>
+              <a:t>20</a:t>
             </a:fld>
             <a:endParaRPr lang="zh-TW" altLang="en-US"/>
           </a:p>
@@ -1371,7 +1459,7 @@
     </p:spTree>
     <p:extLst>
       <p:ext uri="{BB962C8B-B14F-4D97-AF65-F5344CB8AC3E}">
-        <p14:creationId xmlns:p14="http://schemas.microsoft.com/office/powerpoint/2010/main" val="1046849409"/>
+        <p14:creationId xmlns:p14="http://schemas.microsoft.com/office/powerpoint/2010/main" val="4015106971"/>
       </p:ext>
     </p:extLst>
   </p:cSld>
@@ -1425,96 +1513,6 @@
           <a:bodyPr/>
           <a:lstStyle/>
           <a:p>
-            <a:r>
-              <a:rPr lang="zh-TW" altLang="en-US" dirty="0" smtClean="0"/>
-              <a:t>映像</a:t>
-            </a:r>
-            <a:r>
-              <a:rPr lang="en-US" altLang="zh-TW" dirty="0" smtClean="0"/>
-              <a:t>(Image)</a:t>
-            </a:r>
-            <a:r>
-              <a:rPr lang="zh-TW" altLang="en-US" dirty="0" smtClean="0"/>
-              <a:t>是唯讀的不可修改，一個</a:t>
-            </a:r>
-            <a:r>
-              <a:rPr lang="en-US" altLang="zh-TW" dirty="0" smtClean="0"/>
-              <a:t>Image</a:t>
-            </a:r>
-            <a:r>
-              <a:rPr lang="zh-TW" altLang="en-US" dirty="0" smtClean="0"/>
-              <a:t>可以產生出多個不同的容器</a:t>
-            </a:r>
-            <a:r>
-              <a:rPr lang="en-US" altLang="zh-TW" dirty="0" smtClean="0"/>
-              <a:t>(Container)</a:t>
-            </a:r>
-            <a:r>
-              <a:rPr lang="zh-TW" altLang="en-US" dirty="0" smtClean="0"/>
-              <a:t>。</a:t>
-            </a:r>
-            <a:endParaRPr lang="en-US" altLang="zh-TW" dirty="0" smtClean="0"/>
-          </a:p>
-          <a:p>
-            <a:r>
-              <a:rPr lang="zh-TW" altLang="en-US" dirty="0" smtClean="0"/>
-              <a:t>容器是映像的可寫層。</a:t>
-            </a:r>
-            <a:endParaRPr lang="en-US" altLang="zh-TW" dirty="0" smtClean="0"/>
-          </a:p>
-          <a:p>
-            <a:r>
-              <a:rPr lang="zh-TW" altLang="en-US" dirty="0" smtClean="0"/>
-              <a:t>貢獻 </a:t>
-            </a:r>
-            <a:r>
-              <a:rPr lang="en-US" altLang="zh-TW" dirty="0" smtClean="0"/>
-              <a:t>:</a:t>
-            </a:r>
-            <a:r>
-              <a:rPr lang="zh-TW" altLang="en-US" dirty="0" smtClean="0"/>
-              <a:t> 讓</a:t>
-            </a:r>
-            <a:r>
-              <a:rPr lang="en-US" altLang="zh-TW" dirty="0" err="1" smtClean="0"/>
-              <a:t>jenkins</a:t>
-            </a:r>
-            <a:r>
-              <a:rPr lang="zh-TW" altLang="en-US" dirty="0" smtClean="0"/>
-              <a:t>自動跑</a:t>
-            </a:r>
-            <a:r>
-              <a:rPr lang="en-US" altLang="zh-TW" dirty="0" smtClean="0"/>
-              <a:t>Unit Test</a:t>
-            </a:r>
-            <a:r>
-              <a:rPr lang="zh-TW" altLang="en-US" dirty="0" smtClean="0"/>
-              <a:t>，使用</a:t>
-            </a:r>
-            <a:r>
-              <a:rPr lang="en-US" altLang="zh-TW" dirty="0" smtClean="0"/>
-              <a:t>Docker</a:t>
-            </a:r>
-            <a:r>
-              <a:rPr lang="zh-TW" altLang="en-US" dirty="0" smtClean="0"/>
-              <a:t>指定要部署的</a:t>
-            </a:r>
-            <a:r>
-              <a:rPr lang="en-US" altLang="zh-TW" dirty="0" smtClean="0"/>
-              <a:t>port</a:t>
-            </a:r>
-            <a:r>
-              <a:rPr lang="zh-TW" altLang="en-US" dirty="0" smtClean="0"/>
-              <a:t>號，寫驗收測試確認服務已和</a:t>
-            </a:r>
-            <a:r>
-              <a:rPr lang="en-US" altLang="zh-TW" dirty="0" err="1" smtClean="0"/>
-              <a:t>ezScrum</a:t>
-            </a:r>
-            <a:r>
-              <a:rPr lang="zh-TW" altLang="en-US" dirty="0" smtClean="0"/>
-              <a:t>連上線。</a:t>
-            </a:r>
             <a:endParaRPr lang="zh-TW" altLang="en-US" dirty="0"/>
           </a:p>
         </p:txBody>
@@ -1551,7 +1549,7 @@
     </p:spTree>
     <p:extLst>
       <p:ext uri="{BB962C8B-B14F-4D97-AF65-F5344CB8AC3E}">
-        <p14:creationId xmlns:p14="http://schemas.microsoft.com/office/powerpoint/2010/main" val="4015106971"/>
+        <p14:creationId xmlns:p14="http://schemas.microsoft.com/office/powerpoint/2010/main" val="2382924343"/>
       </p:ext>
     </p:extLst>
   </p:cSld>
@@ -1605,6 +1603,307 @@
           <a:bodyPr/>
           <a:lstStyle/>
           <a:p>
+            <a:pPr marL="0" marR="0" lvl="0" indent="0" algn="l" defTabSz="914400" rtl="0" eaLnBrk="0" fontAlgn="base" latinLnBrk="0" hangingPunct="0">
+              <a:lnSpc>
+                <a:spcPct val="100000"/>
+              </a:lnSpc>
+              <a:spcBef>
+                <a:spcPct val="30000"/>
+              </a:spcBef>
+              <a:spcAft>
+                <a:spcPct val="0"/>
+              </a:spcAft>
+              <a:buClrTx/>
+              <a:buSzTx/>
+              <a:buFontTx/>
+              <a:buNone/>
+              <a:tabLst/>
+              <a:defRPr/>
+            </a:pPr>
+            <a:r>
+              <a:rPr lang="en-US" altLang="zh-TW" sz="1200" kern="1200" dirty="0" err="1" smtClean="0">
+                <a:solidFill>
+                  <a:schemeClr val="tx1"/>
+                </a:solidFill>
+                <a:effectLst/>
+                <a:latin typeface="+mn-lt"/>
+                <a:ea typeface="+mn-ea"/>
+                <a:cs typeface="+mn-cs"/>
+              </a:rPr>
+              <a:t>ezScrum</a:t>
+            </a:r>
+            <a:r>
+              <a:rPr lang="zh-TW" altLang="zh-TW" sz="1200" kern="1200" dirty="0" smtClean="0">
+                <a:solidFill>
+                  <a:schemeClr val="tx1"/>
+                </a:solidFill>
+                <a:effectLst/>
+                <a:latin typeface="+mn-lt"/>
+                <a:ea typeface="+mn-ea"/>
+                <a:cs typeface="+mn-cs"/>
+              </a:rPr>
+              <a:t>每次產生一個</a:t>
+            </a:r>
+            <a:r>
+              <a:rPr lang="en-US" altLang="zh-TW" sz="1200" kern="1200" dirty="0" err="1" smtClean="0">
+                <a:solidFill>
+                  <a:schemeClr val="tx1"/>
+                </a:solidFill>
+                <a:effectLst/>
+                <a:latin typeface="+mn-lt"/>
+                <a:ea typeface="+mn-ea"/>
+                <a:cs typeface="+mn-cs"/>
+              </a:rPr>
+              <a:t>Microservice</a:t>
+            </a:r>
+            <a:r>
+              <a:rPr lang="zh-TW" altLang="zh-TW" sz="1200" kern="1200" dirty="0" smtClean="0">
+                <a:solidFill>
+                  <a:schemeClr val="tx1"/>
+                </a:solidFill>
+                <a:effectLst/>
+                <a:latin typeface="+mn-lt"/>
+                <a:ea typeface="+mn-ea"/>
+                <a:cs typeface="+mn-cs"/>
+              </a:rPr>
+              <a:t>即可使用</a:t>
+            </a:r>
+            <a:r>
+              <a:rPr lang="en-US" altLang="zh-TW" sz="1200" kern="1200" dirty="0" smtClean="0">
+                <a:solidFill>
+                  <a:schemeClr val="tx1"/>
+                </a:solidFill>
+                <a:effectLst/>
+                <a:latin typeface="+mn-lt"/>
+                <a:ea typeface="+mn-ea"/>
+                <a:cs typeface="+mn-cs"/>
+              </a:rPr>
+              <a:t>Maven</a:t>
+            </a:r>
+            <a:r>
+              <a:rPr lang="zh-TW" altLang="zh-TW" sz="1200" kern="1200" dirty="0" smtClean="0">
+                <a:solidFill>
+                  <a:schemeClr val="tx1"/>
+                </a:solidFill>
+                <a:effectLst/>
+                <a:latin typeface="+mn-lt"/>
+                <a:ea typeface="+mn-ea"/>
+                <a:cs typeface="+mn-cs"/>
+              </a:rPr>
+              <a:t>的指令產生一個</a:t>
+            </a:r>
+            <a:r>
+              <a:rPr lang="en-US" altLang="zh-TW" sz="1200" kern="1200" dirty="0" smtClean="0">
+                <a:solidFill>
+                  <a:schemeClr val="tx1"/>
+                </a:solidFill>
+                <a:effectLst/>
+                <a:latin typeface="+mn-lt"/>
+                <a:ea typeface="+mn-ea"/>
+                <a:cs typeface="+mn-cs"/>
+              </a:rPr>
+              <a:t>Jar</a:t>
+            </a:r>
+            <a:r>
+              <a:rPr lang="zh-TW" altLang="zh-TW" sz="1200" kern="1200" dirty="0" smtClean="0">
+                <a:solidFill>
+                  <a:schemeClr val="tx1"/>
+                </a:solidFill>
+                <a:effectLst/>
+                <a:latin typeface="+mn-lt"/>
+                <a:ea typeface="+mn-ea"/>
+                <a:cs typeface="+mn-cs"/>
+              </a:rPr>
+              <a:t>包，而每個</a:t>
+            </a:r>
+            <a:r>
+              <a:rPr lang="en-US" altLang="zh-TW" sz="1200" kern="1200" dirty="0" err="1" smtClean="0">
+                <a:solidFill>
+                  <a:schemeClr val="tx1"/>
+                </a:solidFill>
+                <a:effectLst/>
+                <a:latin typeface="+mn-lt"/>
+                <a:ea typeface="+mn-ea"/>
+                <a:cs typeface="+mn-cs"/>
+              </a:rPr>
+              <a:t>Microservice</a:t>
+            </a:r>
+            <a:r>
+              <a:rPr lang="zh-TW" altLang="zh-TW" sz="1200" kern="1200" dirty="0" smtClean="0">
+                <a:solidFill>
+                  <a:schemeClr val="tx1"/>
+                </a:solidFill>
+                <a:effectLst/>
+                <a:latin typeface="+mn-lt"/>
+                <a:ea typeface="+mn-ea"/>
+                <a:cs typeface="+mn-cs"/>
+              </a:rPr>
+              <a:t>可以在同一個</a:t>
+            </a:r>
+            <a:r>
+              <a:rPr lang="en-US" altLang="zh-TW" sz="1200" kern="1200" dirty="0" smtClean="0">
+                <a:solidFill>
+                  <a:schemeClr val="tx1"/>
+                </a:solidFill>
+                <a:effectLst/>
+                <a:latin typeface="+mn-lt"/>
+                <a:ea typeface="+mn-ea"/>
+                <a:cs typeface="+mn-cs"/>
+              </a:rPr>
+              <a:t>IP</a:t>
+            </a:r>
+            <a:r>
+              <a:rPr lang="zh-TW" altLang="zh-TW" sz="1200" kern="1200" dirty="0" smtClean="0">
+                <a:solidFill>
+                  <a:schemeClr val="tx1"/>
+                </a:solidFill>
+                <a:effectLst/>
+                <a:latin typeface="+mn-lt"/>
+                <a:ea typeface="+mn-ea"/>
+                <a:cs typeface="+mn-cs"/>
+              </a:rPr>
+              <a:t>不同的</a:t>
+            </a:r>
+            <a:r>
+              <a:rPr lang="en-US" altLang="zh-TW" sz="1200" kern="1200" dirty="0" smtClean="0">
+                <a:solidFill>
+                  <a:schemeClr val="tx1"/>
+                </a:solidFill>
+                <a:effectLst/>
+                <a:latin typeface="+mn-lt"/>
+                <a:ea typeface="+mn-ea"/>
+                <a:cs typeface="+mn-cs"/>
+              </a:rPr>
+              <a:t>Port</a:t>
+            </a:r>
+            <a:r>
+              <a:rPr lang="zh-TW" altLang="zh-TW" sz="1200" kern="1200" dirty="0" smtClean="0">
+                <a:solidFill>
+                  <a:schemeClr val="tx1"/>
+                </a:solidFill>
+                <a:effectLst/>
+                <a:latin typeface="+mn-lt"/>
+                <a:ea typeface="+mn-ea"/>
+                <a:cs typeface="+mn-cs"/>
+              </a:rPr>
+              <a:t>號進行存取，當一個</a:t>
+            </a:r>
+            <a:r>
+              <a:rPr lang="en-US" altLang="zh-TW" sz="1200" kern="1200" dirty="0" err="1" smtClean="0">
+                <a:solidFill>
+                  <a:schemeClr val="tx1"/>
+                </a:solidFill>
+                <a:effectLst/>
+                <a:latin typeface="+mn-lt"/>
+                <a:ea typeface="+mn-ea"/>
+                <a:cs typeface="+mn-cs"/>
+              </a:rPr>
+              <a:t>Microservice</a:t>
+            </a:r>
+            <a:r>
+              <a:rPr lang="zh-TW" altLang="zh-TW" sz="1200" kern="1200" dirty="0" smtClean="0">
+                <a:solidFill>
+                  <a:schemeClr val="tx1"/>
+                </a:solidFill>
+                <a:effectLst/>
+                <a:latin typeface="+mn-lt"/>
+                <a:ea typeface="+mn-ea"/>
+                <a:cs typeface="+mn-cs"/>
+              </a:rPr>
+              <a:t>產生時，開發人員往往在開發的階段產生多個不同的版本。</a:t>
+            </a:r>
+          </a:p>
+          <a:p>
+            <a:endParaRPr lang="zh-TW" altLang="en-US" dirty="0"/>
+          </a:p>
+        </p:txBody>
+      </p:sp>
+      <p:sp>
+        <p:nvSpPr>
+          <p:cNvPr id="4" name="投影片編號版面配置區 3"/>
+          <p:cNvSpPr>
+            <a:spLocks noGrp="1"/>
+          </p:cNvSpPr>
+          <p:nvPr>
+            <p:ph type="sldNum" sz="quarter" idx="10"/>
+          </p:nvPr>
+        </p:nvSpPr>
+        <p:spPr/>
+        <p:txBody>
+          <a:bodyPr/>
+          <a:lstStyle/>
+          <a:p>
+            <a:pPr>
+              <a:defRPr/>
+            </a:pPr>
+            <a:fld id="{6F308B74-7694-4F8D-8B02-081695F7FEB9}" type="slidenum">
+              <a:rPr lang="zh-TW" altLang="en-US" smtClean="0"/>
+              <a:pPr>
+                <a:defRPr/>
+              </a:pPr>
+              <a:t>27</a:t>
+            </a:fld>
+            <a:endParaRPr lang="zh-TW" altLang="en-US"/>
+          </a:p>
+        </p:txBody>
+      </p:sp>
+    </p:spTree>
+    <p:extLst>
+      <p:ext uri="{BB962C8B-B14F-4D97-AF65-F5344CB8AC3E}">
+        <p14:creationId xmlns:p14="http://schemas.microsoft.com/office/powerpoint/2010/main" val="2560347368"/>
+      </p:ext>
+    </p:extLst>
+  </p:cSld>
+  <p:clrMapOvr>
+    <a:masterClrMapping/>
+  </p:clrMapOvr>
+</p:notes>
+</file>
+
+<file path=ppt/notesSlides/notesSlide9.xml><?xml version="1.0" encoding="utf-8"?>
+<p:notes xmlns:a="http://schemas.openxmlformats.org/drawingml/2006/main" xmlns:r="http://schemas.openxmlformats.org/officeDocument/2006/relationships" xmlns:p="http://schemas.openxmlformats.org/presentationml/2006/main">
+  <p:cSld>
+    <p:spTree>
+      <p:nvGrpSpPr>
+        <p:cNvPr id="1" name=""/>
+        <p:cNvGrpSpPr/>
+        <p:nvPr/>
+      </p:nvGrpSpPr>
+      <p:grpSpPr>
+        <a:xfrm>
+          <a:off x="0" y="0"/>
+          <a:ext cx="0" cy="0"/>
+          <a:chOff x="0" y="0"/>
+          <a:chExt cx="0" cy="0"/>
+        </a:xfrm>
+      </p:grpSpPr>
+      <p:sp>
+        <p:nvSpPr>
+          <p:cNvPr id="2" name="投影片圖像版面配置區 1"/>
+          <p:cNvSpPr>
+            <a:spLocks noGrp="1" noRot="1" noChangeAspect="1"/>
+          </p:cNvSpPr>
+          <p:nvPr>
+            <p:ph type="sldImg"/>
+          </p:nvPr>
+        </p:nvSpPr>
+        <p:spPr/>
+      </p:sp>
+      <p:sp>
+        <p:nvSpPr>
+          <p:cNvPr id="3" name="備忘稿版面配置區 2"/>
+          <p:cNvSpPr>
+            <a:spLocks noGrp="1"/>
+          </p:cNvSpPr>
+          <p:nvPr>
+            <p:ph type="body" idx="1"/>
+          </p:nvPr>
+        </p:nvSpPr>
+        <p:spPr/>
+        <p:txBody>
+          <a:bodyPr/>
+          <a:lstStyle/>
+          <a:p>
             <a:r>
               <a:rPr lang="zh-TW" altLang="en-US" dirty="0" smtClean="0"/>
               <a:t>自動化表示</a:t>
@@ -1683,7 +1982,7 @@
               <a:pPr>
                 <a:defRPr/>
               </a:pPr>
-              <a:t>27</a:t>
+              <a:t>35</a:t>
             </a:fld>
             <a:endParaRPr lang="zh-TW" altLang="en-US"/>
           </a:p>
@@ -1928,7 +2227,7 @@
               <a:pPr>
                 <a:defRPr/>
               </a:pPr>
-              <a:t>2017/10/27</a:t>
+              <a:t>2017/10/28</a:t>
             </a:fld>
             <a:endParaRPr lang="zh-TW" altLang="en-US"/>
           </a:p>
@@ -2123,7 +2422,7 @@
               <a:pPr>
                 <a:defRPr/>
               </a:pPr>
-              <a:t>2017/10/27</a:t>
+              <a:t>2017/10/28</a:t>
             </a:fld>
             <a:endParaRPr lang="zh-TW" altLang="en-US"/>
           </a:p>
@@ -2328,7 +2627,7 @@
               <a:pPr>
                 <a:defRPr/>
               </a:pPr>
-              <a:t>2017/10/27</a:t>
+              <a:t>2017/10/28</a:t>
             </a:fld>
             <a:endParaRPr lang="zh-TW" altLang="en-US"/>
           </a:p>
@@ -2505,7 +2804,7 @@
               <a:pPr>
                 <a:defRPr/>
               </a:pPr>
-              <a:t>2017/10/27</a:t>
+              <a:t>2017/10/28</a:t>
             </a:fld>
             <a:endParaRPr lang="zh-TW" altLang="en-US"/>
           </a:p>
@@ -2754,7 +3053,7 @@
               <a:pPr>
                 <a:defRPr/>
               </a:pPr>
-              <a:t>2017/10/27</a:t>
+              <a:t>2017/10/28</a:t>
             </a:fld>
             <a:endParaRPr lang="zh-TW" altLang="en-US"/>
           </a:p>
@@ -3025,7 +3324,7 @@
               <a:pPr>
                 <a:defRPr/>
               </a:pPr>
-              <a:t>2017/10/27</a:t>
+              <a:t>2017/10/28</a:t>
             </a:fld>
             <a:endParaRPr lang="zh-TW" altLang="en-US"/>
           </a:p>
@@ -3338,7 +3637,7 @@
               <a:pPr>
                 <a:defRPr/>
               </a:pPr>
-              <a:t>2017/10/27</a:t>
+              <a:t>2017/10/28</a:t>
             </a:fld>
             <a:endParaRPr lang="zh-TW" altLang="en-US"/>
           </a:p>
@@ -3785,7 +4084,7 @@
               <a:pPr>
                 <a:defRPr/>
               </a:pPr>
-              <a:t>2017/10/27</a:t>
+              <a:t>2017/10/28</a:t>
             </a:fld>
             <a:endParaRPr lang="zh-TW" altLang="en-US"/>
           </a:p>
@@ -3928,7 +4227,7 @@
               <a:pPr>
                 <a:defRPr/>
               </a:pPr>
-              <a:t>2017/10/27</a:t>
+              <a:t>2017/10/28</a:t>
             </a:fld>
             <a:endParaRPr lang="zh-TW" altLang="en-US"/>
           </a:p>
@@ -4048,7 +4347,7 @@
               <a:pPr>
                 <a:defRPr/>
               </a:pPr>
-              <a:t>2017/10/27</a:t>
+              <a:t>2017/10/28</a:t>
             </a:fld>
             <a:endParaRPr lang="zh-TW" altLang="en-US"/>
           </a:p>
@@ -4350,7 +4649,7 @@
               <a:pPr>
                 <a:defRPr/>
               </a:pPr>
-              <a:t>2017/10/27</a:t>
+              <a:t>2017/10/28</a:t>
             </a:fld>
             <a:endParaRPr lang="zh-TW" altLang="en-US"/>
           </a:p>
@@ -4635,7 +4934,7 @@
               <a:pPr>
                 <a:defRPr/>
               </a:pPr>
-              <a:t>2017/10/27</a:t>
+              <a:t>2017/10/28</a:t>
             </a:fld>
             <a:endParaRPr lang="zh-TW" altLang="en-US"/>
           </a:p>
@@ -4901,7 +5200,7 @@
               <a:pPr>
                 <a:defRPr/>
               </a:pPr>
-              <a:t>2017/10/27</a:t>
+              <a:t>2017/10/28</a:t>
             </a:fld>
             <a:endParaRPr lang="zh-TW" altLang="en-US"/>
           </a:p>
@@ -5757,7 +6056,7 @@
           <a:p>
             <a:r>
               <a:rPr lang="zh-TW" altLang="en-US" dirty="0" smtClean="0"/>
-              <a:t>自動化部署</a:t>
+              <a:t>大綱</a:t>
             </a:r>
             <a:endParaRPr lang="zh-TW" altLang="en-US" dirty="0"/>
           </a:p>
@@ -5777,6 +6076,154 @@
         <p:txBody>
           <a:bodyPr/>
           <a:lstStyle/>
+          <a:p>
+            <a:pPr eaLnBrk="1" hangingPunct="1">
+              <a:buFont typeface="Arial" charset="0"/>
+              <a:buChar char="•"/>
+              <a:defRPr/>
+            </a:pPr>
+            <a:r>
+              <a:rPr lang="zh-TW" altLang="en-US" dirty="0">
+                <a:solidFill>
+                  <a:schemeClr val="bg1">
+                    <a:lumMod val="75000"/>
+                  </a:schemeClr>
+                </a:solidFill>
+                <a:latin typeface="標楷體" pitchFamily="65" charset="-120"/>
+              </a:rPr>
+              <a:t>研究背景與動機</a:t>
+            </a:r>
+            <a:endParaRPr lang="en-US" altLang="zh-TW" dirty="0">
+              <a:solidFill>
+                <a:schemeClr val="bg1">
+                  <a:lumMod val="75000"/>
+                </a:schemeClr>
+              </a:solidFill>
+              <a:latin typeface="標楷體" pitchFamily="65" charset="-120"/>
+            </a:endParaRPr>
+          </a:p>
+          <a:p>
+            <a:pPr eaLnBrk="1" hangingPunct="1">
+              <a:buFont typeface="Arial" charset="0"/>
+              <a:buChar char="•"/>
+              <a:defRPr/>
+            </a:pPr>
+            <a:r>
+              <a:rPr lang="zh-TW" altLang="en-US" dirty="0">
+                <a:solidFill>
+                  <a:schemeClr val="bg1">
+                    <a:lumMod val="75000"/>
+                  </a:schemeClr>
+                </a:solidFill>
+                <a:latin typeface="標楷體" pitchFamily="65" charset="-120"/>
+              </a:rPr>
+              <a:t>研究目標</a:t>
+            </a:r>
+            <a:endParaRPr lang="en-US" altLang="zh-TW" dirty="0">
+              <a:solidFill>
+                <a:schemeClr val="bg1">
+                  <a:lumMod val="75000"/>
+                </a:schemeClr>
+              </a:solidFill>
+              <a:latin typeface="標楷體" pitchFamily="65" charset="-120"/>
+            </a:endParaRPr>
+          </a:p>
+          <a:p>
+            <a:pPr eaLnBrk="1" hangingPunct="1">
+              <a:buFont typeface="Arial" charset="0"/>
+              <a:buChar char="•"/>
+              <a:defRPr/>
+            </a:pPr>
+            <a:r>
+              <a:rPr lang="zh-TW" altLang="en-US" dirty="0">
+                <a:solidFill>
+                  <a:schemeClr val="bg1">
+                    <a:lumMod val="75000"/>
+                  </a:schemeClr>
+                </a:solidFill>
+                <a:latin typeface="標楷體" pitchFamily="65" charset="-120"/>
+              </a:rPr>
+              <a:t>背景知識</a:t>
+            </a:r>
+            <a:endParaRPr lang="en-US" altLang="zh-TW" dirty="0">
+              <a:solidFill>
+                <a:schemeClr val="bg1">
+                  <a:lumMod val="75000"/>
+                </a:schemeClr>
+              </a:solidFill>
+              <a:latin typeface="標楷體" pitchFamily="65" charset="-120"/>
+            </a:endParaRPr>
+          </a:p>
+          <a:p>
+            <a:pPr eaLnBrk="1" hangingPunct="1">
+              <a:buFont typeface="Arial" charset="0"/>
+              <a:buChar char="•"/>
+              <a:defRPr/>
+            </a:pPr>
+            <a:r>
+              <a:rPr lang="zh-TW" altLang="en-US" dirty="0" smtClean="0">
+                <a:solidFill>
+                  <a:schemeClr val="tx2">
+                    <a:lumMod val="75000"/>
+                  </a:schemeClr>
+                </a:solidFill>
+                <a:latin typeface="標楷體" pitchFamily="65" charset="-120"/>
+              </a:rPr>
+              <a:t>研究方法</a:t>
+            </a:r>
+            <a:endParaRPr lang="zh-TW" altLang="en-US" dirty="0">
+              <a:solidFill>
+                <a:schemeClr val="tx2">
+                  <a:lumMod val="75000"/>
+                </a:schemeClr>
+              </a:solidFill>
+              <a:latin typeface="標楷體" pitchFamily="65" charset="-120"/>
+            </a:endParaRPr>
+          </a:p>
+          <a:p>
+            <a:pPr eaLnBrk="1" hangingPunct="1">
+              <a:buFont typeface="Arial" charset="0"/>
+              <a:buChar char="•"/>
+              <a:defRPr/>
+            </a:pPr>
+            <a:r>
+              <a:rPr lang="zh-TW" altLang="en-US" dirty="0">
+                <a:solidFill>
+                  <a:schemeClr val="bg1">
+                    <a:lumMod val="75000"/>
+                  </a:schemeClr>
+                </a:solidFill>
+                <a:latin typeface="標楷體" pitchFamily="65" charset="-120"/>
+              </a:rPr>
+              <a:t>案例實作</a:t>
+            </a:r>
+            <a:endParaRPr lang="en-US" altLang="zh-TW" dirty="0">
+              <a:solidFill>
+                <a:schemeClr val="bg1">
+                  <a:lumMod val="75000"/>
+                </a:schemeClr>
+              </a:solidFill>
+              <a:latin typeface="標楷體" pitchFamily="65" charset="-120"/>
+            </a:endParaRPr>
+          </a:p>
+          <a:p>
+            <a:pPr eaLnBrk="1" hangingPunct="1">
+              <a:buFont typeface="Arial" charset="0"/>
+              <a:buChar char="•"/>
+              <a:defRPr/>
+            </a:pPr>
+            <a:r>
+              <a:rPr lang="zh-TW" altLang="en-US" dirty="0">
+                <a:solidFill>
+                  <a:schemeClr val="bg1">
+                    <a:lumMod val="75000"/>
+                  </a:schemeClr>
+                </a:solidFill>
+                <a:latin typeface="標楷體" pitchFamily="65" charset="-120"/>
+              </a:rPr>
+              <a:t>結論與未來展望</a:t>
+            </a:r>
+          </a:p>
           <a:p>
             <a:endParaRPr lang="zh-TW" altLang="en-US" dirty="0"/>
           </a:p>
@@ -5814,20 +6261,13 @@
     </p:spTree>
     <p:extLst>
       <p:ext uri="{BB962C8B-B14F-4D97-AF65-F5344CB8AC3E}">
-        <p14:creationId xmlns:p14="http://schemas.microsoft.com/office/powerpoint/2010/main" val="2218104004"/>
+        <p14:creationId xmlns:p14="http://schemas.microsoft.com/office/powerpoint/2010/main" val="2170350452"/>
       </p:ext>
     </p:extLst>
   </p:cSld>
   <p:clrMapOvr>
     <a:masterClrMapping/>
   </p:clrMapOvr>
-  <p:timing>
-    <p:tnLst>
-      <p:par>
-        <p:cTn id="1" dur="indefinite" restart="never" nodeType="tmRoot"/>
-      </p:par>
-    </p:tnLst>
-  </p:timing>
 </p:sld>
 </file>
 
@@ -5865,7 +6305,7 @@
           <a:p>
             <a:r>
               <a:rPr lang="zh-TW" altLang="en-US" dirty="0" smtClean="0"/>
-              <a:t>手動部署做法</a:t>
+              <a:t>研究方法</a:t>
             </a:r>
             <a:endParaRPr lang="zh-TW" altLang="en-US" dirty="0"/>
           </a:p>
@@ -5881,19 +6321,68 @@
             <p:ph idx="1"/>
           </p:nvPr>
         </p:nvSpPr>
-        <p:spPr>
-          <a:xfrm>
-            <a:off x="0" y="1600200"/>
-            <a:ext cx="9144000" cy="5257800"/>
-          </a:xfrm>
-        </p:spPr>
+        <p:spPr/>
         <p:txBody>
           <a:bodyPr/>
           <a:lstStyle/>
           <a:p>
             <a:r>
+              <a:rPr lang="zh-TW" altLang="en-US" sz="2000" dirty="0"/>
+              <a:t>手動部署要經過的步驟 </a:t>
+            </a:r>
+            <a:r>
+              <a:rPr lang="en-US" altLang="zh-TW" sz="2000" dirty="0"/>
+              <a:t>:</a:t>
+            </a:r>
+            <a:r>
+              <a:rPr lang="zh-TW" altLang="en-US" sz="2000" dirty="0"/>
+              <a:t> </a:t>
+            </a:r>
+            <a:endParaRPr lang="en-US" altLang="zh-TW" sz="2000" dirty="0"/>
+          </a:p>
+          <a:p>
+            <a:r>
+              <a:rPr lang="en-US" altLang="zh-TW" sz="2000" dirty="0" smtClean="0"/>
+              <a:t>1.</a:t>
+            </a:r>
+            <a:r>
+              <a:rPr lang="zh-TW" altLang="zh-TW" sz="2000" dirty="0"/>
+              <a:t>從</a:t>
+            </a:r>
+            <a:r>
+              <a:rPr lang="en-US" altLang="zh-TW" sz="2000" dirty="0"/>
+              <a:t>GitHub</a:t>
+            </a:r>
+            <a:r>
+              <a:rPr lang="zh-TW" altLang="zh-TW" sz="2000" dirty="0"/>
+              <a:t>中下載</a:t>
+            </a:r>
+            <a:r>
+              <a:rPr lang="zh-TW" altLang="zh-TW" sz="2000" dirty="0" smtClean="0"/>
+              <a:t>程式碼</a:t>
+            </a:r>
+            <a:endParaRPr lang="en-US" altLang="zh-TW" sz="2000" dirty="0" smtClean="0"/>
+          </a:p>
+          <a:p>
+            <a:r>
+              <a:rPr lang="en-US" altLang="zh-TW" sz="2000" dirty="0"/>
+              <a:t>2</a:t>
+            </a:r>
+            <a:r>
+              <a:rPr lang="en-US" altLang="zh-TW" sz="2000" dirty="0" smtClean="0"/>
+              <a:t>.</a:t>
+            </a:r>
+            <a:r>
               <a:rPr lang="zh-TW" altLang="en-US" sz="2000" dirty="0" smtClean="0"/>
-              <a:t>手動部署要經過的步驟 </a:t>
+              <a:t>下載</a:t>
+            </a:r>
+            <a:r>
+              <a:rPr lang="zh-TW" altLang="en-US" sz="2000" dirty="0"/>
+              <a:t>與安裝要編譯與執行的</a:t>
+            </a:r>
+            <a:r>
+              <a:rPr lang="en-US" altLang="zh-TW" sz="2000" dirty="0"/>
+              <a:t>IDE </a:t>
             </a:r>
             <a:r>
               <a:rPr lang="en-US" altLang="zh-TW" sz="2000" dirty="0" smtClean="0"/>
@@ -5903,34 +6392,90 @@
               <a:rPr lang="zh-TW" altLang="en-US" sz="2000" dirty="0" smtClean="0"/>
               <a:t> </a:t>
             </a:r>
-            <a:endParaRPr lang="en-US" altLang="zh-TW" sz="2000" dirty="0" smtClean="0"/>
-          </a:p>
-          <a:p>
+            <a:r>
+              <a:rPr lang="en-US" altLang="zh-TW" sz="2000" dirty="0" err="1"/>
+              <a:t>Intellij</a:t>
+            </a:r>
+            <a:r>
+              <a:rPr lang="en-US" altLang="zh-TW" sz="2000" dirty="0"/>
+              <a:t> </a:t>
+            </a:r>
             <a:r>
               <a:rPr lang="en-US" altLang="zh-TW" sz="2000" dirty="0" smtClean="0"/>
-              <a:t>1.</a:t>
+              <a:t>IDE</a:t>
             </a:r>
             <a:r>
               <a:rPr lang="zh-TW" altLang="en-US" sz="2000" dirty="0" smtClean="0"/>
-              <a:t>從</a:t>
+              <a:t>與</a:t>
+            </a:r>
+            <a:r>
+              <a:rPr lang="zh-TW" altLang="en-US" sz="2000" dirty="0" smtClean="0">
+                <a:latin typeface="標楷體" panose="03000509000000000000" pitchFamily="65" charset="-120"/>
+              </a:rPr>
+              <a:t>設定</a:t>
+            </a:r>
+            <a:r>
+              <a:rPr lang="zh-TW" altLang="en-US" sz="2000" dirty="0">
+                <a:latin typeface="標楷體" panose="03000509000000000000" pitchFamily="65" charset="-120"/>
+              </a:rPr>
+              <a:t>要執行環境變數</a:t>
+            </a:r>
+            <a:r>
+              <a:rPr lang="en-US" altLang="zh-TW" sz="2000" dirty="0">
+                <a:latin typeface="標楷體" panose="03000509000000000000" pitchFamily="65" charset="-120"/>
+              </a:rPr>
+              <a:t>(Spring boot</a:t>
+            </a:r>
+            <a:r>
+              <a:rPr lang="en-US" altLang="zh-TW" sz="2000" dirty="0" smtClean="0">
+                <a:latin typeface="標楷體" panose="03000509000000000000" pitchFamily="65" charset="-120"/>
+              </a:rPr>
+              <a:t>)</a:t>
+            </a:r>
+          </a:p>
+          <a:p>
+            <a:r>
+              <a:rPr lang="en-US" altLang="zh-TW" sz="2000" dirty="0">
+                <a:latin typeface="標楷體" panose="03000509000000000000" pitchFamily="65" charset="-120"/>
+              </a:rPr>
+              <a:t>3</a:t>
+            </a:r>
+            <a:r>
+              <a:rPr lang="en-US" altLang="zh-TW" sz="2000" dirty="0" smtClean="0">
+                <a:latin typeface="標楷體" panose="03000509000000000000" pitchFamily="65" charset="-120"/>
+              </a:rPr>
+              <a:t>.</a:t>
+            </a:r>
+            <a:r>
+              <a:rPr lang="zh-TW" altLang="en-US" sz="2000" dirty="0" smtClean="0">
+                <a:latin typeface="標楷體" panose="03000509000000000000" pitchFamily="65" charset="-120"/>
+              </a:rPr>
+              <a:t>跑單元測試</a:t>
+            </a:r>
+            <a:endParaRPr lang="en-US" altLang="zh-TW" sz="2000" dirty="0" smtClean="0">
+              <a:latin typeface="標楷體" panose="03000509000000000000" pitchFamily="65" charset="-120"/>
+            </a:endParaRPr>
+          </a:p>
+          <a:p>
+            <a:r>
+              <a:rPr lang="en-US" altLang="zh-TW" sz="2000" dirty="0" smtClean="0">
+                <a:latin typeface="標楷體" panose="03000509000000000000" pitchFamily="65" charset="-120"/>
+              </a:rPr>
+              <a:t>4.</a:t>
+            </a:r>
+            <a:r>
+              <a:rPr lang="zh-TW" altLang="en-US" sz="2000" dirty="0" smtClean="0">
+                <a:latin typeface="標楷體" panose="03000509000000000000" pitchFamily="65" charset="-120"/>
+              </a:rPr>
+              <a:t>啟動</a:t>
             </a:r>
             <a:r>
               <a:rPr lang="en-US" altLang="zh-TW" sz="2000" dirty="0" err="1" smtClean="0"/>
-              <a:t>Github</a:t>
-            </a:r>
-            <a:r>
-              <a:rPr lang="zh-TW" altLang="en-US" sz="2000" dirty="0" smtClean="0"/>
-              <a:t>下載程式碼 </a:t>
-            </a:r>
-            <a:r>
-              <a:rPr lang="en-US" altLang="zh-TW" sz="2000" dirty="0" smtClean="0"/>
-              <a:t>:</a:t>
-            </a:r>
-            <a:r>
-              <a:rPr lang="zh-TW" altLang="en-US" sz="2000" dirty="0" smtClean="0"/>
-              <a:t> </a:t>
-            </a:r>
-            <a:endParaRPr lang="en-US" altLang="zh-TW" sz="2000" dirty="0" smtClean="0"/>
+              <a:t>Microservice</a:t>
+            </a:r>
+            <a:endParaRPr lang="en-US" altLang="zh-TW" sz="2000" dirty="0">
+              <a:latin typeface="標楷體" panose="03000509000000000000" pitchFamily="65" charset="-120"/>
+            </a:endParaRPr>
           </a:p>
           <a:p>
             <a:endParaRPr lang="zh-TW" altLang="en-US" sz="2000" dirty="0"/>
@@ -5961,6 +6506,143 @@
                 <a:defRPr/>
               </a:pPr>
               <a:t>11</a:t>
+            </a:fld>
+            <a:endParaRPr lang="zh-TW" altLang="en-US"/>
+          </a:p>
+        </p:txBody>
+      </p:sp>
+    </p:spTree>
+    <p:extLst>
+      <p:ext uri="{BB962C8B-B14F-4D97-AF65-F5344CB8AC3E}">
+        <p14:creationId xmlns:p14="http://schemas.microsoft.com/office/powerpoint/2010/main" val="3444823952"/>
+      </p:ext>
+    </p:extLst>
+  </p:cSld>
+  <p:clrMapOvr>
+    <a:masterClrMapping/>
+  </p:clrMapOvr>
+</p:sld>
+</file>
+
+<file path=ppt/slides/slide12.xml><?xml version="1.0" encoding="utf-8"?>
+<p:sld xmlns:a="http://schemas.openxmlformats.org/drawingml/2006/main" xmlns:r="http://schemas.openxmlformats.org/officeDocument/2006/relationships" xmlns:p="http://schemas.openxmlformats.org/presentationml/2006/main">
+  <p:cSld>
+    <p:spTree>
+      <p:nvGrpSpPr>
+        <p:cNvPr id="1" name=""/>
+        <p:cNvGrpSpPr/>
+        <p:nvPr/>
+      </p:nvGrpSpPr>
+      <p:grpSpPr>
+        <a:xfrm>
+          <a:off x="0" y="0"/>
+          <a:ext cx="0" cy="0"/>
+          <a:chOff x="0" y="0"/>
+          <a:chExt cx="0" cy="0"/>
+        </a:xfrm>
+      </p:grpSpPr>
+      <p:sp>
+        <p:nvSpPr>
+          <p:cNvPr id="2" name="標題 1"/>
+          <p:cNvSpPr>
+            <a:spLocks noGrp="1"/>
+          </p:cNvSpPr>
+          <p:nvPr>
+            <p:ph type="title"/>
+          </p:nvPr>
+        </p:nvSpPr>
+        <p:spPr/>
+        <p:txBody>
+          <a:bodyPr/>
+          <a:lstStyle/>
+          <a:p>
+            <a:r>
+              <a:rPr lang="zh-TW" altLang="en-US" dirty="0" smtClean="0"/>
+              <a:t>手動部署做法</a:t>
+            </a:r>
+            <a:endParaRPr lang="zh-TW" altLang="en-US" dirty="0"/>
+          </a:p>
+        </p:txBody>
+      </p:sp>
+      <p:sp>
+        <p:nvSpPr>
+          <p:cNvPr id="3" name="內容版面配置區 2"/>
+          <p:cNvSpPr>
+            <a:spLocks noGrp="1"/>
+          </p:cNvSpPr>
+          <p:nvPr>
+            <p:ph idx="1"/>
+          </p:nvPr>
+        </p:nvSpPr>
+        <p:spPr>
+          <a:xfrm>
+            <a:off x="0" y="1600200"/>
+            <a:ext cx="9144000" cy="5257800"/>
+          </a:xfrm>
+        </p:spPr>
+        <p:txBody>
+          <a:bodyPr/>
+          <a:lstStyle/>
+          <a:p>
+            <a:r>
+              <a:rPr lang="en-US" altLang="zh-TW" sz="2000" dirty="0" smtClean="0"/>
+              <a:t>1</a:t>
+            </a:r>
+            <a:r>
+              <a:rPr lang="en-US" altLang="zh-TW" sz="2000" dirty="0" smtClean="0"/>
+              <a:t>.</a:t>
+            </a:r>
+            <a:r>
+              <a:rPr lang="zh-TW" altLang="en-US" sz="2000" dirty="0" smtClean="0"/>
+              <a:t>從</a:t>
+            </a:r>
+            <a:r>
+              <a:rPr lang="en-US" altLang="zh-TW" sz="2000" dirty="0" err="1" smtClean="0"/>
+              <a:t>Github</a:t>
+            </a:r>
+            <a:r>
+              <a:rPr lang="zh-TW" altLang="en-US" sz="2000" dirty="0" smtClean="0"/>
+              <a:t>下載程式碼 </a:t>
+            </a:r>
+            <a:r>
+              <a:rPr lang="en-US" altLang="zh-TW" sz="2000" dirty="0" smtClean="0"/>
+              <a:t>:</a:t>
+            </a:r>
+            <a:r>
+              <a:rPr lang="zh-TW" altLang="en-US" sz="2000" dirty="0" smtClean="0"/>
+              <a:t> </a:t>
+            </a:r>
+            <a:endParaRPr lang="en-US" altLang="zh-TW" sz="2000" dirty="0" smtClean="0"/>
+          </a:p>
+          <a:p>
+            <a:endParaRPr lang="zh-TW" altLang="en-US" sz="2000" dirty="0"/>
+          </a:p>
+        </p:txBody>
+      </p:sp>
+      <p:sp>
+        <p:nvSpPr>
+          <p:cNvPr id="4" name="投影片編號版面配置區 3"/>
+          <p:cNvSpPr>
+            <a:spLocks noGrp="1"/>
+          </p:cNvSpPr>
+          <p:nvPr>
+            <p:ph type="sldNum" sz="quarter" idx="12"/>
+          </p:nvPr>
+        </p:nvSpPr>
+        <p:spPr/>
+        <p:txBody>
+          <a:bodyPr/>
+          <a:lstStyle/>
+          <a:p>
+            <a:pPr>
+              <a:defRPr/>
+            </a:pPr>
+            <a:fld id="{3DB7C113-B292-4711-9FA5-4E4B2395B52F}" type="slidenum">
+              <a:rPr lang="zh-TW" altLang="en-US" smtClean="0"/>
+              <a:pPr>
+                <a:defRPr/>
+              </a:pPr>
+              <a:t>12</a:t>
             </a:fld>
             <a:endParaRPr lang="zh-TW" altLang="en-US"/>
           </a:p>
@@ -5982,7 +6664,7 @@
         </p:blipFill>
         <p:spPr>
           <a:xfrm>
-            <a:off x="539552" y="2438015"/>
+            <a:off x="482231" y="2101232"/>
             <a:ext cx="7560840" cy="4283460"/>
           </a:xfrm>
           <a:prstGeom prst="rect">
@@ -6010,7 +6692,7 @@
 </p:sld>
 </file>
 
-<file path=ppt/slides/slide12.xml><?xml version="1.0" encoding="utf-8"?>
+<file path=ppt/slides/slide13.xml><?xml version="1.0" encoding="utf-8"?>
 <p:sld xmlns:a="http://schemas.openxmlformats.org/drawingml/2006/main" xmlns:r="http://schemas.openxmlformats.org/officeDocument/2006/relationships" xmlns:p="http://schemas.openxmlformats.org/presentationml/2006/main">
   <p:cSld>
     <p:spTree>
@@ -6050,7 +6732,7 @@
               <a:pPr>
                 <a:defRPr/>
               </a:pPr>
-              <a:t>12</a:t>
+              <a:t>13</a:t>
             </a:fld>
             <a:endParaRPr lang="zh-TW" altLang="en-US"/>
           </a:p>
@@ -6136,7 +6818,7 @@
 </p:sld>
 </file>
 
-<file path=ppt/slides/slide13.xml><?xml version="1.0" encoding="utf-8"?>
+<file path=ppt/slides/slide14.xml><?xml version="1.0" encoding="utf-8"?>
 <p:sld xmlns:a="http://schemas.openxmlformats.org/drawingml/2006/main" xmlns:r="http://schemas.openxmlformats.org/officeDocument/2006/relationships" xmlns:p="http://schemas.openxmlformats.org/presentationml/2006/main">
   <p:cSld>
     <p:spTree>
@@ -6176,7 +6858,7 @@
               <a:pPr>
                 <a:defRPr/>
               </a:pPr>
-              <a:t>13</a:t>
+              <a:t>14</a:t>
             </a:fld>
             <a:endParaRPr lang="zh-TW" altLang="en-US"/>
           </a:p>
@@ -6226,7 +6908,7 @@
 </p:sld>
 </file>
 
-<file path=ppt/slides/slide14.xml><?xml version="1.0" encoding="utf-8"?>
+<file path=ppt/slides/slide15.xml><?xml version="1.0" encoding="utf-8"?>
 <p:sld xmlns:a="http://schemas.openxmlformats.org/drawingml/2006/main" xmlns:r="http://schemas.openxmlformats.org/officeDocument/2006/relationships" xmlns:p="http://schemas.openxmlformats.org/presentationml/2006/main">
   <p:cSld>
     <p:spTree>
@@ -6322,7 +7004,7 @@
               <a:pPr>
                 <a:defRPr/>
               </a:pPr>
-              <a:t>14</a:t>
+              <a:t>15</a:t>
             </a:fld>
             <a:endParaRPr lang="zh-TW" altLang="en-US"/>
           </a:p>
@@ -6372,98 +7054,6 @@
 </p:sld>
 </file>
 
-<file path=ppt/slides/slide15.xml><?xml version="1.0" encoding="utf-8"?>
-<p:sld xmlns:a="http://schemas.openxmlformats.org/drawingml/2006/main" xmlns:r="http://schemas.openxmlformats.org/officeDocument/2006/relationships" xmlns:p="http://schemas.openxmlformats.org/presentationml/2006/main">
-  <p:cSld>
-    <p:spTree>
-      <p:nvGrpSpPr>
-        <p:cNvPr id="1" name=""/>
-        <p:cNvGrpSpPr/>
-        <p:nvPr/>
-      </p:nvGrpSpPr>
-      <p:grpSpPr>
-        <a:xfrm>
-          <a:off x="0" y="0"/>
-          <a:ext cx="0" cy="0"/>
-          <a:chOff x="0" y="0"/>
-          <a:chExt cx="0" cy="0"/>
-        </a:xfrm>
-      </p:grpSpPr>
-      <p:pic>
-        <p:nvPicPr>
-          <p:cNvPr id="5" name="內容版面配置區 4"/>
-          <p:cNvPicPr>
-            <a:picLocks noGrp="1" noChangeAspect="1"/>
-          </p:cNvPicPr>
-          <p:nvPr>
-            <p:ph idx="1"/>
-          </p:nvPr>
-        </p:nvPicPr>
-        <p:blipFill>
-          <a:blip r:embed="rId2"/>
-          <a:stretch>
-            <a:fillRect/>
-          </a:stretch>
-        </p:blipFill>
-        <p:spPr>
-          <a:xfrm>
-            <a:off x="15204" y="1268760"/>
-            <a:ext cx="9144000" cy="4781113"/>
-          </a:xfrm>
-          <a:prstGeom prst="rect">
-            <a:avLst/>
-          </a:prstGeom>
-        </p:spPr>
-      </p:pic>
-      <p:sp>
-        <p:nvSpPr>
-          <p:cNvPr id="4" name="投影片編號版面配置區 3"/>
-          <p:cNvSpPr>
-            <a:spLocks noGrp="1"/>
-          </p:cNvSpPr>
-          <p:nvPr>
-            <p:ph type="sldNum" sz="quarter" idx="12"/>
-          </p:nvPr>
-        </p:nvSpPr>
-        <p:spPr/>
-        <p:txBody>
-          <a:bodyPr/>
-          <a:lstStyle/>
-          <a:p>
-            <a:pPr>
-              <a:defRPr/>
-            </a:pPr>
-            <a:fld id="{3DB7C113-B292-4711-9FA5-4E4B2395B52F}" type="slidenum">
-              <a:rPr lang="zh-TW" altLang="en-US" smtClean="0"/>
-              <a:pPr>
-                <a:defRPr/>
-              </a:pPr>
-              <a:t>15</a:t>
-            </a:fld>
-            <a:endParaRPr lang="zh-TW" altLang="en-US"/>
-          </a:p>
-        </p:txBody>
-      </p:sp>
-    </p:spTree>
-    <p:extLst>
-      <p:ext uri="{BB962C8B-B14F-4D97-AF65-F5344CB8AC3E}">
-        <p14:creationId xmlns:p14="http://schemas.microsoft.com/office/powerpoint/2010/main" val="3281813370"/>
-      </p:ext>
-    </p:extLst>
-  </p:cSld>
-  <p:clrMapOvr>
-    <a:masterClrMapping/>
-  </p:clrMapOvr>
-  <p:timing>
-    <p:tnLst>
-      <p:par>
-        <p:cTn id="1" dur="indefinite" restart="never" nodeType="tmRoot"/>
-      </p:par>
-    </p:tnLst>
-  </p:timing>
-</p:sld>
-</file>
-
 <file path=ppt/slides/slide16.xml><?xml version="1.0" encoding="utf-8"?>
 <p:sld xmlns:a="http://schemas.openxmlformats.org/drawingml/2006/main" xmlns:r="http://schemas.openxmlformats.org/officeDocument/2006/relationships" xmlns:p="http://schemas.openxmlformats.org/presentationml/2006/main">
   <p:cSld>
@@ -6516,14 +7106,16 @@
           <a:lstStyle/>
           <a:p>
             <a:r>
-              <a:rPr lang="en-US" altLang="zh-TW" sz="2000" dirty="0" smtClean="0"/>
-              <a:t>3.</a:t>
-            </a:r>
-            <a:r>
               <a:rPr lang="zh-TW" altLang="en-US" sz="2000" dirty="0" smtClean="0">
                 <a:latin typeface="標楷體" panose="03000509000000000000" pitchFamily="65" charset="-120"/>
               </a:rPr>
-              <a:t>設定要執行環境變數</a:t>
+              <a:t>設定</a:t>
+            </a:r>
+            <a:r>
+              <a:rPr lang="zh-TW" altLang="en-US" sz="2000" dirty="0" smtClean="0">
+                <a:latin typeface="標楷體" panose="03000509000000000000" pitchFamily="65" charset="-120"/>
+              </a:rPr>
+              <a:t>要執行環境變數</a:t>
             </a:r>
             <a:r>
               <a:rPr lang="en-US" altLang="zh-TW" sz="2000" dirty="0" smtClean="0">
@@ -6662,8 +7254,12 @@
           <a:lstStyle/>
           <a:p>
             <a:r>
+              <a:rPr lang="en-US" altLang="zh-TW" sz="2000" dirty="0"/>
+              <a:t>3</a:t>
+            </a:r>
+            <a:r>
               <a:rPr lang="en-US" altLang="zh-TW" sz="2000" dirty="0" smtClean="0"/>
-              <a:t>4.</a:t>
+              <a:t>.</a:t>
             </a:r>
             <a:r>
               <a:rPr lang="zh-TW" altLang="en-US" sz="2000" dirty="0" smtClean="0"/>
@@ -6801,16 +7397,20 @@
           <a:lstStyle/>
           <a:p>
             <a:r>
+              <a:rPr lang="en-US" altLang="zh-TW" sz="2000" dirty="0"/>
+              <a:t>4</a:t>
+            </a:r>
+            <a:r>
               <a:rPr lang="en-US" altLang="zh-TW" sz="2000" dirty="0" smtClean="0"/>
-              <a:t>5.</a:t>
+              <a:t>.</a:t>
             </a:r>
             <a:r>
               <a:rPr lang="zh-TW" altLang="en-US" sz="2000" dirty="0" smtClean="0"/>
               <a:t>啟動</a:t>
             </a:r>
             <a:r>
-              <a:rPr lang="en-US" altLang="zh-TW" sz="2000" dirty="0" smtClean="0"/>
-              <a:t>Service</a:t>
+              <a:rPr lang="en-US" altLang="zh-TW" sz="2000" dirty="0" err="1" smtClean="0"/>
+              <a:t>Microservice</a:t>
             </a:r>
             <a:endParaRPr lang="zh-TW" altLang="en-US" sz="2000" dirty="0"/>
           </a:p>
@@ -6922,8 +7522,10 @@
           <a:lstStyle/>
           <a:p>
             <a:r>
-              <a:rPr lang="zh-TW" altLang="en-US" dirty="0" smtClean="0"/>
-              <a:t>自動部署做法</a:t>
+              <a:rPr lang="zh-TW" altLang="zh-TW" b="1" dirty="0">
+                <a:effectLst/>
+              </a:rPr>
+              <a:t>自動化部署方法</a:t>
             </a:r>
             <a:endParaRPr lang="zh-TW" altLang="en-US" dirty="0"/>
           </a:p>
@@ -6944,27 +7546,106 @@
           <a:bodyPr/>
           <a:lstStyle/>
           <a:p>
-            <a:r>
-              <a:rPr lang="en-US" altLang="zh-TW" sz="2000" dirty="0" smtClean="0"/>
-              <a:t>1.Git change </a:t>
-            </a:r>
-            <a:r>
-              <a:rPr lang="en-US" altLang="zh-TW" sz="2000" dirty="0"/>
-              <a:t>p</a:t>
-            </a:r>
-            <a:r>
-              <a:rPr lang="en-US" altLang="zh-TW" sz="2000" dirty="0" smtClean="0"/>
-              <a:t>ush to </a:t>
-            </a:r>
-            <a:r>
-              <a:rPr lang="en-US" altLang="zh-TW" sz="2000" dirty="0" err="1" smtClean="0"/>
-              <a:t>Github</a:t>
+            <a:endParaRPr lang="en-US" altLang="zh-TW" sz="2000" dirty="0" smtClean="0"/>
+          </a:p>
+          <a:p>
+            <a:endParaRPr lang="en-US" altLang="zh-TW" sz="2000" dirty="0"/>
+          </a:p>
+          <a:p>
+            <a:endParaRPr lang="en-US" altLang="zh-TW" sz="2000" dirty="0" smtClean="0"/>
+          </a:p>
+          <a:p>
+            <a:endParaRPr lang="en-US" altLang="zh-TW" sz="2000" dirty="0"/>
+          </a:p>
+          <a:p>
+            <a:endParaRPr lang="en-US" altLang="zh-TW" sz="2000" dirty="0" smtClean="0"/>
+          </a:p>
+          <a:p>
+            <a:endParaRPr lang="en-US" altLang="zh-TW" sz="2000" dirty="0"/>
+          </a:p>
+          <a:p>
+            <a:endParaRPr lang="en-US" altLang="zh-TW" sz="2000" dirty="0" smtClean="0"/>
+          </a:p>
+          <a:p>
+            <a:r>
+              <a:rPr lang="zh-TW" altLang="zh-TW" sz="2000" dirty="0" smtClean="0"/>
+              <a:t>步驟</a:t>
             </a:r>
             <a:r>
               <a:rPr lang="en-US" altLang="zh-TW" sz="2000" dirty="0" smtClean="0"/>
               <a:t> </a:t>
             </a:r>
-            <a:endParaRPr lang="zh-TW" altLang="en-US" sz="2000" dirty="0"/>
+            <a:r>
+              <a:rPr lang="en-US" altLang="zh-TW" sz="2000" dirty="0"/>
+              <a:t>: </a:t>
+            </a:r>
+            <a:endParaRPr lang="zh-TW" altLang="zh-TW" sz="2000" dirty="0"/>
+          </a:p>
+          <a:p>
+            <a:r>
+              <a:rPr lang="en-US" altLang="zh-TW" sz="2000" dirty="0"/>
+              <a:t>1.</a:t>
+            </a:r>
+            <a:r>
+              <a:rPr lang="zh-TW" altLang="zh-TW" sz="2000" dirty="0"/>
+              <a:t>自動跑單一服務的單元測</a:t>
+            </a:r>
+            <a:r>
+              <a:rPr lang="en-US" altLang="zh-TW" sz="2000" dirty="0"/>
+              <a:t>(Unit Test)</a:t>
+            </a:r>
+            <a:endParaRPr lang="zh-TW" altLang="zh-TW" sz="2000" dirty="0"/>
+          </a:p>
+          <a:p>
+            <a:r>
+              <a:rPr lang="en-US" altLang="zh-TW" sz="2000" dirty="0"/>
+              <a:t>2.</a:t>
+            </a:r>
+            <a:r>
+              <a:rPr lang="zh-TW" altLang="zh-TW" sz="2000" dirty="0"/>
+              <a:t>建置</a:t>
+            </a:r>
+            <a:r>
+              <a:rPr lang="en-US" altLang="zh-TW" sz="2000" dirty="0"/>
+              <a:t>jar</a:t>
+            </a:r>
+            <a:r>
+              <a:rPr lang="zh-TW" altLang="zh-TW" sz="2000" dirty="0"/>
+              <a:t>的執行包</a:t>
+            </a:r>
+          </a:p>
+          <a:p>
+            <a:r>
+              <a:rPr lang="en-US" altLang="zh-TW" sz="2000" dirty="0"/>
+              <a:t>3.</a:t>
+            </a:r>
+            <a:r>
+              <a:rPr lang="zh-TW" altLang="zh-TW" sz="2000" dirty="0"/>
+              <a:t>使用</a:t>
+            </a:r>
+            <a:r>
+              <a:rPr lang="en-US" altLang="zh-TW" sz="2000" dirty="0"/>
+              <a:t>Docker</a:t>
+            </a:r>
+            <a:r>
+              <a:rPr lang="zh-TW" altLang="zh-TW" sz="2000" dirty="0"/>
+              <a:t>建立映像</a:t>
+            </a:r>
+          </a:p>
+          <a:p>
+            <a:r>
+              <a:rPr lang="en-US" altLang="zh-TW" sz="2000" dirty="0"/>
+              <a:t>4.</a:t>
+            </a:r>
+            <a:r>
+              <a:rPr lang="zh-TW" altLang="zh-TW" sz="2000" dirty="0"/>
+              <a:t>自動啟動單一</a:t>
+            </a:r>
+            <a:r>
+              <a:rPr lang="zh-TW" altLang="zh-TW" sz="2000" dirty="0" smtClean="0"/>
+              <a:t>服務</a:t>
+            </a:r>
+            <a:endParaRPr lang="zh-TW" altLang="zh-TW" sz="2000" dirty="0"/>
           </a:p>
         </p:txBody>
       </p:sp>
@@ -6992,6 +7673,787 @@
                 <a:defRPr/>
               </a:pPr>
               <a:t>19</a:t>
+            </a:fld>
+            <a:endParaRPr lang="zh-TW" altLang="en-US"/>
+          </a:p>
+        </p:txBody>
+      </p:sp>
+      <p:pic>
+        <p:nvPicPr>
+          <p:cNvPr id="2050" name="Picture 2"/>
+          <p:cNvPicPr>
+            <a:picLocks noChangeAspect="1" noChangeArrowheads="1"/>
+          </p:cNvPicPr>
+          <p:nvPr/>
+        </p:nvPicPr>
+        <p:blipFill>
+          <a:blip r:embed="rId2">
+            <a:extLst>
+              <a:ext uri="{28A0092B-C50C-407E-A947-70E740481C1C}">
+                <a14:useLocalDpi xmlns:a14="http://schemas.microsoft.com/office/drawing/2010/main" val="0"/>
+              </a:ext>
+            </a:extLst>
+          </a:blip>
+          <a:srcRect/>
+          <a:stretch>
+            <a:fillRect/>
+          </a:stretch>
+        </p:blipFill>
+        <p:spPr bwMode="auto">
+          <a:xfrm>
+            <a:off x="461210" y="1479657"/>
+            <a:ext cx="6775086" cy="2383524"/>
+          </a:xfrm>
+          <a:prstGeom prst="rect">
+            <a:avLst/>
+          </a:prstGeom>
+          <a:noFill/>
+          <a:ln>
+            <a:noFill/>
+          </a:ln>
+          <a:extLst>
+            <a:ext uri="{909E8E84-426E-40DD-AFC4-6F175D3DCCD1}">
+              <a14:hiddenFill xmlns:a14="http://schemas.microsoft.com/office/drawing/2010/main">
+                <a:solidFill>
+                  <a:srgbClr val="FFFFFF"/>
+                </a:solidFill>
+              </a14:hiddenFill>
+            </a:ext>
+            <a:ext uri="{91240B29-F687-4F45-9708-019B960494DF}">
+              <a14:hiddenLine xmlns:a14="http://schemas.microsoft.com/office/drawing/2010/main" w="9525">
+                <a:solidFill>
+                  <a:srgbClr val="000000"/>
+                </a:solidFill>
+                <a:miter lim="800000"/>
+                <a:headEnd/>
+                <a:tailEnd/>
+              </a14:hiddenLine>
+            </a:ext>
+          </a:extLst>
+        </p:spPr>
+      </p:pic>
+    </p:spTree>
+    <p:extLst>
+      <p:ext uri="{BB962C8B-B14F-4D97-AF65-F5344CB8AC3E}">
+        <p14:creationId xmlns:p14="http://schemas.microsoft.com/office/powerpoint/2010/main" val="3347037556"/>
+      </p:ext>
+    </p:extLst>
+  </p:cSld>
+  <p:clrMapOvr>
+    <a:masterClrMapping/>
+  </p:clrMapOvr>
+</p:sld>
+</file>
+
+<file path=ppt/slides/slide2.xml><?xml version="1.0" encoding="utf-8"?>
+<p:sld xmlns:a="http://schemas.openxmlformats.org/drawingml/2006/main" xmlns:r="http://schemas.openxmlformats.org/officeDocument/2006/relationships" xmlns:p="http://schemas.openxmlformats.org/presentationml/2006/main">
+  <p:cSld>
+    <p:spTree>
+      <p:nvGrpSpPr>
+        <p:cNvPr id="1" name=""/>
+        <p:cNvGrpSpPr/>
+        <p:nvPr/>
+      </p:nvGrpSpPr>
+      <p:grpSpPr>
+        <a:xfrm>
+          <a:off x="0" y="0"/>
+          <a:ext cx="0" cy="0"/>
+          <a:chOff x="0" y="0"/>
+          <a:chExt cx="0" cy="0"/>
+        </a:xfrm>
+      </p:grpSpPr>
+      <p:sp>
+        <p:nvSpPr>
+          <p:cNvPr id="2" name="標題 1"/>
+          <p:cNvSpPr>
+            <a:spLocks noGrp="1"/>
+          </p:cNvSpPr>
+          <p:nvPr>
+            <p:ph type="title"/>
+          </p:nvPr>
+        </p:nvSpPr>
+        <p:spPr/>
+        <p:txBody>
+          <a:bodyPr/>
+          <a:lstStyle/>
+          <a:p>
+            <a:r>
+              <a:rPr lang="zh-TW" altLang="en-US" dirty="0" smtClean="0"/>
+              <a:t>大綱</a:t>
+            </a:r>
+            <a:endParaRPr lang="zh-TW" altLang="en-US" dirty="0"/>
+          </a:p>
+        </p:txBody>
+      </p:sp>
+      <p:sp>
+        <p:nvSpPr>
+          <p:cNvPr id="3" name="內容版面配置區 2"/>
+          <p:cNvSpPr>
+            <a:spLocks noGrp="1"/>
+          </p:cNvSpPr>
+          <p:nvPr>
+            <p:ph idx="1"/>
+          </p:nvPr>
+        </p:nvSpPr>
+        <p:spPr/>
+        <p:txBody>
+          <a:bodyPr/>
+          <a:lstStyle/>
+          <a:p>
+            <a:pPr eaLnBrk="1" hangingPunct="1">
+              <a:buFont typeface="Arial" charset="0"/>
+              <a:buChar char="•"/>
+              <a:defRPr/>
+            </a:pPr>
+            <a:r>
+              <a:rPr lang="zh-TW" altLang="en-US" dirty="0">
+                <a:latin typeface="標楷體" pitchFamily="65" charset="-120"/>
+              </a:rPr>
+              <a:t>研究背景與動機</a:t>
+            </a:r>
+            <a:endParaRPr lang="en-US" altLang="zh-TW" dirty="0">
+              <a:latin typeface="標楷體" pitchFamily="65" charset="-120"/>
+            </a:endParaRPr>
+          </a:p>
+          <a:p>
+            <a:pPr eaLnBrk="1" hangingPunct="1">
+              <a:buFont typeface="Arial" charset="0"/>
+              <a:buChar char="•"/>
+              <a:defRPr/>
+            </a:pPr>
+            <a:r>
+              <a:rPr lang="zh-TW" altLang="en-US" dirty="0">
+                <a:latin typeface="標楷體" pitchFamily="65" charset="-120"/>
+              </a:rPr>
+              <a:t>研究目標</a:t>
+            </a:r>
+            <a:endParaRPr lang="en-US" altLang="zh-TW" dirty="0">
+              <a:latin typeface="標楷體" pitchFamily="65" charset="-120"/>
+            </a:endParaRPr>
+          </a:p>
+          <a:p>
+            <a:pPr eaLnBrk="1" hangingPunct="1">
+              <a:buFont typeface="Arial" charset="0"/>
+              <a:buChar char="•"/>
+              <a:defRPr/>
+            </a:pPr>
+            <a:r>
+              <a:rPr lang="zh-TW" altLang="en-US" dirty="0">
+                <a:latin typeface="標楷體" pitchFamily="65" charset="-120"/>
+              </a:rPr>
+              <a:t>背景知識</a:t>
+            </a:r>
+            <a:endParaRPr lang="en-US" altLang="zh-TW" dirty="0">
+              <a:latin typeface="標楷體" pitchFamily="65" charset="-120"/>
+            </a:endParaRPr>
+          </a:p>
+          <a:p>
+            <a:pPr eaLnBrk="1" hangingPunct="1">
+              <a:buFont typeface="Arial" charset="0"/>
+              <a:buChar char="•"/>
+              <a:defRPr/>
+            </a:pPr>
+            <a:r>
+              <a:rPr lang="zh-TW" altLang="en-US" dirty="0" smtClean="0">
+                <a:latin typeface="標楷體" pitchFamily="65" charset="-120"/>
+              </a:rPr>
+              <a:t>自動化部署方法</a:t>
+            </a:r>
+            <a:endParaRPr lang="zh-TW" altLang="en-US" dirty="0">
+              <a:latin typeface="標楷體" pitchFamily="65" charset="-120"/>
+            </a:endParaRPr>
+          </a:p>
+          <a:p>
+            <a:pPr eaLnBrk="1" hangingPunct="1">
+              <a:buFont typeface="Arial" charset="0"/>
+              <a:buChar char="•"/>
+              <a:defRPr/>
+            </a:pPr>
+            <a:r>
+              <a:rPr lang="zh-TW" altLang="en-US" dirty="0">
+                <a:latin typeface="標楷體" pitchFamily="65" charset="-120"/>
+              </a:rPr>
+              <a:t>案例實作</a:t>
+            </a:r>
+            <a:endParaRPr lang="en-US" altLang="zh-TW" dirty="0">
+              <a:latin typeface="標楷體" pitchFamily="65" charset="-120"/>
+            </a:endParaRPr>
+          </a:p>
+          <a:p>
+            <a:pPr eaLnBrk="1" hangingPunct="1">
+              <a:buFont typeface="Arial" charset="0"/>
+              <a:buChar char="•"/>
+              <a:defRPr/>
+            </a:pPr>
+            <a:r>
+              <a:rPr lang="zh-TW" altLang="en-US" dirty="0">
+                <a:latin typeface="標楷體" pitchFamily="65" charset="-120"/>
+              </a:rPr>
+              <a:t>結論與未來展望</a:t>
+            </a:r>
+          </a:p>
+          <a:p>
+            <a:endParaRPr lang="zh-TW" altLang="en-US" sz="2000" dirty="0"/>
+          </a:p>
+        </p:txBody>
+      </p:sp>
+      <p:sp>
+        <p:nvSpPr>
+          <p:cNvPr id="4" name="投影片編號版面配置區 3"/>
+          <p:cNvSpPr>
+            <a:spLocks noGrp="1"/>
+          </p:cNvSpPr>
+          <p:nvPr>
+            <p:ph type="sldNum" sz="quarter" idx="12"/>
+          </p:nvPr>
+        </p:nvSpPr>
+        <p:spPr/>
+        <p:txBody>
+          <a:bodyPr/>
+          <a:lstStyle/>
+          <a:p>
+            <a:pPr>
+              <a:defRPr/>
+            </a:pPr>
+            <a:fld id="{3DB7C113-B292-4711-9FA5-4E4B2395B52F}" type="slidenum">
+              <a:rPr lang="zh-TW" altLang="en-US" smtClean="0"/>
+              <a:pPr>
+                <a:defRPr/>
+              </a:pPr>
+              <a:t>2</a:t>
+            </a:fld>
+            <a:endParaRPr lang="zh-TW" altLang="en-US"/>
+          </a:p>
+        </p:txBody>
+      </p:sp>
+    </p:spTree>
+    <p:extLst>
+      <p:ext uri="{BB962C8B-B14F-4D97-AF65-F5344CB8AC3E}">
+        <p14:creationId xmlns:p14="http://schemas.microsoft.com/office/powerpoint/2010/main" val="4211622135"/>
+      </p:ext>
+    </p:extLst>
+  </p:cSld>
+  <p:clrMapOvr>
+    <a:masterClrMapping/>
+  </p:clrMapOvr>
+  <p:timing>
+    <p:tnLst>
+      <p:par>
+        <p:cTn id="1" dur="indefinite" restart="never" nodeType="tmRoot"/>
+      </p:par>
+    </p:tnLst>
+  </p:timing>
+</p:sld>
+</file>
+
+<file path=ppt/slides/slide20.xml><?xml version="1.0" encoding="utf-8"?>
+<p:sld xmlns:a="http://schemas.openxmlformats.org/drawingml/2006/main" xmlns:r="http://schemas.openxmlformats.org/officeDocument/2006/relationships" xmlns:p="http://schemas.openxmlformats.org/presentationml/2006/main">
+  <p:cSld>
+    <p:spTree>
+      <p:nvGrpSpPr>
+        <p:cNvPr id="1" name=""/>
+        <p:cNvGrpSpPr/>
+        <p:nvPr/>
+      </p:nvGrpSpPr>
+      <p:grpSpPr>
+        <a:xfrm>
+          <a:off x="0" y="0"/>
+          <a:ext cx="0" cy="0"/>
+          <a:chOff x="0" y="0"/>
+          <a:chExt cx="0" cy="0"/>
+        </a:xfrm>
+      </p:grpSpPr>
+      <p:sp>
+        <p:nvSpPr>
+          <p:cNvPr id="2" name="標題 1"/>
+          <p:cNvSpPr>
+            <a:spLocks noGrp="1"/>
+          </p:cNvSpPr>
+          <p:nvPr>
+            <p:ph type="title"/>
+          </p:nvPr>
+        </p:nvSpPr>
+        <p:spPr/>
+        <p:txBody>
+          <a:bodyPr/>
+          <a:lstStyle/>
+          <a:p>
+            <a:r>
+              <a:rPr lang="zh-TW" altLang="en-US" dirty="0" smtClean="0"/>
+              <a:t>我的做法</a:t>
+            </a:r>
+            <a:endParaRPr lang="zh-TW" altLang="en-US" dirty="0"/>
+          </a:p>
+        </p:txBody>
+      </p:sp>
+      <p:sp>
+        <p:nvSpPr>
+          <p:cNvPr id="3" name="內容版面配置區 2"/>
+          <p:cNvSpPr>
+            <a:spLocks noGrp="1"/>
+          </p:cNvSpPr>
+          <p:nvPr>
+            <p:ph idx="1"/>
+          </p:nvPr>
+        </p:nvSpPr>
+        <p:spPr>
+          <a:xfrm>
+            <a:off x="457200" y="1600200"/>
+            <a:ext cx="8686800" cy="4525963"/>
+          </a:xfrm>
+        </p:spPr>
+        <p:txBody>
+          <a:bodyPr/>
+          <a:lstStyle/>
+          <a:p>
+            <a:r>
+              <a:rPr lang="en-US" altLang="zh-TW" sz="2000" dirty="0" smtClean="0"/>
+              <a:t>1.</a:t>
+            </a:r>
+            <a:r>
+              <a:rPr lang="zh-TW" altLang="en-US" sz="2000" dirty="0" smtClean="0"/>
+              <a:t>當使用者在</a:t>
+            </a:r>
+            <a:r>
+              <a:rPr lang="en-US" altLang="zh-TW" sz="2000" dirty="0" err="1" smtClean="0"/>
+              <a:t>AccountManagement</a:t>
+            </a:r>
+            <a:r>
+              <a:rPr lang="zh-TW" altLang="en-US" sz="2000" dirty="0" smtClean="0"/>
+              <a:t>、</a:t>
+            </a:r>
+            <a:r>
+              <a:rPr lang="en-US" altLang="zh-TW" sz="2000" dirty="0" smtClean="0"/>
+              <a:t>Notification</a:t>
+            </a:r>
+            <a:r>
+              <a:rPr lang="zh-TW" altLang="en-US" sz="2000" dirty="0" smtClean="0"/>
+              <a:t>的兩</a:t>
+            </a:r>
+            <a:r>
+              <a:rPr lang="zh-TW" altLang="en-US" sz="2000" dirty="0"/>
+              <a:t>個</a:t>
+            </a:r>
+            <a:r>
+              <a:rPr lang="en-US" altLang="zh-TW" sz="2000" dirty="0" smtClean="0"/>
+              <a:t>Service</a:t>
+            </a:r>
+            <a:r>
+              <a:rPr lang="zh-TW" altLang="en-US" sz="2000" dirty="0" smtClean="0"/>
+              <a:t>修改</a:t>
+            </a:r>
+            <a:r>
+              <a:rPr lang="en-US" altLang="zh-TW" sz="2000" dirty="0" smtClean="0"/>
+              <a:t>Code</a:t>
+            </a:r>
+            <a:r>
+              <a:rPr lang="zh-TW" altLang="en-US" sz="2000" dirty="0" smtClean="0"/>
+              <a:t>並</a:t>
+            </a:r>
+            <a:endParaRPr lang="en-US" altLang="zh-TW" sz="2000" dirty="0" smtClean="0"/>
+          </a:p>
+          <a:p>
+            <a:pPr marL="0" indent="0">
+              <a:buNone/>
+            </a:pPr>
+            <a:r>
+              <a:rPr lang="zh-TW" altLang="en-US" sz="2000" dirty="0"/>
+              <a:t> </a:t>
+            </a:r>
+            <a:r>
+              <a:rPr lang="zh-TW" altLang="en-US" sz="2000" dirty="0" smtClean="0"/>
+              <a:t>        </a:t>
+            </a:r>
+            <a:r>
+              <a:rPr lang="en-US" altLang="zh-TW" sz="2000" dirty="0" smtClean="0"/>
+              <a:t>Push</a:t>
+            </a:r>
+            <a:r>
+              <a:rPr lang="zh-TW" altLang="en-US" sz="2000" dirty="0" smtClean="0"/>
+              <a:t>到</a:t>
+            </a:r>
+            <a:r>
+              <a:rPr lang="en-US" altLang="zh-TW" sz="2000" dirty="0" err="1" smtClean="0"/>
+              <a:t>Github</a:t>
+            </a:r>
+            <a:r>
+              <a:rPr lang="zh-TW" altLang="en-US" sz="2000" dirty="0" smtClean="0"/>
+              <a:t>上時，</a:t>
+            </a:r>
+            <a:r>
+              <a:rPr lang="en-US" altLang="zh-TW" sz="2000" dirty="0" smtClean="0"/>
+              <a:t>Jenkins</a:t>
+            </a:r>
+            <a:r>
+              <a:rPr lang="zh-TW" altLang="en-US" sz="2000" dirty="0" smtClean="0"/>
+              <a:t>接收通知自動跑</a:t>
+            </a:r>
+            <a:r>
+              <a:rPr lang="en-US" altLang="zh-TW" sz="2000" dirty="0" smtClean="0"/>
+              <a:t>Unit Test</a:t>
+            </a:r>
+            <a:r>
+              <a:rPr lang="zh-TW" altLang="en-US" sz="2000" dirty="0" smtClean="0"/>
+              <a:t>。</a:t>
+            </a:r>
+            <a:endParaRPr lang="en-US" altLang="zh-TW" sz="2000" dirty="0" smtClean="0"/>
+          </a:p>
+          <a:p>
+            <a:endParaRPr lang="en-US" altLang="zh-TW" sz="2000" dirty="0" smtClean="0"/>
+          </a:p>
+          <a:p>
+            <a:r>
+              <a:rPr lang="en-US" altLang="zh-TW" sz="2000" dirty="0" smtClean="0"/>
+              <a:t>2.</a:t>
+            </a:r>
+            <a:r>
+              <a:rPr lang="zh-TW" altLang="en-US" sz="2000" dirty="0" smtClean="0"/>
+              <a:t>使用</a:t>
+            </a:r>
+            <a:r>
+              <a:rPr lang="en-US" altLang="zh-TW" sz="2000" dirty="0" smtClean="0"/>
+              <a:t>Maven</a:t>
+            </a:r>
+            <a:r>
+              <a:rPr lang="zh-TW" altLang="en-US" sz="2000" dirty="0" smtClean="0"/>
+              <a:t>指令將</a:t>
+            </a:r>
+            <a:r>
+              <a:rPr lang="en-US" altLang="zh-TW" sz="2000" dirty="0" smtClean="0"/>
+              <a:t>Service</a:t>
+            </a:r>
+            <a:r>
+              <a:rPr lang="zh-TW" altLang="en-US" sz="2000" dirty="0" smtClean="0"/>
+              <a:t>建置、編譯與打包成可以執行</a:t>
+            </a:r>
+            <a:r>
+              <a:rPr lang="en-US" altLang="zh-TW" sz="2000" dirty="0" smtClean="0"/>
+              <a:t>jar</a:t>
+            </a:r>
+            <a:r>
+              <a:rPr lang="zh-TW" altLang="en-US" sz="2000" dirty="0" smtClean="0"/>
+              <a:t>包。</a:t>
+            </a:r>
+            <a:endParaRPr lang="en-US" altLang="zh-TW" sz="2000" dirty="0" smtClean="0"/>
+          </a:p>
+          <a:p>
+            <a:endParaRPr lang="en-US" altLang="zh-TW" sz="2000" dirty="0" smtClean="0"/>
+          </a:p>
+          <a:p>
+            <a:r>
+              <a:rPr lang="en-US" altLang="zh-TW" sz="2000" dirty="0" smtClean="0"/>
+              <a:t>3.</a:t>
+            </a:r>
+            <a:r>
+              <a:rPr lang="zh-TW" altLang="en-US" sz="2000" dirty="0" smtClean="0"/>
+              <a:t>使用</a:t>
+            </a:r>
+            <a:r>
+              <a:rPr lang="en-US" altLang="zh-TW" sz="2000" dirty="0" smtClean="0"/>
+              <a:t>Docker</a:t>
+            </a:r>
+            <a:r>
+              <a:rPr lang="zh-TW" altLang="en-US" sz="2000" dirty="0" smtClean="0"/>
+              <a:t>把</a:t>
+            </a:r>
+            <a:r>
+              <a:rPr lang="en-US" altLang="zh-TW" sz="2000" dirty="0" smtClean="0"/>
+              <a:t>jar</a:t>
+            </a:r>
+            <a:r>
+              <a:rPr lang="zh-TW" altLang="en-US" sz="2000" dirty="0" smtClean="0"/>
+              <a:t>包放入</a:t>
+            </a:r>
+            <a:r>
+              <a:rPr lang="en-US" altLang="zh-TW" sz="2000" dirty="0" smtClean="0"/>
+              <a:t>Docker</a:t>
+            </a:r>
+            <a:r>
+              <a:rPr lang="zh-TW" altLang="en-US" sz="2000" dirty="0" smtClean="0"/>
+              <a:t>的</a:t>
+            </a:r>
+            <a:r>
+              <a:rPr lang="en-US" altLang="zh-TW" sz="2000" dirty="0" smtClean="0"/>
+              <a:t>Image</a:t>
+            </a:r>
+            <a:r>
+              <a:rPr lang="zh-TW" altLang="en-US" sz="2000" dirty="0" smtClean="0"/>
+              <a:t>中。</a:t>
+            </a:r>
+            <a:endParaRPr lang="en-US" altLang="zh-TW" sz="2000" dirty="0" smtClean="0"/>
+          </a:p>
+          <a:p>
+            <a:endParaRPr lang="en-US" altLang="zh-TW" sz="2000" dirty="0"/>
+          </a:p>
+          <a:p>
+            <a:r>
+              <a:rPr lang="en-US" altLang="zh-TW" sz="2000" dirty="0" smtClean="0"/>
+              <a:t>4.</a:t>
+            </a:r>
+            <a:r>
+              <a:rPr lang="zh-TW" altLang="en-US" sz="2000" dirty="0" smtClean="0"/>
+              <a:t>使用</a:t>
+            </a:r>
+            <a:r>
+              <a:rPr lang="en-US" altLang="zh-TW" sz="2000" dirty="0" err="1" smtClean="0"/>
+              <a:t>Dockerfile</a:t>
+            </a:r>
+            <a:r>
+              <a:rPr lang="zh-TW" altLang="en-US" sz="2000" dirty="0" smtClean="0"/>
+              <a:t>建置</a:t>
+            </a:r>
+            <a:r>
+              <a:rPr lang="en-US" altLang="zh-TW" sz="2000" dirty="0" smtClean="0"/>
+              <a:t>Docker</a:t>
+            </a:r>
+            <a:r>
+              <a:rPr lang="zh-TW" altLang="en-US" sz="2000" dirty="0" smtClean="0"/>
+              <a:t>的</a:t>
+            </a:r>
+            <a:r>
+              <a:rPr lang="en-US" altLang="zh-TW" sz="2000" dirty="0" smtClean="0"/>
+              <a:t>Image</a:t>
+            </a:r>
+            <a:r>
+              <a:rPr lang="zh-TW" altLang="en-US" sz="2000" dirty="0" smtClean="0"/>
+              <a:t>並指定</a:t>
+            </a:r>
+            <a:r>
+              <a:rPr lang="en-US" altLang="zh-TW" sz="2000" dirty="0" smtClean="0"/>
+              <a:t>Image</a:t>
+            </a:r>
+            <a:r>
+              <a:rPr lang="zh-TW" altLang="en-US" sz="2000" dirty="0" smtClean="0"/>
+              <a:t>要部署的</a:t>
+            </a:r>
+            <a:r>
+              <a:rPr lang="en-US" altLang="zh-TW" sz="2000" dirty="0" smtClean="0"/>
+              <a:t>port</a:t>
+            </a:r>
+            <a:r>
+              <a:rPr lang="zh-TW" altLang="en-US" sz="2000" dirty="0" smtClean="0"/>
+              <a:t>號。</a:t>
+            </a:r>
+            <a:endParaRPr lang="en-US" altLang="zh-TW" sz="2000" dirty="0" smtClean="0"/>
+          </a:p>
+          <a:p>
+            <a:endParaRPr lang="en-US" altLang="zh-TW" sz="2000" dirty="0" smtClean="0"/>
+          </a:p>
+          <a:p>
+            <a:r>
+              <a:rPr lang="en-US" altLang="zh-TW" sz="2000" dirty="0"/>
+              <a:t>5</a:t>
+            </a:r>
+            <a:r>
+              <a:rPr lang="en-US" altLang="zh-TW" sz="2000" dirty="0" smtClean="0"/>
+              <a:t>.</a:t>
+            </a:r>
+            <a:r>
+              <a:rPr lang="zh-TW" altLang="en-US" sz="2000" dirty="0" smtClean="0"/>
+              <a:t>在</a:t>
+            </a:r>
+            <a:r>
+              <a:rPr lang="en-US" altLang="zh-TW" sz="2000" dirty="0" smtClean="0"/>
+              <a:t>Jenkins</a:t>
+            </a:r>
+            <a:r>
+              <a:rPr lang="zh-TW" altLang="en-US" sz="2000" dirty="0" smtClean="0"/>
+              <a:t>中自動啟動</a:t>
+            </a:r>
+            <a:r>
+              <a:rPr lang="en-US" altLang="zh-TW" sz="2000" dirty="0" smtClean="0"/>
+              <a:t>Service</a:t>
+            </a:r>
+            <a:r>
+              <a:rPr lang="zh-TW" altLang="en-US" sz="2000" dirty="0" smtClean="0"/>
+              <a:t>。</a:t>
+            </a:r>
+            <a:endParaRPr lang="en-US" altLang="zh-TW" sz="2000" dirty="0" smtClean="0"/>
+          </a:p>
+          <a:p>
+            <a:endParaRPr lang="en-US" altLang="zh-TW" sz="2000" dirty="0"/>
+          </a:p>
+          <a:p>
+            <a:r>
+              <a:rPr lang="en-US" altLang="zh-TW" sz="2000" dirty="0" smtClean="0"/>
+              <a:t>6.</a:t>
+            </a:r>
+            <a:r>
+              <a:rPr lang="zh-TW" altLang="en-US" sz="2000" dirty="0" smtClean="0"/>
+              <a:t>設計驗收測試確認</a:t>
+            </a:r>
+            <a:r>
+              <a:rPr lang="en-US" altLang="zh-TW" sz="2000" dirty="0" smtClean="0"/>
+              <a:t>Service</a:t>
+            </a:r>
+            <a:r>
+              <a:rPr lang="zh-TW" altLang="en-US" sz="2000" dirty="0" smtClean="0"/>
+              <a:t>已經啟動並與</a:t>
+            </a:r>
+            <a:r>
+              <a:rPr lang="en-US" altLang="zh-TW" sz="2000" dirty="0" err="1" smtClean="0"/>
+              <a:t>ezScrum</a:t>
+            </a:r>
+            <a:r>
+              <a:rPr lang="zh-TW" altLang="en-US" sz="2000" dirty="0" smtClean="0"/>
+              <a:t>連上線。</a:t>
+            </a:r>
+            <a:endParaRPr lang="zh-TW" altLang="en-US" sz="2000" dirty="0"/>
+          </a:p>
+        </p:txBody>
+      </p:sp>
+      <p:sp>
+        <p:nvSpPr>
+          <p:cNvPr id="4" name="投影片編號版面配置區 3"/>
+          <p:cNvSpPr>
+            <a:spLocks noGrp="1"/>
+          </p:cNvSpPr>
+          <p:nvPr>
+            <p:ph type="sldNum" sz="quarter" idx="12"/>
+          </p:nvPr>
+        </p:nvSpPr>
+        <p:spPr/>
+        <p:txBody>
+          <a:bodyPr/>
+          <a:lstStyle/>
+          <a:p>
+            <a:pPr>
+              <a:defRPr/>
+            </a:pPr>
+            <a:fld id="{3DB7C113-B292-4711-9FA5-4E4B2395B52F}" type="slidenum">
+              <a:rPr lang="zh-TW" altLang="en-US" smtClean="0"/>
+              <a:pPr>
+                <a:defRPr/>
+              </a:pPr>
+              <a:t>20</a:t>
+            </a:fld>
+            <a:endParaRPr lang="zh-TW" altLang="en-US"/>
+          </a:p>
+        </p:txBody>
+      </p:sp>
+    </p:spTree>
+    <p:extLst>
+      <p:ext uri="{BB962C8B-B14F-4D97-AF65-F5344CB8AC3E}">
+        <p14:creationId xmlns:p14="http://schemas.microsoft.com/office/powerpoint/2010/main" val="2049691656"/>
+      </p:ext>
+    </p:extLst>
+  </p:cSld>
+  <p:clrMapOvr>
+    <a:masterClrMapping/>
+  </p:clrMapOvr>
+  <p:timing>
+    <p:tnLst>
+      <p:par>
+        <p:cTn id="1" dur="indefinite" restart="never" nodeType="tmRoot"/>
+      </p:par>
+    </p:tnLst>
+  </p:timing>
+</p:sld>
+</file>
+
+<file path=ppt/slides/slide21.xml><?xml version="1.0" encoding="utf-8"?>
+<p:sld xmlns:a="http://schemas.openxmlformats.org/drawingml/2006/main" xmlns:r="http://schemas.openxmlformats.org/officeDocument/2006/relationships" xmlns:p="http://schemas.openxmlformats.org/presentationml/2006/main">
+  <p:cSld>
+    <p:spTree>
+      <p:nvGrpSpPr>
+        <p:cNvPr id="1" name=""/>
+        <p:cNvGrpSpPr/>
+        <p:nvPr/>
+      </p:nvGrpSpPr>
+      <p:grpSpPr>
+        <a:xfrm>
+          <a:off x="0" y="0"/>
+          <a:ext cx="0" cy="0"/>
+          <a:chOff x="0" y="0"/>
+          <a:chExt cx="0" cy="0"/>
+        </a:xfrm>
+      </p:grpSpPr>
+      <p:sp>
+        <p:nvSpPr>
+          <p:cNvPr id="2" name="標題 1"/>
+          <p:cNvSpPr>
+            <a:spLocks noGrp="1"/>
+          </p:cNvSpPr>
+          <p:nvPr>
+            <p:ph type="title"/>
+          </p:nvPr>
+        </p:nvSpPr>
+        <p:spPr/>
+        <p:txBody>
+          <a:bodyPr/>
+          <a:lstStyle/>
+          <a:p>
+            <a:r>
+              <a:rPr lang="zh-TW" altLang="en-US" dirty="0" smtClean="0"/>
+              <a:t>自動部署做法</a:t>
+            </a:r>
+            <a:endParaRPr lang="zh-TW" altLang="en-US" dirty="0"/>
+          </a:p>
+        </p:txBody>
+      </p:sp>
+      <p:sp>
+        <p:nvSpPr>
+          <p:cNvPr id="3" name="內容版面配置區 2"/>
+          <p:cNvSpPr>
+            <a:spLocks noGrp="1"/>
+          </p:cNvSpPr>
+          <p:nvPr>
+            <p:ph idx="1"/>
+          </p:nvPr>
+        </p:nvSpPr>
+        <p:spPr/>
+        <p:txBody>
+          <a:bodyPr/>
+          <a:lstStyle/>
+          <a:p>
+            <a:r>
+              <a:rPr lang="en-US" altLang="zh-TW" sz="2000" dirty="0" smtClean="0"/>
+              <a:t>1.Git change </a:t>
+            </a:r>
+            <a:r>
+              <a:rPr lang="en-US" altLang="zh-TW" sz="2000" dirty="0"/>
+              <a:t>p</a:t>
+            </a:r>
+            <a:r>
+              <a:rPr lang="en-US" altLang="zh-TW" sz="2000" dirty="0" smtClean="0"/>
+              <a:t>ush to </a:t>
+            </a:r>
+            <a:r>
+              <a:rPr lang="en-US" altLang="zh-TW" sz="2000" dirty="0" err="1" smtClean="0"/>
+              <a:t>Github</a:t>
+            </a:r>
+            <a:r>
+              <a:rPr lang="en-US" altLang="zh-TW" sz="2000" dirty="0" smtClean="0"/>
+              <a:t> </a:t>
+            </a:r>
+            <a:endParaRPr lang="zh-TW" altLang="en-US" sz="2000" dirty="0"/>
+          </a:p>
+        </p:txBody>
+      </p:sp>
+      <p:sp>
+        <p:nvSpPr>
+          <p:cNvPr id="4" name="投影片編號版面配置區 3"/>
+          <p:cNvSpPr>
+            <a:spLocks noGrp="1"/>
+          </p:cNvSpPr>
+          <p:nvPr>
+            <p:ph type="sldNum" sz="quarter" idx="12"/>
+          </p:nvPr>
+        </p:nvSpPr>
+        <p:spPr/>
+        <p:txBody>
+          <a:bodyPr/>
+          <a:lstStyle/>
+          <a:p>
+            <a:pPr>
+              <a:defRPr/>
+            </a:pPr>
+            <a:fld id="{3DB7C113-B292-4711-9FA5-4E4B2395B52F}" type="slidenum">
+              <a:rPr lang="zh-TW" altLang="en-US" smtClean="0"/>
+              <a:pPr>
+                <a:defRPr/>
+              </a:pPr>
+              <a:t>21</a:t>
             </a:fld>
             <a:endParaRPr lang="zh-TW" altLang="en-US"/>
           </a:p>
@@ -7040,7 +8502,7 @@
 </p:sld>
 </file>
 
-<file path=ppt/slides/slide2.xml><?xml version="1.0" encoding="utf-8"?>
+<file path=ppt/slides/slide22.xml><?xml version="1.0" encoding="utf-8"?>
 <p:sld xmlns:a="http://schemas.openxmlformats.org/drawingml/2006/main" xmlns:r="http://schemas.openxmlformats.org/officeDocument/2006/relationships" xmlns:p="http://schemas.openxmlformats.org/presentationml/2006/main">
   <p:cSld>
     <p:spTree>
@@ -7072,11 +8534,7 @@
           <a:bodyPr/>
           <a:lstStyle/>
           <a:p>
-            <a:r>
-              <a:rPr lang="zh-TW" altLang="en-US" dirty="0" smtClean="0"/>
-              <a:t>大綱</a:t>
-            </a:r>
-            <a:endParaRPr lang="zh-TW" altLang="en-US" dirty="0"/>
+            <a:endParaRPr lang="zh-TW" altLang="en-US"/>
           </a:p>
         </p:txBody>
       </p:sp>
@@ -7095,99 +8553,18 @@
           <a:bodyPr/>
           <a:lstStyle/>
           <a:p>
-            <a:pPr eaLnBrk="1" hangingPunct="1">
-              <a:buFont typeface="Arial" charset="0"/>
-              <a:buChar char="•"/>
-              <a:defRPr/>
-            </a:pPr>
-            <a:r>
-              <a:rPr lang="zh-TW" altLang="en-US" dirty="0">
-                <a:latin typeface="標楷體" pitchFamily="65" charset="-120"/>
-              </a:rPr>
-              <a:t>研究背景與動機</a:t>
-            </a:r>
-            <a:endParaRPr lang="en-US" altLang="zh-TW" dirty="0">
-              <a:latin typeface="標楷體" pitchFamily="65" charset="-120"/>
-            </a:endParaRPr>
-          </a:p>
-          <a:p>
-            <a:pPr eaLnBrk="1" hangingPunct="1">
-              <a:buFont typeface="Arial" charset="0"/>
-              <a:buChar char="•"/>
-              <a:defRPr/>
-            </a:pPr>
-            <a:r>
-              <a:rPr lang="zh-TW" altLang="en-US" dirty="0">
-                <a:latin typeface="標楷體" pitchFamily="65" charset="-120"/>
-              </a:rPr>
-              <a:t>研究目標</a:t>
-            </a:r>
-            <a:endParaRPr lang="en-US" altLang="zh-TW" dirty="0">
-              <a:latin typeface="標楷體" pitchFamily="65" charset="-120"/>
-            </a:endParaRPr>
-          </a:p>
-          <a:p>
-            <a:pPr eaLnBrk="1" hangingPunct="1">
-              <a:buFont typeface="Arial" charset="0"/>
-              <a:buChar char="•"/>
-              <a:defRPr/>
-            </a:pPr>
-            <a:r>
-              <a:rPr lang="zh-TW" altLang="en-US" dirty="0">
-                <a:latin typeface="標楷體" pitchFamily="65" charset="-120"/>
-              </a:rPr>
-              <a:t>背景知識</a:t>
-            </a:r>
-            <a:endParaRPr lang="en-US" altLang="zh-TW" dirty="0">
-              <a:latin typeface="標楷體" pitchFamily="65" charset="-120"/>
-            </a:endParaRPr>
-          </a:p>
-          <a:p>
-            <a:pPr eaLnBrk="1" hangingPunct="1">
-              <a:buFont typeface="Arial" charset="0"/>
-              <a:buChar char="•"/>
-              <a:defRPr/>
-            </a:pPr>
-            <a:r>
-              <a:rPr lang="zh-TW" altLang="en-US" dirty="0" smtClean="0">
-                <a:latin typeface="標楷體" pitchFamily="65" charset="-120"/>
-              </a:rPr>
-              <a:t>自動化部署方法</a:t>
-            </a:r>
-            <a:endParaRPr lang="zh-TW" altLang="en-US" dirty="0">
-              <a:latin typeface="標楷體" pitchFamily="65" charset="-120"/>
-            </a:endParaRPr>
-          </a:p>
-          <a:p>
-            <a:pPr eaLnBrk="1" hangingPunct="1">
-              <a:buFont typeface="Arial" charset="0"/>
-              <a:buChar char="•"/>
-              <a:defRPr/>
-            </a:pPr>
-            <a:r>
-              <a:rPr lang="zh-TW" altLang="en-US" dirty="0">
-                <a:latin typeface="標楷體" pitchFamily="65" charset="-120"/>
-              </a:rPr>
-              <a:t>案例實作</a:t>
-            </a:r>
-            <a:endParaRPr lang="en-US" altLang="zh-TW" dirty="0">
-              <a:latin typeface="標楷體" pitchFamily="65" charset="-120"/>
-            </a:endParaRPr>
-          </a:p>
-          <a:p>
-            <a:pPr eaLnBrk="1" hangingPunct="1">
-              <a:buFont typeface="Arial" charset="0"/>
-              <a:buChar char="•"/>
-              <a:defRPr/>
-            </a:pPr>
-            <a:r>
-              <a:rPr lang="zh-TW" altLang="en-US" dirty="0">
-                <a:latin typeface="標楷體" pitchFamily="65" charset="-120"/>
-              </a:rPr>
-              <a:t>結論與未來展望</a:t>
-            </a:r>
-          </a:p>
-          <a:p>
+            <a:r>
+              <a:rPr lang="en-US" altLang="zh-TW" sz="2000" dirty="0" smtClean="0"/>
+              <a:t>2.</a:t>
+            </a:r>
+            <a:r>
+              <a:rPr lang="zh-TW" altLang="en-US" sz="2000" dirty="0" smtClean="0"/>
+              <a:t>觸發</a:t>
+            </a:r>
+            <a:r>
+              <a:rPr lang="en-US" altLang="zh-TW" sz="2000" dirty="0" smtClean="0"/>
+              <a:t>Jenkins</a:t>
+            </a:r>
             <a:endParaRPr lang="zh-TW" altLang="en-US" sz="2000" dirty="0"/>
           </a:p>
         </p:txBody>
@@ -7215,123 +8592,7 @@
               <a:pPr>
                 <a:defRPr/>
               </a:pPr>
-              <a:t>2</a:t>
-            </a:fld>
-            <a:endParaRPr lang="zh-TW" altLang="en-US"/>
-          </a:p>
-        </p:txBody>
-      </p:sp>
-    </p:spTree>
-    <p:extLst>
-      <p:ext uri="{BB962C8B-B14F-4D97-AF65-F5344CB8AC3E}">
-        <p14:creationId xmlns:p14="http://schemas.microsoft.com/office/powerpoint/2010/main" val="4211622135"/>
-      </p:ext>
-    </p:extLst>
-  </p:cSld>
-  <p:clrMapOvr>
-    <a:masterClrMapping/>
-  </p:clrMapOvr>
-  <p:timing>
-    <p:tnLst>
-      <p:par>
-        <p:cTn id="1" dur="indefinite" restart="never" nodeType="tmRoot"/>
-      </p:par>
-    </p:tnLst>
-  </p:timing>
-</p:sld>
-</file>
-
-<file path=ppt/slides/slide20.xml><?xml version="1.0" encoding="utf-8"?>
-<p:sld xmlns:a="http://schemas.openxmlformats.org/drawingml/2006/main" xmlns:r="http://schemas.openxmlformats.org/officeDocument/2006/relationships" xmlns:p="http://schemas.openxmlformats.org/presentationml/2006/main">
-  <p:cSld>
-    <p:spTree>
-      <p:nvGrpSpPr>
-        <p:cNvPr id="1" name=""/>
-        <p:cNvGrpSpPr/>
-        <p:nvPr/>
-      </p:nvGrpSpPr>
-      <p:grpSpPr>
-        <a:xfrm>
-          <a:off x="0" y="0"/>
-          <a:ext cx="0" cy="0"/>
-          <a:chOff x="0" y="0"/>
-          <a:chExt cx="0" cy="0"/>
-        </a:xfrm>
-      </p:grpSpPr>
-      <p:sp>
-        <p:nvSpPr>
-          <p:cNvPr id="2" name="標題 1"/>
-          <p:cNvSpPr>
-            <a:spLocks noGrp="1"/>
-          </p:cNvSpPr>
-          <p:nvPr>
-            <p:ph type="title"/>
-          </p:nvPr>
-        </p:nvSpPr>
-        <p:spPr/>
-        <p:txBody>
-          <a:bodyPr/>
-          <a:lstStyle/>
-          <a:p>
-            <a:endParaRPr lang="zh-TW" altLang="en-US"/>
-          </a:p>
-        </p:txBody>
-      </p:sp>
-      <p:sp>
-        <p:nvSpPr>
-          <p:cNvPr id="3" name="內容版面配置區 2"/>
-          <p:cNvSpPr>
-            <a:spLocks noGrp="1"/>
-          </p:cNvSpPr>
-          <p:nvPr>
-            <p:ph idx="1"/>
-          </p:nvPr>
-        </p:nvSpPr>
-        <p:spPr/>
-        <p:txBody>
-          <a:bodyPr/>
-          <a:lstStyle/>
-          <a:p>
-            <a:r>
-              <a:rPr lang="en-US" altLang="zh-TW" sz="2000" dirty="0" smtClean="0"/>
-              <a:t>2.</a:t>
-            </a:r>
-            <a:r>
-              <a:rPr lang="zh-TW" altLang="en-US" sz="2000" dirty="0" smtClean="0"/>
-              <a:t>觸發</a:t>
-            </a:r>
-            <a:r>
-              <a:rPr lang="en-US" altLang="zh-TW" sz="2000" dirty="0" smtClean="0"/>
-              <a:t>Jenkins</a:t>
-            </a:r>
-            <a:endParaRPr lang="zh-TW" altLang="en-US" sz="2000" dirty="0"/>
-          </a:p>
-        </p:txBody>
-      </p:sp>
-      <p:sp>
-        <p:nvSpPr>
-          <p:cNvPr id="4" name="投影片編號版面配置區 3"/>
-          <p:cNvSpPr>
-            <a:spLocks noGrp="1"/>
-          </p:cNvSpPr>
-          <p:nvPr>
-            <p:ph type="sldNum" sz="quarter" idx="12"/>
-          </p:nvPr>
-        </p:nvSpPr>
-        <p:spPr/>
-        <p:txBody>
-          <a:bodyPr/>
-          <a:lstStyle/>
-          <a:p>
-            <a:pPr>
-              <a:defRPr/>
-            </a:pPr>
-            <a:fld id="{3DB7C113-B292-4711-9FA5-4E4B2395B52F}" type="slidenum">
-              <a:rPr lang="zh-TW" altLang="en-US" smtClean="0"/>
-              <a:pPr>
-                <a:defRPr/>
-              </a:pPr>
-              <a:t>20</a:t>
+              <a:t>22</a:t>
             </a:fld>
             <a:endParaRPr lang="zh-TW" altLang="en-US"/>
           </a:p>
@@ -7374,7 +8635,7 @@
 </p:sld>
 </file>
 
-<file path=ppt/slides/slide21.xml><?xml version="1.0" encoding="utf-8"?>
+<file path=ppt/slides/slide23.xml><?xml version="1.0" encoding="utf-8"?>
 <p:sld xmlns:a="http://schemas.openxmlformats.org/drawingml/2006/main" xmlns:r="http://schemas.openxmlformats.org/officeDocument/2006/relationships" xmlns:p="http://schemas.openxmlformats.org/presentationml/2006/main">
   <p:cSld>
     <p:spTree>
@@ -7472,7 +8733,7 @@
               <a:pPr>
                 <a:defRPr/>
               </a:pPr>
-              <a:t>21</a:t>
+              <a:t>23</a:t>
             </a:fld>
             <a:endParaRPr lang="zh-TW" altLang="en-US"/>
           </a:p>
@@ -7515,7 +8776,7 @@
 </p:sld>
 </file>
 
-<file path=ppt/slides/slide22.xml><?xml version="1.0" encoding="utf-8"?>
+<file path=ppt/slides/slide24.xml><?xml version="1.0" encoding="utf-8"?>
 <p:sld xmlns:a="http://schemas.openxmlformats.org/drawingml/2006/main" xmlns:r="http://schemas.openxmlformats.org/officeDocument/2006/relationships" xmlns:p="http://schemas.openxmlformats.org/presentationml/2006/main">
   <p:cSld>
     <p:spTree>
@@ -7549,6 +8810,1590 @@
           <a:p>
             <a:r>
               <a:rPr lang="zh-TW" altLang="en-US" dirty="0" smtClean="0"/>
+              <a:t>大綱</a:t>
+            </a:r>
+            <a:endParaRPr lang="zh-TW" altLang="en-US" dirty="0"/>
+          </a:p>
+        </p:txBody>
+      </p:sp>
+      <p:sp>
+        <p:nvSpPr>
+          <p:cNvPr id="3" name="內容版面配置區 2"/>
+          <p:cNvSpPr>
+            <a:spLocks noGrp="1"/>
+          </p:cNvSpPr>
+          <p:nvPr>
+            <p:ph idx="1"/>
+          </p:nvPr>
+        </p:nvSpPr>
+        <p:spPr/>
+        <p:txBody>
+          <a:bodyPr/>
+          <a:lstStyle/>
+          <a:p>
+            <a:pPr eaLnBrk="1" hangingPunct="1">
+              <a:buFont typeface="Arial" charset="0"/>
+              <a:buChar char="•"/>
+              <a:defRPr/>
+            </a:pPr>
+            <a:r>
+              <a:rPr lang="zh-TW" altLang="en-US" dirty="0">
+                <a:solidFill>
+                  <a:schemeClr val="bg1">
+                    <a:lumMod val="75000"/>
+                  </a:schemeClr>
+                </a:solidFill>
+                <a:latin typeface="標楷體" pitchFamily="65" charset="-120"/>
+              </a:rPr>
+              <a:t>研究背景與動機</a:t>
+            </a:r>
+            <a:endParaRPr lang="en-US" altLang="zh-TW" dirty="0">
+              <a:solidFill>
+                <a:schemeClr val="bg1">
+                  <a:lumMod val="75000"/>
+                </a:schemeClr>
+              </a:solidFill>
+              <a:latin typeface="標楷體" pitchFamily="65" charset="-120"/>
+            </a:endParaRPr>
+          </a:p>
+          <a:p>
+            <a:pPr eaLnBrk="1" hangingPunct="1">
+              <a:buFont typeface="Arial" charset="0"/>
+              <a:buChar char="•"/>
+              <a:defRPr/>
+            </a:pPr>
+            <a:r>
+              <a:rPr lang="zh-TW" altLang="en-US" dirty="0">
+                <a:solidFill>
+                  <a:schemeClr val="bg1">
+                    <a:lumMod val="75000"/>
+                  </a:schemeClr>
+                </a:solidFill>
+                <a:latin typeface="標楷體" pitchFamily="65" charset="-120"/>
+              </a:rPr>
+              <a:t>研究目標</a:t>
+            </a:r>
+            <a:endParaRPr lang="en-US" altLang="zh-TW" dirty="0">
+              <a:solidFill>
+                <a:schemeClr val="bg1">
+                  <a:lumMod val="75000"/>
+                </a:schemeClr>
+              </a:solidFill>
+              <a:latin typeface="標楷體" pitchFamily="65" charset="-120"/>
+            </a:endParaRPr>
+          </a:p>
+          <a:p>
+            <a:pPr eaLnBrk="1" hangingPunct="1">
+              <a:buFont typeface="Arial" charset="0"/>
+              <a:buChar char="•"/>
+              <a:defRPr/>
+            </a:pPr>
+            <a:r>
+              <a:rPr lang="zh-TW" altLang="en-US" dirty="0">
+                <a:solidFill>
+                  <a:schemeClr val="bg1">
+                    <a:lumMod val="75000"/>
+                  </a:schemeClr>
+                </a:solidFill>
+                <a:latin typeface="標楷體" pitchFamily="65" charset="-120"/>
+              </a:rPr>
+              <a:t>背景知識</a:t>
+            </a:r>
+            <a:endParaRPr lang="en-US" altLang="zh-TW" dirty="0">
+              <a:solidFill>
+                <a:schemeClr val="bg1">
+                  <a:lumMod val="75000"/>
+                </a:schemeClr>
+              </a:solidFill>
+              <a:latin typeface="標楷體" pitchFamily="65" charset="-120"/>
+            </a:endParaRPr>
+          </a:p>
+          <a:p>
+            <a:pPr eaLnBrk="1" hangingPunct="1">
+              <a:buFont typeface="Arial" charset="0"/>
+              <a:buChar char="•"/>
+              <a:defRPr/>
+            </a:pPr>
+            <a:r>
+              <a:rPr lang="zh-TW" altLang="en-US" dirty="0" smtClean="0">
+                <a:solidFill>
+                  <a:schemeClr val="bg1">
+                    <a:lumMod val="75000"/>
+                  </a:schemeClr>
+                </a:solidFill>
+                <a:latin typeface="標楷體" pitchFamily="65" charset="-120"/>
+              </a:rPr>
+              <a:t>研究方法</a:t>
+            </a:r>
+            <a:endParaRPr lang="zh-TW" altLang="en-US" dirty="0">
+              <a:solidFill>
+                <a:schemeClr val="bg1">
+                  <a:lumMod val="75000"/>
+                </a:schemeClr>
+              </a:solidFill>
+              <a:latin typeface="標楷體" pitchFamily="65" charset="-120"/>
+            </a:endParaRPr>
+          </a:p>
+          <a:p>
+            <a:pPr eaLnBrk="1" hangingPunct="1">
+              <a:buFont typeface="Arial" charset="0"/>
+              <a:buChar char="•"/>
+              <a:defRPr/>
+            </a:pPr>
+            <a:r>
+              <a:rPr lang="zh-TW" altLang="en-US" dirty="0">
+                <a:latin typeface="標楷體" pitchFamily="65" charset="-120"/>
+              </a:rPr>
+              <a:t>案例實作</a:t>
+            </a:r>
+            <a:endParaRPr lang="en-US" altLang="zh-TW" dirty="0">
+              <a:latin typeface="標楷體" pitchFamily="65" charset="-120"/>
+            </a:endParaRPr>
+          </a:p>
+          <a:p>
+            <a:pPr eaLnBrk="1" hangingPunct="1">
+              <a:buFont typeface="Arial" charset="0"/>
+              <a:buChar char="•"/>
+              <a:defRPr/>
+            </a:pPr>
+            <a:r>
+              <a:rPr lang="zh-TW" altLang="en-US" dirty="0">
+                <a:solidFill>
+                  <a:schemeClr val="bg1">
+                    <a:lumMod val="75000"/>
+                  </a:schemeClr>
+                </a:solidFill>
+                <a:latin typeface="標楷體" pitchFamily="65" charset="-120"/>
+              </a:rPr>
+              <a:t>結論與未來展望</a:t>
+            </a:r>
+          </a:p>
+          <a:p>
+            <a:endParaRPr lang="zh-TW" altLang="en-US" dirty="0"/>
+          </a:p>
+        </p:txBody>
+      </p:sp>
+      <p:sp>
+        <p:nvSpPr>
+          <p:cNvPr id="4" name="投影片編號版面配置區 3"/>
+          <p:cNvSpPr>
+            <a:spLocks noGrp="1"/>
+          </p:cNvSpPr>
+          <p:nvPr>
+            <p:ph type="sldNum" sz="quarter" idx="12"/>
+          </p:nvPr>
+        </p:nvSpPr>
+        <p:spPr/>
+        <p:txBody>
+          <a:bodyPr/>
+          <a:lstStyle/>
+          <a:p>
+            <a:pPr>
+              <a:defRPr/>
+            </a:pPr>
+            <a:fld id="{3DB7C113-B292-4711-9FA5-4E4B2395B52F}" type="slidenum">
+              <a:rPr lang="zh-TW" altLang="en-US" smtClean="0"/>
+              <a:pPr>
+                <a:defRPr/>
+              </a:pPr>
+              <a:t>24</a:t>
+            </a:fld>
+            <a:endParaRPr lang="zh-TW" altLang="en-US"/>
+          </a:p>
+        </p:txBody>
+      </p:sp>
+    </p:spTree>
+    <p:extLst>
+      <p:ext uri="{BB962C8B-B14F-4D97-AF65-F5344CB8AC3E}">
+        <p14:creationId xmlns:p14="http://schemas.microsoft.com/office/powerpoint/2010/main" val="4224940778"/>
+      </p:ext>
+    </p:extLst>
+  </p:cSld>
+  <p:clrMapOvr>
+    <a:masterClrMapping/>
+  </p:clrMapOvr>
+  <p:timing>
+    <p:tnLst>
+      <p:par>
+        <p:cTn id="1" dur="indefinite" restart="never" nodeType="tmRoot"/>
+      </p:par>
+    </p:tnLst>
+  </p:timing>
+</p:sld>
+</file>
+
+<file path=ppt/slides/slide25.xml><?xml version="1.0" encoding="utf-8"?>
+<p:sld xmlns:a="http://schemas.openxmlformats.org/drawingml/2006/main" xmlns:r="http://schemas.openxmlformats.org/officeDocument/2006/relationships" xmlns:p="http://schemas.openxmlformats.org/presentationml/2006/main">
+  <p:cSld>
+    <p:spTree>
+      <p:nvGrpSpPr>
+        <p:cNvPr id="1" name=""/>
+        <p:cNvGrpSpPr/>
+        <p:nvPr/>
+      </p:nvGrpSpPr>
+      <p:grpSpPr>
+        <a:xfrm>
+          <a:off x="0" y="0"/>
+          <a:ext cx="0" cy="0"/>
+          <a:chOff x="0" y="0"/>
+          <a:chExt cx="0" cy="0"/>
+        </a:xfrm>
+      </p:grpSpPr>
+      <p:sp>
+        <p:nvSpPr>
+          <p:cNvPr id="2" name="標題 1"/>
+          <p:cNvSpPr>
+            <a:spLocks noGrp="1"/>
+          </p:cNvSpPr>
+          <p:nvPr>
+            <p:ph type="title"/>
+          </p:nvPr>
+        </p:nvSpPr>
+        <p:spPr/>
+        <p:txBody>
+          <a:bodyPr/>
+          <a:lstStyle/>
+          <a:p>
+            <a:r>
+              <a:rPr lang="zh-TW" altLang="en-US" dirty="0" smtClean="0"/>
+              <a:t>案例實作</a:t>
+            </a:r>
+            <a:endParaRPr lang="zh-TW" altLang="en-US" dirty="0"/>
+          </a:p>
+        </p:txBody>
+      </p:sp>
+      <p:sp>
+        <p:nvSpPr>
+          <p:cNvPr id="3" name="內容版面配置區 2"/>
+          <p:cNvSpPr>
+            <a:spLocks noGrp="1"/>
+          </p:cNvSpPr>
+          <p:nvPr>
+            <p:ph idx="1"/>
+          </p:nvPr>
+        </p:nvSpPr>
+        <p:spPr/>
+        <p:txBody>
+          <a:bodyPr/>
+          <a:lstStyle/>
+          <a:p>
+            <a:r>
+              <a:rPr lang="en-US" altLang="zh-TW" sz="2000" dirty="0" smtClean="0"/>
+              <a:t>Jenkins</a:t>
+            </a:r>
+            <a:r>
+              <a:rPr lang="zh-TW" altLang="en-US" sz="2000" dirty="0" smtClean="0"/>
+              <a:t>設定 </a:t>
+            </a:r>
+            <a:r>
+              <a:rPr lang="en-US" altLang="zh-TW" sz="2000" dirty="0" smtClean="0"/>
+              <a:t>:</a:t>
+            </a:r>
+            <a:r>
+              <a:rPr lang="zh-TW" altLang="en-US" sz="2000" dirty="0" smtClean="0"/>
+              <a:t> </a:t>
+            </a:r>
+            <a:endParaRPr lang="zh-TW" altLang="en-US" sz="2000" dirty="0"/>
+          </a:p>
+        </p:txBody>
+      </p:sp>
+      <p:sp>
+        <p:nvSpPr>
+          <p:cNvPr id="4" name="投影片編號版面配置區 3"/>
+          <p:cNvSpPr>
+            <a:spLocks noGrp="1"/>
+          </p:cNvSpPr>
+          <p:nvPr>
+            <p:ph type="sldNum" sz="quarter" idx="12"/>
+          </p:nvPr>
+        </p:nvSpPr>
+        <p:spPr/>
+        <p:txBody>
+          <a:bodyPr/>
+          <a:lstStyle/>
+          <a:p>
+            <a:pPr>
+              <a:defRPr/>
+            </a:pPr>
+            <a:fld id="{3DB7C113-B292-4711-9FA5-4E4B2395B52F}" type="slidenum">
+              <a:rPr lang="zh-TW" altLang="en-US" smtClean="0"/>
+              <a:pPr>
+                <a:defRPr/>
+              </a:pPr>
+              <a:t>25</a:t>
+            </a:fld>
+            <a:endParaRPr lang="zh-TW" altLang="en-US"/>
+          </a:p>
+        </p:txBody>
+      </p:sp>
+      <p:pic>
+        <p:nvPicPr>
+          <p:cNvPr id="3075" name="內容版面配置區 6"/>
+          <p:cNvPicPr>
+            <a:picLocks noGrp="1" noChangeAspect="1" noChangeArrowheads="1"/>
+          </p:cNvPicPr>
+          <p:nvPr/>
+        </p:nvPicPr>
+        <p:blipFill>
+          <a:blip r:embed="rId2">
+            <a:extLst>
+              <a:ext uri="{28A0092B-C50C-407E-A947-70E740481C1C}">
+                <a14:useLocalDpi xmlns:a14="http://schemas.microsoft.com/office/drawing/2010/main" val="0"/>
+              </a:ext>
+            </a:extLst>
+          </a:blip>
+          <a:srcRect/>
+          <a:stretch>
+            <a:fillRect/>
+          </a:stretch>
+        </p:blipFill>
+        <p:spPr bwMode="auto">
+          <a:xfrm>
+            <a:off x="323528" y="1980884"/>
+            <a:ext cx="8100392" cy="4327841"/>
+          </a:xfrm>
+          <a:prstGeom prst="rect">
+            <a:avLst/>
+          </a:prstGeom>
+          <a:noFill/>
+          <a:ln>
+            <a:noFill/>
+          </a:ln>
+          <a:extLst>
+            <a:ext uri="{909E8E84-426E-40DD-AFC4-6F175D3DCCD1}">
+              <a14:hiddenFill xmlns:a14="http://schemas.microsoft.com/office/drawing/2010/main">
+                <a:solidFill>
+                  <a:srgbClr val="FFFFFF"/>
+                </a:solidFill>
+              </a14:hiddenFill>
+            </a:ext>
+            <a:ext uri="{91240B29-F687-4F45-9708-019B960494DF}">
+              <a14:hiddenLine xmlns:a14="http://schemas.microsoft.com/office/drawing/2010/main" w="9525">
+                <a:solidFill>
+                  <a:srgbClr val="000000"/>
+                </a:solidFill>
+                <a:miter lim="800000"/>
+                <a:headEnd/>
+                <a:tailEnd/>
+              </a14:hiddenLine>
+            </a:ext>
+          </a:extLst>
+        </p:spPr>
+      </p:pic>
+    </p:spTree>
+    <p:extLst>
+      <p:ext uri="{BB962C8B-B14F-4D97-AF65-F5344CB8AC3E}">
+        <p14:creationId xmlns:p14="http://schemas.microsoft.com/office/powerpoint/2010/main" val="3864193811"/>
+      </p:ext>
+    </p:extLst>
+  </p:cSld>
+  <p:clrMapOvr>
+    <a:masterClrMapping/>
+  </p:clrMapOvr>
+  <p:timing>
+    <p:tnLst>
+      <p:par>
+        <p:cTn id="1" dur="indefinite" restart="never" nodeType="tmRoot"/>
+      </p:par>
+    </p:tnLst>
+  </p:timing>
+</p:sld>
+</file>
+
+<file path=ppt/slides/slide26.xml><?xml version="1.0" encoding="utf-8"?>
+<p:sld xmlns:a="http://schemas.openxmlformats.org/drawingml/2006/main" xmlns:r="http://schemas.openxmlformats.org/officeDocument/2006/relationships" xmlns:p="http://schemas.openxmlformats.org/presentationml/2006/main">
+  <p:cSld>
+    <p:spTree>
+      <p:nvGrpSpPr>
+        <p:cNvPr id="1" name=""/>
+        <p:cNvGrpSpPr/>
+        <p:nvPr/>
+      </p:nvGrpSpPr>
+      <p:grpSpPr>
+        <a:xfrm>
+          <a:off x="0" y="0"/>
+          <a:ext cx="0" cy="0"/>
+          <a:chOff x="0" y="0"/>
+          <a:chExt cx="0" cy="0"/>
+        </a:xfrm>
+      </p:grpSpPr>
+      <p:sp>
+        <p:nvSpPr>
+          <p:cNvPr id="2" name="標題 1"/>
+          <p:cNvSpPr>
+            <a:spLocks noGrp="1"/>
+          </p:cNvSpPr>
+          <p:nvPr>
+            <p:ph type="title"/>
+          </p:nvPr>
+        </p:nvSpPr>
+        <p:spPr/>
+        <p:txBody>
+          <a:bodyPr/>
+          <a:lstStyle/>
+          <a:p>
+            <a:endParaRPr lang="zh-TW" altLang="en-US"/>
+          </a:p>
+        </p:txBody>
+      </p:sp>
+      <p:sp>
+        <p:nvSpPr>
+          <p:cNvPr id="3" name="內容版面配置區 2"/>
+          <p:cNvSpPr>
+            <a:spLocks noGrp="1"/>
+          </p:cNvSpPr>
+          <p:nvPr>
+            <p:ph idx="1"/>
+          </p:nvPr>
+        </p:nvSpPr>
+        <p:spPr/>
+        <p:txBody>
+          <a:bodyPr/>
+          <a:lstStyle/>
+          <a:p>
+            <a:r>
+              <a:rPr lang="en-US" altLang="zh-TW" sz="2000" dirty="0" smtClean="0"/>
+              <a:t>GitHub</a:t>
+            </a:r>
+            <a:r>
+              <a:rPr lang="zh-TW" altLang="en-US" sz="2000" dirty="0" smtClean="0"/>
+              <a:t>網站設定 </a:t>
+            </a:r>
+            <a:r>
+              <a:rPr lang="en-US" altLang="zh-TW" sz="2000" dirty="0" smtClean="0"/>
+              <a:t>:</a:t>
+            </a:r>
+            <a:r>
+              <a:rPr lang="zh-TW" altLang="en-US" sz="2000" dirty="0" smtClean="0"/>
+              <a:t> </a:t>
+            </a:r>
+            <a:endParaRPr lang="zh-TW" altLang="en-US" sz="2000" dirty="0"/>
+          </a:p>
+        </p:txBody>
+      </p:sp>
+      <p:sp>
+        <p:nvSpPr>
+          <p:cNvPr id="4" name="投影片編號版面配置區 3"/>
+          <p:cNvSpPr>
+            <a:spLocks noGrp="1"/>
+          </p:cNvSpPr>
+          <p:nvPr>
+            <p:ph type="sldNum" sz="quarter" idx="12"/>
+          </p:nvPr>
+        </p:nvSpPr>
+        <p:spPr/>
+        <p:txBody>
+          <a:bodyPr/>
+          <a:lstStyle/>
+          <a:p>
+            <a:pPr>
+              <a:defRPr/>
+            </a:pPr>
+            <a:fld id="{3DB7C113-B292-4711-9FA5-4E4B2395B52F}" type="slidenum">
+              <a:rPr lang="zh-TW" altLang="en-US" smtClean="0"/>
+              <a:pPr>
+                <a:defRPr/>
+              </a:pPr>
+              <a:t>26</a:t>
+            </a:fld>
+            <a:endParaRPr lang="zh-TW" altLang="en-US"/>
+          </a:p>
+        </p:txBody>
+      </p:sp>
+      <p:pic>
+        <p:nvPicPr>
+          <p:cNvPr id="4099" name="內容版面配置區 7"/>
+          <p:cNvPicPr>
+            <a:picLocks noGrp="1" noChangeAspect="1" noChangeArrowheads="1"/>
+          </p:cNvPicPr>
+          <p:nvPr/>
+        </p:nvPicPr>
+        <p:blipFill>
+          <a:blip r:embed="rId3">
+            <a:extLst>
+              <a:ext uri="{28A0092B-C50C-407E-A947-70E740481C1C}">
+                <a14:useLocalDpi xmlns:a14="http://schemas.microsoft.com/office/drawing/2010/main" val="0"/>
+              </a:ext>
+            </a:extLst>
+          </a:blip>
+          <a:srcRect/>
+          <a:stretch>
+            <a:fillRect/>
+          </a:stretch>
+        </p:blipFill>
+        <p:spPr bwMode="auto">
+          <a:xfrm>
+            <a:off x="323528" y="2140053"/>
+            <a:ext cx="8208912" cy="4398160"/>
+          </a:xfrm>
+          <a:prstGeom prst="rect">
+            <a:avLst/>
+          </a:prstGeom>
+          <a:noFill/>
+          <a:ln>
+            <a:noFill/>
+          </a:ln>
+          <a:extLst>
+            <a:ext uri="{909E8E84-426E-40DD-AFC4-6F175D3DCCD1}">
+              <a14:hiddenFill xmlns:a14="http://schemas.microsoft.com/office/drawing/2010/main">
+                <a:solidFill>
+                  <a:srgbClr val="FFFFFF"/>
+                </a:solidFill>
+              </a14:hiddenFill>
+            </a:ext>
+            <a:ext uri="{91240B29-F687-4F45-9708-019B960494DF}">
+              <a14:hiddenLine xmlns:a14="http://schemas.microsoft.com/office/drawing/2010/main" w="9525">
+                <a:solidFill>
+                  <a:srgbClr val="000000"/>
+                </a:solidFill>
+                <a:miter lim="800000"/>
+                <a:headEnd/>
+                <a:tailEnd/>
+              </a14:hiddenLine>
+            </a:ext>
+          </a:extLst>
+        </p:spPr>
+      </p:pic>
+    </p:spTree>
+    <p:extLst>
+      <p:ext uri="{BB962C8B-B14F-4D97-AF65-F5344CB8AC3E}">
+        <p14:creationId xmlns:p14="http://schemas.microsoft.com/office/powerpoint/2010/main" val="2641090045"/>
+      </p:ext>
+    </p:extLst>
+  </p:cSld>
+  <p:clrMapOvr>
+    <a:masterClrMapping/>
+  </p:clrMapOvr>
+</p:sld>
+</file>
+
+<file path=ppt/slides/slide27.xml><?xml version="1.0" encoding="utf-8"?>
+<p:sld xmlns:a="http://schemas.openxmlformats.org/drawingml/2006/main" xmlns:r="http://schemas.openxmlformats.org/officeDocument/2006/relationships" xmlns:p="http://schemas.openxmlformats.org/presentationml/2006/main">
+  <p:cSld>
+    <p:spTree>
+      <p:nvGrpSpPr>
+        <p:cNvPr id="1" name=""/>
+        <p:cNvGrpSpPr/>
+        <p:nvPr/>
+      </p:nvGrpSpPr>
+      <p:grpSpPr>
+        <a:xfrm>
+          <a:off x="0" y="0"/>
+          <a:ext cx="0" cy="0"/>
+          <a:chOff x="0" y="0"/>
+          <a:chExt cx="0" cy="0"/>
+        </a:xfrm>
+      </p:grpSpPr>
+      <p:sp>
+        <p:nvSpPr>
+          <p:cNvPr id="2" name="標題 1"/>
+          <p:cNvSpPr>
+            <a:spLocks noGrp="1"/>
+          </p:cNvSpPr>
+          <p:nvPr>
+            <p:ph type="title"/>
+          </p:nvPr>
+        </p:nvSpPr>
+        <p:spPr/>
+        <p:txBody>
+          <a:bodyPr/>
+          <a:lstStyle/>
+          <a:p>
+            <a:r>
+              <a:rPr lang="zh-TW" altLang="en-US" dirty="0" smtClean="0"/>
+              <a:t>設計分析</a:t>
+            </a:r>
+            <a:endParaRPr lang="zh-TW" altLang="en-US" dirty="0"/>
+          </a:p>
+        </p:txBody>
+      </p:sp>
+      <p:sp>
+        <p:nvSpPr>
+          <p:cNvPr id="3" name="內容版面配置區 2"/>
+          <p:cNvSpPr>
+            <a:spLocks noGrp="1"/>
+          </p:cNvSpPr>
+          <p:nvPr>
+            <p:ph idx="1"/>
+          </p:nvPr>
+        </p:nvSpPr>
+        <p:spPr/>
+        <p:txBody>
+          <a:bodyPr/>
+          <a:lstStyle/>
+          <a:p>
+            <a:r>
+              <a:rPr lang="zh-TW" altLang="en-US" sz="2000" dirty="0" smtClean="0"/>
+              <a:t>自動化部署物件類別圖 </a:t>
+            </a:r>
+            <a:r>
+              <a:rPr lang="en-US" altLang="zh-TW" sz="2000" dirty="0" smtClean="0"/>
+              <a:t>:</a:t>
+            </a:r>
+            <a:r>
+              <a:rPr lang="zh-TW" altLang="en-US" sz="2000" dirty="0" smtClean="0"/>
+              <a:t> </a:t>
+            </a:r>
+            <a:endParaRPr lang="zh-TW" altLang="en-US" sz="2000" dirty="0"/>
+          </a:p>
+        </p:txBody>
+      </p:sp>
+      <p:sp>
+        <p:nvSpPr>
+          <p:cNvPr id="4" name="投影片編號版面配置區 3"/>
+          <p:cNvSpPr>
+            <a:spLocks noGrp="1"/>
+          </p:cNvSpPr>
+          <p:nvPr>
+            <p:ph type="sldNum" sz="quarter" idx="12"/>
+          </p:nvPr>
+        </p:nvSpPr>
+        <p:spPr/>
+        <p:txBody>
+          <a:bodyPr/>
+          <a:lstStyle/>
+          <a:p>
+            <a:pPr>
+              <a:defRPr/>
+            </a:pPr>
+            <a:fld id="{3DB7C113-B292-4711-9FA5-4E4B2395B52F}" type="slidenum">
+              <a:rPr lang="zh-TW" altLang="en-US" smtClean="0"/>
+              <a:pPr>
+                <a:defRPr/>
+              </a:pPr>
+              <a:t>27</a:t>
+            </a:fld>
+            <a:endParaRPr lang="zh-TW" altLang="en-US"/>
+          </a:p>
+        </p:txBody>
+      </p:sp>
+      <p:pic>
+        <p:nvPicPr>
+          <p:cNvPr id="6146" name="圖片 7"/>
+          <p:cNvPicPr>
+            <a:picLocks noChangeAspect="1" noChangeArrowheads="1"/>
+          </p:cNvPicPr>
+          <p:nvPr/>
+        </p:nvPicPr>
+        <p:blipFill>
+          <a:blip r:embed="rId3">
+            <a:extLst>
+              <a:ext uri="{28A0092B-C50C-407E-A947-70E740481C1C}">
+                <a14:useLocalDpi xmlns:a14="http://schemas.microsoft.com/office/drawing/2010/main" val="0"/>
+              </a:ext>
+            </a:extLst>
+          </a:blip>
+          <a:srcRect/>
+          <a:stretch>
+            <a:fillRect/>
+          </a:stretch>
+        </p:blipFill>
+        <p:spPr bwMode="auto">
+          <a:xfrm>
+            <a:off x="683568" y="2203192"/>
+            <a:ext cx="7585784" cy="3674079"/>
+          </a:xfrm>
+          <a:prstGeom prst="rect">
+            <a:avLst/>
+          </a:prstGeom>
+          <a:noFill/>
+          <a:ln>
+            <a:noFill/>
+          </a:ln>
+          <a:extLst>
+            <a:ext uri="{909E8E84-426E-40DD-AFC4-6F175D3DCCD1}">
+              <a14:hiddenFill xmlns:a14="http://schemas.microsoft.com/office/drawing/2010/main">
+                <a:solidFill>
+                  <a:srgbClr val="FFFFFF"/>
+                </a:solidFill>
+              </a14:hiddenFill>
+            </a:ext>
+            <a:ext uri="{91240B29-F687-4F45-9708-019B960494DF}">
+              <a14:hiddenLine xmlns:a14="http://schemas.microsoft.com/office/drawing/2010/main" w="9525">
+                <a:solidFill>
+                  <a:srgbClr val="000000"/>
+                </a:solidFill>
+                <a:miter lim="800000"/>
+                <a:headEnd/>
+                <a:tailEnd/>
+              </a14:hiddenLine>
+            </a:ext>
+          </a:extLst>
+        </p:spPr>
+      </p:pic>
+    </p:spTree>
+    <p:extLst>
+      <p:ext uri="{BB962C8B-B14F-4D97-AF65-F5344CB8AC3E}">
+        <p14:creationId xmlns:p14="http://schemas.microsoft.com/office/powerpoint/2010/main" val="966794363"/>
+      </p:ext>
+    </p:extLst>
+  </p:cSld>
+  <p:clrMapOvr>
+    <a:masterClrMapping/>
+  </p:clrMapOvr>
+  <p:timing>
+    <p:tnLst>
+      <p:par>
+        <p:cTn id="1" dur="indefinite" restart="never" nodeType="tmRoot"/>
+      </p:par>
+    </p:tnLst>
+  </p:timing>
+</p:sld>
+</file>
+
+<file path=ppt/slides/slide28.xml><?xml version="1.0" encoding="utf-8"?>
+<p:sld xmlns:a="http://schemas.openxmlformats.org/drawingml/2006/main" xmlns:r="http://schemas.openxmlformats.org/officeDocument/2006/relationships" xmlns:p="http://schemas.openxmlformats.org/presentationml/2006/main">
+  <p:cSld>
+    <p:spTree>
+      <p:nvGrpSpPr>
+        <p:cNvPr id="1" name=""/>
+        <p:cNvGrpSpPr/>
+        <p:nvPr/>
+      </p:nvGrpSpPr>
+      <p:grpSpPr>
+        <a:xfrm>
+          <a:off x="0" y="0"/>
+          <a:ext cx="0" cy="0"/>
+          <a:chOff x="0" y="0"/>
+          <a:chExt cx="0" cy="0"/>
+        </a:xfrm>
+      </p:grpSpPr>
+      <p:sp>
+        <p:nvSpPr>
+          <p:cNvPr id="2" name="標題 1"/>
+          <p:cNvSpPr>
+            <a:spLocks noGrp="1"/>
+          </p:cNvSpPr>
+          <p:nvPr>
+            <p:ph type="title"/>
+          </p:nvPr>
+        </p:nvSpPr>
+        <p:spPr/>
+        <p:txBody>
+          <a:bodyPr/>
+          <a:lstStyle/>
+          <a:p>
+            <a:r>
+              <a:rPr lang="zh-TW" altLang="zh-TW" b="1" dirty="0">
+                <a:effectLst/>
+              </a:rPr>
+              <a:t>驗收測試</a:t>
+            </a:r>
+            <a:endParaRPr lang="zh-TW" altLang="en-US" dirty="0"/>
+          </a:p>
+        </p:txBody>
+      </p:sp>
+      <p:sp>
+        <p:nvSpPr>
+          <p:cNvPr id="3" name="內容版面配置區 2"/>
+          <p:cNvSpPr>
+            <a:spLocks noGrp="1"/>
+          </p:cNvSpPr>
+          <p:nvPr>
+            <p:ph idx="1"/>
+          </p:nvPr>
+        </p:nvSpPr>
+        <p:spPr>
+          <a:xfrm>
+            <a:off x="457200" y="1600200"/>
+            <a:ext cx="8686800" cy="4525963"/>
+          </a:xfrm>
+        </p:spPr>
+        <p:txBody>
+          <a:bodyPr/>
+          <a:lstStyle/>
+          <a:p>
+            <a:r>
+              <a:rPr lang="zh-TW" altLang="zh-TW" sz="2000" dirty="0"/>
+              <a:t>當</a:t>
+            </a:r>
+            <a:r>
+              <a:rPr lang="en-US" altLang="zh-TW" sz="2000" dirty="0" err="1"/>
+              <a:t>Microservice</a:t>
+            </a:r>
+            <a:r>
+              <a:rPr lang="zh-TW" altLang="zh-TW" sz="2000" dirty="0"/>
+              <a:t>被啟動之後，為了要確認服務真的已經啟動了，即可</a:t>
+            </a:r>
+            <a:r>
+              <a:rPr lang="zh-TW" altLang="zh-TW" sz="2000" dirty="0" smtClean="0"/>
+              <a:t>撰寫</a:t>
+            </a:r>
+            <a:endParaRPr lang="en-US" altLang="zh-TW" sz="2000" dirty="0" smtClean="0"/>
+          </a:p>
+          <a:p>
+            <a:r>
+              <a:rPr lang="zh-TW" altLang="zh-TW" sz="2000" dirty="0" smtClean="0"/>
+              <a:t>驗收</a:t>
+            </a:r>
+            <a:r>
+              <a:rPr lang="zh-TW" altLang="zh-TW" sz="2000" dirty="0"/>
+              <a:t>測試來進行</a:t>
+            </a:r>
+            <a:r>
+              <a:rPr lang="zh-TW" altLang="zh-TW" sz="2000" dirty="0" smtClean="0"/>
+              <a:t>確認</a:t>
+            </a:r>
+            <a:r>
+              <a:rPr lang="zh-TW" altLang="en-US" sz="2000" dirty="0" smtClean="0"/>
+              <a:t>。</a:t>
+            </a:r>
+            <a:endParaRPr lang="zh-TW" altLang="en-US" sz="2000" dirty="0"/>
+          </a:p>
+        </p:txBody>
+      </p:sp>
+      <p:sp>
+        <p:nvSpPr>
+          <p:cNvPr id="4" name="投影片編號版面配置區 3"/>
+          <p:cNvSpPr>
+            <a:spLocks noGrp="1"/>
+          </p:cNvSpPr>
+          <p:nvPr>
+            <p:ph type="sldNum" sz="quarter" idx="12"/>
+          </p:nvPr>
+        </p:nvSpPr>
+        <p:spPr/>
+        <p:txBody>
+          <a:bodyPr/>
+          <a:lstStyle/>
+          <a:p>
+            <a:pPr>
+              <a:defRPr/>
+            </a:pPr>
+            <a:fld id="{3DB7C113-B292-4711-9FA5-4E4B2395B52F}" type="slidenum">
+              <a:rPr lang="zh-TW" altLang="en-US" smtClean="0"/>
+              <a:pPr>
+                <a:defRPr/>
+              </a:pPr>
+              <a:t>28</a:t>
+            </a:fld>
+            <a:endParaRPr lang="zh-TW" altLang="en-US"/>
+          </a:p>
+        </p:txBody>
+      </p:sp>
+      <p:pic>
+        <p:nvPicPr>
+          <p:cNvPr id="7170" name="內容版面配置區 4"/>
+          <p:cNvPicPr>
+            <a:picLocks noGrp="1" noChangeAspect="1" noChangeArrowheads="1"/>
+          </p:cNvPicPr>
+          <p:nvPr/>
+        </p:nvPicPr>
+        <p:blipFill>
+          <a:blip r:embed="rId2">
+            <a:extLst>
+              <a:ext uri="{28A0092B-C50C-407E-A947-70E740481C1C}">
+                <a14:useLocalDpi xmlns:a14="http://schemas.microsoft.com/office/drawing/2010/main" val="0"/>
+              </a:ext>
+            </a:extLst>
+          </a:blip>
+          <a:srcRect/>
+          <a:stretch>
+            <a:fillRect/>
+          </a:stretch>
+        </p:blipFill>
+        <p:spPr bwMode="auto">
+          <a:xfrm>
+            <a:off x="8703" y="2420888"/>
+            <a:ext cx="9135297" cy="4103468"/>
+          </a:xfrm>
+          <a:prstGeom prst="rect">
+            <a:avLst/>
+          </a:prstGeom>
+          <a:noFill/>
+          <a:ln>
+            <a:noFill/>
+          </a:ln>
+          <a:extLst>
+            <a:ext uri="{909E8E84-426E-40DD-AFC4-6F175D3DCCD1}">
+              <a14:hiddenFill xmlns:a14="http://schemas.microsoft.com/office/drawing/2010/main">
+                <a:solidFill>
+                  <a:srgbClr val="FFFFFF"/>
+                </a:solidFill>
+              </a14:hiddenFill>
+            </a:ext>
+            <a:ext uri="{91240B29-F687-4F45-9708-019B960494DF}">
+              <a14:hiddenLine xmlns:a14="http://schemas.microsoft.com/office/drawing/2010/main" w="9525">
+                <a:solidFill>
+                  <a:srgbClr val="000000"/>
+                </a:solidFill>
+                <a:miter lim="800000"/>
+                <a:headEnd/>
+                <a:tailEnd/>
+              </a14:hiddenLine>
+            </a:ext>
+          </a:extLst>
+        </p:spPr>
+      </p:pic>
+    </p:spTree>
+    <p:extLst>
+      <p:ext uri="{BB962C8B-B14F-4D97-AF65-F5344CB8AC3E}">
+        <p14:creationId xmlns:p14="http://schemas.microsoft.com/office/powerpoint/2010/main" val="4005601386"/>
+      </p:ext>
+    </p:extLst>
+  </p:cSld>
+  <p:clrMapOvr>
+    <a:masterClrMapping/>
+  </p:clrMapOvr>
+  <p:timing>
+    <p:tnLst>
+      <p:par>
+        <p:cTn id="1" dur="indefinite" restart="never" nodeType="tmRoot"/>
+      </p:par>
+    </p:tnLst>
+  </p:timing>
+</p:sld>
+</file>
+
+<file path=ppt/slides/slide29.xml><?xml version="1.0" encoding="utf-8"?>
+<p:sld xmlns:a="http://schemas.openxmlformats.org/drawingml/2006/main" xmlns:r="http://schemas.openxmlformats.org/officeDocument/2006/relationships" xmlns:p="http://schemas.openxmlformats.org/presentationml/2006/main">
+  <p:cSld>
+    <p:spTree>
+      <p:nvGrpSpPr>
+        <p:cNvPr id="1" name=""/>
+        <p:cNvGrpSpPr/>
+        <p:nvPr/>
+      </p:nvGrpSpPr>
+      <p:grpSpPr>
+        <a:xfrm>
+          <a:off x="0" y="0"/>
+          <a:ext cx="0" cy="0"/>
+          <a:chOff x="0" y="0"/>
+          <a:chExt cx="0" cy="0"/>
+        </a:xfrm>
+      </p:grpSpPr>
+      <p:sp>
+        <p:nvSpPr>
+          <p:cNvPr id="2" name="標題 1"/>
+          <p:cNvSpPr>
+            <a:spLocks noGrp="1"/>
+          </p:cNvSpPr>
+          <p:nvPr>
+            <p:ph type="title"/>
+          </p:nvPr>
+        </p:nvSpPr>
+        <p:spPr/>
+        <p:txBody>
+          <a:bodyPr/>
+          <a:lstStyle/>
+          <a:p>
+            <a:endParaRPr lang="zh-TW" altLang="en-US"/>
+          </a:p>
+        </p:txBody>
+      </p:sp>
+      <p:sp>
+        <p:nvSpPr>
+          <p:cNvPr id="3" name="內容版面配置區 2"/>
+          <p:cNvSpPr>
+            <a:spLocks noGrp="1"/>
+          </p:cNvSpPr>
+          <p:nvPr>
+            <p:ph idx="1"/>
+          </p:nvPr>
+        </p:nvSpPr>
+        <p:spPr/>
+        <p:txBody>
+          <a:bodyPr/>
+          <a:lstStyle/>
+          <a:p>
+            <a:endParaRPr lang="zh-TW" altLang="en-US"/>
+          </a:p>
+        </p:txBody>
+      </p:sp>
+      <p:sp>
+        <p:nvSpPr>
+          <p:cNvPr id="4" name="投影片編號版面配置區 3"/>
+          <p:cNvSpPr>
+            <a:spLocks noGrp="1"/>
+          </p:cNvSpPr>
+          <p:nvPr>
+            <p:ph type="sldNum" sz="quarter" idx="12"/>
+          </p:nvPr>
+        </p:nvSpPr>
+        <p:spPr/>
+        <p:txBody>
+          <a:bodyPr/>
+          <a:lstStyle/>
+          <a:p>
+            <a:pPr>
+              <a:defRPr/>
+            </a:pPr>
+            <a:fld id="{3DB7C113-B292-4711-9FA5-4E4B2395B52F}" type="slidenum">
+              <a:rPr lang="zh-TW" altLang="en-US" smtClean="0"/>
+              <a:pPr>
+                <a:defRPr/>
+              </a:pPr>
+              <a:t>29</a:t>
+            </a:fld>
+            <a:endParaRPr lang="zh-TW" altLang="en-US"/>
+          </a:p>
+        </p:txBody>
+      </p:sp>
+      <p:pic>
+        <p:nvPicPr>
+          <p:cNvPr id="5" name="圖片 4"/>
+          <p:cNvPicPr>
+            <a:picLocks noChangeAspect="1"/>
+          </p:cNvPicPr>
+          <p:nvPr/>
+        </p:nvPicPr>
+        <p:blipFill>
+          <a:blip r:embed="rId2"/>
+          <a:stretch>
+            <a:fillRect/>
+          </a:stretch>
+        </p:blipFill>
+        <p:spPr>
+          <a:xfrm>
+            <a:off x="1213863" y="0"/>
+            <a:ext cx="6716273" cy="6858000"/>
+          </a:xfrm>
+          <a:prstGeom prst="rect">
+            <a:avLst/>
+          </a:prstGeom>
+        </p:spPr>
+      </p:pic>
+    </p:spTree>
+    <p:extLst>
+      <p:ext uri="{BB962C8B-B14F-4D97-AF65-F5344CB8AC3E}">
+        <p14:creationId xmlns:p14="http://schemas.microsoft.com/office/powerpoint/2010/main" val="3960110904"/>
+      </p:ext>
+    </p:extLst>
+  </p:cSld>
+  <p:clrMapOvr>
+    <a:masterClrMapping/>
+  </p:clrMapOvr>
+</p:sld>
+</file>
+
+<file path=ppt/slides/slide3.xml><?xml version="1.0" encoding="utf-8"?>
+<p:sld xmlns:a="http://schemas.openxmlformats.org/drawingml/2006/main" xmlns:r="http://schemas.openxmlformats.org/officeDocument/2006/relationships" xmlns:p="http://schemas.openxmlformats.org/presentationml/2006/main">
+  <p:cSld>
+    <p:spTree>
+      <p:nvGrpSpPr>
+        <p:cNvPr id="1" name=""/>
+        <p:cNvGrpSpPr/>
+        <p:nvPr/>
+      </p:nvGrpSpPr>
+      <p:grpSpPr>
+        <a:xfrm>
+          <a:off x="0" y="0"/>
+          <a:ext cx="0" cy="0"/>
+          <a:chOff x="0" y="0"/>
+          <a:chExt cx="0" cy="0"/>
+        </a:xfrm>
+      </p:grpSpPr>
+      <p:sp>
+        <p:nvSpPr>
+          <p:cNvPr id="2" name="標題 1"/>
+          <p:cNvSpPr>
+            <a:spLocks noGrp="1"/>
+          </p:cNvSpPr>
+          <p:nvPr>
+            <p:ph type="title"/>
+          </p:nvPr>
+        </p:nvSpPr>
+        <p:spPr/>
+        <p:txBody>
+          <a:bodyPr/>
+          <a:lstStyle/>
+          <a:p>
+            <a:r>
+              <a:rPr lang="zh-TW" altLang="en-US" dirty="0" smtClean="0"/>
+              <a:t>大綱</a:t>
+            </a:r>
+            <a:endParaRPr lang="zh-TW" altLang="en-US" dirty="0"/>
+          </a:p>
+        </p:txBody>
+      </p:sp>
+      <p:sp>
+        <p:nvSpPr>
+          <p:cNvPr id="3" name="內容版面配置區 2"/>
+          <p:cNvSpPr>
+            <a:spLocks noGrp="1"/>
+          </p:cNvSpPr>
+          <p:nvPr>
+            <p:ph idx="1"/>
+          </p:nvPr>
+        </p:nvSpPr>
+        <p:spPr/>
+        <p:txBody>
+          <a:bodyPr/>
+          <a:lstStyle/>
+          <a:p>
+            <a:pPr eaLnBrk="1" hangingPunct="1">
+              <a:buFont typeface="Arial" charset="0"/>
+              <a:buChar char="•"/>
+              <a:defRPr/>
+            </a:pPr>
+            <a:r>
+              <a:rPr lang="zh-TW" altLang="en-US" dirty="0">
+                <a:latin typeface="標楷體" pitchFamily="65" charset="-120"/>
+              </a:rPr>
+              <a:t>研究背景與動機</a:t>
+            </a:r>
+            <a:endParaRPr lang="en-US" altLang="zh-TW" dirty="0">
+              <a:latin typeface="標楷體" pitchFamily="65" charset="-120"/>
+            </a:endParaRPr>
+          </a:p>
+          <a:p>
+            <a:pPr eaLnBrk="1" hangingPunct="1">
+              <a:buFont typeface="Arial" charset="0"/>
+              <a:buChar char="•"/>
+              <a:defRPr/>
+            </a:pPr>
+            <a:r>
+              <a:rPr lang="zh-TW" altLang="en-US" dirty="0">
+                <a:solidFill>
+                  <a:schemeClr val="bg1">
+                    <a:lumMod val="75000"/>
+                  </a:schemeClr>
+                </a:solidFill>
+                <a:latin typeface="標楷體" pitchFamily="65" charset="-120"/>
+              </a:rPr>
+              <a:t>研究目標</a:t>
+            </a:r>
+            <a:endParaRPr lang="en-US" altLang="zh-TW" dirty="0">
+              <a:solidFill>
+                <a:schemeClr val="bg1">
+                  <a:lumMod val="75000"/>
+                </a:schemeClr>
+              </a:solidFill>
+              <a:latin typeface="標楷體" pitchFamily="65" charset="-120"/>
+            </a:endParaRPr>
+          </a:p>
+          <a:p>
+            <a:pPr eaLnBrk="1" hangingPunct="1">
+              <a:buFont typeface="Arial" charset="0"/>
+              <a:buChar char="•"/>
+              <a:defRPr/>
+            </a:pPr>
+            <a:r>
+              <a:rPr lang="zh-TW" altLang="en-US" dirty="0">
+                <a:solidFill>
+                  <a:schemeClr val="bg1">
+                    <a:lumMod val="75000"/>
+                  </a:schemeClr>
+                </a:solidFill>
+                <a:latin typeface="標楷體" pitchFamily="65" charset="-120"/>
+              </a:rPr>
+              <a:t>背景知識</a:t>
+            </a:r>
+            <a:endParaRPr lang="en-US" altLang="zh-TW" dirty="0">
+              <a:solidFill>
+                <a:schemeClr val="bg1">
+                  <a:lumMod val="75000"/>
+                </a:schemeClr>
+              </a:solidFill>
+              <a:latin typeface="標楷體" pitchFamily="65" charset="-120"/>
+            </a:endParaRPr>
+          </a:p>
+          <a:p>
+            <a:pPr eaLnBrk="1" hangingPunct="1">
+              <a:buFont typeface="Arial" charset="0"/>
+              <a:buChar char="•"/>
+              <a:defRPr/>
+            </a:pPr>
+            <a:r>
+              <a:rPr lang="zh-TW" altLang="en-US" dirty="0">
+                <a:solidFill>
+                  <a:schemeClr val="bg1">
+                    <a:lumMod val="75000"/>
+                  </a:schemeClr>
+                </a:solidFill>
+                <a:latin typeface="標楷體" pitchFamily="65" charset="-120"/>
+              </a:rPr>
+              <a:t>自動化部署方法</a:t>
+            </a:r>
+          </a:p>
+          <a:p>
+            <a:pPr eaLnBrk="1" hangingPunct="1">
+              <a:buFont typeface="Arial" charset="0"/>
+              <a:buChar char="•"/>
+              <a:defRPr/>
+            </a:pPr>
+            <a:r>
+              <a:rPr lang="zh-TW" altLang="en-US" dirty="0">
+                <a:solidFill>
+                  <a:schemeClr val="bg1">
+                    <a:lumMod val="75000"/>
+                  </a:schemeClr>
+                </a:solidFill>
+                <a:latin typeface="標楷體" pitchFamily="65" charset="-120"/>
+              </a:rPr>
+              <a:t>案例實作</a:t>
+            </a:r>
+            <a:endParaRPr lang="en-US" altLang="zh-TW" dirty="0">
+              <a:solidFill>
+                <a:schemeClr val="bg1">
+                  <a:lumMod val="75000"/>
+                </a:schemeClr>
+              </a:solidFill>
+              <a:latin typeface="標楷體" pitchFamily="65" charset="-120"/>
+            </a:endParaRPr>
+          </a:p>
+          <a:p>
+            <a:pPr eaLnBrk="1" hangingPunct="1">
+              <a:buFont typeface="Arial" charset="0"/>
+              <a:buChar char="•"/>
+              <a:defRPr/>
+            </a:pPr>
+            <a:r>
+              <a:rPr lang="zh-TW" altLang="en-US" dirty="0">
+                <a:solidFill>
+                  <a:schemeClr val="bg1">
+                    <a:lumMod val="75000"/>
+                  </a:schemeClr>
+                </a:solidFill>
+                <a:latin typeface="標楷體" pitchFamily="65" charset="-120"/>
+              </a:rPr>
+              <a:t>結論與未來展望</a:t>
+            </a:r>
+          </a:p>
+          <a:p>
+            <a:endParaRPr lang="zh-TW" altLang="en-US" dirty="0"/>
+          </a:p>
+        </p:txBody>
+      </p:sp>
+      <p:sp>
+        <p:nvSpPr>
+          <p:cNvPr id="4" name="投影片編號版面配置區 3"/>
+          <p:cNvSpPr>
+            <a:spLocks noGrp="1"/>
+          </p:cNvSpPr>
+          <p:nvPr>
+            <p:ph type="sldNum" sz="quarter" idx="12"/>
+          </p:nvPr>
+        </p:nvSpPr>
+        <p:spPr/>
+        <p:txBody>
+          <a:bodyPr/>
+          <a:lstStyle/>
+          <a:p>
+            <a:pPr>
+              <a:defRPr/>
+            </a:pPr>
+            <a:fld id="{3DB7C113-B292-4711-9FA5-4E4B2395B52F}" type="slidenum">
+              <a:rPr lang="zh-TW" altLang="en-US" smtClean="0"/>
+              <a:pPr>
+                <a:defRPr/>
+              </a:pPr>
+              <a:t>3</a:t>
+            </a:fld>
+            <a:endParaRPr lang="zh-TW" altLang="en-US"/>
+          </a:p>
+        </p:txBody>
+      </p:sp>
+    </p:spTree>
+    <p:extLst>
+      <p:ext uri="{BB962C8B-B14F-4D97-AF65-F5344CB8AC3E}">
+        <p14:creationId xmlns:p14="http://schemas.microsoft.com/office/powerpoint/2010/main" val="2831826523"/>
+      </p:ext>
+    </p:extLst>
+  </p:cSld>
+  <p:clrMapOvr>
+    <a:masterClrMapping/>
+  </p:clrMapOvr>
+  <p:timing>
+    <p:tnLst>
+      <p:par>
+        <p:cTn id="1" dur="indefinite" restart="never" nodeType="tmRoot"/>
+      </p:par>
+    </p:tnLst>
+  </p:timing>
+</p:sld>
+</file>
+
+<file path=ppt/slides/slide30.xml><?xml version="1.0" encoding="utf-8"?>
+<p:sld xmlns:a="http://schemas.openxmlformats.org/drawingml/2006/main" xmlns:r="http://schemas.openxmlformats.org/officeDocument/2006/relationships" xmlns:p="http://schemas.openxmlformats.org/presentationml/2006/main">
+  <p:cSld>
+    <p:spTree>
+      <p:nvGrpSpPr>
+        <p:cNvPr id="1" name=""/>
+        <p:cNvGrpSpPr/>
+        <p:nvPr/>
+      </p:nvGrpSpPr>
+      <p:grpSpPr>
+        <a:xfrm>
+          <a:off x="0" y="0"/>
+          <a:ext cx="0" cy="0"/>
+          <a:chOff x="0" y="0"/>
+          <a:chExt cx="0" cy="0"/>
+        </a:xfrm>
+      </p:grpSpPr>
+      <p:sp>
+        <p:nvSpPr>
+          <p:cNvPr id="2" name="標題 1"/>
+          <p:cNvSpPr>
+            <a:spLocks noGrp="1"/>
+          </p:cNvSpPr>
+          <p:nvPr>
+            <p:ph type="title"/>
+          </p:nvPr>
+        </p:nvSpPr>
+        <p:spPr/>
+        <p:txBody>
+          <a:bodyPr/>
+          <a:lstStyle/>
+          <a:p>
+            <a:r>
+              <a:rPr lang="zh-TW" altLang="en-US" dirty="0" smtClean="0"/>
+              <a:t>大綱</a:t>
+            </a:r>
+            <a:endParaRPr lang="zh-TW" altLang="en-US" dirty="0"/>
+          </a:p>
+        </p:txBody>
+      </p:sp>
+      <p:sp>
+        <p:nvSpPr>
+          <p:cNvPr id="3" name="內容版面配置區 2"/>
+          <p:cNvSpPr>
+            <a:spLocks noGrp="1"/>
+          </p:cNvSpPr>
+          <p:nvPr>
+            <p:ph idx="1"/>
+          </p:nvPr>
+        </p:nvSpPr>
+        <p:spPr/>
+        <p:txBody>
+          <a:bodyPr/>
+          <a:lstStyle/>
+          <a:p>
+            <a:pPr eaLnBrk="1" hangingPunct="1">
+              <a:buFont typeface="Arial" charset="0"/>
+              <a:buChar char="•"/>
+              <a:defRPr/>
+            </a:pPr>
+            <a:r>
+              <a:rPr lang="zh-TW" altLang="en-US" dirty="0">
+                <a:solidFill>
+                  <a:schemeClr val="bg1">
+                    <a:lumMod val="75000"/>
+                  </a:schemeClr>
+                </a:solidFill>
+                <a:latin typeface="標楷體" pitchFamily="65" charset="-120"/>
+              </a:rPr>
+              <a:t>研究背景與動機</a:t>
+            </a:r>
+            <a:endParaRPr lang="en-US" altLang="zh-TW" dirty="0">
+              <a:solidFill>
+                <a:schemeClr val="bg1">
+                  <a:lumMod val="75000"/>
+                </a:schemeClr>
+              </a:solidFill>
+              <a:latin typeface="標楷體" pitchFamily="65" charset="-120"/>
+            </a:endParaRPr>
+          </a:p>
+          <a:p>
+            <a:pPr eaLnBrk="1" hangingPunct="1">
+              <a:buFont typeface="Arial" charset="0"/>
+              <a:buChar char="•"/>
+              <a:defRPr/>
+            </a:pPr>
+            <a:r>
+              <a:rPr lang="zh-TW" altLang="en-US" dirty="0">
+                <a:solidFill>
+                  <a:schemeClr val="bg1">
+                    <a:lumMod val="75000"/>
+                  </a:schemeClr>
+                </a:solidFill>
+                <a:latin typeface="標楷體" pitchFamily="65" charset="-120"/>
+              </a:rPr>
+              <a:t>研究目標</a:t>
+            </a:r>
+            <a:endParaRPr lang="en-US" altLang="zh-TW" dirty="0">
+              <a:solidFill>
+                <a:schemeClr val="bg1">
+                  <a:lumMod val="75000"/>
+                </a:schemeClr>
+              </a:solidFill>
+              <a:latin typeface="標楷體" pitchFamily="65" charset="-120"/>
+            </a:endParaRPr>
+          </a:p>
+          <a:p>
+            <a:pPr eaLnBrk="1" hangingPunct="1">
+              <a:buFont typeface="Arial" charset="0"/>
+              <a:buChar char="•"/>
+              <a:defRPr/>
+            </a:pPr>
+            <a:r>
+              <a:rPr lang="zh-TW" altLang="en-US" dirty="0">
+                <a:solidFill>
+                  <a:schemeClr val="bg1">
+                    <a:lumMod val="75000"/>
+                  </a:schemeClr>
+                </a:solidFill>
+                <a:latin typeface="標楷體" pitchFamily="65" charset="-120"/>
+              </a:rPr>
+              <a:t>背景知識</a:t>
+            </a:r>
+            <a:endParaRPr lang="en-US" altLang="zh-TW" dirty="0">
+              <a:solidFill>
+                <a:schemeClr val="bg1">
+                  <a:lumMod val="75000"/>
+                </a:schemeClr>
+              </a:solidFill>
+              <a:latin typeface="標楷體" pitchFamily="65" charset="-120"/>
+            </a:endParaRPr>
+          </a:p>
+          <a:p>
+            <a:pPr eaLnBrk="1" hangingPunct="1">
+              <a:buFont typeface="Arial" charset="0"/>
+              <a:buChar char="•"/>
+              <a:defRPr/>
+            </a:pPr>
+            <a:r>
+              <a:rPr lang="zh-TW" altLang="en-US" dirty="0" smtClean="0">
+                <a:solidFill>
+                  <a:schemeClr val="bg1">
+                    <a:lumMod val="75000"/>
+                  </a:schemeClr>
+                </a:solidFill>
+                <a:latin typeface="標楷體" pitchFamily="65" charset="-120"/>
+              </a:rPr>
+              <a:t>研究方法</a:t>
+            </a:r>
+            <a:endParaRPr lang="zh-TW" altLang="en-US" dirty="0">
+              <a:solidFill>
+                <a:schemeClr val="bg1">
+                  <a:lumMod val="75000"/>
+                </a:schemeClr>
+              </a:solidFill>
+              <a:latin typeface="標楷體" pitchFamily="65" charset="-120"/>
+            </a:endParaRPr>
+          </a:p>
+          <a:p>
+            <a:pPr eaLnBrk="1" hangingPunct="1">
+              <a:buFont typeface="Arial" charset="0"/>
+              <a:buChar char="•"/>
+              <a:defRPr/>
+            </a:pPr>
+            <a:r>
+              <a:rPr lang="zh-TW" altLang="en-US" dirty="0">
+                <a:solidFill>
+                  <a:schemeClr val="bg1">
+                    <a:lumMod val="75000"/>
+                  </a:schemeClr>
+                </a:solidFill>
+                <a:latin typeface="標楷體" pitchFamily="65" charset="-120"/>
+              </a:rPr>
+              <a:t>案例實作</a:t>
+            </a:r>
+            <a:endParaRPr lang="en-US" altLang="zh-TW" dirty="0">
+              <a:solidFill>
+                <a:schemeClr val="bg1">
+                  <a:lumMod val="75000"/>
+                </a:schemeClr>
+              </a:solidFill>
+              <a:latin typeface="標楷體" pitchFamily="65" charset="-120"/>
+            </a:endParaRPr>
+          </a:p>
+          <a:p>
+            <a:pPr eaLnBrk="1" hangingPunct="1">
+              <a:buFont typeface="Arial" charset="0"/>
+              <a:buChar char="•"/>
+              <a:defRPr/>
+            </a:pPr>
+            <a:r>
+              <a:rPr lang="zh-TW" altLang="en-US" dirty="0">
+                <a:solidFill>
+                  <a:schemeClr val="tx2">
+                    <a:lumMod val="75000"/>
+                  </a:schemeClr>
+                </a:solidFill>
+                <a:latin typeface="標楷體" pitchFamily="65" charset="-120"/>
+              </a:rPr>
+              <a:t>結論與未來展望</a:t>
+            </a:r>
+          </a:p>
+          <a:p>
+            <a:endParaRPr lang="zh-TW" altLang="en-US" dirty="0"/>
+          </a:p>
+        </p:txBody>
+      </p:sp>
+      <p:sp>
+        <p:nvSpPr>
+          <p:cNvPr id="4" name="投影片編號版面配置區 3"/>
+          <p:cNvSpPr>
+            <a:spLocks noGrp="1"/>
+          </p:cNvSpPr>
+          <p:nvPr>
+            <p:ph type="sldNum" sz="quarter" idx="12"/>
+          </p:nvPr>
+        </p:nvSpPr>
+        <p:spPr/>
+        <p:txBody>
+          <a:bodyPr/>
+          <a:lstStyle/>
+          <a:p>
+            <a:pPr>
+              <a:defRPr/>
+            </a:pPr>
+            <a:fld id="{3DB7C113-B292-4711-9FA5-4E4B2395B52F}" type="slidenum">
+              <a:rPr lang="zh-TW" altLang="en-US" smtClean="0"/>
+              <a:pPr>
+                <a:defRPr/>
+              </a:pPr>
+              <a:t>30</a:t>
+            </a:fld>
+            <a:endParaRPr lang="zh-TW" altLang="en-US"/>
+          </a:p>
+        </p:txBody>
+      </p:sp>
+    </p:spTree>
+    <p:extLst>
+      <p:ext uri="{BB962C8B-B14F-4D97-AF65-F5344CB8AC3E}">
+        <p14:creationId xmlns:p14="http://schemas.microsoft.com/office/powerpoint/2010/main" val="2389890047"/>
+      </p:ext>
+    </p:extLst>
+  </p:cSld>
+  <p:clrMapOvr>
+    <a:masterClrMapping/>
+  </p:clrMapOvr>
+  <p:timing>
+    <p:tnLst>
+      <p:par>
+        <p:cTn id="1" dur="indefinite" restart="never" nodeType="tmRoot"/>
+      </p:par>
+    </p:tnLst>
+  </p:timing>
+</p:sld>
+</file>
+
+<file path=ppt/slides/slide31.xml><?xml version="1.0" encoding="utf-8"?>
+<p:sld xmlns:a="http://schemas.openxmlformats.org/drawingml/2006/main" xmlns:r="http://schemas.openxmlformats.org/officeDocument/2006/relationships" xmlns:p="http://schemas.openxmlformats.org/presentationml/2006/main">
+  <p:cSld>
+    <p:spTree>
+      <p:nvGrpSpPr>
+        <p:cNvPr id="1" name=""/>
+        <p:cNvGrpSpPr/>
+        <p:nvPr/>
+      </p:nvGrpSpPr>
+      <p:grpSpPr>
+        <a:xfrm>
+          <a:off x="0" y="0"/>
+          <a:ext cx="0" cy="0"/>
+          <a:chOff x="0" y="0"/>
+          <a:chExt cx="0" cy="0"/>
+        </a:xfrm>
+      </p:grpSpPr>
+      <p:sp>
+        <p:nvSpPr>
+          <p:cNvPr id="2" name="標題 1"/>
+          <p:cNvSpPr>
+            <a:spLocks noGrp="1"/>
+          </p:cNvSpPr>
+          <p:nvPr>
+            <p:ph type="title"/>
+          </p:nvPr>
+        </p:nvSpPr>
+        <p:spPr/>
+        <p:txBody>
+          <a:bodyPr/>
+          <a:lstStyle/>
+          <a:p>
+            <a:r>
+              <a:rPr lang="zh-TW" altLang="en-US" dirty="0" smtClean="0"/>
               <a:t>手動部署</a:t>
             </a:r>
             <a:endParaRPr lang="zh-TW" altLang="en-US" dirty="0"/>
@@ -7565,14 +10410,14 @@
             <p:ph idx="1"/>
             <p:extLst>
               <p:ext uri="{D42A27DB-BD31-4B8C-83A1-F6EECF244321}">
-                <p14:modId xmlns:p14="http://schemas.microsoft.com/office/powerpoint/2010/main" val="83676399"/>
+                <p14:modId xmlns:p14="http://schemas.microsoft.com/office/powerpoint/2010/main" val="3090168014"/>
               </p:ext>
             </p:extLst>
           </p:nvPr>
         </p:nvGraphicFramePr>
         <p:xfrm>
           <a:off x="457200" y="1600200"/>
-          <a:ext cx="8229600" cy="3484984"/>
+          <a:ext cx="8229600" cy="2347156"/>
         </p:xfrm>
         <a:graphic>
           <a:graphicData uri="http://schemas.openxmlformats.org/drawingml/2006/table">
@@ -7585,7 +10430,7 @@
                 <a:gridCol w="2743200"/>
                 <a:gridCol w="2743200"/>
               </a:tblGrid>
-              <a:tr h="1742492">
+              <a:tr h="604664">
                 <a:tc>
                   <a:txBody>
                     <a:bodyPr/>
@@ -7762,7 +10607,7 @@
               <a:pPr>
                 <a:defRPr/>
               </a:pPr>
-              <a:t>22</a:t>
+              <a:t>31</a:t>
             </a:fld>
             <a:endParaRPr lang="zh-TW" altLang="en-US"/>
           </a:p>
@@ -7784,7 +10629,7 @@
         </p:blipFill>
         <p:spPr>
           <a:xfrm>
-            <a:off x="6000750" y="3342692"/>
+            <a:off x="5966195" y="2221590"/>
             <a:ext cx="2686050" cy="1371600"/>
           </a:xfrm>
           <a:prstGeom prst="rect">
@@ -7808,7 +10653,7 @@
         </p:blipFill>
         <p:spPr>
           <a:xfrm>
-            <a:off x="3228975" y="3323149"/>
+            <a:off x="3228975" y="2221590"/>
             <a:ext cx="2686050" cy="1409700"/>
           </a:xfrm>
           <a:prstGeom prst="rect">
@@ -7829,7 +10674,7 @@
 </p:sld>
 </file>
 
-<file path=ppt/slides/slide23.xml><?xml version="1.0" encoding="utf-8"?>
+<file path=ppt/slides/slide32.xml><?xml version="1.0" encoding="utf-8"?>
 <p:sld xmlns:a="http://schemas.openxmlformats.org/drawingml/2006/main" xmlns:r="http://schemas.openxmlformats.org/officeDocument/2006/relationships" xmlns:p="http://schemas.openxmlformats.org/presentationml/2006/main">
   <p:cSld>
     <p:spTree>
@@ -7892,7 +10737,7 @@
               <a:pPr>
                 <a:defRPr/>
               </a:pPr>
-              <a:t>23</a:t>
+              <a:t>32</a:t>
             </a:fld>
             <a:endParaRPr lang="zh-TW" altLang="en-US"/>
           </a:p>
@@ -7907,14 +10752,14 @@
           <p:nvPr>
             <p:extLst>
               <p:ext uri="{D42A27DB-BD31-4B8C-83A1-F6EECF244321}">
-                <p14:modId xmlns:p14="http://schemas.microsoft.com/office/powerpoint/2010/main" val="1505875952"/>
+                <p14:modId xmlns:p14="http://schemas.microsoft.com/office/powerpoint/2010/main" val="3801467339"/>
               </p:ext>
             </p:extLst>
           </p:nvPr>
         </p:nvGraphicFramePr>
         <p:xfrm>
           <a:off x="457200" y="1786347"/>
-          <a:ext cx="8229600" cy="3484984"/>
+          <a:ext cx="8229600" cy="2161009"/>
         </p:xfrm>
         <a:graphic>
           <a:graphicData uri="http://schemas.openxmlformats.org/drawingml/2006/table">
@@ -7927,7 +10772,7 @@
                 <a:gridCol w="2743200"/>
                 <a:gridCol w="2743200"/>
               </a:tblGrid>
-              <a:tr h="1742492">
+              <a:tr h="418517">
                 <a:tc>
                   <a:txBody>
                     <a:bodyPr/>
@@ -8097,7 +10942,7 @@
         </p:blipFill>
         <p:spPr>
           <a:xfrm>
-            <a:off x="5955840" y="3517387"/>
+            <a:off x="5920444" y="2204863"/>
             <a:ext cx="2746648" cy="1323975"/>
           </a:xfrm>
           <a:prstGeom prst="rect">
@@ -8121,7 +10966,7 @@
         </p:blipFill>
         <p:spPr>
           <a:xfrm>
-            <a:off x="3243262" y="3528839"/>
+            <a:off x="3243262" y="2210362"/>
             <a:ext cx="2657475" cy="1323975"/>
           </a:xfrm>
           <a:prstGeom prst="rect">
@@ -8142,7 +10987,7 @@
 </p:sld>
 </file>
 
-<file path=ppt/slides/slide24.xml><?xml version="1.0" encoding="utf-8"?>
+<file path=ppt/slides/slide33.xml><?xml version="1.0" encoding="utf-8"?>
 <p:sld xmlns:a="http://schemas.openxmlformats.org/drawingml/2006/main" xmlns:r="http://schemas.openxmlformats.org/officeDocument/2006/relationships" xmlns:p="http://schemas.openxmlformats.org/presentationml/2006/main">
   <p:cSld>
     <p:spTree>
@@ -8210,7 +11055,7 @@
               <a:pPr>
                 <a:defRPr/>
               </a:pPr>
-              <a:t>24</a:t>
+              <a:t>33</a:t>
             </a:fld>
             <a:endParaRPr lang="zh-TW" altLang="en-US"/>
           </a:p>
@@ -8226,13 +11071,13 @@
             <p:ph idx="1"/>
             <p:extLst>
               <p:ext uri="{D42A27DB-BD31-4B8C-83A1-F6EECF244321}">
-                <p14:modId xmlns:p14="http://schemas.microsoft.com/office/powerpoint/2010/main" val="2021648870"/>
+                <p14:modId xmlns:p14="http://schemas.microsoft.com/office/powerpoint/2010/main" val="428796126"/>
               </p:ext>
             </p:extLst>
           </p:nvPr>
         </p:nvGraphicFramePr>
         <p:xfrm>
-          <a:off x="457200" y="1600200"/>
+          <a:off x="457200" y="2276872"/>
           <a:ext cx="8229600" cy="3875139"/>
         </p:xfrm>
         <a:graphic>
@@ -8596,7 +11441,7 @@
 </p:sld>
 </file>
 
-<file path=ppt/slides/slide25.xml><?xml version="1.0" encoding="utf-8"?>
+<file path=ppt/slides/slide34.xml><?xml version="1.0" encoding="utf-8"?>
 <p:sld xmlns:a="http://schemas.openxmlformats.org/drawingml/2006/main" xmlns:r="http://schemas.openxmlformats.org/officeDocument/2006/relationships" xmlns:p="http://schemas.openxmlformats.org/presentationml/2006/main">
   <p:cSld>
     <p:spTree>
@@ -8630,9 +11475,71 @@
           <a:p>
             <a:r>
               <a:rPr lang="zh-TW" altLang="en-US" dirty="0" smtClean="0"/>
-              <a:t>自動化部署流程</a:t>
+              <a:t>結論</a:t>
             </a:r>
             <a:endParaRPr lang="zh-TW" altLang="en-US" dirty="0"/>
+          </a:p>
+        </p:txBody>
+      </p:sp>
+      <p:sp>
+        <p:nvSpPr>
+          <p:cNvPr id="3" name="內容版面配置區 2"/>
+          <p:cNvSpPr>
+            <a:spLocks noGrp="1"/>
+          </p:cNvSpPr>
+          <p:nvPr>
+            <p:ph idx="1"/>
+          </p:nvPr>
+        </p:nvSpPr>
+        <p:spPr/>
+        <p:txBody>
+          <a:bodyPr/>
+          <a:lstStyle/>
+          <a:p>
+            <a:r>
+              <a:rPr lang="zh-TW" altLang="zh-TW" sz="2000" dirty="0"/>
+              <a:t>從產品開發完成到上線，手動部署與自動化部署所花的時間差大約</a:t>
+            </a:r>
+            <a:r>
+              <a:rPr lang="en-US" altLang="zh-TW" sz="2000" dirty="0"/>
+              <a:t>10</a:t>
+            </a:r>
+            <a:r>
+              <a:rPr lang="zh-TW" altLang="zh-TW" sz="2000" dirty="0" smtClean="0"/>
+              <a:t>分鐘，</a:t>
+            </a:r>
+            <a:r>
+              <a:rPr lang="zh-TW" altLang="zh-TW" sz="2000" dirty="0"/>
+              <a:t>表示團隊成員每增加</a:t>
+            </a:r>
+            <a:r>
+              <a:rPr lang="en-US" altLang="zh-TW" sz="2000" dirty="0"/>
+              <a:t>1</a:t>
+            </a:r>
+            <a:r>
+              <a:rPr lang="zh-TW" altLang="zh-TW" sz="2000" dirty="0"/>
+              <a:t>人就會增加</a:t>
+            </a:r>
+            <a:r>
+              <a:rPr lang="en-US" altLang="zh-TW" sz="2000" dirty="0"/>
+              <a:t>10</a:t>
+            </a:r>
+            <a:r>
+              <a:rPr lang="zh-TW" altLang="zh-TW" sz="2000" dirty="0"/>
+              <a:t>分鐘的部署</a:t>
+            </a:r>
+            <a:r>
+              <a:rPr lang="zh-TW" altLang="zh-TW" sz="2000" dirty="0" smtClean="0"/>
+              <a:t>時間</a:t>
+            </a:r>
+            <a:r>
+              <a:rPr lang="zh-TW" altLang="en-US" sz="2000" dirty="0" smtClean="0"/>
+              <a:t>。</a:t>
+            </a:r>
+            <a:endParaRPr lang="en-US" altLang="zh-TW" sz="2000" dirty="0" smtClean="0"/>
+          </a:p>
+          <a:p>
+            <a:endParaRPr lang="zh-TW" altLang="en-US" sz="2000" dirty="0"/>
           </a:p>
         </p:txBody>
       </p:sp>
@@ -8659,62 +11566,26 @@
               <a:pPr>
                 <a:defRPr/>
               </a:pPr>
-              <a:t>25</a:t>
+              <a:t>34</a:t>
             </a:fld>
             <a:endParaRPr lang="zh-TW" altLang="en-US"/>
           </a:p>
         </p:txBody>
       </p:sp>
-      <p:pic>
-        <p:nvPicPr>
-          <p:cNvPr id="7" name="內容版面配置區 6"/>
-          <p:cNvPicPr>
-            <a:picLocks noGrp="1" noChangeAspect="1"/>
-          </p:cNvPicPr>
-          <p:nvPr>
-            <p:ph idx="1"/>
-          </p:nvPr>
-        </p:nvPicPr>
-        <p:blipFill>
-          <a:blip r:embed="rId3">
-            <a:extLst>
-              <a:ext uri="{28A0092B-C50C-407E-A947-70E740481C1C}">
-                <a14:useLocalDpi xmlns:a14="http://schemas.microsoft.com/office/drawing/2010/main" val="0"/>
-              </a:ext>
-            </a:extLst>
-          </a:blip>
-          <a:stretch>
-            <a:fillRect/>
-          </a:stretch>
-        </p:blipFill>
-        <p:spPr>
-          <a:xfrm>
-            <a:off x="442680" y="2070517"/>
-            <a:ext cx="8229600" cy="3632954"/>
-          </a:xfrm>
-        </p:spPr>
-      </p:pic>
     </p:spTree>
     <p:extLst>
       <p:ext uri="{BB962C8B-B14F-4D97-AF65-F5344CB8AC3E}">
-        <p14:creationId xmlns:p14="http://schemas.microsoft.com/office/powerpoint/2010/main" val="3499250854"/>
+        <p14:creationId xmlns:p14="http://schemas.microsoft.com/office/powerpoint/2010/main" val="2700697339"/>
       </p:ext>
     </p:extLst>
   </p:cSld>
   <p:clrMapOvr>
     <a:masterClrMapping/>
   </p:clrMapOvr>
-  <p:timing>
-    <p:tnLst>
-      <p:par>
-        <p:cTn id="1" dur="indefinite" restart="never" nodeType="tmRoot"/>
-      </p:par>
-    </p:tnLst>
-  </p:timing>
 </p:sld>
 </file>
 
-<file path=ppt/slides/slide26.xml><?xml version="1.0" encoding="utf-8"?>
+<file path=ppt/slides/slide35.xml><?xml version="1.0" encoding="utf-8"?>
 <p:sld xmlns:a="http://schemas.openxmlformats.org/drawingml/2006/main" xmlns:r="http://schemas.openxmlformats.org/officeDocument/2006/relationships" xmlns:p="http://schemas.openxmlformats.org/presentationml/2006/main">
   <p:cSld>
     <p:spTree>
@@ -8747,8 +11618,8 @@
           <a:lstStyle/>
           <a:p>
             <a:r>
-              <a:rPr lang="zh-TW" altLang="en-US" dirty="0" smtClean="0"/>
-              <a:t>我的做法</a:t>
+              <a:rPr lang="en-US" altLang="zh-TW" dirty="0" smtClean="0"/>
+              <a:t>DevOps</a:t>
             </a:r>
             <a:endParaRPr lang="zh-TW" altLang="en-US" dirty="0"/>
           </a:p>
@@ -8766,8 +11637,8 @@
         </p:nvSpPr>
         <p:spPr>
           <a:xfrm>
-            <a:off x="457200" y="1600200"/>
-            <a:ext cx="8686800" cy="4525963"/>
+            <a:off x="444288" y="1657730"/>
+            <a:ext cx="8699711" cy="4525963"/>
           </a:xfrm>
         </p:spPr>
         <p:txBody>
@@ -8775,298 +11646,338 @@
           <a:lstStyle/>
           <a:p>
             <a:r>
-              <a:rPr lang="en-US" altLang="zh-TW" sz="2000" dirty="0" smtClean="0"/>
-              <a:t>1.</a:t>
+              <a:rPr lang="en-US" altLang="zh-TW" sz="2000" dirty="0" smtClean="0">
+                <a:latin typeface="標楷體" panose="03000509000000000000" pitchFamily="65" charset="-120"/>
+              </a:rPr>
+              <a:t>Development(</a:t>
+            </a:r>
+            <a:r>
+              <a:rPr lang="zh-TW" altLang="en-US" sz="2000" dirty="0" smtClean="0">
+                <a:latin typeface="標楷體" panose="03000509000000000000" pitchFamily="65" charset="-120"/>
+              </a:rPr>
+              <a:t>開發</a:t>
+            </a:r>
+            <a:r>
+              <a:rPr lang="en-US" altLang="zh-TW" sz="2000" dirty="0" smtClean="0">
+                <a:latin typeface="標楷體" panose="03000509000000000000" pitchFamily="65" charset="-120"/>
+              </a:rPr>
+              <a:t>)</a:t>
+            </a:r>
+          </a:p>
+          <a:p>
+            <a:r>
+              <a:rPr lang="en-US" altLang="zh-TW" sz="2000" dirty="0" smtClean="0">
+                <a:latin typeface="標楷體" panose="03000509000000000000" pitchFamily="65" charset="-120"/>
+              </a:rPr>
+              <a:t>Operation(</a:t>
+            </a:r>
+            <a:r>
+              <a:rPr lang="zh-TW" altLang="en-US" sz="2000" dirty="0">
+                <a:latin typeface="標楷體" panose="03000509000000000000" pitchFamily="65" charset="-120"/>
+              </a:rPr>
+              <a:t>維</a:t>
+            </a:r>
+            <a:r>
+              <a:rPr lang="zh-TW" altLang="en-US" sz="2000" dirty="0" smtClean="0">
+                <a:latin typeface="標楷體" panose="03000509000000000000" pitchFamily="65" charset="-120"/>
+              </a:rPr>
+              <a:t>運</a:t>
+            </a:r>
+            <a:r>
+              <a:rPr lang="en-US" altLang="zh-TW" sz="2000" dirty="0" smtClean="0">
+                <a:latin typeface="標楷體" panose="03000509000000000000" pitchFamily="65" charset="-120"/>
+              </a:rPr>
+              <a:t>)</a:t>
+            </a:r>
+          </a:p>
+          <a:p>
+            <a:r>
+              <a:rPr lang="zh-TW" altLang="en-US" sz="2000" dirty="0" smtClean="0">
+                <a:latin typeface="標楷體" panose="03000509000000000000" pitchFamily="65" charset="-120"/>
+              </a:rPr>
+              <a:t>目標 </a:t>
+            </a:r>
+            <a:r>
+              <a:rPr lang="en-US" altLang="zh-TW" sz="2000" dirty="0" smtClean="0">
+                <a:latin typeface="標楷體" panose="03000509000000000000" pitchFamily="65" charset="-120"/>
+              </a:rPr>
+              <a:t>:</a:t>
+            </a:r>
+            <a:r>
+              <a:rPr lang="zh-TW" altLang="en-US" sz="2000" dirty="0" smtClean="0">
+                <a:latin typeface="標楷體" panose="03000509000000000000" pitchFamily="65" charset="-120"/>
+              </a:rPr>
+              <a:t> 加快服務改版的速度</a:t>
+            </a:r>
+            <a:endParaRPr lang="en-US" altLang="zh-TW" sz="2000" dirty="0" smtClean="0">
+              <a:latin typeface="標楷體" panose="03000509000000000000" pitchFamily="65" charset="-120"/>
+            </a:endParaRPr>
+          </a:p>
+          <a:p>
+            <a:r>
+              <a:rPr lang="zh-TW" altLang="en-US" sz="2000" dirty="0" smtClean="0">
+                <a:latin typeface="標楷體" panose="03000509000000000000" pitchFamily="65" charset="-120"/>
+              </a:rPr>
+              <a:t>提出快速的交付、部署與得到使用者的回饋的觀念與工具</a:t>
+            </a:r>
+            <a:endParaRPr lang="en-US" altLang="zh-TW" sz="2000" dirty="0" smtClean="0">
+              <a:latin typeface="標楷體" panose="03000509000000000000" pitchFamily="65" charset="-120"/>
+            </a:endParaRPr>
+          </a:p>
+          <a:p>
+            <a:r>
+              <a:rPr lang="zh-TW" altLang="en-US" sz="2000" dirty="0"/>
+              <a:t>開發人員也可以專注在產生更有品質的程式碼，避免之後不停的</a:t>
             </a:r>
             <a:r>
               <a:rPr lang="zh-TW" altLang="en-US" sz="2000" dirty="0" smtClean="0"/>
-              <a:t>當使用者在</a:t>
-            </a:r>
-            <a:r>
-              <a:rPr lang="en-US" altLang="zh-TW" sz="2000" dirty="0" err="1" smtClean="0"/>
-              <a:t>AccountManagement</a:t>
-            </a:r>
+              <a:t>修補</a:t>
+            </a:r>
+            <a:endParaRPr lang="en-US" altLang="zh-TW" sz="2000" dirty="0" smtClean="0"/>
+          </a:p>
+          <a:p>
             <a:r>
               <a:rPr lang="zh-TW" altLang="en-US" sz="2000" dirty="0" smtClean="0"/>
-              <a:t>、</a:t>
-            </a:r>
-            <a:r>
-              <a:rPr lang="en-US" altLang="zh-TW" sz="2000" dirty="0" smtClean="0"/>
-              <a:t>Notification</a:t>
+              <a:t>程式碼</a:t>
+            </a:r>
+            <a:endParaRPr lang="en-US" altLang="zh-TW" sz="2000" dirty="0" smtClean="0"/>
+          </a:p>
+          <a:p>
+            <a:r>
+              <a:rPr lang="en-US" altLang="zh-TW" sz="2000" dirty="0" smtClean="0">
+                <a:latin typeface="標楷體" panose="03000509000000000000" pitchFamily="65" charset="-120"/>
+              </a:rPr>
+              <a:t>CALMS : </a:t>
+            </a:r>
+          </a:p>
+          <a:p>
+            <a:r>
+              <a:rPr lang="zh-TW" altLang="en-US" sz="2000" dirty="0" smtClean="0">
+                <a:latin typeface="標楷體" panose="03000509000000000000" pitchFamily="65" charset="-120"/>
+              </a:rPr>
+              <a:t>文</a:t>
+            </a:r>
+            <a:r>
+              <a:rPr lang="zh-TW" altLang="en-US" sz="2000" dirty="0">
+                <a:latin typeface="標楷體" panose="03000509000000000000" pitchFamily="65" charset="-120"/>
+              </a:rPr>
+              <a:t>化</a:t>
+            </a:r>
+            <a:r>
+              <a:rPr lang="en-US" altLang="zh-TW" sz="2000" dirty="0" smtClean="0">
+                <a:latin typeface="標楷體" panose="03000509000000000000" pitchFamily="65" charset="-120"/>
+              </a:rPr>
+              <a:t>(Culture)</a:t>
+            </a:r>
+            <a:r>
+              <a:rPr lang="zh-TW" altLang="en-US" sz="2000" dirty="0" smtClean="0">
+                <a:latin typeface="標楷體" panose="03000509000000000000" pitchFamily="65" charset="-120"/>
+              </a:rPr>
+              <a:t> </a:t>
+            </a:r>
+            <a:r>
+              <a:rPr lang="en-US" altLang="zh-TW" sz="2000" dirty="0" smtClean="0">
+                <a:latin typeface="標楷體" panose="03000509000000000000" pitchFamily="65" charset="-120"/>
+              </a:rPr>
+              <a:t>:</a:t>
+            </a:r>
+            <a:r>
+              <a:rPr lang="zh-TW" altLang="en-US" sz="2000" dirty="0" smtClean="0">
+                <a:latin typeface="標楷體" panose="03000509000000000000" pitchFamily="65" charset="-120"/>
+              </a:rPr>
+              <a:t> </a:t>
             </a:r>
             <a:r>
               <a:rPr lang="zh-TW" altLang="en-US" sz="2000" dirty="0" smtClean="0"/>
-              <a:t>的兩</a:t>
+              <a:t>開發</a:t>
             </a:r>
             <a:r>
               <a:rPr lang="zh-TW" altLang="en-US" sz="2000" dirty="0"/>
-              <a:t>個</a:t>
-            </a:r>
-            <a:r>
-              <a:rPr lang="en-US" altLang="zh-TW" sz="2000" dirty="0" smtClean="0"/>
-              <a:t>Service</a:t>
+              <a:t>多去想維運面，維運多去想開發</a:t>
             </a:r>
             <a:r>
               <a:rPr lang="zh-TW" altLang="en-US" sz="2000" dirty="0" smtClean="0"/>
-              <a:t>修改</a:t>
-            </a:r>
-            <a:r>
-              <a:rPr lang="en-US" altLang="zh-TW" sz="2000" dirty="0" smtClean="0"/>
-              <a:t>Code</a:t>
+              <a:t>面。</a:t>
+            </a:r>
+            <a:endParaRPr lang="en-US" altLang="zh-TW" sz="2000" dirty="0" smtClean="0">
+              <a:latin typeface="標楷體" panose="03000509000000000000" pitchFamily="65" charset="-120"/>
+            </a:endParaRPr>
+          </a:p>
+          <a:p>
+            <a:r>
+              <a:rPr lang="zh-TW" altLang="en-US" sz="2000" dirty="0" smtClean="0">
+                <a:latin typeface="標楷體" panose="03000509000000000000" pitchFamily="65" charset="-120"/>
+              </a:rPr>
+              <a:t>自動化</a:t>
+            </a:r>
+            <a:r>
+              <a:rPr lang="en-US" altLang="zh-TW" sz="2000" dirty="0" smtClean="0">
+                <a:latin typeface="標楷體" panose="03000509000000000000" pitchFamily="65" charset="-120"/>
+              </a:rPr>
+              <a:t>(Automation)</a:t>
+            </a:r>
+            <a:r>
+              <a:rPr lang="zh-TW" altLang="en-US" sz="2000" dirty="0" smtClean="0">
+                <a:latin typeface="標楷體" panose="03000509000000000000" pitchFamily="65" charset="-120"/>
+              </a:rPr>
+              <a:t> </a:t>
+            </a:r>
+            <a:r>
+              <a:rPr lang="en-US" altLang="zh-TW" sz="2000" dirty="0" smtClean="0">
+                <a:latin typeface="標楷體" panose="03000509000000000000" pitchFamily="65" charset="-120"/>
+              </a:rPr>
+              <a:t>:</a:t>
+            </a:r>
+            <a:r>
+              <a:rPr lang="zh-TW" altLang="en-US" sz="2000" dirty="0" smtClean="0">
+                <a:latin typeface="標楷體" panose="03000509000000000000" pitchFamily="65" charset="-120"/>
+              </a:rPr>
+              <a:t> 需求的潤滑劑。</a:t>
+            </a:r>
+            <a:endParaRPr lang="en-US" altLang="zh-TW" sz="2000" dirty="0" smtClean="0">
+              <a:latin typeface="標楷體" panose="03000509000000000000" pitchFamily="65" charset="-120"/>
+            </a:endParaRPr>
+          </a:p>
+          <a:p>
+            <a:r>
+              <a:rPr lang="zh-TW" altLang="en-US" sz="2000" dirty="0" smtClean="0">
+                <a:latin typeface="標楷體" panose="03000509000000000000" pitchFamily="65" charset="-120"/>
+              </a:rPr>
+              <a:t>精實</a:t>
+            </a:r>
+            <a:r>
+              <a:rPr lang="en-US" altLang="zh-TW" sz="2000" dirty="0" smtClean="0">
+                <a:latin typeface="標楷體" panose="03000509000000000000" pitchFamily="65" charset="-120"/>
+              </a:rPr>
+              <a:t>(Lean)</a:t>
+            </a:r>
+            <a:r>
+              <a:rPr lang="zh-TW" altLang="en-US" sz="2000" dirty="0" smtClean="0">
+                <a:latin typeface="標楷體" panose="03000509000000000000" pitchFamily="65" charset="-120"/>
+              </a:rPr>
+              <a:t> </a:t>
+            </a:r>
+            <a:r>
+              <a:rPr lang="en-US" altLang="zh-TW" sz="2000" dirty="0" smtClean="0">
+                <a:latin typeface="標楷體" panose="03000509000000000000" pitchFamily="65" charset="-120"/>
+              </a:rPr>
+              <a:t>:</a:t>
+            </a:r>
+            <a:r>
+              <a:rPr lang="zh-TW" altLang="en-US" sz="2000" dirty="0" smtClean="0">
+                <a:latin typeface="標楷體" panose="03000509000000000000" pitchFamily="65" charset="-120"/>
+              </a:rPr>
+              <a:t> </a:t>
             </a:r>
             <a:r>
               <a:rPr lang="zh-TW" altLang="en-US" sz="2000" dirty="0" smtClean="0"/>
-              <a:t>並</a:t>
-            </a:r>
-            <a:endParaRPr lang="en-US" altLang="zh-TW" sz="2000" dirty="0" smtClean="0"/>
-          </a:p>
-          <a:p>
-            <a:pPr marL="0" indent="0">
-              <a:buNone/>
-            </a:pPr>
+              <a:t>精</a:t>
+            </a:r>
             <a:r>
               <a:rPr lang="zh-TW" altLang="en-US" sz="2000" dirty="0"/>
+              <a:t>實</a:t>
+            </a:r>
+            <a:r>
+              <a:rPr lang="zh-TW" altLang="en-US" sz="2000" dirty="0" smtClean="0"/>
+              <a:t>軟體開發。</a:t>
+            </a:r>
+            <a:endParaRPr lang="en-US" altLang="zh-TW" sz="2000" dirty="0" smtClean="0">
+              <a:latin typeface="標楷體" panose="03000509000000000000" pitchFamily="65" charset="-120"/>
+            </a:endParaRPr>
+          </a:p>
+          <a:p>
+            <a:r>
+              <a:rPr lang="zh-TW" altLang="en-US" sz="2000" dirty="0" smtClean="0">
+                <a:latin typeface="標楷體" panose="03000509000000000000" pitchFamily="65" charset="-120"/>
+              </a:rPr>
+              <a:t>測量</a:t>
+            </a:r>
+            <a:r>
+              <a:rPr lang="en-US" altLang="zh-TW" sz="2000" dirty="0" smtClean="0">
+                <a:latin typeface="標楷體" panose="03000509000000000000" pitchFamily="65" charset="-120"/>
+              </a:rPr>
+              <a:t>(Measurement)</a:t>
+            </a:r>
+            <a:r>
+              <a:rPr lang="zh-TW" altLang="en-US" sz="2000" dirty="0" smtClean="0">
+                <a:latin typeface="標楷體" panose="03000509000000000000" pitchFamily="65" charset="-120"/>
+              </a:rPr>
               <a:t> </a:t>
             </a:r>
             <a:r>
+              <a:rPr lang="en-US" altLang="zh-TW" sz="2000" dirty="0" smtClean="0">
+                <a:latin typeface="標楷體" panose="03000509000000000000" pitchFamily="65" charset="-120"/>
+              </a:rPr>
+              <a:t>:</a:t>
+            </a:r>
+            <a:r>
+              <a:rPr lang="zh-TW" altLang="en-US" sz="2000" dirty="0" smtClean="0">
+                <a:latin typeface="標楷體" panose="03000509000000000000" pitchFamily="65" charset="-120"/>
+              </a:rPr>
+              <a:t> 提示</a:t>
+            </a:r>
+            <a:r>
               <a:rPr lang="zh-TW" altLang="en-US" sz="2000" dirty="0" smtClean="0"/>
-              <a:t>        </a:t>
-            </a:r>
-            <a:r>
-              <a:rPr lang="en-US" altLang="zh-TW" sz="2000" dirty="0" smtClean="0"/>
-              <a:t>Push</a:t>
+              <a:t>團隊</a:t>
+            </a:r>
+            <a:r>
+              <a:rPr lang="zh-TW" altLang="en-US" sz="2000" dirty="0"/>
+              <a:t>如何做更正確的</a:t>
             </a:r>
             <a:r>
               <a:rPr lang="zh-TW" altLang="en-US" sz="2000" dirty="0" smtClean="0"/>
-              <a:t>到</a:t>
-            </a:r>
-            <a:r>
-              <a:rPr lang="en-US" altLang="zh-TW" sz="2000" dirty="0" err="1" smtClean="0"/>
-              <a:t>Github</a:t>
+              <a:t>改善。</a:t>
+            </a:r>
+            <a:endParaRPr lang="en-US" altLang="zh-TW" sz="2000" dirty="0" smtClean="0">
+              <a:latin typeface="標楷體" panose="03000509000000000000" pitchFamily="65" charset="-120"/>
+            </a:endParaRPr>
+          </a:p>
+          <a:p>
+            <a:r>
+              <a:rPr lang="zh-TW" altLang="en-US" sz="2000" dirty="0" smtClean="0">
+                <a:latin typeface="標楷體" panose="03000509000000000000" pitchFamily="65" charset="-120"/>
+              </a:rPr>
+              <a:t>分享</a:t>
+            </a:r>
+            <a:r>
+              <a:rPr lang="en-US" altLang="zh-TW" sz="2000" dirty="0" smtClean="0">
+                <a:latin typeface="標楷體" panose="03000509000000000000" pitchFamily="65" charset="-120"/>
+              </a:rPr>
+              <a:t>(Sharing)</a:t>
+            </a:r>
+            <a:r>
+              <a:rPr lang="zh-TW" altLang="en-US" sz="2000" dirty="0" smtClean="0">
+                <a:latin typeface="標楷體" panose="03000509000000000000" pitchFamily="65" charset="-120"/>
+              </a:rPr>
+              <a:t> </a:t>
+            </a:r>
+            <a:r>
+              <a:rPr lang="en-US" altLang="zh-TW" sz="2000" dirty="0" smtClean="0">
+                <a:latin typeface="標楷體" panose="03000509000000000000" pitchFamily="65" charset="-120"/>
+              </a:rPr>
+              <a:t>:</a:t>
+            </a:r>
+            <a:r>
+              <a:rPr lang="zh-TW" altLang="en-US" sz="2000" dirty="0" smtClean="0">
+                <a:latin typeface="標楷體" panose="03000509000000000000" pitchFamily="65" charset="-120"/>
+              </a:rPr>
+              <a:t> </a:t>
             </a:r>
             <a:r>
               <a:rPr lang="zh-TW" altLang="en-US" sz="2000" dirty="0" smtClean="0"/>
-              <a:t>上時，</a:t>
-            </a:r>
-            <a:r>
-              <a:rPr lang="en-US" altLang="zh-TW" sz="2000" dirty="0" smtClean="0"/>
-              <a:t>Jenkins</a:t>
+              <a:t>增加</a:t>
+            </a:r>
+            <a:r>
+              <a:rPr lang="zh-TW" altLang="en-US" sz="2000" dirty="0"/>
+              <a:t>團隊</a:t>
             </a:r>
             <a:r>
               <a:rPr lang="zh-TW" altLang="en-US" sz="2000" dirty="0" smtClean="0"/>
-              <a:t>接收通知自動跑</a:t>
-            </a:r>
-            <a:r>
-              <a:rPr lang="en-US" altLang="zh-TW" sz="2000" dirty="0" smtClean="0"/>
-              <a:t>Unit Test</a:t>
-            </a:r>
-            <a:r>
-              <a:rPr lang="zh-TW" altLang="en-US" sz="2000" dirty="0" smtClean="0"/>
-              <a:t>。</a:t>
-            </a:r>
-            <a:endParaRPr lang="en-US" altLang="zh-TW" sz="2000" dirty="0" smtClean="0"/>
-          </a:p>
-          <a:p>
-            <a:endParaRPr lang="en-US" altLang="zh-TW" sz="2000" dirty="0" smtClean="0"/>
-          </a:p>
-          <a:p>
-            <a:r>
-              <a:rPr lang="en-US" altLang="zh-TW" sz="2000" dirty="0" smtClean="0"/>
-              <a:t>2.</a:t>
-            </a:r>
-            <a:r>
-              <a:rPr lang="zh-TW" altLang="en-US" sz="2000" dirty="0" smtClean="0"/>
-              <a:t>使用</a:t>
-            </a:r>
-            <a:r>
-              <a:rPr lang="en-US" altLang="zh-TW" sz="2000" dirty="0" smtClean="0"/>
-              <a:t>Maven</a:t>
-            </a:r>
-            <a:r>
-              <a:rPr lang="zh-TW" altLang="en-US" sz="2000" dirty="0" smtClean="0"/>
-              <a:t>指令將</a:t>
-            </a:r>
-            <a:r>
-              <a:rPr lang="en-US" altLang="zh-TW" sz="2000" dirty="0" smtClean="0"/>
-              <a:t>Service</a:t>
-            </a:r>
-            <a:r>
-              <a:rPr lang="zh-TW" altLang="en-US" sz="2000" dirty="0" smtClean="0"/>
-              <a:t>建置、編譯與打包成可以執行</a:t>
-            </a:r>
-            <a:r>
-              <a:rPr lang="en-US" altLang="zh-TW" sz="2000" dirty="0" smtClean="0"/>
-              <a:t>jar</a:t>
-            </a:r>
-            <a:r>
-              <a:rPr lang="zh-TW" altLang="en-US" sz="2000" dirty="0" smtClean="0"/>
-              <a:t>包。</a:t>
-            </a:r>
-            <a:endParaRPr lang="en-US" altLang="zh-TW" sz="2000" dirty="0" smtClean="0"/>
-          </a:p>
-          <a:p>
-            <a:endParaRPr lang="en-US" altLang="zh-TW" sz="2000" dirty="0" smtClean="0"/>
-          </a:p>
-          <a:p>
-            <a:r>
-              <a:rPr lang="en-US" altLang="zh-TW" sz="2000" dirty="0" smtClean="0"/>
-              <a:t>3.</a:t>
-            </a:r>
-            <a:r>
-              <a:rPr lang="zh-TW" altLang="en-US" sz="2000" dirty="0" smtClean="0"/>
-              <a:t>使用</a:t>
-            </a:r>
-            <a:r>
-              <a:rPr lang="en-US" altLang="zh-TW" sz="2000" dirty="0" smtClean="0"/>
-              <a:t>Docker</a:t>
-            </a:r>
-            <a:r>
-              <a:rPr lang="zh-TW" altLang="en-US" sz="2000" dirty="0" smtClean="0"/>
-              <a:t>把</a:t>
-            </a:r>
-            <a:r>
-              <a:rPr lang="en-US" altLang="zh-TW" sz="2000" dirty="0" smtClean="0"/>
-              <a:t>jar</a:t>
-            </a:r>
-            <a:r>
-              <a:rPr lang="zh-TW" altLang="en-US" sz="2000" dirty="0" smtClean="0"/>
-              <a:t>包放入</a:t>
-            </a:r>
-            <a:r>
-              <a:rPr lang="en-US" altLang="zh-TW" sz="2000" dirty="0" smtClean="0"/>
-              <a:t>Docker</a:t>
-            </a:r>
-            <a:r>
-              <a:rPr lang="zh-TW" altLang="en-US" sz="2000" dirty="0" smtClean="0"/>
-              <a:t>的</a:t>
-            </a:r>
-            <a:r>
-              <a:rPr lang="en-US" altLang="zh-TW" sz="2000" dirty="0" smtClean="0"/>
-              <a:t>Image</a:t>
-            </a:r>
-            <a:r>
-              <a:rPr lang="zh-TW" altLang="en-US" sz="2000" dirty="0" smtClean="0"/>
-              <a:t>中。</a:t>
-            </a:r>
-            <a:endParaRPr lang="en-US" altLang="zh-TW" sz="2000" dirty="0" smtClean="0"/>
-          </a:p>
-          <a:p>
-            <a:endParaRPr lang="en-US" altLang="zh-TW" sz="2000" dirty="0"/>
-          </a:p>
-          <a:p>
-            <a:r>
-              <a:rPr lang="en-US" altLang="zh-TW" sz="2000" dirty="0" smtClean="0"/>
-              <a:t>4.</a:t>
-            </a:r>
-            <a:r>
-              <a:rPr lang="zh-TW" altLang="en-US" sz="2000" dirty="0" smtClean="0"/>
-              <a:t>使用</a:t>
-            </a:r>
-            <a:r>
-              <a:rPr lang="en-US" altLang="zh-TW" sz="2000" dirty="0" err="1" smtClean="0"/>
-              <a:t>Dockerfile</a:t>
-            </a:r>
-            <a:r>
-              <a:rPr lang="zh-TW" altLang="en-US" sz="2000" dirty="0" smtClean="0"/>
-              <a:t>建置</a:t>
-            </a:r>
-            <a:r>
-              <a:rPr lang="en-US" altLang="zh-TW" sz="2000" dirty="0" smtClean="0"/>
-              <a:t>Docker</a:t>
-            </a:r>
-            <a:r>
-              <a:rPr lang="zh-TW" altLang="en-US" sz="2000" dirty="0" smtClean="0"/>
-              <a:t>的</a:t>
-            </a:r>
-            <a:r>
-              <a:rPr lang="en-US" altLang="zh-TW" sz="2000" dirty="0" smtClean="0"/>
-              <a:t>Image</a:t>
-            </a:r>
-            <a:r>
-              <a:rPr lang="zh-TW" altLang="en-US" sz="2000" dirty="0" smtClean="0"/>
-              <a:t>並指定</a:t>
-            </a:r>
-            <a:r>
-              <a:rPr lang="en-US" altLang="zh-TW" sz="2000" dirty="0" smtClean="0"/>
-              <a:t>Image</a:t>
-            </a:r>
-            <a:r>
-              <a:rPr lang="zh-TW" altLang="en-US" sz="2000" dirty="0" smtClean="0"/>
-              <a:t>要部署的</a:t>
-            </a:r>
-            <a:r>
-              <a:rPr lang="en-US" altLang="zh-TW" sz="2000" dirty="0" smtClean="0"/>
-              <a:t>port</a:t>
-            </a:r>
-            <a:r>
-              <a:rPr lang="zh-TW" altLang="en-US" sz="2000" dirty="0" smtClean="0"/>
-              <a:t>號。</a:t>
-            </a:r>
-            <a:endParaRPr lang="en-US" altLang="zh-TW" sz="2000" dirty="0" smtClean="0"/>
-          </a:p>
-          <a:p>
-            <a:endParaRPr lang="en-US" altLang="zh-TW" sz="2000" dirty="0" smtClean="0"/>
-          </a:p>
-          <a:p>
-            <a:r>
-              <a:rPr lang="en-US" altLang="zh-TW" sz="2000" dirty="0"/>
-              <a:t>5</a:t>
-            </a:r>
-            <a:r>
-              <a:rPr lang="en-US" altLang="zh-TW" sz="2000" dirty="0" smtClean="0"/>
-              <a:t>.</a:t>
-            </a:r>
-            <a:r>
-              <a:rPr lang="zh-TW" altLang="en-US" sz="2000" dirty="0" smtClean="0"/>
-              <a:t>在</a:t>
-            </a:r>
-            <a:r>
-              <a:rPr lang="en-US" altLang="zh-TW" sz="2000" dirty="0" smtClean="0"/>
-              <a:t>Jenkins</a:t>
-            </a:r>
-            <a:r>
-              <a:rPr lang="zh-TW" altLang="en-US" sz="2000" dirty="0" smtClean="0"/>
-              <a:t>中自動啟動</a:t>
-            </a:r>
-            <a:r>
-              <a:rPr lang="en-US" altLang="zh-TW" sz="2000" dirty="0" smtClean="0"/>
-              <a:t>Service</a:t>
-            </a:r>
-            <a:r>
-              <a:rPr lang="zh-TW" altLang="en-US" sz="2000" dirty="0" smtClean="0"/>
-              <a:t>。</a:t>
-            </a:r>
-            <a:endParaRPr lang="en-US" altLang="zh-TW" sz="2000" dirty="0" smtClean="0"/>
-          </a:p>
-          <a:p>
-            <a:endParaRPr lang="en-US" altLang="zh-TW" sz="2000" dirty="0"/>
-          </a:p>
-          <a:p>
-            <a:r>
-              <a:rPr lang="en-US" altLang="zh-TW" sz="2000" dirty="0" smtClean="0"/>
-              <a:t>6.</a:t>
-            </a:r>
-            <a:r>
-              <a:rPr lang="zh-TW" altLang="en-US" sz="2000" dirty="0" smtClean="0"/>
-              <a:t>設計驗收測試確認</a:t>
-            </a:r>
-            <a:r>
-              <a:rPr lang="en-US" altLang="zh-TW" sz="2000" dirty="0" smtClean="0"/>
-              <a:t>Service</a:t>
-            </a:r>
-            <a:r>
-              <a:rPr lang="zh-TW" altLang="en-US" sz="2000" dirty="0" smtClean="0"/>
-              <a:t>已經啟動並與</a:t>
-            </a:r>
-            <a:r>
-              <a:rPr lang="en-US" altLang="zh-TW" sz="2000" dirty="0" err="1" smtClean="0"/>
-              <a:t>ezScrum</a:t>
-            </a:r>
-            <a:r>
-              <a:rPr lang="zh-TW" altLang="en-US" sz="2000" dirty="0" smtClean="0"/>
-              <a:t>連上線。</a:t>
-            </a:r>
-            <a:endParaRPr lang="zh-TW" altLang="en-US" sz="2000" dirty="0"/>
+              <a:t>透明度。</a:t>
+            </a:r>
+            <a:endParaRPr lang="zh-TW" altLang="en-US" sz="2000" dirty="0">
+              <a:latin typeface="標楷體" panose="03000509000000000000" pitchFamily="65" charset="-120"/>
+            </a:endParaRPr>
           </a:p>
         </p:txBody>
       </p:sp>
@@ -9093,452 +12004,7 @@
               <a:pPr>
                 <a:defRPr/>
               </a:pPr>
-              <a:t>26</a:t>
-            </a:fld>
-            <a:endParaRPr lang="zh-TW" altLang="en-US"/>
-          </a:p>
-        </p:txBody>
-      </p:sp>
-    </p:spTree>
-    <p:extLst>
-      <p:ext uri="{BB962C8B-B14F-4D97-AF65-F5344CB8AC3E}">
-        <p14:creationId xmlns:p14="http://schemas.microsoft.com/office/powerpoint/2010/main" val="2049691656"/>
-      </p:ext>
-    </p:extLst>
-  </p:cSld>
-  <p:clrMapOvr>
-    <a:masterClrMapping/>
-  </p:clrMapOvr>
-  <p:timing>
-    <p:tnLst>
-      <p:par>
-        <p:cTn id="1" dur="indefinite" restart="never" nodeType="tmRoot"/>
-      </p:par>
-    </p:tnLst>
-  </p:timing>
-</p:sld>
-</file>
-
-<file path=ppt/slides/slide27.xml><?xml version="1.0" encoding="utf-8"?>
-<p:sld xmlns:a="http://schemas.openxmlformats.org/drawingml/2006/main" xmlns:r="http://schemas.openxmlformats.org/officeDocument/2006/relationships" xmlns:p="http://schemas.openxmlformats.org/presentationml/2006/main">
-  <p:cSld>
-    <p:spTree>
-      <p:nvGrpSpPr>
-        <p:cNvPr id="1" name=""/>
-        <p:cNvGrpSpPr/>
-        <p:nvPr/>
-      </p:nvGrpSpPr>
-      <p:grpSpPr>
-        <a:xfrm>
-          <a:off x="0" y="0"/>
-          <a:ext cx="0" cy="0"/>
-          <a:chOff x="0" y="0"/>
-          <a:chExt cx="0" cy="0"/>
-        </a:xfrm>
-      </p:grpSpPr>
-      <p:sp>
-        <p:nvSpPr>
-          <p:cNvPr id="2" name="標題 1"/>
-          <p:cNvSpPr>
-            <a:spLocks noGrp="1"/>
-          </p:cNvSpPr>
-          <p:nvPr>
-            <p:ph type="title"/>
-          </p:nvPr>
-        </p:nvSpPr>
-        <p:spPr/>
-        <p:txBody>
-          <a:bodyPr/>
-          <a:lstStyle/>
-          <a:p>
-            <a:r>
-              <a:rPr lang="en-US" altLang="zh-TW" dirty="0" smtClean="0"/>
-              <a:t>DevOps</a:t>
-            </a:r>
-            <a:endParaRPr lang="zh-TW" altLang="en-US" dirty="0"/>
-          </a:p>
-        </p:txBody>
-      </p:sp>
-      <p:sp>
-        <p:nvSpPr>
-          <p:cNvPr id="3" name="內容版面配置區 2"/>
-          <p:cNvSpPr>
-            <a:spLocks noGrp="1"/>
-          </p:cNvSpPr>
-          <p:nvPr>
-            <p:ph idx="1"/>
-          </p:nvPr>
-        </p:nvSpPr>
-        <p:spPr>
-          <a:xfrm>
-            <a:off x="444288" y="1657730"/>
-            <a:ext cx="8699711" cy="4525963"/>
-          </a:xfrm>
-        </p:spPr>
-        <p:txBody>
-          <a:bodyPr/>
-          <a:lstStyle/>
-          <a:p>
-            <a:r>
-              <a:rPr lang="en-US" altLang="zh-TW" sz="2000" dirty="0" smtClean="0">
-                <a:latin typeface="標楷體" panose="03000509000000000000" pitchFamily="65" charset="-120"/>
-              </a:rPr>
-              <a:t>Development(</a:t>
-            </a:r>
-            <a:r>
-              <a:rPr lang="zh-TW" altLang="en-US" sz="2000" dirty="0" smtClean="0">
-                <a:latin typeface="標楷體" panose="03000509000000000000" pitchFamily="65" charset="-120"/>
-              </a:rPr>
-              <a:t>開發</a:t>
-            </a:r>
-            <a:r>
-              <a:rPr lang="en-US" altLang="zh-TW" sz="2000" dirty="0" smtClean="0">
-                <a:latin typeface="標楷體" panose="03000509000000000000" pitchFamily="65" charset="-120"/>
-              </a:rPr>
-              <a:t>)</a:t>
-            </a:r>
-          </a:p>
-          <a:p>
-            <a:r>
-              <a:rPr lang="en-US" altLang="zh-TW" sz="2000" dirty="0" smtClean="0">
-                <a:latin typeface="標楷體" panose="03000509000000000000" pitchFamily="65" charset="-120"/>
-              </a:rPr>
-              <a:t>Operation(</a:t>
-            </a:r>
-            <a:r>
-              <a:rPr lang="zh-TW" altLang="en-US" sz="2000" dirty="0">
-                <a:latin typeface="標楷體" panose="03000509000000000000" pitchFamily="65" charset="-120"/>
-              </a:rPr>
-              <a:t>維</a:t>
-            </a:r>
-            <a:r>
-              <a:rPr lang="zh-TW" altLang="en-US" sz="2000" dirty="0" smtClean="0">
-                <a:latin typeface="標楷體" panose="03000509000000000000" pitchFamily="65" charset="-120"/>
-              </a:rPr>
-              <a:t>運</a:t>
-            </a:r>
-            <a:r>
-              <a:rPr lang="en-US" altLang="zh-TW" sz="2000" dirty="0" smtClean="0">
-                <a:latin typeface="標楷體" panose="03000509000000000000" pitchFamily="65" charset="-120"/>
-              </a:rPr>
-              <a:t>)</a:t>
-            </a:r>
-          </a:p>
-          <a:p>
-            <a:r>
-              <a:rPr lang="zh-TW" altLang="en-US" sz="2000" dirty="0" smtClean="0">
-                <a:latin typeface="標楷體" panose="03000509000000000000" pitchFamily="65" charset="-120"/>
-              </a:rPr>
-              <a:t>目標 </a:t>
-            </a:r>
-            <a:r>
-              <a:rPr lang="en-US" altLang="zh-TW" sz="2000" dirty="0" smtClean="0">
-                <a:latin typeface="標楷體" panose="03000509000000000000" pitchFamily="65" charset="-120"/>
-              </a:rPr>
-              <a:t>:</a:t>
-            </a:r>
-            <a:r>
-              <a:rPr lang="zh-TW" altLang="en-US" sz="2000" dirty="0" smtClean="0">
-                <a:latin typeface="標楷體" panose="03000509000000000000" pitchFamily="65" charset="-120"/>
-              </a:rPr>
-              <a:t> 加快服務改版的速度</a:t>
-            </a:r>
-            <a:endParaRPr lang="en-US" altLang="zh-TW" sz="2000" dirty="0" smtClean="0">
-              <a:latin typeface="標楷體" panose="03000509000000000000" pitchFamily="65" charset="-120"/>
-            </a:endParaRPr>
-          </a:p>
-          <a:p>
-            <a:r>
-              <a:rPr lang="zh-TW" altLang="en-US" sz="2000" dirty="0" smtClean="0">
-                <a:latin typeface="標楷體" panose="03000509000000000000" pitchFamily="65" charset="-120"/>
-              </a:rPr>
-              <a:t>提出快速的交付、部署與得到使用者的回饋的觀念與工具</a:t>
-            </a:r>
-            <a:endParaRPr lang="en-US" altLang="zh-TW" sz="2000" dirty="0" smtClean="0">
-              <a:latin typeface="標楷體" panose="03000509000000000000" pitchFamily="65" charset="-120"/>
-            </a:endParaRPr>
-          </a:p>
-          <a:p>
-            <a:r>
-              <a:rPr lang="zh-TW" altLang="en-US" sz="2000" dirty="0"/>
-              <a:t>開發人員也可以專注在產生更有品質的程式碼，避免之後不停的</a:t>
-            </a:r>
-            <a:r>
-              <a:rPr lang="zh-TW" altLang="en-US" sz="2000" dirty="0" smtClean="0"/>
-              <a:t>修補</a:t>
-            </a:r>
-            <a:endParaRPr lang="en-US" altLang="zh-TW" sz="2000" dirty="0" smtClean="0"/>
-          </a:p>
-          <a:p>
-            <a:r>
-              <a:rPr lang="zh-TW" altLang="en-US" sz="2000" dirty="0" smtClean="0"/>
-              <a:t>程式碼</a:t>
-            </a:r>
-            <a:endParaRPr lang="en-US" altLang="zh-TW" sz="2000" dirty="0" smtClean="0"/>
-          </a:p>
-          <a:p>
-            <a:r>
-              <a:rPr lang="en-US" altLang="zh-TW" sz="2000" dirty="0" smtClean="0">
-                <a:latin typeface="標楷體" panose="03000509000000000000" pitchFamily="65" charset="-120"/>
-              </a:rPr>
-              <a:t>CALMS : </a:t>
-            </a:r>
-          </a:p>
-          <a:p>
-            <a:r>
-              <a:rPr lang="zh-TW" altLang="en-US" sz="2000" dirty="0" smtClean="0">
-                <a:latin typeface="標楷體" panose="03000509000000000000" pitchFamily="65" charset="-120"/>
-              </a:rPr>
-              <a:t>文</a:t>
-            </a:r>
-            <a:r>
-              <a:rPr lang="zh-TW" altLang="en-US" sz="2000" dirty="0">
-                <a:latin typeface="標楷體" panose="03000509000000000000" pitchFamily="65" charset="-120"/>
-              </a:rPr>
-              <a:t>化</a:t>
-            </a:r>
-            <a:r>
-              <a:rPr lang="en-US" altLang="zh-TW" sz="2000" dirty="0" smtClean="0">
-                <a:latin typeface="標楷體" panose="03000509000000000000" pitchFamily="65" charset="-120"/>
-              </a:rPr>
-              <a:t>(Culture)</a:t>
-            </a:r>
-            <a:r>
-              <a:rPr lang="zh-TW" altLang="en-US" sz="2000" dirty="0" smtClean="0">
-                <a:latin typeface="標楷體" panose="03000509000000000000" pitchFamily="65" charset="-120"/>
-              </a:rPr>
-              <a:t> </a:t>
-            </a:r>
-            <a:r>
-              <a:rPr lang="en-US" altLang="zh-TW" sz="2000" dirty="0" smtClean="0">
-                <a:latin typeface="標楷體" panose="03000509000000000000" pitchFamily="65" charset="-120"/>
-              </a:rPr>
-              <a:t>:</a:t>
-            </a:r>
-            <a:r>
-              <a:rPr lang="zh-TW" altLang="en-US" sz="2000" dirty="0" smtClean="0">
-                <a:latin typeface="標楷體" panose="03000509000000000000" pitchFamily="65" charset="-120"/>
-              </a:rPr>
-              <a:t> </a:t>
-            </a:r>
-            <a:r>
-              <a:rPr lang="zh-TW" altLang="en-US" sz="2000" dirty="0" smtClean="0"/>
-              <a:t>開發</a:t>
-            </a:r>
-            <a:r>
-              <a:rPr lang="zh-TW" altLang="en-US" sz="2000" dirty="0"/>
-              <a:t>多去想維運面，維運多去想開發</a:t>
-            </a:r>
-            <a:r>
-              <a:rPr lang="zh-TW" altLang="en-US" sz="2000" dirty="0" smtClean="0"/>
-              <a:t>面。</a:t>
-            </a:r>
-            <a:endParaRPr lang="en-US" altLang="zh-TW" sz="2000" dirty="0" smtClean="0">
-              <a:latin typeface="標楷體" panose="03000509000000000000" pitchFamily="65" charset="-120"/>
-            </a:endParaRPr>
-          </a:p>
-          <a:p>
-            <a:r>
-              <a:rPr lang="zh-TW" altLang="en-US" sz="2000" dirty="0" smtClean="0">
-                <a:latin typeface="標楷體" panose="03000509000000000000" pitchFamily="65" charset="-120"/>
-              </a:rPr>
-              <a:t>自動化</a:t>
-            </a:r>
-            <a:r>
-              <a:rPr lang="en-US" altLang="zh-TW" sz="2000" dirty="0" smtClean="0">
-                <a:latin typeface="標楷體" panose="03000509000000000000" pitchFamily="65" charset="-120"/>
-              </a:rPr>
-              <a:t>(Automation)</a:t>
-            </a:r>
-            <a:r>
-              <a:rPr lang="zh-TW" altLang="en-US" sz="2000" dirty="0" smtClean="0">
-                <a:latin typeface="標楷體" panose="03000509000000000000" pitchFamily="65" charset="-120"/>
-              </a:rPr>
-              <a:t> </a:t>
-            </a:r>
-            <a:r>
-              <a:rPr lang="en-US" altLang="zh-TW" sz="2000" dirty="0" smtClean="0">
-                <a:latin typeface="標楷體" panose="03000509000000000000" pitchFamily="65" charset="-120"/>
-              </a:rPr>
-              <a:t>:</a:t>
-            </a:r>
-            <a:r>
-              <a:rPr lang="zh-TW" altLang="en-US" sz="2000" dirty="0" smtClean="0">
-                <a:latin typeface="標楷體" panose="03000509000000000000" pitchFamily="65" charset="-120"/>
-              </a:rPr>
-              <a:t> 需求的潤滑劑。</a:t>
-            </a:r>
-            <a:endParaRPr lang="en-US" altLang="zh-TW" sz="2000" dirty="0" smtClean="0">
-              <a:latin typeface="標楷體" panose="03000509000000000000" pitchFamily="65" charset="-120"/>
-            </a:endParaRPr>
-          </a:p>
-          <a:p>
-            <a:r>
-              <a:rPr lang="zh-TW" altLang="en-US" sz="2000" dirty="0" smtClean="0">
-                <a:latin typeface="標楷體" panose="03000509000000000000" pitchFamily="65" charset="-120"/>
-              </a:rPr>
-              <a:t>精實</a:t>
-            </a:r>
-            <a:r>
-              <a:rPr lang="en-US" altLang="zh-TW" sz="2000" dirty="0" smtClean="0">
-                <a:latin typeface="標楷體" panose="03000509000000000000" pitchFamily="65" charset="-120"/>
-              </a:rPr>
-              <a:t>(Lean)</a:t>
-            </a:r>
-            <a:r>
-              <a:rPr lang="zh-TW" altLang="en-US" sz="2000" dirty="0" smtClean="0">
-                <a:latin typeface="標楷體" panose="03000509000000000000" pitchFamily="65" charset="-120"/>
-              </a:rPr>
-              <a:t> </a:t>
-            </a:r>
-            <a:r>
-              <a:rPr lang="en-US" altLang="zh-TW" sz="2000" dirty="0" smtClean="0">
-                <a:latin typeface="標楷體" panose="03000509000000000000" pitchFamily="65" charset="-120"/>
-              </a:rPr>
-              <a:t>:</a:t>
-            </a:r>
-            <a:r>
-              <a:rPr lang="zh-TW" altLang="en-US" sz="2000" dirty="0" smtClean="0">
-                <a:latin typeface="標楷體" panose="03000509000000000000" pitchFamily="65" charset="-120"/>
-              </a:rPr>
-              <a:t> </a:t>
-            </a:r>
-            <a:r>
-              <a:rPr lang="zh-TW" altLang="en-US" sz="2000" dirty="0" smtClean="0"/>
-              <a:t>精</a:t>
-            </a:r>
-            <a:r>
-              <a:rPr lang="zh-TW" altLang="en-US" sz="2000" dirty="0"/>
-              <a:t>實</a:t>
-            </a:r>
-            <a:r>
-              <a:rPr lang="zh-TW" altLang="en-US" sz="2000" dirty="0" smtClean="0"/>
-              <a:t>軟體開發。</a:t>
-            </a:r>
-            <a:endParaRPr lang="en-US" altLang="zh-TW" sz="2000" dirty="0" smtClean="0">
-              <a:latin typeface="標楷體" panose="03000509000000000000" pitchFamily="65" charset="-120"/>
-            </a:endParaRPr>
-          </a:p>
-          <a:p>
-            <a:r>
-              <a:rPr lang="zh-TW" altLang="en-US" sz="2000" dirty="0" smtClean="0">
-                <a:latin typeface="標楷體" panose="03000509000000000000" pitchFamily="65" charset="-120"/>
-              </a:rPr>
-              <a:t>測量</a:t>
-            </a:r>
-            <a:r>
-              <a:rPr lang="en-US" altLang="zh-TW" sz="2000" dirty="0" smtClean="0">
-                <a:latin typeface="標楷體" panose="03000509000000000000" pitchFamily="65" charset="-120"/>
-              </a:rPr>
-              <a:t>(Measurement)</a:t>
-            </a:r>
-            <a:r>
-              <a:rPr lang="zh-TW" altLang="en-US" sz="2000" dirty="0" smtClean="0">
-                <a:latin typeface="標楷體" panose="03000509000000000000" pitchFamily="65" charset="-120"/>
-              </a:rPr>
-              <a:t> </a:t>
-            </a:r>
-            <a:r>
-              <a:rPr lang="en-US" altLang="zh-TW" sz="2000" dirty="0" smtClean="0">
-                <a:latin typeface="標楷體" panose="03000509000000000000" pitchFamily="65" charset="-120"/>
-              </a:rPr>
-              <a:t>:</a:t>
-            </a:r>
-            <a:r>
-              <a:rPr lang="zh-TW" altLang="en-US" sz="2000" dirty="0" smtClean="0">
-                <a:latin typeface="標楷體" panose="03000509000000000000" pitchFamily="65" charset="-120"/>
-              </a:rPr>
-              <a:t> 提示</a:t>
-            </a:r>
-            <a:r>
-              <a:rPr lang="zh-TW" altLang="en-US" sz="2000" dirty="0" smtClean="0"/>
-              <a:t>團隊</a:t>
-            </a:r>
-            <a:r>
-              <a:rPr lang="zh-TW" altLang="en-US" sz="2000" dirty="0"/>
-              <a:t>如何做更正確的</a:t>
-            </a:r>
-            <a:r>
-              <a:rPr lang="zh-TW" altLang="en-US" sz="2000" dirty="0" smtClean="0"/>
-              <a:t>改善。</a:t>
-            </a:r>
-            <a:endParaRPr lang="en-US" altLang="zh-TW" sz="2000" dirty="0" smtClean="0">
-              <a:latin typeface="標楷體" panose="03000509000000000000" pitchFamily="65" charset="-120"/>
-            </a:endParaRPr>
-          </a:p>
-          <a:p>
-            <a:r>
-              <a:rPr lang="zh-TW" altLang="en-US" sz="2000" dirty="0" smtClean="0">
-                <a:latin typeface="標楷體" panose="03000509000000000000" pitchFamily="65" charset="-120"/>
-              </a:rPr>
-              <a:t>分享</a:t>
-            </a:r>
-            <a:r>
-              <a:rPr lang="en-US" altLang="zh-TW" sz="2000" dirty="0" smtClean="0">
-                <a:latin typeface="標楷體" panose="03000509000000000000" pitchFamily="65" charset="-120"/>
-              </a:rPr>
-              <a:t>(Sharing)</a:t>
-            </a:r>
-            <a:r>
-              <a:rPr lang="zh-TW" altLang="en-US" sz="2000" dirty="0" smtClean="0">
-                <a:latin typeface="標楷體" panose="03000509000000000000" pitchFamily="65" charset="-120"/>
-              </a:rPr>
-              <a:t> </a:t>
-            </a:r>
-            <a:r>
-              <a:rPr lang="en-US" altLang="zh-TW" sz="2000" dirty="0" smtClean="0">
-                <a:latin typeface="標楷體" panose="03000509000000000000" pitchFamily="65" charset="-120"/>
-              </a:rPr>
-              <a:t>:</a:t>
-            </a:r>
-            <a:r>
-              <a:rPr lang="zh-TW" altLang="en-US" sz="2000" dirty="0" smtClean="0">
-                <a:latin typeface="標楷體" panose="03000509000000000000" pitchFamily="65" charset="-120"/>
-              </a:rPr>
-              <a:t> </a:t>
-            </a:r>
-            <a:r>
-              <a:rPr lang="zh-TW" altLang="en-US" sz="2000" dirty="0" smtClean="0"/>
-              <a:t>增加</a:t>
-            </a:r>
-            <a:r>
-              <a:rPr lang="zh-TW" altLang="en-US" sz="2000" dirty="0"/>
-              <a:t>團隊</a:t>
-            </a:r>
-            <a:r>
-              <a:rPr lang="zh-TW" altLang="en-US" sz="2000" dirty="0" smtClean="0"/>
-              <a:t>透明度。</a:t>
-            </a:r>
-            <a:endParaRPr lang="zh-TW" altLang="en-US" sz="2000" dirty="0">
-              <a:latin typeface="標楷體" panose="03000509000000000000" pitchFamily="65" charset="-120"/>
-            </a:endParaRPr>
-          </a:p>
-        </p:txBody>
-      </p:sp>
-      <p:sp>
-        <p:nvSpPr>
-          <p:cNvPr id="4" name="投影片編號版面配置區 3"/>
-          <p:cNvSpPr>
-            <a:spLocks noGrp="1"/>
-          </p:cNvSpPr>
-          <p:nvPr>
-            <p:ph type="sldNum" sz="quarter" idx="12"/>
-          </p:nvPr>
-        </p:nvSpPr>
-        <p:spPr/>
-        <p:txBody>
-          <a:bodyPr/>
-          <a:lstStyle/>
-          <a:p>
-            <a:pPr>
-              <a:defRPr/>
-            </a:pPr>
-            <a:fld id="{3DB7C113-B292-4711-9FA5-4E4B2395B52F}" type="slidenum">
-              <a:rPr lang="zh-TW" altLang="en-US" smtClean="0"/>
-              <a:pPr>
-                <a:defRPr/>
-              </a:pPr>
-              <a:t>27</a:t>
+              <a:t>35</a:t>
             </a:fld>
             <a:endParaRPr lang="zh-TW" altLang="en-US"/>
           </a:p>
@@ -9572,1205 +12038,6 @@
 </p:sld>
 </file>
 
-<file path=ppt/slides/slide28.xml><?xml version="1.0" encoding="utf-8"?>
-<p:sld xmlns:a="http://schemas.openxmlformats.org/drawingml/2006/main" xmlns:r="http://schemas.openxmlformats.org/officeDocument/2006/relationships" xmlns:p="http://schemas.openxmlformats.org/presentationml/2006/main">
-  <p:cSld>
-    <p:spTree>
-      <p:nvGrpSpPr>
-        <p:cNvPr id="1" name=""/>
-        <p:cNvGrpSpPr/>
-        <p:nvPr/>
-      </p:nvGrpSpPr>
-      <p:grpSpPr>
-        <a:xfrm>
-          <a:off x="0" y="0"/>
-          <a:ext cx="0" cy="0"/>
-          <a:chOff x="0" y="0"/>
-          <a:chExt cx="0" cy="0"/>
-        </a:xfrm>
-      </p:grpSpPr>
-      <p:sp>
-        <p:nvSpPr>
-          <p:cNvPr id="2" name="標題 1"/>
-          <p:cNvSpPr>
-            <a:spLocks noGrp="1"/>
-          </p:cNvSpPr>
-          <p:nvPr>
-            <p:ph type="title"/>
-          </p:nvPr>
-        </p:nvSpPr>
-        <p:spPr/>
-        <p:txBody>
-          <a:bodyPr/>
-          <a:lstStyle/>
-          <a:p>
-            <a:endParaRPr lang="zh-TW" altLang="en-US" dirty="0"/>
-          </a:p>
-        </p:txBody>
-      </p:sp>
-      <p:sp>
-        <p:nvSpPr>
-          <p:cNvPr id="3" name="內容版面配置區 2"/>
-          <p:cNvSpPr>
-            <a:spLocks noGrp="1"/>
-          </p:cNvSpPr>
-          <p:nvPr>
-            <p:ph idx="1"/>
-          </p:nvPr>
-        </p:nvSpPr>
-        <p:spPr/>
-        <p:txBody>
-          <a:bodyPr/>
-          <a:lstStyle/>
-          <a:p>
-            <a:r>
-              <a:rPr lang="en-US" altLang="zh-TW" sz="2000" dirty="0" smtClean="0"/>
-              <a:t>1.</a:t>
-            </a:r>
-            <a:r>
-              <a:rPr lang="zh-TW" altLang="en-US" sz="2000" dirty="0" smtClean="0"/>
-              <a:t>使用</a:t>
-            </a:r>
-            <a:r>
-              <a:rPr lang="en-US" altLang="zh-TW" sz="2000" dirty="0" smtClean="0"/>
-              <a:t>Jenkins</a:t>
-            </a:r>
-            <a:r>
-              <a:rPr lang="zh-TW" altLang="en-US" sz="2000" dirty="0" smtClean="0"/>
-              <a:t>連結</a:t>
-            </a:r>
-            <a:r>
-              <a:rPr lang="en-US" altLang="zh-TW" sz="2000" dirty="0" err="1" smtClean="0"/>
-              <a:t>github</a:t>
-            </a:r>
-            <a:r>
-              <a:rPr lang="zh-TW" altLang="en-US" sz="2000" dirty="0" smtClean="0"/>
-              <a:t>專案，</a:t>
-            </a:r>
-            <a:r>
-              <a:rPr lang="zh-TW" altLang="en-US" sz="2000" dirty="0"/>
-              <a:t>自動跑專案的</a:t>
-            </a:r>
-            <a:r>
-              <a:rPr lang="en-US" altLang="zh-TW" sz="2000" dirty="0"/>
-              <a:t>UT</a:t>
-            </a:r>
-            <a:r>
-              <a:rPr lang="zh-TW" altLang="en-US" sz="2000" dirty="0" smtClean="0"/>
-              <a:t>，</a:t>
-            </a:r>
-            <a:endParaRPr lang="en-US" altLang="zh-TW" sz="2000" dirty="0" smtClean="0"/>
-          </a:p>
-          <a:p>
-            <a:endParaRPr lang="en-US" altLang="zh-TW" sz="2000" dirty="0"/>
-          </a:p>
-          <a:p>
-            <a:pPr marL="0" indent="0">
-              <a:buNone/>
-            </a:pPr>
-            <a:endParaRPr lang="en-US" altLang="zh-TW" sz="2000" dirty="0" smtClean="0"/>
-          </a:p>
-          <a:p>
-            <a:r>
-              <a:rPr lang="en-US" altLang="zh-TW" sz="2000" dirty="0" smtClean="0"/>
-              <a:t>2.</a:t>
-            </a:r>
-            <a:r>
-              <a:rPr lang="zh-TW" altLang="en-US" sz="2000" dirty="0" smtClean="0"/>
-              <a:t>使用</a:t>
-            </a:r>
-            <a:r>
-              <a:rPr lang="en-US" altLang="zh-TW" sz="2000" dirty="0" smtClean="0"/>
-              <a:t>Docker</a:t>
-            </a:r>
-            <a:r>
-              <a:rPr lang="zh-TW" altLang="en-US" sz="2000" dirty="0" smtClean="0"/>
-              <a:t>將服務產生的</a:t>
-            </a:r>
-            <a:r>
-              <a:rPr lang="en-US" altLang="zh-TW" sz="2000" dirty="0" smtClean="0"/>
-              <a:t>Jar</a:t>
-            </a:r>
-            <a:r>
-              <a:rPr lang="zh-TW" altLang="en-US" sz="2000" dirty="0" smtClean="0"/>
-              <a:t>包產生成</a:t>
-            </a:r>
-            <a:r>
-              <a:rPr lang="en-US" altLang="zh-TW" sz="2000" dirty="0"/>
-              <a:t>I</a:t>
-            </a:r>
-            <a:r>
-              <a:rPr lang="en-US" altLang="zh-TW" sz="2000" dirty="0" smtClean="0"/>
-              <a:t>mage</a:t>
-            </a:r>
-            <a:endParaRPr lang="en-US" altLang="zh-TW" sz="2000" dirty="0"/>
-          </a:p>
-          <a:p>
-            <a:endParaRPr lang="en-US" altLang="zh-TW" sz="2000" dirty="0" smtClean="0"/>
-          </a:p>
-          <a:p>
-            <a:endParaRPr lang="en-US" altLang="zh-TW" sz="2000" dirty="0" smtClean="0"/>
-          </a:p>
-          <a:p>
-            <a:r>
-              <a:rPr lang="en-US" altLang="zh-TW" sz="2000" dirty="0" smtClean="0"/>
-              <a:t>3.Jenkins</a:t>
-            </a:r>
-            <a:r>
-              <a:rPr lang="zh-TW" altLang="en-US" sz="2000" dirty="0" smtClean="0"/>
-              <a:t>自動啟動服務</a:t>
-            </a:r>
-            <a:endParaRPr lang="en-US" altLang="zh-TW" sz="2000" dirty="0"/>
-          </a:p>
-          <a:p>
-            <a:endParaRPr lang="en-US" altLang="zh-TW" sz="2000" dirty="0" smtClean="0"/>
-          </a:p>
-          <a:p>
-            <a:endParaRPr lang="en-US" altLang="zh-TW" sz="2000" dirty="0" smtClean="0"/>
-          </a:p>
-          <a:p>
-            <a:r>
-              <a:rPr lang="en-US" altLang="zh-TW" sz="2000" dirty="0" smtClean="0"/>
-              <a:t>4.</a:t>
-            </a:r>
-            <a:r>
-              <a:rPr lang="zh-TW" altLang="en-US" sz="2000" dirty="0" smtClean="0"/>
-              <a:t>撰寫驗收測試驗證服務已連上線</a:t>
-            </a:r>
-            <a:endParaRPr lang="zh-TW" altLang="en-US" sz="2000" dirty="0"/>
-          </a:p>
-        </p:txBody>
-      </p:sp>
-      <p:sp>
-        <p:nvSpPr>
-          <p:cNvPr id="4" name="投影片編號版面配置區 3"/>
-          <p:cNvSpPr>
-            <a:spLocks noGrp="1"/>
-          </p:cNvSpPr>
-          <p:nvPr>
-            <p:ph type="sldNum" sz="quarter" idx="12"/>
-          </p:nvPr>
-        </p:nvSpPr>
-        <p:spPr/>
-        <p:txBody>
-          <a:bodyPr/>
-          <a:lstStyle/>
-          <a:p>
-            <a:pPr>
-              <a:defRPr/>
-            </a:pPr>
-            <a:fld id="{3DB7C113-B292-4711-9FA5-4E4B2395B52F}" type="slidenum">
-              <a:rPr lang="zh-TW" altLang="en-US" smtClean="0"/>
-              <a:pPr>
-                <a:defRPr/>
-              </a:pPr>
-              <a:t>28</a:t>
-            </a:fld>
-            <a:endParaRPr lang="zh-TW" altLang="en-US"/>
-          </a:p>
-        </p:txBody>
-      </p:sp>
-    </p:spTree>
-    <p:extLst>
-      <p:ext uri="{BB962C8B-B14F-4D97-AF65-F5344CB8AC3E}">
-        <p14:creationId xmlns:p14="http://schemas.microsoft.com/office/powerpoint/2010/main" val="3611920576"/>
-      </p:ext>
-    </p:extLst>
-  </p:cSld>
-  <p:clrMapOvr>
-    <a:masterClrMapping/>
-  </p:clrMapOvr>
-</p:sld>
-</file>
-
-<file path=ppt/slides/slide29.xml><?xml version="1.0" encoding="utf-8"?>
-<p:sld xmlns:a="http://schemas.openxmlformats.org/drawingml/2006/main" xmlns:r="http://schemas.openxmlformats.org/officeDocument/2006/relationships" xmlns:p="http://schemas.openxmlformats.org/presentationml/2006/main">
-  <p:cSld>
-    <p:spTree>
-      <p:nvGrpSpPr>
-        <p:cNvPr id="1" name=""/>
-        <p:cNvGrpSpPr/>
-        <p:nvPr/>
-      </p:nvGrpSpPr>
-      <p:grpSpPr>
-        <a:xfrm>
-          <a:off x="0" y="0"/>
-          <a:ext cx="0" cy="0"/>
-          <a:chOff x="0" y="0"/>
-          <a:chExt cx="0" cy="0"/>
-        </a:xfrm>
-      </p:grpSpPr>
-      <p:sp>
-        <p:nvSpPr>
-          <p:cNvPr id="2" name="標題 1"/>
-          <p:cNvSpPr>
-            <a:spLocks noGrp="1"/>
-          </p:cNvSpPr>
-          <p:nvPr>
-            <p:ph type="title"/>
-          </p:nvPr>
-        </p:nvSpPr>
-        <p:spPr/>
-        <p:txBody>
-          <a:bodyPr/>
-          <a:lstStyle/>
-          <a:p>
-            <a:endParaRPr lang="zh-TW" altLang="en-US"/>
-          </a:p>
-        </p:txBody>
-      </p:sp>
-      <p:sp>
-        <p:nvSpPr>
-          <p:cNvPr id="4" name="投影片編號版面配置區 3"/>
-          <p:cNvSpPr>
-            <a:spLocks noGrp="1"/>
-          </p:cNvSpPr>
-          <p:nvPr>
-            <p:ph type="sldNum" sz="quarter" idx="12"/>
-          </p:nvPr>
-        </p:nvSpPr>
-        <p:spPr/>
-        <p:txBody>
-          <a:bodyPr/>
-          <a:lstStyle/>
-          <a:p>
-            <a:pPr>
-              <a:defRPr/>
-            </a:pPr>
-            <a:fld id="{3DB7C113-B292-4711-9FA5-4E4B2395B52F}" type="slidenum">
-              <a:rPr lang="zh-TW" altLang="en-US" smtClean="0"/>
-              <a:pPr>
-                <a:defRPr/>
-              </a:pPr>
-              <a:t>29</a:t>
-            </a:fld>
-            <a:endParaRPr lang="zh-TW" altLang="en-US"/>
-          </a:p>
-        </p:txBody>
-      </p:sp>
-      <p:pic>
-        <p:nvPicPr>
-          <p:cNvPr id="8" name="圖片 7"/>
-          <p:cNvPicPr>
-            <a:picLocks noChangeAspect="1"/>
-          </p:cNvPicPr>
-          <p:nvPr/>
-        </p:nvPicPr>
-        <p:blipFill>
-          <a:blip r:embed="rId2">
-            <a:extLst>
-              <a:ext uri="{28A0092B-C50C-407E-A947-70E740481C1C}">
-                <a14:useLocalDpi xmlns:a14="http://schemas.microsoft.com/office/drawing/2010/main" val="0"/>
-              </a:ext>
-            </a:extLst>
-          </a:blip>
-          <a:stretch>
-            <a:fillRect/>
-          </a:stretch>
-        </p:blipFill>
-        <p:spPr>
-          <a:xfrm>
-            <a:off x="1371600" y="1881187"/>
-            <a:ext cx="6400800" cy="3095625"/>
-          </a:xfrm>
-          <a:prstGeom prst="rect">
-            <a:avLst/>
-          </a:prstGeom>
-        </p:spPr>
-      </p:pic>
-    </p:spTree>
-    <p:extLst>
-      <p:ext uri="{BB962C8B-B14F-4D97-AF65-F5344CB8AC3E}">
-        <p14:creationId xmlns:p14="http://schemas.microsoft.com/office/powerpoint/2010/main" val="1846621955"/>
-      </p:ext>
-    </p:extLst>
-  </p:cSld>
-  <p:clrMapOvr>
-    <a:masterClrMapping/>
-  </p:clrMapOvr>
-</p:sld>
-</file>
-
-<file path=ppt/slides/slide3.xml><?xml version="1.0" encoding="utf-8"?>
-<p:sld xmlns:a="http://schemas.openxmlformats.org/drawingml/2006/main" xmlns:r="http://schemas.openxmlformats.org/officeDocument/2006/relationships" xmlns:p="http://schemas.openxmlformats.org/presentationml/2006/main">
-  <p:cSld>
-    <p:spTree>
-      <p:nvGrpSpPr>
-        <p:cNvPr id="1" name=""/>
-        <p:cNvGrpSpPr/>
-        <p:nvPr/>
-      </p:nvGrpSpPr>
-      <p:grpSpPr>
-        <a:xfrm>
-          <a:off x="0" y="0"/>
-          <a:ext cx="0" cy="0"/>
-          <a:chOff x="0" y="0"/>
-          <a:chExt cx="0" cy="0"/>
-        </a:xfrm>
-      </p:grpSpPr>
-      <p:sp>
-        <p:nvSpPr>
-          <p:cNvPr id="2" name="標題 1"/>
-          <p:cNvSpPr>
-            <a:spLocks noGrp="1"/>
-          </p:cNvSpPr>
-          <p:nvPr>
-            <p:ph type="title"/>
-          </p:nvPr>
-        </p:nvSpPr>
-        <p:spPr/>
-        <p:txBody>
-          <a:bodyPr/>
-          <a:lstStyle/>
-          <a:p>
-            <a:r>
-              <a:rPr lang="zh-TW" altLang="en-US" dirty="0" smtClean="0"/>
-              <a:t>大綱</a:t>
-            </a:r>
-            <a:endParaRPr lang="zh-TW" altLang="en-US" dirty="0"/>
-          </a:p>
-        </p:txBody>
-      </p:sp>
-      <p:sp>
-        <p:nvSpPr>
-          <p:cNvPr id="3" name="內容版面配置區 2"/>
-          <p:cNvSpPr>
-            <a:spLocks noGrp="1"/>
-          </p:cNvSpPr>
-          <p:nvPr>
-            <p:ph idx="1"/>
-          </p:nvPr>
-        </p:nvSpPr>
-        <p:spPr/>
-        <p:txBody>
-          <a:bodyPr/>
-          <a:lstStyle/>
-          <a:p>
-            <a:pPr eaLnBrk="1" hangingPunct="1">
-              <a:buFont typeface="Arial" charset="0"/>
-              <a:buChar char="•"/>
-              <a:defRPr/>
-            </a:pPr>
-            <a:r>
-              <a:rPr lang="zh-TW" altLang="en-US" dirty="0">
-                <a:latin typeface="標楷體" pitchFamily="65" charset="-120"/>
-              </a:rPr>
-              <a:t>研究背景與動機</a:t>
-            </a:r>
-            <a:endParaRPr lang="en-US" altLang="zh-TW" dirty="0">
-              <a:latin typeface="標楷體" pitchFamily="65" charset="-120"/>
-            </a:endParaRPr>
-          </a:p>
-          <a:p>
-            <a:pPr eaLnBrk="1" hangingPunct="1">
-              <a:buFont typeface="Arial" charset="0"/>
-              <a:buChar char="•"/>
-              <a:defRPr/>
-            </a:pPr>
-            <a:r>
-              <a:rPr lang="zh-TW" altLang="en-US" dirty="0">
-                <a:solidFill>
-                  <a:schemeClr val="bg1">
-                    <a:lumMod val="75000"/>
-                  </a:schemeClr>
-                </a:solidFill>
-                <a:latin typeface="標楷體" pitchFamily="65" charset="-120"/>
-              </a:rPr>
-              <a:t>研究目標</a:t>
-            </a:r>
-            <a:endParaRPr lang="en-US" altLang="zh-TW" dirty="0">
-              <a:solidFill>
-                <a:schemeClr val="bg1">
-                  <a:lumMod val="75000"/>
-                </a:schemeClr>
-              </a:solidFill>
-              <a:latin typeface="標楷體" pitchFamily="65" charset="-120"/>
-            </a:endParaRPr>
-          </a:p>
-          <a:p>
-            <a:pPr eaLnBrk="1" hangingPunct="1">
-              <a:buFont typeface="Arial" charset="0"/>
-              <a:buChar char="•"/>
-              <a:defRPr/>
-            </a:pPr>
-            <a:r>
-              <a:rPr lang="zh-TW" altLang="en-US" dirty="0">
-                <a:solidFill>
-                  <a:schemeClr val="bg1">
-                    <a:lumMod val="75000"/>
-                  </a:schemeClr>
-                </a:solidFill>
-                <a:latin typeface="標楷體" pitchFamily="65" charset="-120"/>
-              </a:rPr>
-              <a:t>背景知識</a:t>
-            </a:r>
-            <a:endParaRPr lang="en-US" altLang="zh-TW" dirty="0">
-              <a:solidFill>
-                <a:schemeClr val="bg1">
-                  <a:lumMod val="75000"/>
-                </a:schemeClr>
-              </a:solidFill>
-              <a:latin typeface="標楷體" pitchFamily="65" charset="-120"/>
-            </a:endParaRPr>
-          </a:p>
-          <a:p>
-            <a:pPr eaLnBrk="1" hangingPunct="1">
-              <a:buFont typeface="Arial" charset="0"/>
-              <a:buChar char="•"/>
-              <a:defRPr/>
-            </a:pPr>
-            <a:r>
-              <a:rPr lang="zh-TW" altLang="en-US" dirty="0">
-                <a:solidFill>
-                  <a:schemeClr val="bg1">
-                    <a:lumMod val="75000"/>
-                  </a:schemeClr>
-                </a:solidFill>
-                <a:latin typeface="標楷體" pitchFamily="65" charset="-120"/>
-              </a:rPr>
-              <a:t>自動化部署方法</a:t>
-            </a:r>
-          </a:p>
-          <a:p>
-            <a:pPr eaLnBrk="1" hangingPunct="1">
-              <a:buFont typeface="Arial" charset="0"/>
-              <a:buChar char="•"/>
-              <a:defRPr/>
-            </a:pPr>
-            <a:r>
-              <a:rPr lang="zh-TW" altLang="en-US" dirty="0">
-                <a:solidFill>
-                  <a:schemeClr val="bg1">
-                    <a:lumMod val="75000"/>
-                  </a:schemeClr>
-                </a:solidFill>
-                <a:latin typeface="標楷體" pitchFamily="65" charset="-120"/>
-              </a:rPr>
-              <a:t>案例實作</a:t>
-            </a:r>
-            <a:endParaRPr lang="en-US" altLang="zh-TW" dirty="0">
-              <a:solidFill>
-                <a:schemeClr val="bg1">
-                  <a:lumMod val="75000"/>
-                </a:schemeClr>
-              </a:solidFill>
-              <a:latin typeface="標楷體" pitchFamily="65" charset="-120"/>
-            </a:endParaRPr>
-          </a:p>
-          <a:p>
-            <a:pPr eaLnBrk="1" hangingPunct="1">
-              <a:buFont typeface="Arial" charset="0"/>
-              <a:buChar char="•"/>
-              <a:defRPr/>
-            </a:pPr>
-            <a:r>
-              <a:rPr lang="zh-TW" altLang="en-US" dirty="0">
-                <a:solidFill>
-                  <a:schemeClr val="bg1">
-                    <a:lumMod val="75000"/>
-                  </a:schemeClr>
-                </a:solidFill>
-                <a:latin typeface="標楷體" pitchFamily="65" charset="-120"/>
-              </a:rPr>
-              <a:t>結論與未來展望</a:t>
-            </a:r>
-          </a:p>
-          <a:p>
-            <a:endParaRPr lang="zh-TW" altLang="en-US" dirty="0"/>
-          </a:p>
-        </p:txBody>
-      </p:sp>
-      <p:sp>
-        <p:nvSpPr>
-          <p:cNvPr id="4" name="投影片編號版面配置區 3"/>
-          <p:cNvSpPr>
-            <a:spLocks noGrp="1"/>
-          </p:cNvSpPr>
-          <p:nvPr>
-            <p:ph type="sldNum" sz="quarter" idx="12"/>
-          </p:nvPr>
-        </p:nvSpPr>
-        <p:spPr/>
-        <p:txBody>
-          <a:bodyPr/>
-          <a:lstStyle/>
-          <a:p>
-            <a:pPr>
-              <a:defRPr/>
-            </a:pPr>
-            <a:fld id="{3DB7C113-B292-4711-9FA5-4E4B2395B52F}" type="slidenum">
-              <a:rPr lang="zh-TW" altLang="en-US" smtClean="0"/>
-              <a:pPr>
-                <a:defRPr/>
-              </a:pPr>
-              <a:t>3</a:t>
-            </a:fld>
-            <a:endParaRPr lang="zh-TW" altLang="en-US"/>
-          </a:p>
-        </p:txBody>
-      </p:sp>
-    </p:spTree>
-    <p:extLst>
-      <p:ext uri="{BB962C8B-B14F-4D97-AF65-F5344CB8AC3E}">
-        <p14:creationId xmlns:p14="http://schemas.microsoft.com/office/powerpoint/2010/main" val="2831826523"/>
-      </p:ext>
-    </p:extLst>
-  </p:cSld>
-  <p:clrMapOvr>
-    <a:masterClrMapping/>
-  </p:clrMapOvr>
-  <p:timing>
-    <p:tnLst>
-      <p:par>
-        <p:cTn id="1" dur="indefinite" restart="never" nodeType="tmRoot"/>
-      </p:par>
-    </p:tnLst>
-  </p:timing>
-</p:sld>
-</file>
-
-<file path=ppt/slides/slide30.xml><?xml version="1.0" encoding="utf-8"?>
-<p:sld xmlns:a="http://schemas.openxmlformats.org/drawingml/2006/main" xmlns:r="http://schemas.openxmlformats.org/officeDocument/2006/relationships" xmlns:p="http://schemas.openxmlformats.org/presentationml/2006/main">
-  <p:cSld>
-    <p:spTree>
-      <p:nvGrpSpPr>
-        <p:cNvPr id="1" name=""/>
-        <p:cNvGrpSpPr/>
-        <p:nvPr/>
-      </p:nvGrpSpPr>
-      <p:grpSpPr>
-        <a:xfrm>
-          <a:off x="0" y="0"/>
-          <a:ext cx="0" cy="0"/>
-          <a:chOff x="0" y="0"/>
-          <a:chExt cx="0" cy="0"/>
-        </a:xfrm>
-      </p:grpSpPr>
-      <p:sp>
-        <p:nvSpPr>
-          <p:cNvPr id="2" name="標題 1"/>
-          <p:cNvSpPr>
-            <a:spLocks noGrp="1"/>
-          </p:cNvSpPr>
-          <p:nvPr>
-            <p:ph type="title"/>
-          </p:nvPr>
-        </p:nvSpPr>
-        <p:spPr/>
-        <p:txBody>
-          <a:bodyPr/>
-          <a:lstStyle/>
-          <a:p>
-            <a:endParaRPr lang="zh-TW" altLang="en-US"/>
-          </a:p>
-        </p:txBody>
-      </p:sp>
-      <p:pic>
-        <p:nvPicPr>
-          <p:cNvPr id="5" name="內容版面配置區 4"/>
-          <p:cNvPicPr>
-            <a:picLocks noGrp="1" noChangeAspect="1"/>
-          </p:cNvPicPr>
-          <p:nvPr>
-            <p:ph idx="1"/>
-          </p:nvPr>
-        </p:nvPicPr>
-        <p:blipFill>
-          <a:blip r:embed="rId2">
-            <a:extLst>
-              <a:ext uri="{28A0092B-C50C-407E-A947-70E740481C1C}">
-                <a14:useLocalDpi xmlns:a14="http://schemas.microsoft.com/office/drawing/2010/main" val="0"/>
-              </a:ext>
-            </a:extLst>
-          </a:blip>
-          <a:stretch>
-            <a:fillRect/>
-          </a:stretch>
-        </p:blipFill>
-        <p:spPr>
-          <a:xfrm>
-            <a:off x="1371153" y="1634020"/>
-            <a:ext cx="6401693" cy="4458322"/>
-          </a:xfrm>
-        </p:spPr>
-      </p:pic>
-      <p:sp>
-        <p:nvSpPr>
-          <p:cNvPr id="4" name="投影片編號版面配置區 3"/>
-          <p:cNvSpPr>
-            <a:spLocks noGrp="1"/>
-          </p:cNvSpPr>
-          <p:nvPr>
-            <p:ph type="sldNum" sz="quarter" idx="12"/>
-          </p:nvPr>
-        </p:nvSpPr>
-        <p:spPr/>
-        <p:txBody>
-          <a:bodyPr/>
-          <a:lstStyle/>
-          <a:p>
-            <a:pPr>
-              <a:defRPr/>
-            </a:pPr>
-            <a:fld id="{3DB7C113-B292-4711-9FA5-4E4B2395B52F}" type="slidenum">
-              <a:rPr lang="zh-TW" altLang="en-US" smtClean="0"/>
-              <a:pPr>
-                <a:defRPr/>
-              </a:pPr>
-              <a:t>30</a:t>
-            </a:fld>
-            <a:endParaRPr lang="zh-TW" altLang="en-US"/>
-          </a:p>
-        </p:txBody>
-      </p:sp>
-    </p:spTree>
-    <p:extLst>
-      <p:ext uri="{BB962C8B-B14F-4D97-AF65-F5344CB8AC3E}">
-        <p14:creationId xmlns:p14="http://schemas.microsoft.com/office/powerpoint/2010/main" val="2248061773"/>
-      </p:ext>
-    </p:extLst>
-  </p:cSld>
-  <p:clrMapOvr>
-    <a:masterClrMapping/>
-  </p:clrMapOvr>
-</p:sld>
-</file>
-
-<file path=ppt/slides/slide31.xml><?xml version="1.0" encoding="utf-8"?>
-<p:sld xmlns:a="http://schemas.openxmlformats.org/drawingml/2006/main" xmlns:r="http://schemas.openxmlformats.org/officeDocument/2006/relationships" xmlns:p="http://schemas.openxmlformats.org/presentationml/2006/main">
-  <p:cSld>
-    <p:spTree>
-      <p:nvGrpSpPr>
-        <p:cNvPr id="1" name=""/>
-        <p:cNvGrpSpPr/>
-        <p:nvPr/>
-      </p:nvGrpSpPr>
-      <p:grpSpPr>
-        <a:xfrm>
-          <a:off x="0" y="0"/>
-          <a:ext cx="0" cy="0"/>
-          <a:chOff x="0" y="0"/>
-          <a:chExt cx="0" cy="0"/>
-        </a:xfrm>
-      </p:grpSpPr>
-      <p:sp>
-        <p:nvSpPr>
-          <p:cNvPr id="2" name="標題 1"/>
-          <p:cNvSpPr>
-            <a:spLocks noGrp="1"/>
-          </p:cNvSpPr>
-          <p:nvPr>
-            <p:ph type="title"/>
-          </p:nvPr>
-        </p:nvSpPr>
-        <p:spPr/>
-        <p:txBody>
-          <a:bodyPr/>
-          <a:lstStyle/>
-          <a:p>
-            <a:endParaRPr lang="zh-TW" altLang="en-US"/>
-          </a:p>
-        </p:txBody>
-      </p:sp>
-      <p:sp>
-        <p:nvSpPr>
-          <p:cNvPr id="4" name="投影片編號版面配置區 3"/>
-          <p:cNvSpPr>
-            <a:spLocks noGrp="1"/>
-          </p:cNvSpPr>
-          <p:nvPr>
-            <p:ph type="sldNum" sz="quarter" idx="12"/>
-          </p:nvPr>
-        </p:nvSpPr>
-        <p:spPr/>
-        <p:txBody>
-          <a:bodyPr/>
-          <a:lstStyle/>
-          <a:p>
-            <a:pPr>
-              <a:defRPr/>
-            </a:pPr>
-            <a:fld id="{3DB7C113-B292-4711-9FA5-4E4B2395B52F}" type="slidenum">
-              <a:rPr lang="zh-TW" altLang="en-US" smtClean="0"/>
-              <a:pPr>
-                <a:defRPr/>
-              </a:pPr>
-              <a:t>31</a:t>
-            </a:fld>
-            <a:endParaRPr lang="zh-TW" altLang="en-US"/>
-          </a:p>
-        </p:txBody>
-      </p:sp>
-      <p:pic>
-        <p:nvPicPr>
-          <p:cNvPr id="7" name="內容版面配置區 6"/>
-          <p:cNvPicPr>
-            <a:picLocks noGrp="1" noChangeAspect="1"/>
-          </p:cNvPicPr>
-          <p:nvPr>
-            <p:ph idx="1"/>
-          </p:nvPr>
-        </p:nvPicPr>
-        <p:blipFill>
-          <a:blip r:embed="rId2">
-            <a:extLst>
-              <a:ext uri="{28A0092B-C50C-407E-A947-70E740481C1C}">
-                <a14:useLocalDpi xmlns:a14="http://schemas.microsoft.com/office/drawing/2010/main" val="0"/>
-              </a:ext>
-            </a:extLst>
-          </a:blip>
-          <a:stretch>
-            <a:fillRect/>
-          </a:stretch>
-        </p:blipFill>
-        <p:spPr>
-          <a:xfrm>
-            <a:off x="457200" y="2289644"/>
-            <a:ext cx="8229600" cy="3147074"/>
-          </a:xfrm>
-        </p:spPr>
-      </p:pic>
-    </p:spTree>
-    <p:extLst>
-      <p:ext uri="{BB962C8B-B14F-4D97-AF65-F5344CB8AC3E}">
-        <p14:creationId xmlns:p14="http://schemas.microsoft.com/office/powerpoint/2010/main" val="869967300"/>
-      </p:ext>
-    </p:extLst>
-  </p:cSld>
-  <p:clrMapOvr>
-    <a:masterClrMapping/>
-  </p:clrMapOvr>
-</p:sld>
-</file>
-
-<file path=ppt/slides/slide32.xml><?xml version="1.0" encoding="utf-8"?>
-<p:sld xmlns:a="http://schemas.openxmlformats.org/drawingml/2006/main" xmlns:r="http://schemas.openxmlformats.org/officeDocument/2006/relationships" xmlns:p="http://schemas.openxmlformats.org/presentationml/2006/main">
-  <p:cSld>
-    <p:spTree>
-      <p:nvGrpSpPr>
-        <p:cNvPr id="1" name=""/>
-        <p:cNvGrpSpPr/>
-        <p:nvPr/>
-      </p:nvGrpSpPr>
-      <p:grpSpPr>
-        <a:xfrm>
-          <a:off x="0" y="0"/>
-          <a:ext cx="0" cy="0"/>
-          <a:chOff x="0" y="0"/>
-          <a:chExt cx="0" cy="0"/>
-        </a:xfrm>
-      </p:grpSpPr>
-      <p:sp>
-        <p:nvSpPr>
-          <p:cNvPr id="2" name="標題 1"/>
-          <p:cNvSpPr>
-            <a:spLocks noGrp="1"/>
-          </p:cNvSpPr>
-          <p:nvPr>
-            <p:ph type="title"/>
-          </p:nvPr>
-        </p:nvSpPr>
-        <p:spPr/>
-        <p:txBody>
-          <a:bodyPr/>
-          <a:lstStyle/>
-          <a:p>
-            <a:endParaRPr lang="zh-TW" altLang="en-US"/>
-          </a:p>
-        </p:txBody>
-      </p:sp>
-      <p:pic>
-        <p:nvPicPr>
-          <p:cNvPr id="5" name="內容版面配置區 4"/>
-          <p:cNvPicPr>
-            <a:picLocks noGrp="1" noChangeAspect="1"/>
-          </p:cNvPicPr>
-          <p:nvPr>
-            <p:ph idx="1"/>
-          </p:nvPr>
-        </p:nvPicPr>
-        <p:blipFill>
-          <a:blip r:embed="rId2">
-            <a:extLst>
-              <a:ext uri="{28A0092B-C50C-407E-A947-70E740481C1C}">
-                <a14:useLocalDpi xmlns:a14="http://schemas.microsoft.com/office/drawing/2010/main" val="0"/>
-              </a:ext>
-            </a:extLst>
-          </a:blip>
-          <a:stretch>
-            <a:fillRect/>
-          </a:stretch>
-        </p:blipFill>
-        <p:spPr>
-          <a:xfrm>
-            <a:off x="2090020" y="1600200"/>
-            <a:ext cx="4963959" cy="4525963"/>
-          </a:xfrm>
-        </p:spPr>
-      </p:pic>
-      <p:sp>
-        <p:nvSpPr>
-          <p:cNvPr id="4" name="投影片編號版面配置區 3"/>
-          <p:cNvSpPr>
-            <a:spLocks noGrp="1"/>
-          </p:cNvSpPr>
-          <p:nvPr>
-            <p:ph type="sldNum" sz="quarter" idx="12"/>
-          </p:nvPr>
-        </p:nvSpPr>
-        <p:spPr/>
-        <p:txBody>
-          <a:bodyPr/>
-          <a:lstStyle/>
-          <a:p>
-            <a:pPr>
-              <a:defRPr/>
-            </a:pPr>
-            <a:fld id="{3DB7C113-B292-4711-9FA5-4E4B2395B52F}" type="slidenum">
-              <a:rPr lang="zh-TW" altLang="en-US" smtClean="0"/>
-              <a:pPr>
-                <a:defRPr/>
-              </a:pPr>
-              <a:t>32</a:t>
-            </a:fld>
-            <a:endParaRPr lang="zh-TW" altLang="en-US"/>
-          </a:p>
-        </p:txBody>
-      </p:sp>
-    </p:spTree>
-    <p:extLst>
-      <p:ext uri="{BB962C8B-B14F-4D97-AF65-F5344CB8AC3E}">
-        <p14:creationId xmlns:p14="http://schemas.microsoft.com/office/powerpoint/2010/main" val="3496760729"/>
-      </p:ext>
-    </p:extLst>
-  </p:cSld>
-  <p:clrMapOvr>
-    <a:masterClrMapping/>
-  </p:clrMapOvr>
-</p:sld>
-</file>
-
-<file path=ppt/slides/slide33.xml><?xml version="1.0" encoding="utf-8"?>
-<p:sld xmlns:a="http://schemas.openxmlformats.org/drawingml/2006/main" xmlns:r="http://schemas.openxmlformats.org/officeDocument/2006/relationships" xmlns:p="http://schemas.openxmlformats.org/presentationml/2006/main">
-  <p:cSld>
-    <p:spTree>
-      <p:nvGrpSpPr>
-        <p:cNvPr id="1" name=""/>
-        <p:cNvGrpSpPr/>
-        <p:nvPr/>
-      </p:nvGrpSpPr>
-      <p:grpSpPr>
-        <a:xfrm>
-          <a:off x="0" y="0"/>
-          <a:ext cx="0" cy="0"/>
-          <a:chOff x="0" y="0"/>
-          <a:chExt cx="0" cy="0"/>
-        </a:xfrm>
-      </p:grpSpPr>
-      <p:sp>
-        <p:nvSpPr>
-          <p:cNvPr id="2" name="標題 1"/>
-          <p:cNvSpPr>
-            <a:spLocks noGrp="1"/>
-          </p:cNvSpPr>
-          <p:nvPr>
-            <p:ph type="title"/>
-          </p:nvPr>
-        </p:nvSpPr>
-        <p:spPr/>
-        <p:txBody>
-          <a:bodyPr/>
-          <a:lstStyle/>
-          <a:p>
-            <a:endParaRPr lang="zh-TW" altLang="en-US"/>
-          </a:p>
-        </p:txBody>
-      </p:sp>
-      <p:sp>
-        <p:nvSpPr>
-          <p:cNvPr id="4" name="投影片編號版面配置區 3"/>
-          <p:cNvSpPr>
-            <a:spLocks noGrp="1"/>
-          </p:cNvSpPr>
-          <p:nvPr>
-            <p:ph type="sldNum" sz="quarter" idx="12"/>
-          </p:nvPr>
-        </p:nvSpPr>
-        <p:spPr/>
-        <p:txBody>
-          <a:bodyPr/>
-          <a:lstStyle/>
-          <a:p>
-            <a:pPr>
-              <a:defRPr/>
-            </a:pPr>
-            <a:fld id="{3DB7C113-B292-4711-9FA5-4E4B2395B52F}" type="slidenum">
-              <a:rPr lang="zh-TW" altLang="en-US" smtClean="0"/>
-              <a:pPr>
-                <a:defRPr/>
-              </a:pPr>
-              <a:t>33</a:t>
-            </a:fld>
-            <a:endParaRPr lang="zh-TW" altLang="en-US"/>
-          </a:p>
-        </p:txBody>
-      </p:sp>
-      <p:pic>
-        <p:nvPicPr>
-          <p:cNvPr id="7" name="內容版面配置區 6"/>
-          <p:cNvPicPr>
-            <a:picLocks noGrp="1" noChangeAspect="1"/>
-          </p:cNvPicPr>
-          <p:nvPr>
-            <p:ph idx="1"/>
-          </p:nvPr>
-        </p:nvPicPr>
-        <p:blipFill>
-          <a:blip r:embed="rId2">
-            <a:extLst>
-              <a:ext uri="{28A0092B-C50C-407E-A947-70E740481C1C}">
-                <a14:useLocalDpi xmlns:a14="http://schemas.microsoft.com/office/drawing/2010/main" val="0"/>
-              </a:ext>
-            </a:extLst>
-          </a:blip>
-          <a:stretch>
-            <a:fillRect/>
-          </a:stretch>
-        </p:blipFill>
-        <p:spPr>
-          <a:xfrm>
-            <a:off x="1667600" y="1600200"/>
-            <a:ext cx="5808799" cy="4525963"/>
-          </a:xfrm>
-        </p:spPr>
-      </p:pic>
-    </p:spTree>
-    <p:extLst>
-      <p:ext uri="{BB962C8B-B14F-4D97-AF65-F5344CB8AC3E}">
-        <p14:creationId xmlns:p14="http://schemas.microsoft.com/office/powerpoint/2010/main" val="1808651420"/>
-      </p:ext>
-    </p:extLst>
-  </p:cSld>
-  <p:clrMapOvr>
-    <a:masterClrMapping/>
-  </p:clrMapOvr>
-</p:sld>
-</file>
-
-<file path=ppt/slides/slide34.xml><?xml version="1.0" encoding="utf-8"?>
-<p:sld xmlns:a="http://schemas.openxmlformats.org/drawingml/2006/main" xmlns:r="http://schemas.openxmlformats.org/officeDocument/2006/relationships" xmlns:p="http://schemas.openxmlformats.org/presentationml/2006/main">
-  <p:cSld>
-    <p:spTree>
-      <p:nvGrpSpPr>
-        <p:cNvPr id="1" name=""/>
-        <p:cNvGrpSpPr/>
-        <p:nvPr/>
-      </p:nvGrpSpPr>
-      <p:grpSpPr>
-        <a:xfrm>
-          <a:off x="0" y="0"/>
-          <a:ext cx="0" cy="0"/>
-          <a:chOff x="0" y="0"/>
-          <a:chExt cx="0" cy="0"/>
-        </a:xfrm>
-      </p:grpSpPr>
-      <p:sp>
-        <p:nvSpPr>
-          <p:cNvPr id="2" name="標題 1"/>
-          <p:cNvSpPr>
-            <a:spLocks noGrp="1"/>
-          </p:cNvSpPr>
-          <p:nvPr>
-            <p:ph type="title"/>
-          </p:nvPr>
-        </p:nvSpPr>
-        <p:spPr/>
-        <p:txBody>
-          <a:bodyPr/>
-          <a:lstStyle/>
-          <a:p>
-            <a:endParaRPr lang="zh-TW" altLang="en-US"/>
-          </a:p>
-        </p:txBody>
-      </p:sp>
-      <p:sp>
-        <p:nvSpPr>
-          <p:cNvPr id="4" name="投影片編號版面配置區 3"/>
-          <p:cNvSpPr>
-            <a:spLocks noGrp="1"/>
-          </p:cNvSpPr>
-          <p:nvPr>
-            <p:ph type="sldNum" sz="quarter" idx="12"/>
-          </p:nvPr>
-        </p:nvSpPr>
-        <p:spPr/>
-        <p:txBody>
-          <a:bodyPr/>
-          <a:lstStyle/>
-          <a:p>
-            <a:pPr>
-              <a:defRPr/>
-            </a:pPr>
-            <a:fld id="{3DB7C113-B292-4711-9FA5-4E4B2395B52F}" type="slidenum">
-              <a:rPr lang="zh-TW" altLang="en-US" smtClean="0"/>
-              <a:pPr>
-                <a:defRPr/>
-              </a:pPr>
-              <a:t>34</a:t>
-            </a:fld>
-            <a:endParaRPr lang="zh-TW" altLang="en-US"/>
-          </a:p>
-        </p:txBody>
-      </p:sp>
-      <p:pic>
-        <p:nvPicPr>
-          <p:cNvPr id="7" name="內容版面配置區 6"/>
-          <p:cNvPicPr>
-            <a:picLocks noGrp="1" noChangeAspect="1"/>
-          </p:cNvPicPr>
-          <p:nvPr>
-            <p:ph idx="1"/>
-          </p:nvPr>
-        </p:nvPicPr>
-        <p:blipFill>
-          <a:blip r:embed="rId2">
-            <a:extLst>
-              <a:ext uri="{28A0092B-C50C-407E-A947-70E740481C1C}">
-                <a14:useLocalDpi xmlns:a14="http://schemas.microsoft.com/office/drawing/2010/main" val="0"/>
-              </a:ext>
-            </a:extLst>
-          </a:blip>
-          <a:stretch>
-            <a:fillRect/>
-          </a:stretch>
-        </p:blipFill>
-        <p:spPr>
-          <a:xfrm>
-            <a:off x="457200" y="1659828"/>
-            <a:ext cx="8229600" cy="4406706"/>
-          </a:xfrm>
-        </p:spPr>
-      </p:pic>
-    </p:spTree>
-    <p:extLst>
-      <p:ext uri="{BB962C8B-B14F-4D97-AF65-F5344CB8AC3E}">
-        <p14:creationId xmlns:p14="http://schemas.microsoft.com/office/powerpoint/2010/main" val="3316669575"/>
-      </p:ext>
-    </p:extLst>
-  </p:cSld>
-  <p:clrMapOvr>
-    <a:masterClrMapping/>
-  </p:clrMapOvr>
-</p:sld>
-</file>
-
-<file path=ppt/slides/slide35.xml><?xml version="1.0" encoding="utf-8"?>
-<p:sld xmlns:a="http://schemas.openxmlformats.org/drawingml/2006/main" xmlns:r="http://schemas.openxmlformats.org/officeDocument/2006/relationships" xmlns:p="http://schemas.openxmlformats.org/presentationml/2006/main">
-  <p:cSld>
-    <p:spTree>
-      <p:nvGrpSpPr>
-        <p:cNvPr id="1" name=""/>
-        <p:cNvGrpSpPr/>
-        <p:nvPr/>
-      </p:nvGrpSpPr>
-      <p:grpSpPr>
-        <a:xfrm>
-          <a:off x="0" y="0"/>
-          <a:ext cx="0" cy="0"/>
-          <a:chOff x="0" y="0"/>
-          <a:chExt cx="0" cy="0"/>
-        </a:xfrm>
-      </p:grpSpPr>
-      <p:sp>
-        <p:nvSpPr>
-          <p:cNvPr id="2" name="標題 1"/>
-          <p:cNvSpPr>
-            <a:spLocks noGrp="1"/>
-          </p:cNvSpPr>
-          <p:nvPr>
-            <p:ph type="title"/>
-          </p:nvPr>
-        </p:nvSpPr>
-        <p:spPr/>
-        <p:txBody>
-          <a:bodyPr/>
-          <a:lstStyle/>
-          <a:p>
-            <a:endParaRPr lang="zh-TW" altLang="en-US"/>
-          </a:p>
-        </p:txBody>
-      </p:sp>
-      <p:sp>
-        <p:nvSpPr>
-          <p:cNvPr id="4" name="投影片編號版面配置區 3"/>
-          <p:cNvSpPr>
-            <a:spLocks noGrp="1"/>
-          </p:cNvSpPr>
-          <p:nvPr>
-            <p:ph type="sldNum" sz="quarter" idx="12"/>
-          </p:nvPr>
-        </p:nvSpPr>
-        <p:spPr/>
-        <p:txBody>
-          <a:bodyPr/>
-          <a:lstStyle/>
-          <a:p>
-            <a:pPr>
-              <a:defRPr/>
-            </a:pPr>
-            <a:fld id="{3DB7C113-B292-4711-9FA5-4E4B2395B52F}" type="slidenum">
-              <a:rPr lang="zh-TW" altLang="en-US" smtClean="0"/>
-              <a:pPr>
-                <a:defRPr/>
-              </a:pPr>
-              <a:t>35</a:t>
-            </a:fld>
-            <a:endParaRPr lang="zh-TW" altLang="en-US"/>
-          </a:p>
-        </p:txBody>
-      </p:sp>
-      <p:pic>
-        <p:nvPicPr>
-          <p:cNvPr id="8" name="內容版面配置區 7"/>
-          <p:cNvPicPr>
-            <a:picLocks noGrp="1" noChangeAspect="1"/>
-          </p:cNvPicPr>
-          <p:nvPr>
-            <p:ph idx="1"/>
-          </p:nvPr>
-        </p:nvPicPr>
-        <p:blipFill>
-          <a:blip r:embed="rId2">
-            <a:extLst>
-              <a:ext uri="{28A0092B-C50C-407E-A947-70E740481C1C}">
-                <a14:useLocalDpi xmlns:a14="http://schemas.microsoft.com/office/drawing/2010/main" val="0"/>
-              </a:ext>
-            </a:extLst>
-          </a:blip>
-          <a:stretch>
-            <a:fillRect/>
-          </a:stretch>
-        </p:blipFill>
-        <p:spPr>
-          <a:xfrm>
-            <a:off x="457200" y="1657554"/>
-            <a:ext cx="8229600" cy="4411255"/>
-          </a:xfrm>
-        </p:spPr>
-      </p:pic>
-    </p:spTree>
-    <p:extLst>
-      <p:ext uri="{BB962C8B-B14F-4D97-AF65-F5344CB8AC3E}">
-        <p14:creationId xmlns:p14="http://schemas.microsoft.com/office/powerpoint/2010/main" val="644741698"/>
-      </p:ext>
-    </p:extLst>
-  </p:cSld>
-  <p:clrMapOvr>
-    <a:masterClrMapping/>
-  </p:clrMapOvr>
-</p:sld>
-</file>
-
 <file path=ppt/slides/slide36.xml><?xml version="1.0" encoding="utf-8"?>
 <p:sld xmlns:a="http://schemas.openxmlformats.org/drawingml/2006/main" xmlns:r="http://schemas.openxmlformats.org/officeDocument/2006/relationships" xmlns:p="http://schemas.openxmlformats.org/presentationml/2006/main">
   <p:cSld>
@@ -10803,39 +12070,161 @@
           <a:bodyPr/>
           <a:lstStyle/>
           <a:p>
-            <a:endParaRPr lang="zh-TW" altLang="en-US"/>
-          </a:p>
-        </p:txBody>
-      </p:sp>
-      <p:pic>
-        <p:nvPicPr>
-          <p:cNvPr id="5" name="內容版面配置區 4"/>
-          <p:cNvPicPr>
-            <a:picLocks noGrp="1" noChangeAspect="1"/>
-          </p:cNvPicPr>
+            <a:r>
+              <a:rPr lang="zh-TW" altLang="en-US" dirty="0" smtClean="0"/>
+              <a:t>貢獻</a:t>
+            </a:r>
+            <a:endParaRPr lang="zh-TW" altLang="en-US" dirty="0"/>
+          </a:p>
+        </p:txBody>
+      </p:sp>
+      <p:sp>
+        <p:nvSpPr>
+          <p:cNvPr id="3" name="內容版面配置區 2"/>
+          <p:cNvSpPr>
+            <a:spLocks noGrp="1"/>
+          </p:cNvSpPr>
           <p:nvPr>
             <p:ph idx="1"/>
           </p:nvPr>
-        </p:nvPicPr>
-        <p:blipFill>
-          <a:blip r:embed="rId2">
-            <a:extLst>
-              <a:ext uri="{28A0092B-C50C-407E-A947-70E740481C1C}">
-                <a14:useLocalDpi xmlns:a14="http://schemas.microsoft.com/office/drawing/2010/main" val="0"/>
-              </a:ext>
-            </a:extLst>
-          </a:blip>
-          <a:stretch>
-            <a:fillRect/>
-          </a:stretch>
-        </p:blipFill>
-        <p:spPr>
-          <a:xfrm>
-            <a:off x="1805236" y="1600200"/>
-            <a:ext cx="5533528" cy="4525963"/>
-          </a:xfrm>
-        </p:spPr>
-      </p:pic>
+        </p:nvSpPr>
+        <p:spPr/>
+        <p:txBody>
+          <a:bodyPr/>
+          <a:lstStyle/>
+          <a:p>
+            <a:r>
+              <a:rPr lang="en-US" altLang="zh-TW" sz="2000" dirty="0" smtClean="0"/>
+              <a:t>1.</a:t>
+            </a:r>
+            <a:r>
+              <a:rPr lang="zh-TW" altLang="en-US" sz="2000" dirty="0" smtClean="0"/>
+              <a:t>使用</a:t>
+            </a:r>
+            <a:r>
+              <a:rPr lang="en-US" altLang="zh-TW" sz="2000" dirty="0" smtClean="0"/>
+              <a:t>Jenkins</a:t>
+            </a:r>
+            <a:r>
+              <a:rPr lang="zh-TW" altLang="en-US" sz="2000" dirty="0" smtClean="0"/>
+              <a:t>連結</a:t>
+            </a:r>
+            <a:r>
+              <a:rPr lang="en-US" altLang="zh-TW" sz="2000" dirty="0" smtClean="0"/>
+              <a:t>GitHub</a:t>
+            </a:r>
+            <a:r>
+              <a:rPr lang="zh-TW" altLang="en-US" sz="2000" dirty="0" smtClean="0"/>
+              <a:t>專案並</a:t>
+            </a:r>
+            <a:r>
+              <a:rPr lang="zh-TW" altLang="en-US" sz="2000" dirty="0"/>
+              <a:t>且</a:t>
+            </a:r>
+            <a:r>
+              <a:rPr lang="zh-TW" altLang="en-US" sz="2000" dirty="0" smtClean="0"/>
+              <a:t>自動</a:t>
+            </a:r>
+            <a:r>
+              <a:rPr lang="zh-TW" altLang="en-US" sz="2000" dirty="0"/>
+              <a:t>跑專案的</a:t>
+            </a:r>
+            <a:r>
+              <a:rPr lang="en-US" altLang="zh-TW" sz="2000" dirty="0" smtClean="0"/>
+              <a:t>UT</a:t>
+            </a:r>
+            <a:endParaRPr lang="en-US" altLang="zh-TW" sz="2000" dirty="0" smtClean="0"/>
+          </a:p>
+          <a:p>
+            <a:endParaRPr lang="en-US" altLang="zh-TW" sz="2000" dirty="0"/>
+          </a:p>
+          <a:p>
+            <a:pPr marL="0" indent="0">
+              <a:buNone/>
+            </a:pPr>
+            <a:endParaRPr lang="en-US" altLang="zh-TW" sz="2000" dirty="0" smtClean="0"/>
+          </a:p>
+          <a:p>
+            <a:r>
+              <a:rPr lang="en-US" altLang="zh-TW" sz="2000" dirty="0" smtClean="0"/>
+              <a:t>2.</a:t>
+            </a:r>
+            <a:r>
+              <a:rPr lang="zh-TW" altLang="en-US" sz="2000" dirty="0" smtClean="0"/>
+              <a:t>使用</a:t>
+            </a:r>
+            <a:r>
+              <a:rPr lang="en-US" altLang="zh-TW" sz="2000" dirty="0" smtClean="0"/>
+              <a:t>Docker</a:t>
+            </a:r>
+            <a:r>
+              <a:rPr lang="zh-TW" altLang="en-US" sz="2000" dirty="0" smtClean="0"/>
+              <a:t>將</a:t>
+            </a:r>
+            <a:r>
+              <a:rPr lang="zh-TW" altLang="en-US" sz="2000" dirty="0" smtClean="0"/>
+              <a:t>服務的</a:t>
+            </a:r>
+            <a:r>
+              <a:rPr lang="en-US" altLang="zh-TW" sz="2000" dirty="0" smtClean="0"/>
+              <a:t>Jar</a:t>
+            </a:r>
+            <a:r>
+              <a:rPr lang="zh-TW" altLang="en-US" sz="2000" dirty="0" smtClean="0"/>
+              <a:t>包產生成</a:t>
+            </a:r>
+            <a:r>
+              <a:rPr lang="en-US" altLang="zh-TW" sz="2000" dirty="0"/>
+              <a:t>I</a:t>
+            </a:r>
+            <a:r>
+              <a:rPr lang="en-US" altLang="zh-TW" sz="2000" dirty="0" smtClean="0"/>
+              <a:t>mage</a:t>
+            </a:r>
+            <a:endParaRPr lang="en-US" altLang="zh-TW" sz="2000" dirty="0"/>
+          </a:p>
+          <a:p>
+            <a:pPr marL="0" indent="0">
+              <a:buNone/>
+            </a:pPr>
+            <a:endParaRPr lang="en-US" altLang="zh-TW" sz="2000" dirty="0" smtClean="0"/>
+          </a:p>
+          <a:p>
+            <a:endParaRPr lang="en-US" altLang="zh-TW" sz="2000" dirty="0" smtClean="0"/>
+          </a:p>
+          <a:p>
+            <a:r>
+              <a:rPr lang="en-US" altLang="zh-TW" sz="2000" dirty="0"/>
+              <a:t>3</a:t>
+            </a:r>
+            <a:r>
+              <a:rPr lang="en-US" altLang="zh-TW" sz="2000" dirty="0" smtClean="0"/>
+              <a:t>.</a:t>
+            </a:r>
+            <a:r>
+              <a:rPr lang="zh-TW" altLang="en-US" sz="2000" dirty="0" smtClean="0"/>
+              <a:t>撰寫驗收測試</a:t>
+            </a:r>
+            <a:r>
+              <a:rPr lang="zh-TW" altLang="en-US" sz="2000" dirty="0" smtClean="0"/>
+              <a:t>驗證</a:t>
+            </a:r>
+            <a:r>
+              <a:rPr lang="en-US" altLang="zh-TW" sz="2000" dirty="0" err="1" smtClean="0"/>
+              <a:t>Microservice</a:t>
+            </a:r>
+            <a:r>
+              <a:rPr lang="zh-TW" altLang="en-US" sz="2000" dirty="0" smtClean="0"/>
+              <a:t>已經連</a:t>
+            </a:r>
+            <a:r>
+              <a:rPr lang="zh-TW" altLang="en-US" sz="2000" dirty="0" smtClean="0"/>
+              <a:t>上線</a:t>
+            </a:r>
+            <a:endParaRPr lang="zh-TW" altLang="en-US" sz="2000" dirty="0"/>
+          </a:p>
+        </p:txBody>
+      </p:sp>
       <p:sp>
         <p:nvSpPr>
           <p:cNvPr id="4" name="投影片編號版面配置區 3"/>
@@ -10868,235 +12257,7 @@
     </p:spTree>
     <p:extLst>
       <p:ext uri="{BB962C8B-B14F-4D97-AF65-F5344CB8AC3E}">
-        <p14:creationId xmlns:p14="http://schemas.microsoft.com/office/powerpoint/2010/main" val="167842299"/>
-      </p:ext>
-    </p:extLst>
-  </p:cSld>
-  <p:clrMapOvr>
-    <a:masterClrMapping/>
-  </p:clrMapOvr>
-</p:sld>
-</file>
-
-<file path=ppt/slides/slide37.xml><?xml version="1.0" encoding="utf-8"?>
-<p:sld xmlns:a="http://schemas.openxmlformats.org/drawingml/2006/main" xmlns:r="http://schemas.openxmlformats.org/officeDocument/2006/relationships" xmlns:p="http://schemas.openxmlformats.org/presentationml/2006/main">
-  <p:cSld>
-    <p:spTree>
-      <p:nvGrpSpPr>
-        <p:cNvPr id="1" name=""/>
-        <p:cNvGrpSpPr/>
-        <p:nvPr/>
-      </p:nvGrpSpPr>
-      <p:grpSpPr>
-        <a:xfrm>
-          <a:off x="0" y="0"/>
-          <a:ext cx="0" cy="0"/>
-          <a:chOff x="0" y="0"/>
-          <a:chExt cx="0" cy="0"/>
-        </a:xfrm>
-      </p:grpSpPr>
-      <p:sp>
-        <p:nvSpPr>
-          <p:cNvPr id="2" name="標題 1"/>
-          <p:cNvSpPr>
-            <a:spLocks noGrp="1"/>
-          </p:cNvSpPr>
-          <p:nvPr>
-            <p:ph type="title"/>
-          </p:nvPr>
-        </p:nvSpPr>
-        <p:spPr/>
-        <p:txBody>
-          <a:bodyPr/>
-          <a:lstStyle/>
-          <a:p>
-            <a:endParaRPr lang="zh-TW" altLang="en-US"/>
-          </a:p>
-        </p:txBody>
-      </p:sp>
-      <p:sp>
-        <p:nvSpPr>
-          <p:cNvPr id="3" name="內容版面配置區 2"/>
-          <p:cNvSpPr>
-            <a:spLocks noGrp="1"/>
-          </p:cNvSpPr>
-          <p:nvPr>
-            <p:ph idx="1"/>
-          </p:nvPr>
-        </p:nvSpPr>
-        <p:spPr/>
-        <p:txBody>
-          <a:bodyPr/>
-          <a:lstStyle/>
-          <a:p>
-            <a:endParaRPr lang="zh-TW" altLang="en-US"/>
-          </a:p>
-        </p:txBody>
-      </p:sp>
-      <p:sp>
-        <p:nvSpPr>
-          <p:cNvPr id="4" name="投影片編號版面配置區 3"/>
-          <p:cNvSpPr>
-            <a:spLocks noGrp="1"/>
-          </p:cNvSpPr>
-          <p:nvPr>
-            <p:ph type="sldNum" sz="quarter" idx="12"/>
-          </p:nvPr>
-        </p:nvSpPr>
-        <p:spPr/>
-        <p:txBody>
-          <a:bodyPr/>
-          <a:lstStyle/>
-          <a:p>
-            <a:pPr>
-              <a:defRPr/>
-            </a:pPr>
-            <a:fld id="{3DB7C113-B292-4711-9FA5-4E4B2395B52F}" type="slidenum">
-              <a:rPr lang="zh-TW" altLang="en-US" smtClean="0"/>
-              <a:pPr>
-                <a:defRPr/>
-              </a:pPr>
-              <a:t>37</a:t>
-            </a:fld>
-            <a:endParaRPr lang="zh-TW" altLang="en-US"/>
-          </a:p>
-        </p:txBody>
-      </p:sp>
-      <p:pic>
-        <p:nvPicPr>
-          <p:cNvPr id="5" name="圖片 4"/>
-          <p:cNvPicPr>
-            <a:picLocks noChangeAspect="1"/>
-          </p:cNvPicPr>
-          <p:nvPr/>
-        </p:nvPicPr>
-        <p:blipFill>
-          <a:blip r:embed="rId2"/>
-          <a:stretch>
-            <a:fillRect/>
-          </a:stretch>
-        </p:blipFill>
-        <p:spPr>
-          <a:xfrm>
-            <a:off x="0" y="2144246"/>
-            <a:ext cx="9144000" cy="2569507"/>
-          </a:xfrm>
-          <a:prstGeom prst="rect">
-            <a:avLst/>
-          </a:prstGeom>
-        </p:spPr>
-      </p:pic>
-    </p:spTree>
-    <p:extLst>
-      <p:ext uri="{BB962C8B-B14F-4D97-AF65-F5344CB8AC3E}">
-        <p14:creationId xmlns:p14="http://schemas.microsoft.com/office/powerpoint/2010/main" val="3059487078"/>
-      </p:ext>
-    </p:extLst>
-  </p:cSld>
-  <p:clrMapOvr>
-    <a:masterClrMapping/>
-  </p:clrMapOvr>
-</p:sld>
-</file>
-
-<file path=ppt/slides/slide38.xml><?xml version="1.0" encoding="utf-8"?>
-<p:sld xmlns:a="http://schemas.openxmlformats.org/drawingml/2006/main" xmlns:r="http://schemas.openxmlformats.org/officeDocument/2006/relationships" xmlns:p="http://schemas.openxmlformats.org/presentationml/2006/main">
-  <p:cSld>
-    <p:spTree>
-      <p:nvGrpSpPr>
-        <p:cNvPr id="1" name=""/>
-        <p:cNvGrpSpPr/>
-        <p:nvPr/>
-      </p:nvGrpSpPr>
-      <p:grpSpPr>
-        <a:xfrm>
-          <a:off x="0" y="0"/>
-          <a:ext cx="0" cy="0"/>
-          <a:chOff x="0" y="0"/>
-          <a:chExt cx="0" cy="0"/>
-        </a:xfrm>
-      </p:grpSpPr>
-      <p:sp>
-        <p:nvSpPr>
-          <p:cNvPr id="2" name="標題 1"/>
-          <p:cNvSpPr>
-            <a:spLocks noGrp="1"/>
-          </p:cNvSpPr>
-          <p:nvPr>
-            <p:ph type="title"/>
-          </p:nvPr>
-        </p:nvSpPr>
-        <p:spPr/>
-        <p:txBody>
-          <a:bodyPr/>
-          <a:lstStyle/>
-          <a:p>
-            <a:endParaRPr lang="zh-TW" altLang="en-US"/>
-          </a:p>
-        </p:txBody>
-      </p:sp>
-      <p:pic>
-        <p:nvPicPr>
-          <p:cNvPr id="5" name="內容版面配置區 4"/>
-          <p:cNvPicPr>
-            <a:picLocks noGrp="1" noChangeAspect="1"/>
-          </p:cNvPicPr>
-          <p:nvPr>
-            <p:ph idx="1"/>
-          </p:nvPr>
-        </p:nvPicPr>
-        <p:blipFill>
-          <a:blip r:embed="rId2">
-            <a:extLst>
-              <a:ext uri="{28A0092B-C50C-407E-A947-70E740481C1C}">
-                <a14:useLocalDpi xmlns:a14="http://schemas.microsoft.com/office/drawing/2010/main" val="0"/>
-              </a:ext>
-            </a:extLst>
-          </a:blip>
-          <a:stretch>
-            <a:fillRect/>
-          </a:stretch>
-        </p:blipFill>
-        <p:spPr>
-          <a:xfrm>
-            <a:off x="581443" y="1600200"/>
-            <a:ext cx="7981114" cy="4525963"/>
-          </a:xfrm>
-        </p:spPr>
-      </p:pic>
-      <p:sp>
-        <p:nvSpPr>
-          <p:cNvPr id="4" name="投影片編號版面配置區 3"/>
-          <p:cNvSpPr>
-            <a:spLocks noGrp="1"/>
-          </p:cNvSpPr>
-          <p:nvPr>
-            <p:ph type="sldNum" sz="quarter" idx="12"/>
-          </p:nvPr>
-        </p:nvSpPr>
-        <p:spPr/>
-        <p:txBody>
-          <a:bodyPr/>
-          <a:lstStyle/>
-          <a:p>
-            <a:pPr>
-              <a:defRPr/>
-            </a:pPr>
-            <a:fld id="{3DB7C113-B292-4711-9FA5-4E4B2395B52F}" type="slidenum">
-              <a:rPr lang="zh-TW" altLang="en-US" smtClean="0"/>
-              <a:pPr>
-                <a:defRPr/>
-              </a:pPr>
-              <a:t>38</a:t>
-            </a:fld>
-            <a:endParaRPr lang="zh-TW" altLang="en-US"/>
-          </a:p>
-        </p:txBody>
-      </p:sp>
-    </p:spTree>
-    <p:extLst>
-      <p:ext uri="{BB962C8B-B14F-4D97-AF65-F5344CB8AC3E}">
-        <p14:creationId xmlns:p14="http://schemas.microsoft.com/office/powerpoint/2010/main" val="2250589311"/>
+        <p14:creationId xmlns:p14="http://schemas.microsoft.com/office/powerpoint/2010/main" val="3611920576"/>
       </p:ext>
     </p:extLst>
   </p:cSld>
@@ -11576,8 +12737,32 @@
           <a:lstStyle/>
           <a:p>
             <a:r>
+              <a:rPr lang="zh-TW" altLang="zh-TW" sz="2000" dirty="0"/>
+              <a:t>本論文預計達成的目標為使用</a:t>
+            </a:r>
+            <a:r>
+              <a:rPr lang="en-US" altLang="zh-TW" sz="2000" dirty="0"/>
+              <a:t>Jenkins</a:t>
+            </a:r>
+            <a:r>
+              <a:rPr lang="zh-TW" altLang="zh-TW" sz="2000" dirty="0"/>
+              <a:t>與</a:t>
+            </a:r>
+            <a:r>
+              <a:rPr lang="en-US" altLang="zh-TW" sz="2000" dirty="0"/>
+              <a:t>Docker</a:t>
+            </a:r>
+            <a:r>
+              <a:rPr lang="zh-TW" altLang="zh-TW" sz="2000" dirty="0"/>
+              <a:t>實現自動化</a:t>
+            </a:r>
+            <a:r>
+              <a:rPr lang="zh-TW" altLang="zh-TW" sz="2000" dirty="0" smtClean="0"/>
+              <a:t>部署</a:t>
+            </a:r>
+            <a:r>
               <a:rPr lang="zh-TW" altLang="en-US" sz="2000" dirty="0" smtClean="0"/>
-              <a:t>提出自動化部署的方法。</a:t>
+              <a:t>。</a:t>
             </a:r>
             <a:endParaRPr lang="en-US" altLang="zh-TW" sz="2000" dirty="0" smtClean="0"/>
           </a:p>
@@ -11596,7 +12781,23 @@
             </a:r>
             <a:r>
               <a:rPr lang="zh-TW" altLang="en-US" sz="2000" dirty="0" smtClean="0"/>
-              <a:t>上，減少軟體上線所花費地時間。</a:t>
+              <a:t>上，</a:t>
+            </a:r>
+            <a:r>
+              <a:rPr lang="zh-TW" altLang="en-US" sz="2000" dirty="0" smtClean="0"/>
+              <a:t>減少</a:t>
+            </a:r>
+            <a:r>
+              <a:rPr lang="en-US" altLang="zh-TW" sz="2000" dirty="0" err="1" smtClean="0"/>
+              <a:t>Microservice</a:t>
+            </a:r>
+            <a:r>
+              <a:rPr lang="zh-TW" altLang="en-US" sz="2000" dirty="0" smtClean="0"/>
+              <a:t>上線</a:t>
+            </a:r>
+            <a:r>
+              <a:rPr lang="zh-TW" altLang="en-US" sz="2000" dirty="0" smtClean="0"/>
+              <a:t>所花費地時間。</a:t>
             </a:r>
             <a:endParaRPr lang="en-US" altLang="zh-TW" sz="2000" dirty="0" smtClean="0"/>
           </a:p>
@@ -12002,35 +13203,113 @@
             </a:r>
             <a:r>
               <a:rPr lang="zh-TW" altLang="zh-TW" sz="2000" dirty="0" smtClean="0"/>
-              <a:t>，版本</a:t>
+              <a:t>，</a:t>
+            </a:r>
+            <a:r>
+              <a:rPr lang="zh-TW" altLang="zh-TW" sz="2000" dirty="0"/>
+              <a:t>可通過圖形化介面為每個項目創建對應的構建</a:t>
+            </a:r>
+            <a:r>
+              <a:rPr lang="zh-TW" altLang="zh-TW" sz="2000" dirty="0" smtClean="0"/>
+              <a:t>任務</a:t>
             </a:r>
             <a:r>
               <a:rPr lang="zh-TW" altLang="en-US" sz="2000" dirty="0" smtClean="0"/>
-              <a:t>控制的</a:t>
-            </a:r>
-            <a:r>
-              <a:rPr lang="zh-TW" altLang="zh-TW" sz="2000" dirty="0" smtClean="0"/>
-              <a:t>管理軟體</a:t>
-            </a:r>
-            <a:r>
-              <a:rPr lang="zh-TW" altLang="en-US" sz="2000" dirty="0" smtClean="0"/>
-              <a:t>，。</a:t>
-            </a:r>
+              <a:t>。</a:t>
+            </a:r>
+            <a:endParaRPr lang="en-US" altLang="zh-TW" sz="2000" dirty="0">
+              <a:latin typeface="+mn-ea"/>
+              <a:ea typeface="+mn-ea"/>
+            </a:endParaRPr>
+          </a:p>
+          <a:p>
             <a:endParaRPr lang="en-US" altLang="zh-TW" sz="2000" dirty="0" smtClean="0">
               <a:latin typeface="+mn-ea"/>
               <a:ea typeface="+mn-ea"/>
             </a:endParaRPr>
           </a:p>
           <a:p>
+            <a:r>
+              <a:rPr lang="en-US" altLang="zh-TW" sz="2000" dirty="0" smtClean="0"/>
+              <a:t>Docker :</a:t>
+            </a:r>
             <a:endParaRPr lang="en-US" altLang="zh-TW" sz="2000" dirty="0" smtClean="0"/>
           </a:p>
           <a:p>
+            <a:r>
+              <a:rPr lang="zh-TW" altLang="zh-TW" sz="2000" dirty="0"/>
+              <a:t>近年來越來越多的企業使用</a:t>
+            </a:r>
             <a:r>
               <a:rPr lang="en-US" altLang="zh-TW" sz="2000" dirty="0" smtClean="0"/>
               <a:t>Docker</a:t>
             </a:r>
-          </a:p>
-          <a:p>
+            <a:r>
+              <a:rPr lang="zh-TW" altLang="zh-TW" sz="2000" dirty="0" smtClean="0"/>
+              <a:t>來</a:t>
+            </a:r>
+            <a:r>
+              <a:rPr lang="zh-TW" altLang="zh-TW" sz="2000" dirty="0"/>
+              <a:t>替換現有的虛擬化</a:t>
+            </a:r>
+            <a:r>
+              <a:rPr lang="zh-TW" altLang="zh-TW" sz="2000" dirty="0" smtClean="0"/>
+              <a:t>技術</a:t>
+            </a:r>
+            <a:r>
+              <a:rPr lang="zh-TW" altLang="en-US" sz="2000" dirty="0" smtClean="0"/>
+              <a:t>，</a:t>
+            </a:r>
+            <a:r>
+              <a:rPr lang="en-US" altLang="zh-TW" sz="2000" dirty="0" smtClean="0"/>
+              <a:t>Docker</a:t>
+            </a:r>
+            <a:r>
+              <a:rPr lang="zh-TW" altLang="zh-TW" sz="2000" dirty="0"/>
+              <a:t>是</a:t>
+            </a:r>
+            <a:r>
+              <a:rPr lang="zh-TW" altLang="zh-TW" sz="2000" dirty="0" smtClean="0"/>
+              <a:t>一</a:t>
+            </a:r>
+            <a:endParaRPr lang="en-US" altLang="zh-TW" sz="2000" dirty="0" smtClean="0"/>
+          </a:p>
+          <a:p>
+            <a:r>
+              <a:rPr lang="zh-TW" altLang="zh-TW" sz="2000" dirty="0" smtClean="0"/>
+              <a:t>個</a:t>
+            </a:r>
+            <a:r>
+              <a:rPr lang="zh-TW" altLang="zh-TW" sz="2000" dirty="0"/>
+              <a:t>容器能將應用程式進行</a:t>
+            </a:r>
+            <a:r>
+              <a:rPr lang="zh-TW" altLang="zh-TW" sz="2000" dirty="0" smtClean="0"/>
+              <a:t>封裝</a:t>
+            </a:r>
+            <a:r>
+              <a:rPr lang="zh-TW" altLang="en-US" sz="2000" dirty="0" smtClean="0"/>
+              <a:t>，</a:t>
+            </a:r>
+            <a:r>
+              <a:rPr lang="zh-TW" altLang="zh-TW" sz="2000" dirty="0"/>
+              <a:t>在一台伺服器上可啟動上千個</a:t>
+            </a:r>
+            <a:r>
+              <a:rPr lang="en-US" altLang="zh-TW" sz="2000" dirty="0"/>
+              <a:t>Docker</a:t>
+            </a:r>
+            <a:r>
+              <a:rPr lang="zh-TW" altLang="zh-TW" sz="2000" dirty="0" smtClean="0"/>
+              <a:t>容器</a:t>
+            </a:r>
+            <a:endParaRPr lang="en-US" altLang="zh-TW" sz="2000" dirty="0" smtClean="0"/>
+          </a:p>
+          <a:p>
+            <a:r>
+              <a:rPr lang="zh-TW" altLang="en-US" sz="2000" dirty="0" smtClean="0"/>
+              <a:t>。</a:t>
+            </a:r>
             <a:endParaRPr lang="zh-TW" altLang="en-US" sz="2000" dirty="0"/>
           </a:p>
         </p:txBody>
@@ -12064,6 +13343,36 @@
           </a:p>
         </p:txBody>
       </p:sp>
+      <p:pic>
+        <p:nvPicPr>
+          <p:cNvPr id="5" name="圖片 4"/>
+          <p:cNvPicPr>
+            <a:picLocks noChangeAspect="1"/>
+          </p:cNvPicPr>
+          <p:nvPr/>
+        </p:nvPicPr>
+        <p:blipFill>
+          <a:blip r:embed="rId2" cstate="print">
+            <a:extLst>
+              <a:ext uri="{28A0092B-C50C-407E-A947-70E740481C1C}">
+                <a14:useLocalDpi xmlns:a14="http://schemas.microsoft.com/office/drawing/2010/main" val="0"/>
+              </a:ext>
+            </a:extLst>
+          </a:blip>
+          <a:stretch>
+            <a:fillRect/>
+          </a:stretch>
+        </p:blipFill>
+        <p:spPr>
+          <a:xfrm>
+            <a:off x="5868144" y="4258569"/>
+            <a:ext cx="2818656" cy="2006500"/>
+          </a:xfrm>
+          <a:prstGeom prst="rect">
+            <a:avLst/>
+          </a:prstGeom>
+        </p:spPr>
+      </p:pic>
     </p:spTree>
     <p:extLst>
       <p:ext uri="{BB962C8B-B14F-4D97-AF65-F5344CB8AC3E}">
@@ -12110,8 +13419,8 @@
           <a:lstStyle/>
           <a:p>
             <a:r>
-              <a:rPr lang="zh-TW" altLang="en-US" dirty="0" smtClean="0"/>
-              <a:t>研究方法</a:t>
+              <a:rPr lang="en-US" altLang="zh-TW" dirty="0" err="1" smtClean="0"/>
+              <a:t>Microservice</a:t>
             </a:r>
             <a:endParaRPr lang="zh-TW" altLang="en-US" dirty="0"/>
           </a:p>
@@ -12132,7 +13441,116 @@
           <a:bodyPr/>
           <a:lstStyle/>
           <a:p>
-            <a:endParaRPr lang="zh-TW" altLang="en-US"/>
+            <a:r>
+              <a:rPr lang="en-US" altLang="zh-TW" sz="2000" b="1" dirty="0" err="1"/>
+              <a:t>ezScrum</a:t>
+            </a:r>
+            <a:r>
+              <a:rPr lang="en-US" altLang="zh-TW" sz="2000" b="1" dirty="0"/>
+              <a:t> </a:t>
+            </a:r>
+            <a:r>
+              <a:rPr lang="en-US" altLang="zh-TW" sz="2000" b="1" dirty="0" err="1" smtClean="0"/>
+              <a:t>AccountManagement</a:t>
+            </a:r>
+            <a:r>
+              <a:rPr lang="en-US" altLang="zh-TW" sz="2000" b="1" dirty="0" smtClean="0"/>
+              <a:t> :</a:t>
+            </a:r>
+          </a:p>
+          <a:p>
+            <a:r>
+              <a:rPr lang="zh-TW" altLang="zh-TW" sz="2000" dirty="0"/>
+              <a:t>根據</a:t>
+            </a:r>
+            <a:r>
+              <a:rPr lang="zh-TW" altLang="zh-TW" sz="2000" dirty="0" smtClean="0"/>
+              <a:t>鄭安發提出</a:t>
+            </a:r>
+            <a:r>
+              <a:rPr lang="zh-TW" altLang="zh-TW" sz="2000" dirty="0"/>
+              <a:t>的論文，將</a:t>
+            </a:r>
+            <a:r>
+              <a:rPr lang="en-US" altLang="zh-TW" sz="2000" dirty="0"/>
+              <a:t>Account Management</a:t>
+            </a:r>
+            <a:r>
+              <a:rPr lang="zh-TW" altLang="zh-TW" sz="2000" dirty="0"/>
+              <a:t>從</a:t>
+            </a:r>
+            <a:r>
+              <a:rPr lang="en-US" altLang="zh-TW" sz="2000" dirty="0" err="1"/>
+              <a:t>ezScrum</a:t>
+            </a:r>
+            <a:r>
+              <a:rPr lang="zh-TW" altLang="zh-TW" sz="2000" dirty="0"/>
+              <a:t>中獨立出來成為一個</a:t>
+            </a:r>
+            <a:r>
+              <a:rPr lang="en-US" altLang="zh-TW" sz="2000" dirty="0" err="1"/>
+              <a:t>MicroService</a:t>
+            </a:r>
+            <a:r>
+              <a:rPr lang="zh-TW" altLang="zh-TW" sz="2000" dirty="0"/>
+              <a:t>，主要實現使用者帳戶的管理功能。</a:t>
+            </a:r>
+          </a:p>
+          <a:p>
+            <a:endParaRPr lang="en-US" altLang="zh-TW" sz="2000" b="1" dirty="0" smtClean="0"/>
+          </a:p>
+          <a:p>
+            <a:r>
+              <a:rPr lang="en-US" altLang="zh-TW" sz="2000" b="1" dirty="0" err="1"/>
+              <a:t>ezScrum</a:t>
+            </a:r>
+            <a:r>
+              <a:rPr lang="en-US" altLang="zh-TW" sz="2000" b="1" dirty="0"/>
+              <a:t> </a:t>
+            </a:r>
+            <a:r>
+              <a:rPr lang="en-US" altLang="zh-TW" sz="2000" b="1" dirty="0" smtClean="0"/>
+              <a:t>Notification :</a:t>
+            </a:r>
+          </a:p>
+          <a:p>
+            <a:r>
+              <a:rPr lang="zh-TW" altLang="zh-TW" sz="2000" dirty="0"/>
+              <a:t>根據歐律</a:t>
+            </a:r>
+            <a:r>
+              <a:rPr lang="zh-TW" altLang="zh-TW" sz="2000" dirty="0" smtClean="0"/>
+              <a:t>佑提出</a:t>
+            </a:r>
+            <a:r>
+              <a:rPr lang="zh-TW" altLang="zh-TW" sz="2000" dirty="0"/>
+              <a:t>的論文，在</a:t>
+            </a:r>
+            <a:r>
+              <a:rPr lang="en-US" altLang="zh-TW" sz="2000" dirty="0" err="1"/>
+              <a:t>ezScrum</a:t>
+            </a:r>
+            <a:r>
+              <a:rPr lang="zh-TW" altLang="zh-TW" sz="2000" dirty="0"/>
+              <a:t>新增</a:t>
+            </a:r>
+            <a:r>
+              <a:rPr lang="en-US" altLang="zh-TW" sz="2000" dirty="0"/>
+              <a:t>Notification</a:t>
+            </a:r>
+            <a:r>
+              <a:rPr lang="zh-TW" altLang="zh-TW" sz="2000" dirty="0"/>
+              <a:t>功能，讓使用者在拉動</a:t>
+            </a:r>
+            <a:r>
+              <a:rPr lang="en-US" altLang="zh-TW" sz="2000" dirty="0" err="1"/>
+              <a:t>TaskBoard</a:t>
+            </a:r>
+            <a:r>
+              <a:rPr lang="zh-TW" altLang="zh-TW" sz="2000" dirty="0"/>
+              <a:t>時，在同一個專案的其它使用者可以接收到通知。</a:t>
+            </a:r>
+            <a:endParaRPr lang="en-US" altLang="zh-TW" sz="2000" b="1" dirty="0" smtClean="0"/>
           </a:p>
         </p:txBody>
       </p:sp>
@@ -12168,7 +13586,7 @@
     </p:spTree>
     <p:extLst>
       <p:ext uri="{BB962C8B-B14F-4D97-AF65-F5344CB8AC3E}">
-        <p14:creationId xmlns:p14="http://schemas.microsoft.com/office/powerpoint/2010/main" val="3444823952"/>
+        <p14:creationId xmlns:p14="http://schemas.microsoft.com/office/powerpoint/2010/main" val="2843213000"/>
       </p:ext>
     </p:extLst>
   </p:cSld>

--- a/Oral.pptx
+++ b/Oral.pptx
@@ -414,7 +414,7 @@
               <a:pPr>
                 <a:defRPr/>
               </a:pPr>
-              <a:t>2017/10/28</a:t>
+              <a:t>2017/10/31</a:t>
             </a:fld>
             <a:endParaRPr lang="zh-TW" altLang="en-US"/>
           </a:p>
@@ -2227,7 +2227,7 @@
               <a:pPr>
                 <a:defRPr/>
               </a:pPr>
-              <a:t>2017/10/28</a:t>
+              <a:t>2017/10/31</a:t>
             </a:fld>
             <a:endParaRPr lang="zh-TW" altLang="en-US"/>
           </a:p>
@@ -2422,7 +2422,7 @@
               <a:pPr>
                 <a:defRPr/>
               </a:pPr>
-              <a:t>2017/10/28</a:t>
+              <a:t>2017/10/31</a:t>
             </a:fld>
             <a:endParaRPr lang="zh-TW" altLang="en-US"/>
           </a:p>
@@ -2627,7 +2627,7 @@
               <a:pPr>
                 <a:defRPr/>
               </a:pPr>
-              <a:t>2017/10/28</a:t>
+              <a:t>2017/10/31</a:t>
             </a:fld>
             <a:endParaRPr lang="zh-TW" altLang="en-US"/>
           </a:p>
@@ -2804,7 +2804,7 @@
               <a:pPr>
                 <a:defRPr/>
               </a:pPr>
-              <a:t>2017/10/28</a:t>
+              <a:t>2017/10/31</a:t>
             </a:fld>
             <a:endParaRPr lang="zh-TW" altLang="en-US"/>
           </a:p>
@@ -3053,7 +3053,7 @@
               <a:pPr>
                 <a:defRPr/>
               </a:pPr>
-              <a:t>2017/10/28</a:t>
+              <a:t>2017/10/31</a:t>
             </a:fld>
             <a:endParaRPr lang="zh-TW" altLang="en-US"/>
           </a:p>
@@ -3324,7 +3324,7 @@
               <a:pPr>
                 <a:defRPr/>
               </a:pPr>
-              <a:t>2017/10/28</a:t>
+              <a:t>2017/10/31</a:t>
             </a:fld>
             <a:endParaRPr lang="zh-TW" altLang="en-US"/>
           </a:p>
@@ -3637,7 +3637,7 @@
               <a:pPr>
                 <a:defRPr/>
               </a:pPr>
-              <a:t>2017/10/28</a:t>
+              <a:t>2017/10/31</a:t>
             </a:fld>
             <a:endParaRPr lang="zh-TW" altLang="en-US"/>
           </a:p>
@@ -4084,7 +4084,7 @@
               <a:pPr>
                 <a:defRPr/>
               </a:pPr>
-              <a:t>2017/10/28</a:t>
+              <a:t>2017/10/31</a:t>
             </a:fld>
             <a:endParaRPr lang="zh-TW" altLang="en-US"/>
           </a:p>
@@ -4227,7 +4227,7 @@
               <a:pPr>
                 <a:defRPr/>
               </a:pPr>
-              <a:t>2017/10/28</a:t>
+              <a:t>2017/10/31</a:t>
             </a:fld>
             <a:endParaRPr lang="zh-TW" altLang="en-US"/>
           </a:p>
@@ -4347,7 +4347,7 @@
               <a:pPr>
                 <a:defRPr/>
               </a:pPr>
-              <a:t>2017/10/28</a:t>
+              <a:t>2017/10/31</a:t>
             </a:fld>
             <a:endParaRPr lang="zh-TW" altLang="en-US"/>
           </a:p>
@@ -4649,7 +4649,7 @@
               <a:pPr>
                 <a:defRPr/>
               </a:pPr>
-              <a:t>2017/10/28</a:t>
+              <a:t>2017/10/31</a:t>
             </a:fld>
             <a:endParaRPr lang="zh-TW" altLang="en-US"/>
           </a:p>
@@ -4934,7 +4934,7 @@
               <a:pPr>
                 <a:defRPr/>
               </a:pPr>
-              <a:t>2017/10/28</a:t>
+              <a:t>2017/10/31</a:t>
             </a:fld>
             <a:endParaRPr lang="zh-TW" altLang="en-US"/>
           </a:p>
@@ -5200,7 +5200,7 @@
               <a:pPr>
                 <a:defRPr/>
               </a:pPr>
-              <a:t>2017/10/28</a:t>
+              <a:t>2017/10/31</a:t>
             </a:fld>
             <a:endParaRPr lang="zh-TW" altLang="en-US"/>
           </a:p>
@@ -6268,6 +6268,13 @@
   <p:clrMapOvr>
     <a:masterClrMapping/>
   </p:clrMapOvr>
+  <p:timing>
+    <p:tnLst>
+      <p:par>
+        <p:cTn id="1" dur="indefinite" restart="never" nodeType="tmRoot"/>
+      </p:par>
+    </p:tnLst>
+  </p:timing>
 </p:sld>
 </file>
 
@@ -6326,154 +6333,169 @@
           <a:bodyPr/>
           <a:lstStyle/>
           <a:p>
-            <a:r>
-              <a:rPr lang="zh-TW" altLang="en-US" sz="2000" dirty="0"/>
+            <a:pPr marL="0" indent="0">
+              <a:buNone/>
+            </a:pPr>
+            <a:r>
+              <a:rPr lang="zh-TW" altLang="en-US" sz="2800" dirty="0"/>
               <a:t>手動部署要經過的步驟 </a:t>
             </a:r>
             <a:r>
-              <a:rPr lang="en-US" altLang="zh-TW" sz="2000" dirty="0"/>
+              <a:rPr lang="en-US" altLang="zh-TW" sz="2800" dirty="0"/>
               <a:t>:</a:t>
             </a:r>
             <a:r>
-              <a:rPr lang="zh-TW" altLang="en-US" sz="2000" dirty="0"/>
+              <a:rPr lang="zh-TW" altLang="en-US" sz="2800" dirty="0"/>
               <a:t> </a:t>
             </a:r>
-            <a:endParaRPr lang="en-US" altLang="zh-TW" sz="2000" dirty="0"/>
-          </a:p>
-          <a:p>
-            <a:r>
-              <a:rPr lang="en-US" altLang="zh-TW" sz="2000" dirty="0" smtClean="0"/>
+            <a:endParaRPr lang="en-US" altLang="zh-TW" sz="2800" dirty="0"/>
+          </a:p>
+          <a:p>
+            <a:pPr marL="0" indent="0">
+              <a:buNone/>
+            </a:pPr>
+            <a:r>
+              <a:rPr lang="en-US" altLang="zh-TW" sz="2800" dirty="0" smtClean="0"/>
               <a:t>1.</a:t>
             </a:r>
             <a:r>
-              <a:rPr lang="zh-TW" altLang="zh-TW" sz="2000" dirty="0"/>
+              <a:rPr lang="zh-TW" altLang="zh-TW" sz="2800" dirty="0"/>
               <a:t>從</a:t>
             </a:r>
             <a:r>
-              <a:rPr lang="en-US" altLang="zh-TW" sz="2000" dirty="0"/>
+              <a:rPr lang="en-US" altLang="zh-TW" sz="2800" dirty="0"/>
               <a:t>GitHub</a:t>
             </a:r>
             <a:r>
-              <a:rPr lang="zh-TW" altLang="zh-TW" sz="2000" dirty="0"/>
+              <a:rPr lang="zh-TW" altLang="zh-TW" sz="2800" dirty="0"/>
               <a:t>中下載</a:t>
             </a:r>
             <a:r>
-              <a:rPr lang="zh-TW" altLang="zh-TW" sz="2000" dirty="0" smtClean="0"/>
+              <a:rPr lang="zh-TW" altLang="zh-TW" sz="2800" dirty="0" smtClean="0"/>
               <a:t>程式碼</a:t>
             </a:r>
-            <a:endParaRPr lang="en-US" altLang="zh-TW" sz="2000" dirty="0" smtClean="0"/>
-          </a:p>
-          <a:p>
-            <a:r>
-              <a:rPr lang="en-US" altLang="zh-TW" sz="2000" dirty="0"/>
+            <a:endParaRPr lang="en-US" altLang="zh-TW" sz="2800" dirty="0" smtClean="0"/>
+          </a:p>
+          <a:p>
+            <a:pPr marL="0" indent="0">
+              <a:buNone/>
+            </a:pPr>
+            <a:r>
+              <a:rPr lang="en-US" altLang="zh-TW" sz="2800" dirty="0"/>
               <a:t>2</a:t>
             </a:r>
             <a:r>
-              <a:rPr lang="en-US" altLang="zh-TW" sz="2000" dirty="0" smtClean="0"/>
+              <a:rPr lang="en-US" altLang="zh-TW" sz="2800" dirty="0" smtClean="0"/>
               <a:t>.</a:t>
             </a:r>
             <a:r>
-              <a:rPr lang="zh-TW" altLang="en-US" sz="2000" dirty="0" smtClean="0"/>
+              <a:rPr lang="zh-TW" altLang="en-US" sz="2800" dirty="0" smtClean="0"/>
               <a:t>下載</a:t>
             </a:r>
             <a:r>
-              <a:rPr lang="zh-TW" altLang="en-US" sz="2000" dirty="0"/>
+              <a:rPr lang="zh-TW" altLang="en-US" sz="2800" dirty="0"/>
               <a:t>與安裝要編譯與執行的</a:t>
             </a:r>
             <a:r>
-              <a:rPr lang="en-US" altLang="zh-TW" sz="2000" dirty="0"/>
+              <a:rPr lang="en-US" altLang="zh-TW" sz="2800" dirty="0"/>
               <a:t>IDE </a:t>
             </a:r>
             <a:r>
-              <a:rPr lang="en-US" altLang="zh-TW" sz="2000" dirty="0" smtClean="0"/>
+              <a:rPr lang="en-US" altLang="zh-TW" sz="2800" dirty="0" smtClean="0"/>
               <a:t>:</a:t>
             </a:r>
             <a:r>
-              <a:rPr lang="zh-TW" altLang="en-US" sz="2000" dirty="0" smtClean="0"/>
+              <a:rPr lang="zh-TW" altLang="en-US" sz="2800" dirty="0" smtClean="0"/>
               <a:t> </a:t>
             </a:r>
             <a:r>
-              <a:rPr lang="en-US" altLang="zh-TW" sz="2000" dirty="0" err="1"/>
+              <a:rPr lang="en-US" altLang="zh-TW" sz="2800" dirty="0" err="1"/>
               <a:t>Intellij</a:t>
             </a:r>
             <a:r>
-              <a:rPr lang="en-US" altLang="zh-TW" sz="2000" dirty="0"/>
+              <a:rPr lang="en-US" altLang="zh-TW" sz="2800" dirty="0"/>
               <a:t> </a:t>
             </a:r>
             <a:r>
-              <a:rPr lang="en-US" altLang="zh-TW" sz="2000" dirty="0" smtClean="0"/>
+              <a:rPr lang="en-US" altLang="zh-TW" sz="2800" dirty="0" smtClean="0"/>
               <a:t>IDE</a:t>
             </a:r>
             <a:r>
-              <a:rPr lang="zh-TW" altLang="en-US" sz="2000" dirty="0" smtClean="0"/>
+              <a:rPr lang="zh-TW" altLang="en-US" sz="2800" dirty="0" smtClean="0"/>
               <a:t>與</a:t>
             </a:r>
             <a:r>
-              <a:rPr lang="zh-TW" altLang="en-US" sz="2000" dirty="0" smtClean="0">
+              <a:rPr lang="zh-TW" altLang="en-US" sz="2800" dirty="0" smtClean="0">
                 <a:latin typeface="標楷體" panose="03000509000000000000" pitchFamily="65" charset="-120"/>
               </a:rPr>
               <a:t>設定</a:t>
             </a:r>
             <a:r>
-              <a:rPr lang="zh-TW" altLang="en-US" sz="2000" dirty="0">
+              <a:rPr lang="zh-TW" altLang="en-US" sz="2800" dirty="0">
                 <a:latin typeface="標楷體" panose="03000509000000000000" pitchFamily="65" charset="-120"/>
               </a:rPr>
               <a:t>要執行環境變數</a:t>
             </a:r>
             <a:r>
-              <a:rPr lang="en-US" altLang="zh-TW" sz="2000" dirty="0">
+              <a:rPr lang="en-US" altLang="zh-TW" sz="2800" dirty="0">
                 <a:latin typeface="標楷體" panose="03000509000000000000" pitchFamily="65" charset="-120"/>
               </a:rPr>
               <a:t>(Spring boot</a:t>
             </a:r>
             <a:r>
-              <a:rPr lang="en-US" altLang="zh-TW" sz="2000" dirty="0" smtClean="0">
+              <a:rPr lang="en-US" altLang="zh-TW" sz="2800" dirty="0" smtClean="0">
                 <a:latin typeface="標楷體" panose="03000509000000000000" pitchFamily="65" charset="-120"/>
               </a:rPr>
               <a:t>)</a:t>
             </a:r>
           </a:p>
           <a:p>
-            <a:r>
-              <a:rPr lang="en-US" altLang="zh-TW" sz="2000" dirty="0">
+            <a:pPr marL="0" indent="0">
+              <a:buNone/>
+            </a:pPr>
+            <a:r>
+              <a:rPr lang="en-US" altLang="zh-TW" sz="2800" dirty="0">
                 <a:latin typeface="標楷體" panose="03000509000000000000" pitchFamily="65" charset="-120"/>
               </a:rPr>
               <a:t>3</a:t>
             </a:r>
             <a:r>
-              <a:rPr lang="en-US" altLang="zh-TW" sz="2000" dirty="0" smtClean="0">
+              <a:rPr lang="en-US" altLang="zh-TW" sz="2800" dirty="0" smtClean="0">
                 <a:latin typeface="標楷體" panose="03000509000000000000" pitchFamily="65" charset="-120"/>
               </a:rPr>
               <a:t>.</a:t>
             </a:r>
             <a:r>
-              <a:rPr lang="zh-TW" altLang="en-US" sz="2000" dirty="0" smtClean="0">
+              <a:rPr lang="zh-TW" altLang="en-US" sz="2800" dirty="0" smtClean="0">
                 <a:latin typeface="標楷體" panose="03000509000000000000" pitchFamily="65" charset="-120"/>
               </a:rPr>
               <a:t>跑單元測試</a:t>
             </a:r>
-            <a:endParaRPr lang="en-US" altLang="zh-TW" sz="2000" dirty="0" smtClean="0">
+            <a:endParaRPr lang="en-US" altLang="zh-TW" sz="2800" dirty="0" smtClean="0">
               <a:latin typeface="標楷體" panose="03000509000000000000" pitchFamily="65" charset="-120"/>
             </a:endParaRPr>
           </a:p>
           <a:p>
-            <a:r>
-              <a:rPr lang="en-US" altLang="zh-TW" sz="2000" dirty="0" smtClean="0">
+            <a:pPr marL="0" indent="0">
+              <a:buNone/>
+            </a:pPr>
+            <a:r>
+              <a:rPr lang="en-US" altLang="zh-TW" sz="2800" dirty="0" smtClean="0">
                 <a:latin typeface="標楷體" panose="03000509000000000000" pitchFamily="65" charset="-120"/>
               </a:rPr>
               <a:t>4.</a:t>
             </a:r>
             <a:r>
-              <a:rPr lang="zh-TW" altLang="en-US" sz="2000" dirty="0" smtClean="0">
+              <a:rPr lang="zh-TW" altLang="en-US" sz="2800" dirty="0" smtClean="0">
                 <a:latin typeface="標楷體" panose="03000509000000000000" pitchFamily="65" charset="-120"/>
               </a:rPr>
               <a:t>啟動</a:t>
             </a:r>
             <a:r>
-              <a:rPr lang="en-US" altLang="zh-TW" sz="2000" dirty="0" err="1" smtClean="0"/>
+              <a:rPr lang="en-US" altLang="zh-TW" sz="2800" dirty="0" err="1" smtClean="0"/>
               <a:t>Microservice</a:t>
             </a:r>
-            <a:endParaRPr lang="en-US" altLang="zh-TW" sz="2000" dirty="0">
+            <a:endParaRPr lang="en-US" altLang="zh-TW" sz="2800" dirty="0">
               <a:latin typeface="標楷體" panose="03000509000000000000" pitchFamily="65" charset="-120"/>
             </a:endParaRPr>
           </a:p>
@@ -6521,6 +6543,13 @@
   <p:clrMapOvr>
     <a:masterClrMapping/>
   </p:clrMapOvr>
+  <p:timing>
+    <p:tnLst>
+      <p:par>
+        <p:cTn id="1" dur="indefinite" restart="never" nodeType="tmRoot"/>
+      </p:par>
+    </p:tnLst>
+  </p:timing>
 </p:sld>
 </file>
 
@@ -6584,13 +6613,12 @@
           <a:bodyPr/>
           <a:lstStyle/>
           <a:p>
+            <a:pPr marL="0" indent="0">
+              <a:buNone/>
+            </a:pPr>
             <a:r>
               <a:rPr lang="en-US" altLang="zh-TW" sz="2000" dirty="0" smtClean="0"/>
-              <a:t>1</a:t>
-            </a:r>
-            <a:r>
-              <a:rPr lang="en-US" altLang="zh-TW" sz="2000" dirty="0" smtClean="0"/>
-              <a:t>.</a:t>
+              <a:t>1.</a:t>
             </a:r>
             <a:r>
               <a:rPr lang="zh-TW" altLang="en-US" sz="2000" dirty="0" smtClean="0"/>
@@ -6959,6 +6987,9 @@
           <a:bodyPr/>
           <a:lstStyle/>
           <a:p>
+            <a:pPr marL="0" indent="0">
+              <a:buNone/>
+            </a:pPr>
             <a:r>
               <a:rPr lang="en-US" altLang="zh-TW" sz="2000" dirty="0" smtClean="0"/>
               <a:t>2.</a:t>
@@ -7105,17 +7136,14 @@
           <a:bodyPr/>
           <a:lstStyle/>
           <a:p>
+            <a:pPr marL="0" indent="0">
+              <a:buNone/>
+            </a:pPr>
             <a:r>
               <a:rPr lang="zh-TW" altLang="en-US" sz="2000" dirty="0" smtClean="0">
                 <a:latin typeface="標楷體" panose="03000509000000000000" pitchFamily="65" charset="-120"/>
               </a:rPr>
-              <a:t>設定</a:t>
-            </a:r>
-            <a:r>
-              <a:rPr lang="zh-TW" altLang="en-US" sz="2000" dirty="0" smtClean="0">
-                <a:latin typeface="標楷體" panose="03000509000000000000" pitchFamily="65" charset="-120"/>
-              </a:rPr>
-              <a:t>要執行環境變數</a:t>
+              <a:t>設定要執行環境變數</a:t>
             </a:r>
             <a:r>
               <a:rPr lang="en-US" altLang="zh-TW" sz="2000" dirty="0" smtClean="0">
@@ -7253,6 +7281,9 @@
           <a:bodyPr/>
           <a:lstStyle/>
           <a:p>
+            <a:pPr marL="0" indent="0">
+              <a:buNone/>
+            </a:pPr>
             <a:r>
               <a:rPr lang="en-US" altLang="zh-TW" sz="2000" dirty="0"/>
               <a:t>3</a:t>
@@ -7396,6 +7427,9 @@
           <a:bodyPr/>
           <a:lstStyle/>
           <a:p>
+            <a:pPr marL="0" indent="0">
+              <a:buNone/>
+            </a:pPr>
             <a:r>
               <a:rPr lang="en-US" altLang="zh-TW" sz="2000" dirty="0"/>
               <a:t>4</a:t>
@@ -7541,7 +7575,12 @@
             <p:ph idx="1"/>
           </p:nvPr>
         </p:nvSpPr>
-        <p:spPr/>
+        <p:spPr>
+          <a:xfrm>
+            <a:off x="457200" y="1600200"/>
+            <a:ext cx="8229600" cy="5069160"/>
+          </a:xfrm>
+        </p:spPr>
         <p:txBody>
           <a:bodyPr/>
           <a:lstStyle/>
@@ -7567,85 +7606,112 @@
             <a:endParaRPr lang="en-US" altLang="zh-TW" sz="2000" dirty="0" smtClean="0"/>
           </a:p>
           <a:p>
-            <a:r>
-              <a:rPr lang="zh-TW" altLang="zh-TW" sz="2000" dirty="0" smtClean="0"/>
+            <a:pPr marL="0" indent="0">
+              <a:buNone/>
+            </a:pPr>
+            <a:r>
+              <a:rPr lang="zh-TW" altLang="zh-TW" sz="2400" dirty="0" smtClean="0"/>
               <a:t>步驟</a:t>
             </a:r>
             <a:r>
-              <a:rPr lang="en-US" altLang="zh-TW" sz="2000" dirty="0" smtClean="0"/>
+              <a:rPr lang="en-US" altLang="zh-TW" sz="2400" dirty="0" smtClean="0"/>
               <a:t> </a:t>
             </a:r>
             <a:r>
-              <a:rPr lang="en-US" altLang="zh-TW" sz="2000" dirty="0"/>
+              <a:rPr lang="en-US" altLang="zh-TW" sz="2400" dirty="0"/>
               <a:t>: </a:t>
             </a:r>
-            <a:endParaRPr lang="zh-TW" altLang="zh-TW" sz="2000" dirty="0"/>
-          </a:p>
-          <a:p>
-            <a:r>
-              <a:rPr lang="en-US" altLang="zh-TW" sz="2000" dirty="0"/>
+            <a:endParaRPr lang="zh-TW" altLang="zh-TW" sz="2400" dirty="0"/>
+          </a:p>
+          <a:p>
+            <a:pPr marL="0" indent="0">
+              <a:buNone/>
+            </a:pPr>
+            <a:r>
+              <a:rPr lang="en-US" altLang="zh-TW" sz="2400" dirty="0"/>
               <a:t>1.</a:t>
             </a:r>
             <a:r>
-              <a:rPr lang="zh-TW" altLang="zh-TW" sz="2000" dirty="0"/>
-              <a:t>自動跑單一服務的單元測</a:t>
-            </a:r>
-            <a:r>
-              <a:rPr lang="en-US" altLang="zh-TW" sz="2000" dirty="0"/>
-              <a:t>(Unit Test)</a:t>
-            </a:r>
-            <a:endParaRPr lang="zh-TW" altLang="zh-TW" sz="2000" dirty="0"/>
-          </a:p>
-          <a:p>
-            <a:r>
-              <a:rPr lang="en-US" altLang="zh-TW" sz="2000" dirty="0"/>
+              <a:rPr lang="zh-TW" altLang="zh-TW" sz="2400" dirty="0"/>
+              <a:t>自動跑單一服務的單元</a:t>
+            </a:r>
+            <a:r>
+              <a:rPr lang="zh-TW" altLang="zh-TW" sz="2400" dirty="0" smtClean="0"/>
+              <a:t>測</a:t>
+            </a:r>
+            <a:r>
+              <a:rPr lang="zh-TW" altLang="en-US" sz="2400" dirty="0"/>
+              <a:t>試</a:t>
+            </a:r>
+            <a:r>
+              <a:rPr lang="en-US" altLang="zh-TW" sz="2400" dirty="0" smtClean="0"/>
+              <a:t>(Unit </a:t>
+            </a:r>
+            <a:r>
+              <a:rPr lang="en-US" altLang="zh-TW" sz="2400" dirty="0"/>
+              <a:t>Test)</a:t>
+            </a:r>
+            <a:endParaRPr lang="zh-TW" altLang="zh-TW" sz="2400" dirty="0"/>
+          </a:p>
+          <a:p>
+            <a:pPr marL="0" indent="0">
+              <a:buNone/>
+            </a:pPr>
+            <a:r>
+              <a:rPr lang="en-US" altLang="zh-TW" sz="2400" dirty="0"/>
               <a:t>2.</a:t>
             </a:r>
             <a:r>
-              <a:rPr lang="zh-TW" altLang="zh-TW" sz="2000" dirty="0"/>
+              <a:rPr lang="zh-TW" altLang="zh-TW" sz="2400" dirty="0"/>
               <a:t>建置</a:t>
             </a:r>
             <a:r>
-              <a:rPr lang="en-US" altLang="zh-TW" sz="2000" dirty="0"/>
+              <a:rPr lang="en-US" altLang="zh-TW" sz="2400" dirty="0"/>
               <a:t>jar</a:t>
             </a:r>
             <a:r>
-              <a:rPr lang="zh-TW" altLang="zh-TW" sz="2000" dirty="0"/>
+              <a:rPr lang="zh-TW" altLang="zh-TW" sz="2400" dirty="0"/>
               <a:t>的執行包</a:t>
             </a:r>
           </a:p>
           <a:p>
-            <a:r>
-              <a:rPr lang="en-US" altLang="zh-TW" sz="2000" dirty="0"/>
+            <a:pPr marL="0" indent="0">
+              <a:buNone/>
+            </a:pPr>
+            <a:r>
+              <a:rPr lang="en-US" altLang="zh-TW" sz="2400" dirty="0"/>
               <a:t>3.</a:t>
             </a:r>
             <a:r>
-              <a:rPr lang="zh-TW" altLang="zh-TW" sz="2000" dirty="0"/>
+              <a:rPr lang="zh-TW" altLang="zh-TW" sz="2400" dirty="0"/>
               <a:t>使用</a:t>
             </a:r>
             <a:r>
-              <a:rPr lang="en-US" altLang="zh-TW" sz="2000" dirty="0"/>
+              <a:rPr lang="en-US" altLang="zh-TW" sz="2400" dirty="0"/>
               <a:t>Docker</a:t>
             </a:r>
             <a:r>
-              <a:rPr lang="zh-TW" altLang="zh-TW" sz="2000" dirty="0"/>
+              <a:rPr lang="zh-TW" altLang="zh-TW" sz="2400" dirty="0"/>
               <a:t>建立映像</a:t>
             </a:r>
           </a:p>
           <a:p>
-            <a:r>
-              <a:rPr lang="en-US" altLang="zh-TW" sz="2000" dirty="0"/>
+            <a:pPr marL="0" indent="0">
+              <a:buNone/>
+            </a:pPr>
+            <a:r>
+              <a:rPr lang="en-US" altLang="zh-TW" sz="2400" dirty="0"/>
               <a:t>4.</a:t>
             </a:r>
             <a:r>
-              <a:rPr lang="zh-TW" altLang="zh-TW" sz="2000" dirty="0"/>
+              <a:rPr lang="zh-TW" altLang="zh-TW" sz="2400" dirty="0"/>
               <a:t>自動啟動單一</a:t>
             </a:r>
             <a:r>
-              <a:rPr lang="zh-TW" altLang="zh-TW" sz="2000" dirty="0" smtClean="0"/>
+              <a:rPr lang="zh-TW" altLang="zh-TW" sz="2400" dirty="0" smtClean="0"/>
               <a:t>服務</a:t>
             </a:r>
-            <a:endParaRPr lang="zh-TW" altLang="zh-TW" sz="2000" dirty="0"/>
+            <a:endParaRPr lang="zh-TW" altLang="zh-TW" sz="2400" dirty="0"/>
           </a:p>
         </p:txBody>
       </p:sp>
@@ -7980,7 +8046,7 @@
           <a:p>
             <a:r>
               <a:rPr lang="zh-TW" altLang="en-US" dirty="0" smtClean="0"/>
-              <a:t>我的做法</a:t>
+              <a:t>做法</a:t>
             </a:r>
             <a:endParaRPr lang="zh-TW" altLang="en-US" dirty="0"/>
           </a:p>
@@ -8006,6 +8072,9 @@
           <a:bodyPr/>
           <a:lstStyle/>
           <a:p>
+            <a:pPr marL="0" indent="0">
+              <a:buNone/>
+            </a:pPr>
             <a:r>
               <a:rPr lang="en-US" altLang="zh-TW" sz="2000" dirty="0" smtClean="0"/>
               <a:t>1.</a:t>
@@ -8099,9 +8168,15 @@
             <a:endParaRPr lang="en-US" altLang="zh-TW" sz="2000" dirty="0" smtClean="0"/>
           </a:p>
           <a:p>
+            <a:pPr marL="0" indent="0">
+              <a:buNone/>
+            </a:pPr>
             <a:endParaRPr lang="en-US" altLang="zh-TW" sz="2000" dirty="0" smtClean="0"/>
           </a:p>
           <a:p>
+            <a:pPr marL="0" indent="0">
+              <a:buNone/>
+            </a:pPr>
             <a:r>
               <a:rPr lang="en-US" altLang="zh-TW" sz="2000" dirty="0" smtClean="0"/>
               <a:t>2.</a:t>
@@ -8137,9 +8212,15 @@
             <a:endParaRPr lang="en-US" altLang="zh-TW" sz="2000" dirty="0" smtClean="0"/>
           </a:p>
           <a:p>
+            <a:pPr marL="0" indent="0">
+              <a:buNone/>
+            </a:pPr>
             <a:endParaRPr lang="en-US" altLang="zh-TW" sz="2000" dirty="0" smtClean="0"/>
           </a:p>
           <a:p>
+            <a:pPr marL="0" indent="0">
+              <a:buNone/>
+            </a:pPr>
             <a:r>
               <a:rPr lang="en-US" altLang="zh-TW" sz="2000" dirty="0" smtClean="0"/>
               <a:t>3.</a:t>
@@ -8183,9 +8264,15 @@
             <a:endParaRPr lang="en-US" altLang="zh-TW" sz="2000" dirty="0" smtClean="0"/>
           </a:p>
           <a:p>
+            <a:pPr marL="0" indent="0">
+              <a:buNone/>
+            </a:pPr>
             <a:endParaRPr lang="en-US" altLang="zh-TW" sz="2000" dirty="0"/>
           </a:p>
           <a:p>
+            <a:pPr marL="0" indent="0">
+              <a:buNone/>
+            </a:pPr>
             <a:r>
               <a:rPr lang="en-US" altLang="zh-TW" sz="2000" dirty="0" smtClean="0"/>
               <a:t>4.</a:t>
@@ -8237,9 +8324,15 @@
             <a:endParaRPr lang="en-US" altLang="zh-TW" sz="2000" dirty="0" smtClean="0"/>
           </a:p>
           <a:p>
+            <a:pPr marL="0" indent="0">
+              <a:buNone/>
+            </a:pPr>
             <a:endParaRPr lang="en-US" altLang="zh-TW" sz="2000" dirty="0" smtClean="0"/>
           </a:p>
           <a:p>
+            <a:pPr marL="0" indent="0">
+              <a:buNone/>
+            </a:pPr>
             <a:r>
               <a:rPr lang="en-US" altLang="zh-TW" sz="2000" dirty="0"/>
               <a:t>5</a:t>
@@ -8271,9 +8364,15 @@
             <a:endParaRPr lang="en-US" altLang="zh-TW" sz="2000" dirty="0" smtClean="0"/>
           </a:p>
           <a:p>
+            <a:pPr marL="0" indent="0">
+              <a:buNone/>
+            </a:pPr>
             <a:endParaRPr lang="en-US" altLang="zh-TW" sz="2000" dirty="0"/>
           </a:p>
           <a:p>
+            <a:pPr marL="0" indent="0">
+              <a:buNone/>
+            </a:pPr>
             <a:r>
               <a:rPr lang="en-US" altLang="zh-TW" sz="2000" dirty="0" smtClean="0"/>
               <a:t>6.</a:t>
@@ -8406,6 +8505,9 @@
           <a:bodyPr/>
           <a:lstStyle/>
           <a:p>
+            <a:pPr marL="0" indent="0">
+              <a:buNone/>
+            </a:pPr>
             <a:r>
               <a:rPr lang="en-US" altLang="zh-TW" sz="2000" dirty="0" smtClean="0"/>
               <a:t>1.Git change </a:t>
@@ -8553,6 +8655,9 @@
           <a:bodyPr/>
           <a:lstStyle/>
           <a:p>
+            <a:pPr marL="0" indent="0">
+              <a:buNone/>
+            </a:pPr>
             <a:r>
               <a:rPr lang="en-US" altLang="zh-TW" sz="2000" dirty="0" smtClean="0"/>
               <a:t>2.</a:t>
@@ -8686,6 +8791,9 @@
           <a:bodyPr/>
           <a:lstStyle/>
           <a:p>
+            <a:pPr marL="0" indent="0">
+              <a:buNone/>
+            </a:pPr>
             <a:r>
               <a:rPr lang="en-US" altLang="zh-TW" sz="2000" dirty="0" smtClean="0"/>
               <a:t>3.Unit Test -&gt; Build jar file -&gt; </a:t>
@@ -9077,6 +9185,9 @@
           <a:bodyPr/>
           <a:lstStyle/>
           <a:p>
+            <a:pPr marL="0" indent="0">
+              <a:buNone/>
+            </a:pPr>
             <a:r>
               <a:rPr lang="en-US" altLang="zh-TW" sz="2000" dirty="0" smtClean="0"/>
               <a:t>Jenkins</a:t>
@@ -9251,6 +9362,9 @@
           <a:bodyPr/>
           <a:lstStyle/>
           <a:p>
+            <a:pPr marL="0" indent="0">
+              <a:buNone/>
+            </a:pPr>
             <a:r>
               <a:rPr lang="en-US" altLang="zh-TW" sz="2000" dirty="0" smtClean="0"/>
               <a:t>GitHub</a:t>
@@ -9401,7 +9515,7 @@
           <a:p>
             <a:r>
               <a:rPr lang="zh-TW" altLang="en-US" dirty="0" smtClean="0"/>
-              <a:t>設計分析</a:t>
+              <a:t>物件模式</a:t>
             </a:r>
             <a:endParaRPr lang="zh-TW" altLang="en-US" dirty="0"/>
           </a:p>
@@ -9422,6 +9536,9 @@
           <a:bodyPr/>
           <a:lstStyle/>
           <a:p>
+            <a:pPr marL="0" indent="0">
+              <a:buNone/>
+            </a:pPr>
             <a:r>
               <a:rPr lang="zh-TW" altLang="en-US" sz="2000" dirty="0" smtClean="0"/>
               <a:t>自動化部署物件類別圖 </a:t>
@@ -9603,6 +9720,9 @@
           <a:bodyPr/>
           <a:lstStyle/>
           <a:p>
+            <a:pPr marL="0" indent="0">
+              <a:buNone/>
+            </a:pPr>
             <a:r>
               <a:rPr lang="zh-TW" altLang="zh-TW" sz="2000" dirty="0"/>
               <a:t>當</a:t>
@@ -9622,6 +9742,9 @@
             <a:endParaRPr lang="en-US" altLang="zh-TW" sz="2000" dirty="0" smtClean="0"/>
           </a:p>
           <a:p>
+            <a:pPr marL="0" indent="0">
+              <a:buNone/>
+            </a:pPr>
             <a:r>
               <a:rPr lang="zh-TW" altLang="zh-TW" sz="2000" dirty="0" smtClean="0"/>
               <a:t>驗收</a:t>
@@ -11491,52 +11614,36 @@
             <p:ph idx="1"/>
           </p:nvPr>
         </p:nvSpPr>
-        <p:spPr/>
+        <p:spPr>
+          <a:xfrm>
+            <a:off x="457200" y="1600200"/>
+            <a:ext cx="8686800" cy="4525963"/>
+          </a:xfrm>
+        </p:spPr>
         <p:txBody>
           <a:bodyPr/>
           <a:lstStyle/>
           <a:p>
-            <a:r>
-              <a:rPr lang="zh-TW" altLang="zh-TW" sz="2000" dirty="0"/>
+            <a:pPr marL="0" indent="0">
+              <a:buNone/>
+            </a:pPr>
+            <a:r>
+              <a:rPr lang="zh-TW" altLang="zh-TW" sz="2400" dirty="0"/>
               <a:t>從產品開發完成到上線，手動部署與自動化部署所花的時間差大約</a:t>
             </a:r>
             <a:r>
-              <a:rPr lang="en-US" altLang="zh-TW" sz="2000" dirty="0"/>
+              <a:rPr lang="en-US" altLang="zh-TW" sz="2400" dirty="0"/>
               <a:t>10</a:t>
             </a:r>
             <a:r>
-              <a:rPr lang="zh-TW" altLang="zh-TW" sz="2000" dirty="0" smtClean="0"/>
-              <a:t>分鐘，</a:t>
-            </a:r>
-            <a:r>
-              <a:rPr lang="zh-TW" altLang="zh-TW" sz="2000" dirty="0"/>
-              <a:t>表示團隊成員每增加</a:t>
-            </a:r>
-            <a:r>
-              <a:rPr lang="en-US" altLang="zh-TW" sz="2000" dirty="0"/>
-              <a:t>1</a:t>
-            </a:r>
-            <a:r>
-              <a:rPr lang="zh-TW" altLang="zh-TW" sz="2000" dirty="0"/>
-              <a:t>人就會增加</a:t>
-            </a:r>
-            <a:r>
-              <a:rPr lang="en-US" altLang="zh-TW" sz="2000" dirty="0"/>
-              <a:t>10</a:t>
-            </a:r>
-            <a:r>
-              <a:rPr lang="zh-TW" altLang="zh-TW" sz="2000" dirty="0"/>
-              <a:t>分鐘的部署</a:t>
-            </a:r>
-            <a:r>
-              <a:rPr lang="zh-TW" altLang="zh-TW" sz="2000" dirty="0" smtClean="0"/>
-              <a:t>時間</a:t>
-            </a:r>
-            <a:r>
-              <a:rPr lang="zh-TW" altLang="en-US" sz="2000" dirty="0" smtClean="0"/>
+              <a:rPr lang="zh-TW" altLang="zh-TW" sz="2400" dirty="0" smtClean="0"/>
+              <a:t>分鐘</a:t>
+            </a:r>
+            <a:r>
+              <a:rPr lang="zh-TW" altLang="en-US" sz="2400" dirty="0" smtClean="0"/>
               <a:t>。</a:t>
             </a:r>
-            <a:endParaRPr lang="en-US" altLang="zh-TW" sz="2000" dirty="0" smtClean="0"/>
+            <a:endParaRPr lang="en-US" altLang="zh-TW" sz="2400" dirty="0" smtClean="0"/>
           </a:p>
           <a:p>
             <a:endParaRPr lang="zh-TW" altLang="en-US" sz="2000" dirty="0"/>
@@ -11645,6 +11752,9 @@
           <a:bodyPr/>
           <a:lstStyle/>
           <a:p>
+            <a:pPr marL="0" indent="0">
+              <a:buNone/>
+            </a:pPr>
             <a:r>
               <a:rPr lang="en-US" altLang="zh-TW" sz="2000" dirty="0" smtClean="0">
                 <a:latin typeface="標楷體" panose="03000509000000000000" pitchFamily="65" charset="-120"/>
@@ -11665,6 +11775,9 @@
             </a:r>
           </a:p>
           <a:p>
+            <a:pPr marL="0" indent="0">
+              <a:buNone/>
+            </a:pPr>
             <a:r>
               <a:rPr lang="en-US" altLang="zh-TW" sz="2000" dirty="0" smtClean="0">
                 <a:latin typeface="標楷體" panose="03000509000000000000" pitchFamily="65" charset="-120"/>
@@ -11691,6 +11804,9 @@
             </a:r>
           </a:p>
           <a:p>
+            <a:pPr marL="0" indent="0">
+              <a:buNone/>
+            </a:pPr>
             <a:r>
               <a:rPr lang="zh-TW" altLang="en-US" sz="2000" dirty="0" smtClean="0">
                 <a:latin typeface="標楷體" panose="03000509000000000000" pitchFamily="65" charset="-120"/>
@@ -11714,6 +11830,9 @@
             </a:endParaRPr>
           </a:p>
           <a:p>
+            <a:pPr marL="0" indent="0">
+              <a:buNone/>
+            </a:pPr>
             <a:r>
               <a:rPr lang="zh-TW" altLang="en-US" sz="2000" dirty="0" smtClean="0">
                 <a:latin typeface="標楷體" panose="03000509000000000000" pitchFamily="65" charset="-120"/>
@@ -11725,6 +11844,9 @@
             </a:endParaRPr>
           </a:p>
           <a:p>
+            <a:pPr marL="0" indent="0">
+              <a:buNone/>
+            </a:pPr>
             <a:r>
               <a:rPr lang="zh-TW" altLang="en-US" sz="2000" dirty="0"/>
               <a:t>開發人員也可以專注在產生更有品質的程式碼，避免之後不停的</a:t>
@@ -11736,6 +11858,9 @@
             <a:endParaRPr lang="en-US" altLang="zh-TW" sz="2000" dirty="0" smtClean="0"/>
           </a:p>
           <a:p>
+            <a:pPr marL="0" indent="0">
+              <a:buNone/>
+            </a:pPr>
             <a:r>
               <a:rPr lang="zh-TW" altLang="en-US" sz="2000" dirty="0" smtClean="0"/>
               <a:t>程式碼</a:t>
@@ -11743,6 +11868,9 @@
             <a:endParaRPr lang="en-US" altLang="zh-TW" sz="2000" dirty="0" smtClean="0"/>
           </a:p>
           <a:p>
+            <a:pPr marL="0" indent="0">
+              <a:buNone/>
+            </a:pPr>
             <a:r>
               <a:rPr lang="en-US" altLang="zh-TW" sz="2000" dirty="0" smtClean="0">
                 <a:latin typeface="標楷體" panose="03000509000000000000" pitchFamily="65" charset="-120"/>
@@ -11751,6 +11879,9 @@
             </a:r>
           </a:p>
           <a:p>
+            <a:pPr marL="0" indent="0">
+              <a:buNone/>
+            </a:pPr>
             <a:r>
               <a:rPr lang="zh-TW" altLang="en-US" sz="2000" dirty="0" smtClean="0">
                 <a:latin typeface="標楷體" panose="03000509000000000000" pitchFamily="65" charset="-120"/>
@@ -11804,6 +11935,9 @@
             </a:endParaRPr>
           </a:p>
           <a:p>
+            <a:pPr marL="0" indent="0">
+              <a:buNone/>
+            </a:pPr>
             <a:r>
               <a:rPr lang="zh-TW" altLang="en-US" sz="2000" dirty="0" smtClean="0">
                 <a:latin typeface="標楷體" panose="03000509000000000000" pitchFamily="65" charset="-120"/>
@@ -11839,6 +11973,9 @@
             </a:endParaRPr>
           </a:p>
           <a:p>
+            <a:pPr marL="0" indent="0">
+              <a:buNone/>
+            </a:pPr>
             <a:r>
               <a:rPr lang="zh-TW" altLang="en-US" sz="2000" dirty="0" smtClean="0">
                 <a:latin typeface="標楷體" panose="03000509000000000000" pitchFamily="65" charset="-120"/>
@@ -11886,6 +12023,9 @@
             </a:endParaRPr>
           </a:p>
           <a:p>
+            <a:pPr marL="0" indent="0">
+              <a:buNone/>
+            </a:pPr>
             <a:r>
               <a:rPr lang="zh-TW" altLang="en-US" sz="2000" dirty="0" smtClean="0">
                 <a:latin typeface="標楷體" panose="03000509000000000000" pitchFamily="65" charset="-120"/>
@@ -11933,6 +12073,9 @@
             </a:endParaRPr>
           </a:p>
           <a:p>
+            <a:pPr marL="0" indent="0">
+              <a:buNone/>
+            </a:pPr>
             <a:r>
               <a:rPr lang="zh-TW" altLang="en-US" sz="2000" dirty="0" smtClean="0">
                 <a:latin typeface="標楷體" panose="03000509000000000000" pitchFamily="65" charset="-120"/>
@@ -12093,135 +12236,156 @@
           <a:bodyPr/>
           <a:lstStyle/>
           <a:p>
-            <a:r>
-              <a:rPr lang="en-US" altLang="zh-TW" sz="2000" dirty="0" smtClean="0"/>
-              <a:t>1.</a:t>
-            </a:r>
-            <a:r>
-              <a:rPr lang="zh-TW" altLang="en-US" sz="2000" dirty="0" smtClean="0"/>
-              <a:t>使用</a:t>
-            </a:r>
-            <a:r>
-              <a:rPr lang="en-US" altLang="zh-TW" sz="2000" dirty="0" smtClean="0"/>
-              <a:t>Jenkins</a:t>
-            </a:r>
-            <a:r>
-              <a:rPr lang="zh-TW" altLang="en-US" sz="2000" dirty="0" smtClean="0"/>
-              <a:t>連結</a:t>
-            </a:r>
-            <a:r>
-              <a:rPr lang="en-US" altLang="zh-TW" sz="2000" dirty="0" smtClean="0"/>
-              <a:t>GitHub</a:t>
-            </a:r>
-            <a:r>
-              <a:rPr lang="zh-TW" altLang="en-US" sz="2000" dirty="0" smtClean="0"/>
-              <a:t>專案並</a:t>
-            </a:r>
-            <a:r>
-              <a:rPr lang="zh-TW" altLang="en-US" sz="2000" dirty="0"/>
-              <a:t>且</a:t>
-            </a:r>
-            <a:r>
-              <a:rPr lang="zh-TW" altLang="en-US" sz="2000" dirty="0" smtClean="0"/>
-              <a:t>自動</a:t>
-            </a:r>
-            <a:r>
-              <a:rPr lang="zh-TW" altLang="en-US" sz="2000" dirty="0"/>
-              <a:t>跑專案的</a:t>
-            </a:r>
-            <a:r>
-              <a:rPr lang="en-US" altLang="zh-TW" sz="2000" dirty="0" smtClean="0"/>
-              <a:t>UT</a:t>
-            </a:r>
-            <a:endParaRPr lang="en-US" altLang="zh-TW" sz="2000" dirty="0" smtClean="0"/>
-          </a:p>
-          <a:p>
-            <a:endParaRPr lang="en-US" altLang="zh-TW" sz="2000" dirty="0"/>
-          </a:p>
-          <a:p>
             <a:pPr marL="0" indent="0">
               <a:buNone/>
             </a:pPr>
-            <a:endParaRPr lang="en-US" altLang="zh-TW" sz="2000" dirty="0" smtClean="0"/>
-          </a:p>
-          <a:p>
-            <a:r>
-              <a:rPr lang="en-US" altLang="zh-TW" sz="2000" dirty="0" smtClean="0"/>
-              <a:t>2.</a:t>
-            </a:r>
-            <a:r>
-              <a:rPr lang="zh-TW" altLang="en-US" sz="2000" dirty="0" smtClean="0"/>
-              <a:t>使用</a:t>
-            </a:r>
-            <a:r>
-              <a:rPr lang="en-US" altLang="zh-TW" sz="2000" dirty="0" smtClean="0"/>
-              <a:t>Docker</a:t>
-            </a:r>
-            <a:r>
-              <a:rPr lang="zh-TW" altLang="en-US" sz="2000" dirty="0" smtClean="0"/>
-              <a:t>將</a:t>
-            </a:r>
-            <a:r>
-              <a:rPr lang="zh-TW" altLang="en-US" sz="2000" dirty="0" smtClean="0"/>
-              <a:t>服務的</a:t>
-            </a:r>
-            <a:r>
-              <a:rPr lang="en-US" altLang="zh-TW" sz="2000" dirty="0" smtClean="0"/>
-              <a:t>Jar</a:t>
-            </a:r>
-            <a:r>
-              <a:rPr lang="zh-TW" altLang="en-US" sz="2000" dirty="0" smtClean="0"/>
-              <a:t>包產生成</a:t>
-            </a:r>
-            <a:r>
-              <a:rPr lang="en-US" altLang="zh-TW" sz="2000" dirty="0"/>
-              <a:t>I</a:t>
-            </a:r>
-            <a:r>
-              <a:rPr lang="en-US" altLang="zh-TW" sz="2000" dirty="0" smtClean="0"/>
-              <a:t>mage</a:t>
-            </a:r>
-            <a:endParaRPr lang="en-US" altLang="zh-TW" sz="2000" dirty="0"/>
+            <a:r>
+              <a:rPr lang="zh-TW" altLang="en-US" sz="2800" dirty="0" smtClean="0"/>
+              <a:t>讓</a:t>
+            </a:r>
+            <a:r>
+              <a:rPr lang="en-US" altLang="zh-TW" sz="2800" dirty="0" err="1" smtClean="0"/>
+              <a:t>ezScrum</a:t>
+            </a:r>
+            <a:r>
+              <a:rPr lang="zh-TW" altLang="en-US" sz="2800" dirty="0" smtClean="0"/>
+              <a:t>有了自動化部署</a:t>
+            </a:r>
+            <a:endParaRPr lang="en-US" altLang="zh-TW" sz="2800" dirty="0" smtClean="0"/>
           </a:p>
           <a:p>
             <a:pPr marL="0" indent="0">
               <a:buNone/>
             </a:pPr>
-            <a:endParaRPr lang="en-US" altLang="zh-TW" sz="2000" dirty="0" smtClean="0"/>
-          </a:p>
-          <a:p>
-            <a:endParaRPr lang="en-US" altLang="zh-TW" sz="2000" dirty="0" smtClean="0"/>
-          </a:p>
-          <a:p>
-            <a:r>
-              <a:rPr lang="en-US" altLang="zh-TW" sz="2000" dirty="0"/>
+            <a:r>
+              <a:rPr lang="en-US" altLang="zh-TW" sz="2800" dirty="0"/>
+              <a:t>(</a:t>
+            </a:r>
+            <a:endParaRPr lang="en-US" altLang="zh-TW" sz="2800" dirty="0" smtClean="0"/>
+          </a:p>
+          <a:p>
+            <a:pPr marL="0" indent="0">
+              <a:buNone/>
+            </a:pPr>
+            <a:r>
+              <a:rPr lang="en-US" altLang="zh-TW" sz="2800" dirty="0" smtClean="0"/>
+              <a:t>1</a:t>
+            </a:r>
+            <a:r>
+              <a:rPr lang="en-US" altLang="zh-TW" sz="2800" dirty="0" smtClean="0"/>
+              <a:t>.</a:t>
+            </a:r>
+            <a:r>
+              <a:rPr lang="zh-TW" altLang="en-US" sz="2800" dirty="0" smtClean="0"/>
+              <a:t>使用</a:t>
+            </a:r>
+            <a:r>
+              <a:rPr lang="en-US" altLang="zh-TW" sz="2800" dirty="0" smtClean="0"/>
+              <a:t>Jenkins</a:t>
+            </a:r>
+            <a:r>
+              <a:rPr lang="zh-TW" altLang="en-US" sz="2800" dirty="0" smtClean="0"/>
+              <a:t>連結</a:t>
+            </a:r>
+            <a:r>
+              <a:rPr lang="en-US" altLang="zh-TW" sz="2800" dirty="0" smtClean="0"/>
+              <a:t>GitHub</a:t>
+            </a:r>
+            <a:r>
+              <a:rPr lang="zh-TW" altLang="en-US" sz="2800" dirty="0" smtClean="0"/>
+              <a:t>專案並</a:t>
+            </a:r>
+            <a:r>
+              <a:rPr lang="zh-TW" altLang="en-US" sz="2800" dirty="0"/>
+              <a:t>且</a:t>
+            </a:r>
+            <a:r>
+              <a:rPr lang="zh-TW" altLang="en-US" sz="2800" dirty="0" smtClean="0"/>
+              <a:t>自動</a:t>
+            </a:r>
+            <a:r>
+              <a:rPr lang="zh-TW" altLang="en-US" sz="2800" dirty="0"/>
+              <a:t>跑專案的</a:t>
+            </a:r>
+            <a:r>
+              <a:rPr lang="en-US" altLang="zh-TW" sz="2800" dirty="0" smtClean="0"/>
+              <a:t>UT</a:t>
+            </a:r>
+            <a:endParaRPr lang="en-US" altLang="zh-TW" sz="2800" dirty="0" smtClean="0"/>
+          </a:p>
+          <a:p>
+            <a:pPr marL="0" indent="0">
+              <a:buNone/>
+            </a:pPr>
+            <a:r>
+              <a:rPr lang="en-US" altLang="zh-TW" sz="2800" dirty="0" smtClean="0"/>
+              <a:t>2.</a:t>
+            </a:r>
+            <a:r>
+              <a:rPr lang="zh-TW" altLang="en-US" sz="2800" dirty="0" smtClean="0"/>
+              <a:t>使用</a:t>
+            </a:r>
+            <a:r>
+              <a:rPr lang="en-US" altLang="zh-TW" sz="2800" dirty="0" smtClean="0"/>
+              <a:t>Docker</a:t>
+            </a:r>
+            <a:r>
+              <a:rPr lang="zh-TW" altLang="en-US" sz="2800" dirty="0" smtClean="0"/>
+              <a:t>將服務的</a:t>
+            </a:r>
+            <a:r>
+              <a:rPr lang="en-US" altLang="zh-TW" sz="2800" dirty="0" smtClean="0"/>
+              <a:t>Jar</a:t>
+            </a:r>
+            <a:r>
+              <a:rPr lang="zh-TW" altLang="en-US" sz="2800" dirty="0" smtClean="0"/>
+              <a:t>包產生成</a:t>
+            </a:r>
+            <a:r>
+              <a:rPr lang="en-US" altLang="zh-TW" sz="2800" dirty="0" smtClean="0"/>
+              <a:t>Image</a:t>
+            </a:r>
+            <a:endParaRPr lang="en-US" altLang="zh-TW" sz="2800" dirty="0" smtClean="0"/>
+          </a:p>
+          <a:p>
+            <a:pPr marL="0" indent="0">
+              <a:buNone/>
+            </a:pPr>
+            <a:r>
+              <a:rPr lang="en-US" altLang="zh-TW" sz="2800" dirty="0"/>
               <a:t>3</a:t>
             </a:r>
             <a:r>
-              <a:rPr lang="en-US" altLang="zh-TW" sz="2000" dirty="0" smtClean="0"/>
+              <a:rPr lang="en-US" altLang="zh-TW" sz="2800" dirty="0" smtClean="0"/>
               <a:t>.</a:t>
             </a:r>
             <a:r>
-              <a:rPr lang="zh-TW" altLang="en-US" sz="2000" dirty="0" smtClean="0"/>
-              <a:t>撰寫驗收測試</a:t>
-            </a:r>
-            <a:r>
-              <a:rPr lang="zh-TW" altLang="en-US" sz="2000" dirty="0" smtClean="0"/>
-              <a:t>驗證</a:t>
-            </a:r>
-            <a:r>
-              <a:rPr lang="en-US" altLang="zh-TW" sz="2000" dirty="0" err="1" smtClean="0"/>
+              <a:rPr lang="zh-TW" altLang="en-US" sz="2800" dirty="0" smtClean="0"/>
+              <a:t>撰寫驗收測試驗證</a:t>
+            </a:r>
+            <a:r>
+              <a:rPr lang="en-US" altLang="zh-TW" sz="2800" dirty="0" err="1" smtClean="0"/>
               <a:t>Microservice</a:t>
             </a:r>
             <a:r>
-              <a:rPr lang="zh-TW" altLang="en-US" sz="2000" dirty="0" smtClean="0"/>
+              <a:rPr lang="zh-TW" altLang="en-US" sz="2800" dirty="0" smtClean="0"/>
               <a:t>已經連</a:t>
             </a:r>
             <a:r>
-              <a:rPr lang="zh-TW" altLang="en-US" sz="2000" dirty="0" smtClean="0"/>
+              <a:rPr lang="zh-TW" altLang="en-US" sz="2800" dirty="0" smtClean="0"/>
               <a:t>上線</a:t>
             </a:r>
-            <a:endParaRPr lang="zh-TW" altLang="en-US" sz="2000" dirty="0"/>
+            <a:endParaRPr lang="en-US" altLang="zh-TW" sz="2800" dirty="0" smtClean="0"/>
+          </a:p>
+          <a:p>
+            <a:pPr marL="0" indent="0">
+              <a:buNone/>
+            </a:pPr>
+            <a:r>
+              <a:rPr lang="en-US" altLang="zh-TW" sz="2800" dirty="0" smtClean="0"/>
+              <a:t>)</a:t>
+            </a:r>
+            <a:endParaRPr lang="zh-TW" altLang="en-US" sz="2800" dirty="0"/>
           </a:p>
         </p:txBody>
       </p:sp>
@@ -12319,77 +12483,78 @@
         </p:nvSpPr>
         <p:spPr>
           <a:xfrm>
-            <a:off x="457200" y="1600199"/>
-            <a:ext cx="8686800" cy="5121275"/>
+            <a:off x="0" y="1600199"/>
+            <a:ext cx="9144000" cy="5121275"/>
           </a:xfrm>
         </p:spPr>
         <p:txBody>
           <a:bodyPr/>
           <a:lstStyle/>
           <a:p>
-            <a:r>
-              <a:rPr lang="zh-TW" altLang="en-US" sz="2000" dirty="0" smtClean="0"/>
+            <a:pPr marL="0" indent="0">
+              <a:buNone/>
+            </a:pPr>
+            <a:r>
+              <a:rPr lang="zh-TW" altLang="en-US" sz="2800" dirty="0" smtClean="0"/>
               <a:t>每次</a:t>
             </a:r>
             <a:r>
-              <a:rPr lang="zh-TW" altLang="zh-TW" sz="2000" dirty="0" smtClean="0"/>
+              <a:rPr lang="zh-TW" altLang="zh-TW" sz="2800" dirty="0" smtClean="0"/>
               <a:t>發佈</a:t>
             </a:r>
             <a:r>
-              <a:rPr lang="zh-TW" altLang="zh-TW" sz="2000" dirty="0"/>
+              <a:rPr lang="zh-TW" altLang="zh-TW" sz="2800" dirty="0"/>
               <a:t>服務時必須做編譯、打包、部署的三件</a:t>
             </a:r>
             <a:r>
-              <a:rPr lang="zh-TW" altLang="zh-TW" sz="2000" dirty="0" smtClean="0"/>
+              <a:rPr lang="zh-TW" altLang="zh-TW" sz="2800" dirty="0" smtClean="0"/>
               <a:t>事情</a:t>
             </a:r>
             <a:r>
-              <a:rPr lang="zh-TW" altLang="en-US" sz="2000" dirty="0" smtClean="0"/>
+              <a:rPr lang="zh-TW" altLang="en-US" sz="2800" dirty="0" smtClean="0"/>
               <a:t>，</a:t>
             </a:r>
             <a:r>
-              <a:rPr lang="zh-TW" altLang="zh-TW" sz="2000" dirty="0"/>
+              <a:rPr lang="zh-TW" altLang="zh-TW" sz="2800" dirty="0"/>
               <a:t>這些</a:t>
             </a:r>
             <a:r>
-              <a:rPr lang="zh-TW" altLang="zh-TW" sz="2000" dirty="0" smtClean="0"/>
+              <a:rPr lang="zh-TW" altLang="zh-TW" sz="2800" dirty="0" smtClean="0"/>
               <a:t>過程以</a:t>
             </a:r>
             <a:r>
-              <a:rPr lang="zh-TW" altLang="zh-TW" sz="2000" dirty="0"/>
+              <a:rPr lang="zh-TW" altLang="zh-TW" sz="2800" dirty="0"/>
               <a:t>手動</a:t>
             </a:r>
             <a:r>
-              <a:rPr lang="zh-TW" altLang="zh-TW" sz="2000" dirty="0" smtClean="0"/>
-              <a:t>的</a:t>
-            </a:r>
-            <a:endParaRPr lang="en-US" altLang="zh-TW" sz="2000" dirty="0" smtClean="0"/>
-          </a:p>
-          <a:p>
-            <a:r>
-              <a:rPr lang="zh-TW" altLang="zh-TW" sz="2000" dirty="0" smtClean="0"/>
-              <a:t>方式容易</a:t>
-            </a:r>
-            <a:r>
-              <a:rPr lang="zh-TW" altLang="zh-TW" sz="2000" dirty="0"/>
+              <a:rPr lang="zh-TW" altLang="zh-TW" sz="2800" dirty="0" smtClean="0"/>
+              <a:t>的方式</a:t>
+            </a:r>
+            <a:r>
+              <a:rPr lang="zh-TW" altLang="zh-TW" sz="2800" dirty="0" smtClean="0"/>
+              <a:t>容易</a:t>
+            </a:r>
+            <a:r>
+              <a:rPr lang="zh-TW" altLang="zh-TW" sz="2800" dirty="0"/>
               <a:t>出錯且缺乏</a:t>
             </a:r>
             <a:r>
-              <a:rPr lang="zh-TW" altLang="zh-TW" sz="2000" dirty="0" smtClean="0"/>
+              <a:rPr lang="zh-TW" altLang="zh-TW" sz="2800" dirty="0" smtClean="0"/>
               <a:t>管理</a:t>
             </a:r>
             <a:r>
-              <a:rPr lang="zh-TW" altLang="en-US" sz="2000" dirty="0" smtClean="0"/>
-              <a:t>，當服務數量增加時，要花費的時間也相對地增</a:t>
-            </a:r>
-            <a:endParaRPr lang="en-US" altLang="zh-TW" sz="2000" dirty="0" smtClean="0"/>
-          </a:p>
-          <a:p>
-            <a:r>
-              <a:rPr lang="zh-TW" altLang="en-US" sz="2000" dirty="0" smtClean="0"/>
-              <a:t>加。</a:t>
-            </a:r>
-            <a:endParaRPr lang="zh-TW" altLang="en-US" sz="2000" dirty="0"/>
+              <a:rPr lang="zh-TW" altLang="en-US" sz="2800" dirty="0" smtClean="0"/>
+              <a:t>，當服務數量增加時，要花費的時間也相對地</a:t>
+            </a:r>
+            <a:r>
+              <a:rPr lang="zh-TW" altLang="en-US" sz="2800" dirty="0" smtClean="0"/>
+              <a:t>增加</a:t>
+            </a:r>
+            <a:r>
+              <a:rPr lang="zh-TW" altLang="en-US" sz="2800" dirty="0" smtClean="0"/>
+              <a:t>。</a:t>
+            </a:r>
+            <a:endParaRPr lang="zh-TW" altLang="en-US" sz="2800" dirty="0"/>
           </a:p>
         </p:txBody>
       </p:sp>
@@ -12678,6 +12843,13 @@
   <p:clrMapOvr>
     <a:masterClrMapping/>
   </p:clrMapOvr>
+  <p:timing>
+    <p:tnLst>
+      <p:par>
+        <p:cTn id="1" dur="indefinite" restart="never" nodeType="tmRoot"/>
+      </p:par>
+    </p:tnLst>
+  </p:timing>
 </p:sld>
 </file>
 
@@ -12731,75 +12903,78 @@
             <p:ph idx="1"/>
           </p:nvPr>
         </p:nvSpPr>
-        <p:spPr/>
+        <p:spPr>
+          <a:xfrm>
+            <a:off x="457200" y="1600200"/>
+            <a:ext cx="8686800" cy="4525963"/>
+          </a:xfrm>
+        </p:spPr>
         <p:txBody>
           <a:bodyPr/>
           <a:lstStyle/>
           <a:p>
-            <a:r>
-              <a:rPr lang="zh-TW" altLang="zh-TW" sz="2000" dirty="0"/>
+            <a:pPr marL="0" indent="0">
+              <a:buNone/>
+            </a:pPr>
+            <a:r>
+              <a:rPr lang="zh-TW" altLang="zh-TW" sz="2800" dirty="0"/>
               <a:t>本論文預計達成的目標為使用</a:t>
             </a:r>
             <a:r>
-              <a:rPr lang="en-US" altLang="zh-TW" sz="2000" dirty="0"/>
+              <a:rPr lang="en-US" altLang="zh-TW" sz="2800" dirty="0"/>
               <a:t>Jenkins</a:t>
             </a:r>
             <a:r>
-              <a:rPr lang="zh-TW" altLang="zh-TW" sz="2000" dirty="0"/>
+              <a:rPr lang="zh-TW" altLang="zh-TW" sz="2800" dirty="0"/>
               <a:t>與</a:t>
             </a:r>
             <a:r>
-              <a:rPr lang="en-US" altLang="zh-TW" sz="2000" dirty="0"/>
+              <a:rPr lang="en-US" altLang="zh-TW" sz="2800" dirty="0"/>
               <a:t>Docker</a:t>
             </a:r>
             <a:r>
-              <a:rPr lang="zh-TW" altLang="zh-TW" sz="2000" dirty="0"/>
+              <a:rPr lang="zh-TW" altLang="zh-TW" sz="2800" dirty="0"/>
               <a:t>實現自動化</a:t>
             </a:r>
             <a:r>
-              <a:rPr lang="zh-TW" altLang="zh-TW" sz="2000" dirty="0" smtClean="0"/>
+              <a:rPr lang="zh-TW" altLang="zh-TW" sz="2800" dirty="0" smtClean="0"/>
               <a:t>部署</a:t>
             </a:r>
             <a:r>
-              <a:rPr lang="zh-TW" altLang="en-US" sz="2000" dirty="0" smtClean="0"/>
+              <a:rPr lang="zh-TW" altLang="en-US" sz="2800" dirty="0" smtClean="0"/>
               <a:t>。</a:t>
             </a:r>
-            <a:endParaRPr lang="en-US" altLang="zh-TW" sz="2000" dirty="0" smtClean="0"/>
-          </a:p>
-          <a:p>
-            <a:r>
-              <a:rPr lang="zh-TW" altLang="en-US" sz="2000" dirty="0" smtClean="0"/>
+            <a:endParaRPr lang="en-US" altLang="zh-TW" sz="2800" dirty="0" smtClean="0"/>
+          </a:p>
+          <a:p>
+            <a:pPr marL="0" indent="0">
+              <a:buNone/>
+            </a:pPr>
+            <a:r>
+              <a:rPr lang="zh-TW" altLang="en-US" sz="2800" dirty="0" smtClean="0"/>
               <a:t>將此方法套用在</a:t>
             </a:r>
             <a:r>
-              <a:rPr lang="en-US" altLang="zh-TW" sz="2000" dirty="0" err="1" smtClean="0"/>
+              <a:rPr lang="en-US" altLang="zh-TW" sz="2800" dirty="0" err="1" smtClean="0"/>
               <a:t>ezScrum</a:t>
             </a:r>
             <a:r>
-              <a:rPr lang="en-US" altLang="zh-TW" sz="2000" dirty="0" smtClean="0"/>
+              <a:rPr lang="en-US" altLang="zh-TW" sz="2800" dirty="0" smtClean="0"/>
               <a:t> </a:t>
             </a:r>
             <a:r>
-              <a:rPr lang="zh-TW" altLang="en-US" sz="2000" dirty="0" smtClean="0"/>
-              <a:t>上，</a:t>
-            </a:r>
-            <a:r>
-              <a:rPr lang="zh-TW" altLang="en-US" sz="2000" dirty="0" smtClean="0"/>
-              <a:t>減少</a:t>
-            </a:r>
-            <a:r>
-              <a:rPr lang="en-US" altLang="zh-TW" sz="2000" dirty="0" err="1" smtClean="0"/>
+              <a:rPr lang="zh-TW" altLang="en-US" sz="2800" dirty="0" smtClean="0"/>
+              <a:t>上，減少</a:t>
+            </a:r>
+            <a:r>
+              <a:rPr lang="en-US" altLang="zh-TW" sz="2800" dirty="0" err="1" smtClean="0"/>
               <a:t>Microservice</a:t>
             </a:r>
             <a:r>
-              <a:rPr lang="zh-TW" altLang="en-US" sz="2000" dirty="0" smtClean="0"/>
-              <a:t>上線</a:t>
-            </a:r>
-            <a:r>
-              <a:rPr lang="zh-TW" altLang="en-US" sz="2000" dirty="0" smtClean="0"/>
-              <a:t>所花費地時間。</a:t>
-            </a:r>
-            <a:endParaRPr lang="en-US" altLang="zh-TW" sz="2000" dirty="0" smtClean="0"/>
+              <a:rPr lang="zh-TW" altLang="en-US" sz="2800" dirty="0" smtClean="0"/>
+              <a:t>上線所花費地時間。</a:t>
+            </a:r>
+            <a:endParaRPr lang="en-US" altLang="zh-TW" sz="2800" dirty="0" smtClean="0"/>
           </a:p>
           <a:p>
             <a:endParaRPr lang="zh-TW" altLang="en-US" sz="2000" dirty="0"/>
@@ -12845,6 +13020,13 @@
   <p:clrMapOvr>
     <a:masterClrMapping/>
   </p:clrMapOvr>
+  <p:timing>
+    <p:tnLst>
+      <p:par>
+        <p:cTn id="1" dur="indefinite" restart="never" nodeType="tmRoot"/>
+      </p:par>
+    </p:tnLst>
+  </p:timing>
 </p:sld>
 </file>
 
@@ -13084,6 +13266,13 @@
   <p:clrMapOvr>
     <a:masterClrMapping/>
   </p:clrMapOvr>
+  <p:timing>
+    <p:tnLst>
+      <p:par>
+        <p:cTn id="1" dur="indefinite" restart="never" nodeType="tmRoot"/>
+      </p:par>
+    </p:tnLst>
+  </p:timing>
 </p:sld>
 </file>
 
@@ -13147,6 +13336,9 @@
           <a:bodyPr/>
           <a:lstStyle/>
           <a:p>
+            <a:pPr marL="0" indent="0">
+              <a:buNone/>
+            </a:pPr>
             <a:r>
               <a:rPr lang="en-US" altLang="zh-TW" sz="2000" dirty="0" smtClean="0"/>
               <a:t>Jenkins</a:t>
@@ -13166,6 +13358,9 @@
             <a:endParaRPr lang="en-US" altLang="zh-TW" sz="2000" dirty="0" smtClean="0"/>
           </a:p>
           <a:p>
+            <a:pPr marL="0" indent="0">
+              <a:buNone/>
+            </a:pPr>
             <a:r>
               <a:rPr lang="en-US" altLang="zh-TW" sz="2000" dirty="0" err="1" smtClean="0"/>
               <a:t>Jenkens</a:t>
@@ -13185,6 +13380,9 @@
             <a:endParaRPr lang="en-US" altLang="zh-TW" sz="2000" dirty="0" smtClean="0"/>
           </a:p>
           <a:p>
+            <a:pPr marL="0" indent="0">
+              <a:buNone/>
+            </a:pPr>
             <a:r>
               <a:rPr lang="zh-TW" altLang="zh-TW" sz="2000" dirty="0" smtClean="0"/>
               <a:t>整合</a:t>
@@ -13223,19 +13421,27 @@
             </a:endParaRPr>
           </a:p>
           <a:p>
+            <a:pPr marL="0" indent="0">
+              <a:buNone/>
+            </a:pPr>
             <a:endParaRPr lang="en-US" altLang="zh-TW" sz="2000" dirty="0" smtClean="0">
               <a:latin typeface="+mn-ea"/>
               <a:ea typeface="+mn-ea"/>
             </a:endParaRPr>
           </a:p>
           <a:p>
+            <a:pPr marL="0" indent="0">
+              <a:buNone/>
+            </a:pPr>
             <a:r>
               <a:rPr lang="en-US" altLang="zh-TW" sz="2000" dirty="0" smtClean="0"/>
               <a:t>Docker :</a:t>
             </a:r>
-            <a:endParaRPr lang="en-US" altLang="zh-TW" sz="2000" dirty="0" smtClean="0"/>
-          </a:p>
-          <a:p>
+          </a:p>
+          <a:p>
+            <a:pPr marL="0" indent="0">
+              <a:buNone/>
+            </a:pPr>
             <a:r>
               <a:rPr lang="zh-TW" altLang="zh-TW" sz="2000" dirty="0"/>
               <a:t>近年來越來越多的企業使用</a:t>
@@ -13275,6 +13481,9 @@
             <a:endParaRPr lang="en-US" altLang="zh-TW" sz="2000" dirty="0" smtClean="0"/>
           </a:p>
           <a:p>
+            <a:pPr marL="0" indent="0">
+              <a:buNone/>
+            </a:pPr>
             <a:r>
               <a:rPr lang="zh-TW" altLang="zh-TW" sz="2000" dirty="0" smtClean="0"/>
               <a:t>個</a:t>
@@ -13306,6 +13515,9 @@
             <a:endParaRPr lang="en-US" altLang="zh-TW" sz="2000" dirty="0" smtClean="0"/>
           </a:p>
           <a:p>
+            <a:pPr marL="0" indent="0">
+              <a:buNone/>
+            </a:pPr>
             <a:r>
               <a:rPr lang="zh-TW" altLang="en-US" sz="2000" dirty="0" smtClean="0"/>
               <a:t>。</a:t>
@@ -13383,6 +13595,13 @@
   <p:clrMapOvr>
     <a:masterClrMapping/>
   </p:clrMapOvr>
+  <p:timing>
+    <p:tnLst>
+      <p:par>
+        <p:cTn id="1" dur="indefinite" restart="never" nodeType="tmRoot"/>
+      </p:par>
+    </p:tnLst>
+  </p:timing>
 </p:sld>
 </file>
 
@@ -13420,7 +13639,11 @@
           <a:p>
             <a:r>
               <a:rPr lang="en-US" altLang="zh-TW" dirty="0" err="1" smtClean="0"/>
-              <a:t>Microservice</a:t>
+              <a:t>ezScrum</a:t>
+            </a:r>
+            <a:r>
+              <a:rPr lang="en-US" altLang="zh-TW" smtClean="0"/>
+              <a:t> Microservice</a:t>
             </a:r>
             <a:endParaRPr lang="zh-TW" altLang="en-US" dirty="0"/>
           </a:p>
@@ -13441,116 +13664,131 @@
           <a:bodyPr/>
           <a:lstStyle/>
           <a:p>
-            <a:r>
-              <a:rPr lang="en-US" altLang="zh-TW" sz="2000" b="1" dirty="0" err="1"/>
+            <a:pPr marL="0" indent="0">
+              <a:buNone/>
+            </a:pPr>
+            <a:r>
+              <a:rPr lang="en-US" altLang="zh-TW" sz="2400" b="1" dirty="0" err="1"/>
               <a:t>ezScrum</a:t>
             </a:r>
             <a:r>
-              <a:rPr lang="en-US" altLang="zh-TW" sz="2000" b="1" dirty="0"/>
+              <a:rPr lang="en-US" altLang="zh-TW" sz="2400" b="1" dirty="0"/>
               <a:t> </a:t>
             </a:r>
             <a:r>
-              <a:rPr lang="en-US" altLang="zh-TW" sz="2000" b="1" dirty="0" err="1" smtClean="0"/>
+              <a:rPr lang="en-US" altLang="zh-TW" sz="2400" b="1" dirty="0" err="1" smtClean="0"/>
               <a:t>AccountManagement</a:t>
             </a:r>
             <a:r>
-              <a:rPr lang="en-US" altLang="zh-TW" sz="2000" b="1" dirty="0" smtClean="0"/>
+              <a:rPr lang="en-US" altLang="zh-TW" sz="2400" b="1" dirty="0" smtClean="0"/>
               <a:t> :</a:t>
             </a:r>
           </a:p>
           <a:p>
-            <a:r>
-              <a:rPr lang="zh-TW" altLang="zh-TW" sz="2000" dirty="0"/>
+            <a:pPr marL="0" indent="0">
+              <a:buNone/>
+            </a:pPr>
+            <a:r>
+              <a:rPr lang="zh-TW" altLang="zh-TW" sz="2400" dirty="0"/>
               <a:t>根據</a:t>
             </a:r>
             <a:r>
-              <a:rPr lang="zh-TW" altLang="zh-TW" sz="2000" dirty="0" smtClean="0"/>
+              <a:rPr lang="zh-TW" altLang="zh-TW" sz="2400" dirty="0" smtClean="0"/>
               <a:t>鄭安發提出</a:t>
             </a:r>
             <a:r>
-              <a:rPr lang="zh-TW" altLang="zh-TW" sz="2000" dirty="0"/>
+              <a:rPr lang="zh-TW" altLang="zh-TW" sz="2400" dirty="0"/>
               <a:t>的論文，將</a:t>
             </a:r>
             <a:r>
-              <a:rPr lang="en-US" altLang="zh-TW" sz="2000" dirty="0"/>
+              <a:rPr lang="en-US" altLang="zh-TW" sz="2400" dirty="0"/>
               <a:t>Account Management</a:t>
             </a:r>
             <a:r>
-              <a:rPr lang="zh-TW" altLang="zh-TW" sz="2000" dirty="0"/>
+              <a:rPr lang="zh-TW" altLang="zh-TW" sz="2400" dirty="0"/>
               <a:t>從</a:t>
             </a:r>
             <a:r>
-              <a:rPr lang="en-US" altLang="zh-TW" sz="2000" dirty="0" err="1"/>
+              <a:rPr lang="en-US" altLang="zh-TW" sz="2400" dirty="0" err="1"/>
               <a:t>ezScrum</a:t>
             </a:r>
             <a:r>
-              <a:rPr lang="zh-TW" altLang="zh-TW" sz="2000" dirty="0"/>
+              <a:rPr lang="zh-TW" altLang="zh-TW" sz="2400" dirty="0"/>
               <a:t>中獨立出來成為一個</a:t>
             </a:r>
             <a:r>
-              <a:rPr lang="en-US" altLang="zh-TW" sz="2000" dirty="0" err="1"/>
+              <a:rPr lang="en-US" altLang="zh-TW" sz="2400" dirty="0" err="1"/>
               <a:t>MicroService</a:t>
             </a:r>
             <a:r>
-              <a:rPr lang="zh-TW" altLang="zh-TW" sz="2000" dirty="0"/>
+              <a:rPr lang="zh-TW" altLang="zh-TW" sz="2400" dirty="0"/>
               <a:t>，主要實現使用者帳戶的管理功能。</a:t>
             </a:r>
           </a:p>
           <a:p>
-            <a:endParaRPr lang="en-US" altLang="zh-TW" sz="2000" b="1" dirty="0" smtClean="0"/>
-          </a:p>
-          <a:p>
-            <a:r>
-              <a:rPr lang="en-US" altLang="zh-TW" sz="2000" b="1" dirty="0" err="1"/>
+            <a:pPr marL="0" indent="0">
+              <a:buNone/>
+            </a:pPr>
+            <a:endParaRPr lang="en-US" altLang="zh-TW" sz="2400" b="1" dirty="0" smtClean="0"/>
+          </a:p>
+          <a:p>
+            <a:pPr marL="0" indent="0">
+              <a:buNone/>
+            </a:pPr>
+            <a:r>
+              <a:rPr lang="en-US" altLang="zh-TW" sz="2400" b="1" dirty="0" err="1"/>
               <a:t>ezScrum</a:t>
             </a:r>
             <a:r>
-              <a:rPr lang="en-US" altLang="zh-TW" sz="2000" b="1" dirty="0"/>
+              <a:rPr lang="en-US" altLang="zh-TW" sz="2400" b="1" dirty="0"/>
               <a:t> </a:t>
             </a:r>
             <a:r>
-              <a:rPr lang="en-US" altLang="zh-TW" sz="2000" b="1" dirty="0" smtClean="0"/>
+              <a:rPr lang="en-US" altLang="zh-TW" sz="2400" b="1" dirty="0" smtClean="0"/>
               <a:t>Notification :</a:t>
             </a:r>
           </a:p>
           <a:p>
-            <a:r>
-              <a:rPr lang="zh-TW" altLang="zh-TW" sz="2000" dirty="0"/>
+            <a:pPr marL="0" indent="0">
+              <a:buNone/>
+            </a:pPr>
+            <a:r>
+              <a:rPr lang="zh-TW" altLang="zh-TW" sz="2400" dirty="0"/>
               <a:t>根據歐律</a:t>
             </a:r>
             <a:r>
-              <a:rPr lang="zh-TW" altLang="zh-TW" sz="2000" dirty="0" smtClean="0"/>
+              <a:rPr lang="zh-TW" altLang="zh-TW" sz="2400" dirty="0" smtClean="0"/>
               <a:t>佑提出</a:t>
             </a:r>
             <a:r>
-              <a:rPr lang="zh-TW" altLang="zh-TW" sz="2000" dirty="0"/>
+              <a:rPr lang="zh-TW" altLang="zh-TW" sz="2400" dirty="0"/>
               <a:t>的論文，在</a:t>
             </a:r>
             <a:r>
-              <a:rPr lang="en-US" altLang="zh-TW" sz="2000" dirty="0" err="1"/>
+              <a:rPr lang="en-US" altLang="zh-TW" sz="2400" dirty="0" err="1"/>
               <a:t>ezScrum</a:t>
             </a:r>
             <a:r>
-              <a:rPr lang="zh-TW" altLang="zh-TW" sz="2000" dirty="0"/>
+              <a:rPr lang="zh-TW" altLang="zh-TW" sz="2400" dirty="0"/>
               <a:t>新增</a:t>
             </a:r>
             <a:r>
-              <a:rPr lang="en-US" altLang="zh-TW" sz="2000" dirty="0"/>
+              <a:rPr lang="en-US" altLang="zh-TW" sz="2400" dirty="0"/>
               <a:t>Notification</a:t>
             </a:r>
             <a:r>
-              <a:rPr lang="zh-TW" altLang="zh-TW" sz="2000" dirty="0"/>
+              <a:rPr lang="zh-TW" altLang="zh-TW" sz="2400" dirty="0"/>
               <a:t>功能，讓使用者在拉動</a:t>
             </a:r>
             <a:r>
-              <a:rPr lang="en-US" altLang="zh-TW" sz="2000" dirty="0" err="1"/>
+              <a:rPr lang="en-US" altLang="zh-TW" sz="2400" dirty="0" err="1"/>
               <a:t>TaskBoard</a:t>
             </a:r>
             <a:r>
-              <a:rPr lang="zh-TW" altLang="zh-TW" sz="2000" dirty="0"/>
+              <a:rPr lang="zh-TW" altLang="zh-TW" sz="2400" dirty="0"/>
               <a:t>時，在同一個專案的其它使用者可以接收到通知。</a:t>
             </a:r>
-            <a:endParaRPr lang="en-US" altLang="zh-TW" sz="2000" b="1" dirty="0" smtClean="0"/>
+            <a:endParaRPr lang="en-US" altLang="zh-TW" sz="2400" b="1" dirty="0" smtClean="0"/>
           </a:p>
         </p:txBody>
       </p:sp>
@@ -13593,6 +13831,13 @@
   <p:clrMapOvr>
     <a:masterClrMapping/>
   </p:clrMapOvr>
+  <p:timing>
+    <p:tnLst>
+      <p:par>
+        <p:cTn id="1" dur="indefinite" restart="never" nodeType="tmRoot"/>
+      </p:par>
+    </p:tnLst>
+  </p:timing>
 </p:sld>
 </file>
 

--- a/Oral.pptx
+++ b/Oral.pptx
@@ -414,7 +414,7 @@
               <a:pPr>
                 <a:defRPr/>
               </a:pPr>
-              <a:t>2017/10/31</a:t>
+              <a:t>2017/11/3</a:t>
             </a:fld>
             <a:endParaRPr lang="zh-TW" altLang="en-US"/>
           </a:p>
@@ -2227,7 +2227,7 @@
               <a:pPr>
                 <a:defRPr/>
               </a:pPr>
-              <a:t>2017/10/31</a:t>
+              <a:t>2017/11/3</a:t>
             </a:fld>
             <a:endParaRPr lang="zh-TW" altLang="en-US"/>
           </a:p>
@@ -2422,7 +2422,7 @@
               <a:pPr>
                 <a:defRPr/>
               </a:pPr>
-              <a:t>2017/10/31</a:t>
+              <a:t>2017/11/3</a:t>
             </a:fld>
             <a:endParaRPr lang="zh-TW" altLang="en-US"/>
           </a:p>
@@ -2627,7 +2627,7 @@
               <a:pPr>
                 <a:defRPr/>
               </a:pPr>
-              <a:t>2017/10/31</a:t>
+              <a:t>2017/11/3</a:t>
             </a:fld>
             <a:endParaRPr lang="zh-TW" altLang="en-US"/>
           </a:p>
@@ -2804,7 +2804,7 @@
               <a:pPr>
                 <a:defRPr/>
               </a:pPr>
-              <a:t>2017/10/31</a:t>
+              <a:t>2017/11/3</a:t>
             </a:fld>
             <a:endParaRPr lang="zh-TW" altLang="en-US"/>
           </a:p>
@@ -3053,7 +3053,7 @@
               <a:pPr>
                 <a:defRPr/>
               </a:pPr>
-              <a:t>2017/10/31</a:t>
+              <a:t>2017/11/3</a:t>
             </a:fld>
             <a:endParaRPr lang="zh-TW" altLang="en-US"/>
           </a:p>
@@ -3324,7 +3324,7 @@
               <a:pPr>
                 <a:defRPr/>
               </a:pPr>
-              <a:t>2017/10/31</a:t>
+              <a:t>2017/11/3</a:t>
             </a:fld>
             <a:endParaRPr lang="zh-TW" altLang="en-US"/>
           </a:p>
@@ -3637,7 +3637,7 @@
               <a:pPr>
                 <a:defRPr/>
               </a:pPr>
-              <a:t>2017/10/31</a:t>
+              <a:t>2017/11/3</a:t>
             </a:fld>
             <a:endParaRPr lang="zh-TW" altLang="en-US"/>
           </a:p>
@@ -4084,7 +4084,7 @@
               <a:pPr>
                 <a:defRPr/>
               </a:pPr>
-              <a:t>2017/10/31</a:t>
+              <a:t>2017/11/3</a:t>
             </a:fld>
             <a:endParaRPr lang="zh-TW" altLang="en-US"/>
           </a:p>
@@ -4227,7 +4227,7 @@
               <a:pPr>
                 <a:defRPr/>
               </a:pPr>
-              <a:t>2017/10/31</a:t>
+              <a:t>2017/11/3</a:t>
             </a:fld>
             <a:endParaRPr lang="zh-TW" altLang="en-US"/>
           </a:p>
@@ -4347,7 +4347,7 @@
               <a:pPr>
                 <a:defRPr/>
               </a:pPr>
-              <a:t>2017/10/31</a:t>
+              <a:t>2017/11/3</a:t>
             </a:fld>
             <a:endParaRPr lang="zh-TW" altLang="en-US"/>
           </a:p>
@@ -4649,7 +4649,7 @@
               <a:pPr>
                 <a:defRPr/>
               </a:pPr>
-              <a:t>2017/10/31</a:t>
+              <a:t>2017/11/3</a:t>
             </a:fld>
             <a:endParaRPr lang="zh-TW" altLang="en-US"/>
           </a:p>
@@ -4934,7 +4934,7 @@
               <a:pPr>
                 <a:defRPr/>
               </a:pPr>
-              <a:t>2017/10/31</a:t>
+              <a:t>2017/11/3</a:t>
             </a:fld>
             <a:endParaRPr lang="zh-TW" altLang="en-US"/>
           </a:p>
@@ -5200,7 +5200,7 @@
               <a:pPr>
                 <a:defRPr/>
               </a:pPr>
-              <a:t>2017/10/31</a:t>
+              <a:t>2017/11/3</a:t>
             </a:fld>
             <a:endParaRPr lang="zh-TW" altLang="en-US"/>
           </a:p>
@@ -6469,7 +6469,13 @@
               <a:rPr lang="zh-TW" altLang="en-US" sz="2800" dirty="0" smtClean="0">
                 <a:latin typeface="標楷體" panose="03000509000000000000" pitchFamily="65" charset="-120"/>
               </a:rPr>
-              <a:t>跑單元測試</a:t>
+              <a:t>跑單元</a:t>
+            </a:r>
+            <a:r>
+              <a:rPr lang="zh-TW" altLang="en-US" sz="2800" dirty="0" smtClean="0">
+                <a:latin typeface="標楷體" panose="03000509000000000000" pitchFamily="65" charset="-120"/>
+              </a:rPr>
+              <a:t>測試</a:t>
             </a:r>
             <a:endParaRPr lang="en-US" altLang="zh-TW" sz="2800" dirty="0" smtClean="0">
               <a:latin typeface="標楷體" panose="03000509000000000000" pitchFamily="65" charset="-120"/>
@@ -7867,8 +7873,6 @@
           <a:lstStyle/>
           <a:p>
             <a:pPr eaLnBrk="1" hangingPunct="1">
-              <a:buFont typeface="Arial" charset="0"/>
-              <a:buChar char="•"/>
               <a:defRPr/>
             </a:pPr>
             <a:r>
@@ -7883,8 +7887,6 @@
           </a:p>
           <a:p>
             <a:pPr eaLnBrk="1" hangingPunct="1">
-              <a:buFont typeface="Arial" charset="0"/>
-              <a:buChar char="•"/>
               <a:defRPr/>
             </a:pPr>
             <a:r>
@@ -7899,8 +7901,6 @@
           </a:p>
           <a:p>
             <a:pPr eaLnBrk="1" hangingPunct="1">
-              <a:buFont typeface="Arial" charset="0"/>
-              <a:buChar char="•"/>
               <a:defRPr/>
             </a:pPr>
             <a:r>
@@ -7915,8 +7915,6 @@
           </a:p>
           <a:p>
             <a:pPr eaLnBrk="1" hangingPunct="1">
-              <a:buFont typeface="Arial" charset="0"/>
-              <a:buChar char="•"/>
               <a:defRPr/>
             </a:pPr>
             <a:r>
@@ -7931,8 +7929,6 @@
           </a:p>
           <a:p>
             <a:pPr eaLnBrk="1" hangingPunct="1">
-              <a:buFont typeface="Arial" charset="0"/>
-              <a:buChar char="•"/>
               <a:defRPr/>
             </a:pPr>
             <a:r>
@@ -7947,8 +7943,6 @@
           </a:p>
           <a:p>
             <a:pPr eaLnBrk="1" hangingPunct="1">
-              <a:buFont typeface="Arial" charset="0"/>
-              <a:buChar char="•"/>
               <a:defRPr/>
             </a:pPr>
             <a:r>
@@ -12269,7 +12263,85 @@
             </a:pPr>
             <a:r>
               <a:rPr lang="en-US" altLang="zh-TW" sz="2800" dirty="0" smtClean="0"/>
-              <a:t>1</a:t>
+              <a:t>1.</a:t>
+            </a:r>
+            <a:r>
+              <a:rPr lang="zh-TW" altLang="en-US" sz="2800" dirty="0" smtClean="0"/>
+              <a:t>使用</a:t>
+            </a:r>
+            <a:r>
+              <a:rPr lang="en-US" altLang="zh-TW" sz="2800" dirty="0" smtClean="0"/>
+              <a:t>Jenkins</a:t>
+            </a:r>
+            <a:r>
+              <a:rPr lang="zh-TW" altLang="en-US" sz="2800" dirty="0" smtClean="0"/>
+              <a:t>連結</a:t>
+            </a:r>
+            <a:r>
+              <a:rPr lang="en-US" altLang="zh-TW" sz="2800" dirty="0" smtClean="0"/>
+              <a:t>GitHub</a:t>
+            </a:r>
+            <a:r>
+              <a:rPr lang="zh-TW" altLang="en-US" sz="2800" dirty="0" smtClean="0"/>
+              <a:t>專案並</a:t>
+            </a:r>
+            <a:r>
+              <a:rPr lang="zh-TW" altLang="en-US" sz="2800" dirty="0"/>
+              <a:t>且</a:t>
+            </a:r>
+            <a:r>
+              <a:rPr lang="zh-TW" altLang="en-US" sz="2800" dirty="0" smtClean="0"/>
+              <a:t>自動</a:t>
+            </a:r>
+            <a:r>
+              <a:rPr lang="zh-TW" altLang="en-US" sz="2800" dirty="0"/>
+              <a:t>跑專案的</a:t>
+            </a:r>
+            <a:r>
+              <a:rPr lang="en-US" altLang="zh-TW" sz="2800" dirty="0" smtClean="0"/>
+              <a:t>UT</a:t>
+            </a:r>
+          </a:p>
+          <a:p>
+            <a:pPr marL="0" indent="0">
+              <a:buNone/>
+            </a:pPr>
+            <a:r>
+              <a:rPr lang="en-US" altLang="zh-TW" sz="2800" dirty="0" smtClean="0"/>
+              <a:t>2.</a:t>
+            </a:r>
+            <a:r>
+              <a:rPr lang="zh-TW" altLang="en-US" sz="2800" dirty="0" smtClean="0"/>
+              <a:t>使用</a:t>
+            </a:r>
+            <a:r>
+              <a:rPr lang="en-US" altLang="zh-TW" sz="2800" dirty="0" smtClean="0"/>
+              <a:t>Docker</a:t>
+            </a:r>
+            <a:r>
+              <a:rPr lang="zh-TW" altLang="en-US" sz="2800" dirty="0" smtClean="0"/>
+              <a:t>將服務的</a:t>
+            </a:r>
+            <a:r>
+              <a:rPr lang="en-US" altLang="zh-TW" sz="2800" dirty="0" smtClean="0"/>
+              <a:t>Jar</a:t>
+            </a:r>
+            <a:r>
+              <a:rPr lang="zh-TW" altLang="en-US" sz="2800" dirty="0" smtClean="0"/>
+              <a:t>包產生成</a:t>
+            </a:r>
+            <a:r>
+              <a:rPr lang="en-US" altLang="zh-TW" sz="2800" dirty="0" smtClean="0"/>
+              <a:t>Image</a:t>
+            </a:r>
+          </a:p>
+          <a:p>
+            <a:pPr marL="0" indent="0">
+              <a:buNone/>
+            </a:pPr>
+            <a:r>
+              <a:rPr lang="en-US" altLang="zh-TW" sz="2800" dirty="0"/>
+              <a:t>3</a:t>
             </a:r>
             <a:r>
               <a:rPr lang="en-US" altLang="zh-TW" sz="2800" dirty="0" smtClean="0"/>
@@ -12277,90 +12349,6 @@
             </a:r>
             <a:r>
               <a:rPr lang="zh-TW" altLang="en-US" sz="2800" dirty="0" smtClean="0"/>
-              <a:t>使用</a:t>
-            </a:r>
-            <a:r>
-              <a:rPr lang="en-US" altLang="zh-TW" sz="2800" dirty="0" smtClean="0"/>
-              <a:t>Jenkins</a:t>
-            </a:r>
-            <a:r>
-              <a:rPr lang="zh-TW" altLang="en-US" sz="2800" dirty="0" smtClean="0"/>
-              <a:t>連結</a:t>
-            </a:r>
-            <a:r>
-              <a:rPr lang="en-US" altLang="zh-TW" sz="2800" dirty="0" smtClean="0"/>
-              <a:t>GitHub</a:t>
-            </a:r>
-            <a:r>
-              <a:rPr lang="zh-TW" altLang="en-US" sz="2800" dirty="0" smtClean="0"/>
-              <a:t>專案並</a:t>
-            </a:r>
-            <a:r>
-              <a:rPr lang="zh-TW" altLang="en-US" sz="2800" dirty="0"/>
-              <a:t>且</a:t>
-            </a:r>
-            <a:r>
-              <a:rPr lang="zh-TW" altLang="en-US" sz="2800" dirty="0" smtClean="0"/>
-              <a:t>自動</a:t>
-            </a:r>
-            <a:r>
-              <a:rPr lang="zh-TW" altLang="en-US" sz="2800" dirty="0"/>
-              <a:t>跑專案的</a:t>
-            </a:r>
-            <a:r>
-              <a:rPr lang="en-US" altLang="zh-TW" sz="2800" dirty="0" smtClean="0"/>
-              <a:t>UT</a:t>
-            </a:r>
-            <a:endParaRPr lang="en-US" altLang="zh-TW" sz="2800" dirty="0" smtClean="0"/>
-          </a:p>
-          <a:p>
-            <a:pPr marL="0" indent="0">
-              <a:buNone/>
-            </a:pPr>
-            <a:r>
-              <a:rPr lang="en-US" altLang="zh-TW" sz="2800" dirty="0" smtClean="0"/>
-              <a:t>2.</a:t>
-            </a:r>
-            <a:r>
-              <a:rPr lang="zh-TW" altLang="en-US" sz="2800" dirty="0" smtClean="0"/>
-              <a:t>使用</a:t>
-            </a:r>
-            <a:r>
-              <a:rPr lang="en-US" altLang="zh-TW" sz="2800" dirty="0" smtClean="0"/>
-              <a:t>Docker</a:t>
-            </a:r>
-            <a:r>
-              <a:rPr lang="zh-TW" altLang="en-US" sz="2800" dirty="0" smtClean="0"/>
-              <a:t>將服務的</a:t>
-            </a:r>
-            <a:r>
-              <a:rPr lang="en-US" altLang="zh-TW" sz="2800" dirty="0" smtClean="0"/>
-              <a:t>Jar</a:t>
-            </a:r>
-            <a:r>
-              <a:rPr lang="zh-TW" altLang="en-US" sz="2800" dirty="0" smtClean="0"/>
-              <a:t>包產生成</a:t>
-            </a:r>
-            <a:r>
-              <a:rPr lang="en-US" altLang="zh-TW" sz="2800" dirty="0" smtClean="0"/>
-              <a:t>Image</a:t>
-            </a:r>
-            <a:endParaRPr lang="en-US" altLang="zh-TW" sz="2800" dirty="0" smtClean="0"/>
-          </a:p>
-          <a:p>
-            <a:pPr marL="0" indent="0">
-              <a:buNone/>
-            </a:pPr>
-            <a:r>
-              <a:rPr lang="en-US" altLang="zh-TW" sz="2800" dirty="0"/>
-              <a:t>3</a:t>
-            </a:r>
-            <a:r>
-              <a:rPr lang="en-US" altLang="zh-TW" sz="2800" dirty="0" smtClean="0"/>
-              <a:t>.</a:t>
-            </a:r>
-            <a:r>
-              <a:rPr lang="zh-TW" altLang="en-US" sz="2800" dirty="0" smtClean="0"/>
               <a:t>撰寫驗收測試驗證</a:t>
             </a:r>
             <a:r>
@@ -12369,11 +12357,7 @@
             </a:r>
             <a:r>
               <a:rPr lang="zh-TW" altLang="en-US" sz="2800" dirty="0" smtClean="0"/>
-              <a:t>已經連</a:t>
-            </a:r>
-            <a:r>
-              <a:rPr lang="zh-TW" altLang="en-US" sz="2800" dirty="0" smtClean="0"/>
-              <a:t>上線</a:t>
+              <a:t>已經連上線</a:t>
             </a:r>
             <a:endParaRPr lang="en-US" altLang="zh-TW" sz="2800" dirty="0" smtClean="0"/>
           </a:p>
@@ -12528,11 +12512,7 @@
             </a:r>
             <a:r>
               <a:rPr lang="zh-TW" altLang="zh-TW" sz="2800" dirty="0" smtClean="0"/>
-              <a:t>的方式</a:t>
-            </a:r>
-            <a:r>
-              <a:rPr lang="zh-TW" altLang="zh-TW" sz="2800" dirty="0" smtClean="0"/>
-              <a:t>容易</a:t>
+              <a:t>的方式容易</a:t>
             </a:r>
             <a:r>
               <a:rPr lang="zh-TW" altLang="zh-TW" sz="2800" dirty="0"/>
@@ -12544,15 +12524,7 @@
             </a:r>
             <a:r>
               <a:rPr lang="zh-TW" altLang="en-US" sz="2800" dirty="0" smtClean="0"/>
-              <a:t>，當服務數量增加時，要花費的時間也相對地</a:t>
-            </a:r>
-            <a:r>
-              <a:rPr lang="zh-TW" altLang="en-US" sz="2800" dirty="0" smtClean="0"/>
-              <a:t>增加</a:t>
-            </a:r>
-            <a:r>
-              <a:rPr lang="zh-TW" altLang="en-US" sz="2800" dirty="0" smtClean="0"/>
-              <a:t>。</a:t>
+              <a:t>，當服務數量增加時，要花費的時間也相對地增加。</a:t>
             </a:r>
             <a:endParaRPr lang="zh-TW" altLang="en-US" sz="2800" dirty="0"/>
           </a:p>

--- a/Oral.pptx
+++ b/Oral.pptx
@@ -5,10 +5,10 @@
     <p:sldMasterId id="2147483828" r:id="rId1"/>
   </p:sldMasterIdLst>
   <p:notesMasterIdLst>
-    <p:notesMasterId r:id="rId38"/>
+    <p:notesMasterId r:id="rId37"/>
   </p:notesMasterIdLst>
   <p:handoutMasterIdLst>
-    <p:handoutMasterId r:id="rId39"/>
+    <p:handoutMasterId r:id="rId38"/>
   </p:handoutMasterIdLst>
   <p:sldIdLst>
     <p:sldId id="256" r:id="rId2"/>
@@ -23,30 +23,29 @@
     <p:sldId id="411" r:id="rId11"/>
     <p:sldId id="388" r:id="rId12"/>
     <p:sldId id="362" r:id="rId13"/>
-    <p:sldId id="364" r:id="rId14"/>
-    <p:sldId id="365" r:id="rId15"/>
-    <p:sldId id="366" r:id="rId16"/>
-    <p:sldId id="368" r:id="rId17"/>
-    <p:sldId id="369" r:id="rId18"/>
-    <p:sldId id="370" r:id="rId19"/>
-    <p:sldId id="415" r:id="rId20"/>
-    <p:sldId id="379" r:id="rId21"/>
-    <p:sldId id="371" r:id="rId22"/>
-    <p:sldId id="372" r:id="rId23"/>
-    <p:sldId id="373" r:id="rId24"/>
-    <p:sldId id="409" r:id="rId25"/>
-    <p:sldId id="410" r:id="rId26"/>
-    <p:sldId id="416" r:id="rId27"/>
-    <p:sldId id="418" r:id="rId28"/>
-    <p:sldId id="419" r:id="rId29"/>
-    <p:sldId id="407" r:id="rId30"/>
-    <p:sldId id="412" r:id="rId31"/>
-    <p:sldId id="376" r:id="rId32"/>
-    <p:sldId id="377" r:id="rId33"/>
-    <p:sldId id="374" r:id="rId34"/>
-    <p:sldId id="413" r:id="rId35"/>
-    <p:sldId id="375" r:id="rId36"/>
-    <p:sldId id="380" r:id="rId37"/>
+    <p:sldId id="420" r:id="rId14"/>
+    <p:sldId id="366" r:id="rId15"/>
+    <p:sldId id="368" r:id="rId16"/>
+    <p:sldId id="369" r:id="rId17"/>
+    <p:sldId id="370" r:id="rId18"/>
+    <p:sldId id="415" r:id="rId19"/>
+    <p:sldId id="379" r:id="rId20"/>
+    <p:sldId id="371" r:id="rId21"/>
+    <p:sldId id="372" r:id="rId22"/>
+    <p:sldId id="373" r:id="rId23"/>
+    <p:sldId id="409" r:id="rId24"/>
+    <p:sldId id="410" r:id="rId25"/>
+    <p:sldId id="416" r:id="rId26"/>
+    <p:sldId id="418" r:id="rId27"/>
+    <p:sldId id="419" r:id="rId28"/>
+    <p:sldId id="407" r:id="rId29"/>
+    <p:sldId id="412" r:id="rId30"/>
+    <p:sldId id="376" r:id="rId31"/>
+    <p:sldId id="377" r:id="rId32"/>
+    <p:sldId id="374" r:id="rId33"/>
+    <p:sldId id="413" r:id="rId34"/>
+    <p:sldId id="375" r:id="rId35"/>
+    <p:sldId id="380" r:id="rId36"/>
   </p:sldIdLst>
   <p:sldSz cx="9144000" cy="6858000" type="screen4x3"/>
   <p:notesSz cx="7099300" cy="10234613"/>
@@ -414,7 +413,7 @@
               <a:pPr>
                 <a:defRPr/>
               </a:pPr>
-              <a:t>2017/11/3</a:t>
+              <a:t>2018/1/4</a:t>
             </a:fld>
             <a:endParaRPr lang="zh-TW" altLang="en-US"/>
           </a:p>
@@ -871,6 +870,1403 @@
 </p:notes>
 </file>
 
+<file path=ppt/notesSlides/notesSlide10.xml><?xml version="1.0" encoding="utf-8"?>
+<p:notes xmlns:a="http://schemas.openxmlformats.org/drawingml/2006/main" xmlns:r="http://schemas.openxmlformats.org/officeDocument/2006/relationships" xmlns:p="http://schemas.openxmlformats.org/presentationml/2006/main">
+  <p:cSld>
+    <p:spTree>
+      <p:nvGrpSpPr>
+        <p:cNvPr id="1" name=""/>
+        <p:cNvGrpSpPr/>
+        <p:nvPr/>
+      </p:nvGrpSpPr>
+      <p:grpSpPr>
+        <a:xfrm>
+          <a:off x="0" y="0"/>
+          <a:ext cx="0" cy="0"/>
+          <a:chOff x="0" y="0"/>
+          <a:chExt cx="0" cy="0"/>
+        </a:xfrm>
+      </p:grpSpPr>
+      <p:sp>
+        <p:nvSpPr>
+          <p:cNvPr id="2" name="投影片圖像版面配置區 1"/>
+          <p:cNvSpPr>
+            <a:spLocks noGrp="1" noRot="1" noChangeAspect="1"/>
+          </p:cNvSpPr>
+          <p:nvPr>
+            <p:ph type="sldImg"/>
+          </p:nvPr>
+        </p:nvSpPr>
+        <p:spPr/>
+      </p:sp>
+      <p:sp>
+        <p:nvSpPr>
+          <p:cNvPr id="3" name="備忘稿版面配置區 2"/>
+          <p:cNvSpPr>
+            <a:spLocks noGrp="1"/>
+          </p:cNvSpPr>
+          <p:nvPr>
+            <p:ph type="body" idx="1"/>
+          </p:nvPr>
+        </p:nvSpPr>
+        <p:spPr/>
+        <p:txBody>
+          <a:bodyPr/>
+          <a:lstStyle/>
+          <a:p>
+            <a:r>
+              <a:rPr lang="zh-TW" altLang="zh-TW" sz="1200" kern="1200" dirty="0" smtClean="0">
+                <a:solidFill>
+                  <a:schemeClr val="tx1"/>
+                </a:solidFill>
+                <a:effectLst/>
+                <a:latin typeface="+mn-lt"/>
+                <a:ea typeface="+mn-ea"/>
+                <a:cs typeface="+mn-cs"/>
+              </a:rPr>
+              <a:t>設定</a:t>
+            </a:r>
+            <a:r>
+              <a:rPr lang="en-US" altLang="zh-TW" sz="1200" kern="1200" dirty="0" smtClean="0">
+                <a:solidFill>
+                  <a:schemeClr val="tx1"/>
+                </a:solidFill>
+                <a:effectLst/>
+                <a:latin typeface="+mn-lt"/>
+                <a:ea typeface="+mn-ea"/>
+                <a:cs typeface="+mn-cs"/>
+              </a:rPr>
+              <a:t>Spring Boot</a:t>
+            </a:r>
+            <a:r>
+              <a:rPr lang="zh-TW" altLang="zh-TW" sz="1200" kern="1200" dirty="0" smtClean="0">
+                <a:solidFill>
+                  <a:schemeClr val="tx1"/>
+                </a:solidFill>
+                <a:effectLst/>
+                <a:latin typeface="+mn-lt"/>
+                <a:ea typeface="+mn-ea"/>
+                <a:cs typeface="+mn-cs"/>
+              </a:rPr>
+              <a:t>的相關環境變數</a:t>
+            </a:r>
+            <a:r>
+              <a:rPr lang="zh-TW" altLang="en-US" sz="1200" kern="1200" dirty="0" smtClean="0">
+                <a:solidFill>
+                  <a:schemeClr val="tx1"/>
+                </a:solidFill>
+                <a:effectLst/>
+                <a:latin typeface="+mn-lt"/>
+                <a:ea typeface="+mn-ea"/>
+                <a:cs typeface="+mn-cs"/>
+              </a:rPr>
+              <a:t>，</a:t>
+            </a:r>
+            <a:r>
+              <a:rPr lang="en-US" altLang="zh-TW" sz="1200" kern="1200" dirty="0" smtClean="0">
+                <a:solidFill>
+                  <a:schemeClr val="tx1"/>
+                </a:solidFill>
+                <a:effectLst/>
+                <a:latin typeface="+mn-lt"/>
+                <a:ea typeface="+mn-ea"/>
+                <a:cs typeface="+mn-cs"/>
+              </a:rPr>
+              <a:t>Spring</a:t>
+            </a:r>
+            <a:r>
+              <a:rPr lang="en-US" altLang="zh-TW" sz="1200" kern="1200" baseline="0" dirty="0" smtClean="0">
+                <a:solidFill>
+                  <a:schemeClr val="tx1"/>
+                </a:solidFill>
+                <a:effectLst/>
+                <a:latin typeface="+mn-lt"/>
+                <a:ea typeface="+mn-ea"/>
+                <a:cs typeface="+mn-cs"/>
+              </a:rPr>
+              <a:t> Boot</a:t>
+            </a:r>
+            <a:r>
+              <a:rPr lang="zh-TW" altLang="en-US" sz="1200" kern="1200" baseline="0" dirty="0" smtClean="0">
+                <a:solidFill>
+                  <a:schemeClr val="tx1"/>
+                </a:solidFill>
+                <a:effectLst/>
+                <a:latin typeface="+mn-lt"/>
+                <a:ea typeface="+mn-ea"/>
+                <a:cs typeface="+mn-cs"/>
+              </a:rPr>
+              <a:t>是</a:t>
+            </a:r>
+            <a:r>
+              <a:rPr lang="zh-TW" altLang="en-US" sz="1200" b="0" i="0" kern="1200" baseline="0" dirty="0" smtClean="0">
+                <a:solidFill>
+                  <a:schemeClr val="tx1"/>
+                </a:solidFill>
+                <a:effectLst/>
+                <a:latin typeface="+mn-lt"/>
+                <a:ea typeface="+mn-ea"/>
+                <a:cs typeface="+mn-cs"/>
+              </a:rPr>
+              <a:t>輕</a:t>
+            </a:r>
+            <a:r>
+              <a:rPr lang="zh-TW" altLang="en-US" sz="1200" b="0" i="0" kern="1200" dirty="0" smtClean="0">
+                <a:solidFill>
+                  <a:schemeClr val="tx1"/>
+                </a:solidFill>
+                <a:effectLst/>
+                <a:latin typeface="+mn-lt"/>
+                <a:ea typeface="+mn-ea"/>
+                <a:cs typeface="+mn-cs"/>
+              </a:rPr>
+              <a:t>量级框架，</a:t>
+            </a:r>
+            <a:r>
+              <a:rPr lang="en-US" altLang="zh-TW" sz="1200" b="0" i="0" kern="1200" dirty="0" smtClean="0">
+                <a:solidFill>
+                  <a:schemeClr val="tx1"/>
+                </a:solidFill>
+                <a:effectLst/>
+                <a:latin typeface="+mn-lt"/>
+                <a:ea typeface="+mn-ea"/>
+                <a:cs typeface="+mn-cs"/>
+              </a:rPr>
+              <a:t>Spring Boot</a:t>
+            </a:r>
+            <a:r>
+              <a:rPr lang="zh-TW" altLang="en-US" sz="1200" b="0" i="0" kern="1200" dirty="0" smtClean="0">
+                <a:solidFill>
+                  <a:schemeClr val="tx1"/>
+                </a:solidFill>
+                <a:effectLst/>
+                <a:latin typeface="+mn-lt"/>
+                <a:ea typeface="+mn-ea"/>
+                <a:cs typeface="+mn-cs"/>
+              </a:rPr>
+              <a:t>框架的核心就是自動配置，只要存在相應的</a:t>
+            </a:r>
+            <a:r>
+              <a:rPr lang="en-US" altLang="zh-TW" sz="1200" b="0" i="0" kern="1200" dirty="0" smtClean="0">
+                <a:solidFill>
+                  <a:schemeClr val="tx1"/>
+                </a:solidFill>
+                <a:effectLst/>
+                <a:latin typeface="+mn-lt"/>
+                <a:ea typeface="+mn-ea"/>
+                <a:cs typeface="+mn-cs"/>
+              </a:rPr>
+              <a:t>jar</a:t>
+            </a:r>
+            <a:r>
+              <a:rPr lang="zh-TW" altLang="en-US" sz="1200" b="0" i="0" kern="1200" dirty="0" smtClean="0">
+                <a:solidFill>
+                  <a:schemeClr val="tx1"/>
+                </a:solidFill>
+                <a:effectLst/>
+                <a:latin typeface="+mn-lt"/>
+                <a:ea typeface="+mn-ea"/>
+                <a:cs typeface="+mn-cs"/>
+              </a:rPr>
+              <a:t>包，</a:t>
+            </a:r>
+            <a:r>
+              <a:rPr lang="en-US" altLang="zh-TW" sz="1200" b="0" i="0" kern="1200" dirty="0" smtClean="0">
+                <a:solidFill>
+                  <a:schemeClr val="tx1"/>
+                </a:solidFill>
+                <a:effectLst/>
+                <a:latin typeface="+mn-lt"/>
+                <a:ea typeface="+mn-ea"/>
+                <a:cs typeface="+mn-cs"/>
+              </a:rPr>
+              <a:t>Spring</a:t>
+            </a:r>
+            <a:r>
+              <a:rPr lang="zh-TW" altLang="en-US" sz="1200" b="0" i="0" kern="1200" dirty="0" smtClean="0">
+                <a:solidFill>
+                  <a:schemeClr val="tx1"/>
+                </a:solidFill>
+                <a:effectLst/>
+                <a:latin typeface="+mn-lt"/>
+                <a:ea typeface="+mn-ea"/>
+                <a:cs typeface="+mn-cs"/>
+              </a:rPr>
+              <a:t>就幫我們自動配置。</a:t>
+            </a:r>
+            <a:endParaRPr lang="zh-TW" altLang="en-US" dirty="0"/>
+          </a:p>
+        </p:txBody>
+      </p:sp>
+      <p:sp>
+        <p:nvSpPr>
+          <p:cNvPr id="4" name="投影片編號版面配置區 3"/>
+          <p:cNvSpPr>
+            <a:spLocks noGrp="1"/>
+          </p:cNvSpPr>
+          <p:nvPr>
+            <p:ph type="sldNum" sz="quarter" idx="10"/>
+          </p:nvPr>
+        </p:nvSpPr>
+        <p:spPr/>
+        <p:txBody>
+          <a:bodyPr/>
+          <a:lstStyle/>
+          <a:p>
+            <a:pPr>
+              <a:defRPr/>
+            </a:pPr>
+            <a:fld id="{6F308B74-7694-4F8D-8B02-081695F7FEB9}" type="slidenum">
+              <a:rPr lang="zh-TW" altLang="en-US" smtClean="0"/>
+              <a:pPr>
+                <a:defRPr/>
+              </a:pPr>
+              <a:t>15</a:t>
+            </a:fld>
+            <a:endParaRPr lang="zh-TW" altLang="en-US"/>
+          </a:p>
+        </p:txBody>
+      </p:sp>
+    </p:spTree>
+    <p:extLst>
+      <p:ext uri="{BB962C8B-B14F-4D97-AF65-F5344CB8AC3E}">
+        <p14:creationId xmlns:p14="http://schemas.microsoft.com/office/powerpoint/2010/main" val="2713929783"/>
+      </p:ext>
+    </p:extLst>
+  </p:cSld>
+  <p:clrMapOvr>
+    <a:masterClrMapping/>
+  </p:clrMapOvr>
+</p:notes>
+</file>
+
+<file path=ppt/notesSlides/notesSlide11.xml><?xml version="1.0" encoding="utf-8"?>
+<p:notes xmlns:a="http://schemas.openxmlformats.org/drawingml/2006/main" xmlns:r="http://schemas.openxmlformats.org/officeDocument/2006/relationships" xmlns:p="http://schemas.openxmlformats.org/presentationml/2006/main">
+  <p:cSld>
+    <p:spTree>
+      <p:nvGrpSpPr>
+        <p:cNvPr id="1" name=""/>
+        <p:cNvGrpSpPr/>
+        <p:nvPr/>
+      </p:nvGrpSpPr>
+      <p:grpSpPr>
+        <a:xfrm>
+          <a:off x="0" y="0"/>
+          <a:ext cx="0" cy="0"/>
+          <a:chOff x="0" y="0"/>
+          <a:chExt cx="0" cy="0"/>
+        </a:xfrm>
+      </p:grpSpPr>
+      <p:sp>
+        <p:nvSpPr>
+          <p:cNvPr id="2" name="投影片圖像版面配置區 1"/>
+          <p:cNvSpPr>
+            <a:spLocks noGrp="1" noRot="1" noChangeAspect="1"/>
+          </p:cNvSpPr>
+          <p:nvPr>
+            <p:ph type="sldImg"/>
+          </p:nvPr>
+        </p:nvSpPr>
+        <p:spPr/>
+      </p:sp>
+      <p:sp>
+        <p:nvSpPr>
+          <p:cNvPr id="3" name="備忘稿版面配置區 2"/>
+          <p:cNvSpPr>
+            <a:spLocks noGrp="1"/>
+          </p:cNvSpPr>
+          <p:nvPr>
+            <p:ph type="body" idx="1"/>
+          </p:nvPr>
+        </p:nvSpPr>
+        <p:spPr/>
+        <p:txBody>
+          <a:bodyPr/>
+          <a:lstStyle/>
+          <a:p>
+            <a:pPr marL="0" marR="0" lvl="0" indent="0" algn="l" defTabSz="914400" rtl="0" eaLnBrk="0" fontAlgn="base" latinLnBrk="0" hangingPunct="0">
+              <a:lnSpc>
+                <a:spcPct val="100000"/>
+              </a:lnSpc>
+              <a:spcBef>
+                <a:spcPct val="30000"/>
+              </a:spcBef>
+              <a:spcAft>
+                <a:spcPct val="0"/>
+              </a:spcAft>
+              <a:buClrTx/>
+              <a:buSzTx/>
+              <a:buFontTx/>
+              <a:buNone/>
+              <a:tabLst/>
+              <a:defRPr/>
+            </a:pPr>
+            <a:r>
+              <a:rPr lang="zh-TW" altLang="zh-TW" sz="1200" kern="1200" dirty="0" smtClean="0">
+                <a:solidFill>
+                  <a:schemeClr val="tx1"/>
+                </a:solidFill>
+                <a:effectLst/>
+                <a:latin typeface="+mn-lt"/>
+                <a:ea typeface="+mn-ea"/>
+                <a:cs typeface="+mn-cs"/>
+              </a:rPr>
+              <a:t>單元測試撰寫在專案程式碼中，</a:t>
+            </a:r>
+            <a:r>
+              <a:rPr lang="en-US" altLang="zh-TW" sz="1200" kern="1200" dirty="0" err="1" smtClean="0">
+                <a:solidFill>
+                  <a:schemeClr val="tx1"/>
+                </a:solidFill>
+                <a:effectLst/>
+                <a:latin typeface="+mn-lt"/>
+                <a:ea typeface="+mn-ea"/>
+                <a:cs typeface="+mn-cs"/>
+              </a:rPr>
+              <a:t>AccountManagement</a:t>
+            </a:r>
+            <a:r>
+              <a:rPr lang="zh-TW" altLang="zh-TW" sz="1200" kern="1200" dirty="0" smtClean="0">
+                <a:solidFill>
+                  <a:schemeClr val="tx1"/>
+                </a:solidFill>
+                <a:effectLst/>
+                <a:latin typeface="+mn-lt"/>
+                <a:ea typeface="+mn-ea"/>
+                <a:cs typeface="+mn-cs"/>
+              </a:rPr>
+              <a:t>共撰寫</a:t>
+            </a:r>
+            <a:r>
+              <a:rPr lang="en-US" altLang="zh-TW" sz="1200" kern="1200" dirty="0" smtClean="0">
+                <a:solidFill>
+                  <a:schemeClr val="tx1"/>
+                </a:solidFill>
+                <a:effectLst/>
+                <a:latin typeface="+mn-lt"/>
+                <a:ea typeface="+mn-ea"/>
+                <a:cs typeface="+mn-cs"/>
+              </a:rPr>
+              <a:t>26</a:t>
+            </a:r>
+            <a:r>
+              <a:rPr lang="zh-TW" altLang="zh-TW" sz="1200" kern="1200" dirty="0" smtClean="0">
+                <a:solidFill>
+                  <a:schemeClr val="tx1"/>
+                </a:solidFill>
+                <a:effectLst/>
+                <a:latin typeface="+mn-lt"/>
+                <a:ea typeface="+mn-ea"/>
+                <a:cs typeface="+mn-cs"/>
+              </a:rPr>
+              <a:t>個單元測試，</a:t>
+            </a:r>
+            <a:r>
+              <a:rPr lang="en-US" altLang="zh-TW" sz="1200" kern="1200" dirty="0" smtClean="0">
+                <a:solidFill>
+                  <a:schemeClr val="tx1"/>
+                </a:solidFill>
+                <a:effectLst/>
+                <a:latin typeface="+mn-lt"/>
+                <a:ea typeface="+mn-ea"/>
+                <a:cs typeface="+mn-cs"/>
+              </a:rPr>
+              <a:t>Notification</a:t>
+            </a:r>
+            <a:r>
+              <a:rPr lang="zh-TW" altLang="zh-TW" sz="1200" kern="1200" dirty="0" smtClean="0">
+                <a:solidFill>
+                  <a:schemeClr val="tx1"/>
+                </a:solidFill>
+                <a:effectLst/>
+                <a:latin typeface="+mn-lt"/>
+                <a:ea typeface="+mn-ea"/>
+                <a:cs typeface="+mn-cs"/>
+              </a:rPr>
+              <a:t>共撰寫</a:t>
+            </a:r>
+            <a:r>
+              <a:rPr lang="en-US" altLang="zh-TW" sz="1200" kern="1200" dirty="0" smtClean="0">
+                <a:solidFill>
+                  <a:schemeClr val="tx1"/>
+                </a:solidFill>
+                <a:effectLst/>
+                <a:latin typeface="+mn-lt"/>
+                <a:ea typeface="+mn-ea"/>
+                <a:cs typeface="+mn-cs"/>
+              </a:rPr>
+              <a:t>41</a:t>
+            </a:r>
+            <a:r>
+              <a:rPr lang="zh-TW" altLang="zh-TW" sz="1200" kern="1200" dirty="0" smtClean="0">
+                <a:solidFill>
+                  <a:schemeClr val="tx1"/>
+                </a:solidFill>
+                <a:effectLst/>
+                <a:latin typeface="+mn-lt"/>
+                <a:ea typeface="+mn-ea"/>
+                <a:cs typeface="+mn-cs"/>
+              </a:rPr>
+              <a:t>個單元測試。</a:t>
+            </a:r>
+          </a:p>
+          <a:p>
+            <a:endParaRPr lang="zh-TW" altLang="en-US" dirty="0"/>
+          </a:p>
+        </p:txBody>
+      </p:sp>
+      <p:sp>
+        <p:nvSpPr>
+          <p:cNvPr id="4" name="投影片編號版面配置區 3"/>
+          <p:cNvSpPr>
+            <a:spLocks noGrp="1"/>
+          </p:cNvSpPr>
+          <p:nvPr>
+            <p:ph type="sldNum" sz="quarter" idx="10"/>
+          </p:nvPr>
+        </p:nvSpPr>
+        <p:spPr/>
+        <p:txBody>
+          <a:bodyPr/>
+          <a:lstStyle/>
+          <a:p>
+            <a:pPr>
+              <a:defRPr/>
+            </a:pPr>
+            <a:fld id="{6F308B74-7694-4F8D-8B02-081695F7FEB9}" type="slidenum">
+              <a:rPr lang="zh-TW" altLang="en-US" smtClean="0"/>
+              <a:pPr>
+                <a:defRPr/>
+              </a:pPr>
+              <a:t>16</a:t>
+            </a:fld>
+            <a:endParaRPr lang="zh-TW" altLang="en-US"/>
+          </a:p>
+        </p:txBody>
+      </p:sp>
+    </p:spTree>
+    <p:extLst>
+      <p:ext uri="{BB962C8B-B14F-4D97-AF65-F5344CB8AC3E}">
+        <p14:creationId xmlns:p14="http://schemas.microsoft.com/office/powerpoint/2010/main" val="261817576"/>
+      </p:ext>
+    </p:extLst>
+  </p:cSld>
+  <p:clrMapOvr>
+    <a:masterClrMapping/>
+  </p:clrMapOvr>
+</p:notes>
+</file>
+
+<file path=ppt/notesSlides/notesSlide12.xml><?xml version="1.0" encoding="utf-8"?>
+<p:notes xmlns:a="http://schemas.openxmlformats.org/drawingml/2006/main" xmlns:r="http://schemas.openxmlformats.org/officeDocument/2006/relationships" xmlns:p="http://schemas.openxmlformats.org/presentationml/2006/main">
+  <p:cSld>
+    <p:spTree>
+      <p:nvGrpSpPr>
+        <p:cNvPr id="1" name=""/>
+        <p:cNvGrpSpPr/>
+        <p:nvPr/>
+      </p:nvGrpSpPr>
+      <p:grpSpPr>
+        <a:xfrm>
+          <a:off x="0" y="0"/>
+          <a:ext cx="0" cy="0"/>
+          <a:chOff x="0" y="0"/>
+          <a:chExt cx="0" cy="0"/>
+        </a:xfrm>
+      </p:grpSpPr>
+      <p:sp>
+        <p:nvSpPr>
+          <p:cNvPr id="2" name="投影片圖像版面配置區 1"/>
+          <p:cNvSpPr>
+            <a:spLocks noGrp="1" noRot="1" noChangeAspect="1"/>
+          </p:cNvSpPr>
+          <p:nvPr>
+            <p:ph type="sldImg"/>
+          </p:nvPr>
+        </p:nvSpPr>
+        <p:spPr/>
+      </p:sp>
+      <p:sp>
+        <p:nvSpPr>
+          <p:cNvPr id="3" name="備忘稿版面配置區 2"/>
+          <p:cNvSpPr>
+            <a:spLocks noGrp="1"/>
+          </p:cNvSpPr>
+          <p:nvPr>
+            <p:ph type="body" idx="1"/>
+          </p:nvPr>
+        </p:nvSpPr>
+        <p:spPr/>
+        <p:txBody>
+          <a:bodyPr/>
+          <a:lstStyle/>
+          <a:p>
+            <a:r>
+              <a:rPr lang="zh-TW" altLang="zh-TW" sz="1200" kern="1200" dirty="0" smtClean="0">
+                <a:solidFill>
+                  <a:schemeClr val="tx1"/>
+                </a:solidFill>
+                <a:effectLst/>
+                <a:latin typeface="+mn-lt"/>
+                <a:ea typeface="+mn-ea"/>
+                <a:cs typeface="+mn-cs"/>
+              </a:rPr>
+              <a:t>當單元測試全部通過後</a:t>
+            </a:r>
+            <a:r>
+              <a:rPr lang="zh-TW" altLang="en-US" sz="1200" kern="1200" dirty="0" smtClean="0">
+                <a:solidFill>
+                  <a:schemeClr val="tx1"/>
+                </a:solidFill>
+                <a:effectLst/>
+                <a:latin typeface="+mn-lt"/>
+                <a:ea typeface="+mn-ea"/>
+                <a:cs typeface="+mn-cs"/>
+              </a:rPr>
+              <a:t>，可以啟動</a:t>
+            </a:r>
+            <a:r>
+              <a:rPr lang="en-US" altLang="zh-TW" sz="1200" kern="1200" dirty="0" err="1" smtClean="0">
+                <a:solidFill>
+                  <a:schemeClr val="tx1"/>
+                </a:solidFill>
+                <a:effectLst/>
+                <a:latin typeface="+mn-lt"/>
+                <a:ea typeface="+mn-ea"/>
+                <a:cs typeface="+mn-cs"/>
+              </a:rPr>
+              <a:t>Microservice</a:t>
+            </a:r>
+            <a:r>
+              <a:rPr lang="zh-TW" altLang="en-US" sz="1200" kern="1200" dirty="0" smtClean="0">
+                <a:solidFill>
+                  <a:schemeClr val="tx1"/>
+                </a:solidFill>
+                <a:effectLst/>
+                <a:latin typeface="+mn-lt"/>
+                <a:ea typeface="+mn-ea"/>
+                <a:cs typeface="+mn-cs"/>
+              </a:rPr>
+              <a:t>，</a:t>
+            </a:r>
+            <a:r>
+              <a:rPr lang="en-US" altLang="zh-TW" sz="1200" kern="1200" dirty="0" smtClean="0">
+                <a:solidFill>
+                  <a:schemeClr val="tx1"/>
+                </a:solidFill>
+                <a:effectLst/>
+                <a:latin typeface="+mn-lt"/>
+                <a:ea typeface="+mn-ea"/>
+                <a:cs typeface="+mn-cs"/>
+              </a:rPr>
+              <a:t>Started Application</a:t>
+            </a:r>
+            <a:r>
+              <a:rPr lang="zh-TW" altLang="zh-TW" sz="1200" kern="1200" dirty="0" smtClean="0">
+                <a:solidFill>
+                  <a:schemeClr val="tx1"/>
+                </a:solidFill>
+                <a:effectLst/>
+                <a:latin typeface="+mn-lt"/>
+                <a:ea typeface="+mn-ea"/>
+                <a:cs typeface="+mn-cs"/>
+              </a:rPr>
+              <a:t>表示</a:t>
+            </a:r>
+            <a:r>
+              <a:rPr lang="en-US" altLang="zh-TW" sz="1200" kern="1200" dirty="0" err="1" smtClean="0">
+                <a:solidFill>
+                  <a:schemeClr val="tx1"/>
+                </a:solidFill>
+                <a:effectLst/>
+                <a:latin typeface="+mn-lt"/>
+                <a:ea typeface="+mn-ea"/>
+                <a:cs typeface="+mn-cs"/>
+              </a:rPr>
+              <a:t>Microservice</a:t>
+            </a:r>
+            <a:r>
+              <a:rPr lang="zh-TW" altLang="zh-TW" sz="1200" kern="1200" dirty="0" smtClean="0">
+                <a:solidFill>
+                  <a:schemeClr val="tx1"/>
+                </a:solidFill>
+                <a:effectLst/>
+                <a:latin typeface="+mn-lt"/>
+                <a:ea typeface="+mn-ea"/>
+                <a:cs typeface="+mn-cs"/>
+              </a:rPr>
+              <a:t>已經被啟動了</a:t>
+            </a:r>
+            <a:r>
+              <a:rPr lang="zh-TW" altLang="en-US" sz="1200" kern="1200" dirty="0" smtClean="0">
+                <a:solidFill>
+                  <a:schemeClr val="tx1"/>
+                </a:solidFill>
+                <a:effectLst/>
+                <a:latin typeface="+mn-lt"/>
+                <a:ea typeface="+mn-ea"/>
+                <a:cs typeface="+mn-cs"/>
+              </a:rPr>
+              <a:t>。</a:t>
+            </a:r>
+            <a:endParaRPr lang="zh-TW" altLang="en-US" dirty="0"/>
+          </a:p>
+        </p:txBody>
+      </p:sp>
+      <p:sp>
+        <p:nvSpPr>
+          <p:cNvPr id="4" name="投影片編號版面配置區 3"/>
+          <p:cNvSpPr>
+            <a:spLocks noGrp="1"/>
+          </p:cNvSpPr>
+          <p:nvPr>
+            <p:ph type="sldNum" sz="quarter" idx="10"/>
+          </p:nvPr>
+        </p:nvSpPr>
+        <p:spPr/>
+        <p:txBody>
+          <a:bodyPr/>
+          <a:lstStyle/>
+          <a:p>
+            <a:pPr>
+              <a:defRPr/>
+            </a:pPr>
+            <a:fld id="{6F308B74-7694-4F8D-8B02-081695F7FEB9}" type="slidenum">
+              <a:rPr lang="zh-TW" altLang="en-US" smtClean="0"/>
+              <a:pPr>
+                <a:defRPr/>
+              </a:pPr>
+              <a:t>17</a:t>
+            </a:fld>
+            <a:endParaRPr lang="zh-TW" altLang="en-US"/>
+          </a:p>
+        </p:txBody>
+      </p:sp>
+    </p:spTree>
+    <p:extLst>
+      <p:ext uri="{BB962C8B-B14F-4D97-AF65-F5344CB8AC3E}">
+        <p14:creationId xmlns:p14="http://schemas.microsoft.com/office/powerpoint/2010/main" val="573655726"/>
+      </p:ext>
+    </p:extLst>
+  </p:cSld>
+  <p:clrMapOvr>
+    <a:masterClrMapping/>
+  </p:clrMapOvr>
+</p:notes>
+</file>
+
+<file path=ppt/notesSlides/notesSlide13.xml><?xml version="1.0" encoding="utf-8"?>
+<p:notes xmlns:a="http://schemas.openxmlformats.org/drawingml/2006/main" xmlns:r="http://schemas.openxmlformats.org/officeDocument/2006/relationships" xmlns:p="http://schemas.openxmlformats.org/presentationml/2006/main">
+  <p:cSld>
+    <p:spTree>
+      <p:nvGrpSpPr>
+        <p:cNvPr id="1" name=""/>
+        <p:cNvGrpSpPr/>
+        <p:nvPr/>
+      </p:nvGrpSpPr>
+      <p:grpSpPr>
+        <a:xfrm>
+          <a:off x="0" y="0"/>
+          <a:ext cx="0" cy="0"/>
+          <a:chOff x="0" y="0"/>
+          <a:chExt cx="0" cy="0"/>
+        </a:xfrm>
+      </p:grpSpPr>
+      <p:sp>
+        <p:nvSpPr>
+          <p:cNvPr id="2" name="投影片圖像版面配置區 1"/>
+          <p:cNvSpPr>
+            <a:spLocks noGrp="1" noRot="1" noChangeAspect="1"/>
+          </p:cNvSpPr>
+          <p:nvPr>
+            <p:ph type="sldImg"/>
+          </p:nvPr>
+        </p:nvSpPr>
+        <p:spPr/>
+      </p:sp>
+      <p:sp>
+        <p:nvSpPr>
+          <p:cNvPr id="3" name="備忘稿版面配置區 2"/>
+          <p:cNvSpPr>
+            <a:spLocks noGrp="1"/>
+          </p:cNvSpPr>
+          <p:nvPr>
+            <p:ph type="body" idx="1"/>
+          </p:nvPr>
+        </p:nvSpPr>
+        <p:spPr/>
+        <p:txBody>
+          <a:bodyPr/>
+          <a:lstStyle/>
+          <a:p>
+            <a:r>
+              <a:rPr lang="zh-TW" altLang="en-US" dirty="0" smtClean="0"/>
+              <a:t>映像</a:t>
+            </a:r>
+            <a:r>
+              <a:rPr lang="en-US" altLang="zh-TW" dirty="0" smtClean="0"/>
+              <a:t>(Image)</a:t>
+            </a:r>
+            <a:r>
+              <a:rPr lang="zh-TW" altLang="en-US" dirty="0" smtClean="0"/>
+              <a:t>是唯讀的不可修改，一個</a:t>
+            </a:r>
+            <a:r>
+              <a:rPr lang="en-US" altLang="zh-TW" dirty="0" smtClean="0"/>
+              <a:t>Image</a:t>
+            </a:r>
+            <a:r>
+              <a:rPr lang="zh-TW" altLang="en-US" dirty="0" smtClean="0"/>
+              <a:t>可以產生出多個不同的容器</a:t>
+            </a:r>
+            <a:r>
+              <a:rPr lang="en-US" altLang="zh-TW" dirty="0" smtClean="0"/>
+              <a:t>(Container)</a:t>
+            </a:r>
+            <a:r>
+              <a:rPr lang="zh-TW" altLang="en-US" dirty="0" smtClean="0"/>
+              <a:t>。</a:t>
+            </a:r>
+            <a:endParaRPr lang="en-US" altLang="zh-TW" dirty="0" smtClean="0"/>
+          </a:p>
+          <a:p>
+            <a:r>
+              <a:rPr lang="zh-TW" altLang="en-US" dirty="0" smtClean="0"/>
+              <a:t>容器是映像的可寫層。</a:t>
+            </a:r>
+            <a:endParaRPr lang="en-US" altLang="zh-TW" dirty="0" smtClean="0"/>
+          </a:p>
+          <a:p>
+            <a:r>
+              <a:rPr lang="zh-TW" altLang="en-US" dirty="0" smtClean="0"/>
+              <a:t>貢獻 </a:t>
+            </a:r>
+            <a:r>
+              <a:rPr lang="en-US" altLang="zh-TW" dirty="0" smtClean="0"/>
+              <a:t>:</a:t>
+            </a:r>
+            <a:r>
+              <a:rPr lang="zh-TW" altLang="en-US" dirty="0" smtClean="0"/>
+              <a:t> 讓</a:t>
+            </a:r>
+            <a:r>
+              <a:rPr lang="en-US" altLang="zh-TW" dirty="0" err="1" smtClean="0"/>
+              <a:t>jenkins</a:t>
+            </a:r>
+            <a:r>
+              <a:rPr lang="zh-TW" altLang="en-US" dirty="0" smtClean="0"/>
+              <a:t>自動跑</a:t>
+            </a:r>
+            <a:r>
+              <a:rPr lang="en-US" altLang="zh-TW" dirty="0" smtClean="0"/>
+              <a:t>Unit Test</a:t>
+            </a:r>
+            <a:r>
+              <a:rPr lang="zh-TW" altLang="en-US" dirty="0" smtClean="0"/>
+              <a:t>，使用</a:t>
+            </a:r>
+            <a:r>
+              <a:rPr lang="en-US" altLang="zh-TW" dirty="0" smtClean="0"/>
+              <a:t>Docker</a:t>
+            </a:r>
+            <a:r>
+              <a:rPr lang="zh-TW" altLang="en-US" dirty="0" smtClean="0"/>
+              <a:t>指定要部署的</a:t>
+            </a:r>
+            <a:r>
+              <a:rPr lang="en-US" altLang="zh-TW" dirty="0" smtClean="0"/>
+              <a:t>port</a:t>
+            </a:r>
+            <a:r>
+              <a:rPr lang="zh-TW" altLang="en-US" dirty="0" smtClean="0"/>
+              <a:t>號，寫驗收測試確認服務已和</a:t>
+            </a:r>
+            <a:r>
+              <a:rPr lang="en-US" altLang="zh-TW" dirty="0" err="1" smtClean="0"/>
+              <a:t>ezScrum</a:t>
+            </a:r>
+            <a:r>
+              <a:rPr lang="zh-TW" altLang="en-US" dirty="0" smtClean="0"/>
+              <a:t>連上線。</a:t>
+            </a:r>
+            <a:endParaRPr lang="zh-TW" altLang="en-US" dirty="0"/>
+          </a:p>
+        </p:txBody>
+      </p:sp>
+      <p:sp>
+        <p:nvSpPr>
+          <p:cNvPr id="4" name="投影片編號版面配置區 3"/>
+          <p:cNvSpPr>
+            <a:spLocks noGrp="1"/>
+          </p:cNvSpPr>
+          <p:nvPr>
+            <p:ph type="sldNum" sz="quarter" idx="10"/>
+          </p:nvPr>
+        </p:nvSpPr>
+        <p:spPr/>
+        <p:txBody>
+          <a:bodyPr/>
+          <a:lstStyle/>
+          <a:p>
+            <a:pPr>
+              <a:defRPr/>
+            </a:pPr>
+            <a:fld id="{6F308B74-7694-4F8D-8B02-081695F7FEB9}" type="slidenum">
+              <a:rPr lang="zh-TW" altLang="en-US" smtClean="0"/>
+              <a:pPr>
+                <a:defRPr/>
+              </a:pPr>
+              <a:t>19</a:t>
+            </a:fld>
+            <a:endParaRPr lang="zh-TW" altLang="en-US"/>
+          </a:p>
+        </p:txBody>
+      </p:sp>
+    </p:spTree>
+    <p:extLst>
+      <p:ext uri="{BB962C8B-B14F-4D97-AF65-F5344CB8AC3E}">
+        <p14:creationId xmlns:p14="http://schemas.microsoft.com/office/powerpoint/2010/main" val="4015106971"/>
+      </p:ext>
+    </p:extLst>
+  </p:cSld>
+  <p:clrMapOvr>
+    <a:masterClrMapping/>
+  </p:clrMapOvr>
+</p:notes>
+</file>
+
+<file path=ppt/notesSlides/notesSlide14.xml><?xml version="1.0" encoding="utf-8"?>
+<p:notes xmlns:a="http://schemas.openxmlformats.org/drawingml/2006/main" xmlns:r="http://schemas.openxmlformats.org/officeDocument/2006/relationships" xmlns:p="http://schemas.openxmlformats.org/presentationml/2006/main">
+  <p:cSld>
+    <p:spTree>
+      <p:nvGrpSpPr>
+        <p:cNvPr id="1" name=""/>
+        <p:cNvGrpSpPr/>
+        <p:nvPr/>
+      </p:nvGrpSpPr>
+      <p:grpSpPr>
+        <a:xfrm>
+          <a:off x="0" y="0"/>
+          <a:ext cx="0" cy="0"/>
+          <a:chOff x="0" y="0"/>
+          <a:chExt cx="0" cy="0"/>
+        </a:xfrm>
+      </p:grpSpPr>
+      <p:sp>
+        <p:nvSpPr>
+          <p:cNvPr id="2" name="投影片圖像版面配置區 1"/>
+          <p:cNvSpPr>
+            <a:spLocks noGrp="1" noRot="1" noChangeAspect="1"/>
+          </p:cNvSpPr>
+          <p:nvPr>
+            <p:ph type="sldImg"/>
+          </p:nvPr>
+        </p:nvSpPr>
+        <p:spPr/>
+      </p:sp>
+      <p:sp>
+        <p:nvSpPr>
+          <p:cNvPr id="3" name="備忘稿版面配置區 2"/>
+          <p:cNvSpPr>
+            <a:spLocks noGrp="1"/>
+          </p:cNvSpPr>
+          <p:nvPr>
+            <p:ph type="body" idx="1"/>
+          </p:nvPr>
+        </p:nvSpPr>
+        <p:spPr/>
+        <p:txBody>
+          <a:bodyPr/>
+          <a:lstStyle/>
+          <a:p>
+            <a:endParaRPr lang="zh-TW" altLang="en-US" dirty="0"/>
+          </a:p>
+        </p:txBody>
+      </p:sp>
+      <p:sp>
+        <p:nvSpPr>
+          <p:cNvPr id="4" name="投影片編號版面配置區 3"/>
+          <p:cNvSpPr>
+            <a:spLocks noGrp="1"/>
+          </p:cNvSpPr>
+          <p:nvPr>
+            <p:ph type="sldNum" sz="quarter" idx="10"/>
+          </p:nvPr>
+        </p:nvSpPr>
+        <p:spPr/>
+        <p:txBody>
+          <a:bodyPr/>
+          <a:lstStyle/>
+          <a:p>
+            <a:pPr>
+              <a:defRPr/>
+            </a:pPr>
+            <a:fld id="{6F308B74-7694-4F8D-8B02-081695F7FEB9}" type="slidenum">
+              <a:rPr lang="zh-TW" altLang="en-US" smtClean="0"/>
+              <a:pPr>
+                <a:defRPr/>
+              </a:pPr>
+              <a:t>25</a:t>
+            </a:fld>
+            <a:endParaRPr lang="zh-TW" altLang="en-US"/>
+          </a:p>
+        </p:txBody>
+      </p:sp>
+    </p:spTree>
+    <p:extLst>
+      <p:ext uri="{BB962C8B-B14F-4D97-AF65-F5344CB8AC3E}">
+        <p14:creationId xmlns:p14="http://schemas.microsoft.com/office/powerpoint/2010/main" val="2382924343"/>
+      </p:ext>
+    </p:extLst>
+  </p:cSld>
+  <p:clrMapOvr>
+    <a:masterClrMapping/>
+  </p:clrMapOvr>
+</p:notes>
+</file>
+
+<file path=ppt/notesSlides/notesSlide15.xml><?xml version="1.0" encoding="utf-8"?>
+<p:notes xmlns:a="http://schemas.openxmlformats.org/drawingml/2006/main" xmlns:r="http://schemas.openxmlformats.org/officeDocument/2006/relationships" xmlns:p="http://schemas.openxmlformats.org/presentationml/2006/main">
+  <p:cSld>
+    <p:spTree>
+      <p:nvGrpSpPr>
+        <p:cNvPr id="1" name=""/>
+        <p:cNvGrpSpPr/>
+        <p:nvPr/>
+      </p:nvGrpSpPr>
+      <p:grpSpPr>
+        <a:xfrm>
+          <a:off x="0" y="0"/>
+          <a:ext cx="0" cy="0"/>
+          <a:chOff x="0" y="0"/>
+          <a:chExt cx="0" cy="0"/>
+        </a:xfrm>
+      </p:grpSpPr>
+      <p:sp>
+        <p:nvSpPr>
+          <p:cNvPr id="2" name="投影片圖像版面配置區 1"/>
+          <p:cNvSpPr>
+            <a:spLocks noGrp="1" noRot="1" noChangeAspect="1"/>
+          </p:cNvSpPr>
+          <p:nvPr>
+            <p:ph type="sldImg"/>
+          </p:nvPr>
+        </p:nvSpPr>
+        <p:spPr/>
+      </p:sp>
+      <p:sp>
+        <p:nvSpPr>
+          <p:cNvPr id="3" name="備忘稿版面配置區 2"/>
+          <p:cNvSpPr>
+            <a:spLocks noGrp="1"/>
+          </p:cNvSpPr>
+          <p:nvPr>
+            <p:ph type="body" idx="1"/>
+          </p:nvPr>
+        </p:nvSpPr>
+        <p:spPr/>
+        <p:txBody>
+          <a:bodyPr/>
+          <a:lstStyle/>
+          <a:p>
+            <a:pPr marL="0" marR="0" lvl="0" indent="0" algn="l" defTabSz="914400" rtl="0" eaLnBrk="0" fontAlgn="base" latinLnBrk="0" hangingPunct="0">
+              <a:lnSpc>
+                <a:spcPct val="100000"/>
+              </a:lnSpc>
+              <a:spcBef>
+                <a:spcPct val="30000"/>
+              </a:spcBef>
+              <a:spcAft>
+                <a:spcPct val="0"/>
+              </a:spcAft>
+              <a:buClrTx/>
+              <a:buSzTx/>
+              <a:buFontTx/>
+              <a:buNone/>
+              <a:tabLst/>
+              <a:defRPr/>
+            </a:pPr>
+            <a:r>
+              <a:rPr lang="en-US" altLang="zh-TW" sz="1200" kern="1200" dirty="0" err="1" smtClean="0">
+                <a:solidFill>
+                  <a:schemeClr val="tx1"/>
+                </a:solidFill>
+                <a:effectLst/>
+                <a:latin typeface="+mn-lt"/>
+                <a:ea typeface="+mn-ea"/>
+                <a:cs typeface="+mn-cs"/>
+              </a:rPr>
+              <a:t>ezScrum</a:t>
+            </a:r>
+            <a:r>
+              <a:rPr lang="zh-TW" altLang="zh-TW" sz="1200" kern="1200" dirty="0" smtClean="0">
+                <a:solidFill>
+                  <a:schemeClr val="tx1"/>
+                </a:solidFill>
+                <a:effectLst/>
+                <a:latin typeface="+mn-lt"/>
+                <a:ea typeface="+mn-ea"/>
+                <a:cs typeface="+mn-cs"/>
+              </a:rPr>
+              <a:t>每次產生一個</a:t>
+            </a:r>
+            <a:r>
+              <a:rPr lang="en-US" altLang="zh-TW" sz="1200" kern="1200" dirty="0" err="1" smtClean="0">
+                <a:solidFill>
+                  <a:schemeClr val="tx1"/>
+                </a:solidFill>
+                <a:effectLst/>
+                <a:latin typeface="+mn-lt"/>
+                <a:ea typeface="+mn-ea"/>
+                <a:cs typeface="+mn-cs"/>
+              </a:rPr>
+              <a:t>Microservice</a:t>
+            </a:r>
+            <a:r>
+              <a:rPr lang="zh-TW" altLang="zh-TW" sz="1200" kern="1200" dirty="0" smtClean="0">
+                <a:solidFill>
+                  <a:schemeClr val="tx1"/>
+                </a:solidFill>
+                <a:effectLst/>
+                <a:latin typeface="+mn-lt"/>
+                <a:ea typeface="+mn-ea"/>
+                <a:cs typeface="+mn-cs"/>
+              </a:rPr>
+              <a:t>即可使用</a:t>
+            </a:r>
+            <a:r>
+              <a:rPr lang="en-US" altLang="zh-TW" sz="1200" kern="1200" dirty="0" smtClean="0">
+                <a:solidFill>
+                  <a:schemeClr val="tx1"/>
+                </a:solidFill>
+                <a:effectLst/>
+                <a:latin typeface="+mn-lt"/>
+                <a:ea typeface="+mn-ea"/>
+                <a:cs typeface="+mn-cs"/>
+              </a:rPr>
+              <a:t>Maven</a:t>
+            </a:r>
+            <a:r>
+              <a:rPr lang="zh-TW" altLang="zh-TW" sz="1200" kern="1200" dirty="0" smtClean="0">
+                <a:solidFill>
+                  <a:schemeClr val="tx1"/>
+                </a:solidFill>
+                <a:effectLst/>
+                <a:latin typeface="+mn-lt"/>
+                <a:ea typeface="+mn-ea"/>
+                <a:cs typeface="+mn-cs"/>
+              </a:rPr>
+              <a:t>的指令產生一個</a:t>
+            </a:r>
+            <a:r>
+              <a:rPr lang="en-US" altLang="zh-TW" sz="1200" kern="1200" dirty="0" smtClean="0">
+                <a:solidFill>
+                  <a:schemeClr val="tx1"/>
+                </a:solidFill>
+                <a:effectLst/>
+                <a:latin typeface="+mn-lt"/>
+                <a:ea typeface="+mn-ea"/>
+                <a:cs typeface="+mn-cs"/>
+              </a:rPr>
+              <a:t>Jar</a:t>
+            </a:r>
+            <a:r>
+              <a:rPr lang="zh-TW" altLang="zh-TW" sz="1200" kern="1200" dirty="0" smtClean="0">
+                <a:solidFill>
+                  <a:schemeClr val="tx1"/>
+                </a:solidFill>
+                <a:effectLst/>
+                <a:latin typeface="+mn-lt"/>
+                <a:ea typeface="+mn-ea"/>
+                <a:cs typeface="+mn-cs"/>
+              </a:rPr>
+              <a:t>包，而每個</a:t>
+            </a:r>
+            <a:r>
+              <a:rPr lang="en-US" altLang="zh-TW" sz="1200" kern="1200" dirty="0" err="1" smtClean="0">
+                <a:solidFill>
+                  <a:schemeClr val="tx1"/>
+                </a:solidFill>
+                <a:effectLst/>
+                <a:latin typeface="+mn-lt"/>
+                <a:ea typeface="+mn-ea"/>
+                <a:cs typeface="+mn-cs"/>
+              </a:rPr>
+              <a:t>Microservice</a:t>
+            </a:r>
+            <a:r>
+              <a:rPr lang="zh-TW" altLang="zh-TW" sz="1200" kern="1200" dirty="0" smtClean="0">
+                <a:solidFill>
+                  <a:schemeClr val="tx1"/>
+                </a:solidFill>
+                <a:effectLst/>
+                <a:latin typeface="+mn-lt"/>
+                <a:ea typeface="+mn-ea"/>
+                <a:cs typeface="+mn-cs"/>
+              </a:rPr>
+              <a:t>可以在同一個</a:t>
+            </a:r>
+            <a:r>
+              <a:rPr lang="en-US" altLang="zh-TW" sz="1200" kern="1200" dirty="0" smtClean="0">
+                <a:solidFill>
+                  <a:schemeClr val="tx1"/>
+                </a:solidFill>
+                <a:effectLst/>
+                <a:latin typeface="+mn-lt"/>
+                <a:ea typeface="+mn-ea"/>
+                <a:cs typeface="+mn-cs"/>
+              </a:rPr>
+              <a:t>IP</a:t>
+            </a:r>
+            <a:r>
+              <a:rPr lang="zh-TW" altLang="zh-TW" sz="1200" kern="1200" dirty="0" smtClean="0">
+                <a:solidFill>
+                  <a:schemeClr val="tx1"/>
+                </a:solidFill>
+                <a:effectLst/>
+                <a:latin typeface="+mn-lt"/>
+                <a:ea typeface="+mn-ea"/>
+                <a:cs typeface="+mn-cs"/>
+              </a:rPr>
+              <a:t>不同的</a:t>
+            </a:r>
+            <a:r>
+              <a:rPr lang="en-US" altLang="zh-TW" sz="1200" kern="1200" dirty="0" smtClean="0">
+                <a:solidFill>
+                  <a:schemeClr val="tx1"/>
+                </a:solidFill>
+                <a:effectLst/>
+                <a:latin typeface="+mn-lt"/>
+                <a:ea typeface="+mn-ea"/>
+                <a:cs typeface="+mn-cs"/>
+              </a:rPr>
+              <a:t>Port</a:t>
+            </a:r>
+            <a:r>
+              <a:rPr lang="zh-TW" altLang="zh-TW" sz="1200" kern="1200" dirty="0" smtClean="0">
+                <a:solidFill>
+                  <a:schemeClr val="tx1"/>
+                </a:solidFill>
+                <a:effectLst/>
+                <a:latin typeface="+mn-lt"/>
+                <a:ea typeface="+mn-ea"/>
+                <a:cs typeface="+mn-cs"/>
+              </a:rPr>
+              <a:t>號進行存取，當一個</a:t>
+            </a:r>
+            <a:r>
+              <a:rPr lang="en-US" altLang="zh-TW" sz="1200" kern="1200" dirty="0" err="1" smtClean="0">
+                <a:solidFill>
+                  <a:schemeClr val="tx1"/>
+                </a:solidFill>
+                <a:effectLst/>
+                <a:latin typeface="+mn-lt"/>
+                <a:ea typeface="+mn-ea"/>
+                <a:cs typeface="+mn-cs"/>
+              </a:rPr>
+              <a:t>Microservice</a:t>
+            </a:r>
+            <a:r>
+              <a:rPr lang="zh-TW" altLang="zh-TW" sz="1200" kern="1200" dirty="0" smtClean="0">
+                <a:solidFill>
+                  <a:schemeClr val="tx1"/>
+                </a:solidFill>
+                <a:effectLst/>
+                <a:latin typeface="+mn-lt"/>
+                <a:ea typeface="+mn-ea"/>
+                <a:cs typeface="+mn-cs"/>
+              </a:rPr>
+              <a:t>產生時，開發人員往往在開發的階段產生多個不同的版本。</a:t>
+            </a:r>
+          </a:p>
+          <a:p>
+            <a:endParaRPr lang="zh-TW" altLang="en-US" dirty="0"/>
+          </a:p>
+        </p:txBody>
+      </p:sp>
+      <p:sp>
+        <p:nvSpPr>
+          <p:cNvPr id="4" name="投影片編號版面配置區 3"/>
+          <p:cNvSpPr>
+            <a:spLocks noGrp="1"/>
+          </p:cNvSpPr>
+          <p:nvPr>
+            <p:ph type="sldNum" sz="quarter" idx="10"/>
+          </p:nvPr>
+        </p:nvSpPr>
+        <p:spPr/>
+        <p:txBody>
+          <a:bodyPr/>
+          <a:lstStyle/>
+          <a:p>
+            <a:pPr>
+              <a:defRPr/>
+            </a:pPr>
+            <a:fld id="{6F308B74-7694-4F8D-8B02-081695F7FEB9}" type="slidenum">
+              <a:rPr lang="zh-TW" altLang="en-US" smtClean="0"/>
+              <a:pPr>
+                <a:defRPr/>
+              </a:pPr>
+              <a:t>26</a:t>
+            </a:fld>
+            <a:endParaRPr lang="zh-TW" altLang="en-US"/>
+          </a:p>
+        </p:txBody>
+      </p:sp>
+    </p:spTree>
+    <p:extLst>
+      <p:ext uri="{BB962C8B-B14F-4D97-AF65-F5344CB8AC3E}">
+        <p14:creationId xmlns:p14="http://schemas.microsoft.com/office/powerpoint/2010/main" val="2560347368"/>
+      </p:ext>
+    </p:extLst>
+  </p:cSld>
+  <p:clrMapOvr>
+    <a:masterClrMapping/>
+  </p:clrMapOvr>
+</p:notes>
+</file>
+
+<file path=ppt/notesSlides/notesSlide16.xml><?xml version="1.0" encoding="utf-8"?>
+<p:notes xmlns:a="http://schemas.openxmlformats.org/drawingml/2006/main" xmlns:r="http://schemas.openxmlformats.org/officeDocument/2006/relationships" xmlns:p="http://schemas.openxmlformats.org/presentationml/2006/main">
+  <p:cSld>
+    <p:spTree>
+      <p:nvGrpSpPr>
+        <p:cNvPr id="1" name=""/>
+        <p:cNvGrpSpPr/>
+        <p:nvPr/>
+      </p:nvGrpSpPr>
+      <p:grpSpPr>
+        <a:xfrm>
+          <a:off x="0" y="0"/>
+          <a:ext cx="0" cy="0"/>
+          <a:chOff x="0" y="0"/>
+          <a:chExt cx="0" cy="0"/>
+        </a:xfrm>
+      </p:grpSpPr>
+      <p:sp>
+        <p:nvSpPr>
+          <p:cNvPr id="2" name="投影片圖像版面配置區 1"/>
+          <p:cNvSpPr>
+            <a:spLocks noGrp="1" noRot="1" noChangeAspect="1"/>
+          </p:cNvSpPr>
+          <p:nvPr>
+            <p:ph type="sldImg"/>
+          </p:nvPr>
+        </p:nvSpPr>
+        <p:spPr/>
+      </p:sp>
+      <p:sp>
+        <p:nvSpPr>
+          <p:cNvPr id="3" name="備忘稿版面配置區 2"/>
+          <p:cNvSpPr>
+            <a:spLocks noGrp="1"/>
+          </p:cNvSpPr>
+          <p:nvPr>
+            <p:ph type="body" idx="1"/>
+          </p:nvPr>
+        </p:nvSpPr>
+        <p:spPr/>
+        <p:txBody>
+          <a:bodyPr/>
+          <a:lstStyle/>
+          <a:p>
+            <a:r>
+              <a:rPr lang="zh-TW" altLang="en-US" dirty="0" smtClean="0"/>
+              <a:t>自動化表示</a:t>
+            </a:r>
+            <a:r>
+              <a:rPr lang="zh-TW" altLang="en-US" sz="1200" b="0" i="0" kern="1200" dirty="0" smtClean="0">
+                <a:solidFill>
+                  <a:schemeClr val="tx1"/>
+                </a:solidFill>
+                <a:effectLst/>
+                <a:latin typeface="+mn-lt"/>
+                <a:ea typeface="+mn-ea"/>
+                <a:cs typeface="+mn-cs"/>
+              </a:rPr>
+              <a:t>需求丟給開發人員開發完後，有了自動化測試，很快就會滑到準備上線；有了自動化佈暑，一不小心就滑到上線了。</a:t>
+            </a:r>
+            <a:endParaRPr lang="en-US" altLang="zh-TW" sz="1200" b="0" i="0" kern="1200" dirty="0" smtClean="0">
+              <a:solidFill>
+                <a:schemeClr val="tx1"/>
+              </a:solidFill>
+              <a:effectLst/>
+              <a:latin typeface="+mn-lt"/>
+              <a:ea typeface="+mn-ea"/>
+              <a:cs typeface="+mn-cs"/>
+            </a:endParaRPr>
+          </a:p>
+          <a:p>
+            <a:r>
+              <a:rPr lang="zh-TW" altLang="en-US" sz="1200" b="1" i="0" kern="1200" dirty="0" smtClean="0">
+                <a:solidFill>
+                  <a:schemeClr val="tx1"/>
+                </a:solidFill>
+                <a:effectLst/>
+                <a:latin typeface="+mn-lt"/>
+                <a:ea typeface="+mn-ea"/>
+                <a:cs typeface="+mn-cs"/>
+              </a:rPr>
+              <a:t>測量</a:t>
+            </a:r>
+            <a:r>
+              <a:rPr lang="zh-TW" altLang="en-US" sz="1200" b="0" i="0" kern="1200" dirty="0" smtClean="0">
+                <a:solidFill>
+                  <a:schemeClr val="tx1"/>
+                </a:solidFill>
+                <a:effectLst/>
+                <a:latin typeface="+mn-lt"/>
+                <a:ea typeface="+mn-ea"/>
+                <a:cs typeface="+mn-cs"/>
+              </a:rPr>
+              <a:t>出來的數據也能分享給團隊所有人，讓開發人員與測試人員，甚至是業務人員都能根據數據做出最好的決策</a:t>
+            </a:r>
+            <a:endParaRPr lang="zh-TW" altLang="en-US" dirty="0"/>
+          </a:p>
+        </p:txBody>
+      </p:sp>
+      <p:sp>
+        <p:nvSpPr>
+          <p:cNvPr id="4" name="投影片編號版面配置區 3"/>
+          <p:cNvSpPr>
+            <a:spLocks noGrp="1"/>
+          </p:cNvSpPr>
+          <p:nvPr>
+            <p:ph type="sldNum" sz="quarter" idx="10"/>
+          </p:nvPr>
+        </p:nvSpPr>
+        <p:spPr/>
+        <p:txBody>
+          <a:bodyPr/>
+          <a:lstStyle/>
+          <a:p>
+            <a:pPr>
+              <a:defRPr/>
+            </a:pPr>
+            <a:fld id="{6F308B74-7694-4F8D-8B02-081695F7FEB9}" type="slidenum">
+              <a:rPr lang="zh-TW" altLang="en-US" smtClean="0"/>
+              <a:pPr>
+                <a:defRPr/>
+              </a:pPr>
+              <a:t>34</a:t>
+            </a:fld>
+            <a:endParaRPr lang="zh-TW" altLang="en-US"/>
+          </a:p>
+        </p:txBody>
+      </p:sp>
+    </p:spTree>
+    <p:extLst>
+      <p:ext uri="{BB962C8B-B14F-4D97-AF65-F5344CB8AC3E}">
+        <p14:creationId xmlns:p14="http://schemas.microsoft.com/office/powerpoint/2010/main" val="271818032"/>
+      </p:ext>
+    </p:extLst>
+  </p:cSld>
+  <p:clrMapOvr>
+    <a:masterClrMapping/>
+  </p:clrMapOvr>
+</p:notes>
+</file>
+
 <file path=ppt/notesSlides/notesSlide2.xml><?xml version="1.0" encoding="utf-8"?>
 <p:notes xmlns:a="http://schemas.openxmlformats.org/drawingml/2006/main" xmlns:r="http://schemas.openxmlformats.org/officeDocument/2006/relationships" xmlns:p="http://schemas.openxmlformats.org/presentationml/2006/main">
   <p:cSld>
@@ -916,43 +2312,16 @@
           <a:lstStyle/>
           <a:p>
             <a:r>
-              <a:rPr lang="zh-TW" altLang="zh-TW" sz="1200" kern="1200" dirty="0" smtClean="0">
-                <a:solidFill>
-                  <a:schemeClr val="tx1"/>
-                </a:solidFill>
-                <a:effectLst/>
-                <a:latin typeface="+mn-lt"/>
-                <a:ea typeface="+mn-ea"/>
-                <a:cs typeface="+mn-cs"/>
-              </a:rPr>
-              <a:t>當服務數量增加，工作量也就相對的增加</a:t>
-            </a:r>
-            <a:r>
-              <a:rPr lang="zh-TW" altLang="en-US" sz="1200" kern="1200" dirty="0" smtClean="0">
-                <a:solidFill>
-                  <a:schemeClr val="tx1"/>
-                </a:solidFill>
-                <a:effectLst/>
-                <a:latin typeface="+mn-lt"/>
-                <a:ea typeface="+mn-ea"/>
-                <a:cs typeface="+mn-cs"/>
-              </a:rPr>
-              <a:t>。</a:t>
-            </a:r>
-            <a:endParaRPr lang="en-US" altLang="zh-TW" sz="1200" kern="1200" dirty="0" smtClean="0">
-              <a:solidFill>
-                <a:schemeClr val="tx1"/>
-              </a:solidFill>
-              <a:effectLst/>
-              <a:latin typeface="+mn-lt"/>
-              <a:ea typeface="+mn-ea"/>
-              <a:cs typeface="+mn-cs"/>
-            </a:endParaRPr>
-          </a:p>
-          <a:p>
-            <a:r>
               <a:rPr lang="zh-TW" altLang="en-US" dirty="0" smtClean="0"/>
-              <a:t>因此本論文提出一個的自動化的方法來，藉此改善軟體強健度。</a:t>
+              <a:t>在</a:t>
+            </a:r>
+            <a:r>
+              <a:rPr lang="en-US" altLang="zh-TW" dirty="0" err="1" smtClean="0"/>
+              <a:t>ezScrum</a:t>
+            </a:r>
+            <a:r>
+              <a:rPr lang="zh-TW" altLang="en-US" dirty="0" smtClean="0"/>
+              <a:t>中，手動佈署需要做編譯、打包、佈署這三件事情，因此本論文提出一個的自動化佈署的方法，藉此改善軟體上線的時間。</a:t>
             </a:r>
             <a:endParaRPr lang="en-US" altLang="zh-TW" dirty="0" smtClean="0"/>
           </a:p>
@@ -1047,6 +2416,38 @@
           <a:bodyPr/>
           <a:lstStyle/>
           <a:p>
+            <a:pPr marL="0" marR="0" lvl="0" indent="0" algn="l" defTabSz="914400" rtl="0" eaLnBrk="0" fontAlgn="base" latinLnBrk="0" hangingPunct="0">
+              <a:lnSpc>
+                <a:spcPct val="100000"/>
+              </a:lnSpc>
+              <a:spcBef>
+                <a:spcPct val="30000"/>
+              </a:spcBef>
+              <a:spcAft>
+                <a:spcPct val="0"/>
+              </a:spcAft>
+              <a:buClrTx/>
+              <a:buSzTx/>
+              <a:buFontTx/>
+              <a:buNone/>
+              <a:tabLst/>
+              <a:defRPr/>
+            </a:pPr>
+            <a:r>
+              <a:rPr kumimoji="0" lang="zh-TW" altLang="en-US" dirty="0" smtClean="0"/>
+              <a:t>本論文將以 </a:t>
+            </a:r>
+            <a:r>
+              <a:rPr kumimoji="0" lang="en-US" altLang="zh-TW" dirty="0" err="1" smtClean="0"/>
+              <a:t>ezScrum</a:t>
+            </a:r>
+            <a:r>
+              <a:rPr kumimoji="0" lang="zh-TW" altLang="en-US" dirty="0" smtClean="0"/>
+              <a:t> 為例，套用本論文提出自動化佈署的方法，讓佈署微服務變得有效率，同時也改善了軟體上線的時間。</a:t>
+            </a:r>
+            <a:endParaRPr kumimoji="0" lang="en-US" altLang="zh-TW" dirty="0" smtClean="0"/>
+          </a:p>
+          <a:p>
             <a:endParaRPr lang="zh-TW" altLang="en-US" dirty="0"/>
           </a:p>
         </p:txBody>
@@ -1074,7 +2475,7 @@
               <a:pPr>
                 <a:defRPr/>
               </a:pPr>
-              <a:t>12</a:t>
+              <a:t>6</a:t>
             </a:fld>
             <a:endParaRPr lang="zh-TW" altLang="en-US"/>
           </a:p>
@@ -1083,7 +2484,7 @@
     </p:spTree>
     <p:extLst>
       <p:ext uri="{BB962C8B-B14F-4D97-AF65-F5344CB8AC3E}">
-        <p14:creationId xmlns:p14="http://schemas.microsoft.com/office/powerpoint/2010/main" val="3185385322"/>
+        <p14:creationId xmlns:p14="http://schemas.microsoft.com/office/powerpoint/2010/main" val="3947706564"/>
       </p:ext>
     </p:extLst>
   </p:cSld>
@@ -1138,18 +2539,179 @@
           <a:lstStyle/>
           <a:p>
             <a:r>
+              <a:rPr lang="en-US" altLang="zh-TW" dirty="0" smtClean="0"/>
+              <a:t>Jenkins</a:t>
+            </a:r>
+            <a:r>
               <a:rPr lang="zh-TW" altLang="en-US" dirty="0" smtClean="0"/>
-              <a:t>使用</a:t>
-            </a:r>
-            <a:r>
-              <a:rPr lang="en-US" altLang="zh-TW" dirty="0" err="1" smtClean="0"/>
-              <a:t>TortoiseGit</a:t>
-            </a:r>
-            <a:r>
-              <a:rPr lang="zh-TW" altLang="en-US" dirty="0" smtClean="0"/>
-              <a:t>下載程式碼</a:t>
-            </a:r>
-            <a:endParaRPr lang="zh-TW" altLang="en-US" dirty="0"/>
+              <a:t>是</a:t>
+            </a:r>
+            <a:r>
+              <a:rPr lang="zh-TW" altLang="zh-TW" sz="1200" kern="1200" dirty="0" smtClean="0">
+                <a:solidFill>
+                  <a:schemeClr val="tx1"/>
+                </a:solidFill>
+                <a:effectLst/>
+                <a:latin typeface="+mn-lt"/>
+                <a:ea typeface="+mn-ea"/>
+                <a:cs typeface="+mn-cs"/>
+              </a:rPr>
+              <a:t>開源軟體提供持續整合的工具，當專案建置完成後，</a:t>
+            </a:r>
+            <a:r>
+              <a:rPr lang="en-US" altLang="zh-TW" sz="1200" kern="1200" dirty="0" smtClean="0">
+                <a:solidFill>
+                  <a:schemeClr val="tx1"/>
+                </a:solidFill>
+                <a:effectLst/>
+                <a:latin typeface="+mn-lt"/>
+                <a:ea typeface="+mn-ea"/>
+                <a:cs typeface="+mn-cs"/>
+              </a:rPr>
+              <a:t>Jenkins</a:t>
+            </a:r>
+            <a:r>
+              <a:rPr lang="zh-TW" altLang="zh-TW" sz="1200" kern="1200" dirty="0" smtClean="0">
+                <a:solidFill>
+                  <a:schemeClr val="tx1"/>
+                </a:solidFill>
+                <a:effectLst/>
+                <a:latin typeface="+mn-lt"/>
+                <a:ea typeface="+mn-ea"/>
+                <a:cs typeface="+mn-cs"/>
+              </a:rPr>
+              <a:t>可以定期執行單元測試、整合測試，並且透過自動化程序同時能監控持續整合中存在的錯誤</a:t>
+            </a:r>
+            <a:r>
+              <a:rPr lang="zh-TW" altLang="en-US" sz="1200" kern="1200" dirty="0" smtClean="0">
+                <a:solidFill>
+                  <a:schemeClr val="tx1"/>
+                </a:solidFill>
+                <a:effectLst/>
+                <a:latin typeface="+mn-lt"/>
+                <a:ea typeface="+mn-ea"/>
+                <a:cs typeface="+mn-cs"/>
+              </a:rPr>
+              <a:t>。</a:t>
+            </a:r>
+            <a:endParaRPr lang="en-US" altLang="zh-TW" sz="1200" kern="1200" dirty="0" smtClean="0">
+              <a:solidFill>
+                <a:schemeClr val="tx1"/>
+              </a:solidFill>
+              <a:effectLst/>
+              <a:latin typeface="+mn-lt"/>
+              <a:ea typeface="+mn-ea"/>
+              <a:cs typeface="+mn-cs"/>
+            </a:endParaRPr>
+          </a:p>
+          <a:p>
+            <a:pPr marL="0" marR="0" lvl="0" indent="0" algn="l" defTabSz="914400" rtl="0" eaLnBrk="0" fontAlgn="base" latinLnBrk="0" hangingPunct="0">
+              <a:lnSpc>
+                <a:spcPct val="100000"/>
+              </a:lnSpc>
+              <a:spcBef>
+                <a:spcPct val="30000"/>
+              </a:spcBef>
+              <a:spcAft>
+                <a:spcPct val="0"/>
+              </a:spcAft>
+              <a:buClrTx/>
+              <a:buSzTx/>
+              <a:buFontTx/>
+              <a:buNone/>
+              <a:tabLst/>
+              <a:defRPr/>
+            </a:pPr>
+            <a:r>
+              <a:rPr lang="en-US" altLang="zh-TW" sz="1200" dirty="0" smtClean="0"/>
+              <a:t>Docker</a:t>
+            </a:r>
+            <a:r>
+              <a:rPr lang="zh-TW" altLang="zh-TW" sz="1200" dirty="0" smtClean="0"/>
+              <a:t>是一個容器能將應用程式進行封裝</a:t>
+            </a:r>
+            <a:r>
+              <a:rPr lang="zh-TW" altLang="en-US" sz="1200" dirty="0" smtClean="0"/>
+              <a:t>，</a:t>
+            </a:r>
+            <a:r>
+              <a:rPr lang="en-US" altLang="zh-TW" sz="1200" kern="1200" dirty="0" smtClean="0">
+                <a:solidFill>
+                  <a:schemeClr val="tx1"/>
+                </a:solidFill>
+                <a:effectLst/>
+                <a:latin typeface="+mn-lt"/>
+                <a:ea typeface="+mn-ea"/>
+                <a:cs typeface="+mn-cs"/>
+              </a:rPr>
+              <a:t>Docker</a:t>
+            </a:r>
+            <a:r>
+              <a:rPr lang="zh-TW" altLang="zh-TW" sz="1200" kern="1200" dirty="0" smtClean="0">
+                <a:solidFill>
+                  <a:schemeClr val="tx1"/>
+                </a:solidFill>
+                <a:effectLst/>
+                <a:latin typeface="+mn-lt"/>
+                <a:ea typeface="+mn-ea"/>
+                <a:cs typeface="+mn-cs"/>
+              </a:rPr>
+              <a:t>容器的啟動可以在數秒間完成，此時</a:t>
+            </a:r>
+            <a:r>
+              <a:rPr lang="en-US" altLang="zh-TW" sz="1200" kern="1200" dirty="0" smtClean="0">
+                <a:solidFill>
+                  <a:schemeClr val="tx1"/>
+                </a:solidFill>
+                <a:effectLst/>
+                <a:latin typeface="+mn-lt"/>
+                <a:ea typeface="+mn-ea"/>
+                <a:cs typeface="+mn-cs"/>
+              </a:rPr>
+              <a:t>Docker</a:t>
+            </a:r>
+            <a:r>
+              <a:rPr lang="zh-TW" altLang="zh-TW" sz="1200" kern="1200" dirty="0" smtClean="0">
+                <a:solidFill>
+                  <a:schemeClr val="tx1"/>
+                </a:solidFill>
+                <a:effectLst/>
+                <a:latin typeface="+mn-lt"/>
+                <a:ea typeface="+mn-ea"/>
+                <a:cs typeface="+mn-cs"/>
+              </a:rPr>
+              <a:t>引擎占用系統的資源較小，而且在一台伺服器上可以執行上千個 </a:t>
+            </a:r>
+            <a:r>
+              <a:rPr lang="en-US" altLang="zh-TW" sz="1200" kern="1200" dirty="0" smtClean="0">
+                <a:solidFill>
+                  <a:schemeClr val="tx1"/>
+                </a:solidFill>
+                <a:effectLst/>
+                <a:latin typeface="+mn-lt"/>
+                <a:ea typeface="+mn-ea"/>
+                <a:cs typeface="+mn-cs"/>
+              </a:rPr>
+              <a:t>Docker</a:t>
+            </a:r>
+            <a:r>
+              <a:rPr lang="zh-TW" altLang="zh-TW" sz="1200" kern="1200" dirty="0" smtClean="0">
+                <a:solidFill>
+                  <a:schemeClr val="tx1"/>
+                </a:solidFill>
+                <a:effectLst/>
+                <a:latin typeface="+mn-lt"/>
+                <a:ea typeface="+mn-ea"/>
+                <a:cs typeface="+mn-cs"/>
+              </a:rPr>
+              <a:t>容器。</a:t>
+            </a:r>
+          </a:p>
+          <a:p>
+            <a:pPr marL="0" indent="0">
+              <a:buNone/>
+            </a:pPr>
+            <a:endParaRPr lang="en-US" altLang="zh-TW" dirty="0" smtClean="0"/>
           </a:p>
         </p:txBody>
       </p:sp>
@@ -1176,7 +2738,7 @@
               <a:pPr>
                 <a:defRPr/>
               </a:pPr>
-              <a:t>13</a:t>
+              <a:t>8</a:t>
             </a:fld>
             <a:endParaRPr lang="zh-TW" altLang="en-US"/>
           </a:p>
@@ -1185,7 +2747,7 @@
     </p:spTree>
     <p:extLst>
       <p:ext uri="{BB962C8B-B14F-4D97-AF65-F5344CB8AC3E}">
-        <p14:creationId xmlns:p14="http://schemas.microsoft.com/office/powerpoint/2010/main" val="579127549"/>
+        <p14:creationId xmlns:p14="http://schemas.microsoft.com/office/powerpoint/2010/main" val="1192674841"/>
       </p:ext>
     </p:extLst>
   </p:cSld>
@@ -1239,10 +2801,6 @@
           <a:bodyPr/>
           <a:lstStyle/>
           <a:p>
-            <a:r>
-              <a:rPr lang="zh-TW" altLang="en-US" dirty="0" smtClean="0"/>
-              <a:t>下載完成產生的檔案</a:t>
-            </a:r>
             <a:endParaRPr lang="zh-TW" altLang="en-US" dirty="0"/>
           </a:p>
         </p:txBody>
@@ -1270,7 +2828,7 @@
               <a:pPr>
                 <a:defRPr/>
               </a:pPr>
-              <a:t>14</a:t>
+              <a:t>9</a:t>
             </a:fld>
             <a:endParaRPr lang="zh-TW" altLang="en-US"/>
           </a:p>
@@ -1279,7 +2837,7 @@
     </p:spTree>
     <p:extLst>
       <p:ext uri="{BB962C8B-B14F-4D97-AF65-F5344CB8AC3E}">
-        <p14:creationId xmlns:p14="http://schemas.microsoft.com/office/powerpoint/2010/main" val="3810037892"/>
+        <p14:creationId xmlns:p14="http://schemas.microsoft.com/office/powerpoint/2010/main" val="51931275"/>
       </p:ext>
     </p:extLst>
   </p:cSld>
@@ -1333,96 +2891,6 @@
           <a:bodyPr/>
           <a:lstStyle/>
           <a:p>
-            <a:r>
-              <a:rPr lang="zh-TW" altLang="en-US" dirty="0" smtClean="0"/>
-              <a:t>映像</a:t>
-            </a:r>
-            <a:r>
-              <a:rPr lang="en-US" altLang="zh-TW" dirty="0" smtClean="0"/>
-              <a:t>(Image)</a:t>
-            </a:r>
-            <a:r>
-              <a:rPr lang="zh-TW" altLang="en-US" dirty="0" smtClean="0"/>
-              <a:t>是唯讀的不可修改，一個</a:t>
-            </a:r>
-            <a:r>
-              <a:rPr lang="en-US" altLang="zh-TW" dirty="0" smtClean="0"/>
-              <a:t>Image</a:t>
-            </a:r>
-            <a:r>
-              <a:rPr lang="zh-TW" altLang="en-US" dirty="0" smtClean="0"/>
-              <a:t>可以產生出多個不同的容器</a:t>
-            </a:r>
-            <a:r>
-              <a:rPr lang="en-US" altLang="zh-TW" dirty="0" smtClean="0"/>
-              <a:t>(Container)</a:t>
-            </a:r>
-            <a:r>
-              <a:rPr lang="zh-TW" altLang="en-US" dirty="0" smtClean="0"/>
-              <a:t>。</a:t>
-            </a:r>
-            <a:endParaRPr lang="en-US" altLang="zh-TW" dirty="0" smtClean="0"/>
-          </a:p>
-          <a:p>
-            <a:r>
-              <a:rPr lang="zh-TW" altLang="en-US" dirty="0" smtClean="0"/>
-              <a:t>容器是映像的可寫層。</a:t>
-            </a:r>
-            <a:endParaRPr lang="en-US" altLang="zh-TW" dirty="0" smtClean="0"/>
-          </a:p>
-          <a:p>
-            <a:r>
-              <a:rPr lang="zh-TW" altLang="en-US" dirty="0" smtClean="0"/>
-              <a:t>貢獻 </a:t>
-            </a:r>
-            <a:r>
-              <a:rPr lang="en-US" altLang="zh-TW" dirty="0" smtClean="0"/>
-              <a:t>:</a:t>
-            </a:r>
-            <a:r>
-              <a:rPr lang="zh-TW" altLang="en-US" dirty="0" smtClean="0"/>
-              <a:t> 讓</a:t>
-            </a:r>
-            <a:r>
-              <a:rPr lang="en-US" altLang="zh-TW" dirty="0" err="1" smtClean="0"/>
-              <a:t>jenkins</a:t>
-            </a:r>
-            <a:r>
-              <a:rPr lang="zh-TW" altLang="en-US" dirty="0" smtClean="0"/>
-              <a:t>自動跑</a:t>
-            </a:r>
-            <a:r>
-              <a:rPr lang="en-US" altLang="zh-TW" dirty="0" smtClean="0"/>
-              <a:t>Unit Test</a:t>
-            </a:r>
-            <a:r>
-              <a:rPr lang="zh-TW" altLang="en-US" dirty="0" smtClean="0"/>
-              <a:t>，使用</a:t>
-            </a:r>
-            <a:r>
-              <a:rPr lang="en-US" altLang="zh-TW" dirty="0" smtClean="0"/>
-              <a:t>Docker</a:t>
-            </a:r>
-            <a:r>
-              <a:rPr lang="zh-TW" altLang="en-US" dirty="0" smtClean="0"/>
-              <a:t>指定要部署的</a:t>
-            </a:r>
-            <a:r>
-              <a:rPr lang="en-US" altLang="zh-TW" dirty="0" smtClean="0"/>
-              <a:t>port</a:t>
-            </a:r>
-            <a:r>
-              <a:rPr lang="zh-TW" altLang="en-US" dirty="0" smtClean="0"/>
-              <a:t>號，寫驗收測試確認服務已和</a:t>
-            </a:r>
-            <a:r>
-              <a:rPr lang="en-US" altLang="zh-TW" dirty="0" err="1" smtClean="0"/>
-              <a:t>ezScrum</a:t>
-            </a:r>
-            <a:r>
-              <a:rPr lang="zh-TW" altLang="en-US" dirty="0" smtClean="0"/>
-              <a:t>連上線。</a:t>
-            </a:r>
             <a:endParaRPr lang="zh-TW" altLang="en-US" dirty="0"/>
           </a:p>
         </p:txBody>
@@ -1450,7 +2918,7 @@
               <a:pPr>
                 <a:defRPr/>
               </a:pPr>
-              <a:t>20</a:t>
+              <a:t>11</a:t>
             </a:fld>
             <a:endParaRPr lang="zh-TW" altLang="en-US"/>
           </a:p>
@@ -1459,7 +2927,7 @@
     </p:spTree>
     <p:extLst>
       <p:ext uri="{BB962C8B-B14F-4D97-AF65-F5344CB8AC3E}">
-        <p14:creationId xmlns:p14="http://schemas.microsoft.com/office/powerpoint/2010/main" val="4015106971"/>
+        <p14:creationId xmlns:p14="http://schemas.microsoft.com/office/powerpoint/2010/main" val="3935532458"/>
       </p:ext>
     </p:extLst>
   </p:cSld>
@@ -1513,6 +2981,34 @@
           <a:bodyPr/>
           <a:lstStyle/>
           <a:p>
+            <a:r>
+              <a:rPr lang="zh-TW" altLang="en-US" dirty="0" smtClean="0"/>
+              <a:t>使用</a:t>
+            </a:r>
+            <a:r>
+              <a:rPr lang="en-US" altLang="zh-TW" dirty="0" err="1" smtClean="0"/>
+              <a:t>Git</a:t>
+            </a:r>
+            <a:r>
+              <a:rPr lang="en-US" altLang="zh-TW" dirty="0" smtClean="0"/>
+              <a:t> Clone</a:t>
+            </a:r>
+            <a:r>
+              <a:rPr lang="zh-TW" altLang="en-US" dirty="0" smtClean="0"/>
+              <a:t>將程式碼從</a:t>
+            </a:r>
+            <a:r>
+              <a:rPr lang="en-US" altLang="zh-TW" dirty="0" smtClean="0"/>
+              <a:t>GitHub</a:t>
+            </a:r>
+            <a:r>
+              <a:rPr lang="zh-TW" altLang="en-US" dirty="0" smtClean="0"/>
+              <a:t>網站中</a:t>
+            </a:r>
+            <a:r>
+              <a:rPr lang="zh-TW" altLang="en-US" dirty="0" smtClean="0"/>
+              <a:t>下載。</a:t>
+            </a:r>
             <a:endParaRPr lang="zh-TW" altLang="en-US" dirty="0"/>
           </a:p>
         </p:txBody>
@@ -1540,7 +3036,7 @@
               <a:pPr>
                 <a:defRPr/>
               </a:pPr>
-              <a:t>26</a:t>
+              <a:t>12</a:t>
             </a:fld>
             <a:endParaRPr lang="zh-TW" altLang="en-US"/>
           </a:p>
@@ -1549,7 +3045,7 @@
     </p:spTree>
     <p:extLst>
       <p:ext uri="{BB962C8B-B14F-4D97-AF65-F5344CB8AC3E}">
-        <p14:creationId xmlns:p14="http://schemas.microsoft.com/office/powerpoint/2010/main" val="2382924343"/>
+        <p14:creationId xmlns:p14="http://schemas.microsoft.com/office/powerpoint/2010/main" val="3185385322"/>
       </p:ext>
     </p:extLst>
   </p:cSld>
@@ -1603,217 +3099,14 @@
           <a:bodyPr/>
           <a:lstStyle/>
           <a:p>
-            <a:pPr marL="0" marR="0" lvl="0" indent="0" algn="l" defTabSz="914400" rtl="0" eaLnBrk="0" fontAlgn="base" latinLnBrk="0" hangingPunct="0">
-              <a:lnSpc>
-                <a:spcPct val="100000"/>
-              </a:lnSpc>
-              <a:spcBef>
-                <a:spcPct val="30000"/>
-              </a:spcBef>
-              <a:spcAft>
-                <a:spcPct val="0"/>
-              </a:spcAft>
-              <a:buClrTx/>
-              <a:buSzTx/>
-              <a:buFontTx/>
-              <a:buNone/>
-              <a:tabLst/>
-              <a:defRPr/>
-            </a:pPr>
-            <a:r>
-              <a:rPr lang="en-US" altLang="zh-TW" sz="1200" kern="1200" dirty="0" err="1" smtClean="0">
-                <a:solidFill>
-                  <a:schemeClr val="tx1"/>
-                </a:solidFill>
-                <a:effectLst/>
-                <a:latin typeface="+mn-lt"/>
-                <a:ea typeface="+mn-ea"/>
-                <a:cs typeface="+mn-cs"/>
-              </a:rPr>
-              <a:t>ezScrum</a:t>
-            </a:r>
-            <a:r>
-              <a:rPr lang="zh-TW" altLang="zh-TW" sz="1200" kern="1200" dirty="0" smtClean="0">
-                <a:solidFill>
-                  <a:schemeClr val="tx1"/>
-                </a:solidFill>
-                <a:effectLst/>
-                <a:latin typeface="+mn-lt"/>
-                <a:ea typeface="+mn-ea"/>
-                <a:cs typeface="+mn-cs"/>
-              </a:rPr>
-              <a:t>每次產生一個</a:t>
-            </a:r>
-            <a:r>
-              <a:rPr lang="en-US" altLang="zh-TW" sz="1200" kern="1200" dirty="0" err="1" smtClean="0">
-                <a:solidFill>
-                  <a:schemeClr val="tx1"/>
-                </a:solidFill>
-                <a:effectLst/>
-                <a:latin typeface="+mn-lt"/>
-                <a:ea typeface="+mn-ea"/>
-                <a:cs typeface="+mn-cs"/>
-              </a:rPr>
-              <a:t>Microservice</a:t>
-            </a:r>
-            <a:r>
-              <a:rPr lang="zh-TW" altLang="zh-TW" sz="1200" kern="1200" dirty="0" smtClean="0">
-                <a:solidFill>
-                  <a:schemeClr val="tx1"/>
-                </a:solidFill>
-                <a:effectLst/>
-                <a:latin typeface="+mn-lt"/>
-                <a:ea typeface="+mn-ea"/>
-                <a:cs typeface="+mn-cs"/>
-              </a:rPr>
-              <a:t>即可使用</a:t>
-            </a:r>
-            <a:r>
-              <a:rPr lang="en-US" altLang="zh-TW" sz="1200" kern="1200" dirty="0" smtClean="0">
-                <a:solidFill>
-                  <a:schemeClr val="tx1"/>
-                </a:solidFill>
-                <a:effectLst/>
-                <a:latin typeface="+mn-lt"/>
-                <a:ea typeface="+mn-ea"/>
-                <a:cs typeface="+mn-cs"/>
-              </a:rPr>
-              <a:t>Maven</a:t>
-            </a:r>
-            <a:r>
-              <a:rPr lang="zh-TW" altLang="zh-TW" sz="1200" kern="1200" dirty="0" smtClean="0">
-                <a:solidFill>
-                  <a:schemeClr val="tx1"/>
-                </a:solidFill>
-                <a:effectLst/>
-                <a:latin typeface="+mn-lt"/>
-                <a:ea typeface="+mn-ea"/>
-                <a:cs typeface="+mn-cs"/>
-              </a:rPr>
-              <a:t>的指令產生一個</a:t>
-            </a:r>
-            <a:r>
-              <a:rPr lang="en-US" altLang="zh-TW" sz="1200" kern="1200" dirty="0" smtClean="0">
-                <a:solidFill>
-                  <a:schemeClr val="tx1"/>
-                </a:solidFill>
-                <a:effectLst/>
-                <a:latin typeface="+mn-lt"/>
-                <a:ea typeface="+mn-ea"/>
-                <a:cs typeface="+mn-cs"/>
-              </a:rPr>
-              <a:t>Jar</a:t>
-            </a:r>
-            <a:r>
-              <a:rPr lang="zh-TW" altLang="zh-TW" sz="1200" kern="1200" dirty="0" smtClean="0">
-                <a:solidFill>
-                  <a:schemeClr val="tx1"/>
-                </a:solidFill>
-                <a:effectLst/>
-                <a:latin typeface="+mn-lt"/>
-                <a:ea typeface="+mn-ea"/>
-                <a:cs typeface="+mn-cs"/>
-              </a:rPr>
-              <a:t>包，而每個</a:t>
-            </a:r>
-            <a:r>
-              <a:rPr lang="en-US" altLang="zh-TW" sz="1200" kern="1200" dirty="0" err="1" smtClean="0">
-                <a:solidFill>
-                  <a:schemeClr val="tx1"/>
-                </a:solidFill>
-                <a:effectLst/>
-                <a:latin typeface="+mn-lt"/>
-                <a:ea typeface="+mn-ea"/>
-                <a:cs typeface="+mn-cs"/>
-              </a:rPr>
-              <a:t>Microservice</a:t>
-            </a:r>
-            <a:r>
-              <a:rPr lang="zh-TW" altLang="zh-TW" sz="1200" kern="1200" dirty="0" smtClean="0">
-                <a:solidFill>
-                  <a:schemeClr val="tx1"/>
-                </a:solidFill>
-                <a:effectLst/>
-                <a:latin typeface="+mn-lt"/>
-                <a:ea typeface="+mn-ea"/>
-                <a:cs typeface="+mn-cs"/>
-              </a:rPr>
-              <a:t>可以在同一個</a:t>
-            </a:r>
-            <a:r>
-              <a:rPr lang="en-US" altLang="zh-TW" sz="1200" kern="1200" dirty="0" smtClean="0">
-                <a:solidFill>
-                  <a:schemeClr val="tx1"/>
-                </a:solidFill>
-                <a:effectLst/>
-                <a:latin typeface="+mn-lt"/>
-                <a:ea typeface="+mn-ea"/>
-                <a:cs typeface="+mn-cs"/>
-              </a:rPr>
-              <a:t>IP</a:t>
-            </a:r>
-            <a:r>
-              <a:rPr lang="zh-TW" altLang="zh-TW" sz="1200" kern="1200" dirty="0" smtClean="0">
-                <a:solidFill>
-                  <a:schemeClr val="tx1"/>
-                </a:solidFill>
-                <a:effectLst/>
-                <a:latin typeface="+mn-lt"/>
-                <a:ea typeface="+mn-ea"/>
-                <a:cs typeface="+mn-cs"/>
-              </a:rPr>
-              <a:t>不同的</a:t>
-            </a:r>
-            <a:r>
-              <a:rPr lang="en-US" altLang="zh-TW" sz="1200" kern="1200" dirty="0" smtClean="0">
-                <a:solidFill>
-                  <a:schemeClr val="tx1"/>
-                </a:solidFill>
-                <a:effectLst/>
-                <a:latin typeface="+mn-lt"/>
-                <a:ea typeface="+mn-ea"/>
-                <a:cs typeface="+mn-cs"/>
-              </a:rPr>
-              <a:t>Port</a:t>
-            </a:r>
-            <a:r>
-              <a:rPr lang="zh-TW" altLang="zh-TW" sz="1200" kern="1200" dirty="0" smtClean="0">
-                <a:solidFill>
-                  <a:schemeClr val="tx1"/>
-                </a:solidFill>
-                <a:effectLst/>
-                <a:latin typeface="+mn-lt"/>
-                <a:ea typeface="+mn-ea"/>
-                <a:cs typeface="+mn-cs"/>
-              </a:rPr>
-              <a:t>號進行存取，當一個</a:t>
-            </a:r>
-            <a:r>
-              <a:rPr lang="en-US" altLang="zh-TW" sz="1200" kern="1200" dirty="0" err="1" smtClean="0">
-                <a:solidFill>
-                  <a:schemeClr val="tx1"/>
-                </a:solidFill>
-                <a:effectLst/>
-                <a:latin typeface="+mn-lt"/>
-                <a:ea typeface="+mn-ea"/>
-                <a:cs typeface="+mn-cs"/>
-              </a:rPr>
-              <a:t>Microservice</a:t>
-            </a:r>
-            <a:r>
-              <a:rPr lang="zh-TW" altLang="zh-TW" sz="1200" kern="1200" dirty="0" smtClean="0">
-                <a:solidFill>
-                  <a:schemeClr val="tx1"/>
-                </a:solidFill>
-                <a:effectLst/>
-                <a:latin typeface="+mn-lt"/>
-                <a:ea typeface="+mn-ea"/>
-                <a:cs typeface="+mn-cs"/>
-              </a:rPr>
-              <a:t>產生時，開發人員往往在開發的階段產生多個不同的版本。</a:t>
-            </a:r>
-          </a:p>
-          <a:p>
+            <a:r>
+              <a:rPr lang="zh-TW" altLang="en-US" dirty="0" smtClean="0"/>
+              <a:t>下載完成在桌面產生的</a:t>
+            </a:r>
+            <a:r>
+              <a:rPr lang="zh-TW" altLang="en-US" dirty="0" smtClean="0"/>
+              <a:t>檔案。</a:t>
+            </a:r>
             <a:endParaRPr lang="zh-TW" altLang="en-US" dirty="0"/>
           </a:p>
         </p:txBody>
@@ -1841,7 +3134,7 @@
               <a:pPr>
                 <a:defRPr/>
               </a:pPr>
-              <a:t>27</a:t>
+              <a:t>13</a:t>
             </a:fld>
             <a:endParaRPr lang="zh-TW" altLang="en-US"/>
           </a:p>
@@ -1850,7 +3143,7 @@
     </p:spTree>
     <p:extLst>
       <p:ext uri="{BB962C8B-B14F-4D97-AF65-F5344CB8AC3E}">
-        <p14:creationId xmlns:p14="http://schemas.microsoft.com/office/powerpoint/2010/main" val="2560347368"/>
+        <p14:creationId xmlns:p14="http://schemas.microsoft.com/office/powerpoint/2010/main" val="934674468"/>
       </p:ext>
     </p:extLst>
   </p:cSld>
@@ -1905,11 +3198,7 @@
           <a:lstStyle/>
           <a:p>
             <a:r>
-              <a:rPr lang="zh-TW" altLang="en-US" dirty="0" smtClean="0"/>
-              <a:t>自動化表示</a:t>
-            </a:r>
-            <a:r>
-              <a:rPr lang="zh-TW" altLang="en-US" sz="1200" b="0" i="0" kern="1200" dirty="0" smtClean="0">
+              <a:rPr lang="zh-TW" altLang="zh-TW" sz="1200" kern="1200" dirty="0" smtClean="0">
                 <a:solidFill>
                   <a:schemeClr val="tx1"/>
                 </a:solidFill>
@@ -1918,21 +3207,10 @@
                 <a:ea typeface="+mn-ea"/>
                 <a:cs typeface="+mn-cs"/>
               </a:rPr>
-              <a:t>需求丟給開發人員開發完後，有了自動化測試，很快就會滑到準備上線；有了自動化佈暑，一不小心就滑到上線了。</a:t>
-            </a:r>
-            <a:endParaRPr lang="en-US" altLang="zh-TW" sz="1200" b="0" i="0" kern="1200" dirty="0" smtClean="0">
-              <a:solidFill>
-                <a:schemeClr val="tx1"/>
-              </a:solidFill>
-              <a:effectLst/>
-              <a:latin typeface="+mn-lt"/>
-              <a:ea typeface="+mn-ea"/>
-              <a:cs typeface="+mn-cs"/>
-            </a:endParaRPr>
-          </a:p>
-          <a:p>
-            <a:r>
-              <a:rPr lang="zh-TW" altLang="en-US" sz="1200" b="1" i="0" kern="1200" dirty="0" smtClean="0">
+              <a:t>市面上有很多</a:t>
+            </a:r>
+            <a:r>
+              <a:rPr lang="en-US" altLang="zh-TW" sz="1200" kern="1200" dirty="0" smtClean="0">
                 <a:solidFill>
                   <a:schemeClr val="tx1"/>
                 </a:solidFill>
@@ -1941,10 +3219,10 @@
                 <a:ea typeface="+mn-ea"/>
                 <a:cs typeface="+mn-cs"/>
               </a:rPr>
-              <a:t>測量</a:t>
-            </a:r>
-            <a:r>
-              <a:rPr lang="zh-TW" altLang="en-US" sz="1200" b="0" i="0" kern="1200" dirty="0" smtClean="0">
+              <a:t>Java</a:t>
+            </a:r>
+            <a:r>
+              <a:rPr lang="zh-TW" altLang="zh-TW" sz="1200" kern="1200" dirty="0" smtClean="0">
                 <a:solidFill>
                   <a:schemeClr val="tx1"/>
                 </a:solidFill>
@@ -1953,7 +3231,199 @@
                 <a:ea typeface="+mn-ea"/>
                 <a:cs typeface="+mn-cs"/>
               </a:rPr>
-              <a:t>出來的數據也能分享給團隊所有人，讓開發人員與測試人員，甚至是業務人員都能根據數據做出最好的決策</a:t>
+              <a:t>的</a:t>
+            </a:r>
+            <a:r>
+              <a:rPr lang="en-US" altLang="zh-TW" sz="1200" kern="1200" dirty="0" smtClean="0">
+                <a:solidFill>
+                  <a:schemeClr val="tx1"/>
+                </a:solidFill>
+                <a:effectLst/>
+                <a:latin typeface="+mn-lt"/>
+                <a:ea typeface="+mn-ea"/>
+                <a:cs typeface="+mn-cs"/>
+              </a:rPr>
+              <a:t>IDE</a:t>
+            </a:r>
+            <a:r>
+              <a:rPr lang="zh-TW" altLang="zh-TW" sz="1200" kern="1200" dirty="0" smtClean="0">
+                <a:solidFill>
+                  <a:schemeClr val="tx1"/>
+                </a:solidFill>
+                <a:effectLst/>
+                <a:latin typeface="+mn-lt"/>
+                <a:ea typeface="+mn-ea"/>
+                <a:cs typeface="+mn-cs"/>
+              </a:rPr>
+              <a:t>，我們選擇</a:t>
+            </a:r>
+            <a:r>
+              <a:rPr lang="en-US" altLang="zh-TW" sz="1200" kern="1200" dirty="0" err="1" smtClean="0">
+                <a:solidFill>
+                  <a:schemeClr val="tx1"/>
+                </a:solidFill>
+                <a:effectLst/>
+                <a:latin typeface="+mn-lt"/>
+                <a:ea typeface="+mn-ea"/>
+                <a:cs typeface="+mn-cs"/>
+              </a:rPr>
+              <a:t>Intellij</a:t>
+            </a:r>
+            <a:r>
+              <a:rPr lang="en-US" altLang="zh-TW" sz="1200" kern="1200" dirty="0" smtClean="0">
+                <a:solidFill>
+                  <a:schemeClr val="tx1"/>
+                </a:solidFill>
+                <a:effectLst/>
+                <a:latin typeface="+mn-lt"/>
+                <a:ea typeface="+mn-ea"/>
+                <a:cs typeface="+mn-cs"/>
+              </a:rPr>
+              <a:t> IDEA</a:t>
+            </a:r>
+            <a:r>
+              <a:rPr lang="zh-TW" altLang="zh-TW" sz="1200" kern="1200" dirty="0" smtClean="0">
+                <a:solidFill>
+                  <a:schemeClr val="tx1"/>
+                </a:solidFill>
+                <a:effectLst/>
+                <a:latin typeface="+mn-lt"/>
+                <a:ea typeface="+mn-ea"/>
+                <a:cs typeface="+mn-cs"/>
+              </a:rPr>
+              <a:t>是此款</a:t>
+            </a:r>
+            <a:r>
+              <a:rPr lang="en-US" altLang="zh-TW" sz="1200" kern="1200" dirty="0" smtClean="0">
+                <a:solidFill>
+                  <a:schemeClr val="tx1"/>
+                </a:solidFill>
+                <a:effectLst/>
+                <a:latin typeface="+mn-lt"/>
+                <a:ea typeface="+mn-ea"/>
+                <a:cs typeface="+mn-cs"/>
+              </a:rPr>
+              <a:t>IDE</a:t>
+            </a:r>
+            <a:r>
+              <a:rPr lang="zh-TW" altLang="zh-TW" sz="1200" kern="1200" dirty="0" smtClean="0">
+                <a:solidFill>
+                  <a:schemeClr val="tx1"/>
+                </a:solidFill>
+                <a:effectLst/>
+                <a:latin typeface="+mn-lt"/>
+                <a:ea typeface="+mn-ea"/>
+                <a:cs typeface="+mn-cs"/>
+              </a:rPr>
+              <a:t>的功能齊全，而且被企業公認為最好用的工具</a:t>
+            </a:r>
+            <a:r>
+              <a:rPr lang="zh-TW" altLang="en-US" sz="1200" kern="1200" dirty="0" smtClean="0">
+                <a:solidFill>
+                  <a:schemeClr val="tx1"/>
+                </a:solidFill>
+                <a:effectLst/>
+                <a:latin typeface="+mn-lt"/>
+                <a:ea typeface="+mn-ea"/>
+                <a:cs typeface="+mn-cs"/>
+              </a:rPr>
+              <a:t>，而</a:t>
+            </a:r>
+            <a:r>
+              <a:rPr lang="en-US" altLang="zh-TW" sz="1200" kern="1200" dirty="0" err="1" smtClean="0">
+                <a:solidFill>
+                  <a:schemeClr val="tx1"/>
+                </a:solidFill>
+                <a:effectLst/>
+                <a:latin typeface="+mn-lt"/>
+                <a:ea typeface="+mn-ea"/>
+                <a:cs typeface="+mn-cs"/>
+              </a:rPr>
+              <a:t>Intellij</a:t>
+            </a:r>
+            <a:r>
+              <a:rPr lang="en-US" altLang="zh-TW" sz="1200" kern="1200" dirty="0" smtClean="0">
+                <a:solidFill>
+                  <a:schemeClr val="tx1"/>
+                </a:solidFill>
+                <a:effectLst/>
+                <a:latin typeface="+mn-lt"/>
+                <a:ea typeface="+mn-ea"/>
+                <a:cs typeface="+mn-cs"/>
+              </a:rPr>
+              <a:t> IDEA</a:t>
+            </a:r>
+            <a:r>
+              <a:rPr lang="zh-TW" altLang="zh-TW" sz="1200" kern="1200" dirty="0" smtClean="0">
+                <a:solidFill>
+                  <a:schemeClr val="tx1"/>
+                </a:solidFill>
+                <a:effectLst/>
+                <a:latin typeface="+mn-lt"/>
+                <a:ea typeface="+mn-ea"/>
+                <a:cs typeface="+mn-cs"/>
+              </a:rPr>
+              <a:t>是</a:t>
+            </a:r>
+            <a:r>
+              <a:rPr lang="en-US" altLang="zh-TW" sz="1200" kern="1200" dirty="0" smtClean="0">
+                <a:solidFill>
+                  <a:schemeClr val="tx1"/>
+                </a:solidFill>
+                <a:effectLst/>
+                <a:latin typeface="+mn-lt"/>
+                <a:ea typeface="+mn-ea"/>
+                <a:cs typeface="+mn-cs"/>
+              </a:rPr>
+              <a:t>Java</a:t>
+            </a:r>
+            <a:r>
+              <a:rPr lang="zh-TW" altLang="zh-TW" sz="1200" kern="1200" dirty="0" smtClean="0">
+                <a:solidFill>
+                  <a:schemeClr val="tx1"/>
+                </a:solidFill>
+                <a:effectLst/>
+                <a:latin typeface="+mn-lt"/>
+                <a:ea typeface="+mn-ea"/>
+                <a:cs typeface="+mn-cs"/>
+              </a:rPr>
+              <a:t>語言開發的</a:t>
+            </a:r>
+            <a:r>
+              <a:rPr lang="en-US" altLang="zh-TW" sz="1200" kern="1200" dirty="0" smtClean="0">
+                <a:solidFill>
+                  <a:schemeClr val="tx1"/>
+                </a:solidFill>
+                <a:effectLst/>
+                <a:latin typeface="+mn-lt"/>
+                <a:ea typeface="+mn-ea"/>
+                <a:cs typeface="+mn-cs"/>
+              </a:rPr>
+              <a:t>IDE</a:t>
+            </a:r>
+            <a:r>
+              <a:rPr lang="zh-TW" altLang="zh-TW" sz="1200" kern="1200" dirty="0" smtClean="0">
+                <a:solidFill>
+                  <a:schemeClr val="tx1"/>
+                </a:solidFill>
+                <a:effectLst/>
+                <a:latin typeface="+mn-lt"/>
+                <a:ea typeface="+mn-ea"/>
+                <a:cs typeface="+mn-cs"/>
+              </a:rPr>
+              <a:t>，同時具備支持主流技術和框架</a:t>
+            </a:r>
+            <a:r>
+              <a:rPr lang="zh-TW" altLang="en-US" sz="1200" kern="1200" dirty="0" smtClean="0">
+                <a:solidFill>
+                  <a:schemeClr val="tx1"/>
+                </a:solidFill>
+                <a:effectLst/>
+                <a:latin typeface="+mn-lt"/>
+                <a:ea typeface="+mn-ea"/>
+                <a:cs typeface="+mn-cs"/>
+              </a:rPr>
+              <a:t>。</a:t>
             </a:r>
             <a:endParaRPr lang="zh-TW" altLang="en-US" dirty="0"/>
           </a:p>
@@ -1982,7 +3452,7 @@
               <a:pPr>
                 <a:defRPr/>
               </a:pPr>
-              <a:t>35</a:t>
+              <a:t>14</a:t>
             </a:fld>
             <a:endParaRPr lang="zh-TW" altLang="en-US"/>
           </a:p>
@@ -1991,7 +3461,7 @@
     </p:spTree>
     <p:extLst>
       <p:ext uri="{BB962C8B-B14F-4D97-AF65-F5344CB8AC3E}">
-        <p14:creationId xmlns:p14="http://schemas.microsoft.com/office/powerpoint/2010/main" val="271818032"/>
+        <p14:creationId xmlns:p14="http://schemas.microsoft.com/office/powerpoint/2010/main" val="1985488740"/>
       </p:ext>
     </p:extLst>
   </p:cSld>
@@ -2227,7 +3697,7 @@
               <a:pPr>
                 <a:defRPr/>
               </a:pPr>
-              <a:t>2017/11/3</a:t>
+              <a:t>2018/1/4</a:t>
             </a:fld>
             <a:endParaRPr lang="zh-TW" altLang="en-US"/>
           </a:p>
@@ -2422,7 +3892,7 @@
               <a:pPr>
                 <a:defRPr/>
               </a:pPr>
-              <a:t>2017/11/3</a:t>
+              <a:t>2018/1/4</a:t>
             </a:fld>
             <a:endParaRPr lang="zh-TW" altLang="en-US"/>
           </a:p>
@@ -2627,7 +4097,7 @@
               <a:pPr>
                 <a:defRPr/>
               </a:pPr>
-              <a:t>2017/11/3</a:t>
+              <a:t>2018/1/4</a:t>
             </a:fld>
             <a:endParaRPr lang="zh-TW" altLang="en-US"/>
           </a:p>
@@ -2804,7 +4274,7 @@
               <a:pPr>
                 <a:defRPr/>
               </a:pPr>
-              <a:t>2017/11/3</a:t>
+              <a:t>2018/1/4</a:t>
             </a:fld>
             <a:endParaRPr lang="zh-TW" altLang="en-US"/>
           </a:p>
@@ -3053,7 +4523,7 @@
               <a:pPr>
                 <a:defRPr/>
               </a:pPr>
-              <a:t>2017/11/3</a:t>
+              <a:t>2018/1/4</a:t>
             </a:fld>
             <a:endParaRPr lang="zh-TW" altLang="en-US"/>
           </a:p>
@@ -3324,7 +4794,7 @@
               <a:pPr>
                 <a:defRPr/>
               </a:pPr>
-              <a:t>2017/11/3</a:t>
+              <a:t>2018/1/4</a:t>
             </a:fld>
             <a:endParaRPr lang="zh-TW" altLang="en-US"/>
           </a:p>
@@ -3637,7 +5107,7 @@
               <a:pPr>
                 <a:defRPr/>
               </a:pPr>
-              <a:t>2017/11/3</a:t>
+              <a:t>2018/1/4</a:t>
             </a:fld>
             <a:endParaRPr lang="zh-TW" altLang="en-US"/>
           </a:p>
@@ -4084,7 +5554,7 @@
               <a:pPr>
                 <a:defRPr/>
               </a:pPr>
-              <a:t>2017/11/3</a:t>
+              <a:t>2018/1/4</a:t>
             </a:fld>
             <a:endParaRPr lang="zh-TW" altLang="en-US"/>
           </a:p>
@@ -4227,7 +5697,7 @@
               <a:pPr>
                 <a:defRPr/>
               </a:pPr>
-              <a:t>2017/11/3</a:t>
+              <a:t>2018/1/4</a:t>
             </a:fld>
             <a:endParaRPr lang="zh-TW" altLang="en-US"/>
           </a:p>
@@ -4347,7 +5817,7 @@
               <a:pPr>
                 <a:defRPr/>
               </a:pPr>
-              <a:t>2017/11/3</a:t>
+              <a:t>2018/1/4</a:t>
             </a:fld>
             <a:endParaRPr lang="zh-TW" altLang="en-US"/>
           </a:p>
@@ -4649,7 +6119,7 @@
               <a:pPr>
                 <a:defRPr/>
               </a:pPr>
-              <a:t>2017/11/3</a:t>
+              <a:t>2018/1/4</a:t>
             </a:fld>
             <a:endParaRPr lang="zh-TW" altLang="en-US"/>
           </a:p>
@@ -4934,7 +6404,7 @@
               <a:pPr>
                 <a:defRPr/>
               </a:pPr>
-              <a:t>2017/11/3</a:t>
+              <a:t>2018/1/4</a:t>
             </a:fld>
             <a:endParaRPr lang="zh-TW" altLang="en-US"/>
           </a:p>
@@ -5200,7 +6670,7 @@
               <a:pPr>
                 <a:defRPr/>
               </a:pPr>
-              <a:t>2017/11/3</a:t>
+              <a:t>2018/1/4</a:t>
             </a:fld>
             <a:endParaRPr lang="zh-TW" altLang="en-US"/>
           </a:p>
@@ -5765,52 +7235,54 @@
           <a:bodyPr/>
           <a:lstStyle/>
           <a:p>
-            <a:pPr eaLnBrk="1" hangingPunct="1">
-              <a:defRPr/>
-            </a:pPr>
             <a:r>
               <a:rPr lang="zh-TW" altLang="zh-TW" dirty="0">
                 <a:effectLst/>
               </a:rPr>
-              <a:t>使用自動化部署改善</a:t>
+              <a:t>微服務自動化佈署</a:t>
+            </a:r>
+            <a:r>
+              <a:rPr lang="en-US" altLang="zh-TW" dirty="0">
+                <a:effectLst/>
+              </a:rPr>
+              <a:t> : </a:t>
+            </a:r>
+            <a:r>
+              <a:rPr lang="zh-TW" altLang="zh-TW" dirty="0">
+                <a:effectLst/>
+              </a:rPr>
+              <a:t>以</a:t>
             </a:r>
             <a:r>
               <a:rPr lang="en-US" altLang="zh-TW" dirty="0" err="1">
                 <a:effectLst/>
               </a:rPr>
-              <a:t>Microservice</a:t>
+              <a:t>ezScrum</a:t>
+            </a:r>
+            <a:r>
+              <a:rPr lang="en-US" altLang="zh-TW" dirty="0">
+                <a:effectLst/>
+              </a:rPr>
+              <a:t> Account Management</a:t>
             </a:r>
             <a:r>
               <a:rPr lang="zh-TW" altLang="zh-TW" dirty="0">
                 <a:effectLst/>
               </a:rPr>
-              <a:t>上線的時間</a:t>
-            </a:r>
-            <a:r>
-              <a:rPr lang="zh-TW" altLang="en-US" dirty="0" smtClean="0">
-                <a:latin typeface="標楷體" pitchFamily="65" charset="-120"/>
-                <a:ea typeface="標楷體" pitchFamily="65" charset="-120"/>
-              </a:rPr>
-              <a:t>：以</a:t>
-            </a:r>
-            <a:r>
-              <a:rPr lang="en-US" altLang="zh-TW" dirty="0" smtClean="0">
-                <a:latin typeface="標楷體" pitchFamily="65" charset="-120"/>
-                <a:ea typeface="標楷體" pitchFamily="65" charset="-120"/>
-              </a:rPr>
-              <a:t>ezScrum</a:t>
-            </a:r>
-            <a:r>
-              <a:rPr lang="zh-TW" altLang="en-US" dirty="0" smtClean="0">
-                <a:latin typeface="標楷體" pitchFamily="65" charset="-120"/>
-                <a:ea typeface="標楷體" pitchFamily="65" charset="-120"/>
+              <a:t>與</a:t>
+            </a:r>
+            <a:r>
+              <a:rPr lang="en-US" altLang="zh-TW" dirty="0">
+                <a:effectLst/>
+              </a:rPr>
+              <a:t>Notification</a:t>
+            </a:r>
+            <a:r>
+              <a:rPr lang="zh-TW" altLang="zh-TW" dirty="0">
+                <a:effectLst/>
               </a:rPr>
               <a:t>為例</a:t>
             </a:r>
-            <a:endParaRPr lang="zh-TW" altLang="en-US" dirty="0">
-              <a:latin typeface="標楷體" pitchFamily="65" charset="-120"/>
-              <a:ea typeface="標楷體" pitchFamily="65" charset="-120"/>
-            </a:endParaRPr>
           </a:p>
         </p:txBody>
       </p:sp>
@@ -5995,7 +7467,7 @@
                 </a:solidFill>
                 <a:latin typeface="標楷體" pitchFamily="65" charset="-120"/>
               </a:rPr>
-              <a:t>201//</a:t>
+              <a:t>2018/1/8</a:t>
             </a:r>
             <a:endParaRPr lang="zh-TW" altLang="en-US" sz="3200" dirty="0">
               <a:solidFill>
@@ -6389,24 +7861,8 @@
               <a:t>.</a:t>
             </a:r>
             <a:r>
-              <a:rPr lang="zh-TW" altLang="en-US" sz="2800" dirty="0" smtClean="0"/>
-              <a:t>下載</a:t>
-            </a:r>
-            <a:r>
-              <a:rPr lang="zh-TW" altLang="en-US" sz="2800" dirty="0"/>
-              <a:t>與安裝要編譯與執行的</a:t>
-            </a:r>
-            <a:r>
-              <a:rPr lang="en-US" altLang="zh-TW" sz="2800" dirty="0"/>
-              <a:t>IDE </a:t>
-            </a:r>
-            <a:r>
-              <a:rPr lang="en-US" altLang="zh-TW" sz="2800" dirty="0" smtClean="0"/>
-              <a:t>:</a:t>
-            </a:r>
-            <a:r>
-              <a:rPr lang="zh-TW" altLang="en-US" sz="2800" dirty="0" smtClean="0"/>
-              <a:t> </a:t>
+              <a:rPr lang="zh-TW" altLang="zh-TW" sz="2800" dirty="0"/>
+              <a:t>使用</a:t>
             </a:r>
             <a:r>
               <a:rPr lang="en-US" altLang="zh-TW" sz="2800" dirty="0" err="1"/>
@@ -6414,72 +7870,45 @@
             </a:r>
             <a:r>
               <a:rPr lang="en-US" altLang="zh-TW" sz="2800" dirty="0"/>
-              <a:t> </a:t>
-            </a:r>
-            <a:r>
-              <a:rPr lang="en-US" altLang="zh-TW" sz="2800" dirty="0" smtClean="0"/>
+              <a:t> IDEA</a:t>
+            </a:r>
+            <a:r>
+              <a:rPr lang="zh-TW" altLang="zh-TW" sz="2800" dirty="0"/>
+              <a:t>的</a:t>
+            </a:r>
+            <a:r>
+              <a:rPr lang="en-US" altLang="zh-TW" sz="2800" dirty="0"/>
               <a:t>IDE</a:t>
             </a:r>
             <a:r>
-              <a:rPr lang="zh-TW" altLang="en-US" sz="2800" dirty="0" smtClean="0"/>
-              <a:t>與</a:t>
-            </a:r>
-            <a:r>
-              <a:rPr lang="zh-TW" altLang="en-US" sz="2800" dirty="0" smtClean="0">
-                <a:latin typeface="標楷體" panose="03000509000000000000" pitchFamily="65" charset="-120"/>
-              </a:rPr>
-              <a:t>設定</a:t>
-            </a:r>
-            <a:r>
-              <a:rPr lang="zh-TW" altLang="en-US" sz="2800" dirty="0">
-                <a:latin typeface="標楷體" panose="03000509000000000000" pitchFamily="65" charset="-120"/>
-              </a:rPr>
-              <a:t>要執行環境變數</a:t>
-            </a:r>
-            <a:r>
-              <a:rPr lang="en-US" altLang="zh-TW" sz="2800" dirty="0">
-                <a:latin typeface="標楷體" panose="03000509000000000000" pitchFamily="65" charset="-120"/>
-              </a:rPr>
-              <a:t>(Spring boot</a:t>
-            </a:r>
+              <a:rPr lang="zh-TW" altLang="zh-TW" sz="2800" dirty="0"/>
+              <a:t>執行專案且設定要執行的環境</a:t>
+            </a:r>
+            <a:r>
+              <a:rPr lang="zh-TW" altLang="zh-TW" sz="2800" dirty="0" smtClean="0"/>
+              <a:t>變數</a:t>
+            </a:r>
+            <a:endParaRPr lang="en-US" altLang="zh-TW" sz="2800" dirty="0" smtClean="0"/>
+          </a:p>
+          <a:p>
+            <a:pPr marL="0" indent="0">
+              <a:buNone/>
+            </a:pPr>
             <a:r>
               <a:rPr lang="en-US" altLang="zh-TW" sz="2800" dirty="0" smtClean="0">
                 <a:latin typeface="標楷體" panose="03000509000000000000" pitchFamily="65" charset="-120"/>
               </a:rPr>
-              <a:t>)</a:t>
-            </a:r>
-          </a:p>
-          <a:p>
-            <a:pPr marL="0" indent="0">
-              <a:buNone/>
-            </a:pPr>
-            <a:r>
-              <a:rPr lang="en-US" altLang="zh-TW" sz="2800" dirty="0">
-                <a:latin typeface="標楷體" panose="03000509000000000000" pitchFamily="65" charset="-120"/>
-              </a:rPr>
-              <a:t>3</a:t>
-            </a:r>
-            <a:r>
-              <a:rPr lang="en-US" altLang="zh-TW" sz="2800" dirty="0" smtClean="0">
-                <a:latin typeface="標楷體" panose="03000509000000000000" pitchFamily="65" charset="-120"/>
-              </a:rPr>
-              <a:t>.</a:t>
-            </a:r>
-            <a:r>
-              <a:rPr lang="zh-TW" altLang="en-US" sz="2800" dirty="0" smtClean="0">
-                <a:latin typeface="標楷體" panose="03000509000000000000" pitchFamily="65" charset="-120"/>
-              </a:rPr>
-              <a:t>跑單元</a:t>
-            </a:r>
-            <a:r>
-              <a:rPr lang="zh-TW" altLang="en-US" sz="2800" dirty="0" smtClean="0">
-                <a:latin typeface="標楷體" panose="03000509000000000000" pitchFamily="65" charset="-120"/>
-              </a:rPr>
+              <a:t>3.</a:t>
+            </a:r>
+            <a:r>
+              <a:rPr lang="zh-TW" altLang="zh-TW" sz="2800" dirty="0"/>
+              <a:t>執行單元</a:t>
+            </a:r>
+            <a:r>
+              <a:rPr lang="zh-TW" altLang="zh-TW" sz="2800" dirty="0" smtClean="0"/>
               <a:t>測試</a:t>
             </a:r>
-            <a:endParaRPr lang="en-US" altLang="zh-TW" sz="2800" dirty="0" smtClean="0">
-              <a:latin typeface="標楷體" panose="03000509000000000000" pitchFamily="65" charset="-120"/>
-            </a:endParaRPr>
+            <a:endParaRPr lang="en-US" altLang="zh-TW" sz="2800" dirty="0" smtClean="0"/>
           </a:p>
           <a:p>
             <a:pPr marL="0" indent="0">
@@ -6788,54 +8217,18 @@
         </p:blipFill>
         <p:spPr>
           <a:xfrm>
-            <a:off x="0" y="1772816"/>
-            <a:ext cx="9144000" cy="4221990"/>
+            <a:off x="31530" y="1340768"/>
+            <a:ext cx="9112469" cy="4938279"/>
           </a:xfrm>
           <a:prstGeom prst="rect">
             <a:avLst/>
           </a:prstGeom>
         </p:spPr>
       </p:pic>
-      <p:cxnSp>
-        <p:nvCxnSpPr>
-          <p:cNvPr id="7" name="直線單箭頭接點 6"/>
-          <p:cNvCxnSpPr/>
-          <p:nvPr/>
-        </p:nvCxnSpPr>
-        <p:spPr>
-          <a:xfrm flipV="1">
-            <a:off x="1619672" y="2708920"/>
-            <a:ext cx="2520280" cy="1512168"/>
-          </a:xfrm>
-          <a:prstGeom prst="straightConnector1">
-            <a:avLst/>
-          </a:prstGeom>
-          <a:ln>
-            <a:solidFill>
-              <a:srgbClr val="FF0000"/>
-            </a:solidFill>
-            <a:tailEnd type="triangle"/>
-          </a:ln>
-        </p:spPr>
-        <p:style>
-          <a:lnRef idx="1">
-            <a:schemeClr val="accent1"/>
-          </a:lnRef>
-          <a:fillRef idx="0">
-            <a:schemeClr val="accent1"/>
-          </a:fillRef>
-          <a:effectRef idx="0">
-            <a:schemeClr val="accent1"/>
-          </a:effectRef>
-          <a:fontRef idx="minor">
-            <a:schemeClr val="tx1"/>
-          </a:fontRef>
-        </p:style>
-      </p:cxnSp>
     </p:spTree>
     <p:extLst>
       <p:ext uri="{BB962C8B-B14F-4D97-AF65-F5344CB8AC3E}">
-        <p14:creationId xmlns:p14="http://schemas.microsoft.com/office/powerpoint/2010/main" val="3558745422"/>
+        <p14:creationId xmlns:p14="http://schemas.microsoft.com/office/powerpoint/2010/main" val="4212929102"/>
       </p:ext>
     </p:extLst>
   </p:cSld>
@@ -6871,6 +8264,95 @@
       </p:grpSpPr>
       <p:sp>
         <p:nvSpPr>
+          <p:cNvPr id="2" name="標題 1"/>
+          <p:cNvSpPr>
+            <a:spLocks noGrp="1"/>
+          </p:cNvSpPr>
+          <p:nvPr>
+            <p:ph type="title"/>
+          </p:nvPr>
+        </p:nvSpPr>
+        <p:spPr/>
+        <p:txBody>
+          <a:bodyPr/>
+          <a:lstStyle/>
+          <a:p>
+            <a:endParaRPr lang="zh-TW" altLang="en-US" dirty="0"/>
+          </a:p>
+        </p:txBody>
+      </p:sp>
+      <p:sp>
+        <p:nvSpPr>
+          <p:cNvPr id="3" name="內容版面配置區 2"/>
+          <p:cNvSpPr>
+            <a:spLocks noGrp="1"/>
+          </p:cNvSpPr>
+          <p:nvPr>
+            <p:ph idx="1"/>
+          </p:nvPr>
+        </p:nvSpPr>
+        <p:spPr/>
+        <p:txBody>
+          <a:bodyPr/>
+          <a:lstStyle/>
+          <a:p>
+            <a:pPr marL="0" indent="0">
+              <a:buNone/>
+            </a:pPr>
+            <a:r>
+              <a:rPr lang="en-US" altLang="zh-TW" sz="2000" dirty="0" smtClean="0"/>
+              <a:t>2.</a:t>
+            </a:r>
+            <a:r>
+              <a:rPr lang="zh-TW" altLang="zh-TW" sz="2000" dirty="0" smtClean="0"/>
+              <a:t>使用</a:t>
+            </a:r>
+            <a:r>
+              <a:rPr lang="en-US" altLang="zh-TW" sz="2000" dirty="0">
+                <a:hlinkClick r:id="rId3"/>
+              </a:rPr>
+              <a:t>IntelliJ </a:t>
+            </a:r>
+            <a:r>
+              <a:rPr lang="en-US" altLang="zh-TW" sz="2000" dirty="0" smtClean="0">
+                <a:hlinkClick r:id="rId3"/>
+              </a:rPr>
+              <a:t>IDEA</a:t>
+            </a:r>
+            <a:r>
+              <a:rPr lang="zh-TW" altLang="zh-TW" sz="2000" dirty="0" smtClean="0"/>
+              <a:t>的</a:t>
+            </a:r>
+            <a:r>
+              <a:rPr lang="en-US" altLang="zh-TW" sz="2000" dirty="0"/>
+              <a:t>IDE</a:t>
+            </a:r>
+            <a:r>
+              <a:rPr lang="zh-TW" altLang="zh-TW" sz="2000" dirty="0"/>
+              <a:t>執行</a:t>
+            </a:r>
+            <a:r>
+              <a:rPr lang="zh-TW" altLang="zh-TW" sz="2000" dirty="0" smtClean="0"/>
+              <a:t>專案</a:t>
+            </a:r>
+            <a:r>
+              <a:rPr lang="zh-TW" altLang="en-US" sz="2000" dirty="0" smtClean="0"/>
+              <a:t> </a:t>
+            </a:r>
+            <a:r>
+              <a:rPr lang="en-US" altLang="zh-TW" sz="2000" dirty="0" smtClean="0"/>
+              <a:t>:</a:t>
+            </a:r>
+            <a:r>
+              <a:rPr lang="zh-TW" altLang="en-US" sz="2000" dirty="0" smtClean="0"/>
+              <a:t> </a:t>
+            </a:r>
+            <a:endParaRPr lang="en-US" altLang="zh-TW" sz="2000" dirty="0"/>
+          </a:p>
+        </p:txBody>
+      </p:sp>
+      <p:sp>
+        <p:nvSpPr>
           <p:cNvPr id="4" name="投影片編號版面配置區 3"/>
           <p:cNvSpPr>
             <a:spLocks noGrp="1"/>
@@ -6907,15 +8389,15 @@
           <p:nvPr/>
         </p:nvPicPr>
         <p:blipFill>
-          <a:blip r:embed="rId3"/>
+          <a:blip r:embed="rId4"/>
           <a:stretch>
             <a:fillRect/>
           </a:stretch>
         </p:blipFill>
         <p:spPr>
           <a:xfrm>
-            <a:off x="31530" y="1340768"/>
-            <a:ext cx="9112469" cy="4938279"/>
+            <a:off x="611560" y="1981208"/>
+            <a:ext cx="7308304" cy="4864216"/>
           </a:xfrm>
           <a:prstGeom prst="rect">
             <a:avLst/>
@@ -6925,7 +8407,7 @@
     </p:spTree>
     <p:extLst>
       <p:ext uri="{BB962C8B-B14F-4D97-AF65-F5344CB8AC3E}">
-        <p14:creationId xmlns:p14="http://schemas.microsoft.com/office/powerpoint/2010/main" val="4105638983"/>
+        <p14:creationId xmlns:p14="http://schemas.microsoft.com/office/powerpoint/2010/main" val="3312868546"/>
       </p:ext>
     </p:extLst>
   </p:cSld>
@@ -6974,7 +8456,7 @@
           <a:bodyPr/>
           <a:lstStyle/>
           <a:p>
-            <a:endParaRPr lang="zh-TW" altLang="en-US" dirty="0"/>
+            <a:endParaRPr lang="zh-TW" altLang="en-US"/>
           </a:p>
         </p:txBody>
       </p:sp>
@@ -6997,23 +8479,40 @@
               <a:buNone/>
             </a:pPr>
             <a:r>
-              <a:rPr lang="en-US" altLang="zh-TW" sz="2000" dirty="0" smtClean="0"/>
-              <a:t>2.</a:t>
-            </a:r>
-            <a:r>
-              <a:rPr lang="zh-TW" altLang="en-US" sz="2000" dirty="0" smtClean="0"/>
-              <a:t>下載與安裝要編譯與執行的</a:t>
-            </a:r>
-            <a:r>
-              <a:rPr lang="en-US" altLang="zh-TW" sz="2000" dirty="0" smtClean="0"/>
-              <a:t>IDE : </a:t>
+              <a:rPr lang="zh-TW" altLang="en-US" sz="2000" dirty="0" smtClean="0">
+                <a:latin typeface="標楷體" panose="03000509000000000000" pitchFamily="65" charset="-120"/>
+              </a:rPr>
+              <a:t>設定要執行環境變數</a:t>
             </a:r>
             <a:r>
               <a:rPr lang="en-US" altLang="zh-TW" sz="2000" dirty="0" smtClean="0">
-                <a:hlinkClick r:id="rId2"/>
-              </a:rPr>
-              <a:t>IntelliJ IDEA</a:t>
-            </a:r>
+                <a:latin typeface="標楷體" panose="03000509000000000000" pitchFamily="65" charset="-120"/>
+              </a:rPr>
+              <a:t>(Spring boot)</a:t>
+            </a:r>
+            <a:r>
+              <a:rPr lang="zh-TW" altLang="en-US" sz="2000" dirty="0" smtClean="0">
+                <a:latin typeface="標楷體" panose="03000509000000000000" pitchFamily="65" charset="-120"/>
+              </a:rPr>
+              <a:t> </a:t>
+            </a:r>
+            <a:r>
+              <a:rPr lang="en-US" altLang="zh-TW" sz="2000" dirty="0" smtClean="0">
+                <a:latin typeface="標楷體" panose="03000509000000000000" pitchFamily="65" charset="-120"/>
+              </a:rPr>
+              <a:t>:</a:t>
+            </a:r>
+            <a:r>
+              <a:rPr lang="zh-TW" altLang="en-US" sz="2000" dirty="0" smtClean="0">
+                <a:latin typeface="標楷體" panose="03000509000000000000" pitchFamily="65" charset="-120"/>
+              </a:rPr>
+              <a:t> </a:t>
+            </a:r>
+            <a:endParaRPr lang="en-US" altLang="zh-TW" sz="2000" dirty="0" smtClean="0">
+              <a:latin typeface="標楷體" panose="03000509000000000000" pitchFamily="65" charset="-120"/>
+            </a:endParaRPr>
+          </a:p>
+          <a:p>
             <a:endParaRPr lang="zh-TW" altLang="en-US" sz="2000" dirty="0"/>
           </a:p>
         </p:txBody>
@@ -7042,151 +8541,6 @@
                 <a:defRPr/>
               </a:pPr>
               <a:t>15</a:t>
-            </a:fld>
-            <a:endParaRPr lang="zh-TW" altLang="en-US"/>
-          </a:p>
-        </p:txBody>
-      </p:sp>
-      <p:pic>
-        <p:nvPicPr>
-          <p:cNvPr id="5" name="圖片 4"/>
-          <p:cNvPicPr>
-            <a:picLocks noChangeAspect="1"/>
-          </p:cNvPicPr>
-          <p:nvPr/>
-        </p:nvPicPr>
-        <p:blipFill>
-          <a:blip r:embed="rId3"/>
-          <a:stretch>
-            <a:fillRect/>
-          </a:stretch>
-        </p:blipFill>
-        <p:spPr>
-          <a:xfrm>
-            <a:off x="611560" y="1993784"/>
-            <a:ext cx="7308304" cy="4864216"/>
-          </a:xfrm>
-          <a:prstGeom prst="rect">
-            <a:avLst/>
-          </a:prstGeom>
-        </p:spPr>
-      </p:pic>
-    </p:spTree>
-    <p:extLst>
-      <p:ext uri="{BB962C8B-B14F-4D97-AF65-F5344CB8AC3E}">
-        <p14:creationId xmlns:p14="http://schemas.microsoft.com/office/powerpoint/2010/main" val="3312868546"/>
-      </p:ext>
-    </p:extLst>
-  </p:cSld>
-  <p:clrMapOvr>
-    <a:masterClrMapping/>
-  </p:clrMapOvr>
-  <p:timing>
-    <p:tnLst>
-      <p:par>
-        <p:cTn id="1" dur="indefinite" restart="never" nodeType="tmRoot"/>
-      </p:par>
-    </p:tnLst>
-  </p:timing>
-</p:sld>
-</file>
-
-<file path=ppt/slides/slide16.xml><?xml version="1.0" encoding="utf-8"?>
-<p:sld xmlns:a="http://schemas.openxmlformats.org/drawingml/2006/main" xmlns:r="http://schemas.openxmlformats.org/officeDocument/2006/relationships" xmlns:p="http://schemas.openxmlformats.org/presentationml/2006/main">
-  <p:cSld>
-    <p:spTree>
-      <p:nvGrpSpPr>
-        <p:cNvPr id="1" name=""/>
-        <p:cNvGrpSpPr/>
-        <p:nvPr/>
-      </p:nvGrpSpPr>
-      <p:grpSpPr>
-        <a:xfrm>
-          <a:off x="0" y="0"/>
-          <a:ext cx="0" cy="0"/>
-          <a:chOff x="0" y="0"/>
-          <a:chExt cx="0" cy="0"/>
-        </a:xfrm>
-      </p:grpSpPr>
-      <p:sp>
-        <p:nvSpPr>
-          <p:cNvPr id="2" name="標題 1"/>
-          <p:cNvSpPr>
-            <a:spLocks noGrp="1"/>
-          </p:cNvSpPr>
-          <p:nvPr>
-            <p:ph type="title"/>
-          </p:nvPr>
-        </p:nvSpPr>
-        <p:spPr/>
-        <p:txBody>
-          <a:bodyPr/>
-          <a:lstStyle/>
-          <a:p>
-            <a:endParaRPr lang="zh-TW" altLang="en-US"/>
-          </a:p>
-        </p:txBody>
-      </p:sp>
-      <p:sp>
-        <p:nvSpPr>
-          <p:cNvPr id="3" name="內容版面配置區 2"/>
-          <p:cNvSpPr>
-            <a:spLocks noGrp="1"/>
-          </p:cNvSpPr>
-          <p:nvPr>
-            <p:ph idx="1"/>
-          </p:nvPr>
-        </p:nvSpPr>
-        <p:spPr/>
-        <p:txBody>
-          <a:bodyPr/>
-          <a:lstStyle/>
-          <a:p>
-            <a:pPr marL="0" indent="0">
-              <a:buNone/>
-            </a:pPr>
-            <a:r>
-              <a:rPr lang="zh-TW" altLang="en-US" sz="2000" dirty="0" smtClean="0">
-                <a:latin typeface="標楷體" panose="03000509000000000000" pitchFamily="65" charset="-120"/>
-              </a:rPr>
-              <a:t>設定要執行環境變數</a:t>
-            </a:r>
-            <a:r>
-              <a:rPr lang="en-US" altLang="zh-TW" sz="2000" dirty="0" smtClean="0">
-                <a:latin typeface="標楷體" panose="03000509000000000000" pitchFamily="65" charset="-120"/>
-              </a:rPr>
-              <a:t>(Spring boot)</a:t>
-            </a:r>
-          </a:p>
-          <a:p>
-            <a:endParaRPr lang="zh-TW" altLang="en-US" sz="2000" dirty="0"/>
-          </a:p>
-        </p:txBody>
-      </p:sp>
-      <p:sp>
-        <p:nvSpPr>
-          <p:cNvPr id="4" name="投影片編號版面配置區 3"/>
-          <p:cNvSpPr>
-            <a:spLocks noGrp="1"/>
-          </p:cNvSpPr>
-          <p:nvPr>
-            <p:ph type="sldNum" sz="quarter" idx="12"/>
-          </p:nvPr>
-        </p:nvSpPr>
-        <p:spPr/>
-        <p:txBody>
-          <a:bodyPr/>
-          <a:lstStyle/>
-          <a:p>
-            <a:pPr>
-              <a:defRPr/>
-            </a:pPr>
-            <a:fld id="{3DB7C113-B292-4711-9FA5-4E4B2395B52F}" type="slidenum">
-              <a:rPr lang="zh-TW" altLang="en-US" smtClean="0"/>
-              <a:pPr>
-                <a:defRPr/>
-              </a:pPr>
-              <a:t>16</a:t>
             </a:fld>
             <a:endParaRPr lang="zh-TW" altLang="en-US"/>
           </a:p>
@@ -7201,7 +8555,7 @@
           <p:nvPr/>
         </p:nvPicPr>
         <p:blipFill>
-          <a:blip r:embed="rId2"/>
+          <a:blip r:embed="rId3"/>
           <a:stretch>
             <a:fillRect/>
           </a:stretch>
@@ -7236,7 +8590,7 @@
 </p:sld>
 </file>
 
-<file path=ppt/slides/slide17.xml><?xml version="1.0" encoding="utf-8"?>
+<file path=ppt/slides/slide16.xml><?xml version="1.0" encoding="utf-8"?>
 <p:sld xmlns:a="http://schemas.openxmlformats.org/drawingml/2006/main" xmlns:r="http://schemas.openxmlformats.org/officeDocument/2006/relationships" xmlns:p="http://schemas.openxmlformats.org/presentationml/2006/main">
   <p:cSld>
     <p:spTree>
@@ -7299,13 +8653,14 @@
               <a:t>.</a:t>
             </a:r>
             <a:r>
+              <a:rPr lang="zh-TW" altLang="en-US" sz="2000" dirty="0"/>
+              <a:t>執</a:t>
+            </a:r>
+            <a:r>
               <a:rPr lang="zh-TW" altLang="en-US" sz="2000" dirty="0" smtClean="0"/>
-              <a:t>跑</a:t>
-            </a:r>
-            <a:r>
-              <a:rPr lang="en-US" altLang="zh-TW" sz="2000" dirty="0" smtClean="0"/>
-              <a:t>Unit Test</a:t>
-            </a:r>
+              <a:t>行單元測試</a:t>
+            </a:r>
+            <a:endParaRPr lang="en-US" altLang="zh-TW" sz="2000" dirty="0" smtClean="0"/>
           </a:p>
         </p:txBody>
       </p:sp>
@@ -7332,7 +8687,7 @@
               <a:pPr>
                 <a:defRPr/>
               </a:pPr>
-              <a:t>17</a:t>
+              <a:t>16</a:t>
             </a:fld>
             <a:endParaRPr lang="zh-TW" altLang="en-US"/>
           </a:p>
@@ -7347,7 +8702,7 @@
           <p:nvPr/>
         </p:nvPicPr>
         <p:blipFill>
-          <a:blip r:embed="rId2"/>
+          <a:blip r:embed="rId3"/>
           <a:stretch>
             <a:fillRect/>
           </a:stretch>
@@ -7382,7 +8737,7 @@
 </p:sld>
 </file>
 
-<file path=ppt/slides/slide18.xml><?xml version="1.0" encoding="utf-8"?>
+<file path=ppt/slides/slide17.xml><?xml version="1.0" encoding="utf-8"?>
 <p:sld xmlns:a="http://schemas.openxmlformats.org/drawingml/2006/main" xmlns:r="http://schemas.openxmlformats.org/officeDocument/2006/relationships" xmlns:p="http://schemas.openxmlformats.org/presentationml/2006/main">
   <p:cSld>
     <p:spTree>
@@ -7479,7 +8834,7 @@
               <a:pPr>
                 <a:defRPr/>
               </a:pPr>
-              <a:t>18</a:t>
+              <a:t>17</a:t>
             </a:fld>
             <a:endParaRPr lang="zh-TW" altLang="en-US"/>
           </a:p>
@@ -7494,7 +8849,7 @@
           <p:nvPr/>
         </p:nvPicPr>
         <p:blipFill>
-          <a:blip r:embed="rId2"/>
+          <a:blip r:embed="rId3"/>
           <a:stretch>
             <a:fillRect/>
           </a:stretch>
@@ -7529,6 +8884,279 @@
 </p:sld>
 </file>
 
+<file path=ppt/slides/slide18.xml><?xml version="1.0" encoding="utf-8"?>
+<p:sld xmlns:a="http://schemas.openxmlformats.org/drawingml/2006/main" xmlns:r="http://schemas.openxmlformats.org/officeDocument/2006/relationships" xmlns:p="http://schemas.openxmlformats.org/presentationml/2006/main">
+  <p:cSld>
+    <p:spTree>
+      <p:nvGrpSpPr>
+        <p:cNvPr id="1" name=""/>
+        <p:cNvGrpSpPr/>
+        <p:nvPr/>
+      </p:nvGrpSpPr>
+      <p:grpSpPr>
+        <a:xfrm>
+          <a:off x="0" y="0"/>
+          <a:ext cx="0" cy="0"/>
+          <a:chOff x="0" y="0"/>
+          <a:chExt cx="0" cy="0"/>
+        </a:xfrm>
+      </p:grpSpPr>
+      <p:sp>
+        <p:nvSpPr>
+          <p:cNvPr id="2" name="標題 1"/>
+          <p:cNvSpPr>
+            <a:spLocks noGrp="1"/>
+          </p:cNvSpPr>
+          <p:nvPr>
+            <p:ph type="title"/>
+          </p:nvPr>
+        </p:nvSpPr>
+        <p:spPr/>
+        <p:txBody>
+          <a:bodyPr/>
+          <a:lstStyle/>
+          <a:p>
+            <a:r>
+              <a:rPr lang="zh-TW" altLang="zh-TW" b="1" dirty="0">
+                <a:effectLst/>
+              </a:rPr>
+              <a:t>自動化部署方法</a:t>
+            </a:r>
+            <a:endParaRPr lang="zh-TW" altLang="en-US" dirty="0"/>
+          </a:p>
+        </p:txBody>
+      </p:sp>
+      <p:sp>
+        <p:nvSpPr>
+          <p:cNvPr id="3" name="內容版面配置區 2"/>
+          <p:cNvSpPr>
+            <a:spLocks noGrp="1"/>
+          </p:cNvSpPr>
+          <p:nvPr>
+            <p:ph idx="1"/>
+          </p:nvPr>
+        </p:nvSpPr>
+        <p:spPr>
+          <a:xfrm>
+            <a:off x="457200" y="1600200"/>
+            <a:ext cx="8229600" cy="5069160"/>
+          </a:xfrm>
+        </p:spPr>
+        <p:txBody>
+          <a:bodyPr/>
+          <a:lstStyle/>
+          <a:p>
+            <a:endParaRPr lang="en-US" altLang="zh-TW" sz="2000" dirty="0" smtClean="0"/>
+          </a:p>
+          <a:p>
+            <a:endParaRPr lang="en-US" altLang="zh-TW" sz="2000" dirty="0"/>
+          </a:p>
+          <a:p>
+            <a:endParaRPr lang="en-US" altLang="zh-TW" sz="2000" dirty="0" smtClean="0"/>
+          </a:p>
+          <a:p>
+            <a:endParaRPr lang="en-US" altLang="zh-TW" sz="2000" dirty="0"/>
+          </a:p>
+          <a:p>
+            <a:endParaRPr lang="en-US" altLang="zh-TW" sz="2000" dirty="0" smtClean="0"/>
+          </a:p>
+          <a:p>
+            <a:endParaRPr lang="en-US" altLang="zh-TW" sz="2000" dirty="0"/>
+          </a:p>
+          <a:p>
+            <a:endParaRPr lang="en-US" altLang="zh-TW" sz="2000" dirty="0" smtClean="0"/>
+          </a:p>
+          <a:p>
+            <a:pPr marL="0" indent="0">
+              <a:buNone/>
+            </a:pPr>
+            <a:r>
+              <a:rPr lang="zh-TW" altLang="zh-TW" sz="2400" dirty="0" smtClean="0"/>
+              <a:t>步驟</a:t>
+            </a:r>
+            <a:r>
+              <a:rPr lang="en-US" altLang="zh-TW" sz="2400" dirty="0" smtClean="0"/>
+              <a:t> </a:t>
+            </a:r>
+            <a:r>
+              <a:rPr lang="en-US" altLang="zh-TW" sz="2400" dirty="0"/>
+              <a:t>: </a:t>
+            </a:r>
+            <a:endParaRPr lang="zh-TW" altLang="zh-TW" sz="2400" dirty="0"/>
+          </a:p>
+          <a:p>
+            <a:pPr marL="0" indent="0">
+              <a:buNone/>
+            </a:pPr>
+            <a:r>
+              <a:rPr lang="en-US" altLang="zh-TW" sz="2400" dirty="0"/>
+              <a:t>1</a:t>
+            </a:r>
+            <a:r>
+              <a:rPr lang="en-US" altLang="zh-TW" sz="2400" dirty="0" smtClean="0"/>
+              <a:t>.</a:t>
+            </a:r>
+            <a:r>
+              <a:rPr lang="zh-TW" altLang="en-US" sz="2400" dirty="0" smtClean="0"/>
+              <a:t>執行測試</a:t>
+            </a:r>
+            <a:endParaRPr lang="en-US" altLang="zh-TW" sz="2400" dirty="0" smtClean="0"/>
+          </a:p>
+          <a:p>
+            <a:pPr marL="0" indent="0">
+              <a:buNone/>
+            </a:pPr>
+            <a:r>
+              <a:rPr lang="zh-TW" altLang="zh-TW" sz="2400" dirty="0" smtClean="0"/>
+              <a:t> </a:t>
+            </a:r>
+            <a:r>
+              <a:rPr lang="en-US" altLang="zh-TW" sz="2400" dirty="0" smtClean="0"/>
+              <a:t>2</a:t>
+            </a:r>
+            <a:r>
+              <a:rPr lang="en-US" altLang="zh-TW" sz="2400" dirty="0"/>
+              <a:t>.</a:t>
+            </a:r>
+            <a:r>
+              <a:rPr lang="zh-TW" altLang="zh-TW" sz="2400" dirty="0" smtClean="0"/>
+              <a:t>建置</a:t>
+            </a:r>
+            <a:r>
+              <a:rPr lang="en-US" altLang="zh-TW" sz="2400" dirty="0" smtClean="0"/>
+              <a:t>J</a:t>
+            </a:r>
+            <a:r>
+              <a:rPr lang="en-US" altLang="zh-TW" sz="2400" dirty="0" smtClean="0"/>
+              <a:t>ar</a:t>
+            </a:r>
+            <a:r>
+              <a:rPr lang="zh-TW" altLang="zh-TW" sz="2400" dirty="0" smtClean="0"/>
+              <a:t>包</a:t>
+            </a:r>
+            <a:endParaRPr lang="zh-TW" altLang="zh-TW" sz="2400" dirty="0"/>
+          </a:p>
+          <a:p>
+            <a:pPr marL="0" indent="0">
+              <a:buNone/>
+            </a:pPr>
+            <a:r>
+              <a:rPr lang="en-US" altLang="zh-TW" sz="2400" dirty="0"/>
+              <a:t>3.</a:t>
+            </a:r>
+            <a:r>
+              <a:rPr lang="zh-TW" altLang="zh-TW" sz="2400" dirty="0"/>
+              <a:t>使用</a:t>
+            </a:r>
+            <a:r>
+              <a:rPr lang="en-US" altLang="zh-TW" sz="2400" dirty="0"/>
+              <a:t>Docker</a:t>
+            </a:r>
+            <a:r>
+              <a:rPr lang="zh-TW" altLang="zh-TW" sz="2400" dirty="0"/>
+              <a:t>建立映像</a:t>
+            </a:r>
+          </a:p>
+          <a:p>
+            <a:pPr marL="0" indent="0">
+              <a:buNone/>
+            </a:pPr>
+            <a:r>
+              <a:rPr lang="en-US" altLang="zh-TW" sz="2400" dirty="0"/>
+              <a:t>4.</a:t>
+            </a:r>
+            <a:r>
+              <a:rPr lang="zh-TW" altLang="zh-TW" sz="2400" dirty="0"/>
+              <a:t>自動</a:t>
+            </a:r>
+            <a:r>
+              <a:rPr lang="zh-TW" altLang="zh-TW" sz="2400" dirty="0" smtClean="0"/>
+              <a:t>啟動</a:t>
+            </a:r>
+            <a:r>
+              <a:rPr lang="zh-TW" altLang="en-US" sz="2400" dirty="0" smtClean="0"/>
+              <a:t>為</a:t>
+            </a:r>
+            <a:r>
+              <a:rPr lang="zh-TW" altLang="zh-TW" sz="2400" dirty="0" smtClean="0"/>
+              <a:t>服務</a:t>
+            </a:r>
+            <a:endParaRPr lang="zh-TW" altLang="zh-TW" sz="2400" dirty="0"/>
+          </a:p>
+        </p:txBody>
+      </p:sp>
+      <p:sp>
+        <p:nvSpPr>
+          <p:cNvPr id="4" name="投影片編號版面配置區 3"/>
+          <p:cNvSpPr>
+            <a:spLocks noGrp="1"/>
+          </p:cNvSpPr>
+          <p:nvPr>
+            <p:ph type="sldNum" sz="quarter" idx="12"/>
+          </p:nvPr>
+        </p:nvSpPr>
+        <p:spPr/>
+        <p:txBody>
+          <a:bodyPr/>
+          <a:lstStyle/>
+          <a:p>
+            <a:pPr>
+              <a:defRPr/>
+            </a:pPr>
+            <a:fld id="{3DB7C113-B292-4711-9FA5-4E4B2395B52F}" type="slidenum">
+              <a:rPr lang="zh-TW" altLang="en-US" smtClean="0"/>
+              <a:pPr>
+                <a:defRPr/>
+              </a:pPr>
+              <a:t>18</a:t>
+            </a:fld>
+            <a:endParaRPr lang="zh-TW" altLang="en-US"/>
+          </a:p>
+        </p:txBody>
+      </p:sp>
+      <p:pic>
+        <p:nvPicPr>
+          <p:cNvPr id="5" name="圖片 4"/>
+          <p:cNvPicPr>
+            <a:picLocks noChangeAspect="1"/>
+          </p:cNvPicPr>
+          <p:nvPr/>
+        </p:nvPicPr>
+        <p:blipFill>
+          <a:blip r:embed="rId2">
+            <a:extLst>
+              <a:ext uri="{28A0092B-C50C-407E-A947-70E740481C1C}">
+                <a14:useLocalDpi xmlns:a14="http://schemas.microsoft.com/office/drawing/2010/main" val="0"/>
+              </a:ext>
+            </a:extLst>
+          </a:blip>
+          <a:stretch>
+            <a:fillRect/>
+          </a:stretch>
+        </p:blipFill>
+        <p:spPr>
+          <a:xfrm>
+            <a:off x="0" y="1354064"/>
+            <a:ext cx="9144000" cy="3292149"/>
+          </a:xfrm>
+          <a:prstGeom prst="rect">
+            <a:avLst/>
+          </a:prstGeom>
+        </p:spPr>
+      </p:pic>
+    </p:spTree>
+    <p:extLst>
+      <p:ext uri="{BB962C8B-B14F-4D97-AF65-F5344CB8AC3E}">
+        <p14:creationId xmlns:p14="http://schemas.microsoft.com/office/powerpoint/2010/main" val="3347037556"/>
+      </p:ext>
+    </p:extLst>
+  </p:cSld>
+  <p:clrMapOvr>
+    <a:masterClrMapping/>
+  </p:clrMapOvr>
+</p:sld>
+</file>
+
 <file path=ppt/slides/slide19.xml><?xml version="1.0" encoding="utf-8"?>
 <p:sld xmlns:a="http://schemas.openxmlformats.org/drawingml/2006/main" xmlns:r="http://schemas.openxmlformats.org/officeDocument/2006/relationships" xmlns:p="http://schemas.openxmlformats.org/presentationml/2006/main">
   <p:cSld>
@@ -7562,10 +9190,8 @@
           <a:lstStyle/>
           <a:p>
             <a:r>
-              <a:rPr lang="zh-TW" altLang="zh-TW" b="1" dirty="0">
-                <a:effectLst/>
-              </a:rPr>
-              <a:t>自動化部署方法</a:t>
+              <a:rPr lang="zh-TW" altLang="en-US" dirty="0" smtClean="0"/>
+              <a:t>做法</a:t>
             </a:r>
             <a:endParaRPr lang="zh-TW" altLang="en-US" dirty="0"/>
           </a:p>
@@ -7584,140 +9210,339 @@
         <p:spPr>
           <a:xfrm>
             <a:off x="457200" y="1600200"/>
-            <a:ext cx="8229600" cy="5069160"/>
+            <a:ext cx="8686800" cy="4525963"/>
           </a:xfrm>
         </p:spPr>
         <p:txBody>
           <a:bodyPr/>
           <a:lstStyle/>
           <a:p>
-            <a:endParaRPr lang="en-US" altLang="zh-TW" sz="2000" dirty="0" smtClean="0"/>
-          </a:p>
-          <a:p>
-            <a:endParaRPr lang="en-US" altLang="zh-TW" sz="2000" dirty="0"/>
-          </a:p>
-          <a:p>
-            <a:endParaRPr lang="en-US" altLang="zh-TW" sz="2000" dirty="0" smtClean="0"/>
-          </a:p>
-          <a:p>
-            <a:endParaRPr lang="en-US" altLang="zh-TW" sz="2000" dirty="0"/>
-          </a:p>
-          <a:p>
-            <a:endParaRPr lang="en-US" altLang="zh-TW" sz="2000" dirty="0" smtClean="0"/>
-          </a:p>
-          <a:p>
-            <a:endParaRPr lang="en-US" altLang="zh-TW" sz="2000" dirty="0"/>
-          </a:p>
-          <a:p>
-            <a:endParaRPr lang="en-US" altLang="zh-TW" sz="2000" dirty="0" smtClean="0"/>
-          </a:p>
-          <a:p>
             <a:pPr marL="0" indent="0">
               <a:buNone/>
             </a:pPr>
             <a:r>
-              <a:rPr lang="zh-TW" altLang="zh-TW" sz="2400" dirty="0" smtClean="0"/>
-              <a:t>步驟</a:t>
-            </a:r>
-            <a:r>
-              <a:rPr lang="en-US" altLang="zh-TW" sz="2400" dirty="0" smtClean="0"/>
-              <a:t> </a:t>
-            </a:r>
-            <a:r>
-              <a:rPr lang="en-US" altLang="zh-TW" sz="2400" dirty="0"/>
-              <a:t>: </a:t>
-            </a:r>
-            <a:endParaRPr lang="zh-TW" altLang="zh-TW" sz="2400" dirty="0"/>
+              <a:rPr lang="en-US" altLang="zh-TW" sz="2000" dirty="0" smtClean="0"/>
+              <a:t>1.</a:t>
+            </a:r>
+            <a:r>
+              <a:rPr lang="zh-TW" altLang="en-US" sz="2000" dirty="0" smtClean="0"/>
+              <a:t>當使用者在</a:t>
+            </a:r>
+            <a:r>
+              <a:rPr lang="en-US" altLang="zh-TW" sz="2000" dirty="0" err="1" smtClean="0"/>
+              <a:t>AccountManagement</a:t>
+            </a:r>
+            <a:r>
+              <a:rPr lang="zh-TW" altLang="en-US" sz="2000" dirty="0" smtClean="0"/>
+              <a:t>、</a:t>
+            </a:r>
+            <a:r>
+              <a:rPr lang="en-US" altLang="zh-TW" sz="2000" dirty="0" smtClean="0"/>
+              <a:t>Notification</a:t>
+            </a:r>
+            <a:r>
+              <a:rPr lang="zh-TW" altLang="en-US" sz="2000" dirty="0" smtClean="0"/>
+              <a:t>的兩</a:t>
+            </a:r>
+            <a:r>
+              <a:rPr lang="zh-TW" altLang="en-US" sz="2000" dirty="0"/>
+              <a:t>個</a:t>
+            </a:r>
+            <a:r>
+              <a:rPr lang="en-US" altLang="zh-TW" sz="2000" dirty="0" smtClean="0"/>
+              <a:t>Service</a:t>
+            </a:r>
+            <a:r>
+              <a:rPr lang="zh-TW" altLang="en-US" sz="2000" dirty="0" smtClean="0"/>
+              <a:t>修改</a:t>
+            </a:r>
+            <a:r>
+              <a:rPr lang="en-US" altLang="zh-TW" sz="2000" dirty="0" smtClean="0"/>
+              <a:t>Code</a:t>
+            </a:r>
+            <a:r>
+              <a:rPr lang="zh-TW" altLang="en-US" sz="2000" dirty="0" smtClean="0"/>
+              <a:t>並</a:t>
+            </a:r>
+            <a:endParaRPr lang="en-US" altLang="zh-TW" sz="2000" dirty="0" smtClean="0"/>
           </a:p>
           <a:p>
             <a:pPr marL="0" indent="0">
               <a:buNone/>
             </a:pPr>
             <a:r>
-              <a:rPr lang="en-US" altLang="zh-TW" sz="2400" dirty="0"/>
-              <a:t>1.</a:t>
-            </a:r>
-            <a:r>
-              <a:rPr lang="zh-TW" altLang="zh-TW" sz="2400" dirty="0"/>
-              <a:t>自動跑單一服務的單元</a:t>
-            </a:r>
-            <a:r>
-              <a:rPr lang="zh-TW" altLang="zh-TW" sz="2400" dirty="0" smtClean="0"/>
-              <a:t>測</a:t>
-            </a:r>
-            <a:r>
-              <a:rPr lang="zh-TW" altLang="en-US" sz="2400" dirty="0"/>
-              <a:t>試</a:t>
-            </a:r>
-            <a:r>
-              <a:rPr lang="en-US" altLang="zh-TW" sz="2400" dirty="0" smtClean="0"/>
-              <a:t>(Unit </a:t>
-            </a:r>
-            <a:r>
-              <a:rPr lang="en-US" altLang="zh-TW" sz="2400" dirty="0"/>
-              <a:t>Test)</a:t>
-            </a:r>
-            <a:endParaRPr lang="zh-TW" altLang="zh-TW" sz="2400" dirty="0"/>
+              <a:rPr lang="zh-TW" altLang="en-US" sz="2000" dirty="0"/>
+              <a:t> </a:t>
+            </a:r>
+            <a:r>
+              <a:rPr lang="zh-TW" altLang="en-US" sz="2000" dirty="0" smtClean="0"/>
+              <a:t>        </a:t>
+            </a:r>
+            <a:r>
+              <a:rPr lang="en-US" altLang="zh-TW" sz="2000" dirty="0" smtClean="0"/>
+              <a:t>Push</a:t>
+            </a:r>
+            <a:r>
+              <a:rPr lang="zh-TW" altLang="en-US" sz="2000" dirty="0" smtClean="0"/>
+              <a:t>到</a:t>
+            </a:r>
+            <a:r>
+              <a:rPr lang="en-US" altLang="zh-TW" sz="2000" dirty="0" err="1" smtClean="0"/>
+              <a:t>Github</a:t>
+            </a:r>
+            <a:r>
+              <a:rPr lang="zh-TW" altLang="en-US" sz="2000" dirty="0" smtClean="0"/>
+              <a:t>上時，</a:t>
+            </a:r>
+            <a:r>
+              <a:rPr lang="en-US" altLang="zh-TW" sz="2000" dirty="0" smtClean="0"/>
+              <a:t>Jenkins</a:t>
+            </a:r>
+            <a:r>
+              <a:rPr lang="zh-TW" altLang="en-US" sz="2000" dirty="0" smtClean="0"/>
+              <a:t>接收通知自動跑</a:t>
+            </a:r>
+            <a:r>
+              <a:rPr lang="en-US" altLang="zh-TW" sz="2000" dirty="0" smtClean="0"/>
+              <a:t>Unit Test</a:t>
+            </a:r>
+            <a:r>
+              <a:rPr lang="zh-TW" altLang="en-US" sz="2000" dirty="0" smtClean="0"/>
+              <a:t>。</a:t>
+            </a:r>
+            <a:endParaRPr lang="en-US" altLang="zh-TW" sz="2000" dirty="0" smtClean="0"/>
           </a:p>
           <a:p>
             <a:pPr marL="0" indent="0">
               <a:buNone/>
             </a:pPr>
-            <a:r>
-              <a:rPr lang="en-US" altLang="zh-TW" sz="2400" dirty="0"/>
-              <a:t>2.</a:t>
-            </a:r>
-            <a:r>
-              <a:rPr lang="zh-TW" altLang="zh-TW" sz="2400" dirty="0"/>
-              <a:t>建置</a:t>
-            </a:r>
-            <a:r>
-              <a:rPr lang="en-US" altLang="zh-TW" sz="2400" dirty="0"/>
-              <a:t>jar</a:t>
-            </a:r>
-            <a:r>
-              <a:rPr lang="zh-TW" altLang="zh-TW" sz="2400" dirty="0"/>
-              <a:t>的執行包</a:t>
-            </a:r>
+            <a:endParaRPr lang="en-US" altLang="zh-TW" sz="2000" dirty="0" smtClean="0"/>
           </a:p>
           <a:p>
             <a:pPr marL="0" indent="0">
               <a:buNone/>
             </a:pPr>
             <a:r>
-              <a:rPr lang="en-US" altLang="zh-TW" sz="2400" dirty="0"/>
-              <a:t>3.</a:t>
-            </a:r>
-            <a:r>
-              <a:rPr lang="zh-TW" altLang="zh-TW" sz="2400" dirty="0"/>
+              <a:rPr lang="en-US" altLang="zh-TW" sz="2000" dirty="0" smtClean="0"/>
+              <a:t>2.</a:t>
+            </a:r>
+            <a:r>
+              <a:rPr lang="zh-TW" altLang="en-US" sz="2000" dirty="0" smtClean="0"/>
               <a:t>使用</a:t>
             </a:r>
             <a:r>
-              <a:rPr lang="en-US" altLang="zh-TW" sz="2400" dirty="0"/>
-              <a:t>Docker</a:t>
-            </a:r>
-            <a:r>
-              <a:rPr lang="zh-TW" altLang="zh-TW" sz="2400" dirty="0"/>
-              <a:t>建立映像</a:t>
-            </a:r>
+              <a:rPr lang="en-US" altLang="zh-TW" sz="2000" dirty="0" smtClean="0"/>
+              <a:t>Maven</a:t>
+            </a:r>
+            <a:r>
+              <a:rPr lang="zh-TW" altLang="en-US" sz="2000" dirty="0" smtClean="0"/>
+              <a:t>指令將</a:t>
+            </a:r>
+            <a:r>
+              <a:rPr lang="en-US" altLang="zh-TW" sz="2000" dirty="0" smtClean="0"/>
+              <a:t>Service</a:t>
+            </a:r>
+            <a:r>
+              <a:rPr lang="zh-TW" altLang="en-US" sz="2000" dirty="0" smtClean="0"/>
+              <a:t>建置、編譯與打包成可以執行</a:t>
+            </a:r>
+            <a:r>
+              <a:rPr lang="en-US" altLang="zh-TW" sz="2000" dirty="0" smtClean="0"/>
+              <a:t>jar</a:t>
+            </a:r>
+            <a:r>
+              <a:rPr lang="zh-TW" altLang="en-US" sz="2000" dirty="0" smtClean="0"/>
+              <a:t>包。</a:t>
+            </a:r>
+            <a:endParaRPr lang="en-US" altLang="zh-TW" sz="2000" dirty="0" smtClean="0"/>
           </a:p>
           <a:p>
             <a:pPr marL="0" indent="0">
               <a:buNone/>
             </a:pPr>
-            <a:r>
-              <a:rPr lang="en-US" altLang="zh-TW" sz="2400" dirty="0"/>
+            <a:endParaRPr lang="en-US" altLang="zh-TW" sz="2000" dirty="0" smtClean="0"/>
+          </a:p>
+          <a:p>
+            <a:pPr marL="0" indent="0">
+              <a:buNone/>
+            </a:pPr>
+            <a:r>
+              <a:rPr lang="en-US" altLang="zh-TW" sz="2000" dirty="0" smtClean="0"/>
+              <a:t>3.</a:t>
+            </a:r>
+            <a:r>
+              <a:rPr lang="zh-TW" altLang="en-US" sz="2000" dirty="0" smtClean="0"/>
+              <a:t>使用</a:t>
+            </a:r>
+            <a:r>
+              <a:rPr lang="en-US" altLang="zh-TW" sz="2000" dirty="0" smtClean="0"/>
+              <a:t>Docker</a:t>
+            </a:r>
+            <a:r>
+              <a:rPr lang="zh-TW" altLang="en-US" sz="2000" dirty="0" smtClean="0"/>
+              <a:t>把</a:t>
+            </a:r>
+            <a:r>
+              <a:rPr lang="en-US" altLang="zh-TW" sz="2000" dirty="0" smtClean="0"/>
+              <a:t>jar</a:t>
+            </a:r>
+            <a:r>
+              <a:rPr lang="zh-TW" altLang="en-US" sz="2000" dirty="0" smtClean="0"/>
+              <a:t>包放入</a:t>
+            </a:r>
+            <a:r>
+              <a:rPr lang="en-US" altLang="zh-TW" sz="2000" dirty="0" smtClean="0"/>
+              <a:t>Docker</a:t>
+            </a:r>
+            <a:r>
+              <a:rPr lang="zh-TW" altLang="en-US" sz="2000" dirty="0" smtClean="0"/>
+              <a:t>的</a:t>
+            </a:r>
+            <a:r>
+              <a:rPr lang="en-US" altLang="zh-TW" sz="2000" dirty="0" smtClean="0"/>
+              <a:t>Image</a:t>
+            </a:r>
+            <a:r>
+              <a:rPr lang="zh-TW" altLang="en-US" sz="2000" dirty="0" smtClean="0"/>
+              <a:t>中。</a:t>
+            </a:r>
+            <a:endParaRPr lang="en-US" altLang="zh-TW" sz="2000" dirty="0" smtClean="0"/>
+          </a:p>
+          <a:p>
+            <a:pPr marL="0" indent="0">
+              <a:buNone/>
+            </a:pPr>
+            <a:endParaRPr lang="en-US" altLang="zh-TW" sz="2000" dirty="0"/>
+          </a:p>
+          <a:p>
+            <a:pPr marL="0" indent="0">
+              <a:buNone/>
+            </a:pPr>
+            <a:r>
+              <a:rPr lang="en-US" altLang="zh-TW" sz="2000" dirty="0" smtClean="0"/>
               <a:t>4.</a:t>
             </a:r>
             <a:r>
-              <a:rPr lang="zh-TW" altLang="zh-TW" sz="2400" dirty="0"/>
-              <a:t>自動啟動單一</a:t>
-            </a:r>
-            <a:r>
-              <a:rPr lang="zh-TW" altLang="zh-TW" sz="2400" dirty="0" smtClean="0"/>
-              <a:t>服務</a:t>
-            </a:r>
-            <a:endParaRPr lang="zh-TW" altLang="zh-TW" sz="2400" dirty="0"/>
+              <a:rPr lang="zh-TW" altLang="en-US" sz="2000" dirty="0" smtClean="0"/>
+              <a:t>使用</a:t>
+            </a:r>
+            <a:r>
+              <a:rPr lang="en-US" altLang="zh-TW" sz="2000" dirty="0" err="1" smtClean="0"/>
+              <a:t>Dockerfile</a:t>
+            </a:r>
+            <a:r>
+              <a:rPr lang="zh-TW" altLang="en-US" sz="2000" dirty="0" smtClean="0"/>
+              <a:t>建置</a:t>
+            </a:r>
+            <a:r>
+              <a:rPr lang="en-US" altLang="zh-TW" sz="2000" dirty="0" smtClean="0"/>
+              <a:t>Docker</a:t>
+            </a:r>
+            <a:r>
+              <a:rPr lang="zh-TW" altLang="en-US" sz="2000" dirty="0" smtClean="0"/>
+              <a:t>的</a:t>
+            </a:r>
+            <a:r>
+              <a:rPr lang="en-US" altLang="zh-TW" sz="2000" dirty="0" smtClean="0"/>
+              <a:t>Image</a:t>
+            </a:r>
+            <a:r>
+              <a:rPr lang="zh-TW" altLang="en-US" sz="2000" dirty="0" smtClean="0"/>
+              <a:t>並指定</a:t>
+            </a:r>
+            <a:r>
+              <a:rPr lang="en-US" altLang="zh-TW" sz="2000" dirty="0" smtClean="0"/>
+              <a:t>Image</a:t>
+            </a:r>
+            <a:r>
+              <a:rPr lang="zh-TW" altLang="en-US" sz="2000" dirty="0" smtClean="0"/>
+              <a:t>要部署的</a:t>
+            </a:r>
+            <a:r>
+              <a:rPr lang="en-US" altLang="zh-TW" sz="2000" dirty="0" smtClean="0"/>
+              <a:t>port</a:t>
+            </a:r>
+            <a:r>
+              <a:rPr lang="zh-TW" altLang="en-US" sz="2000" dirty="0" smtClean="0"/>
+              <a:t>號。</a:t>
+            </a:r>
+            <a:endParaRPr lang="en-US" altLang="zh-TW" sz="2000" dirty="0" smtClean="0"/>
+          </a:p>
+          <a:p>
+            <a:pPr marL="0" indent="0">
+              <a:buNone/>
+            </a:pPr>
+            <a:endParaRPr lang="en-US" altLang="zh-TW" sz="2000" dirty="0" smtClean="0"/>
+          </a:p>
+          <a:p>
+            <a:pPr marL="0" indent="0">
+              <a:buNone/>
+            </a:pPr>
+            <a:r>
+              <a:rPr lang="en-US" altLang="zh-TW" sz="2000" dirty="0"/>
+              <a:t>5</a:t>
+            </a:r>
+            <a:r>
+              <a:rPr lang="en-US" altLang="zh-TW" sz="2000" dirty="0" smtClean="0"/>
+              <a:t>.</a:t>
+            </a:r>
+            <a:r>
+              <a:rPr lang="zh-TW" altLang="en-US" sz="2000" dirty="0" smtClean="0"/>
+              <a:t>在</a:t>
+            </a:r>
+            <a:r>
+              <a:rPr lang="en-US" altLang="zh-TW" sz="2000" dirty="0" smtClean="0"/>
+              <a:t>Jenkins</a:t>
+            </a:r>
+            <a:r>
+              <a:rPr lang="zh-TW" altLang="en-US" sz="2000" dirty="0" smtClean="0"/>
+              <a:t>中自動啟動</a:t>
+            </a:r>
+            <a:r>
+              <a:rPr lang="en-US" altLang="zh-TW" sz="2000" dirty="0" smtClean="0"/>
+              <a:t>Service</a:t>
+            </a:r>
+            <a:r>
+              <a:rPr lang="zh-TW" altLang="en-US" sz="2000" dirty="0" smtClean="0"/>
+              <a:t>。</a:t>
+            </a:r>
+            <a:endParaRPr lang="en-US" altLang="zh-TW" sz="2000" dirty="0" smtClean="0"/>
+          </a:p>
+          <a:p>
+            <a:pPr marL="0" indent="0">
+              <a:buNone/>
+            </a:pPr>
+            <a:endParaRPr lang="en-US" altLang="zh-TW" sz="2000" dirty="0"/>
+          </a:p>
+          <a:p>
+            <a:pPr marL="0" indent="0">
+              <a:buNone/>
+            </a:pPr>
+            <a:r>
+              <a:rPr lang="en-US" altLang="zh-TW" sz="2000" dirty="0" smtClean="0"/>
+              <a:t>6.</a:t>
+            </a:r>
+            <a:r>
+              <a:rPr lang="zh-TW" altLang="en-US" sz="2000" dirty="0" smtClean="0"/>
+              <a:t>設計驗收測試確認</a:t>
+            </a:r>
+            <a:r>
+              <a:rPr lang="en-US" altLang="zh-TW" sz="2000" dirty="0" smtClean="0"/>
+              <a:t>Service</a:t>
+            </a:r>
+            <a:r>
+              <a:rPr lang="zh-TW" altLang="en-US" sz="2000" dirty="0" smtClean="0"/>
+              <a:t>已經啟動並與</a:t>
+            </a:r>
+            <a:r>
+              <a:rPr lang="en-US" altLang="zh-TW" sz="2000" dirty="0" err="1" smtClean="0"/>
+              <a:t>ezScrum</a:t>
+            </a:r>
+            <a:r>
+              <a:rPr lang="zh-TW" altLang="en-US" sz="2000" dirty="0" smtClean="0"/>
+              <a:t>連上線。</a:t>
+            </a:r>
+            <a:endParaRPr lang="zh-TW" altLang="en-US" sz="2000" dirty="0"/>
           </a:p>
         </p:txBody>
       </p:sp>
@@ -7750,70 +9575,23 @@
           </a:p>
         </p:txBody>
       </p:sp>
-      <p:pic>
-        <p:nvPicPr>
-          <p:cNvPr id="2050" name="Picture 2"/>
-          <p:cNvPicPr>
-            <a:picLocks noChangeAspect="1" noChangeArrowheads="1"/>
-          </p:cNvPicPr>
-          <p:nvPr/>
-        </p:nvPicPr>
-        <p:blipFill>
-          <a:blip r:embed="rId2">
-            <a:extLst>
-              <a:ext uri="{28A0092B-C50C-407E-A947-70E740481C1C}">
-                <a14:useLocalDpi xmlns:a14="http://schemas.microsoft.com/office/drawing/2010/main" val="0"/>
-              </a:ext>
-            </a:extLst>
-          </a:blip>
-          <a:srcRect/>
-          <a:stretch>
-            <a:fillRect/>
-          </a:stretch>
-        </p:blipFill>
-        <p:spPr bwMode="auto">
-          <a:xfrm>
-            <a:off x="461210" y="1479657"/>
-            <a:ext cx="6775086" cy="2383524"/>
-          </a:xfrm>
-          <a:prstGeom prst="rect">
-            <a:avLst/>
-          </a:prstGeom>
-          <a:noFill/>
-          <a:ln>
-            <a:noFill/>
-          </a:ln>
-          <a:extLst>
-            <a:ext uri="{909E8E84-426E-40DD-AFC4-6F175D3DCCD1}">
-              <a14:hiddenFill xmlns:a14="http://schemas.microsoft.com/office/drawing/2010/main">
-                <a:solidFill>
-                  <a:srgbClr val="FFFFFF"/>
-                </a:solidFill>
-              </a14:hiddenFill>
-            </a:ext>
-            <a:ext uri="{91240B29-F687-4F45-9708-019B960494DF}">
-              <a14:hiddenLine xmlns:a14="http://schemas.microsoft.com/office/drawing/2010/main" w="9525">
-                <a:solidFill>
-                  <a:srgbClr val="000000"/>
-                </a:solidFill>
-                <a:miter lim="800000"/>
-                <a:headEnd/>
-                <a:tailEnd/>
-              </a14:hiddenLine>
-            </a:ext>
-          </a:extLst>
-        </p:spPr>
-      </p:pic>
     </p:spTree>
     <p:extLst>
       <p:ext uri="{BB962C8B-B14F-4D97-AF65-F5344CB8AC3E}">
-        <p14:creationId xmlns:p14="http://schemas.microsoft.com/office/powerpoint/2010/main" val="3347037556"/>
+        <p14:creationId xmlns:p14="http://schemas.microsoft.com/office/powerpoint/2010/main" val="2049691656"/>
       </p:ext>
     </p:extLst>
   </p:cSld>
   <p:clrMapOvr>
     <a:masterClrMapping/>
   </p:clrMapOvr>
+  <p:timing>
+    <p:tnLst>
+      <p:par>
+        <p:cTn id="1" dur="indefinite" restart="never" nodeType="tmRoot"/>
+      </p:par>
+    </p:tnLst>
+  </p:timing>
 </p:sld>
 </file>
 
@@ -8040,7 +9818,7 @@
           <a:p>
             <a:r>
               <a:rPr lang="zh-TW" altLang="en-US" dirty="0" smtClean="0"/>
-              <a:t>做法</a:t>
+              <a:t>自動部署做法</a:t>
             </a:r>
             <a:endParaRPr lang="zh-TW" altLang="en-US" dirty="0"/>
           </a:p>
@@ -8056,12 +9834,7 @@
             <p:ph idx="1"/>
           </p:nvPr>
         </p:nvSpPr>
-        <p:spPr>
-          <a:xfrm>
-            <a:off x="457200" y="1600200"/>
-            <a:ext cx="8686800" cy="4525963"/>
-          </a:xfrm>
-        </p:spPr>
+        <p:spPr/>
         <p:txBody>
           <a:bodyPr/>
           <a:lstStyle/>
@@ -8071,325 +9844,23 @@
             </a:pPr>
             <a:r>
               <a:rPr lang="en-US" altLang="zh-TW" sz="2000" dirty="0" smtClean="0"/>
-              <a:t>1.</a:t>
-            </a:r>
-            <a:r>
-              <a:rPr lang="zh-TW" altLang="en-US" sz="2000" dirty="0" smtClean="0"/>
-              <a:t>當使用者在</a:t>
-            </a:r>
-            <a:r>
-              <a:rPr lang="en-US" altLang="zh-TW" sz="2000" dirty="0" err="1" smtClean="0"/>
-              <a:t>AccountManagement</a:t>
-            </a:r>
-            <a:r>
-              <a:rPr lang="zh-TW" altLang="en-US" sz="2000" dirty="0" smtClean="0"/>
-              <a:t>、</a:t>
+              <a:t>1.Git change </a:t>
+            </a:r>
+            <a:r>
+              <a:rPr lang="en-US" altLang="zh-TW" sz="2000" dirty="0"/>
+              <a:t>p</a:t>
             </a:r>
             <a:r>
               <a:rPr lang="en-US" altLang="zh-TW" sz="2000" dirty="0" smtClean="0"/>
-              <a:t>Notification</a:t>
-            </a:r>
-            <a:r>
-              <a:rPr lang="zh-TW" altLang="en-US" sz="2000" dirty="0" smtClean="0"/>
-              <a:t>的兩</a:t>
-            </a:r>
-            <a:r>
-              <a:rPr lang="zh-TW" altLang="en-US" sz="2000" dirty="0"/>
-              <a:t>個</a:t>
-            </a:r>
-            <a:r>
-              <a:rPr lang="en-US" altLang="zh-TW" sz="2000" dirty="0" smtClean="0"/>
-              <a:t>Service</a:t>
-            </a:r>
-            <a:r>
-              <a:rPr lang="zh-TW" altLang="en-US" sz="2000" dirty="0" smtClean="0"/>
-              <a:t>修改</a:t>
-            </a:r>
-            <a:r>
-              <a:rPr lang="en-US" altLang="zh-TW" sz="2000" dirty="0" smtClean="0"/>
-              <a:t>Code</a:t>
-            </a:r>
-            <a:r>
-              <a:rPr lang="zh-TW" altLang="en-US" sz="2000" dirty="0" smtClean="0"/>
-              <a:t>並</a:t>
-            </a:r>
-            <a:endParaRPr lang="en-US" altLang="zh-TW" sz="2000" dirty="0" smtClean="0"/>
-          </a:p>
-          <a:p>
-            <a:pPr marL="0" indent="0">
-              <a:buNone/>
-            </a:pPr>
-            <a:r>
-              <a:rPr lang="zh-TW" altLang="en-US" sz="2000" dirty="0"/>
-              <a:t> </a:t>
-            </a:r>
-            <a:r>
-              <a:rPr lang="zh-TW" altLang="en-US" sz="2000" dirty="0" smtClean="0"/>
-              <a:t>        </a:t>
-            </a:r>
-            <a:r>
-              <a:rPr lang="en-US" altLang="zh-TW" sz="2000" dirty="0" smtClean="0"/>
-              <a:t>Push</a:t>
-            </a:r>
-            <a:r>
-              <a:rPr lang="zh-TW" altLang="en-US" sz="2000" dirty="0" smtClean="0"/>
-              <a:t>到</a:t>
+              <a:t>ush to </a:t>
             </a:r>
             <a:r>
               <a:rPr lang="en-US" altLang="zh-TW" sz="2000" dirty="0" err="1" smtClean="0"/>
               <a:t>Github</a:t>
             </a:r>
             <a:r>
-              <a:rPr lang="zh-TW" altLang="en-US" sz="2000" dirty="0" smtClean="0"/>
-              <a:t>上時，</a:t>
-            </a:r>
-            <a:r>
               <a:rPr lang="en-US" altLang="zh-TW" sz="2000" dirty="0" smtClean="0"/>
-              <a:t>Jenkins</a:t>
-            </a:r>
-            <a:r>
-              <a:rPr lang="zh-TW" altLang="en-US" sz="2000" dirty="0" smtClean="0"/>
-              <a:t>接收通知自動跑</a:t>
-            </a:r>
-            <a:r>
-              <a:rPr lang="en-US" altLang="zh-TW" sz="2000" dirty="0" smtClean="0"/>
-              <a:t>Unit Test</a:t>
-            </a:r>
-            <a:r>
-              <a:rPr lang="zh-TW" altLang="en-US" sz="2000" dirty="0" smtClean="0"/>
-              <a:t>。</a:t>
-            </a:r>
-            <a:endParaRPr lang="en-US" altLang="zh-TW" sz="2000" dirty="0" smtClean="0"/>
-          </a:p>
-          <a:p>
-            <a:pPr marL="0" indent="0">
-              <a:buNone/>
-            </a:pPr>
-            <a:endParaRPr lang="en-US" altLang="zh-TW" sz="2000" dirty="0" smtClean="0"/>
-          </a:p>
-          <a:p>
-            <a:pPr marL="0" indent="0">
-              <a:buNone/>
-            </a:pPr>
-            <a:r>
-              <a:rPr lang="en-US" altLang="zh-TW" sz="2000" dirty="0" smtClean="0"/>
-              <a:t>2.</a:t>
-            </a:r>
-            <a:r>
-              <a:rPr lang="zh-TW" altLang="en-US" sz="2000" dirty="0" smtClean="0"/>
-              <a:t>使用</a:t>
-            </a:r>
-            <a:r>
-              <a:rPr lang="en-US" altLang="zh-TW" sz="2000" dirty="0" smtClean="0"/>
-              <a:t>Maven</a:t>
-            </a:r>
-            <a:r>
-              <a:rPr lang="zh-TW" altLang="en-US" sz="2000" dirty="0" smtClean="0"/>
-              <a:t>指令將</a:t>
-            </a:r>
-            <a:r>
-              <a:rPr lang="en-US" altLang="zh-TW" sz="2000" dirty="0" smtClean="0"/>
-              <a:t>Service</a:t>
-            </a:r>
-            <a:r>
-              <a:rPr lang="zh-TW" altLang="en-US" sz="2000" dirty="0" smtClean="0"/>
-              <a:t>建置、編譯與打包成可以執行</a:t>
-            </a:r>
-            <a:r>
-              <a:rPr lang="en-US" altLang="zh-TW" sz="2000" dirty="0" smtClean="0"/>
-              <a:t>jar</a:t>
-            </a:r>
-            <a:r>
-              <a:rPr lang="zh-TW" altLang="en-US" sz="2000" dirty="0" smtClean="0"/>
-              <a:t>包。</a:t>
-            </a:r>
-            <a:endParaRPr lang="en-US" altLang="zh-TW" sz="2000" dirty="0" smtClean="0"/>
-          </a:p>
-          <a:p>
-            <a:pPr marL="0" indent="0">
-              <a:buNone/>
-            </a:pPr>
-            <a:endParaRPr lang="en-US" altLang="zh-TW" sz="2000" dirty="0" smtClean="0"/>
-          </a:p>
-          <a:p>
-            <a:pPr marL="0" indent="0">
-              <a:buNone/>
-            </a:pPr>
-            <a:r>
-              <a:rPr lang="en-US" altLang="zh-TW" sz="2000" dirty="0" smtClean="0"/>
-              <a:t>3.</a:t>
-            </a:r>
-            <a:r>
-              <a:rPr lang="zh-TW" altLang="en-US" sz="2000" dirty="0" smtClean="0"/>
-              <a:t>使用</a:t>
-            </a:r>
-            <a:r>
-              <a:rPr lang="en-US" altLang="zh-TW" sz="2000" dirty="0" smtClean="0"/>
-              <a:t>Docker</a:t>
-            </a:r>
-            <a:r>
-              <a:rPr lang="zh-TW" altLang="en-US" sz="2000" dirty="0" smtClean="0"/>
-              <a:t>把</a:t>
-            </a:r>
-            <a:r>
-              <a:rPr lang="en-US" altLang="zh-TW" sz="2000" dirty="0" smtClean="0"/>
-              <a:t>jar</a:t>
-            </a:r>
-            <a:r>
-              <a:rPr lang="zh-TW" altLang="en-US" sz="2000" dirty="0" smtClean="0"/>
-              <a:t>包放入</a:t>
-            </a:r>
-            <a:r>
-              <a:rPr lang="en-US" altLang="zh-TW" sz="2000" dirty="0" smtClean="0"/>
-              <a:t>Docker</a:t>
-            </a:r>
-            <a:r>
-              <a:rPr lang="zh-TW" altLang="en-US" sz="2000" dirty="0" smtClean="0"/>
-              <a:t>的</a:t>
-            </a:r>
-            <a:r>
-              <a:rPr lang="en-US" altLang="zh-TW" sz="2000" dirty="0" smtClean="0"/>
-              <a:t>Image</a:t>
-            </a:r>
-            <a:r>
-              <a:rPr lang="zh-TW" altLang="en-US" sz="2000" dirty="0" smtClean="0"/>
-              <a:t>中。</a:t>
-            </a:r>
-            <a:endParaRPr lang="en-US" altLang="zh-TW" sz="2000" dirty="0" smtClean="0"/>
-          </a:p>
-          <a:p>
-            <a:pPr marL="0" indent="0">
-              <a:buNone/>
-            </a:pPr>
-            <a:endParaRPr lang="en-US" altLang="zh-TW" sz="2000" dirty="0"/>
-          </a:p>
-          <a:p>
-            <a:pPr marL="0" indent="0">
-              <a:buNone/>
-            </a:pPr>
-            <a:r>
-              <a:rPr lang="en-US" altLang="zh-TW" sz="2000" dirty="0" smtClean="0"/>
-              <a:t>4.</a:t>
-            </a:r>
-            <a:r>
-              <a:rPr lang="zh-TW" altLang="en-US" sz="2000" dirty="0" smtClean="0"/>
-              <a:t>使用</a:t>
-            </a:r>
-            <a:r>
-              <a:rPr lang="en-US" altLang="zh-TW" sz="2000" dirty="0" err="1" smtClean="0"/>
-              <a:t>Dockerfile</a:t>
-            </a:r>
-            <a:r>
-              <a:rPr lang="zh-TW" altLang="en-US" sz="2000" dirty="0" smtClean="0"/>
-              <a:t>建置</a:t>
-            </a:r>
-            <a:r>
-              <a:rPr lang="en-US" altLang="zh-TW" sz="2000" dirty="0" smtClean="0"/>
-              <a:t>Docker</a:t>
-            </a:r>
-            <a:r>
-              <a:rPr lang="zh-TW" altLang="en-US" sz="2000" dirty="0" smtClean="0"/>
-              <a:t>的</a:t>
-            </a:r>
-            <a:r>
-              <a:rPr lang="en-US" altLang="zh-TW" sz="2000" dirty="0" smtClean="0"/>
-              <a:t>Image</a:t>
-            </a:r>
-            <a:r>
-              <a:rPr lang="zh-TW" altLang="en-US" sz="2000" dirty="0" smtClean="0"/>
-              <a:t>並指定</a:t>
-            </a:r>
-            <a:r>
-              <a:rPr lang="en-US" altLang="zh-TW" sz="2000" dirty="0" smtClean="0"/>
-              <a:t>Image</a:t>
-            </a:r>
-            <a:r>
-              <a:rPr lang="zh-TW" altLang="en-US" sz="2000" dirty="0" smtClean="0"/>
-              <a:t>要部署的</a:t>
-            </a:r>
-            <a:r>
-              <a:rPr lang="en-US" altLang="zh-TW" sz="2000" dirty="0" smtClean="0"/>
-              <a:t>port</a:t>
-            </a:r>
-            <a:r>
-              <a:rPr lang="zh-TW" altLang="en-US" sz="2000" dirty="0" smtClean="0"/>
-              <a:t>號。</a:t>
-            </a:r>
-            <a:endParaRPr lang="en-US" altLang="zh-TW" sz="2000" dirty="0" smtClean="0"/>
-          </a:p>
-          <a:p>
-            <a:pPr marL="0" indent="0">
-              <a:buNone/>
-            </a:pPr>
-            <a:endParaRPr lang="en-US" altLang="zh-TW" sz="2000" dirty="0" smtClean="0"/>
-          </a:p>
-          <a:p>
-            <a:pPr marL="0" indent="0">
-              <a:buNone/>
-            </a:pPr>
-            <a:r>
-              <a:rPr lang="en-US" altLang="zh-TW" sz="2000" dirty="0"/>
-              <a:t>5</a:t>
-            </a:r>
-            <a:r>
-              <a:rPr lang="en-US" altLang="zh-TW" sz="2000" dirty="0" smtClean="0"/>
-              <a:t>.</a:t>
-            </a:r>
-            <a:r>
-              <a:rPr lang="zh-TW" altLang="en-US" sz="2000" dirty="0" smtClean="0"/>
-              <a:t>在</a:t>
-            </a:r>
-            <a:r>
-              <a:rPr lang="en-US" altLang="zh-TW" sz="2000" dirty="0" smtClean="0"/>
-              <a:t>Jenkins</a:t>
-            </a:r>
-            <a:r>
-              <a:rPr lang="zh-TW" altLang="en-US" sz="2000" dirty="0" smtClean="0"/>
-              <a:t>中自動啟動</a:t>
-            </a:r>
-            <a:r>
-              <a:rPr lang="en-US" altLang="zh-TW" sz="2000" dirty="0" smtClean="0"/>
-              <a:t>Service</a:t>
-            </a:r>
-            <a:r>
-              <a:rPr lang="zh-TW" altLang="en-US" sz="2000" dirty="0" smtClean="0"/>
-              <a:t>。</a:t>
-            </a:r>
-            <a:endParaRPr lang="en-US" altLang="zh-TW" sz="2000" dirty="0" smtClean="0"/>
-          </a:p>
-          <a:p>
-            <a:pPr marL="0" indent="0">
-              <a:buNone/>
-            </a:pPr>
-            <a:endParaRPr lang="en-US" altLang="zh-TW" sz="2000" dirty="0"/>
-          </a:p>
-          <a:p>
-            <a:pPr marL="0" indent="0">
-              <a:buNone/>
-            </a:pPr>
-            <a:r>
-              <a:rPr lang="en-US" altLang="zh-TW" sz="2000" dirty="0" smtClean="0"/>
-              <a:t>6.</a:t>
-            </a:r>
-            <a:r>
-              <a:rPr lang="zh-TW" altLang="en-US" sz="2000" dirty="0" smtClean="0"/>
-              <a:t>設計驗收測試確認</a:t>
-            </a:r>
-            <a:r>
-              <a:rPr lang="en-US" altLang="zh-TW" sz="2000" dirty="0" smtClean="0"/>
-              <a:t>Service</a:t>
-            </a:r>
-            <a:r>
-              <a:rPr lang="zh-TW" altLang="en-US" sz="2000" dirty="0" smtClean="0"/>
-              <a:t>已經啟動並與</a:t>
-            </a:r>
-            <a:r>
-              <a:rPr lang="en-US" altLang="zh-TW" sz="2000" dirty="0" err="1" smtClean="0"/>
-              <a:t>ezScrum</a:t>
-            </a:r>
-            <a:r>
-              <a:rPr lang="zh-TW" altLang="en-US" sz="2000" dirty="0" smtClean="0"/>
-              <a:t>連上線。</a:t>
+              <a:t> </a:t>
             </a:r>
             <a:endParaRPr lang="zh-TW" altLang="en-US" sz="2000" dirty="0"/>
           </a:p>
@@ -8419,137 +9890,6 @@
                 <a:defRPr/>
               </a:pPr>
               <a:t>20</a:t>
-            </a:fld>
-            <a:endParaRPr lang="zh-TW" altLang="en-US"/>
-          </a:p>
-        </p:txBody>
-      </p:sp>
-    </p:spTree>
-    <p:extLst>
-      <p:ext uri="{BB962C8B-B14F-4D97-AF65-F5344CB8AC3E}">
-        <p14:creationId xmlns:p14="http://schemas.microsoft.com/office/powerpoint/2010/main" val="2049691656"/>
-      </p:ext>
-    </p:extLst>
-  </p:cSld>
-  <p:clrMapOvr>
-    <a:masterClrMapping/>
-  </p:clrMapOvr>
-  <p:timing>
-    <p:tnLst>
-      <p:par>
-        <p:cTn id="1" dur="indefinite" restart="never" nodeType="tmRoot"/>
-      </p:par>
-    </p:tnLst>
-  </p:timing>
-</p:sld>
-</file>
-
-<file path=ppt/slides/slide21.xml><?xml version="1.0" encoding="utf-8"?>
-<p:sld xmlns:a="http://schemas.openxmlformats.org/drawingml/2006/main" xmlns:r="http://schemas.openxmlformats.org/officeDocument/2006/relationships" xmlns:p="http://schemas.openxmlformats.org/presentationml/2006/main">
-  <p:cSld>
-    <p:spTree>
-      <p:nvGrpSpPr>
-        <p:cNvPr id="1" name=""/>
-        <p:cNvGrpSpPr/>
-        <p:nvPr/>
-      </p:nvGrpSpPr>
-      <p:grpSpPr>
-        <a:xfrm>
-          <a:off x="0" y="0"/>
-          <a:ext cx="0" cy="0"/>
-          <a:chOff x="0" y="0"/>
-          <a:chExt cx="0" cy="0"/>
-        </a:xfrm>
-      </p:grpSpPr>
-      <p:sp>
-        <p:nvSpPr>
-          <p:cNvPr id="2" name="標題 1"/>
-          <p:cNvSpPr>
-            <a:spLocks noGrp="1"/>
-          </p:cNvSpPr>
-          <p:nvPr>
-            <p:ph type="title"/>
-          </p:nvPr>
-        </p:nvSpPr>
-        <p:spPr/>
-        <p:txBody>
-          <a:bodyPr/>
-          <a:lstStyle/>
-          <a:p>
-            <a:r>
-              <a:rPr lang="zh-TW" altLang="en-US" dirty="0" smtClean="0"/>
-              <a:t>自動部署做法</a:t>
-            </a:r>
-            <a:endParaRPr lang="zh-TW" altLang="en-US" dirty="0"/>
-          </a:p>
-        </p:txBody>
-      </p:sp>
-      <p:sp>
-        <p:nvSpPr>
-          <p:cNvPr id="3" name="內容版面配置區 2"/>
-          <p:cNvSpPr>
-            <a:spLocks noGrp="1"/>
-          </p:cNvSpPr>
-          <p:nvPr>
-            <p:ph idx="1"/>
-          </p:nvPr>
-        </p:nvSpPr>
-        <p:spPr/>
-        <p:txBody>
-          <a:bodyPr/>
-          <a:lstStyle/>
-          <a:p>
-            <a:pPr marL="0" indent="0">
-              <a:buNone/>
-            </a:pPr>
-            <a:r>
-              <a:rPr lang="en-US" altLang="zh-TW" sz="2000" dirty="0" smtClean="0"/>
-              <a:t>1.Git change </a:t>
-            </a:r>
-            <a:r>
-              <a:rPr lang="en-US" altLang="zh-TW" sz="2000" dirty="0"/>
-              <a:t>p</a:t>
-            </a:r>
-            <a:r>
-              <a:rPr lang="en-US" altLang="zh-TW" sz="2000" dirty="0" smtClean="0"/>
-              <a:t>ush to </a:t>
-            </a:r>
-            <a:r>
-              <a:rPr lang="en-US" altLang="zh-TW" sz="2000" dirty="0" err="1" smtClean="0"/>
-              <a:t>Github</a:t>
-            </a:r>
-            <a:r>
-              <a:rPr lang="en-US" altLang="zh-TW" sz="2000" dirty="0" smtClean="0"/>
-              <a:t> </a:t>
-            </a:r>
-            <a:endParaRPr lang="zh-TW" altLang="en-US" sz="2000" dirty="0"/>
-          </a:p>
-        </p:txBody>
-      </p:sp>
-      <p:sp>
-        <p:nvSpPr>
-          <p:cNvPr id="4" name="投影片編號版面配置區 3"/>
-          <p:cNvSpPr>
-            <a:spLocks noGrp="1"/>
-          </p:cNvSpPr>
-          <p:nvPr>
-            <p:ph type="sldNum" sz="quarter" idx="12"/>
-          </p:nvPr>
-        </p:nvSpPr>
-        <p:spPr/>
-        <p:txBody>
-          <a:bodyPr/>
-          <a:lstStyle/>
-          <a:p>
-            <a:pPr>
-              <a:defRPr/>
-            </a:pPr>
-            <a:fld id="{3DB7C113-B292-4711-9FA5-4E4B2395B52F}" type="slidenum">
-              <a:rPr lang="zh-TW" altLang="en-US" smtClean="0"/>
-              <a:pPr>
-                <a:defRPr/>
-              </a:pPr>
-              <a:t>21</a:t>
             </a:fld>
             <a:endParaRPr lang="zh-TW" altLang="en-US"/>
           </a:p>
@@ -8598,7 +9938,7 @@
 </p:sld>
 </file>
 
-<file path=ppt/slides/slide22.xml><?xml version="1.0" encoding="utf-8"?>
+<file path=ppt/slides/slide21.xml><?xml version="1.0" encoding="utf-8"?>
 <p:sld xmlns:a="http://schemas.openxmlformats.org/drawingml/2006/main" xmlns:r="http://schemas.openxmlformats.org/officeDocument/2006/relationships" xmlns:p="http://schemas.openxmlformats.org/presentationml/2006/main">
   <p:cSld>
     <p:spTree>
@@ -8691,7 +10031,7 @@
               <a:pPr>
                 <a:defRPr/>
               </a:pPr>
-              <a:t>22</a:t>
+              <a:t>21</a:t>
             </a:fld>
             <a:endParaRPr lang="zh-TW" altLang="en-US"/>
           </a:p>
@@ -8734,7 +10074,7 @@
 </p:sld>
 </file>
 
-<file path=ppt/slides/slide23.xml><?xml version="1.0" encoding="utf-8"?>
+<file path=ppt/slides/slide22.xml><?xml version="1.0" encoding="utf-8"?>
 <p:sld xmlns:a="http://schemas.openxmlformats.org/drawingml/2006/main" xmlns:r="http://schemas.openxmlformats.org/officeDocument/2006/relationships" xmlns:p="http://schemas.openxmlformats.org/presentationml/2006/main">
   <p:cSld>
     <p:spTree>
@@ -8835,7 +10175,7 @@
               <a:pPr>
                 <a:defRPr/>
               </a:pPr>
-              <a:t>23</a:t>
+              <a:t>22</a:t>
             </a:fld>
             <a:endParaRPr lang="zh-TW" altLang="en-US"/>
           </a:p>
@@ -8878,7 +10218,7 @@
 </p:sld>
 </file>
 
-<file path=ppt/slides/slide24.xml><?xml version="1.0" encoding="utf-8"?>
+<file path=ppt/slides/slide23.xml><?xml version="1.0" encoding="utf-8"?>
 <p:sld xmlns:a="http://schemas.openxmlformats.org/drawingml/2006/main" xmlns:r="http://schemas.openxmlformats.org/officeDocument/2006/relationships" xmlns:p="http://schemas.openxmlformats.org/presentationml/2006/main">
   <p:cSld>
     <p:spTree>
@@ -9098,7 +10438,7 @@
               <a:pPr>
                 <a:defRPr/>
               </a:pPr>
-              <a:t>24</a:t>
+              <a:t>23</a:t>
             </a:fld>
             <a:endParaRPr lang="zh-TW" altLang="en-US"/>
           </a:p>
@@ -9124,7 +10464,7 @@
 </p:sld>
 </file>
 
-<file path=ppt/slides/slide25.xml><?xml version="1.0" encoding="utf-8"?>
+<file path=ppt/slides/slide24.xml><?xml version="1.0" encoding="utf-8"?>
 <p:sld xmlns:a="http://schemas.openxmlformats.org/drawingml/2006/main" xmlns:r="http://schemas.openxmlformats.org/officeDocument/2006/relationships" xmlns:p="http://schemas.openxmlformats.org/presentationml/2006/main">
   <p:cSld>
     <p:spTree>
@@ -9225,7 +10565,7 @@
               <a:pPr>
                 <a:defRPr/>
               </a:pPr>
-              <a:t>25</a:t>
+              <a:t>24</a:t>
             </a:fld>
             <a:endParaRPr lang="zh-TW" altLang="en-US"/>
           </a:p>
@@ -9305,7 +10645,7 @@
 </p:sld>
 </file>
 
-<file path=ppt/slides/slide26.xml><?xml version="1.0" encoding="utf-8"?>
+<file path=ppt/slides/slide25.xml><?xml version="1.0" encoding="utf-8"?>
 <p:sld xmlns:a="http://schemas.openxmlformats.org/drawingml/2006/main" xmlns:r="http://schemas.openxmlformats.org/officeDocument/2006/relationships" xmlns:p="http://schemas.openxmlformats.org/presentationml/2006/main">
   <p:cSld>
     <p:spTree>
@@ -9402,7 +10742,7 @@
               <a:pPr>
                 <a:defRPr/>
               </a:pPr>
-              <a:t>26</a:t>
+              <a:t>25</a:t>
             </a:fld>
             <a:endParaRPr lang="zh-TW" altLang="en-US"/>
           </a:p>
@@ -9475,7 +10815,7 @@
 </p:sld>
 </file>
 
-<file path=ppt/slides/slide27.xml><?xml version="1.0" encoding="utf-8"?>
+<file path=ppt/slides/slide26.xml><?xml version="1.0" encoding="utf-8"?>
 <p:sld xmlns:a="http://schemas.openxmlformats.org/drawingml/2006/main" xmlns:r="http://schemas.openxmlformats.org/officeDocument/2006/relationships" xmlns:p="http://schemas.openxmlformats.org/presentationml/2006/main">
   <p:cSld>
     <p:spTree>
@@ -9572,7 +10912,7 @@
               <a:pPr>
                 <a:defRPr/>
               </a:pPr>
-              <a:t>27</a:t>
+              <a:t>26</a:t>
             </a:fld>
             <a:endParaRPr lang="zh-TW" altLang="en-US"/>
           </a:p>
@@ -9652,7 +10992,7 @@
 </p:sld>
 </file>
 
-<file path=ppt/slides/slide28.xml><?xml version="1.0" encoding="utf-8"?>
+<file path=ppt/slides/slide27.xml><?xml version="1.0" encoding="utf-8"?>
 <p:sld xmlns:a="http://schemas.openxmlformats.org/drawingml/2006/main" xmlns:r="http://schemas.openxmlformats.org/officeDocument/2006/relationships" xmlns:p="http://schemas.openxmlformats.org/presentationml/2006/main">
   <p:cSld>
     <p:spTree>
@@ -9782,7 +11122,7 @@
               <a:pPr>
                 <a:defRPr/>
               </a:pPr>
-              <a:t>28</a:t>
+              <a:t>27</a:t>
             </a:fld>
             <a:endParaRPr lang="zh-TW" altLang="en-US"/>
           </a:p>
@@ -9862,7 +11202,7 @@
 </p:sld>
 </file>
 
-<file path=ppt/slides/slide29.xml><?xml version="1.0" encoding="utf-8"?>
+<file path=ppt/slides/slide28.xml><?xml version="1.0" encoding="utf-8"?>
 <p:sld xmlns:a="http://schemas.openxmlformats.org/drawingml/2006/main" xmlns:r="http://schemas.openxmlformats.org/officeDocument/2006/relationships" xmlns:p="http://schemas.openxmlformats.org/presentationml/2006/main">
   <p:cSld>
     <p:spTree>
@@ -9940,7 +11280,7 @@
               <a:pPr>
                 <a:defRPr/>
               </a:pPr>
-              <a:t>29</a:t>
+              <a:t>28</a:t>
             </a:fld>
             <a:endParaRPr lang="zh-TW" altLang="en-US"/>
           </a:p>
@@ -9983,6 +11323,262 @@
 </p:sld>
 </file>
 
+<file path=ppt/slides/slide29.xml><?xml version="1.0" encoding="utf-8"?>
+<p:sld xmlns:a="http://schemas.openxmlformats.org/drawingml/2006/main" xmlns:r="http://schemas.openxmlformats.org/officeDocument/2006/relationships" xmlns:p="http://schemas.openxmlformats.org/presentationml/2006/main">
+  <p:cSld>
+    <p:spTree>
+      <p:nvGrpSpPr>
+        <p:cNvPr id="1" name=""/>
+        <p:cNvGrpSpPr/>
+        <p:nvPr/>
+      </p:nvGrpSpPr>
+      <p:grpSpPr>
+        <a:xfrm>
+          <a:off x="0" y="0"/>
+          <a:ext cx="0" cy="0"/>
+          <a:chOff x="0" y="0"/>
+          <a:chExt cx="0" cy="0"/>
+        </a:xfrm>
+      </p:grpSpPr>
+      <p:sp>
+        <p:nvSpPr>
+          <p:cNvPr id="2" name="標題 1"/>
+          <p:cNvSpPr>
+            <a:spLocks noGrp="1"/>
+          </p:cNvSpPr>
+          <p:nvPr>
+            <p:ph type="title"/>
+          </p:nvPr>
+        </p:nvSpPr>
+        <p:spPr/>
+        <p:txBody>
+          <a:bodyPr/>
+          <a:lstStyle/>
+          <a:p>
+            <a:r>
+              <a:rPr lang="zh-TW" altLang="en-US" dirty="0" smtClean="0"/>
+              <a:t>大綱</a:t>
+            </a:r>
+            <a:endParaRPr lang="zh-TW" altLang="en-US" dirty="0"/>
+          </a:p>
+        </p:txBody>
+      </p:sp>
+      <p:sp>
+        <p:nvSpPr>
+          <p:cNvPr id="3" name="內容版面配置區 2"/>
+          <p:cNvSpPr>
+            <a:spLocks noGrp="1"/>
+          </p:cNvSpPr>
+          <p:nvPr>
+            <p:ph idx="1"/>
+          </p:nvPr>
+        </p:nvSpPr>
+        <p:spPr/>
+        <p:txBody>
+          <a:bodyPr/>
+          <a:lstStyle/>
+          <a:p>
+            <a:pPr eaLnBrk="1" hangingPunct="1">
+              <a:buFont typeface="Arial" charset="0"/>
+              <a:buChar char="•"/>
+              <a:defRPr/>
+            </a:pPr>
+            <a:r>
+              <a:rPr lang="zh-TW" altLang="en-US" dirty="0">
+                <a:solidFill>
+                  <a:schemeClr val="bg1">
+                    <a:lumMod val="75000"/>
+                  </a:schemeClr>
+                </a:solidFill>
+                <a:latin typeface="標楷體" pitchFamily="65" charset="-120"/>
+              </a:rPr>
+              <a:t>研究背景與動機</a:t>
+            </a:r>
+            <a:endParaRPr lang="en-US" altLang="zh-TW" dirty="0">
+              <a:solidFill>
+                <a:schemeClr val="bg1">
+                  <a:lumMod val="75000"/>
+                </a:schemeClr>
+              </a:solidFill>
+              <a:latin typeface="標楷體" pitchFamily="65" charset="-120"/>
+            </a:endParaRPr>
+          </a:p>
+          <a:p>
+            <a:pPr eaLnBrk="1" hangingPunct="1">
+              <a:buFont typeface="Arial" charset="0"/>
+              <a:buChar char="•"/>
+              <a:defRPr/>
+            </a:pPr>
+            <a:r>
+              <a:rPr lang="zh-TW" altLang="en-US" dirty="0">
+                <a:solidFill>
+                  <a:schemeClr val="bg1">
+                    <a:lumMod val="75000"/>
+                  </a:schemeClr>
+                </a:solidFill>
+                <a:latin typeface="標楷體" pitchFamily="65" charset="-120"/>
+              </a:rPr>
+              <a:t>研究目標</a:t>
+            </a:r>
+            <a:endParaRPr lang="en-US" altLang="zh-TW" dirty="0">
+              <a:solidFill>
+                <a:schemeClr val="bg1">
+                  <a:lumMod val="75000"/>
+                </a:schemeClr>
+              </a:solidFill>
+              <a:latin typeface="標楷體" pitchFamily="65" charset="-120"/>
+            </a:endParaRPr>
+          </a:p>
+          <a:p>
+            <a:pPr eaLnBrk="1" hangingPunct="1">
+              <a:buFont typeface="Arial" charset="0"/>
+              <a:buChar char="•"/>
+              <a:defRPr/>
+            </a:pPr>
+            <a:r>
+              <a:rPr lang="zh-TW" altLang="en-US" dirty="0">
+                <a:solidFill>
+                  <a:schemeClr val="bg1">
+                    <a:lumMod val="75000"/>
+                  </a:schemeClr>
+                </a:solidFill>
+                <a:latin typeface="標楷體" pitchFamily="65" charset="-120"/>
+              </a:rPr>
+              <a:t>背景知識</a:t>
+            </a:r>
+            <a:endParaRPr lang="en-US" altLang="zh-TW" dirty="0">
+              <a:solidFill>
+                <a:schemeClr val="bg1">
+                  <a:lumMod val="75000"/>
+                </a:schemeClr>
+              </a:solidFill>
+              <a:latin typeface="標楷體" pitchFamily="65" charset="-120"/>
+            </a:endParaRPr>
+          </a:p>
+          <a:p>
+            <a:pPr eaLnBrk="1" hangingPunct="1">
+              <a:buFont typeface="Arial" charset="0"/>
+              <a:buChar char="•"/>
+              <a:defRPr/>
+            </a:pPr>
+            <a:r>
+              <a:rPr lang="zh-TW" altLang="en-US" dirty="0" smtClean="0">
+                <a:solidFill>
+                  <a:schemeClr val="bg1">
+                    <a:lumMod val="75000"/>
+                  </a:schemeClr>
+                </a:solidFill>
+                <a:latin typeface="標楷體" pitchFamily="65" charset="-120"/>
+              </a:rPr>
+              <a:t>研究方法</a:t>
+            </a:r>
+            <a:endParaRPr lang="zh-TW" altLang="en-US" dirty="0">
+              <a:solidFill>
+                <a:schemeClr val="bg1">
+                  <a:lumMod val="75000"/>
+                </a:schemeClr>
+              </a:solidFill>
+              <a:latin typeface="標楷體" pitchFamily="65" charset="-120"/>
+            </a:endParaRPr>
+          </a:p>
+          <a:p>
+            <a:pPr eaLnBrk="1" hangingPunct="1">
+              <a:buFont typeface="Arial" charset="0"/>
+              <a:buChar char="•"/>
+              <a:defRPr/>
+            </a:pPr>
+            <a:r>
+              <a:rPr lang="zh-TW" altLang="en-US" dirty="0">
+                <a:solidFill>
+                  <a:schemeClr val="bg1">
+                    <a:lumMod val="75000"/>
+                  </a:schemeClr>
+                </a:solidFill>
+                <a:latin typeface="標楷體" pitchFamily="65" charset="-120"/>
+              </a:rPr>
+              <a:t>案例實作</a:t>
+            </a:r>
+            <a:endParaRPr lang="en-US" altLang="zh-TW" dirty="0">
+              <a:solidFill>
+                <a:schemeClr val="bg1">
+                  <a:lumMod val="75000"/>
+                </a:schemeClr>
+              </a:solidFill>
+              <a:latin typeface="標楷體" pitchFamily="65" charset="-120"/>
+            </a:endParaRPr>
+          </a:p>
+          <a:p>
+            <a:pPr eaLnBrk="1" hangingPunct="1">
+              <a:buFont typeface="Arial" charset="0"/>
+              <a:buChar char="•"/>
+              <a:defRPr/>
+            </a:pPr>
+            <a:r>
+              <a:rPr lang="zh-TW" altLang="en-US" dirty="0">
+                <a:solidFill>
+                  <a:schemeClr val="tx2">
+                    <a:lumMod val="75000"/>
+                  </a:schemeClr>
+                </a:solidFill>
+                <a:latin typeface="標楷體" pitchFamily="65" charset="-120"/>
+              </a:rPr>
+              <a:t>結論與未來展望</a:t>
+            </a:r>
+          </a:p>
+          <a:p>
+            <a:endParaRPr lang="zh-TW" altLang="en-US" dirty="0"/>
+          </a:p>
+        </p:txBody>
+      </p:sp>
+      <p:sp>
+        <p:nvSpPr>
+          <p:cNvPr id="4" name="投影片編號版面配置區 3"/>
+          <p:cNvSpPr>
+            <a:spLocks noGrp="1"/>
+          </p:cNvSpPr>
+          <p:nvPr>
+            <p:ph type="sldNum" sz="quarter" idx="12"/>
+          </p:nvPr>
+        </p:nvSpPr>
+        <p:spPr/>
+        <p:txBody>
+          <a:bodyPr/>
+          <a:lstStyle/>
+          <a:p>
+            <a:pPr>
+              <a:defRPr/>
+            </a:pPr>
+            <a:fld id="{3DB7C113-B292-4711-9FA5-4E4B2395B52F}" type="slidenum">
+              <a:rPr lang="zh-TW" altLang="en-US" smtClean="0"/>
+              <a:pPr>
+                <a:defRPr/>
+              </a:pPr>
+              <a:t>29</a:t>
+            </a:fld>
+            <a:endParaRPr lang="zh-TW" altLang="en-US"/>
+          </a:p>
+        </p:txBody>
+      </p:sp>
+    </p:spTree>
+    <p:extLst>
+      <p:ext uri="{BB962C8B-B14F-4D97-AF65-F5344CB8AC3E}">
+        <p14:creationId xmlns:p14="http://schemas.microsoft.com/office/powerpoint/2010/main" val="2389890047"/>
+      </p:ext>
+    </p:extLst>
+  </p:cSld>
+  <p:clrMapOvr>
+    <a:masterClrMapping/>
+  </p:clrMapOvr>
+  <p:timing>
+    <p:tnLst>
+      <p:par>
+        <p:cTn id="1" dur="indefinite" restart="never" nodeType="tmRoot"/>
+      </p:par>
+    </p:tnLst>
+  </p:timing>
+</p:sld>
+</file>
+
 <file path=ppt/slides/slide3.xml><?xml version="1.0" encoding="utf-8"?>
 <p:sld xmlns:a="http://schemas.openxmlformats.org/drawingml/2006/main" xmlns:r="http://schemas.openxmlformats.org/officeDocument/2006/relationships" xmlns:p="http://schemas.openxmlformats.org/presentationml/2006/main">
   <p:cSld>
@@ -10222,262 +11818,6 @@
 </file>
 
 <file path=ppt/slides/slide30.xml><?xml version="1.0" encoding="utf-8"?>
-<p:sld xmlns:a="http://schemas.openxmlformats.org/drawingml/2006/main" xmlns:r="http://schemas.openxmlformats.org/officeDocument/2006/relationships" xmlns:p="http://schemas.openxmlformats.org/presentationml/2006/main">
-  <p:cSld>
-    <p:spTree>
-      <p:nvGrpSpPr>
-        <p:cNvPr id="1" name=""/>
-        <p:cNvGrpSpPr/>
-        <p:nvPr/>
-      </p:nvGrpSpPr>
-      <p:grpSpPr>
-        <a:xfrm>
-          <a:off x="0" y="0"/>
-          <a:ext cx="0" cy="0"/>
-          <a:chOff x="0" y="0"/>
-          <a:chExt cx="0" cy="0"/>
-        </a:xfrm>
-      </p:grpSpPr>
-      <p:sp>
-        <p:nvSpPr>
-          <p:cNvPr id="2" name="標題 1"/>
-          <p:cNvSpPr>
-            <a:spLocks noGrp="1"/>
-          </p:cNvSpPr>
-          <p:nvPr>
-            <p:ph type="title"/>
-          </p:nvPr>
-        </p:nvSpPr>
-        <p:spPr/>
-        <p:txBody>
-          <a:bodyPr/>
-          <a:lstStyle/>
-          <a:p>
-            <a:r>
-              <a:rPr lang="zh-TW" altLang="en-US" dirty="0" smtClean="0"/>
-              <a:t>大綱</a:t>
-            </a:r>
-            <a:endParaRPr lang="zh-TW" altLang="en-US" dirty="0"/>
-          </a:p>
-        </p:txBody>
-      </p:sp>
-      <p:sp>
-        <p:nvSpPr>
-          <p:cNvPr id="3" name="內容版面配置區 2"/>
-          <p:cNvSpPr>
-            <a:spLocks noGrp="1"/>
-          </p:cNvSpPr>
-          <p:nvPr>
-            <p:ph idx="1"/>
-          </p:nvPr>
-        </p:nvSpPr>
-        <p:spPr/>
-        <p:txBody>
-          <a:bodyPr/>
-          <a:lstStyle/>
-          <a:p>
-            <a:pPr eaLnBrk="1" hangingPunct="1">
-              <a:buFont typeface="Arial" charset="0"/>
-              <a:buChar char="•"/>
-              <a:defRPr/>
-            </a:pPr>
-            <a:r>
-              <a:rPr lang="zh-TW" altLang="en-US" dirty="0">
-                <a:solidFill>
-                  <a:schemeClr val="bg1">
-                    <a:lumMod val="75000"/>
-                  </a:schemeClr>
-                </a:solidFill>
-                <a:latin typeface="標楷體" pitchFamily="65" charset="-120"/>
-              </a:rPr>
-              <a:t>研究背景與動機</a:t>
-            </a:r>
-            <a:endParaRPr lang="en-US" altLang="zh-TW" dirty="0">
-              <a:solidFill>
-                <a:schemeClr val="bg1">
-                  <a:lumMod val="75000"/>
-                </a:schemeClr>
-              </a:solidFill>
-              <a:latin typeface="標楷體" pitchFamily="65" charset="-120"/>
-            </a:endParaRPr>
-          </a:p>
-          <a:p>
-            <a:pPr eaLnBrk="1" hangingPunct="1">
-              <a:buFont typeface="Arial" charset="0"/>
-              <a:buChar char="•"/>
-              <a:defRPr/>
-            </a:pPr>
-            <a:r>
-              <a:rPr lang="zh-TW" altLang="en-US" dirty="0">
-                <a:solidFill>
-                  <a:schemeClr val="bg1">
-                    <a:lumMod val="75000"/>
-                  </a:schemeClr>
-                </a:solidFill>
-                <a:latin typeface="標楷體" pitchFamily="65" charset="-120"/>
-              </a:rPr>
-              <a:t>研究目標</a:t>
-            </a:r>
-            <a:endParaRPr lang="en-US" altLang="zh-TW" dirty="0">
-              <a:solidFill>
-                <a:schemeClr val="bg1">
-                  <a:lumMod val="75000"/>
-                </a:schemeClr>
-              </a:solidFill>
-              <a:latin typeface="標楷體" pitchFamily="65" charset="-120"/>
-            </a:endParaRPr>
-          </a:p>
-          <a:p>
-            <a:pPr eaLnBrk="1" hangingPunct="1">
-              <a:buFont typeface="Arial" charset="0"/>
-              <a:buChar char="•"/>
-              <a:defRPr/>
-            </a:pPr>
-            <a:r>
-              <a:rPr lang="zh-TW" altLang="en-US" dirty="0">
-                <a:solidFill>
-                  <a:schemeClr val="bg1">
-                    <a:lumMod val="75000"/>
-                  </a:schemeClr>
-                </a:solidFill>
-                <a:latin typeface="標楷體" pitchFamily="65" charset="-120"/>
-              </a:rPr>
-              <a:t>背景知識</a:t>
-            </a:r>
-            <a:endParaRPr lang="en-US" altLang="zh-TW" dirty="0">
-              <a:solidFill>
-                <a:schemeClr val="bg1">
-                  <a:lumMod val="75000"/>
-                </a:schemeClr>
-              </a:solidFill>
-              <a:latin typeface="標楷體" pitchFamily="65" charset="-120"/>
-            </a:endParaRPr>
-          </a:p>
-          <a:p>
-            <a:pPr eaLnBrk="1" hangingPunct="1">
-              <a:buFont typeface="Arial" charset="0"/>
-              <a:buChar char="•"/>
-              <a:defRPr/>
-            </a:pPr>
-            <a:r>
-              <a:rPr lang="zh-TW" altLang="en-US" dirty="0" smtClean="0">
-                <a:solidFill>
-                  <a:schemeClr val="bg1">
-                    <a:lumMod val="75000"/>
-                  </a:schemeClr>
-                </a:solidFill>
-                <a:latin typeface="標楷體" pitchFamily="65" charset="-120"/>
-              </a:rPr>
-              <a:t>研究方法</a:t>
-            </a:r>
-            <a:endParaRPr lang="zh-TW" altLang="en-US" dirty="0">
-              <a:solidFill>
-                <a:schemeClr val="bg1">
-                  <a:lumMod val="75000"/>
-                </a:schemeClr>
-              </a:solidFill>
-              <a:latin typeface="標楷體" pitchFamily="65" charset="-120"/>
-            </a:endParaRPr>
-          </a:p>
-          <a:p>
-            <a:pPr eaLnBrk="1" hangingPunct="1">
-              <a:buFont typeface="Arial" charset="0"/>
-              <a:buChar char="•"/>
-              <a:defRPr/>
-            </a:pPr>
-            <a:r>
-              <a:rPr lang="zh-TW" altLang="en-US" dirty="0">
-                <a:solidFill>
-                  <a:schemeClr val="bg1">
-                    <a:lumMod val="75000"/>
-                  </a:schemeClr>
-                </a:solidFill>
-                <a:latin typeface="標楷體" pitchFamily="65" charset="-120"/>
-              </a:rPr>
-              <a:t>案例實作</a:t>
-            </a:r>
-            <a:endParaRPr lang="en-US" altLang="zh-TW" dirty="0">
-              <a:solidFill>
-                <a:schemeClr val="bg1">
-                  <a:lumMod val="75000"/>
-                </a:schemeClr>
-              </a:solidFill>
-              <a:latin typeface="標楷體" pitchFamily="65" charset="-120"/>
-            </a:endParaRPr>
-          </a:p>
-          <a:p>
-            <a:pPr eaLnBrk="1" hangingPunct="1">
-              <a:buFont typeface="Arial" charset="0"/>
-              <a:buChar char="•"/>
-              <a:defRPr/>
-            </a:pPr>
-            <a:r>
-              <a:rPr lang="zh-TW" altLang="en-US" dirty="0">
-                <a:solidFill>
-                  <a:schemeClr val="tx2">
-                    <a:lumMod val="75000"/>
-                  </a:schemeClr>
-                </a:solidFill>
-                <a:latin typeface="標楷體" pitchFamily="65" charset="-120"/>
-              </a:rPr>
-              <a:t>結論與未來展望</a:t>
-            </a:r>
-          </a:p>
-          <a:p>
-            <a:endParaRPr lang="zh-TW" altLang="en-US" dirty="0"/>
-          </a:p>
-        </p:txBody>
-      </p:sp>
-      <p:sp>
-        <p:nvSpPr>
-          <p:cNvPr id="4" name="投影片編號版面配置區 3"/>
-          <p:cNvSpPr>
-            <a:spLocks noGrp="1"/>
-          </p:cNvSpPr>
-          <p:nvPr>
-            <p:ph type="sldNum" sz="quarter" idx="12"/>
-          </p:nvPr>
-        </p:nvSpPr>
-        <p:spPr/>
-        <p:txBody>
-          <a:bodyPr/>
-          <a:lstStyle/>
-          <a:p>
-            <a:pPr>
-              <a:defRPr/>
-            </a:pPr>
-            <a:fld id="{3DB7C113-B292-4711-9FA5-4E4B2395B52F}" type="slidenum">
-              <a:rPr lang="zh-TW" altLang="en-US" smtClean="0"/>
-              <a:pPr>
-                <a:defRPr/>
-              </a:pPr>
-              <a:t>30</a:t>
-            </a:fld>
-            <a:endParaRPr lang="zh-TW" altLang="en-US"/>
-          </a:p>
-        </p:txBody>
-      </p:sp>
-    </p:spTree>
-    <p:extLst>
-      <p:ext uri="{BB962C8B-B14F-4D97-AF65-F5344CB8AC3E}">
-        <p14:creationId xmlns:p14="http://schemas.microsoft.com/office/powerpoint/2010/main" val="2389890047"/>
-      </p:ext>
-    </p:extLst>
-  </p:cSld>
-  <p:clrMapOvr>
-    <a:masterClrMapping/>
-  </p:clrMapOvr>
-  <p:timing>
-    <p:tnLst>
-      <p:par>
-        <p:cTn id="1" dur="indefinite" restart="never" nodeType="tmRoot"/>
-      </p:par>
-    </p:tnLst>
-  </p:timing>
-</p:sld>
-</file>
-
-<file path=ppt/slides/slide31.xml><?xml version="1.0" encoding="utf-8"?>
 <p:sld xmlns:a="http://schemas.openxmlformats.org/drawingml/2006/main" xmlns:r="http://schemas.openxmlformats.org/officeDocument/2006/relationships" xmlns:p="http://schemas.openxmlformats.org/presentationml/2006/main">
   <p:cSld>
     <p:spTree>
@@ -10724,7 +12064,7 @@
               <a:pPr>
                 <a:defRPr/>
               </a:pPr>
-              <a:t>31</a:t>
+              <a:t>30</a:t>
             </a:fld>
             <a:endParaRPr lang="zh-TW" altLang="en-US"/>
           </a:p>
@@ -10791,7 +12131,7 @@
 </p:sld>
 </file>
 
-<file path=ppt/slides/slide32.xml><?xml version="1.0" encoding="utf-8"?>
+<file path=ppt/slides/slide31.xml><?xml version="1.0" encoding="utf-8"?>
 <p:sld xmlns:a="http://schemas.openxmlformats.org/drawingml/2006/main" xmlns:r="http://schemas.openxmlformats.org/officeDocument/2006/relationships" xmlns:p="http://schemas.openxmlformats.org/presentationml/2006/main">
   <p:cSld>
     <p:spTree>
@@ -10854,7 +12194,7 @@
               <a:pPr>
                 <a:defRPr/>
               </a:pPr>
-              <a:t>32</a:t>
+              <a:t>31</a:t>
             </a:fld>
             <a:endParaRPr lang="zh-TW" altLang="en-US"/>
           </a:p>
@@ -11104,7 +12444,7 @@
 </p:sld>
 </file>
 
-<file path=ppt/slides/slide33.xml><?xml version="1.0" encoding="utf-8"?>
+<file path=ppt/slides/slide32.xml><?xml version="1.0" encoding="utf-8"?>
 <p:sld xmlns:a="http://schemas.openxmlformats.org/drawingml/2006/main" xmlns:r="http://schemas.openxmlformats.org/officeDocument/2006/relationships" xmlns:p="http://schemas.openxmlformats.org/presentationml/2006/main">
   <p:cSld>
     <p:spTree>
@@ -11172,7 +12512,7 @@
               <a:pPr>
                 <a:defRPr/>
               </a:pPr>
-              <a:t>33</a:t>
+              <a:t>32</a:t>
             </a:fld>
             <a:endParaRPr lang="zh-TW" altLang="en-US"/>
           </a:p>
@@ -11558,6 +12898,134 @@
 </p:sld>
 </file>
 
+<file path=ppt/slides/slide33.xml><?xml version="1.0" encoding="utf-8"?>
+<p:sld xmlns:a="http://schemas.openxmlformats.org/drawingml/2006/main" xmlns:r="http://schemas.openxmlformats.org/officeDocument/2006/relationships" xmlns:p="http://schemas.openxmlformats.org/presentationml/2006/main">
+  <p:cSld>
+    <p:spTree>
+      <p:nvGrpSpPr>
+        <p:cNvPr id="1" name=""/>
+        <p:cNvGrpSpPr/>
+        <p:nvPr/>
+      </p:nvGrpSpPr>
+      <p:grpSpPr>
+        <a:xfrm>
+          <a:off x="0" y="0"/>
+          <a:ext cx="0" cy="0"/>
+          <a:chOff x="0" y="0"/>
+          <a:chExt cx="0" cy="0"/>
+        </a:xfrm>
+      </p:grpSpPr>
+      <p:sp>
+        <p:nvSpPr>
+          <p:cNvPr id="2" name="標題 1"/>
+          <p:cNvSpPr>
+            <a:spLocks noGrp="1"/>
+          </p:cNvSpPr>
+          <p:nvPr>
+            <p:ph type="title"/>
+          </p:nvPr>
+        </p:nvSpPr>
+        <p:spPr/>
+        <p:txBody>
+          <a:bodyPr/>
+          <a:lstStyle/>
+          <a:p>
+            <a:r>
+              <a:rPr lang="zh-TW" altLang="en-US" dirty="0" smtClean="0"/>
+              <a:t>結論</a:t>
+            </a:r>
+            <a:endParaRPr lang="zh-TW" altLang="en-US" dirty="0"/>
+          </a:p>
+        </p:txBody>
+      </p:sp>
+      <p:sp>
+        <p:nvSpPr>
+          <p:cNvPr id="3" name="內容版面配置區 2"/>
+          <p:cNvSpPr>
+            <a:spLocks noGrp="1"/>
+          </p:cNvSpPr>
+          <p:nvPr>
+            <p:ph idx="1"/>
+          </p:nvPr>
+        </p:nvSpPr>
+        <p:spPr>
+          <a:xfrm>
+            <a:off x="457200" y="1600200"/>
+            <a:ext cx="8686800" cy="4525963"/>
+          </a:xfrm>
+        </p:spPr>
+        <p:txBody>
+          <a:bodyPr/>
+          <a:lstStyle/>
+          <a:p>
+            <a:pPr marL="0" indent="0">
+              <a:buNone/>
+            </a:pPr>
+            <a:r>
+              <a:rPr lang="zh-TW" altLang="zh-TW" sz="2400" dirty="0"/>
+              <a:t>從產品開發完成到上線，手動部署與自動化部署所花的時間差大約</a:t>
+            </a:r>
+            <a:r>
+              <a:rPr lang="en-US" altLang="zh-TW" sz="2400" dirty="0"/>
+              <a:t>10</a:t>
+            </a:r>
+            <a:r>
+              <a:rPr lang="zh-TW" altLang="zh-TW" sz="2400" dirty="0" smtClean="0"/>
+              <a:t>分鐘</a:t>
+            </a:r>
+            <a:r>
+              <a:rPr lang="zh-TW" altLang="en-US" sz="2400" dirty="0" smtClean="0"/>
+              <a:t>。</a:t>
+            </a:r>
+            <a:endParaRPr lang="en-US" altLang="zh-TW" sz="2400" dirty="0" smtClean="0"/>
+          </a:p>
+          <a:p>
+            <a:endParaRPr lang="zh-TW" altLang="en-US" sz="2000" dirty="0"/>
+          </a:p>
+        </p:txBody>
+      </p:sp>
+      <p:sp>
+        <p:nvSpPr>
+          <p:cNvPr id="4" name="投影片編號版面配置區 3"/>
+          <p:cNvSpPr>
+            <a:spLocks noGrp="1"/>
+          </p:cNvSpPr>
+          <p:nvPr>
+            <p:ph type="sldNum" sz="quarter" idx="12"/>
+          </p:nvPr>
+        </p:nvSpPr>
+        <p:spPr/>
+        <p:txBody>
+          <a:bodyPr/>
+          <a:lstStyle/>
+          <a:p>
+            <a:pPr>
+              <a:defRPr/>
+            </a:pPr>
+            <a:fld id="{3DB7C113-B292-4711-9FA5-4E4B2395B52F}" type="slidenum">
+              <a:rPr lang="zh-TW" altLang="en-US" smtClean="0"/>
+              <a:pPr>
+                <a:defRPr/>
+              </a:pPr>
+              <a:t>33</a:t>
+            </a:fld>
+            <a:endParaRPr lang="zh-TW" altLang="en-US"/>
+          </a:p>
+        </p:txBody>
+      </p:sp>
+    </p:spTree>
+    <p:extLst>
+      <p:ext uri="{BB962C8B-B14F-4D97-AF65-F5344CB8AC3E}">
+        <p14:creationId xmlns:p14="http://schemas.microsoft.com/office/powerpoint/2010/main" val="2700697339"/>
+      </p:ext>
+    </p:extLst>
+  </p:cSld>
+  <p:clrMapOvr>
+    <a:masterClrMapping/>
+  </p:clrMapOvr>
+</p:sld>
+</file>
+
 <file path=ppt/slides/slide34.xml><?xml version="1.0" encoding="utf-8"?>
 <p:sld xmlns:a="http://schemas.openxmlformats.org/drawingml/2006/main" xmlns:r="http://schemas.openxmlformats.org/officeDocument/2006/relationships" xmlns:p="http://schemas.openxmlformats.org/presentationml/2006/main">
   <p:cSld>
@@ -11591,8 +13059,8 @@
           <a:lstStyle/>
           <a:p>
             <a:r>
-              <a:rPr lang="zh-TW" altLang="en-US" dirty="0" smtClean="0"/>
-              <a:t>結論</a:t>
+              <a:rPr lang="en-US" altLang="zh-TW" dirty="0" smtClean="0"/>
+              <a:t>DevOps</a:t>
             </a:r>
             <a:endParaRPr lang="zh-TW" altLang="en-US" dirty="0"/>
           </a:p>
@@ -11610,8 +13078,8 @@
         </p:nvSpPr>
         <p:spPr>
           <a:xfrm>
-            <a:off x="457200" y="1600200"/>
-            <a:ext cx="8686800" cy="4525963"/>
+            <a:off x="444288" y="1657730"/>
+            <a:ext cx="8699711" cy="4525963"/>
           </a:xfrm>
         </p:spPr>
         <p:txBody>
@@ -11622,25 +13090,371 @@
               <a:buNone/>
             </a:pPr>
             <a:r>
-              <a:rPr lang="zh-TW" altLang="zh-TW" sz="2400" dirty="0"/>
-              <a:t>從產品開發完成到上線，手動部署與自動化部署所花的時間差大約</a:t>
-            </a:r>
-            <a:r>
-              <a:rPr lang="en-US" altLang="zh-TW" sz="2400" dirty="0"/>
-              <a:t>10</a:t>
-            </a:r>
-            <a:r>
-              <a:rPr lang="zh-TW" altLang="zh-TW" sz="2400" dirty="0" smtClean="0"/>
-              <a:t>分鐘</a:t>
-            </a:r>
-            <a:r>
-              <a:rPr lang="zh-TW" altLang="en-US" sz="2400" dirty="0" smtClean="0"/>
-              <a:t>。</a:t>
-            </a:r>
-            <a:endParaRPr lang="en-US" altLang="zh-TW" sz="2400" dirty="0" smtClean="0"/>
-          </a:p>
-          <a:p>
-            <a:endParaRPr lang="zh-TW" altLang="en-US" sz="2000" dirty="0"/>
+              <a:rPr lang="en-US" altLang="zh-TW" sz="2000" dirty="0" smtClean="0">
+                <a:latin typeface="標楷體" panose="03000509000000000000" pitchFamily="65" charset="-120"/>
+              </a:rPr>
+              <a:t>Development(</a:t>
+            </a:r>
+            <a:r>
+              <a:rPr lang="zh-TW" altLang="en-US" sz="2000" dirty="0" smtClean="0">
+                <a:latin typeface="標楷體" panose="03000509000000000000" pitchFamily="65" charset="-120"/>
+              </a:rPr>
+              <a:t>開發</a:t>
+            </a:r>
+            <a:r>
+              <a:rPr lang="en-US" altLang="zh-TW" sz="2000" dirty="0" smtClean="0">
+                <a:latin typeface="標楷體" panose="03000509000000000000" pitchFamily="65" charset="-120"/>
+              </a:rPr>
+              <a:t>)</a:t>
+            </a:r>
+          </a:p>
+          <a:p>
+            <a:pPr marL="0" indent="0">
+              <a:buNone/>
+            </a:pPr>
+            <a:r>
+              <a:rPr lang="en-US" altLang="zh-TW" sz="2000" dirty="0" smtClean="0">
+                <a:latin typeface="標楷體" panose="03000509000000000000" pitchFamily="65" charset="-120"/>
+              </a:rPr>
+              <a:t>Operation(</a:t>
+            </a:r>
+            <a:r>
+              <a:rPr lang="zh-TW" altLang="en-US" sz="2000" dirty="0">
+                <a:latin typeface="標楷體" panose="03000509000000000000" pitchFamily="65" charset="-120"/>
+              </a:rPr>
+              <a:t>維</a:t>
+            </a:r>
+            <a:r>
+              <a:rPr lang="zh-TW" altLang="en-US" sz="2000" dirty="0" smtClean="0">
+                <a:latin typeface="標楷體" panose="03000509000000000000" pitchFamily="65" charset="-120"/>
+              </a:rPr>
+              <a:t>運</a:t>
+            </a:r>
+            <a:r>
+              <a:rPr lang="en-US" altLang="zh-TW" sz="2000" dirty="0" smtClean="0">
+                <a:latin typeface="標楷體" panose="03000509000000000000" pitchFamily="65" charset="-120"/>
+              </a:rPr>
+              <a:t>)</a:t>
+            </a:r>
+          </a:p>
+          <a:p>
+            <a:pPr marL="0" indent="0">
+              <a:buNone/>
+            </a:pPr>
+            <a:r>
+              <a:rPr lang="zh-TW" altLang="en-US" sz="2000" dirty="0" smtClean="0">
+                <a:latin typeface="標楷體" panose="03000509000000000000" pitchFamily="65" charset="-120"/>
+              </a:rPr>
+              <a:t>目標 </a:t>
+            </a:r>
+            <a:r>
+              <a:rPr lang="en-US" altLang="zh-TW" sz="2000" dirty="0" smtClean="0">
+                <a:latin typeface="標楷體" panose="03000509000000000000" pitchFamily="65" charset="-120"/>
+              </a:rPr>
+              <a:t>:</a:t>
+            </a:r>
+            <a:r>
+              <a:rPr lang="zh-TW" altLang="en-US" sz="2000" dirty="0" smtClean="0">
+                <a:latin typeface="標楷體" panose="03000509000000000000" pitchFamily="65" charset="-120"/>
+              </a:rPr>
+              <a:t> 加快服務改版的速度</a:t>
+            </a:r>
+            <a:endParaRPr lang="en-US" altLang="zh-TW" sz="2000" dirty="0" smtClean="0">
+              <a:latin typeface="標楷體" panose="03000509000000000000" pitchFamily="65" charset="-120"/>
+            </a:endParaRPr>
+          </a:p>
+          <a:p>
+            <a:pPr marL="0" indent="0">
+              <a:buNone/>
+            </a:pPr>
+            <a:r>
+              <a:rPr lang="zh-TW" altLang="en-US" sz="2000" dirty="0" smtClean="0">
+                <a:latin typeface="標楷體" panose="03000509000000000000" pitchFamily="65" charset="-120"/>
+              </a:rPr>
+              <a:t>提出快速的交付、部署與得到使用者的回饋的觀念與工具</a:t>
+            </a:r>
+            <a:endParaRPr lang="en-US" altLang="zh-TW" sz="2000" dirty="0" smtClean="0">
+              <a:latin typeface="標楷體" panose="03000509000000000000" pitchFamily="65" charset="-120"/>
+            </a:endParaRPr>
+          </a:p>
+          <a:p>
+            <a:pPr marL="0" indent="0">
+              <a:buNone/>
+            </a:pPr>
+            <a:r>
+              <a:rPr lang="zh-TW" altLang="en-US" sz="2000" dirty="0"/>
+              <a:t>開發人員也可以專注在產生更有品質的程式碼，避免之後不停的</a:t>
+            </a:r>
+            <a:r>
+              <a:rPr lang="zh-TW" altLang="en-US" sz="2000" dirty="0" smtClean="0"/>
+              <a:t>修補</a:t>
+            </a:r>
+            <a:endParaRPr lang="en-US" altLang="zh-TW" sz="2000" dirty="0" smtClean="0"/>
+          </a:p>
+          <a:p>
+            <a:pPr marL="0" indent="0">
+              <a:buNone/>
+            </a:pPr>
+            <a:r>
+              <a:rPr lang="zh-TW" altLang="en-US" sz="2000" dirty="0" smtClean="0"/>
+              <a:t>程式碼</a:t>
+            </a:r>
+            <a:endParaRPr lang="en-US" altLang="zh-TW" sz="2000" dirty="0" smtClean="0"/>
+          </a:p>
+          <a:p>
+            <a:pPr marL="0" indent="0">
+              <a:buNone/>
+            </a:pPr>
+            <a:r>
+              <a:rPr lang="en-US" altLang="zh-TW" sz="2000" dirty="0" smtClean="0">
+                <a:latin typeface="標楷體" panose="03000509000000000000" pitchFamily="65" charset="-120"/>
+              </a:rPr>
+              <a:t>CALMS : </a:t>
+            </a:r>
+          </a:p>
+          <a:p>
+            <a:pPr marL="0" indent="0">
+              <a:buNone/>
+            </a:pPr>
+            <a:r>
+              <a:rPr lang="zh-TW" altLang="en-US" sz="2000" dirty="0" smtClean="0">
+                <a:latin typeface="標楷體" panose="03000509000000000000" pitchFamily="65" charset="-120"/>
+              </a:rPr>
+              <a:t>文</a:t>
+            </a:r>
+            <a:r>
+              <a:rPr lang="zh-TW" altLang="en-US" sz="2000" dirty="0">
+                <a:latin typeface="標楷體" panose="03000509000000000000" pitchFamily="65" charset="-120"/>
+              </a:rPr>
+              <a:t>化</a:t>
+            </a:r>
+            <a:r>
+              <a:rPr lang="en-US" altLang="zh-TW" sz="2000" dirty="0" smtClean="0">
+                <a:latin typeface="標楷體" panose="03000509000000000000" pitchFamily="65" charset="-120"/>
+              </a:rPr>
+              <a:t>(Culture)</a:t>
+            </a:r>
+            <a:r>
+              <a:rPr lang="zh-TW" altLang="en-US" sz="2000" dirty="0" smtClean="0">
+                <a:latin typeface="標楷體" panose="03000509000000000000" pitchFamily="65" charset="-120"/>
+              </a:rPr>
+              <a:t> </a:t>
+            </a:r>
+            <a:r>
+              <a:rPr lang="en-US" altLang="zh-TW" sz="2000" dirty="0" smtClean="0">
+                <a:latin typeface="標楷體" panose="03000509000000000000" pitchFamily="65" charset="-120"/>
+              </a:rPr>
+              <a:t>:</a:t>
+            </a:r>
+            <a:r>
+              <a:rPr lang="zh-TW" altLang="en-US" sz="2000" dirty="0" smtClean="0">
+                <a:latin typeface="標楷體" panose="03000509000000000000" pitchFamily="65" charset="-120"/>
+              </a:rPr>
+              <a:t> </a:t>
+            </a:r>
+            <a:r>
+              <a:rPr lang="zh-TW" altLang="en-US" sz="2000" dirty="0" smtClean="0"/>
+              <a:t>開發</a:t>
+            </a:r>
+            <a:r>
+              <a:rPr lang="zh-TW" altLang="en-US" sz="2000" dirty="0"/>
+              <a:t>多去想維運面，維運多去想開發</a:t>
+            </a:r>
+            <a:r>
+              <a:rPr lang="zh-TW" altLang="en-US" sz="2000" dirty="0" smtClean="0"/>
+              <a:t>面。</a:t>
+            </a:r>
+            <a:endParaRPr lang="en-US" altLang="zh-TW" sz="2000" dirty="0" smtClean="0">
+              <a:latin typeface="標楷體" panose="03000509000000000000" pitchFamily="65" charset="-120"/>
+            </a:endParaRPr>
+          </a:p>
+          <a:p>
+            <a:pPr marL="0" indent="0">
+              <a:buNone/>
+            </a:pPr>
+            <a:r>
+              <a:rPr lang="zh-TW" altLang="en-US" sz="2000" dirty="0" smtClean="0">
+                <a:latin typeface="標楷體" panose="03000509000000000000" pitchFamily="65" charset="-120"/>
+              </a:rPr>
+              <a:t>自動化</a:t>
+            </a:r>
+            <a:r>
+              <a:rPr lang="en-US" altLang="zh-TW" sz="2000" dirty="0" smtClean="0">
+                <a:latin typeface="標楷體" panose="03000509000000000000" pitchFamily="65" charset="-120"/>
+              </a:rPr>
+              <a:t>(Automation)</a:t>
+            </a:r>
+            <a:r>
+              <a:rPr lang="zh-TW" altLang="en-US" sz="2000" dirty="0" smtClean="0">
+                <a:latin typeface="標楷體" panose="03000509000000000000" pitchFamily="65" charset="-120"/>
+              </a:rPr>
+              <a:t> </a:t>
+            </a:r>
+            <a:r>
+              <a:rPr lang="en-US" altLang="zh-TW" sz="2000" dirty="0" smtClean="0">
+                <a:latin typeface="標楷體" panose="03000509000000000000" pitchFamily="65" charset="-120"/>
+              </a:rPr>
+              <a:t>:</a:t>
+            </a:r>
+            <a:r>
+              <a:rPr lang="zh-TW" altLang="en-US" sz="2000" dirty="0" smtClean="0">
+                <a:latin typeface="標楷體" panose="03000509000000000000" pitchFamily="65" charset="-120"/>
+              </a:rPr>
+              <a:t> 需求的潤滑劑。</a:t>
+            </a:r>
+            <a:endParaRPr lang="en-US" altLang="zh-TW" sz="2000" dirty="0" smtClean="0">
+              <a:latin typeface="標楷體" panose="03000509000000000000" pitchFamily="65" charset="-120"/>
+            </a:endParaRPr>
+          </a:p>
+          <a:p>
+            <a:pPr marL="0" indent="0">
+              <a:buNone/>
+            </a:pPr>
+            <a:r>
+              <a:rPr lang="zh-TW" altLang="en-US" sz="2000" dirty="0" smtClean="0">
+                <a:latin typeface="標楷體" panose="03000509000000000000" pitchFamily="65" charset="-120"/>
+              </a:rPr>
+              <a:t>精實</a:t>
+            </a:r>
+            <a:r>
+              <a:rPr lang="en-US" altLang="zh-TW" sz="2000" dirty="0" smtClean="0">
+                <a:latin typeface="標楷體" panose="03000509000000000000" pitchFamily="65" charset="-120"/>
+              </a:rPr>
+              <a:t>(Lean)</a:t>
+            </a:r>
+            <a:r>
+              <a:rPr lang="zh-TW" altLang="en-US" sz="2000" dirty="0" smtClean="0">
+                <a:latin typeface="標楷體" panose="03000509000000000000" pitchFamily="65" charset="-120"/>
+              </a:rPr>
+              <a:t> </a:t>
+            </a:r>
+            <a:r>
+              <a:rPr lang="en-US" altLang="zh-TW" sz="2000" dirty="0" smtClean="0">
+                <a:latin typeface="標楷體" panose="03000509000000000000" pitchFamily="65" charset="-120"/>
+              </a:rPr>
+              <a:t>:</a:t>
+            </a:r>
+            <a:r>
+              <a:rPr lang="zh-TW" altLang="en-US" sz="2000" dirty="0" smtClean="0">
+                <a:latin typeface="標楷體" panose="03000509000000000000" pitchFamily="65" charset="-120"/>
+              </a:rPr>
+              <a:t> </a:t>
+            </a:r>
+            <a:r>
+              <a:rPr lang="zh-TW" altLang="en-US" sz="2000" dirty="0" smtClean="0"/>
+              <a:t>精</a:t>
+            </a:r>
+            <a:r>
+              <a:rPr lang="zh-TW" altLang="en-US" sz="2000" dirty="0"/>
+              <a:t>實</a:t>
+            </a:r>
+            <a:r>
+              <a:rPr lang="zh-TW" altLang="en-US" sz="2000" dirty="0" smtClean="0"/>
+              <a:t>軟體開發。</a:t>
+            </a:r>
+            <a:endParaRPr lang="en-US" altLang="zh-TW" sz="2000" dirty="0" smtClean="0">
+              <a:latin typeface="標楷體" panose="03000509000000000000" pitchFamily="65" charset="-120"/>
+            </a:endParaRPr>
+          </a:p>
+          <a:p>
+            <a:pPr marL="0" indent="0">
+              <a:buNone/>
+            </a:pPr>
+            <a:r>
+              <a:rPr lang="zh-TW" altLang="en-US" sz="2000" dirty="0" smtClean="0">
+                <a:latin typeface="標楷體" panose="03000509000000000000" pitchFamily="65" charset="-120"/>
+              </a:rPr>
+              <a:t>測量</a:t>
+            </a:r>
+            <a:r>
+              <a:rPr lang="en-US" altLang="zh-TW" sz="2000" dirty="0" smtClean="0">
+                <a:latin typeface="標楷體" panose="03000509000000000000" pitchFamily="65" charset="-120"/>
+              </a:rPr>
+              <a:t>(Measurement)</a:t>
+            </a:r>
+            <a:r>
+              <a:rPr lang="zh-TW" altLang="en-US" sz="2000" dirty="0" smtClean="0">
+                <a:latin typeface="標楷體" panose="03000509000000000000" pitchFamily="65" charset="-120"/>
+              </a:rPr>
+              <a:t> </a:t>
+            </a:r>
+            <a:r>
+              <a:rPr lang="en-US" altLang="zh-TW" sz="2000" dirty="0" smtClean="0">
+                <a:latin typeface="標楷體" panose="03000509000000000000" pitchFamily="65" charset="-120"/>
+              </a:rPr>
+              <a:t>:</a:t>
+            </a:r>
+            <a:r>
+              <a:rPr lang="zh-TW" altLang="en-US" sz="2000" dirty="0" smtClean="0">
+                <a:latin typeface="標楷體" panose="03000509000000000000" pitchFamily="65" charset="-120"/>
+              </a:rPr>
+              <a:t> 提示</a:t>
+            </a:r>
+            <a:r>
+              <a:rPr lang="zh-TW" altLang="en-US" sz="2000" dirty="0" smtClean="0"/>
+              <a:t>團隊</a:t>
+            </a:r>
+            <a:r>
+              <a:rPr lang="zh-TW" altLang="en-US" sz="2000" dirty="0"/>
+              <a:t>如何做更正確的</a:t>
+            </a:r>
+            <a:r>
+              <a:rPr lang="zh-TW" altLang="en-US" sz="2000" dirty="0" smtClean="0"/>
+              <a:t>改善。</a:t>
+            </a:r>
+            <a:endParaRPr lang="en-US" altLang="zh-TW" sz="2000" dirty="0" smtClean="0">
+              <a:latin typeface="標楷體" panose="03000509000000000000" pitchFamily="65" charset="-120"/>
+            </a:endParaRPr>
+          </a:p>
+          <a:p>
+            <a:pPr marL="0" indent="0">
+              <a:buNone/>
+            </a:pPr>
+            <a:r>
+              <a:rPr lang="zh-TW" altLang="en-US" sz="2000" dirty="0" smtClean="0">
+                <a:latin typeface="標楷體" panose="03000509000000000000" pitchFamily="65" charset="-120"/>
+              </a:rPr>
+              <a:t>分享</a:t>
+            </a:r>
+            <a:r>
+              <a:rPr lang="en-US" altLang="zh-TW" sz="2000" dirty="0" smtClean="0">
+                <a:latin typeface="標楷體" panose="03000509000000000000" pitchFamily="65" charset="-120"/>
+              </a:rPr>
+              <a:t>(Sharing)</a:t>
+            </a:r>
+            <a:r>
+              <a:rPr lang="zh-TW" altLang="en-US" sz="2000" dirty="0" smtClean="0">
+                <a:latin typeface="標楷體" panose="03000509000000000000" pitchFamily="65" charset="-120"/>
+              </a:rPr>
+              <a:t> </a:t>
+            </a:r>
+            <a:r>
+              <a:rPr lang="en-US" altLang="zh-TW" sz="2000" dirty="0" smtClean="0">
+                <a:latin typeface="標楷體" panose="03000509000000000000" pitchFamily="65" charset="-120"/>
+              </a:rPr>
+              <a:t>:</a:t>
+            </a:r>
+            <a:r>
+              <a:rPr lang="zh-TW" altLang="en-US" sz="2000" dirty="0" smtClean="0">
+                <a:latin typeface="標楷體" panose="03000509000000000000" pitchFamily="65" charset="-120"/>
+              </a:rPr>
+              <a:t> </a:t>
+            </a:r>
+            <a:r>
+              <a:rPr lang="zh-TW" altLang="en-US" sz="2000" dirty="0" smtClean="0"/>
+              <a:t>增加</a:t>
+            </a:r>
+            <a:r>
+              <a:rPr lang="zh-TW" altLang="en-US" sz="2000" dirty="0"/>
+              <a:t>團隊</a:t>
+            </a:r>
+            <a:r>
+              <a:rPr lang="zh-TW" altLang="en-US" sz="2000" dirty="0" smtClean="0"/>
+              <a:t>透明度。</a:t>
+            </a:r>
+            <a:endParaRPr lang="zh-TW" altLang="en-US" sz="2000" dirty="0">
+              <a:latin typeface="標楷體" panose="03000509000000000000" pitchFamily="65" charset="-120"/>
+            </a:endParaRPr>
           </a:p>
         </p:txBody>
       </p:sp>
@@ -11668,480 +13482,6 @@
                 <a:defRPr/>
               </a:pPr>
               <a:t>34</a:t>
-            </a:fld>
-            <a:endParaRPr lang="zh-TW" altLang="en-US"/>
-          </a:p>
-        </p:txBody>
-      </p:sp>
-    </p:spTree>
-    <p:extLst>
-      <p:ext uri="{BB962C8B-B14F-4D97-AF65-F5344CB8AC3E}">
-        <p14:creationId xmlns:p14="http://schemas.microsoft.com/office/powerpoint/2010/main" val="2700697339"/>
-      </p:ext>
-    </p:extLst>
-  </p:cSld>
-  <p:clrMapOvr>
-    <a:masterClrMapping/>
-  </p:clrMapOvr>
-</p:sld>
-</file>
-
-<file path=ppt/slides/slide35.xml><?xml version="1.0" encoding="utf-8"?>
-<p:sld xmlns:a="http://schemas.openxmlformats.org/drawingml/2006/main" xmlns:r="http://schemas.openxmlformats.org/officeDocument/2006/relationships" xmlns:p="http://schemas.openxmlformats.org/presentationml/2006/main">
-  <p:cSld>
-    <p:spTree>
-      <p:nvGrpSpPr>
-        <p:cNvPr id="1" name=""/>
-        <p:cNvGrpSpPr/>
-        <p:nvPr/>
-      </p:nvGrpSpPr>
-      <p:grpSpPr>
-        <a:xfrm>
-          <a:off x="0" y="0"/>
-          <a:ext cx="0" cy="0"/>
-          <a:chOff x="0" y="0"/>
-          <a:chExt cx="0" cy="0"/>
-        </a:xfrm>
-      </p:grpSpPr>
-      <p:sp>
-        <p:nvSpPr>
-          <p:cNvPr id="2" name="標題 1"/>
-          <p:cNvSpPr>
-            <a:spLocks noGrp="1"/>
-          </p:cNvSpPr>
-          <p:nvPr>
-            <p:ph type="title"/>
-          </p:nvPr>
-        </p:nvSpPr>
-        <p:spPr/>
-        <p:txBody>
-          <a:bodyPr/>
-          <a:lstStyle/>
-          <a:p>
-            <a:r>
-              <a:rPr lang="en-US" altLang="zh-TW" dirty="0" smtClean="0"/>
-              <a:t>DevOps</a:t>
-            </a:r>
-            <a:endParaRPr lang="zh-TW" altLang="en-US" dirty="0"/>
-          </a:p>
-        </p:txBody>
-      </p:sp>
-      <p:sp>
-        <p:nvSpPr>
-          <p:cNvPr id="3" name="內容版面配置區 2"/>
-          <p:cNvSpPr>
-            <a:spLocks noGrp="1"/>
-          </p:cNvSpPr>
-          <p:nvPr>
-            <p:ph idx="1"/>
-          </p:nvPr>
-        </p:nvSpPr>
-        <p:spPr>
-          <a:xfrm>
-            <a:off x="444288" y="1657730"/>
-            <a:ext cx="8699711" cy="4525963"/>
-          </a:xfrm>
-        </p:spPr>
-        <p:txBody>
-          <a:bodyPr/>
-          <a:lstStyle/>
-          <a:p>
-            <a:pPr marL="0" indent="0">
-              <a:buNone/>
-            </a:pPr>
-            <a:r>
-              <a:rPr lang="en-US" altLang="zh-TW" sz="2000" dirty="0" smtClean="0">
-                <a:latin typeface="標楷體" panose="03000509000000000000" pitchFamily="65" charset="-120"/>
-              </a:rPr>
-              <a:t>Development(</a:t>
-            </a:r>
-            <a:r>
-              <a:rPr lang="zh-TW" altLang="en-US" sz="2000" dirty="0" smtClean="0">
-                <a:latin typeface="標楷體" panose="03000509000000000000" pitchFamily="65" charset="-120"/>
-              </a:rPr>
-              <a:t>開發</a:t>
-            </a:r>
-            <a:r>
-              <a:rPr lang="en-US" altLang="zh-TW" sz="2000" dirty="0" smtClean="0">
-                <a:latin typeface="標楷體" panose="03000509000000000000" pitchFamily="65" charset="-120"/>
-              </a:rPr>
-              <a:t>)</a:t>
-            </a:r>
-          </a:p>
-          <a:p>
-            <a:pPr marL="0" indent="0">
-              <a:buNone/>
-            </a:pPr>
-            <a:r>
-              <a:rPr lang="en-US" altLang="zh-TW" sz="2000" dirty="0" smtClean="0">
-                <a:latin typeface="標楷體" panose="03000509000000000000" pitchFamily="65" charset="-120"/>
-              </a:rPr>
-              <a:t>Operation(</a:t>
-            </a:r>
-            <a:r>
-              <a:rPr lang="zh-TW" altLang="en-US" sz="2000" dirty="0">
-                <a:latin typeface="標楷體" panose="03000509000000000000" pitchFamily="65" charset="-120"/>
-              </a:rPr>
-              <a:t>維</a:t>
-            </a:r>
-            <a:r>
-              <a:rPr lang="zh-TW" altLang="en-US" sz="2000" dirty="0" smtClean="0">
-                <a:latin typeface="標楷體" panose="03000509000000000000" pitchFamily="65" charset="-120"/>
-              </a:rPr>
-              <a:t>運</a:t>
-            </a:r>
-            <a:r>
-              <a:rPr lang="en-US" altLang="zh-TW" sz="2000" dirty="0" smtClean="0">
-                <a:latin typeface="標楷體" panose="03000509000000000000" pitchFamily="65" charset="-120"/>
-              </a:rPr>
-              <a:t>)</a:t>
-            </a:r>
-          </a:p>
-          <a:p>
-            <a:pPr marL="0" indent="0">
-              <a:buNone/>
-            </a:pPr>
-            <a:r>
-              <a:rPr lang="zh-TW" altLang="en-US" sz="2000" dirty="0" smtClean="0">
-                <a:latin typeface="標楷體" panose="03000509000000000000" pitchFamily="65" charset="-120"/>
-              </a:rPr>
-              <a:t>目標 </a:t>
-            </a:r>
-            <a:r>
-              <a:rPr lang="en-US" altLang="zh-TW" sz="2000" dirty="0" smtClean="0">
-                <a:latin typeface="標楷體" panose="03000509000000000000" pitchFamily="65" charset="-120"/>
-              </a:rPr>
-              <a:t>:</a:t>
-            </a:r>
-            <a:r>
-              <a:rPr lang="zh-TW" altLang="en-US" sz="2000" dirty="0" smtClean="0">
-                <a:latin typeface="標楷體" panose="03000509000000000000" pitchFamily="65" charset="-120"/>
-              </a:rPr>
-              <a:t> 加快服務改版的速度</a:t>
-            </a:r>
-            <a:endParaRPr lang="en-US" altLang="zh-TW" sz="2000" dirty="0" smtClean="0">
-              <a:latin typeface="標楷體" panose="03000509000000000000" pitchFamily="65" charset="-120"/>
-            </a:endParaRPr>
-          </a:p>
-          <a:p>
-            <a:pPr marL="0" indent="0">
-              <a:buNone/>
-            </a:pPr>
-            <a:r>
-              <a:rPr lang="zh-TW" altLang="en-US" sz="2000" dirty="0" smtClean="0">
-                <a:latin typeface="標楷體" panose="03000509000000000000" pitchFamily="65" charset="-120"/>
-              </a:rPr>
-              <a:t>提出快速的交付、部署與得到使用者的回饋的觀念與工具</a:t>
-            </a:r>
-            <a:endParaRPr lang="en-US" altLang="zh-TW" sz="2000" dirty="0" smtClean="0">
-              <a:latin typeface="標楷體" panose="03000509000000000000" pitchFamily="65" charset="-120"/>
-            </a:endParaRPr>
-          </a:p>
-          <a:p>
-            <a:pPr marL="0" indent="0">
-              <a:buNone/>
-            </a:pPr>
-            <a:r>
-              <a:rPr lang="zh-TW" altLang="en-US" sz="2000" dirty="0"/>
-              <a:t>開發人員也可以專注在產生更有品質的程式碼，避免之後不停的</a:t>
-            </a:r>
-            <a:r>
-              <a:rPr lang="zh-TW" altLang="en-US" sz="2000" dirty="0" smtClean="0"/>
-              <a:t>修補</a:t>
-            </a:r>
-            <a:endParaRPr lang="en-US" altLang="zh-TW" sz="2000" dirty="0" smtClean="0"/>
-          </a:p>
-          <a:p>
-            <a:pPr marL="0" indent="0">
-              <a:buNone/>
-            </a:pPr>
-            <a:r>
-              <a:rPr lang="zh-TW" altLang="en-US" sz="2000" dirty="0" smtClean="0"/>
-              <a:t>程式碼</a:t>
-            </a:r>
-            <a:endParaRPr lang="en-US" altLang="zh-TW" sz="2000" dirty="0" smtClean="0"/>
-          </a:p>
-          <a:p>
-            <a:pPr marL="0" indent="0">
-              <a:buNone/>
-            </a:pPr>
-            <a:r>
-              <a:rPr lang="en-US" altLang="zh-TW" sz="2000" dirty="0" smtClean="0">
-                <a:latin typeface="標楷體" panose="03000509000000000000" pitchFamily="65" charset="-120"/>
-              </a:rPr>
-              <a:t>CALMS : </a:t>
-            </a:r>
-          </a:p>
-          <a:p>
-            <a:pPr marL="0" indent="0">
-              <a:buNone/>
-            </a:pPr>
-            <a:r>
-              <a:rPr lang="zh-TW" altLang="en-US" sz="2000" dirty="0" smtClean="0">
-                <a:latin typeface="標楷體" panose="03000509000000000000" pitchFamily="65" charset="-120"/>
-              </a:rPr>
-              <a:t>文</a:t>
-            </a:r>
-            <a:r>
-              <a:rPr lang="zh-TW" altLang="en-US" sz="2000" dirty="0">
-                <a:latin typeface="標楷體" panose="03000509000000000000" pitchFamily="65" charset="-120"/>
-              </a:rPr>
-              <a:t>化</a:t>
-            </a:r>
-            <a:r>
-              <a:rPr lang="en-US" altLang="zh-TW" sz="2000" dirty="0" smtClean="0">
-                <a:latin typeface="標楷體" panose="03000509000000000000" pitchFamily="65" charset="-120"/>
-              </a:rPr>
-              <a:t>(Culture)</a:t>
-            </a:r>
-            <a:r>
-              <a:rPr lang="zh-TW" altLang="en-US" sz="2000" dirty="0" smtClean="0">
-                <a:latin typeface="標楷體" panose="03000509000000000000" pitchFamily="65" charset="-120"/>
-              </a:rPr>
-              <a:t> </a:t>
-            </a:r>
-            <a:r>
-              <a:rPr lang="en-US" altLang="zh-TW" sz="2000" dirty="0" smtClean="0">
-                <a:latin typeface="標楷體" panose="03000509000000000000" pitchFamily="65" charset="-120"/>
-              </a:rPr>
-              <a:t>:</a:t>
-            </a:r>
-            <a:r>
-              <a:rPr lang="zh-TW" altLang="en-US" sz="2000" dirty="0" smtClean="0">
-                <a:latin typeface="標楷體" panose="03000509000000000000" pitchFamily="65" charset="-120"/>
-              </a:rPr>
-              <a:t> </a:t>
-            </a:r>
-            <a:r>
-              <a:rPr lang="zh-TW" altLang="en-US" sz="2000" dirty="0" smtClean="0"/>
-              <a:t>開發</a:t>
-            </a:r>
-            <a:r>
-              <a:rPr lang="zh-TW" altLang="en-US" sz="2000" dirty="0"/>
-              <a:t>多去想維運面，維運多去想開發</a:t>
-            </a:r>
-            <a:r>
-              <a:rPr lang="zh-TW" altLang="en-US" sz="2000" dirty="0" smtClean="0"/>
-              <a:t>面。</a:t>
-            </a:r>
-            <a:endParaRPr lang="en-US" altLang="zh-TW" sz="2000" dirty="0" smtClean="0">
-              <a:latin typeface="標楷體" panose="03000509000000000000" pitchFamily="65" charset="-120"/>
-            </a:endParaRPr>
-          </a:p>
-          <a:p>
-            <a:pPr marL="0" indent="0">
-              <a:buNone/>
-            </a:pPr>
-            <a:r>
-              <a:rPr lang="zh-TW" altLang="en-US" sz="2000" dirty="0" smtClean="0">
-                <a:latin typeface="標楷體" panose="03000509000000000000" pitchFamily="65" charset="-120"/>
-              </a:rPr>
-              <a:t>自動化</a:t>
-            </a:r>
-            <a:r>
-              <a:rPr lang="en-US" altLang="zh-TW" sz="2000" dirty="0" smtClean="0">
-                <a:latin typeface="標楷體" panose="03000509000000000000" pitchFamily="65" charset="-120"/>
-              </a:rPr>
-              <a:t>(Automation)</a:t>
-            </a:r>
-            <a:r>
-              <a:rPr lang="zh-TW" altLang="en-US" sz="2000" dirty="0" smtClean="0">
-                <a:latin typeface="標楷體" panose="03000509000000000000" pitchFamily="65" charset="-120"/>
-              </a:rPr>
-              <a:t> </a:t>
-            </a:r>
-            <a:r>
-              <a:rPr lang="en-US" altLang="zh-TW" sz="2000" dirty="0" smtClean="0">
-                <a:latin typeface="標楷體" panose="03000509000000000000" pitchFamily="65" charset="-120"/>
-              </a:rPr>
-              <a:t>:</a:t>
-            </a:r>
-            <a:r>
-              <a:rPr lang="zh-TW" altLang="en-US" sz="2000" dirty="0" smtClean="0">
-                <a:latin typeface="標楷體" panose="03000509000000000000" pitchFamily="65" charset="-120"/>
-              </a:rPr>
-              <a:t> 需求的潤滑劑。</a:t>
-            </a:r>
-            <a:endParaRPr lang="en-US" altLang="zh-TW" sz="2000" dirty="0" smtClean="0">
-              <a:latin typeface="標楷體" panose="03000509000000000000" pitchFamily="65" charset="-120"/>
-            </a:endParaRPr>
-          </a:p>
-          <a:p>
-            <a:pPr marL="0" indent="0">
-              <a:buNone/>
-            </a:pPr>
-            <a:r>
-              <a:rPr lang="zh-TW" altLang="en-US" sz="2000" dirty="0" smtClean="0">
-                <a:latin typeface="標楷體" panose="03000509000000000000" pitchFamily="65" charset="-120"/>
-              </a:rPr>
-              <a:t>精實</a:t>
-            </a:r>
-            <a:r>
-              <a:rPr lang="en-US" altLang="zh-TW" sz="2000" dirty="0" smtClean="0">
-                <a:latin typeface="標楷體" panose="03000509000000000000" pitchFamily="65" charset="-120"/>
-              </a:rPr>
-              <a:t>(Lean)</a:t>
-            </a:r>
-            <a:r>
-              <a:rPr lang="zh-TW" altLang="en-US" sz="2000" dirty="0" smtClean="0">
-                <a:latin typeface="標楷體" panose="03000509000000000000" pitchFamily="65" charset="-120"/>
-              </a:rPr>
-              <a:t> </a:t>
-            </a:r>
-            <a:r>
-              <a:rPr lang="en-US" altLang="zh-TW" sz="2000" dirty="0" smtClean="0">
-                <a:latin typeface="標楷體" panose="03000509000000000000" pitchFamily="65" charset="-120"/>
-              </a:rPr>
-              <a:t>:</a:t>
-            </a:r>
-            <a:r>
-              <a:rPr lang="zh-TW" altLang="en-US" sz="2000" dirty="0" smtClean="0">
-                <a:latin typeface="標楷體" panose="03000509000000000000" pitchFamily="65" charset="-120"/>
-              </a:rPr>
-              <a:t> </a:t>
-            </a:r>
-            <a:r>
-              <a:rPr lang="zh-TW" altLang="en-US" sz="2000" dirty="0" smtClean="0"/>
-              <a:t>精</a:t>
-            </a:r>
-            <a:r>
-              <a:rPr lang="zh-TW" altLang="en-US" sz="2000" dirty="0"/>
-              <a:t>實</a:t>
-            </a:r>
-            <a:r>
-              <a:rPr lang="zh-TW" altLang="en-US" sz="2000" dirty="0" smtClean="0"/>
-              <a:t>軟體開發。</a:t>
-            </a:r>
-            <a:endParaRPr lang="en-US" altLang="zh-TW" sz="2000" dirty="0" smtClean="0">
-              <a:latin typeface="標楷體" panose="03000509000000000000" pitchFamily="65" charset="-120"/>
-            </a:endParaRPr>
-          </a:p>
-          <a:p>
-            <a:pPr marL="0" indent="0">
-              <a:buNone/>
-            </a:pPr>
-            <a:r>
-              <a:rPr lang="zh-TW" altLang="en-US" sz="2000" dirty="0" smtClean="0">
-                <a:latin typeface="標楷體" panose="03000509000000000000" pitchFamily="65" charset="-120"/>
-              </a:rPr>
-              <a:t>測量</a:t>
-            </a:r>
-            <a:r>
-              <a:rPr lang="en-US" altLang="zh-TW" sz="2000" dirty="0" smtClean="0">
-                <a:latin typeface="標楷體" panose="03000509000000000000" pitchFamily="65" charset="-120"/>
-              </a:rPr>
-              <a:t>(Measurement)</a:t>
-            </a:r>
-            <a:r>
-              <a:rPr lang="zh-TW" altLang="en-US" sz="2000" dirty="0" smtClean="0">
-                <a:latin typeface="標楷體" panose="03000509000000000000" pitchFamily="65" charset="-120"/>
-              </a:rPr>
-              <a:t> </a:t>
-            </a:r>
-            <a:r>
-              <a:rPr lang="en-US" altLang="zh-TW" sz="2000" dirty="0" smtClean="0">
-                <a:latin typeface="標楷體" panose="03000509000000000000" pitchFamily="65" charset="-120"/>
-              </a:rPr>
-              <a:t>:</a:t>
-            </a:r>
-            <a:r>
-              <a:rPr lang="zh-TW" altLang="en-US" sz="2000" dirty="0" smtClean="0">
-                <a:latin typeface="標楷體" panose="03000509000000000000" pitchFamily="65" charset="-120"/>
-              </a:rPr>
-              <a:t> 提示</a:t>
-            </a:r>
-            <a:r>
-              <a:rPr lang="zh-TW" altLang="en-US" sz="2000" dirty="0" smtClean="0"/>
-              <a:t>團隊</a:t>
-            </a:r>
-            <a:r>
-              <a:rPr lang="zh-TW" altLang="en-US" sz="2000" dirty="0"/>
-              <a:t>如何做更正確的</a:t>
-            </a:r>
-            <a:r>
-              <a:rPr lang="zh-TW" altLang="en-US" sz="2000" dirty="0" smtClean="0"/>
-              <a:t>改善。</a:t>
-            </a:r>
-            <a:endParaRPr lang="en-US" altLang="zh-TW" sz="2000" dirty="0" smtClean="0">
-              <a:latin typeface="標楷體" panose="03000509000000000000" pitchFamily="65" charset="-120"/>
-            </a:endParaRPr>
-          </a:p>
-          <a:p>
-            <a:pPr marL="0" indent="0">
-              <a:buNone/>
-            </a:pPr>
-            <a:r>
-              <a:rPr lang="zh-TW" altLang="en-US" sz="2000" dirty="0" smtClean="0">
-                <a:latin typeface="標楷體" panose="03000509000000000000" pitchFamily="65" charset="-120"/>
-              </a:rPr>
-              <a:t>分享</a:t>
-            </a:r>
-            <a:r>
-              <a:rPr lang="en-US" altLang="zh-TW" sz="2000" dirty="0" smtClean="0">
-                <a:latin typeface="標楷體" panose="03000509000000000000" pitchFamily="65" charset="-120"/>
-              </a:rPr>
-              <a:t>(Sharing)</a:t>
-            </a:r>
-            <a:r>
-              <a:rPr lang="zh-TW" altLang="en-US" sz="2000" dirty="0" smtClean="0">
-                <a:latin typeface="標楷體" panose="03000509000000000000" pitchFamily="65" charset="-120"/>
-              </a:rPr>
-              <a:t> </a:t>
-            </a:r>
-            <a:r>
-              <a:rPr lang="en-US" altLang="zh-TW" sz="2000" dirty="0" smtClean="0">
-                <a:latin typeface="標楷體" panose="03000509000000000000" pitchFamily="65" charset="-120"/>
-              </a:rPr>
-              <a:t>:</a:t>
-            </a:r>
-            <a:r>
-              <a:rPr lang="zh-TW" altLang="en-US" sz="2000" dirty="0" smtClean="0">
-                <a:latin typeface="標楷體" panose="03000509000000000000" pitchFamily="65" charset="-120"/>
-              </a:rPr>
-              <a:t> </a:t>
-            </a:r>
-            <a:r>
-              <a:rPr lang="zh-TW" altLang="en-US" sz="2000" dirty="0" smtClean="0"/>
-              <a:t>增加</a:t>
-            </a:r>
-            <a:r>
-              <a:rPr lang="zh-TW" altLang="en-US" sz="2000" dirty="0"/>
-              <a:t>團隊</a:t>
-            </a:r>
-            <a:r>
-              <a:rPr lang="zh-TW" altLang="en-US" sz="2000" dirty="0" smtClean="0"/>
-              <a:t>透明度。</a:t>
-            </a:r>
-            <a:endParaRPr lang="zh-TW" altLang="en-US" sz="2000" dirty="0">
-              <a:latin typeface="標楷體" panose="03000509000000000000" pitchFamily="65" charset="-120"/>
-            </a:endParaRPr>
-          </a:p>
-        </p:txBody>
-      </p:sp>
-      <p:sp>
-        <p:nvSpPr>
-          <p:cNvPr id="4" name="投影片編號版面配置區 3"/>
-          <p:cNvSpPr>
-            <a:spLocks noGrp="1"/>
-          </p:cNvSpPr>
-          <p:nvPr>
-            <p:ph type="sldNum" sz="quarter" idx="12"/>
-          </p:nvPr>
-        </p:nvSpPr>
-        <p:spPr/>
-        <p:txBody>
-          <a:bodyPr/>
-          <a:lstStyle/>
-          <a:p>
-            <a:pPr>
-              <a:defRPr/>
-            </a:pPr>
-            <a:fld id="{3DB7C113-B292-4711-9FA5-4E4B2395B52F}" type="slidenum">
-              <a:rPr lang="zh-TW" altLang="en-US" smtClean="0"/>
-              <a:pPr>
-                <a:defRPr/>
-              </a:pPr>
-              <a:t>35</a:t>
             </a:fld>
             <a:endParaRPr lang="zh-TW" altLang="en-US"/>
           </a:p>
@@ -12175,7 +13515,7 @@
 </p:sld>
 </file>
 
-<file path=ppt/slides/slide36.xml><?xml version="1.0" encoding="utf-8"?>
+<file path=ppt/slides/slide35.xml><?xml version="1.0" encoding="utf-8"?>
 <p:sld xmlns:a="http://schemas.openxmlformats.org/drawingml/2006/main" xmlns:r="http://schemas.openxmlformats.org/officeDocument/2006/relationships" xmlns:p="http://schemas.openxmlformats.org/presentationml/2006/main">
   <p:cSld>
     <p:spTree>
@@ -12396,7 +13736,7 @@
               <a:pPr>
                 <a:defRPr/>
               </a:pPr>
-              <a:t>36</a:t>
+              <a:t>35</a:t>
             </a:fld>
             <a:endParaRPr lang="zh-TW" altLang="en-US"/>
           </a:p>
@@ -12487,8 +13827,32 @@
               <a:t>發佈</a:t>
             </a:r>
             <a:r>
+              <a:rPr lang="zh-TW" altLang="en-US" sz="2800" dirty="0" smtClean="0"/>
+              <a:t>微</a:t>
+            </a:r>
+            <a:r>
+              <a:rPr lang="zh-TW" altLang="zh-TW" sz="2800" dirty="0" smtClean="0"/>
+              <a:t>服務</a:t>
+            </a:r>
+            <a:r>
               <a:rPr lang="zh-TW" altLang="zh-TW" sz="2800" dirty="0"/>
-              <a:t>服務時必須做編譯、打包、部署的三件</a:t>
+              <a:t>時必須做編譯、打包</a:t>
+            </a:r>
+            <a:r>
+              <a:rPr lang="zh-TW" altLang="zh-TW" sz="2800" dirty="0" smtClean="0"/>
+              <a:t>、</a:t>
+            </a:r>
+            <a:r>
+              <a:rPr lang="zh-TW" altLang="en-US" sz="2800" dirty="0" smtClean="0"/>
+              <a:t>佈</a:t>
+            </a:r>
+            <a:r>
+              <a:rPr lang="zh-TW" altLang="zh-TW" sz="2800" dirty="0" smtClean="0"/>
+              <a:t>署</a:t>
+            </a:r>
+            <a:r>
+              <a:rPr lang="zh-TW" altLang="zh-TW" sz="2800" dirty="0"/>
+              <a:t>的三件</a:t>
             </a:r>
             <a:r>
               <a:rPr lang="zh-TW" altLang="zh-TW" sz="2800" dirty="0" smtClean="0"/>
@@ -12906,11 +14270,19 @@
             </a:r>
             <a:r>
               <a:rPr lang="zh-TW" altLang="zh-TW" sz="2800" dirty="0"/>
-              <a:t>實現自動化</a:t>
+              <a:t>實現</a:t>
             </a:r>
             <a:r>
               <a:rPr lang="zh-TW" altLang="zh-TW" sz="2800" dirty="0" smtClean="0"/>
-              <a:t>部署</a:t>
+              <a:t>自動化</a:t>
+            </a:r>
+            <a:r>
+              <a:rPr lang="zh-TW" altLang="en-US" sz="2800" dirty="0"/>
+              <a:t>佈</a:t>
+            </a:r>
+            <a:r>
+              <a:rPr lang="zh-TW" altLang="zh-TW" sz="2800" dirty="0" smtClean="0"/>
+              <a:t>署</a:t>
             </a:r>
             <a:r>
               <a:rPr lang="zh-TW" altLang="en-US" sz="2800" dirty="0" smtClean="0"/>
@@ -13536,7 +14908,7 @@
           <p:nvPr/>
         </p:nvPicPr>
         <p:blipFill>
-          <a:blip r:embed="rId2" cstate="print">
+          <a:blip r:embed="rId3" cstate="print">
             <a:extLst>
               <a:ext uri="{28A0092B-C50C-407E-A947-70E740481C1C}">
                 <a14:useLocalDpi xmlns:a14="http://schemas.microsoft.com/office/drawing/2010/main" val="0"/>
@@ -13631,7 +15003,12 @@
             <p:ph idx="1"/>
           </p:nvPr>
         </p:nvSpPr>
-        <p:spPr/>
+        <p:spPr>
+          <a:xfrm>
+            <a:off x="457200" y="1600200"/>
+            <a:ext cx="8686800" cy="4525963"/>
+          </a:xfrm>
+        </p:spPr>
         <p:txBody>
           <a:bodyPr/>
           <a:lstStyle/>

--- a/Oral.pptx
+++ b/Oral.pptx
@@ -5,10 +5,10 @@
     <p:sldMasterId id="2147483828" r:id="rId1"/>
   </p:sldMasterIdLst>
   <p:notesMasterIdLst>
-    <p:notesMasterId r:id="rId50"/>
+    <p:notesMasterId r:id="rId46"/>
   </p:notesMasterIdLst>
   <p:handoutMasterIdLst>
-    <p:handoutMasterId r:id="rId51"/>
+    <p:handoutMasterId r:id="rId47"/>
   </p:handoutMasterIdLst>
   <p:sldIdLst>
     <p:sldId id="256" r:id="rId2"/>
@@ -49,16 +49,12 @@
     <p:sldId id="407" r:id="rId37"/>
     <p:sldId id="412" r:id="rId38"/>
     <p:sldId id="433" r:id="rId39"/>
-    <p:sldId id="434" r:id="rId40"/>
-    <p:sldId id="435" r:id="rId41"/>
+    <p:sldId id="435" r:id="rId40"/>
+    <p:sldId id="434" r:id="rId41"/>
     <p:sldId id="436" r:id="rId42"/>
     <p:sldId id="437" r:id="rId43"/>
     <p:sldId id="413" r:id="rId44"/>
     <p:sldId id="438" r:id="rId45"/>
-    <p:sldId id="374" r:id="rId46"/>
-    <p:sldId id="375" r:id="rId47"/>
-    <p:sldId id="380" r:id="rId48"/>
-    <p:sldId id="379" r:id="rId49"/>
   </p:sldIdLst>
   <p:sldSz cx="9144000" cy="6858000" type="screen4x3"/>
   <p:notesSz cx="7099300" cy="10234613"/>
@@ -189,7 +185,7 @@
   </p:defaultTextStyle>
   <p:extLst>
     <p:ext uri="{EFAFB233-063F-42B5-8137-9DF3F51BA10A}">
-      <p15:sldGuideLst xmlns:p15="http://schemas.microsoft.com/office/powerpoint/2012/main">
+      <p15:sldGuideLst xmlns="" xmlns:p15="http://schemas.microsoft.com/office/powerpoint/2012/main">
         <p15:guide id="1" orient="horz" pos="2160">
           <p15:clr>
             <a:srgbClr val="A4A3A4"/>
@@ -203,7 +199,7 @@
       </p15:sldGuideLst>
     </p:ext>
     <p:ext uri="{2D200454-40CA-4A62-9FC3-DE9A4176ACB9}">
-      <p15:notesGuideLst xmlns:p15="http://schemas.microsoft.com/office/powerpoint/2012/main"/>
+      <p15:notesGuideLst xmlns="" xmlns:p15="http://schemas.microsoft.com/office/powerpoint/2012/main"/>
     </p:ext>
   </p:extLst>
 </p:presentation>
@@ -320,7 +316,7 @@
     </p:spTree>
     <p:extLst>
       <p:ext uri="{BB962C8B-B14F-4D97-AF65-F5344CB8AC3E}">
-        <p14:creationId xmlns:p14="http://schemas.microsoft.com/office/powerpoint/2010/main" val="3323154951"/>
+        <p14:creationId xmlns="" xmlns:p14="http://schemas.microsoft.com/office/powerpoint/2010/main" val="3323154951"/>
       </p:ext>
     </p:extLst>
   </p:cSld>
@@ -426,7 +422,7 @@
               <a:pPr>
                 <a:defRPr/>
               </a:pPr>
-              <a:t>2018/1/5</a:t>
+              <a:t>2018/1/7</a:t>
             </a:fld>
             <a:endParaRPr lang="zh-TW" altLang="en-US"/>
           </a:p>
@@ -612,7 +608,7 @@
     </p:spTree>
     <p:extLst>
       <p:ext uri="{BB962C8B-B14F-4D97-AF65-F5344CB8AC3E}">
-        <p14:creationId xmlns:p14="http://schemas.microsoft.com/office/powerpoint/2010/main" val="327023307"/>
+        <p14:creationId xmlns="" xmlns:p14="http://schemas.microsoft.com/office/powerpoint/2010/main" val="327023307"/>
       </p:ext>
     </p:extLst>
   </p:cSld>
@@ -813,7 +809,7 @@
             </a:r>
             <a:r>
               <a:rPr lang="zh-TW" altLang="en-US" dirty="0" smtClean="0"/>
-              <a:t>同學大家好 我是廖振傑</a:t>
+              <a:t>同學大家好 我是廖建翔</a:t>
             </a:r>
             <a:endParaRPr lang="en-US" altLang="zh-TW" dirty="0" smtClean="0"/>
           </a:p>
@@ -873,7 +869,7 @@
     </p:spTree>
     <p:extLst>
       <p:ext uri="{BB962C8B-B14F-4D97-AF65-F5344CB8AC3E}">
-        <p14:creationId xmlns:p14="http://schemas.microsoft.com/office/powerpoint/2010/main" val="2162581912"/>
+        <p14:creationId xmlns="" xmlns:p14="http://schemas.microsoft.com/office/powerpoint/2010/main" val="2162581912"/>
       </p:ext>
     </p:extLst>
   </p:cSld>
@@ -1143,7 +1139,7 @@
     </p:spTree>
     <p:extLst>
       <p:ext uri="{BB962C8B-B14F-4D97-AF65-F5344CB8AC3E}">
-        <p14:creationId xmlns:p14="http://schemas.microsoft.com/office/powerpoint/2010/main" val="2713929783"/>
+        <p14:creationId xmlns="" xmlns:p14="http://schemas.microsoft.com/office/powerpoint/2010/main" val="2713929783"/>
       </p:ext>
     </p:extLst>
   </p:cSld>
@@ -1360,7 +1356,7 @@
     </p:spTree>
     <p:extLst>
       <p:ext uri="{BB962C8B-B14F-4D97-AF65-F5344CB8AC3E}">
-        <p14:creationId xmlns:p14="http://schemas.microsoft.com/office/powerpoint/2010/main" val="261817576"/>
+        <p14:creationId xmlns="" xmlns:p14="http://schemas.microsoft.com/office/powerpoint/2010/main" val="261817576"/>
       </p:ext>
     </p:extLst>
   </p:cSld>
@@ -1558,7 +1554,7 @@
     </p:spTree>
     <p:extLst>
       <p:ext uri="{BB962C8B-B14F-4D97-AF65-F5344CB8AC3E}">
-        <p14:creationId xmlns:p14="http://schemas.microsoft.com/office/powerpoint/2010/main" val="573655726"/>
+        <p14:creationId xmlns="" xmlns:p14="http://schemas.microsoft.com/office/powerpoint/2010/main" val="573655726"/>
       </p:ext>
     </p:extLst>
   </p:cSld>
@@ -1664,7 +1660,7 @@
     </p:spTree>
     <p:extLst>
       <p:ext uri="{BB962C8B-B14F-4D97-AF65-F5344CB8AC3E}">
-        <p14:creationId xmlns:p14="http://schemas.microsoft.com/office/powerpoint/2010/main" val="1600721713"/>
+        <p14:creationId xmlns="" xmlns:p14="http://schemas.microsoft.com/office/powerpoint/2010/main" val="1600721713"/>
       </p:ext>
     </p:extLst>
   </p:cSld>
@@ -1778,7 +1774,7 @@
     </p:spTree>
     <p:extLst>
       <p:ext uri="{BB962C8B-B14F-4D97-AF65-F5344CB8AC3E}">
-        <p14:creationId xmlns:p14="http://schemas.microsoft.com/office/powerpoint/2010/main" val="1846185214"/>
+        <p14:creationId xmlns="" xmlns:p14="http://schemas.microsoft.com/office/powerpoint/2010/main" val="1846185214"/>
       </p:ext>
     </p:extLst>
   </p:cSld>
@@ -1900,7 +1896,7 @@
     </p:spTree>
     <p:extLst>
       <p:ext uri="{BB962C8B-B14F-4D97-AF65-F5344CB8AC3E}">
-        <p14:creationId xmlns:p14="http://schemas.microsoft.com/office/powerpoint/2010/main" val="2596952626"/>
+        <p14:creationId xmlns="" xmlns:p14="http://schemas.microsoft.com/office/powerpoint/2010/main" val="2596952626"/>
       </p:ext>
     </p:extLst>
   </p:cSld>
@@ -2010,7 +2006,7 @@
     </p:spTree>
     <p:extLst>
       <p:ext uri="{BB962C8B-B14F-4D97-AF65-F5344CB8AC3E}">
-        <p14:creationId xmlns:p14="http://schemas.microsoft.com/office/powerpoint/2010/main" val="2867243613"/>
+        <p14:creationId xmlns="" xmlns:p14="http://schemas.microsoft.com/office/powerpoint/2010/main" val="2867243613"/>
       </p:ext>
     </p:extLst>
   </p:cSld>
@@ -2120,7 +2116,7 @@
     </p:spTree>
     <p:extLst>
       <p:ext uri="{BB962C8B-B14F-4D97-AF65-F5344CB8AC3E}">
-        <p14:creationId xmlns:p14="http://schemas.microsoft.com/office/powerpoint/2010/main" val="4211625395"/>
+        <p14:creationId xmlns="" xmlns:p14="http://schemas.microsoft.com/office/powerpoint/2010/main" val="4211625395"/>
       </p:ext>
     </p:extLst>
   </p:cSld>
@@ -2349,7 +2345,7 @@
     </p:spTree>
     <p:extLst>
       <p:ext uri="{BB962C8B-B14F-4D97-AF65-F5344CB8AC3E}">
-        <p14:creationId xmlns:p14="http://schemas.microsoft.com/office/powerpoint/2010/main" val="210907296"/>
+        <p14:creationId xmlns="" xmlns:p14="http://schemas.microsoft.com/office/powerpoint/2010/main" val="210907296"/>
       </p:ext>
     </p:extLst>
   </p:cSld>
@@ -2750,7 +2746,7 @@
     </p:spTree>
     <p:extLst>
       <p:ext uri="{BB962C8B-B14F-4D97-AF65-F5344CB8AC3E}">
-        <p14:creationId xmlns:p14="http://schemas.microsoft.com/office/powerpoint/2010/main" val="3185041605"/>
+        <p14:creationId xmlns="" xmlns:p14="http://schemas.microsoft.com/office/powerpoint/2010/main" val="3185041605"/>
       </p:ext>
     </p:extLst>
   </p:cSld>
@@ -2855,7 +2851,7 @@
     </p:spTree>
     <p:extLst>
       <p:ext uri="{BB962C8B-B14F-4D97-AF65-F5344CB8AC3E}">
-        <p14:creationId xmlns:p14="http://schemas.microsoft.com/office/powerpoint/2010/main" val="2848473853"/>
+        <p14:creationId xmlns="" xmlns:p14="http://schemas.microsoft.com/office/powerpoint/2010/main" val="2848473853"/>
       </p:ext>
     </p:extLst>
   </p:cSld>
@@ -3156,7 +3152,7 @@
     </p:spTree>
     <p:extLst>
       <p:ext uri="{BB962C8B-B14F-4D97-AF65-F5344CB8AC3E}">
-        <p14:creationId xmlns:p14="http://schemas.microsoft.com/office/powerpoint/2010/main" val="2560347368"/>
+        <p14:creationId xmlns="" xmlns:p14="http://schemas.microsoft.com/office/powerpoint/2010/main" val="2560347368"/>
       </p:ext>
     </p:extLst>
   </p:cSld>
@@ -3541,7 +3537,7 @@
     </p:spTree>
     <p:extLst>
       <p:ext uri="{BB962C8B-B14F-4D97-AF65-F5344CB8AC3E}">
-        <p14:creationId xmlns:p14="http://schemas.microsoft.com/office/powerpoint/2010/main" val="1568558404"/>
+        <p14:creationId xmlns="" xmlns:p14="http://schemas.microsoft.com/office/powerpoint/2010/main" val="1568558404"/>
       </p:ext>
     </p:extLst>
   </p:cSld>
@@ -3647,7 +3643,7 @@
     </p:spTree>
     <p:extLst>
       <p:ext uri="{BB962C8B-B14F-4D97-AF65-F5344CB8AC3E}">
-        <p14:creationId xmlns:p14="http://schemas.microsoft.com/office/powerpoint/2010/main" val="1192557476"/>
+        <p14:creationId xmlns="" xmlns:p14="http://schemas.microsoft.com/office/powerpoint/2010/main" val="1192557476"/>
       </p:ext>
     </p:extLst>
   </p:cSld>
@@ -3929,7 +3925,7 @@
     </p:spTree>
     <p:extLst>
       <p:ext uri="{BB962C8B-B14F-4D97-AF65-F5344CB8AC3E}">
-        <p14:creationId xmlns:p14="http://schemas.microsoft.com/office/powerpoint/2010/main" val="2824804381"/>
+        <p14:creationId xmlns="" xmlns:p14="http://schemas.microsoft.com/office/powerpoint/2010/main" val="2824804381"/>
       </p:ext>
     </p:extLst>
   </p:cSld>
@@ -4211,7 +4207,7 @@
     </p:spTree>
     <p:extLst>
       <p:ext uri="{BB962C8B-B14F-4D97-AF65-F5344CB8AC3E}">
-        <p14:creationId xmlns:p14="http://schemas.microsoft.com/office/powerpoint/2010/main" val="3927421275"/>
+        <p14:creationId xmlns="" xmlns:p14="http://schemas.microsoft.com/office/powerpoint/2010/main" val="3927421275"/>
       </p:ext>
     </p:extLst>
   </p:cSld>
@@ -4687,7 +4683,7 @@
     </p:spTree>
     <p:extLst>
       <p:ext uri="{BB962C8B-B14F-4D97-AF65-F5344CB8AC3E}">
-        <p14:creationId xmlns:p14="http://schemas.microsoft.com/office/powerpoint/2010/main" val="2353939689"/>
+        <p14:creationId xmlns="" xmlns:p14="http://schemas.microsoft.com/office/powerpoint/2010/main" val="2353939689"/>
       </p:ext>
     </p:extLst>
   </p:cSld>
@@ -5051,7 +5047,7 @@
     </p:spTree>
     <p:extLst>
       <p:ext uri="{BB962C8B-B14F-4D97-AF65-F5344CB8AC3E}">
-        <p14:creationId xmlns:p14="http://schemas.microsoft.com/office/powerpoint/2010/main" val="402312742"/>
+        <p14:creationId xmlns="" xmlns:p14="http://schemas.microsoft.com/office/powerpoint/2010/main" val="402312742"/>
       </p:ext>
     </p:extLst>
   </p:cSld>
@@ -5153,7 +5149,7 @@
     </p:spTree>
     <p:extLst>
       <p:ext uri="{BB962C8B-B14F-4D97-AF65-F5344CB8AC3E}">
-        <p14:creationId xmlns:p14="http://schemas.microsoft.com/office/powerpoint/2010/main" val="2068870937"/>
+        <p14:creationId xmlns="" xmlns:p14="http://schemas.microsoft.com/office/powerpoint/2010/main" val="2068870937"/>
       </p:ext>
     </p:extLst>
   </p:cSld>
@@ -5255,7 +5251,7 @@
     </p:spTree>
     <p:extLst>
       <p:ext uri="{BB962C8B-B14F-4D97-AF65-F5344CB8AC3E}">
-        <p14:creationId xmlns:p14="http://schemas.microsoft.com/office/powerpoint/2010/main" val="2889375727"/>
+        <p14:creationId xmlns="" xmlns:p14="http://schemas.microsoft.com/office/powerpoint/2010/main" val="2889375727"/>
       </p:ext>
     </p:extLst>
   </p:cSld>
@@ -5644,7 +5640,7 @@
     </p:spTree>
     <p:extLst>
       <p:ext uri="{BB962C8B-B14F-4D97-AF65-F5344CB8AC3E}">
-        <p14:creationId xmlns:p14="http://schemas.microsoft.com/office/powerpoint/2010/main" val="3865182945"/>
+        <p14:creationId xmlns="" xmlns:p14="http://schemas.microsoft.com/office/powerpoint/2010/main" val="3865182945"/>
       </p:ext>
     </p:extLst>
   </p:cSld>
@@ -5766,7 +5762,7 @@
     </p:spTree>
     <p:extLst>
       <p:ext uri="{BB962C8B-B14F-4D97-AF65-F5344CB8AC3E}">
-        <p14:creationId xmlns:p14="http://schemas.microsoft.com/office/powerpoint/2010/main" val="3947706564"/>
+        <p14:creationId xmlns="" xmlns:p14="http://schemas.microsoft.com/office/powerpoint/2010/main" val="3947706564"/>
       </p:ext>
     </p:extLst>
   </p:cSld>
@@ -5820,6 +5816,35 @@
           <a:bodyPr/>
           <a:lstStyle/>
           <a:p>
+            <a:pPr marL="0" marR="0" lvl="0" indent="0" algn="l" defTabSz="914400" rtl="0" eaLnBrk="0" fontAlgn="base" latinLnBrk="0" hangingPunct="0">
+              <a:lnSpc>
+                <a:spcPct val="100000"/>
+              </a:lnSpc>
+              <a:spcBef>
+                <a:spcPct val="30000"/>
+              </a:spcBef>
+              <a:spcAft>
+                <a:spcPct val="0"/>
+              </a:spcAft>
+              <a:buClrTx/>
+              <a:buSzTx/>
+              <a:buFontTx/>
+              <a:buNone/>
+              <a:tabLst/>
+              <a:defRPr/>
+            </a:pPr>
+            <a:r>
+              <a:rPr lang="zh-TW" altLang="en-US" sz="1200" kern="1200" dirty="0" smtClean="0">
+                <a:solidFill>
+                  <a:schemeClr val="tx1"/>
+                </a:solidFill>
+                <a:effectLst/>
+                <a:latin typeface="+mn-lt"/>
+                <a:ea typeface="+mn-ea"/>
+                <a:cs typeface="+mn-cs"/>
+              </a:rPr>
+              <a:t>在論文中，</a:t>
+            </a:r>
             <a:r>
               <a:rPr lang="en-US" altLang="zh-TW" sz="1200" kern="1200" dirty="0" err="1" smtClean="0">
                 <a:solidFill>
@@ -5842,7 +5867,31 @@
                 <a:ea typeface="+mn-ea"/>
                 <a:cs typeface="+mn-cs"/>
               </a:rPr>
-              <a:t> Notification </a:t>
+              <a:t> </a:t>
+            </a:r>
+            <a:r>
+              <a:rPr lang="en-US" altLang="zh-TW" sz="1200" kern="1200" dirty="0" err="1" smtClean="0">
+                <a:solidFill>
+                  <a:schemeClr val="tx1"/>
+                </a:solidFill>
+                <a:effectLst/>
+                <a:latin typeface="+mn-lt"/>
+                <a:ea typeface="+mn-ea"/>
+                <a:cs typeface="+mn-cs"/>
+              </a:rPr>
+              <a:t>AccountManagement</a:t>
+            </a:r>
+            <a:r>
+              <a:rPr lang="en-US" altLang="zh-TW" sz="1200" kern="1200" dirty="0" smtClean="0">
+                <a:solidFill>
+                  <a:schemeClr val="tx1"/>
+                </a:solidFill>
+                <a:effectLst/>
+                <a:latin typeface="+mn-lt"/>
+                <a:ea typeface="+mn-ea"/>
+                <a:cs typeface="+mn-cs"/>
+              </a:rPr>
+              <a:t> </a:t>
             </a:r>
             <a:r>
               <a:rPr lang="zh-TW" altLang="zh-TW" sz="1200" kern="1200" dirty="0" smtClean="0">
@@ -5854,7 +5903,7 @@
                 <a:ea typeface="+mn-ea"/>
                 <a:cs typeface="+mn-cs"/>
               </a:rPr>
-              <a:t>手動佈署可以看出部屬的時間根據</a:t>
+              <a:t>自動化佈署可以看出佈署的時間大約在</a:t>
             </a:r>
             <a:r>
               <a:rPr lang="en-US" altLang="zh-TW" sz="1200" kern="1200" dirty="0" smtClean="0">
@@ -5866,7 +5915,7 @@
                 <a:ea typeface="+mn-ea"/>
                 <a:cs typeface="+mn-cs"/>
               </a:rPr>
-              <a:t>CPU</a:t>
+              <a:t>83</a:t>
             </a:r>
             <a:r>
               <a:rPr lang="zh-TW" altLang="zh-TW" sz="1200" kern="1200" dirty="0" smtClean="0">
@@ -5878,7 +5927,7 @@
                 <a:ea typeface="+mn-ea"/>
                 <a:cs typeface="+mn-cs"/>
               </a:rPr>
-              <a:t>的不同分佈範圍為</a:t>
+              <a:t>秒到</a:t>
             </a:r>
             <a:r>
               <a:rPr lang="en-US" altLang="zh-TW" sz="1200" kern="1200" dirty="0" smtClean="0">
@@ -5890,7 +5939,7 @@
                 <a:ea typeface="+mn-ea"/>
                 <a:cs typeface="+mn-cs"/>
               </a:rPr>
-              <a:t>484</a:t>
+              <a:t>95</a:t>
             </a:r>
             <a:r>
               <a:rPr lang="zh-TW" altLang="zh-TW" sz="1200" kern="1200" dirty="0" smtClean="0">
@@ -5902,6 +5951,202 @@
                 <a:ea typeface="+mn-ea"/>
                 <a:cs typeface="+mn-cs"/>
               </a:rPr>
+              <a:t>秒間，平均值為</a:t>
+            </a:r>
+            <a:r>
+              <a:rPr lang="en-US" altLang="zh-TW" sz="1200" kern="1200" dirty="0" smtClean="0">
+                <a:solidFill>
+                  <a:schemeClr val="tx1"/>
+                </a:solidFill>
+                <a:effectLst/>
+                <a:latin typeface="+mn-lt"/>
+                <a:ea typeface="+mn-ea"/>
+                <a:cs typeface="+mn-cs"/>
+              </a:rPr>
+              <a:t>89.39</a:t>
+            </a:r>
+            <a:r>
+              <a:rPr lang="zh-TW" altLang="zh-TW" sz="1200" kern="1200" dirty="0" smtClean="0">
+                <a:solidFill>
+                  <a:schemeClr val="tx1"/>
+                </a:solidFill>
+                <a:effectLst/>
+                <a:latin typeface="+mn-lt"/>
+                <a:ea typeface="+mn-ea"/>
+                <a:cs typeface="+mn-cs"/>
+              </a:rPr>
+              <a:t>秒、標準差為</a:t>
+            </a:r>
+            <a:r>
+              <a:rPr lang="en-US" altLang="zh-TW" sz="1200" kern="1200" dirty="0" smtClean="0">
+                <a:solidFill>
+                  <a:schemeClr val="tx1"/>
+                </a:solidFill>
+                <a:effectLst/>
+                <a:latin typeface="+mn-lt"/>
+                <a:ea typeface="+mn-ea"/>
+                <a:cs typeface="+mn-cs"/>
+              </a:rPr>
+              <a:t>2.62 </a:t>
+            </a:r>
+            <a:r>
+              <a:rPr lang="zh-TW" altLang="zh-TW" sz="1200" kern="1200" dirty="0" smtClean="0">
+                <a:solidFill>
+                  <a:schemeClr val="tx1"/>
+                </a:solidFill>
+                <a:effectLst/>
+                <a:latin typeface="+mn-lt"/>
+                <a:ea typeface="+mn-ea"/>
+                <a:cs typeface="+mn-cs"/>
+              </a:rPr>
+              <a:t>秒</a:t>
+            </a:r>
+            <a:r>
+              <a:rPr lang="zh-TW" altLang="en-US" sz="1200" kern="1200" dirty="0" smtClean="0">
+                <a:solidFill>
+                  <a:schemeClr val="tx1"/>
+                </a:solidFill>
+                <a:effectLst/>
+                <a:latin typeface="+mn-lt"/>
+                <a:ea typeface="+mn-ea"/>
+                <a:cs typeface="+mn-cs"/>
+              </a:rPr>
+              <a:t>。</a:t>
+            </a:r>
+            <a:endParaRPr lang="en-US" altLang="zh-TW" sz="1200" kern="1200" dirty="0" smtClean="0">
+              <a:solidFill>
+                <a:schemeClr val="tx1"/>
+              </a:solidFill>
+              <a:effectLst/>
+              <a:latin typeface="+mn-lt"/>
+              <a:ea typeface="+mn-ea"/>
+              <a:cs typeface="+mn-cs"/>
+            </a:endParaRPr>
+          </a:p>
+          <a:p>
+            <a:pPr marL="0" marR="0" lvl="0" indent="0" algn="l" defTabSz="914400" rtl="0" eaLnBrk="0" fontAlgn="base" latinLnBrk="0" hangingPunct="0">
+              <a:lnSpc>
+                <a:spcPct val="100000"/>
+              </a:lnSpc>
+              <a:spcBef>
+                <a:spcPct val="30000"/>
+              </a:spcBef>
+              <a:spcAft>
+                <a:spcPct val="0"/>
+              </a:spcAft>
+              <a:buClrTx/>
+              <a:buSzTx/>
+              <a:buFontTx/>
+              <a:buNone/>
+              <a:tabLst/>
+              <a:defRPr/>
+            </a:pPr>
+            <a:r>
+              <a:rPr lang="zh-TW" altLang="en-US" sz="1200" kern="1200" dirty="0" smtClean="0">
+                <a:solidFill>
+                  <a:schemeClr val="tx1"/>
+                </a:solidFill>
+                <a:effectLst/>
+                <a:latin typeface="+mn-lt"/>
+                <a:ea typeface="+mn-ea"/>
+                <a:cs typeface="+mn-cs"/>
+              </a:rPr>
+              <a:t>我們可以從</a:t>
+            </a:r>
+            <a:r>
+              <a:rPr lang="en-US" altLang="zh-TW" sz="1200" kern="1200" dirty="0" err="1" smtClean="0">
+                <a:solidFill>
+                  <a:schemeClr val="tx1"/>
+                </a:solidFill>
+                <a:effectLst/>
+                <a:latin typeface="+mn-lt"/>
+                <a:ea typeface="+mn-ea"/>
+                <a:cs typeface="+mn-cs"/>
+              </a:rPr>
+              <a:t>ezScrum</a:t>
+            </a:r>
+            <a:r>
+              <a:rPr lang="en-US" altLang="zh-TW" sz="1200" kern="1200" dirty="0" smtClean="0">
+                <a:solidFill>
+                  <a:schemeClr val="tx1"/>
+                </a:solidFill>
+                <a:effectLst/>
+                <a:latin typeface="+mn-lt"/>
+                <a:ea typeface="+mn-ea"/>
+                <a:cs typeface="+mn-cs"/>
+              </a:rPr>
+              <a:t> </a:t>
+            </a:r>
+            <a:r>
+              <a:rPr lang="en-US" altLang="zh-TW" sz="1200" kern="1200" dirty="0" err="1" smtClean="0">
+                <a:solidFill>
+                  <a:schemeClr val="tx1"/>
+                </a:solidFill>
+                <a:effectLst/>
+                <a:latin typeface="+mn-lt"/>
+                <a:ea typeface="+mn-ea"/>
+                <a:cs typeface="+mn-cs"/>
+              </a:rPr>
+              <a:t>AccountManagement</a:t>
+            </a:r>
+            <a:r>
+              <a:rPr lang="zh-TW" altLang="zh-TW" sz="1200" kern="1200" dirty="0" smtClean="0">
+                <a:solidFill>
+                  <a:schemeClr val="tx1"/>
+                </a:solidFill>
+                <a:effectLst/>
+                <a:latin typeface="+mn-lt"/>
+                <a:ea typeface="+mn-ea"/>
+                <a:cs typeface="+mn-cs"/>
+              </a:rPr>
+              <a:t>自動化佈署常態分佈的情形，得知有</a:t>
+            </a:r>
+            <a:r>
+              <a:rPr lang="en-US" altLang="zh-TW" sz="1200" kern="1200" dirty="0" smtClean="0">
+                <a:solidFill>
+                  <a:schemeClr val="tx1"/>
+                </a:solidFill>
+                <a:effectLst/>
+                <a:latin typeface="+mn-lt"/>
+                <a:ea typeface="+mn-ea"/>
+                <a:cs typeface="+mn-cs"/>
+              </a:rPr>
+              <a:t>68%</a:t>
+            </a:r>
+            <a:r>
+              <a:rPr lang="zh-TW" altLang="zh-TW" sz="1200" kern="1200" dirty="0" smtClean="0">
+                <a:solidFill>
+                  <a:schemeClr val="tx1"/>
+                </a:solidFill>
+                <a:effectLst/>
+                <a:latin typeface="+mn-lt"/>
+                <a:ea typeface="+mn-ea"/>
+                <a:cs typeface="+mn-cs"/>
+              </a:rPr>
+              <a:t>的數據落在</a:t>
+            </a:r>
+            <a:r>
+              <a:rPr lang="en-US" altLang="zh-TW" sz="1200" kern="1200" dirty="0" smtClean="0">
+                <a:solidFill>
+                  <a:schemeClr val="tx1"/>
+                </a:solidFill>
+                <a:effectLst/>
+                <a:latin typeface="+mn-lt"/>
+                <a:ea typeface="+mn-ea"/>
+                <a:cs typeface="+mn-cs"/>
+              </a:rPr>
+              <a:t>86.76</a:t>
+            </a:r>
+            <a:r>
+              <a:rPr lang="zh-TW" altLang="zh-TW" sz="1200" kern="1200" dirty="0" smtClean="0">
+                <a:solidFill>
+                  <a:schemeClr val="tx1"/>
+                </a:solidFill>
+                <a:effectLst/>
+                <a:latin typeface="+mn-lt"/>
+                <a:ea typeface="+mn-ea"/>
+                <a:cs typeface="+mn-cs"/>
+              </a:rPr>
               <a:t>秒到</a:t>
             </a:r>
             <a:r>
@@ -5914,7 +6159,7 @@
                 <a:ea typeface="+mn-ea"/>
                 <a:cs typeface="+mn-cs"/>
               </a:rPr>
-              <a:t>492</a:t>
+              <a:t>92</a:t>
             </a:r>
             <a:r>
               <a:rPr lang="zh-TW" altLang="zh-TW" sz="1200" kern="1200" dirty="0" smtClean="0">
@@ -5926,19 +6171,19 @@
                 <a:ea typeface="+mn-ea"/>
                 <a:cs typeface="+mn-cs"/>
               </a:rPr>
-              <a:t>秒間，</a:t>
-            </a:r>
-            <a:r>
-              <a:rPr lang="zh-TW" altLang="en-US" sz="1200" kern="1200" dirty="0" smtClean="0">
-                <a:solidFill>
-                  <a:schemeClr val="tx1"/>
-                </a:solidFill>
-                <a:effectLst/>
-                <a:latin typeface="+mn-lt"/>
-                <a:ea typeface="+mn-ea"/>
-                <a:cs typeface="+mn-cs"/>
-              </a:rPr>
-              <a:t>在論文中的</a:t>
+              <a:t>秒之間，</a:t>
+            </a:r>
+            <a:r>
+              <a:rPr lang="en-US" altLang="zh-TW" sz="1200" kern="1200" dirty="0" smtClean="0">
+                <a:solidFill>
+                  <a:schemeClr val="tx1"/>
+                </a:solidFill>
+                <a:effectLst/>
+                <a:latin typeface="+mn-lt"/>
+                <a:ea typeface="+mn-ea"/>
+                <a:cs typeface="+mn-cs"/>
+              </a:rPr>
+              <a:t>95%</a:t>
             </a:r>
             <a:r>
               <a:rPr lang="zh-TW" altLang="zh-TW" sz="1200" kern="1200" dirty="0" smtClean="0">
@@ -5950,7 +6195,7 @@
                 <a:ea typeface="+mn-ea"/>
                 <a:cs typeface="+mn-cs"/>
               </a:rPr>
-              <a:t>平均值為</a:t>
+              <a:t>的數據落在</a:t>
             </a:r>
             <a:r>
               <a:rPr lang="en-US" altLang="zh-TW" sz="1200" kern="1200" dirty="0" smtClean="0">
@@ -5962,7 +6207,7 @@
                 <a:ea typeface="+mn-ea"/>
                 <a:cs typeface="+mn-cs"/>
               </a:rPr>
-              <a:t>488.1</a:t>
+              <a:t>84.14</a:t>
             </a:r>
             <a:r>
               <a:rPr lang="zh-TW" altLang="zh-TW" sz="1200" kern="1200" dirty="0" smtClean="0">
@@ -5974,7 +6219,7 @@
                 <a:ea typeface="+mn-ea"/>
                 <a:cs typeface="+mn-cs"/>
               </a:rPr>
-              <a:t>秒、標準差為</a:t>
+              <a:t>秒到</a:t>
             </a:r>
             <a:r>
               <a:rPr lang="en-US" altLang="zh-TW" sz="1200" kern="1200" dirty="0" smtClean="0">
@@ -5986,7 +6231,7 @@
                 <a:ea typeface="+mn-ea"/>
                 <a:cs typeface="+mn-cs"/>
               </a:rPr>
-              <a:t>2.18</a:t>
+              <a:t>94.63</a:t>
             </a:r>
             <a:r>
               <a:rPr lang="zh-TW" altLang="zh-TW" sz="1200" kern="1200" dirty="0" smtClean="0">
@@ -5998,20 +6243,111 @@
                 <a:ea typeface="+mn-ea"/>
                 <a:cs typeface="+mn-cs"/>
               </a:rPr>
-              <a:t>秒</a:t>
-            </a:r>
-            <a:r>
-              <a:rPr lang="zh-TW" altLang="en-US" sz="1200" kern="1200" dirty="0" smtClean="0">
-                <a:solidFill>
-                  <a:schemeClr val="tx1"/>
-                </a:solidFill>
-                <a:effectLst/>
-                <a:latin typeface="+mn-lt"/>
-                <a:ea typeface="+mn-ea"/>
-                <a:cs typeface="+mn-cs"/>
-              </a:rPr>
-              <a:t>。</a:t>
-            </a:r>
+              <a:t>秒之間，</a:t>
+            </a:r>
+            <a:r>
+              <a:rPr lang="en-US" altLang="zh-TW" sz="1200" kern="1200" dirty="0" smtClean="0">
+                <a:solidFill>
+                  <a:schemeClr val="tx1"/>
+                </a:solidFill>
+                <a:effectLst/>
+                <a:latin typeface="+mn-lt"/>
+                <a:ea typeface="+mn-ea"/>
+                <a:cs typeface="+mn-cs"/>
+              </a:rPr>
+              <a:t>99.7%</a:t>
+            </a:r>
+            <a:r>
+              <a:rPr lang="zh-TW" altLang="zh-TW" sz="1200" kern="1200" dirty="0" smtClean="0">
+                <a:solidFill>
+                  <a:schemeClr val="tx1"/>
+                </a:solidFill>
+                <a:effectLst/>
+                <a:latin typeface="+mn-lt"/>
+                <a:ea typeface="+mn-ea"/>
+                <a:cs typeface="+mn-cs"/>
+              </a:rPr>
+              <a:t>的數據落在</a:t>
+            </a:r>
+            <a:r>
+              <a:rPr lang="en-US" altLang="zh-TW" sz="1200" kern="1200" dirty="0" smtClean="0">
+                <a:solidFill>
+                  <a:schemeClr val="tx1"/>
+                </a:solidFill>
+                <a:effectLst/>
+                <a:latin typeface="+mn-lt"/>
+                <a:ea typeface="+mn-ea"/>
+                <a:cs typeface="+mn-cs"/>
+              </a:rPr>
+              <a:t>81.52</a:t>
+            </a:r>
+            <a:r>
+              <a:rPr lang="zh-TW" altLang="zh-TW" sz="1200" kern="1200" dirty="0" smtClean="0">
+                <a:solidFill>
+                  <a:schemeClr val="tx1"/>
+                </a:solidFill>
+                <a:effectLst/>
+                <a:latin typeface="+mn-lt"/>
+                <a:ea typeface="+mn-ea"/>
+                <a:cs typeface="+mn-cs"/>
+              </a:rPr>
+              <a:t>秒到</a:t>
+            </a:r>
+            <a:r>
+              <a:rPr lang="en-US" altLang="zh-TW" sz="1200" kern="1200" dirty="0" smtClean="0">
+                <a:solidFill>
+                  <a:schemeClr val="tx1"/>
+                </a:solidFill>
+                <a:effectLst/>
+                <a:latin typeface="+mn-lt"/>
+                <a:ea typeface="+mn-ea"/>
+                <a:cs typeface="+mn-cs"/>
+              </a:rPr>
+              <a:t>97.25</a:t>
+            </a:r>
+            <a:r>
+              <a:rPr lang="zh-TW" altLang="zh-TW" sz="1200" kern="1200" dirty="0" smtClean="0">
+                <a:solidFill>
+                  <a:schemeClr val="tx1"/>
+                </a:solidFill>
+                <a:effectLst/>
+                <a:latin typeface="+mn-lt"/>
+                <a:ea typeface="+mn-ea"/>
+                <a:cs typeface="+mn-cs"/>
+              </a:rPr>
+              <a:t>秒之間。</a:t>
+            </a:r>
+            <a:endParaRPr lang="zh-TW" altLang="en-US" dirty="0" smtClean="0"/>
+          </a:p>
+          <a:p>
+            <a:pPr marL="0" marR="0" lvl="0" indent="0" algn="l" defTabSz="914400" rtl="0" eaLnBrk="0" fontAlgn="base" latinLnBrk="0" hangingPunct="0">
+              <a:lnSpc>
+                <a:spcPct val="100000"/>
+              </a:lnSpc>
+              <a:spcBef>
+                <a:spcPct val="30000"/>
+              </a:spcBef>
+              <a:spcAft>
+                <a:spcPct val="0"/>
+              </a:spcAft>
+              <a:buClrTx/>
+              <a:buSzTx/>
+              <a:buFontTx/>
+              <a:buNone/>
+              <a:tabLst/>
+              <a:defRPr/>
+            </a:pPr>
+            <a:endParaRPr lang="en-US" altLang="zh-TW" sz="1200" kern="1200" dirty="0" smtClean="0">
+              <a:solidFill>
+                <a:schemeClr val="tx1"/>
+              </a:solidFill>
+              <a:effectLst/>
+              <a:latin typeface="+mn-lt"/>
+              <a:ea typeface="+mn-ea"/>
+              <a:cs typeface="+mn-cs"/>
+            </a:endParaRPr>
+          </a:p>
+          <a:p>
             <a:endParaRPr lang="zh-TW" altLang="en-US" dirty="0"/>
           </a:p>
         </p:txBody>
@@ -6048,7 +6384,7 @@
     </p:spTree>
     <p:extLst>
       <p:ext uri="{BB962C8B-B14F-4D97-AF65-F5344CB8AC3E}">
-        <p14:creationId xmlns:p14="http://schemas.microsoft.com/office/powerpoint/2010/main" val="1578417206"/>
+        <p14:creationId xmlns="" xmlns:p14="http://schemas.microsoft.com/office/powerpoint/2010/main" val="2966162485"/>
       </p:ext>
     </p:extLst>
   </p:cSld>
@@ -6102,23 +6438,114 @@
           <a:bodyPr/>
           <a:lstStyle/>
           <a:p>
-            <a:pPr marL="0" marR="0" lvl="0" indent="0" algn="l" defTabSz="914400" rtl="0" eaLnBrk="0" fontAlgn="base" latinLnBrk="0" hangingPunct="0">
-              <a:lnSpc>
-                <a:spcPct val="100000"/>
-              </a:lnSpc>
-              <a:spcBef>
-                <a:spcPct val="30000"/>
-              </a:spcBef>
-              <a:spcAft>
-                <a:spcPct val="0"/>
-              </a:spcAft>
-              <a:buClrTx/>
-              <a:buSzTx/>
-              <a:buFontTx/>
-              <a:buNone/>
-              <a:tabLst/>
-              <a:defRPr/>
-            </a:pPr>
+            <a:r>
+              <a:rPr lang="en-US" altLang="zh-TW" sz="1200" kern="1200" dirty="0" err="1" smtClean="0">
+                <a:solidFill>
+                  <a:schemeClr val="tx1"/>
+                </a:solidFill>
+                <a:effectLst/>
+                <a:latin typeface="+mn-lt"/>
+                <a:ea typeface="+mn-ea"/>
+                <a:cs typeface="+mn-cs"/>
+              </a:rPr>
+              <a:t>ezScrum</a:t>
+            </a:r>
+            <a:r>
+              <a:rPr lang="en-US" altLang="zh-TW" sz="1200" kern="1200" dirty="0" smtClean="0">
+                <a:solidFill>
+                  <a:schemeClr val="tx1"/>
+                </a:solidFill>
+                <a:effectLst/>
+                <a:latin typeface="+mn-lt"/>
+                <a:ea typeface="+mn-ea"/>
+                <a:cs typeface="+mn-cs"/>
+              </a:rPr>
+              <a:t> Notification </a:t>
+            </a:r>
+            <a:r>
+              <a:rPr lang="zh-TW" altLang="zh-TW" sz="1200" kern="1200" dirty="0" smtClean="0">
+                <a:solidFill>
+                  <a:schemeClr val="tx1"/>
+                </a:solidFill>
+                <a:effectLst/>
+                <a:latin typeface="+mn-lt"/>
+                <a:ea typeface="+mn-ea"/>
+                <a:cs typeface="+mn-cs"/>
+              </a:rPr>
+              <a:t>手動佈署可以看出部屬的時間根據</a:t>
+            </a:r>
+            <a:r>
+              <a:rPr lang="en-US" altLang="zh-TW" sz="1200" kern="1200" dirty="0" smtClean="0">
+                <a:solidFill>
+                  <a:schemeClr val="tx1"/>
+                </a:solidFill>
+                <a:effectLst/>
+                <a:latin typeface="+mn-lt"/>
+                <a:ea typeface="+mn-ea"/>
+                <a:cs typeface="+mn-cs"/>
+              </a:rPr>
+              <a:t>CPU</a:t>
+            </a:r>
+            <a:r>
+              <a:rPr lang="zh-TW" altLang="zh-TW" sz="1200" kern="1200" dirty="0" smtClean="0">
+                <a:solidFill>
+                  <a:schemeClr val="tx1"/>
+                </a:solidFill>
+                <a:effectLst/>
+                <a:latin typeface="+mn-lt"/>
+                <a:ea typeface="+mn-ea"/>
+                <a:cs typeface="+mn-cs"/>
+              </a:rPr>
+              <a:t>的不同分佈範圍為</a:t>
+            </a:r>
+            <a:r>
+              <a:rPr lang="en-US" altLang="zh-TW" sz="1200" kern="1200" dirty="0" smtClean="0">
+                <a:solidFill>
+                  <a:schemeClr val="tx1"/>
+                </a:solidFill>
+                <a:effectLst/>
+                <a:latin typeface="+mn-lt"/>
+                <a:ea typeface="+mn-ea"/>
+                <a:cs typeface="+mn-cs"/>
+              </a:rPr>
+              <a:t>484</a:t>
+            </a:r>
+            <a:r>
+              <a:rPr lang="zh-TW" altLang="zh-TW" sz="1200" kern="1200" dirty="0" smtClean="0">
+                <a:solidFill>
+                  <a:schemeClr val="tx1"/>
+                </a:solidFill>
+                <a:effectLst/>
+                <a:latin typeface="+mn-lt"/>
+                <a:ea typeface="+mn-ea"/>
+                <a:cs typeface="+mn-cs"/>
+              </a:rPr>
+              <a:t>秒到</a:t>
+            </a:r>
+            <a:r>
+              <a:rPr lang="en-US" altLang="zh-TW" sz="1200" kern="1200" dirty="0" smtClean="0">
+                <a:solidFill>
+                  <a:schemeClr val="tx1"/>
+                </a:solidFill>
+                <a:effectLst/>
+                <a:latin typeface="+mn-lt"/>
+                <a:ea typeface="+mn-ea"/>
+                <a:cs typeface="+mn-cs"/>
+              </a:rPr>
+              <a:t>492</a:t>
+            </a:r>
+            <a:r>
+              <a:rPr lang="zh-TW" altLang="zh-TW" sz="1200" kern="1200" dirty="0" smtClean="0">
+                <a:solidFill>
+                  <a:schemeClr val="tx1"/>
+                </a:solidFill>
+                <a:effectLst/>
+                <a:latin typeface="+mn-lt"/>
+                <a:ea typeface="+mn-ea"/>
+                <a:cs typeface="+mn-cs"/>
+              </a:rPr>
+              <a:t>秒間，</a:t>
+            </a:r>
             <a:r>
               <a:rPr lang="zh-TW" altLang="en-US" sz="1200" kern="1200" dirty="0" smtClean="0">
                 <a:solidFill>
@@ -6129,19 +6556,19 @@
                 <a:ea typeface="+mn-ea"/>
                 <a:cs typeface="+mn-cs"/>
               </a:rPr>
-              <a:t>在論文中，</a:t>
-            </a:r>
-            <a:r>
-              <a:rPr lang="en-US" altLang="zh-TW" sz="1200" kern="1200" dirty="0" err="1" smtClean="0">
-                <a:solidFill>
-                  <a:schemeClr val="tx1"/>
-                </a:solidFill>
-                <a:effectLst/>
-                <a:latin typeface="+mn-lt"/>
-                <a:ea typeface="+mn-ea"/>
-                <a:cs typeface="+mn-cs"/>
-              </a:rPr>
-              <a:t>ezScrum</a:t>
+              <a:t>在論文中的</a:t>
+            </a:r>
+            <a:r>
+              <a:rPr lang="zh-TW" altLang="zh-TW" sz="1200" kern="1200" dirty="0" smtClean="0">
+                <a:solidFill>
+                  <a:schemeClr val="tx1"/>
+                </a:solidFill>
+                <a:effectLst/>
+                <a:latin typeface="+mn-lt"/>
+                <a:ea typeface="+mn-ea"/>
+                <a:cs typeface="+mn-cs"/>
+              </a:rPr>
+              <a:t>平均值為</a:t>
             </a:r>
             <a:r>
               <a:rPr lang="en-US" altLang="zh-TW" sz="1200" kern="1200" dirty="0" smtClean="0">
@@ -6153,19 +6580,19 @@
                 <a:ea typeface="+mn-ea"/>
                 <a:cs typeface="+mn-cs"/>
               </a:rPr>
-              <a:t> </a:t>
-            </a:r>
-            <a:r>
-              <a:rPr lang="en-US" altLang="zh-TW" sz="1200" kern="1200" dirty="0" err="1" smtClean="0">
-                <a:solidFill>
-                  <a:schemeClr val="tx1"/>
-                </a:solidFill>
-                <a:effectLst/>
-                <a:latin typeface="+mn-lt"/>
-                <a:ea typeface="+mn-ea"/>
-                <a:cs typeface="+mn-cs"/>
-              </a:rPr>
-              <a:t>AccountManagement</a:t>
+              <a:t>488.1</a:t>
+            </a:r>
+            <a:r>
+              <a:rPr lang="zh-TW" altLang="zh-TW" sz="1200" kern="1200" dirty="0" smtClean="0">
+                <a:solidFill>
+                  <a:schemeClr val="tx1"/>
+                </a:solidFill>
+                <a:effectLst/>
+                <a:latin typeface="+mn-lt"/>
+                <a:ea typeface="+mn-ea"/>
+                <a:cs typeface="+mn-cs"/>
+              </a:rPr>
+              <a:t>秒、標準差為</a:t>
             </a:r>
             <a:r>
               <a:rPr lang="en-US" altLang="zh-TW" sz="1200" kern="1200" dirty="0" smtClean="0">
@@ -6177,7 +6604,7 @@
                 <a:ea typeface="+mn-ea"/>
                 <a:cs typeface="+mn-cs"/>
               </a:rPr>
-              <a:t> </a:t>
+              <a:t>2.18</a:t>
             </a:r>
             <a:r>
               <a:rPr lang="zh-TW" altLang="zh-TW" sz="1200" kern="1200" dirty="0" smtClean="0">
@@ -6189,102 +6616,6 @@
                 <a:ea typeface="+mn-ea"/>
                 <a:cs typeface="+mn-cs"/>
               </a:rPr>
-              <a:t>自動化佈署可以看出佈署的時間大約在</a:t>
-            </a:r>
-            <a:r>
-              <a:rPr lang="en-US" altLang="zh-TW" sz="1200" kern="1200" dirty="0" smtClean="0">
-                <a:solidFill>
-                  <a:schemeClr val="tx1"/>
-                </a:solidFill>
-                <a:effectLst/>
-                <a:latin typeface="+mn-lt"/>
-                <a:ea typeface="+mn-ea"/>
-                <a:cs typeface="+mn-cs"/>
-              </a:rPr>
-              <a:t>83</a:t>
-            </a:r>
-            <a:r>
-              <a:rPr lang="zh-TW" altLang="zh-TW" sz="1200" kern="1200" dirty="0" smtClean="0">
-                <a:solidFill>
-                  <a:schemeClr val="tx1"/>
-                </a:solidFill>
-                <a:effectLst/>
-                <a:latin typeface="+mn-lt"/>
-                <a:ea typeface="+mn-ea"/>
-                <a:cs typeface="+mn-cs"/>
-              </a:rPr>
-              <a:t>秒到</a:t>
-            </a:r>
-            <a:r>
-              <a:rPr lang="en-US" altLang="zh-TW" sz="1200" kern="1200" dirty="0" smtClean="0">
-                <a:solidFill>
-                  <a:schemeClr val="tx1"/>
-                </a:solidFill>
-                <a:effectLst/>
-                <a:latin typeface="+mn-lt"/>
-                <a:ea typeface="+mn-ea"/>
-                <a:cs typeface="+mn-cs"/>
-              </a:rPr>
-              <a:t>95</a:t>
-            </a:r>
-            <a:r>
-              <a:rPr lang="zh-TW" altLang="zh-TW" sz="1200" kern="1200" dirty="0" smtClean="0">
-                <a:solidFill>
-                  <a:schemeClr val="tx1"/>
-                </a:solidFill>
-                <a:effectLst/>
-                <a:latin typeface="+mn-lt"/>
-                <a:ea typeface="+mn-ea"/>
-                <a:cs typeface="+mn-cs"/>
-              </a:rPr>
-              <a:t>秒間，平均值為</a:t>
-            </a:r>
-            <a:r>
-              <a:rPr lang="en-US" altLang="zh-TW" sz="1200" kern="1200" dirty="0" smtClean="0">
-                <a:solidFill>
-                  <a:schemeClr val="tx1"/>
-                </a:solidFill>
-                <a:effectLst/>
-                <a:latin typeface="+mn-lt"/>
-                <a:ea typeface="+mn-ea"/>
-                <a:cs typeface="+mn-cs"/>
-              </a:rPr>
-              <a:t>89.39</a:t>
-            </a:r>
-            <a:r>
-              <a:rPr lang="zh-TW" altLang="zh-TW" sz="1200" kern="1200" dirty="0" smtClean="0">
-                <a:solidFill>
-                  <a:schemeClr val="tx1"/>
-                </a:solidFill>
-                <a:effectLst/>
-                <a:latin typeface="+mn-lt"/>
-                <a:ea typeface="+mn-ea"/>
-                <a:cs typeface="+mn-cs"/>
-              </a:rPr>
-              <a:t>秒、標準差為</a:t>
-            </a:r>
-            <a:r>
-              <a:rPr lang="en-US" altLang="zh-TW" sz="1200" kern="1200" dirty="0" smtClean="0">
-                <a:solidFill>
-                  <a:schemeClr val="tx1"/>
-                </a:solidFill>
-                <a:effectLst/>
-                <a:latin typeface="+mn-lt"/>
-                <a:ea typeface="+mn-ea"/>
-                <a:cs typeface="+mn-cs"/>
-              </a:rPr>
-              <a:t>2.62 </a:t>
-            </a:r>
-            <a:r>
-              <a:rPr lang="zh-TW" altLang="zh-TW" sz="1200" kern="1200" dirty="0" smtClean="0">
-                <a:solidFill>
-                  <a:schemeClr val="tx1"/>
-                </a:solidFill>
-                <a:effectLst/>
-                <a:latin typeface="+mn-lt"/>
-                <a:ea typeface="+mn-ea"/>
-                <a:cs typeface="+mn-cs"/>
-              </a:rPr>
               <a:t>秒</a:t>
             </a:r>
             <a:r>
@@ -6299,341 +6630,6 @@
               </a:rPr>
               <a:t>。</a:t>
             </a:r>
-            <a:endParaRPr lang="en-US" altLang="zh-TW" sz="1200" kern="1200" dirty="0" smtClean="0">
-              <a:solidFill>
-                <a:schemeClr val="tx1"/>
-              </a:solidFill>
-              <a:effectLst/>
-              <a:latin typeface="+mn-lt"/>
-              <a:ea typeface="+mn-ea"/>
-              <a:cs typeface="+mn-cs"/>
-            </a:endParaRPr>
-          </a:p>
-          <a:p>
-            <a:pPr marL="0" marR="0" lvl="0" indent="0" algn="l" defTabSz="914400" rtl="0" eaLnBrk="0" fontAlgn="base" latinLnBrk="0" hangingPunct="0">
-              <a:lnSpc>
-                <a:spcPct val="100000"/>
-              </a:lnSpc>
-              <a:spcBef>
-                <a:spcPct val="30000"/>
-              </a:spcBef>
-              <a:spcAft>
-                <a:spcPct val="0"/>
-              </a:spcAft>
-              <a:buClrTx/>
-              <a:buSzTx/>
-              <a:buFontTx/>
-              <a:buNone/>
-              <a:tabLst/>
-              <a:defRPr/>
-            </a:pPr>
-            <a:r>
-              <a:rPr lang="zh-TW" altLang="en-US" sz="1200" kern="1200" dirty="0" smtClean="0">
-                <a:solidFill>
-                  <a:schemeClr val="tx1"/>
-                </a:solidFill>
-                <a:effectLst/>
-                <a:latin typeface="+mn-lt"/>
-                <a:ea typeface="+mn-ea"/>
-                <a:cs typeface="+mn-cs"/>
-              </a:rPr>
-              <a:t>我們可以從</a:t>
-            </a:r>
-            <a:r>
-              <a:rPr lang="en-US" altLang="zh-TW" sz="1200" kern="1200" dirty="0" err="1" smtClean="0">
-                <a:solidFill>
-                  <a:schemeClr val="tx1"/>
-                </a:solidFill>
-                <a:effectLst/>
-                <a:latin typeface="+mn-lt"/>
-                <a:ea typeface="+mn-ea"/>
-                <a:cs typeface="+mn-cs"/>
-              </a:rPr>
-              <a:t>ezScrum</a:t>
-            </a:r>
-            <a:r>
-              <a:rPr lang="en-US" altLang="zh-TW" sz="1200" kern="1200" dirty="0" smtClean="0">
-                <a:solidFill>
-                  <a:schemeClr val="tx1"/>
-                </a:solidFill>
-                <a:effectLst/>
-                <a:latin typeface="+mn-lt"/>
-                <a:ea typeface="+mn-ea"/>
-                <a:cs typeface="+mn-cs"/>
-              </a:rPr>
-              <a:t> </a:t>
-            </a:r>
-            <a:r>
-              <a:rPr lang="en-US" altLang="zh-TW" sz="1200" kern="1200" dirty="0" err="1" smtClean="0">
-                <a:solidFill>
-                  <a:schemeClr val="tx1"/>
-                </a:solidFill>
-                <a:effectLst/>
-                <a:latin typeface="+mn-lt"/>
-                <a:ea typeface="+mn-ea"/>
-                <a:cs typeface="+mn-cs"/>
-              </a:rPr>
-              <a:t>AccountManagement</a:t>
-            </a:r>
-            <a:r>
-              <a:rPr lang="zh-TW" altLang="zh-TW" sz="1200" kern="1200" dirty="0" smtClean="0">
-                <a:solidFill>
-                  <a:schemeClr val="tx1"/>
-                </a:solidFill>
-                <a:effectLst/>
-                <a:latin typeface="+mn-lt"/>
-                <a:ea typeface="+mn-ea"/>
-                <a:cs typeface="+mn-cs"/>
-              </a:rPr>
-              <a:t>自動化佈署常態分佈的情形，得知有</a:t>
-            </a:r>
-            <a:r>
-              <a:rPr lang="en-US" altLang="zh-TW" sz="1200" kern="1200" dirty="0" smtClean="0">
-                <a:solidFill>
-                  <a:schemeClr val="tx1"/>
-                </a:solidFill>
-                <a:effectLst/>
-                <a:latin typeface="+mn-lt"/>
-                <a:ea typeface="+mn-ea"/>
-                <a:cs typeface="+mn-cs"/>
-              </a:rPr>
-              <a:t>68%</a:t>
-            </a:r>
-            <a:r>
-              <a:rPr lang="zh-TW" altLang="zh-TW" sz="1200" kern="1200" dirty="0" smtClean="0">
-                <a:solidFill>
-                  <a:schemeClr val="tx1"/>
-                </a:solidFill>
-                <a:effectLst/>
-                <a:latin typeface="+mn-lt"/>
-                <a:ea typeface="+mn-ea"/>
-                <a:cs typeface="+mn-cs"/>
-              </a:rPr>
-              <a:t>的數據落在</a:t>
-            </a:r>
-            <a:r>
-              <a:rPr lang="en-US" altLang="zh-TW" sz="1200" kern="1200" dirty="0" smtClean="0">
-                <a:solidFill>
-                  <a:schemeClr val="tx1"/>
-                </a:solidFill>
-                <a:effectLst/>
-                <a:latin typeface="+mn-lt"/>
-                <a:ea typeface="+mn-ea"/>
-                <a:cs typeface="+mn-cs"/>
-              </a:rPr>
-              <a:t>86.76</a:t>
-            </a:r>
-            <a:r>
-              <a:rPr lang="zh-TW" altLang="zh-TW" sz="1200" kern="1200" dirty="0" smtClean="0">
-                <a:solidFill>
-                  <a:schemeClr val="tx1"/>
-                </a:solidFill>
-                <a:effectLst/>
-                <a:latin typeface="+mn-lt"/>
-                <a:ea typeface="+mn-ea"/>
-                <a:cs typeface="+mn-cs"/>
-              </a:rPr>
-              <a:t>秒到</a:t>
-            </a:r>
-            <a:r>
-              <a:rPr lang="en-US" altLang="zh-TW" sz="1200" kern="1200" dirty="0" smtClean="0">
-                <a:solidFill>
-                  <a:schemeClr val="tx1"/>
-                </a:solidFill>
-                <a:effectLst/>
-                <a:latin typeface="+mn-lt"/>
-                <a:ea typeface="+mn-ea"/>
-                <a:cs typeface="+mn-cs"/>
-              </a:rPr>
-              <a:t>92</a:t>
-            </a:r>
-            <a:r>
-              <a:rPr lang="zh-TW" altLang="zh-TW" sz="1200" kern="1200" dirty="0" smtClean="0">
-                <a:solidFill>
-                  <a:schemeClr val="tx1"/>
-                </a:solidFill>
-                <a:effectLst/>
-                <a:latin typeface="+mn-lt"/>
-                <a:ea typeface="+mn-ea"/>
-                <a:cs typeface="+mn-cs"/>
-              </a:rPr>
-              <a:t>秒之間，</a:t>
-            </a:r>
-            <a:r>
-              <a:rPr lang="en-US" altLang="zh-TW" sz="1200" kern="1200" dirty="0" smtClean="0">
-                <a:solidFill>
-                  <a:schemeClr val="tx1"/>
-                </a:solidFill>
-                <a:effectLst/>
-                <a:latin typeface="+mn-lt"/>
-                <a:ea typeface="+mn-ea"/>
-                <a:cs typeface="+mn-cs"/>
-              </a:rPr>
-              <a:t>95%</a:t>
-            </a:r>
-            <a:r>
-              <a:rPr lang="zh-TW" altLang="zh-TW" sz="1200" kern="1200" dirty="0" smtClean="0">
-                <a:solidFill>
-                  <a:schemeClr val="tx1"/>
-                </a:solidFill>
-                <a:effectLst/>
-                <a:latin typeface="+mn-lt"/>
-                <a:ea typeface="+mn-ea"/>
-                <a:cs typeface="+mn-cs"/>
-              </a:rPr>
-              <a:t>的數據落在</a:t>
-            </a:r>
-            <a:r>
-              <a:rPr lang="en-US" altLang="zh-TW" sz="1200" kern="1200" dirty="0" smtClean="0">
-                <a:solidFill>
-                  <a:schemeClr val="tx1"/>
-                </a:solidFill>
-                <a:effectLst/>
-                <a:latin typeface="+mn-lt"/>
-                <a:ea typeface="+mn-ea"/>
-                <a:cs typeface="+mn-cs"/>
-              </a:rPr>
-              <a:t>84.14</a:t>
-            </a:r>
-            <a:r>
-              <a:rPr lang="zh-TW" altLang="zh-TW" sz="1200" kern="1200" dirty="0" smtClean="0">
-                <a:solidFill>
-                  <a:schemeClr val="tx1"/>
-                </a:solidFill>
-                <a:effectLst/>
-                <a:latin typeface="+mn-lt"/>
-                <a:ea typeface="+mn-ea"/>
-                <a:cs typeface="+mn-cs"/>
-              </a:rPr>
-              <a:t>秒到</a:t>
-            </a:r>
-            <a:r>
-              <a:rPr lang="en-US" altLang="zh-TW" sz="1200" kern="1200" dirty="0" smtClean="0">
-                <a:solidFill>
-                  <a:schemeClr val="tx1"/>
-                </a:solidFill>
-                <a:effectLst/>
-                <a:latin typeface="+mn-lt"/>
-                <a:ea typeface="+mn-ea"/>
-                <a:cs typeface="+mn-cs"/>
-              </a:rPr>
-              <a:t>94.63</a:t>
-            </a:r>
-            <a:r>
-              <a:rPr lang="zh-TW" altLang="zh-TW" sz="1200" kern="1200" dirty="0" smtClean="0">
-                <a:solidFill>
-                  <a:schemeClr val="tx1"/>
-                </a:solidFill>
-                <a:effectLst/>
-                <a:latin typeface="+mn-lt"/>
-                <a:ea typeface="+mn-ea"/>
-                <a:cs typeface="+mn-cs"/>
-              </a:rPr>
-              <a:t>秒之間，</a:t>
-            </a:r>
-            <a:r>
-              <a:rPr lang="en-US" altLang="zh-TW" sz="1200" kern="1200" dirty="0" smtClean="0">
-                <a:solidFill>
-                  <a:schemeClr val="tx1"/>
-                </a:solidFill>
-                <a:effectLst/>
-                <a:latin typeface="+mn-lt"/>
-                <a:ea typeface="+mn-ea"/>
-                <a:cs typeface="+mn-cs"/>
-              </a:rPr>
-              <a:t>99.7%</a:t>
-            </a:r>
-            <a:r>
-              <a:rPr lang="zh-TW" altLang="zh-TW" sz="1200" kern="1200" dirty="0" smtClean="0">
-                <a:solidFill>
-                  <a:schemeClr val="tx1"/>
-                </a:solidFill>
-                <a:effectLst/>
-                <a:latin typeface="+mn-lt"/>
-                <a:ea typeface="+mn-ea"/>
-                <a:cs typeface="+mn-cs"/>
-              </a:rPr>
-              <a:t>的數據落在</a:t>
-            </a:r>
-            <a:r>
-              <a:rPr lang="en-US" altLang="zh-TW" sz="1200" kern="1200" dirty="0" smtClean="0">
-                <a:solidFill>
-                  <a:schemeClr val="tx1"/>
-                </a:solidFill>
-                <a:effectLst/>
-                <a:latin typeface="+mn-lt"/>
-                <a:ea typeface="+mn-ea"/>
-                <a:cs typeface="+mn-cs"/>
-              </a:rPr>
-              <a:t>81.52</a:t>
-            </a:r>
-            <a:r>
-              <a:rPr lang="zh-TW" altLang="zh-TW" sz="1200" kern="1200" dirty="0" smtClean="0">
-                <a:solidFill>
-                  <a:schemeClr val="tx1"/>
-                </a:solidFill>
-                <a:effectLst/>
-                <a:latin typeface="+mn-lt"/>
-                <a:ea typeface="+mn-ea"/>
-                <a:cs typeface="+mn-cs"/>
-              </a:rPr>
-              <a:t>秒到</a:t>
-            </a:r>
-            <a:r>
-              <a:rPr lang="en-US" altLang="zh-TW" sz="1200" kern="1200" dirty="0" smtClean="0">
-                <a:solidFill>
-                  <a:schemeClr val="tx1"/>
-                </a:solidFill>
-                <a:effectLst/>
-                <a:latin typeface="+mn-lt"/>
-                <a:ea typeface="+mn-ea"/>
-                <a:cs typeface="+mn-cs"/>
-              </a:rPr>
-              <a:t>97.25</a:t>
-            </a:r>
-            <a:r>
-              <a:rPr lang="zh-TW" altLang="zh-TW" sz="1200" kern="1200" dirty="0" smtClean="0">
-                <a:solidFill>
-                  <a:schemeClr val="tx1"/>
-                </a:solidFill>
-                <a:effectLst/>
-                <a:latin typeface="+mn-lt"/>
-                <a:ea typeface="+mn-ea"/>
-                <a:cs typeface="+mn-cs"/>
-              </a:rPr>
-              <a:t>秒之間。</a:t>
-            </a:r>
-            <a:endParaRPr lang="zh-TW" altLang="en-US" dirty="0" smtClean="0"/>
-          </a:p>
-          <a:p>
-            <a:pPr marL="0" marR="0" lvl="0" indent="0" algn="l" defTabSz="914400" rtl="0" eaLnBrk="0" fontAlgn="base" latinLnBrk="0" hangingPunct="0">
-              <a:lnSpc>
-                <a:spcPct val="100000"/>
-              </a:lnSpc>
-              <a:spcBef>
-                <a:spcPct val="30000"/>
-              </a:spcBef>
-              <a:spcAft>
-                <a:spcPct val="0"/>
-              </a:spcAft>
-              <a:buClrTx/>
-              <a:buSzTx/>
-              <a:buFontTx/>
-              <a:buNone/>
-              <a:tabLst/>
-              <a:defRPr/>
-            </a:pPr>
-            <a:endParaRPr lang="en-US" altLang="zh-TW" sz="1200" kern="1200" dirty="0" smtClean="0">
-              <a:solidFill>
-                <a:schemeClr val="tx1"/>
-              </a:solidFill>
-              <a:effectLst/>
-              <a:latin typeface="+mn-lt"/>
-              <a:ea typeface="+mn-ea"/>
-              <a:cs typeface="+mn-cs"/>
-            </a:endParaRPr>
-          </a:p>
-          <a:p>
             <a:endParaRPr lang="zh-TW" altLang="en-US" dirty="0"/>
           </a:p>
         </p:txBody>
@@ -6670,7 +6666,7 @@
     </p:spTree>
     <p:extLst>
       <p:ext uri="{BB962C8B-B14F-4D97-AF65-F5344CB8AC3E}">
-        <p14:creationId xmlns:p14="http://schemas.microsoft.com/office/powerpoint/2010/main" val="2966162485"/>
+        <p14:creationId xmlns="" xmlns:p14="http://schemas.microsoft.com/office/powerpoint/2010/main" val="1578417206"/>
       </p:ext>
     </p:extLst>
   </p:cSld>
@@ -7340,328 +7336,7 @@
     </p:spTree>
     <p:extLst>
       <p:ext uri="{BB962C8B-B14F-4D97-AF65-F5344CB8AC3E}">
-        <p14:creationId xmlns:p14="http://schemas.microsoft.com/office/powerpoint/2010/main" val="1354265923"/>
-      </p:ext>
-    </p:extLst>
-  </p:cSld>
-  <p:clrMapOvr>
-    <a:masterClrMapping/>
-  </p:clrMapOvr>
-</p:notes>
-</file>
-
-<file path=ppt/notesSlides/notesSlide33.xml><?xml version="1.0" encoding="utf-8"?>
-<p:notes xmlns:a="http://schemas.openxmlformats.org/drawingml/2006/main" xmlns:r="http://schemas.openxmlformats.org/officeDocument/2006/relationships" xmlns:p="http://schemas.openxmlformats.org/presentationml/2006/main">
-  <p:cSld>
-    <p:spTree>
-      <p:nvGrpSpPr>
-        <p:cNvPr id="1" name=""/>
-        <p:cNvGrpSpPr/>
-        <p:nvPr/>
-      </p:nvGrpSpPr>
-      <p:grpSpPr>
-        <a:xfrm>
-          <a:off x="0" y="0"/>
-          <a:ext cx="0" cy="0"/>
-          <a:chOff x="0" y="0"/>
-          <a:chExt cx="0" cy="0"/>
-        </a:xfrm>
-      </p:grpSpPr>
-      <p:sp>
-        <p:nvSpPr>
-          <p:cNvPr id="2" name="投影片圖像版面配置區 1"/>
-          <p:cNvSpPr>
-            <a:spLocks noGrp="1" noRot="1" noChangeAspect="1"/>
-          </p:cNvSpPr>
-          <p:nvPr>
-            <p:ph type="sldImg"/>
-          </p:nvPr>
-        </p:nvSpPr>
-        <p:spPr/>
-      </p:sp>
-      <p:sp>
-        <p:nvSpPr>
-          <p:cNvPr id="3" name="備忘稿版面配置區 2"/>
-          <p:cNvSpPr>
-            <a:spLocks noGrp="1"/>
-          </p:cNvSpPr>
-          <p:nvPr>
-            <p:ph type="body" idx="1"/>
-          </p:nvPr>
-        </p:nvSpPr>
-        <p:spPr/>
-        <p:txBody>
-          <a:bodyPr/>
-          <a:lstStyle/>
-          <a:p>
-            <a:r>
-              <a:rPr lang="zh-TW" altLang="en-US" dirty="0" smtClean="0"/>
-              <a:t>自動化表示</a:t>
-            </a:r>
-            <a:r>
-              <a:rPr lang="zh-TW" altLang="en-US" sz="1200" b="0" i="0" kern="1200" dirty="0" smtClean="0">
-                <a:solidFill>
-                  <a:schemeClr val="tx1"/>
-                </a:solidFill>
-                <a:effectLst/>
-                <a:latin typeface="+mn-lt"/>
-                <a:ea typeface="+mn-ea"/>
-                <a:cs typeface="+mn-cs"/>
-              </a:rPr>
-              <a:t>需求丟給開發人員開發完後，有了自動化測試，很快就會滑到準備上線；有了自動化佈暑，一不小心就滑到上線了。</a:t>
-            </a:r>
-            <a:endParaRPr lang="en-US" altLang="zh-TW" sz="1200" b="0" i="0" kern="1200" dirty="0" smtClean="0">
-              <a:solidFill>
-                <a:schemeClr val="tx1"/>
-              </a:solidFill>
-              <a:effectLst/>
-              <a:latin typeface="+mn-lt"/>
-              <a:ea typeface="+mn-ea"/>
-              <a:cs typeface="+mn-cs"/>
-            </a:endParaRPr>
-          </a:p>
-          <a:p>
-            <a:r>
-              <a:rPr lang="zh-TW" altLang="en-US" sz="1200" b="1" i="0" kern="1200" dirty="0" smtClean="0">
-                <a:solidFill>
-                  <a:schemeClr val="tx1"/>
-                </a:solidFill>
-                <a:effectLst/>
-                <a:latin typeface="+mn-lt"/>
-                <a:ea typeface="+mn-ea"/>
-                <a:cs typeface="+mn-cs"/>
-              </a:rPr>
-              <a:t>測量</a:t>
-            </a:r>
-            <a:r>
-              <a:rPr lang="zh-TW" altLang="en-US" sz="1200" b="0" i="0" kern="1200" dirty="0" smtClean="0">
-                <a:solidFill>
-                  <a:schemeClr val="tx1"/>
-                </a:solidFill>
-                <a:effectLst/>
-                <a:latin typeface="+mn-lt"/>
-                <a:ea typeface="+mn-ea"/>
-                <a:cs typeface="+mn-cs"/>
-              </a:rPr>
-              <a:t>出來的數據也能分享給團隊所有人，讓開發人員與測試人員，甚至是業務人員都能根據數據做出最好的決策</a:t>
-            </a:r>
-            <a:endParaRPr lang="zh-TW" altLang="en-US" dirty="0"/>
-          </a:p>
-        </p:txBody>
-      </p:sp>
-      <p:sp>
-        <p:nvSpPr>
-          <p:cNvPr id="4" name="投影片編號版面配置區 3"/>
-          <p:cNvSpPr>
-            <a:spLocks noGrp="1"/>
-          </p:cNvSpPr>
-          <p:nvPr>
-            <p:ph type="sldNum" sz="quarter" idx="10"/>
-          </p:nvPr>
-        </p:nvSpPr>
-        <p:spPr/>
-        <p:txBody>
-          <a:bodyPr/>
-          <a:lstStyle/>
-          <a:p>
-            <a:pPr>
-              <a:defRPr/>
-            </a:pPr>
-            <a:fld id="{6F308B74-7694-4F8D-8B02-081695F7FEB9}" type="slidenum">
-              <a:rPr lang="zh-TW" altLang="en-US" smtClean="0"/>
-              <a:pPr>
-                <a:defRPr/>
-              </a:pPr>
-              <a:t>46</a:t>
-            </a:fld>
-            <a:endParaRPr lang="zh-TW" altLang="en-US"/>
-          </a:p>
-        </p:txBody>
-      </p:sp>
-    </p:spTree>
-    <p:extLst>
-      <p:ext uri="{BB962C8B-B14F-4D97-AF65-F5344CB8AC3E}">
-        <p14:creationId xmlns:p14="http://schemas.microsoft.com/office/powerpoint/2010/main" val="271818032"/>
-      </p:ext>
-    </p:extLst>
-  </p:cSld>
-  <p:clrMapOvr>
-    <a:masterClrMapping/>
-  </p:clrMapOvr>
-</p:notes>
-</file>
-
-<file path=ppt/notesSlides/notesSlide34.xml><?xml version="1.0" encoding="utf-8"?>
-<p:notes xmlns:a="http://schemas.openxmlformats.org/drawingml/2006/main" xmlns:r="http://schemas.openxmlformats.org/officeDocument/2006/relationships" xmlns:p="http://schemas.openxmlformats.org/presentationml/2006/main">
-  <p:cSld>
-    <p:spTree>
-      <p:nvGrpSpPr>
-        <p:cNvPr id="1" name=""/>
-        <p:cNvGrpSpPr/>
-        <p:nvPr/>
-      </p:nvGrpSpPr>
-      <p:grpSpPr>
-        <a:xfrm>
-          <a:off x="0" y="0"/>
-          <a:ext cx="0" cy="0"/>
-          <a:chOff x="0" y="0"/>
-          <a:chExt cx="0" cy="0"/>
-        </a:xfrm>
-      </p:grpSpPr>
-      <p:sp>
-        <p:nvSpPr>
-          <p:cNvPr id="2" name="投影片圖像版面配置區 1"/>
-          <p:cNvSpPr>
-            <a:spLocks noGrp="1" noRot="1" noChangeAspect="1"/>
-          </p:cNvSpPr>
-          <p:nvPr>
-            <p:ph type="sldImg"/>
-          </p:nvPr>
-        </p:nvSpPr>
-        <p:spPr/>
-      </p:sp>
-      <p:sp>
-        <p:nvSpPr>
-          <p:cNvPr id="3" name="備忘稿版面配置區 2"/>
-          <p:cNvSpPr>
-            <a:spLocks noGrp="1"/>
-          </p:cNvSpPr>
-          <p:nvPr>
-            <p:ph type="body" idx="1"/>
-          </p:nvPr>
-        </p:nvSpPr>
-        <p:spPr/>
-        <p:txBody>
-          <a:bodyPr/>
-          <a:lstStyle/>
-          <a:p>
-            <a:r>
-              <a:rPr lang="zh-TW" altLang="en-US" dirty="0" smtClean="0"/>
-              <a:t>映像</a:t>
-            </a:r>
-            <a:r>
-              <a:rPr lang="en-US" altLang="zh-TW" dirty="0" smtClean="0"/>
-              <a:t>(Image)</a:t>
-            </a:r>
-            <a:r>
-              <a:rPr lang="zh-TW" altLang="en-US" dirty="0" smtClean="0"/>
-              <a:t>是唯讀的不可修改，一個</a:t>
-            </a:r>
-            <a:r>
-              <a:rPr lang="en-US" altLang="zh-TW" dirty="0" smtClean="0"/>
-              <a:t>Image</a:t>
-            </a:r>
-            <a:r>
-              <a:rPr lang="zh-TW" altLang="en-US" dirty="0" smtClean="0"/>
-              <a:t>可以產生出多個不同的容器</a:t>
-            </a:r>
-            <a:r>
-              <a:rPr lang="en-US" altLang="zh-TW" dirty="0" smtClean="0"/>
-              <a:t>(Container)</a:t>
-            </a:r>
-            <a:r>
-              <a:rPr lang="zh-TW" altLang="en-US" dirty="0" smtClean="0"/>
-              <a:t>。</a:t>
-            </a:r>
-            <a:endParaRPr lang="en-US" altLang="zh-TW" dirty="0" smtClean="0"/>
-          </a:p>
-          <a:p>
-            <a:r>
-              <a:rPr lang="zh-TW" altLang="en-US" dirty="0" smtClean="0"/>
-              <a:t>容器是映像的可寫層。</a:t>
-            </a:r>
-            <a:endParaRPr lang="en-US" altLang="zh-TW" dirty="0" smtClean="0"/>
-          </a:p>
-          <a:p>
-            <a:r>
-              <a:rPr lang="zh-TW" altLang="en-US" dirty="0" smtClean="0"/>
-              <a:t>貢獻 </a:t>
-            </a:r>
-            <a:r>
-              <a:rPr lang="en-US" altLang="zh-TW" dirty="0" smtClean="0"/>
-              <a:t>:</a:t>
-            </a:r>
-            <a:r>
-              <a:rPr lang="zh-TW" altLang="en-US" dirty="0" smtClean="0"/>
-              <a:t> 讓</a:t>
-            </a:r>
-            <a:r>
-              <a:rPr lang="en-US" altLang="zh-TW" dirty="0" err="1" smtClean="0"/>
-              <a:t>jenkins</a:t>
-            </a:r>
-            <a:r>
-              <a:rPr lang="zh-TW" altLang="en-US" dirty="0" smtClean="0"/>
-              <a:t>自動跑</a:t>
-            </a:r>
-            <a:r>
-              <a:rPr lang="en-US" altLang="zh-TW" dirty="0" smtClean="0"/>
-              <a:t>Unit Test</a:t>
-            </a:r>
-            <a:r>
-              <a:rPr lang="zh-TW" altLang="en-US" dirty="0" smtClean="0"/>
-              <a:t>，使用</a:t>
-            </a:r>
-            <a:r>
-              <a:rPr lang="en-US" altLang="zh-TW" dirty="0" smtClean="0"/>
-              <a:t>Docker</a:t>
-            </a:r>
-            <a:r>
-              <a:rPr lang="zh-TW" altLang="en-US" dirty="0" smtClean="0"/>
-              <a:t>指定要部署的</a:t>
-            </a:r>
-            <a:r>
-              <a:rPr lang="en-US" altLang="zh-TW" dirty="0" smtClean="0"/>
-              <a:t>port</a:t>
-            </a:r>
-            <a:r>
-              <a:rPr lang="zh-TW" altLang="en-US" dirty="0" smtClean="0"/>
-              <a:t>號，寫驗收測試確認服務已和</a:t>
-            </a:r>
-            <a:r>
-              <a:rPr lang="en-US" altLang="zh-TW" dirty="0" err="1" smtClean="0"/>
-              <a:t>ezScrum</a:t>
-            </a:r>
-            <a:r>
-              <a:rPr lang="zh-TW" altLang="en-US" dirty="0" smtClean="0"/>
-              <a:t>連上線。</a:t>
-            </a:r>
-            <a:endParaRPr lang="zh-TW" altLang="en-US" dirty="0"/>
-          </a:p>
-        </p:txBody>
-      </p:sp>
-      <p:sp>
-        <p:nvSpPr>
-          <p:cNvPr id="4" name="投影片編號版面配置區 3"/>
-          <p:cNvSpPr>
-            <a:spLocks noGrp="1"/>
-          </p:cNvSpPr>
-          <p:nvPr>
-            <p:ph type="sldNum" sz="quarter" idx="10"/>
-          </p:nvPr>
-        </p:nvSpPr>
-        <p:spPr/>
-        <p:txBody>
-          <a:bodyPr/>
-          <a:lstStyle/>
-          <a:p>
-            <a:pPr>
-              <a:defRPr/>
-            </a:pPr>
-            <a:fld id="{6F308B74-7694-4F8D-8B02-081695F7FEB9}" type="slidenum">
-              <a:rPr lang="zh-TW" altLang="en-US" smtClean="0"/>
-              <a:pPr>
-                <a:defRPr/>
-              </a:pPr>
-              <a:t>48</a:t>
-            </a:fld>
-            <a:endParaRPr lang="zh-TW" altLang="en-US"/>
-          </a:p>
-        </p:txBody>
-      </p:sp>
-    </p:spTree>
-    <p:extLst>
-      <p:ext uri="{BB962C8B-B14F-4D97-AF65-F5344CB8AC3E}">
-        <p14:creationId xmlns:p14="http://schemas.microsoft.com/office/powerpoint/2010/main" val="4015106971"/>
+        <p14:creationId xmlns="" xmlns:p14="http://schemas.microsoft.com/office/powerpoint/2010/main" val="1354265923"/>
       </p:ext>
     </p:extLst>
   </p:cSld>
@@ -7924,7 +7599,7 @@
     </p:spTree>
     <p:extLst>
       <p:ext uri="{BB962C8B-B14F-4D97-AF65-F5344CB8AC3E}">
-        <p14:creationId xmlns:p14="http://schemas.microsoft.com/office/powerpoint/2010/main" val="1192674841"/>
+        <p14:creationId xmlns="" xmlns:p14="http://schemas.microsoft.com/office/powerpoint/2010/main" val="1192674841"/>
       </p:ext>
     </p:extLst>
   </p:cSld>
@@ -8014,7 +7689,7 @@
     </p:spTree>
     <p:extLst>
       <p:ext uri="{BB962C8B-B14F-4D97-AF65-F5344CB8AC3E}">
-        <p14:creationId xmlns:p14="http://schemas.microsoft.com/office/powerpoint/2010/main" val="51931275"/>
+        <p14:creationId xmlns="" xmlns:p14="http://schemas.microsoft.com/office/powerpoint/2010/main" val="51931275"/>
       </p:ext>
     </p:extLst>
   </p:cSld>
@@ -8104,7 +7779,7 @@
     </p:spTree>
     <p:extLst>
       <p:ext uri="{BB962C8B-B14F-4D97-AF65-F5344CB8AC3E}">
-        <p14:creationId xmlns:p14="http://schemas.microsoft.com/office/powerpoint/2010/main" val="3935532458"/>
+        <p14:creationId xmlns="" xmlns:p14="http://schemas.microsoft.com/office/powerpoint/2010/main" val="3935532458"/>
       </p:ext>
     </p:extLst>
   </p:cSld>
@@ -8218,7 +7893,7 @@
     </p:spTree>
     <p:extLst>
       <p:ext uri="{BB962C8B-B14F-4D97-AF65-F5344CB8AC3E}">
-        <p14:creationId xmlns:p14="http://schemas.microsoft.com/office/powerpoint/2010/main" val="3185385322"/>
+        <p14:creationId xmlns="" xmlns:p14="http://schemas.microsoft.com/office/powerpoint/2010/main" val="3185385322"/>
       </p:ext>
     </p:extLst>
   </p:cSld>
@@ -8312,7 +7987,7 @@
     </p:spTree>
     <p:extLst>
       <p:ext uri="{BB962C8B-B14F-4D97-AF65-F5344CB8AC3E}">
-        <p14:creationId xmlns:p14="http://schemas.microsoft.com/office/powerpoint/2010/main" val="934674468"/>
+        <p14:creationId xmlns="" xmlns:p14="http://schemas.microsoft.com/office/powerpoint/2010/main" val="934674468"/>
       </p:ext>
     </p:extLst>
   </p:cSld>
@@ -8630,7 +8305,7 @@
     </p:spTree>
     <p:extLst>
       <p:ext uri="{BB962C8B-B14F-4D97-AF65-F5344CB8AC3E}">
-        <p14:creationId xmlns:p14="http://schemas.microsoft.com/office/powerpoint/2010/main" val="1985488740"/>
+        <p14:creationId xmlns="" xmlns:p14="http://schemas.microsoft.com/office/powerpoint/2010/main" val="1985488740"/>
       </p:ext>
     </p:extLst>
   </p:cSld>
@@ -8866,7 +8541,7 @@
               <a:pPr>
                 <a:defRPr/>
               </a:pPr>
-              <a:t>2018/1/5</a:t>
+              <a:t>2018/1/7</a:t>
             </a:fld>
             <a:endParaRPr lang="zh-TW" altLang="en-US"/>
           </a:p>
@@ -9061,7 +8736,7 @@
               <a:pPr>
                 <a:defRPr/>
               </a:pPr>
-              <a:t>2018/1/5</a:t>
+              <a:t>2018/1/7</a:t>
             </a:fld>
             <a:endParaRPr lang="zh-TW" altLang="en-US"/>
           </a:p>
@@ -9266,7 +8941,7 @@
               <a:pPr>
                 <a:defRPr/>
               </a:pPr>
-              <a:t>2018/1/5</a:t>
+              <a:t>2018/1/7</a:t>
             </a:fld>
             <a:endParaRPr lang="zh-TW" altLang="en-US"/>
           </a:p>
@@ -9443,7 +9118,7 @@
               <a:pPr>
                 <a:defRPr/>
               </a:pPr>
-              <a:t>2018/1/5</a:t>
+              <a:t>2018/1/7</a:t>
             </a:fld>
             <a:endParaRPr lang="zh-TW" altLang="en-US"/>
           </a:p>
@@ -9692,7 +9367,7 @@
               <a:pPr>
                 <a:defRPr/>
               </a:pPr>
-              <a:t>2018/1/5</a:t>
+              <a:t>2018/1/7</a:t>
             </a:fld>
             <a:endParaRPr lang="zh-TW" altLang="en-US"/>
           </a:p>
@@ -9963,7 +9638,7 @@
               <a:pPr>
                 <a:defRPr/>
               </a:pPr>
-              <a:t>2018/1/5</a:t>
+              <a:t>2018/1/7</a:t>
             </a:fld>
             <a:endParaRPr lang="zh-TW" altLang="en-US"/>
           </a:p>
@@ -10276,7 +9951,7 @@
               <a:pPr>
                 <a:defRPr/>
               </a:pPr>
-              <a:t>2018/1/5</a:t>
+              <a:t>2018/1/7</a:t>
             </a:fld>
             <a:endParaRPr lang="zh-TW" altLang="en-US"/>
           </a:p>
@@ -10723,7 +10398,7 @@
               <a:pPr>
                 <a:defRPr/>
               </a:pPr>
-              <a:t>2018/1/5</a:t>
+              <a:t>2018/1/7</a:t>
             </a:fld>
             <a:endParaRPr lang="zh-TW" altLang="en-US"/>
           </a:p>
@@ -10866,7 +10541,7 @@
               <a:pPr>
                 <a:defRPr/>
               </a:pPr>
-              <a:t>2018/1/5</a:t>
+              <a:t>2018/1/7</a:t>
             </a:fld>
             <a:endParaRPr lang="zh-TW" altLang="en-US"/>
           </a:p>
@@ -10986,7 +10661,7 @@
               <a:pPr>
                 <a:defRPr/>
               </a:pPr>
-              <a:t>2018/1/5</a:t>
+              <a:t>2018/1/7</a:t>
             </a:fld>
             <a:endParaRPr lang="zh-TW" altLang="en-US"/>
           </a:p>
@@ -11288,7 +10963,7 @@
               <a:pPr>
                 <a:defRPr/>
               </a:pPr>
-              <a:t>2018/1/5</a:t>
+              <a:t>2018/1/7</a:t>
             </a:fld>
             <a:endParaRPr lang="zh-TW" altLang="en-US"/>
           </a:p>
@@ -11573,7 +11248,7 @@
               <a:pPr>
                 <a:defRPr/>
               </a:pPr>
-              <a:t>2018/1/5</a:t>
+              <a:t>2018/1/7</a:t>
             </a:fld>
             <a:endParaRPr lang="zh-TW" altLang="en-US"/>
           </a:p>
@@ -11839,7 +11514,7 @@
               <a:pPr>
                 <a:defRPr/>
               </a:pPr>
-              <a:t>2018/1/5</a:t>
+              <a:t>2018/1/7</a:t>
             </a:fld>
             <a:endParaRPr lang="zh-TW" altLang="en-US"/>
           </a:p>
@@ -12970,7 +12645,7 @@
     </p:spTree>
     <p:extLst>
       <p:ext uri="{BB962C8B-B14F-4D97-AF65-F5344CB8AC3E}">
-        <p14:creationId xmlns:p14="http://schemas.microsoft.com/office/powerpoint/2010/main" val="2170350452"/>
+        <p14:creationId xmlns="" xmlns:p14="http://schemas.microsoft.com/office/powerpoint/2010/main" val="2170350452"/>
       </p:ext>
     </p:extLst>
   </p:cSld>
@@ -13208,7 +12883,7 @@
     </p:spTree>
     <p:extLst>
       <p:ext uri="{BB962C8B-B14F-4D97-AF65-F5344CB8AC3E}">
-        <p14:creationId xmlns:p14="http://schemas.microsoft.com/office/powerpoint/2010/main" val="3444823952"/>
+        <p14:creationId xmlns="" xmlns:p14="http://schemas.microsoft.com/office/powerpoint/2010/main" val="3444823952"/>
       </p:ext>
     </p:extLst>
   </p:cSld>
@@ -13357,7 +13032,7 @@
           <p:nvPr/>
         </p:nvPicPr>
         <p:blipFill>
-          <a:blip r:embed="rId3"/>
+          <a:blip r:embed="rId3" cstate="print"/>
           <a:stretch>
             <a:fillRect/>
           </a:stretch>
@@ -13375,7 +13050,7 @@
     </p:spTree>
     <p:extLst>
       <p:ext uri="{BB962C8B-B14F-4D97-AF65-F5344CB8AC3E}">
-        <p14:creationId xmlns:p14="http://schemas.microsoft.com/office/powerpoint/2010/main" val="2204037131"/>
+        <p14:creationId xmlns="" xmlns:p14="http://schemas.microsoft.com/office/powerpoint/2010/main" val="2204037131"/>
       </p:ext>
     </p:extLst>
   </p:cSld>
@@ -13447,7 +13122,7 @@
           <p:nvPr/>
         </p:nvPicPr>
         <p:blipFill>
-          <a:blip r:embed="rId3"/>
+          <a:blip r:embed="rId3" cstate="print"/>
           <a:stretch>
             <a:fillRect/>
           </a:stretch>
@@ -13465,7 +13140,7 @@
     </p:spTree>
     <p:extLst>
       <p:ext uri="{BB962C8B-B14F-4D97-AF65-F5344CB8AC3E}">
-        <p14:creationId xmlns:p14="http://schemas.microsoft.com/office/powerpoint/2010/main" val="4212929102"/>
+        <p14:creationId xmlns="" xmlns:p14="http://schemas.microsoft.com/office/powerpoint/2010/main" val="4212929102"/>
       </p:ext>
     </p:extLst>
   </p:cSld>
@@ -13626,7 +13301,7 @@
           <p:nvPr/>
         </p:nvPicPr>
         <p:blipFill>
-          <a:blip r:embed="rId4"/>
+          <a:blip r:embed="rId4" cstate="print"/>
           <a:stretch>
             <a:fillRect/>
           </a:stretch>
@@ -13644,7 +13319,7 @@
     </p:spTree>
     <p:extLst>
       <p:ext uri="{BB962C8B-B14F-4D97-AF65-F5344CB8AC3E}">
-        <p14:creationId xmlns:p14="http://schemas.microsoft.com/office/powerpoint/2010/main" val="3312868546"/>
+        <p14:creationId xmlns="" xmlns:p14="http://schemas.microsoft.com/office/powerpoint/2010/main" val="3312868546"/>
       </p:ext>
     </p:extLst>
   </p:cSld>
@@ -13792,7 +13467,7 @@
           <p:nvPr/>
         </p:nvPicPr>
         <p:blipFill>
-          <a:blip r:embed="rId3"/>
+          <a:blip r:embed="rId3" cstate="print"/>
           <a:stretch>
             <a:fillRect/>
           </a:stretch>
@@ -13810,7 +13485,7 @@
     </p:spTree>
     <p:extLst>
       <p:ext uri="{BB962C8B-B14F-4D97-AF65-F5344CB8AC3E}">
-        <p14:creationId xmlns:p14="http://schemas.microsoft.com/office/powerpoint/2010/main" val="1411047929"/>
+        <p14:creationId xmlns="" xmlns:p14="http://schemas.microsoft.com/office/powerpoint/2010/main" val="1411047929"/>
       </p:ext>
     </p:extLst>
   </p:cSld>
@@ -13939,7 +13614,7 @@
           <p:nvPr/>
         </p:nvPicPr>
         <p:blipFill>
-          <a:blip r:embed="rId3"/>
+          <a:blip r:embed="rId3" cstate="print"/>
           <a:stretch>
             <a:fillRect/>
           </a:stretch>
@@ -13957,7 +13632,7 @@
     </p:spTree>
     <p:extLst>
       <p:ext uri="{BB962C8B-B14F-4D97-AF65-F5344CB8AC3E}">
-        <p14:creationId xmlns:p14="http://schemas.microsoft.com/office/powerpoint/2010/main" val="2121799242"/>
+        <p14:creationId xmlns="" xmlns:p14="http://schemas.microsoft.com/office/powerpoint/2010/main" val="2121799242"/>
       </p:ext>
     </p:extLst>
   </p:cSld>
@@ -14086,7 +13761,7 @@
           <p:nvPr/>
         </p:nvPicPr>
         <p:blipFill>
-          <a:blip r:embed="rId3"/>
+          <a:blip r:embed="rId3" cstate="print"/>
           <a:stretch>
             <a:fillRect/>
           </a:stretch>
@@ -14104,7 +13779,7 @@
     </p:spTree>
     <p:extLst>
       <p:ext uri="{BB962C8B-B14F-4D97-AF65-F5344CB8AC3E}">
-        <p14:creationId xmlns:p14="http://schemas.microsoft.com/office/powerpoint/2010/main" val="453938033"/>
+        <p14:creationId xmlns="" xmlns:p14="http://schemas.microsoft.com/office/powerpoint/2010/main" val="453938033"/>
       </p:ext>
     </p:extLst>
   </p:cSld>
@@ -14352,10 +14027,10 @@
           <p:nvPr/>
         </p:nvPicPr>
         <p:blipFill>
-          <a:blip r:embed="rId3">
+          <a:blip r:embed="rId3" cstate="print">
             <a:extLst>
               <a:ext uri="{28A0092B-C50C-407E-A947-70E740481C1C}">
-                <a14:useLocalDpi xmlns:a14="http://schemas.microsoft.com/office/drawing/2010/main" val="0"/>
+                <a14:useLocalDpi xmlns="" xmlns:a14="http://schemas.microsoft.com/office/drawing/2010/main" val="0"/>
               </a:ext>
             </a:extLst>
           </a:blip>
@@ -14376,7 +14051,7 @@
     </p:spTree>
     <p:extLst>
       <p:ext uri="{BB962C8B-B14F-4D97-AF65-F5344CB8AC3E}">
-        <p14:creationId xmlns:p14="http://schemas.microsoft.com/office/powerpoint/2010/main" val="3347037556"/>
+        <p14:creationId xmlns="" xmlns:p14="http://schemas.microsoft.com/office/powerpoint/2010/main" val="3347037556"/>
       </p:ext>
     </p:extLst>
   </p:cSld>
@@ -14427,11 +14102,7 @@
           <a:p>
             <a:r>
               <a:rPr lang="zh-TW" altLang="en-US" dirty="0" smtClean="0"/>
-              <a:t>自動</a:t>
-            </a:r>
-            <a:r>
-              <a:rPr lang="zh-TW" altLang="en-US" dirty="0" smtClean="0"/>
-              <a:t>化</a:t>
+              <a:t>自動化</a:t>
             </a:r>
             <a:r>
               <a:rPr lang="zh-TW" altLang="en-US" dirty="0"/>
@@ -14533,10 +14204,10 @@
           <p:nvPr/>
         </p:nvPicPr>
         <p:blipFill>
-          <a:blip r:embed="rId3">
+          <a:blip r:embed="rId3" cstate="print">
             <a:extLst>
               <a:ext uri="{28A0092B-C50C-407E-A947-70E740481C1C}">
-                <a14:useLocalDpi xmlns:a14="http://schemas.microsoft.com/office/drawing/2010/main" val="0"/>
+                <a14:useLocalDpi xmlns="" xmlns:a14="http://schemas.microsoft.com/office/drawing/2010/main" val="0"/>
               </a:ext>
             </a:extLst>
           </a:blip>
@@ -14557,7 +14228,7 @@
     </p:spTree>
     <p:extLst>
       <p:ext uri="{BB962C8B-B14F-4D97-AF65-F5344CB8AC3E}">
-        <p14:creationId xmlns:p14="http://schemas.microsoft.com/office/powerpoint/2010/main" val="375929212"/>
+        <p14:creationId xmlns="" xmlns:p14="http://schemas.microsoft.com/office/powerpoint/2010/main" val="375929212"/>
       </p:ext>
     </p:extLst>
   </p:cSld>
@@ -14772,7 +14443,7 @@
     </p:spTree>
     <p:extLst>
       <p:ext uri="{BB962C8B-B14F-4D97-AF65-F5344CB8AC3E}">
-        <p14:creationId xmlns:p14="http://schemas.microsoft.com/office/powerpoint/2010/main" val="4211622135"/>
+        <p14:creationId xmlns="" xmlns:p14="http://schemas.microsoft.com/office/powerpoint/2010/main" val="4211622135"/>
       </p:ext>
     </p:extLst>
   </p:cSld>
@@ -14893,10 +14564,10 @@
           <p:nvPr/>
         </p:nvPicPr>
         <p:blipFill>
-          <a:blip r:embed="rId3">
+          <a:blip r:embed="rId3" cstate="print">
             <a:extLst>
               <a:ext uri="{28A0092B-C50C-407E-A947-70E740481C1C}">
-                <a14:useLocalDpi xmlns:a14="http://schemas.microsoft.com/office/drawing/2010/main" val="0"/>
+                <a14:useLocalDpi xmlns="" xmlns:a14="http://schemas.microsoft.com/office/drawing/2010/main" val="0"/>
               </a:ext>
             </a:extLst>
           </a:blip>
@@ -14919,14 +14590,14 @@
           </a:ln>
           <a:extLst>
             <a:ext uri="{909E8E84-426E-40DD-AFC4-6F175D3DCCD1}">
-              <a14:hiddenFill xmlns:a14="http://schemas.microsoft.com/office/drawing/2010/main">
+              <a14:hiddenFill xmlns="" xmlns:a14="http://schemas.microsoft.com/office/drawing/2010/main">
                 <a:solidFill>
                   <a:srgbClr val="FFFFFF"/>
                 </a:solidFill>
               </a14:hiddenFill>
             </a:ext>
             <a:ext uri="{91240B29-F687-4F45-9708-019B960494DF}">
-              <a14:hiddenLine xmlns:a14="http://schemas.microsoft.com/office/drawing/2010/main" w="9525">
+              <a14:hiddenLine xmlns="" xmlns:a14="http://schemas.microsoft.com/office/drawing/2010/main" w="9525">
                 <a:solidFill>
                   <a:srgbClr val="000000"/>
                 </a:solidFill>
@@ -14941,7 +14612,7 @@
     </p:spTree>
     <p:extLst>
       <p:ext uri="{BB962C8B-B14F-4D97-AF65-F5344CB8AC3E}">
-        <p14:creationId xmlns:p14="http://schemas.microsoft.com/office/powerpoint/2010/main" val="3039460572"/>
+        <p14:creationId xmlns="" xmlns:p14="http://schemas.microsoft.com/office/powerpoint/2010/main" val="3039460572"/>
       </p:ext>
     </p:extLst>
   </p:cSld>
@@ -15086,10 +14757,10 @@
           <p:nvPr/>
         </p:nvPicPr>
         <p:blipFill>
-          <a:blip r:embed="rId3">
+          <a:blip r:embed="rId3" cstate="print">
             <a:extLst>
               <a:ext uri="{28A0092B-C50C-407E-A947-70E740481C1C}">
-                <a14:useLocalDpi xmlns:a14="http://schemas.microsoft.com/office/drawing/2010/main" val="0"/>
+                <a14:useLocalDpi xmlns="" xmlns:a14="http://schemas.microsoft.com/office/drawing/2010/main" val="0"/>
               </a:ext>
             </a:extLst>
           </a:blip>
@@ -15112,14 +14783,14 @@
           </a:ln>
           <a:extLst>
             <a:ext uri="{909E8E84-426E-40DD-AFC4-6F175D3DCCD1}">
-              <a14:hiddenFill xmlns:a14="http://schemas.microsoft.com/office/drawing/2010/main">
+              <a14:hiddenFill xmlns="" xmlns:a14="http://schemas.microsoft.com/office/drawing/2010/main">
                 <a:solidFill>
                   <a:srgbClr val="FFFFFF"/>
                 </a:solidFill>
               </a14:hiddenFill>
             </a:ext>
             <a:ext uri="{91240B29-F687-4F45-9708-019B960494DF}">
-              <a14:hiddenLine xmlns:a14="http://schemas.microsoft.com/office/drawing/2010/main" w="9525">
+              <a14:hiddenLine xmlns="" xmlns:a14="http://schemas.microsoft.com/office/drawing/2010/main" w="9525">
                 <a:solidFill>
                   <a:srgbClr val="000000"/>
                 </a:solidFill>
@@ -15134,7 +14805,7 @@
     </p:spTree>
     <p:extLst>
       <p:ext uri="{BB962C8B-B14F-4D97-AF65-F5344CB8AC3E}">
-        <p14:creationId xmlns:p14="http://schemas.microsoft.com/office/powerpoint/2010/main" val="2635648372"/>
+        <p14:creationId xmlns="" xmlns:p14="http://schemas.microsoft.com/office/powerpoint/2010/main" val="2635648372"/>
       </p:ext>
     </p:extLst>
   </p:cSld>
@@ -15267,10 +14938,10 @@
           <p:nvPr/>
         </p:nvPicPr>
         <p:blipFill>
-          <a:blip r:embed="rId2">
+          <a:blip r:embed="rId2" cstate="print">
             <a:extLst>
               <a:ext uri="{28A0092B-C50C-407E-A947-70E740481C1C}">
-                <a14:useLocalDpi xmlns:a14="http://schemas.microsoft.com/office/drawing/2010/main" val="0"/>
+                <a14:useLocalDpi xmlns="" xmlns:a14="http://schemas.microsoft.com/office/drawing/2010/main" val="0"/>
               </a:ext>
             </a:extLst>
           </a:blip>
@@ -15293,14 +14964,14 @@
           </a:ln>
           <a:extLst>
             <a:ext uri="{909E8E84-426E-40DD-AFC4-6F175D3DCCD1}">
-              <a14:hiddenFill xmlns:a14="http://schemas.microsoft.com/office/drawing/2010/main">
+              <a14:hiddenFill xmlns="" xmlns:a14="http://schemas.microsoft.com/office/drawing/2010/main">
                 <a:solidFill>
                   <a:srgbClr val="FFFFFF"/>
                 </a:solidFill>
               </a14:hiddenFill>
             </a:ext>
             <a:ext uri="{91240B29-F687-4F45-9708-019B960494DF}">
-              <a14:hiddenLine xmlns:a14="http://schemas.microsoft.com/office/drawing/2010/main" w="9525">
+              <a14:hiddenLine xmlns="" xmlns:a14="http://schemas.microsoft.com/office/drawing/2010/main" w="9525">
                 <a:solidFill>
                   <a:srgbClr val="000000"/>
                 </a:solidFill>
@@ -15315,7 +14986,7 @@
     </p:spTree>
     <p:extLst>
       <p:ext uri="{BB962C8B-B14F-4D97-AF65-F5344CB8AC3E}">
-        <p14:creationId xmlns:p14="http://schemas.microsoft.com/office/powerpoint/2010/main" val="3185787748"/>
+        <p14:creationId xmlns="" xmlns:p14="http://schemas.microsoft.com/office/powerpoint/2010/main" val="3185787748"/>
       </p:ext>
     </p:extLst>
   </p:cSld>
@@ -15440,10 +15111,10 @@
           <p:nvPr/>
         </p:nvPicPr>
         <p:blipFill>
-          <a:blip r:embed="rId3">
+          <a:blip r:embed="rId3" cstate="print">
             <a:extLst>
               <a:ext uri="{28A0092B-C50C-407E-A947-70E740481C1C}">
-                <a14:useLocalDpi xmlns:a14="http://schemas.microsoft.com/office/drawing/2010/main" val="0"/>
+                <a14:useLocalDpi xmlns="" xmlns:a14="http://schemas.microsoft.com/office/drawing/2010/main" val="0"/>
               </a:ext>
             </a:extLst>
           </a:blip>
@@ -15466,14 +15137,14 @@
           </a:ln>
           <a:extLst>
             <a:ext uri="{909E8E84-426E-40DD-AFC4-6F175D3DCCD1}">
-              <a14:hiddenFill xmlns:a14="http://schemas.microsoft.com/office/drawing/2010/main">
+              <a14:hiddenFill xmlns="" xmlns:a14="http://schemas.microsoft.com/office/drawing/2010/main">
                 <a:solidFill>
                   <a:srgbClr val="FFFFFF"/>
                 </a:solidFill>
               </a14:hiddenFill>
             </a:ext>
             <a:ext uri="{91240B29-F687-4F45-9708-019B960494DF}">
-              <a14:hiddenLine xmlns:a14="http://schemas.microsoft.com/office/drawing/2010/main" w="9525">
+              <a14:hiddenLine xmlns="" xmlns:a14="http://schemas.microsoft.com/office/drawing/2010/main" w="9525">
                 <a:solidFill>
                   <a:srgbClr val="000000"/>
                 </a:solidFill>
@@ -15488,7 +15159,7 @@
     </p:spTree>
     <p:extLst>
       <p:ext uri="{BB962C8B-B14F-4D97-AF65-F5344CB8AC3E}">
-        <p14:creationId xmlns:p14="http://schemas.microsoft.com/office/powerpoint/2010/main" val="4545478"/>
+        <p14:creationId xmlns="" xmlns:p14="http://schemas.microsoft.com/office/powerpoint/2010/main" val="4545478"/>
       </p:ext>
     </p:extLst>
   </p:cSld>
@@ -15783,7 +15454,7 @@
     </p:spTree>
     <p:extLst>
       <p:ext uri="{BB962C8B-B14F-4D97-AF65-F5344CB8AC3E}">
-        <p14:creationId xmlns:p14="http://schemas.microsoft.com/office/powerpoint/2010/main" val="4224940778"/>
+        <p14:creationId xmlns="" xmlns:p14="http://schemas.microsoft.com/office/powerpoint/2010/main" val="4224940778"/>
       </p:ext>
     </p:extLst>
   </p:cSld>
@@ -15929,10 +15600,10 @@
           <p:nvPr/>
         </p:nvPicPr>
         <p:blipFill>
-          <a:blip r:embed="rId3">
+          <a:blip r:embed="rId3" cstate="print">
             <a:extLst>
               <a:ext uri="{28A0092B-C50C-407E-A947-70E740481C1C}">
-                <a14:useLocalDpi xmlns:a14="http://schemas.microsoft.com/office/drawing/2010/main" val="0"/>
+                <a14:useLocalDpi xmlns="" xmlns:a14="http://schemas.microsoft.com/office/drawing/2010/main" val="0"/>
               </a:ext>
             </a:extLst>
           </a:blip>
@@ -15953,7 +15624,7 @@
     </p:spTree>
     <p:extLst>
       <p:ext uri="{BB962C8B-B14F-4D97-AF65-F5344CB8AC3E}">
-        <p14:creationId xmlns:p14="http://schemas.microsoft.com/office/powerpoint/2010/main" val="784398498"/>
+        <p14:creationId xmlns="" xmlns:p14="http://schemas.microsoft.com/office/powerpoint/2010/main" val="784398498"/>
       </p:ext>
     </p:extLst>
   </p:cSld>
@@ -16097,10 +15768,10 @@
           <p:nvPr/>
         </p:nvPicPr>
         <p:blipFill>
-          <a:blip r:embed="rId3">
+          <a:blip r:embed="rId3" cstate="print">
             <a:extLst>
               <a:ext uri="{28A0092B-C50C-407E-A947-70E740481C1C}">
-                <a14:useLocalDpi xmlns:a14="http://schemas.microsoft.com/office/drawing/2010/main" val="0"/>
+                <a14:useLocalDpi xmlns="" xmlns:a14="http://schemas.microsoft.com/office/drawing/2010/main" val="0"/>
               </a:ext>
             </a:extLst>
           </a:blip>
@@ -16123,14 +15794,14 @@
           </a:ln>
           <a:extLst>
             <a:ext uri="{909E8E84-426E-40DD-AFC4-6F175D3DCCD1}">
-              <a14:hiddenFill xmlns:a14="http://schemas.microsoft.com/office/drawing/2010/main">
+              <a14:hiddenFill xmlns="" xmlns:a14="http://schemas.microsoft.com/office/drawing/2010/main">
                 <a:solidFill>
                   <a:srgbClr val="FFFFFF"/>
                 </a:solidFill>
               </a14:hiddenFill>
             </a:ext>
             <a:ext uri="{91240B29-F687-4F45-9708-019B960494DF}">
-              <a14:hiddenLine xmlns:a14="http://schemas.microsoft.com/office/drawing/2010/main" w="9525">
+              <a14:hiddenLine xmlns="" xmlns:a14="http://schemas.microsoft.com/office/drawing/2010/main" w="9525">
                 <a:solidFill>
                   <a:srgbClr val="000000"/>
                 </a:solidFill>
@@ -16145,7 +15816,7 @@
     </p:spTree>
     <p:extLst>
       <p:ext uri="{BB962C8B-B14F-4D97-AF65-F5344CB8AC3E}">
-        <p14:creationId xmlns:p14="http://schemas.microsoft.com/office/powerpoint/2010/main" val="693340422"/>
+        <p14:creationId xmlns="" xmlns:p14="http://schemas.microsoft.com/office/powerpoint/2010/main" val="693340422"/>
       </p:ext>
     </p:extLst>
   </p:cSld>
@@ -16220,18 +15891,6 @@
             <a:pPr marL="0" indent="0">
               <a:buNone/>
             </a:pPr>
-            <a:r>
-              <a:rPr lang="zh-TW" altLang="en-US" sz="2000" dirty="0" smtClean="0"/>
-              <a:t>自動化部署物件類別圖 </a:t>
-            </a:r>
-            <a:r>
-              <a:rPr lang="en-US" altLang="zh-TW" sz="2000" dirty="0" smtClean="0"/>
-              <a:t>:</a:t>
-            </a:r>
-            <a:r>
-              <a:rPr lang="zh-TW" altLang="en-US" sz="2000" dirty="0" smtClean="0"/>
-              <a:t> </a:t>
-            </a:r>
             <a:endParaRPr lang="zh-TW" altLang="en-US" sz="2000" dirty="0"/>
           </a:p>
         </p:txBody>
@@ -16274,10 +15933,10 @@
           <p:nvPr/>
         </p:nvPicPr>
         <p:blipFill>
-          <a:blip r:embed="rId3">
+          <a:blip r:embed="rId3" cstate="print">
             <a:extLst>
               <a:ext uri="{28A0092B-C50C-407E-A947-70E740481C1C}">
-                <a14:useLocalDpi xmlns:a14="http://schemas.microsoft.com/office/drawing/2010/main" val="0"/>
+                <a14:useLocalDpi xmlns="" xmlns:a14="http://schemas.microsoft.com/office/drawing/2010/main" val="0"/>
               </a:ext>
             </a:extLst>
           </a:blip>
@@ -16300,14 +15959,14 @@
           </a:ln>
           <a:extLst>
             <a:ext uri="{909E8E84-426E-40DD-AFC4-6F175D3DCCD1}">
-              <a14:hiddenFill xmlns:a14="http://schemas.microsoft.com/office/drawing/2010/main">
+              <a14:hiddenFill xmlns="" xmlns:a14="http://schemas.microsoft.com/office/drawing/2010/main">
                 <a:solidFill>
                   <a:srgbClr val="FFFFFF"/>
                 </a:solidFill>
               </a14:hiddenFill>
             </a:ext>
             <a:ext uri="{91240B29-F687-4F45-9708-019B960494DF}">
-              <a14:hiddenLine xmlns:a14="http://schemas.microsoft.com/office/drawing/2010/main" w="9525">
+              <a14:hiddenLine xmlns="" xmlns:a14="http://schemas.microsoft.com/office/drawing/2010/main" w="9525">
                 <a:solidFill>
                   <a:srgbClr val="000000"/>
                 </a:solidFill>
@@ -16322,7 +15981,7 @@
     </p:spTree>
     <p:extLst>
       <p:ext uri="{BB962C8B-B14F-4D97-AF65-F5344CB8AC3E}">
-        <p14:creationId xmlns:p14="http://schemas.microsoft.com/office/powerpoint/2010/main" val="966794363"/>
+        <p14:creationId xmlns="" xmlns:p14="http://schemas.microsoft.com/office/powerpoint/2010/main" val="966794363"/>
       </p:ext>
     </p:extLst>
   </p:cSld>
@@ -16436,7 +16095,7 @@
           <p:nvPr/>
         </p:nvPicPr>
         <p:blipFill>
-          <a:blip r:embed="rId3"/>
+          <a:blip r:embed="rId3" cstate="print"/>
           <a:stretch>
             <a:fillRect/>
           </a:stretch>
@@ -16454,7 +16113,7 @@
     </p:spTree>
     <p:extLst>
       <p:ext uri="{BB962C8B-B14F-4D97-AF65-F5344CB8AC3E}">
-        <p14:creationId xmlns:p14="http://schemas.microsoft.com/office/powerpoint/2010/main" val="451044878"/>
+        <p14:creationId xmlns="" xmlns:p14="http://schemas.microsoft.com/office/powerpoint/2010/main" val="451044878"/>
       </p:ext>
     </p:extLst>
   </p:cSld>
@@ -16591,10 +16250,10 @@
           <p:nvPr/>
         </p:nvPicPr>
         <p:blipFill>
-          <a:blip r:embed="rId3">
+          <a:blip r:embed="rId3" cstate="print">
             <a:extLst>
               <a:ext uri="{28A0092B-C50C-407E-A947-70E740481C1C}">
-                <a14:useLocalDpi xmlns:a14="http://schemas.microsoft.com/office/drawing/2010/main" val="0"/>
+                <a14:useLocalDpi xmlns="" xmlns:a14="http://schemas.microsoft.com/office/drawing/2010/main" val="0"/>
               </a:ext>
             </a:extLst>
           </a:blip>
@@ -16617,14 +16276,14 @@
           </a:ln>
           <a:extLst>
             <a:ext uri="{909E8E84-426E-40DD-AFC4-6F175D3DCCD1}">
-              <a14:hiddenFill xmlns:a14="http://schemas.microsoft.com/office/drawing/2010/main">
+              <a14:hiddenFill xmlns="" xmlns:a14="http://schemas.microsoft.com/office/drawing/2010/main">
                 <a:solidFill>
                   <a:srgbClr val="FFFFFF"/>
                 </a:solidFill>
               </a14:hiddenFill>
             </a:ext>
             <a:ext uri="{91240B29-F687-4F45-9708-019B960494DF}">
-              <a14:hiddenLine xmlns:a14="http://schemas.microsoft.com/office/drawing/2010/main" w="9525">
+              <a14:hiddenLine xmlns="" xmlns:a14="http://schemas.microsoft.com/office/drawing/2010/main" w="9525">
                 <a:solidFill>
                   <a:srgbClr val="000000"/>
                 </a:solidFill>
@@ -16639,7 +16298,7 @@
     </p:spTree>
     <p:extLst>
       <p:ext uri="{BB962C8B-B14F-4D97-AF65-F5344CB8AC3E}">
-        <p14:creationId xmlns:p14="http://schemas.microsoft.com/office/powerpoint/2010/main" val="866482648"/>
+        <p14:creationId xmlns="" xmlns:p14="http://schemas.microsoft.com/office/powerpoint/2010/main" val="866482648"/>
       </p:ext>
     </p:extLst>
   </p:cSld>
@@ -16936,7 +16595,7 @@
     </p:spTree>
     <p:extLst>
       <p:ext uri="{BB962C8B-B14F-4D97-AF65-F5344CB8AC3E}">
-        <p14:creationId xmlns:p14="http://schemas.microsoft.com/office/powerpoint/2010/main" val="2831826523"/>
+        <p14:creationId xmlns="" xmlns:p14="http://schemas.microsoft.com/office/powerpoint/2010/main" val="2831826523"/>
       </p:ext>
     </p:extLst>
   </p:cSld>
@@ -17075,10 +16734,10 @@
           <p:nvPr/>
         </p:nvPicPr>
         <p:blipFill>
-          <a:blip r:embed="rId3">
+          <a:blip r:embed="rId3" cstate="print">
             <a:extLst>
               <a:ext uri="{28A0092B-C50C-407E-A947-70E740481C1C}">
-                <a14:useLocalDpi xmlns:a14="http://schemas.microsoft.com/office/drawing/2010/main" val="0"/>
+                <a14:useLocalDpi xmlns="" xmlns:a14="http://schemas.microsoft.com/office/drawing/2010/main" val="0"/>
               </a:ext>
             </a:extLst>
           </a:blip>
@@ -17099,7 +16758,7 @@
     </p:spTree>
     <p:extLst>
       <p:ext uri="{BB962C8B-B14F-4D97-AF65-F5344CB8AC3E}">
-        <p14:creationId xmlns:p14="http://schemas.microsoft.com/office/powerpoint/2010/main" val="1034836092"/>
+        <p14:creationId xmlns="" xmlns:p14="http://schemas.microsoft.com/office/powerpoint/2010/main" val="1034836092"/>
       </p:ext>
     </p:extLst>
   </p:cSld>
@@ -17229,10 +16888,10 @@
           <p:nvPr/>
         </p:nvPicPr>
         <p:blipFill>
-          <a:blip r:embed="rId3">
+          <a:blip r:embed="rId3" cstate="print">
             <a:extLst>
               <a:ext uri="{28A0092B-C50C-407E-A947-70E740481C1C}">
-                <a14:useLocalDpi xmlns:a14="http://schemas.microsoft.com/office/drawing/2010/main" val="0"/>
+                <a14:useLocalDpi xmlns="" xmlns:a14="http://schemas.microsoft.com/office/drawing/2010/main" val="0"/>
               </a:ext>
             </a:extLst>
           </a:blip>
@@ -17255,14 +16914,14 @@
           </a:ln>
           <a:extLst>
             <a:ext uri="{909E8E84-426E-40DD-AFC4-6F175D3DCCD1}">
-              <a14:hiddenFill xmlns:a14="http://schemas.microsoft.com/office/drawing/2010/main">
+              <a14:hiddenFill xmlns="" xmlns:a14="http://schemas.microsoft.com/office/drawing/2010/main">
                 <a:solidFill>
                   <a:srgbClr val="FFFFFF"/>
                 </a:solidFill>
               </a14:hiddenFill>
             </a:ext>
             <a:ext uri="{91240B29-F687-4F45-9708-019B960494DF}">
-              <a14:hiddenLine xmlns:a14="http://schemas.microsoft.com/office/drawing/2010/main" w="9525">
+              <a14:hiddenLine xmlns="" xmlns:a14="http://schemas.microsoft.com/office/drawing/2010/main" w="9525">
                 <a:solidFill>
                   <a:srgbClr val="000000"/>
                 </a:solidFill>
@@ -17277,7 +16936,7 @@
     </p:spTree>
     <p:extLst>
       <p:ext uri="{BB962C8B-B14F-4D97-AF65-F5344CB8AC3E}">
-        <p14:creationId xmlns:p14="http://schemas.microsoft.com/office/powerpoint/2010/main" val="578587538"/>
+        <p14:creationId xmlns="" xmlns:p14="http://schemas.microsoft.com/office/powerpoint/2010/main" val="578587538"/>
       </p:ext>
     </p:extLst>
   </p:cSld>
@@ -17410,10 +17069,10 @@
           <p:nvPr/>
         </p:nvPicPr>
         <p:blipFill>
-          <a:blip r:embed="rId3">
+          <a:blip r:embed="rId3" cstate="print">
             <a:extLst>
               <a:ext uri="{28A0092B-C50C-407E-A947-70E740481C1C}">
-                <a14:useLocalDpi xmlns:a14="http://schemas.microsoft.com/office/drawing/2010/main" val="0"/>
+                <a14:useLocalDpi xmlns="" xmlns:a14="http://schemas.microsoft.com/office/drawing/2010/main" val="0"/>
               </a:ext>
             </a:extLst>
           </a:blip>
@@ -17436,14 +17095,14 @@
           </a:ln>
           <a:extLst>
             <a:ext uri="{909E8E84-426E-40DD-AFC4-6F175D3DCCD1}">
-              <a14:hiddenFill xmlns:a14="http://schemas.microsoft.com/office/drawing/2010/main">
+              <a14:hiddenFill xmlns="" xmlns:a14="http://schemas.microsoft.com/office/drawing/2010/main">
                 <a:solidFill>
                   <a:srgbClr val="FFFFFF"/>
                 </a:solidFill>
               </a14:hiddenFill>
             </a:ext>
             <a:ext uri="{91240B29-F687-4F45-9708-019B960494DF}">
-              <a14:hiddenLine xmlns:a14="http://schemas.microsoft.com/office/drawing/2010/main" w="9525">
+              <a14:hiddenLine xmlns="" xmlns:a14="http://schemas.microsoft.com/office/drawing/2010/main" w="9525">
                 <a:solidFill>
                   <a:srgbClr val="000000"/>
                 </a:solidFill>
@@ -17458,7 +17117,7 @@
     </p:spTree>
     <p:extLst>
       <p:ext uri="{BB962C8B-B14F-4D97-AF65-F5344CB8AC3E}">
-        <p14:creationId xmlns:p14="http://schemas.microsoft.com/office/powerpoint/2010/main" val="516885385"/>
+        <p14:creationId xmlns="" xmlns:p14="http://schemas.microsoft.com/office/powerpoint/2010/main" val="516885385"/>
       </p:ext>
     </p:extLst>
   </p:cSld>
@@ -17591,10 +17250,10 @@
           <p:nvPr/>
         </p:nvPicPr>
         <p:blipFill>
-          <a:blip r:embed="rId2">
+          <a:blip r:embed="rId2" cstate="print">
             <a:extLst>
               <a:ext uri="{28A0092B-C50C-407E-A947-70E740481C1C}">
-                <a14:useLocalDpi xmlns:a14="http://schemas.microsoft.com/office/drawing/2010/main" val="0"/>
+                <a14:useLocalDpi xmlns="" xmlns:a14="http://schemas.microsoft.com/office/drawing/2010/main" val="0"/>
               </a:ext>
             </a:extLst>
           </a:blip>
@@ -17617,14 +17276,14 @@
           </a:ln>
           <a:extLst>
             <a:ext uri="{909E8E84-426E-40DD-AFC4-6F175D3DCCD1}">
-              <a14:hiddenFill xmlns:a14="http://schemas.microsoft.com/office/drawing/2010/main">
+              <a14:hiddenFill xmlns="" xmlns:a14="http://schemas.microsoft.com/office/drawing/2010/main">
                 <a:solidFill>
                   <a:srgbClr val="FFFFFF"/>
                 </a:solidFill>
               </a14:hiddenFill>
             </a:ext>
             <a:ext uri="{91240B29-F687-4F45-9708-019B960494DF}">
-              <a14:hiddenLine xmlns:a14="http://schemas.microsoft.com/office/drawing/2010/main" w="9525">
+              <a14:hiddenLine xmlns="" xmlns:a14="http://schemas.microsoft.com/office/drawing/2010/main" w="9525">
                 <a:solidFill>
                   <a:srgbClr val="000000"/>
                 </a:solidFill>
@@ -17639,7 +17298,7 @@
     </p:spTree>
     <p:extLst>
       <p:ext uri="{BB962C8B-B14F-4D97-AF65-F5344CB8AC3E}">
-        <p14:creationId xmlns:p14="http://schemas.microsoft.com/office/powerpoint/2010/main" val="4002992180"/>
+        <p14:creationId xmlns="" xmlns:p14="http://schemas.microsoft.com/office/powerpoint/2010/main" val="4002992180"/>
       </p:ext>
     </p:extLst>
   </p:cSld>
@@ -17707,10 +17366,10 @@
           </p:nvPr>
         </p:nvPicPr>
         <p:blipFill>
-          <a:blip r:embed="rId3">
+          <a:blip r:embed="rId3" cstate="print">
             <a:extLst>
               <a:ext uri="{28A0092B-C50C-407E-A947-70E740481C1C}">
-                <a14:useLocalDpi xmlns:a14="http://schemas.microsoft.com/office/drawing/2010/main" val="0"/>
+                <a14:useLocalDpi xmlns="" xmlns:a14="http://schemas.microsoft.com/office/drawing/2010/main" val="0"/>
               </a:ext>
             </a:extLst>
           </a:blip>
@@ -17757,7 +17416,7 @@
     </p:spTree>
     <p:extLst>
       <p:ext uri="{BB962C8B-B14F-4D97-AF65-F5344CB8AC3E}">
-        <p14:creationId xmlns:p14="http://schemas.microsoft.com/office/powerpoint/2010/main" val="449093796"/>
+        <p14:creationId xmlns="" xmlns:p14="http://schemas.microsoft.com/office/powerpoint/2010/main" val="449093796"/>
       </p:ext>
     </p:extLst>
   </p:cSld>
@@ -17933,10 +17592,10 @@
           <p:nvPr/>
         </p:nvPicPr>
         <p:blipFill>
-          <a:blip r:embed="rId3">
+          <a:blip r:embed="rId3" cstate="print">
             <a:extLst>
               <a:ext uri="{28A0092B-C50C-407E-A947-70E740481C1C}">
-                <a14:useLocalDpi xmlns:a14="http://schemas.microsoft.com/office/drawing/2010/main" val="0"/>
+                <a14:useLocalDpi xmlns="" xmlns:a14="http://schemas.microsoft.com/office/drawing/2010/main" val="0"/>
               </a:ext>
             </a:extLst>
           </a:blip>
@@ -17959,14 +17618,14 @@
           </a:ln>
           <a:extLst>
             <a:ext uri="{909E8E84-426E-40DD-AFC4-6F175D3DCCD1}">
-              <a14:hiddenFill xmlns:a14="http://schemas.microsoft.com/office/drawing/2010/main">
+              <a14:hiddenFill xmlns="" xmlns:a14="http://schemas.microsoft.com/office/drawing/2010/main">
                 <a:solidFill>
                   <a:srgbClr val="FFFFFF"/>
                 </a:solidFill>
               </a14:hiddenFill>
             </a:ext>
             <a:ext uri="{91240B29-F687-4F45-9708-019B960494DF}">
-              <a14:hiddenLine xmlns:a14="http://schemas.microsoft.com/office/drawing/2010/main" w="9525">
+              <a14:hiddenLine xmlns="" xmlns:a14="http://schemas.microsoft.com/office/drawing/2010/main" w="9525">
                 <a:solidFill>
                   <a:srgbClr val="000000"/>
                 </a:solidFill>
@@ -17981,7 +17640,7 @@
     </p:spTree>
     <p:extLst>
       <p:ext uri="{BB962C8B-B14F-4D97-AF65-F5344CB8AC3E}">
-        <p14:creationId xmlns:p14="http://schemas.microsoft.com/office/powerpoint/2010/main" val="4005601386"/>
+        <p14:creationId xmlns="" xmlns:p14="http://schemas.microsoft.com/office/powerpoint/2010/main" val="4005601386"/>
       </p:ext>
     </p:extLst>
   </p:cSld>
@@ -18091,7 +17750,7 @@
           <p:nvPr/>
         </p:nvPicPr>
         <p:blipFill>
-          <a:blip r:embed="rId3"/>
+          <a:blip r:embed="rId3" cstate="print"/>
           <a:stretch>
             <a:fillRect/>
           </a:stretch>
@@ -18109,7 +17768,7 @@
     </p:spTree>
     <p:extLst>
       <p:ext uri="{BB962C8B-B14F-4D97-AF65-F5344CB8AC3E}">
-        <p14:creationId xmlns:p14="http://schemas.microsoft.com/office/powerpoint/2010/main" val="3960110904"/>
+        <p14:creationId xmlns="" xmlns:p14="http://schemas.microsoft.com/office/powerpoint/2010/main" val="3960110904"/>
       </p:ext>
     </p:extLst>
   </p:cSld>
@@ -18370,7 +18029,7 @@
     </p:spTree>
     <p:extLst>
       <p:ext uri="{BB962C8B-B14F-4D97-AF65-F5344CB8AC3E}">
-        <p14:creationId xmlns:p14="http://schemas.microsoft.com/office/powerpoint/2010/main" val="2389890047"/>
+        <p14:creationId xmlns="" xmlns:p14="http://schemas.microsoft.com/office/powerpoint/2010/main" val="2389890047"/>
       </p:ext>
     </p:extLst>
   </p:cSld>
@@ -18465,10 +18124,10 @@
           <p:nvPr/>
         </p:nvPicPr>
         <p:blipFill>
-          <a:blip r:embed="rId3">
+          <a:blip r:embed="rId3" cstate="print">
             <a:extLst>
               <a:ext uri="{28A0092B-C50C-407E-A947-70E740481C1C}">
-                <a14:useLocalDpi xmlns:a14="http://schemas.microsoft.com/office/drawing/2010/main" val="0"/>
+                <a14:useLocalDpi xmlns="" xmlns:a14="http://schemas.microsoft.com/office/drawing/2010/main" val="0"/>
               </a:ext>
             </a:extLst>
           </a:blip>
@@ -18491,14 +18150,14 @@
           </a:ln>
           <a:extLst>
             <a:ext uri="{909E8E84-426E-40DD-AFC4-6F175D3DCCD1}">
-              <a14:hiddenFill xmlns:a14="http://schemas.microsoft.com/office/drawing/2010/main">
+              <a14:hiddenFill xmlns="" xmlns:a14="http://schemas.microsoft.com/office/drawing/2010/main">
                 <a:solidFill>
                   <a:srgbClr val="FFFFFF"/>
                 </a:solidFill>
               </a14:hiddenFill>
             </a:ext>
             <a:ext uri="{91240B29-F687-4F45-9708-019B960494DF}">
-              <a14:hiddenLine xmlns:a14="http://schemas.microsoft.com/office/drawing/2010/main" w="9525">
+              <a14:hiddenLine xmlns="" xmlns:a14="http://schemas.microsoft.com/office/drawing/2010/main" w="9525">
                 <a:solidFill>
                   <a:srgbClr val="000000"/>
                 </a:solidFill>
@@ -18513,7 +18172,7 @@
     </p:spTree>
     <p:extLst>
       <p:ext uri="{BB962C8B-B14F-4D97-AF65-F5344CB8AC3E}">
-        <p14:creationId xmlns:p14="http://schemas.microsoft.com/office/powerpoint/2010/main" val="2846153032"/>
+        <p14:creationId xmlns="" xmlns:p14="http://schemas.microsoft.com/office/powerpoint/2010/main" val="2846153032"/>
       </p:ext>
     </p:extLst>
   </p:cSld>
@@ -18597,17 +18256,17 @@
       </p:sp>
       <p:pic>
         <p:nvPicPr>
-          <p:cNvPr id="14338" name="圖表 1"/>
+          <p:cNvPr id="15362" name="內容版面配置區 7"/>
           <p:cNvPicPr>
-            <a:picLocks noChangeArrowheads="1"/>
+            <a:picLocks noGrp="1" noChangeAspect="1" noChangeArrowheads="1"/>
           </p:cNvPicPr>
           <p:nvPr/>
         </p:nvPicPr>
         <p:blipFill>
-          <a:blip r:embed="rId3">
+          <a:blip r:embed="rId3" cstate="print">
             <a:extLst>
               <a:ext uri="{28A0092B-C50C-407E-A947-70E740481C1C}">
-                <a14:useLocalDpi xmlns:a14="http://schemas.microsoft.com/office/drawing/2010/main" val="0"/>
+                <a14:useLocalDpi xmlns="" xmlns:a14="http://schemas.microsoft.com/office/drawing/2010/main" val="0"/>
               </a:ext>
             </a:extLst>
           </a:blip>
@@ -18618,8 +18277,8 @@
         </p:blipFill>
         <p:spPr bwMode="auto">
           <a:xfrm>
-            <a:off x="323528" y="1628800"/>
-            <a:ext cx="8363272" cy="4727550"/>
+            <a:off x="457200" y="1700808"/>
+            <a:ext cx="8059907" cy="4655542"/>
           </a:xfrm>
           <a:prstGeom prst="rect">
             <a:avLst/>
@@ -18630,14 +18289,14 @@
           </a:ln>
           <a:extLst>
             <a:ext uri="{909E8E84-426E-40DD-AFC4-6F175D3DCCD1}">
-              <a14:hiddenFill xmlns:a14="http://schemas.microsoft.com/office/drawing/2010/main">
+              <a14:hiddenFill xmlns="" xmlns:a14="http://schemas.microsoft.com/office/drawing/2010/main">
                 <a:solidFill>
                   <a:srgbClr val="FFFFFF"/>
                 </a:solidFill>
               </a14:hiddenFill>
             </a:ext>
             <a:ext uri="{91240B29-F687-4F45-9708-019B960494DF}">
-              <a14:hiddenLine xmlns:a14="http://schemas.microsoft.com/office/drawing/2010/main" w="9525">
+              <a14:hiddenLine xmlns="" xmlns:a14="http://schemas.microsoft.com/office/drawing/2010/main" w="9525">
                 <a:solidFill>
                   <a:srgbClr val="000000"/>
                 </a:solidFill>
@@ -18652,7 +18311,7 @@
     </p:spTree>
     <p:extLst>
       <p:ext uri="{BB962C8B-B14F-4D97-AF65-F5344CB8AC3E}">
-        <p14:creationId xmlns:p14="http://schemas.microsoft.com/office/powerpoint/2010/main" val="2924010622"/>
+        <p14:creationId xmlns="" xmlns:p14="http://schemas.microsoft.com/office/powerpoint/2010/main" val="2636266080"/>
       </p:ext>
     </p:extLst>
   </p:cSld>
@@ -18840,7 +18499,7 @@
     </p:spTree>
     <p:extLst>
       <p:ext uri="{BB962C8B-B14F-4D97-AF65-F5344CB8AC3E}">
-        <p14:creationId xmlns:p14="http://schemas.microsoft.com/office/powerpoint/2010/main" val="1593735734"/>
+        <p14:creationId xmlns="" xmlns:p14="http://schemas.microsoft.com/office/powerpoint/2010/main" val="1593735734"/>
       </p:ext>
     </p:extLst>
   </p:cSld>
@@ -18924,17 +18583,17 @@
       </p:sp>
       <p:pic>
         <p:nvPicPr>
-          <p:cNvPr id="15362" name="內容版面配置區 7"/>
+          <p:cNvPr id="14338" name="圖表 1"/>
           <p:cNvPicPr>
-            <a:picLocks noGrp="1" noChangeAspect="1" noChangeArrowheads="1"/>
+            <a:picLocks noChangeArrowheads="1"/>
           </p:cNvPicPr>
           <p:nvPr/>
         </p:nvPicPr>
         <p:blipFill>
-          <a:blip r:embed="rId3">
+          <a:blip r:embed="rId3" cstate="print">
             <a:extLst>
               <a:ext uri="{28A0092B-C50C-407E-A947-70E740481C1C}">
-                <a14:useLocalDpi xmlns:a14="http://schemas.microsoft.com/office/drawing/2010/main" val="0"/>
+                <a14:useLocalDpi xmlns="" xmlns:a14="http://schemas.microsoft.com/office/drawing/2010/main" val="0"/>
               </a:ext>
             </a:extLst>
           </a:blip>
@@ -18945,8 +18604,8 @@
         </p:blipFill>
         <p:spPr bwMode="auto">
           <a:xfrm>
-            <a:off x="457200" y="1700808"/>
-            <a:ext cx="8059907" cy="4655542"/>
+            <a:off x="323528" y="1628800"/>
+            <a:ext cx="8363272" cy="4727550"/>
           </a:xfrm>
           <a:prstGeom prst="rect">
             <a:avLst/>
@@ -18957,14 +18616,14 @@
           </a:ln>
           <a:extLst>
             <a:ext uri="{909E8E84-426E-40DD-AFC4-6F175D3DCCD1}">
-              <a14:hiddenFill xmlns:a14="http://schemas.microsoft.com/office/drawing/2010/main">
+              <a14:hiddenFill xmlns="" xmlns:a14="http://schemas.microsoft.com/office/drawing/2010/main">
                 <a:solidFill>
                   <a:srgbClr val="FFFFFF"/>
                 </a:solidFill>
               </a14:hiddenFill>
             </a:ext>
             <a:ext uri="{91240B29-F687-4F45-9708-019B960494DF}">
-              <a14:hiddenLine xmlns:a14="http://schemas.microsoft.com/office/drawing/2010/main" w="9525">
+              <a14:hiddenLine xmlns="" xmlns:a14="http://schemas.microsoft.com/office/drawing/2010/main" w="9525">
                 <a:solidFill>
                   <a:srgbClr val="000000"/>
                 </a:solidFill>
@@ -18979,7 +18638,7 @@
     </p:spTree>
     <p:extLst>
       <p:ext uri="{BB962C8B-B14F-4D97-AF65-F5344CB8AC3E}">
-        <p14:creationId xmlns:p14="http://schemas.microsoft.com/office/powerpoint/2010/main" val="2636266080"/>
+        <p14:creationId xmlns="" xmlns:p14="http://schemas.microsoft.com/office/powerpoint/2010/main" val="2924010622"/>
       </p:ext>
     </p:extLst>
   </p:cSld>
@@ -19070,10 +18729,10 @@
           <p:nvPr/>
         </p:nvPicPr>
         <p:blipFill>
-          <a:blip r:embed="rId3">
+          <a:blip r:embed="rId3" cstate="print">
             <a:extLst>
               <a:ext uri="{28A0092B-C50C-407E-A947-70E740481C1C}">
-                <a14:useLocalDpi xmlns:a14="http://schemas.microsoft.com/office/drawing/2010/main" val="0"/>
+                <a14:useLocalDpi xmlns="" xmlns:a14="http://schemas.microsoft.com/office/drawing/2010/main" val="0"/>
               </a:ext>
             </a:extLst>
           </a:blip>
@@ -19096,14 +18755,14 @@
           </a:ln>
           <a:extLst>
             <a:ext uri="{909E8E84-426E-40DD-AFC4-6F175D3DCCD1}">
-              <a14:hiddenFill xmlns:a14="http://schemas.microsoft.com/office/drawing/2010/main">
+              <a14:hiddenFill xmlns="" xmlns:a14="http://schemas.microsoft.com/office/drawing/2010/main">
                 <a:solidFill>
                   <a:srgbClr val="FFFFFF"/>
                 </a:solidFill>
               </a14:hiddenFill>
             </a:ext>
             <a:ext uri="{91240B29-F687-4F45-9708-019B960494DF}">
-              <a14:hiddenLine xmlns:a14="http://schemas.microsoft.com/office/drawing/2010/main" w="9525">
+              <a14:hiddenLine xmlns="" xmlns:a14="http://schemas.microsoft.com/office/drawing/2010/main" w="9525">
                 <a:solidFill>
                   <a:srgbClr val="000000"/>
                 </a:solidFill>
@@ -19118,7 +18777,7 @@
     </p:spTree>
     <p:extLst>
       <p:ext uri="{BB962C8B-B14F-4D97-AF65-F5344CB8AC3E}">
-        <p14:creationId xmlns:p14="http://schemas.microsoft.com/office/powerpoint/2010/main" val="3813431237"/>
+        <p14:creationId xmlns="" xmlns:p14="http://schemas.microsoft.com/office/powerpoint/2010/main" val="3813431237"/>
       </p:ext>
     </p:extLst>
   </p:cSld>
@@ -19386,7 +19045,7 @@
     </p:spTree>
     <p:extLst>
       <p:ext uri="{BB962C8B-B14F-4D97-AF65-F5344CB8AC3E}">
-        <p14:creationId xmlns:p14="http://schemas.microsoft.com/office/powerpoint/2010/main" val="1076524264"/>
+        <p14:creationId xmlns="" xmlns:p14="http://schemas.microsoft.com/office/powerpoint/2010/main" val="1076524264"/>
       </p:ext>
     </p:extLst>
   </p:cSld>
@@ -19471,7 +19130,8 @@
                 <a:solidFill>
                   <a:schemeClr val="tx1"/>
                 </a:solidFill>
-                <a:latin typeface="標楷體" panose="03000509000000000000" pitchFamily="65" charset="-120"/>
+                <a:latin typeface="+mn-ea"/>
+                <a:ea typeface="+mn-ea"/>
               </a:rPr>
               <a:t>ezScrum</a:t>
             </a:r>
@@ -19480,7 +19140,8 @@
                 <a:solidFill>
                   <a:schemeClr val="tx1"/>
                 </a:solidFill>
-                <a:latin typeface="標楷體" panose="03000509000000000000" pitchFamily="65" charset="-120"/>
+                <a:latin typeface="+mn-ea"/>
+                <a:ea typeface="+mn-ea"/>
               </a:rPr>
               <a:t>有了自動化佈署就可以大幅減少軟體上線的</a:t>
             </a:r>
@@ -19489,7 +19150,8 @@
                 <a:solidFill>
                   <a:schemeClr val="tx1"/>
                 </a:solidFill>
-                <a:latin typeface="標楷體" panose="03000509000000000000" pitchFamily="65" charset="-120"/>
+                <a:latin typeface="+mn-ea"/>
+                <a:ea typeface="+mn-ea"/>
               </a:rPr>
               <a:t>時間</a:t>
             </a:r>
@@ -19498,7 +19160,8 @@
                 <a:solidFill>
                   <a:schemeClr val="tx1"/>
                 </a:solidFill>
-                <a:latin typeface="標楷體" panose="03000509000000000000" pitchFamily="65" charset="-120"/>
+                <a:latin typeface="+mn-ea"/>
+                <a:ea typeface="+mn-ea"/>
               </a:rPr>
               <a:t>，</a:t>
             </a:r>
@@ -19507,6 +19170,8 @@
                 <a:solidFill>
                   <a:schemeClr val="tx1"/>
                 </a:solidFill>
+                <a:latin typeface="+mn-ea"/>
+                <a:ea typeface="+mn-ea"/>
               </a:rPr>
               <a:t>使用</a:t>
             </a:r>
@@ -19515,6 +19180,8 @@
                 <a:solidFill>
                   <a:schemeClr val="tx1"/>
                 </a:solidFill>
+                <a:latin typeface="+mn-ea"/>
+                <a:ea typeface="+mn-ea"/>
               </a:rPr>
               <a:t>了自動化</a:t>
             </a:r>
@@ -19523,6 +19190,8 @@
                 <a:solidFill>
                   <a:schemeClr val="tx1"/>
                 </a:solidFill>
+                <a:latin typeface="+mn-ea"/>
+                <a:ea typeface="+mn-ea"/>
               </a:rPr>
               <a:t>佈署讓</a:t>
             </a:r>
@@ -19531,6 +19200,8 @@
                 <a:solidFill>
                   <a:schemeClr val="tx1"/>
                 </a:solidFill>
+                <a:latin typeface="+mn-ea"/>
+                <a:ea typeface="+mn-ea"/>
               </a:rPr>
               <a:t>手動佈署的流程更省時，</a:t>
             </a:r>
@@ -19539,6 +19210,8 @@
                 <a:solidFill>
                   <a:schemeClr val="tx1"/>
                 </a:solidFill>
+                <a:latin typeface="+mn-ea"/>
+                <a:ea typeface="+mn-ea"/>
               </a:rPr>
               <a:t>也</a:t>
             </a:r>
@@ -19547,6 +19220,8 @@
                 <a:solidFill>
                   <a:schemeClr val="tx1"/>
                 </a:solidFill>
+                <a:latin typeface="+mn-ea"/>
+                <a:ea typeface="+mn-ea"/>
               </a:rPr>
               <a:t>讓軟體的上線流程變得越方便也更有效率了</a:t>
             </a:r>
@@ -19555,7 +19230,8 @@
                 <a:solidFill>
                   <a:schemeClr val="tx1"/>
                 </a:solidFill>
-                <a:latin typeface="標楷體" panose="03000509000000000000" pitchFamily="65" charset="-120"/>
+                <a:latin typeface="+mn-ea"/>
+                <a:ea typeface="+mn-ea"/>
               </a:rPr>
               <a:t>。</a:t>
             </a:r>
@@ -19563,107 +19239,167 @@
               <a:solidFill>
                 <a:schemeClr val="tx1"/>
               </a:solidFill>
-              <a:latin typeface="標楷體" panose="03000509000000000000" pitchFamily="65" charset="-120"/>
+              <a:latin typeface="+mn-ea"/>
+              <a:ea typeface="+mn-ea"/>
             </a:endParaRPr>
           </a:p>
           <a:p>
             <a:pPr marL="0" indent="0">
               <a:buNone/>
             </a:pPr>
-            <a:endParaRPr lang="en-US" altLang="zh-TW" sz="2000" dirty="0" smtClean="0"/>
+            <a:endParaRPr lang="en-US" altLang="zh-TW" sz="2000" dirty="0" smtClean="0">
+              <a:latin typeface="+mn-ea"/>
+              <a:ea typeface="+mn-ea"/>
+            </a:endParaRPr>
           </a:p>
           <a:p>
             <a:pPr marL="0" indent="0">
               <a:buNone/>
             </a:pPr>
             <a:r>
-              <a:rPr lang="zh-TW" altLang="en-US" sz="2000" dirty="0" smtClean="0"/>
-              <a:t>未</a:t>
-            </a:r>
-            <a:r>
-              <a:rPr lang="zh-TW" altLang="en-US" sz="2000" dirty="0" smtClean="0"/>
-              <a:t>來展望 </a:t>
-            </a:r>
-            <a:r>
-              <a:rPr lang="en-US" altLang="zh-TW" sz="2000" dirty="0" smtClean="0"/>
+              <a:rPr lang="zh-TW" altLang="en-US" sz="2000" dirty="0" smtClean="0">
+                <a:latin typeface="+mn-ea"/>
+                <a:ea typeface="+mn-ea"/>
+              </a:rPr>
+              <a:t>未來展望 </a:t>
+            </a:r>
+            <a:r>
+              <a:rPr lang="en-US" altLang="zh-TW" sz="2000" dirty="0" smtClean="0">
+                <a:latin typeface="+mn-ea"/>
+                <a:ea typeface="+mn-ea"/>
+              </a:rPr>
               <a:t>:</a:t>
             </a:r>
             <a:r>
-              <a:rPr lang="zh-TW" altLang="en-US" sz="2000" dirty="0" smtClean="0"/>
+              <a:rPr lang="zh-TW" altLang="en-US" sz="2000" dirty="0" smtClean="0">
+                <a:latin typeface="+mn-ea"/>
+                <a:ea typeface="+mn-ea"/>
+              </a:rPr>
               <a:t> </a:t>
             </a:r>
-            <a:endParaRPr lang="en-US" altLang="zh-TW" sz="2000" dirty="0" smtClean="0"/>
+            <a:endParaRPr lang="en-US" altLang="zh-TW" sz="2000" dirty="0" smtClean="0">
+              <a:latin typeface="+mn-ea"/>
+              <a:ea typeface="+mn-ea"/>
+            </a:endParaRPr>
           </a:p>
           <a:p>
             <a:pPr marL="0" indent="0">
               <a:buNone/>
             </a:pPr>
             <a:r>
-              <a:rPr lang="en-US" altLang="zh-TW" sz="2000" dirty="0"/>
+              <a:rPr lang="en-US" altLang="zh-TW" sz="2000" dirty="0">
+                <a:latin typeface="+mn-ea"/>
+                <a:ea typeface="+mn-ea"/>
+              </a:rPr>
               <a:t>1.</a:t>
             </a:r>
             <a:r>
-              <a:rPr lang="zh-TW" altLang="zh-TW" sz="2000" dirty="0"/>
+              <a:rPr lang="zh-TW" altLang="zh-TW" sz="2000" dirty="0">
+                <a:latin typeface="+mn-ea"/>
+                <a:ea typeface="+mn-ea"/>
+              </a:rPr>
               <a:t>未來</a:t>
             </a:r>
             <a:r>
-              <a:rPr lang="en-US" altLang="zh-TW" sz="2000" dirty="0" err="1"/>
+              <a:rPr lang="en-US" altLang="zh-TW" sz="2000" dirty="0" err="1">
+                <a:latin typeface="+mn-ea"/>
+                <a:ea typeface="+mn-ea"/>
+              </a:rPr>
               <a:t>ezScrum</a:t>
             </a:r>
             <a:r>
-              <a:rPr lang="zh-TW" altLang="zh-TW" sz="2000" dirty="0"/>
+              <a:rPr lang="zh-TW" altLang="zh-TW" sz="2000" dirty="0">
+                <a:latin typeface="+mn-ea"/>
+                <a:ea typeface="+mn-ea"/>
+              </a:rPr>
               <a:t>將支援更多</a:t>
             </a:r>
             <a:r>
-              <a:rPr lang="en-US" altLang="zh-TW" sz="2000" dirty="0" err="1"/>
+              <a:rPr lang="en-US" altLang="zh-TW" sz="2000" dirty="0" err="1">
+                <a:latin typeface="+mn-ea"/>
+                <a:ea typeface="+mn-ea"/>
+              </a:rPr>
               <a:t>Microservice</a:t>
             </a:r>
             <a:r>
-              <a:rPr lang="zh-TW" altLang="zh-TW" sz="2000" dirty="0"/>
+              <a:rPr lang="zh-TW" altLang="zh-TW" sz="2000" dirty="0">
+                <a:latin typeface="+mn-ea"/>
+                <a:ea typeface="+mn-ea"/>
+              </a:rPr>
               <a:t>，期望自動化佈署可以使用在其他的</a:t>
             </a:r>
             <a:r>
-              <a:rPr lang="en-US" altLang="zh-TW" sz="2000" dirty="0" err="1"/>
+              <a:rPr lang="en-US" altLang="zh-TW" sz="2000" dirty="0" err="1">
+                <a:latin typeface="+mn-ea"/>
+                <a:ea typeface="+mn-ea"/>
+              </a:rPr>
               <a:t>Microservice</a:t>
             </a:r>
             <a:r>
-              <a:rPr lang="zh-TW" altLang="zh-TW" sz="2000" dirty="0" smtClean="0"/>
+              <a:rPr lang="zh-TW" altLang="zh-TW" sz="2000" dirty="0" smtClean="0">
+                <a:latin typeface="+mn-ea"/>
+                <a:ea typeface="+mn-ea"/>
+              </a:rPr>
               <a:t>上。</a:t>
             </a:r>
-            <a:endParaRPr lang="zh-TW" altLang="zh-TW" sz="2000" dirty="0"/>
+            <a:endParaRPr lang="zh-TW" altLang="zh-TW" sz="2000" dirty="0">
+              <a:latin typeface="+mn-ea"/>
+              <a:ea typeface="+mn-ea"/>
+            </a:endParaRPr>
           </a:p>
           <a:p>
             <a:pPr marL="0" indent="0">
               <a:buNone/>
             </a:pPr>
-            <a:endParaRPr lang="zh-TW" altLang="zh-TW" sz="2000" dirty="0"/>
+            <a:endParaRPr lang="zh-TW" altLang="zh-TW" sz="2000" dirty="0">
+              <a:latin typeface="+mn-ea"/>
+              <a:ea typeface="+mn-ea"/>
+            </a:endParaRPr>
           </a:p>
           <a:p>
             <a:pPr marL="0" indent="0">
               <a:buNone/>
             </a:pPr>
             <a:r>
-              <a:rPr lang="en-US" altLang="zh-TW" sz="2000" dirty="0"/>
+              <a:rPr lang="en-US" altLang="zh-TW" sz="2000" dirty="0">
+                <a:latin typeface="+mn-ea"/>
+                <a:ea typeface="+mn-ea"/>
+              </a:rPr>
               <a:t>2.</a:t>
             </a:r>
             <a:r>
-              <a:rPr lang="zh-TW" altLang="zh-TW" sz="2000" dirty="0"/>
+              <a:rPr lang="zh-TW" altLang="zh-TW" sz="2000" dirty="0">
+                <a:latin typeface="+mn-ea"/>
+                <a:ea typeface="+mn-ea"/>
+              </a:rPr>
               <a:t>當</a:t>
             </a:r>
             <a:r>
-              <a:rPr lang="en-US" altLang="zh-TW" sz="2000" dirty="0" err="1"/>
+              <a:rPr lang="en-US" altLang="zh-TW" sz="2000" dirty="0" err="1">
+                <a:latin typeface="+mn-ea"/>
+                <a:ea typeface="+mn-ea"/>
+              </a:rPr>
               <a:t>Microservice</a:t>
             </a:r>
             <a:r>
-              <a:rPr lang="zh-TW" altLang="zh-TW" sz="2000" dirty="0"/>
+              <a:rPr lang="zh-TW" altLang="zh-TW" sz="2000" dirty="0">
+                <a:latin typeface="+mn-ea"/>
+                <a:ea typeface="+mn-ea"/>
+              </a:rPr>
               <a:t>啟動時，如果開發人員不使用此</a:t>
             </a:r>
             <a:r>
-              <a:rPr lang="en-US" altLang="zh-TW" sz="2000" dirty="0" err="1"/>
+              <a:rPr lang="en-US" altLang="zh-TW" sz="2000" dirty="0" err="1">
+                <a:latin typeface="+mn-ea"/>
+                <a:ea typeface="+mn-ea"/>
+              </a:rPr>
               <a:t>Microservice</a:t>
             </a:r>
             <a:r>
-              <a:rPr lang="zh-TW" altLang="zh-TW" sz="2000" dirty="0"/>
+              <a:rPr lang="zh-TW" altLang="zh-TW" sz="2000" dirty="0">
+                <a:latin typeface="+mn-ea"/>
+                <a:ea typeface="+mn-ea"/>
+              </a:rPr>
               <a:t>時可以支援關閉的功能。</a:t>
             </a:r>
           </a:p>
@@ -19707,7 +19443,7 @@
     </p:spTree>
     <p:extLst>
       <p:ext uri="{BB962C8B-B14F-4D97-AF65-F5344CB8AC3E}">
-        <p14:creationId xmlns:p14="http://schemas.microsoft.com/office/powerpoint/2010/main" val="2700697339"/>
+        <p14:creationId xmlns="" xmlns:p14="http://schemas.microsoft.com/office/powerpoint/2010/main" val="2700697339"/>
       </p:ext>
     </p:extLst>
   </p:cSld>
@@ -19873,1667 +19609,13 @@
     </p:spTree>
     <p:extLst>
       <p:ext uri="{BB962C8B-B14F-4D97-AF65-F5344CB8AC3E}">
-        <p14:creationId xmlns:p14="http://schemas.microsoft.com/office/powerpoint/2010/main" val="3837624758"/>
+        <p14:creationId xmlns="" xmlns:p14="http://schemas.microsoft.com/office/powerpoint/2010/main" val="3837624758"/>
       </p:ext>
     </p:extLst>
   </p:cSld>
   <p:clrMapOvr>
     <a:masterClrMapping/>
   </p:clrMapOvr>
-  <p:timing>
-    <p:tnLst>
-      <p:par>
-        <p:cTn id="1" dur="indefinite" restart="never" nodeType="tmRoot"/>
-      </p:par>
-    </p:tnLst>
-  </p:timing>
-</p:sld>
-</file>
-
-<file path=ppt/slides/slide45.xml><?xml version="1.0" encoding="utf-8"?>
-<p:sld xmlns:a="http://schemas.openxmlformats.org/drawingml/2006/main" xmlns:r="http://schemas.openxmlformats.org/officeDocument/2006/relationships" xmlns:p="http://schemas.openxmlformats.org/presentationml/2006/main" show="0">
-  <p:cSld>
-    <p:spTree>
-      <p:nvGrpSpPr>
-        <p:cNvPr id="1" name=""/>
-        <p:cNvGrpSpPr/>
-        <p:nvPr/>
-      </p:nvGrpSpPr>
-      <p:grpSpPr>
-        <a:xfrm>
-          <a:off x="0" y="0"/>
-          <a:ext cx="0" cy="0"/>
-          <a:chOff x="0" y="0"/>
-          <a:chExt cx="0" cy="0"/>
-        </a:xfrm>
-      </p:grpSpPr>
-      <p:sp>
-        <p:nvSpPr>
-          <p:cNvPr id="2" name="標題 1"/>
-          <p:cNvSpPr>
-            <a:spLocks noGrp="1"/>
-          </p:cNvSpPr>
-          <p:nvPr>
-            <p:ph type="title"/>
-          </p:nvPr>
-        </p:nvSpPr>
-        <p:spPr>
-          <a:xfrm>
-            <a:off x="539552" y="116632"/>
-            <a:ext cx="8229600" cy="1143000"/>
-          </a:xfrm>
-        </p:spPr>
-        <p:txBody>
-          <a:bodyPr/>
-          <a:lstStyle/>
-          <a:p>
-            <a:r>
-              <a:rPr lang="zh-TW" altLang="en-US" dirty="0" smtClean="0"/>
-              <a:t>比較</a:t>
-            </a:r>
-            <a:endParaRPr lang="zh-TW" altLang="en-US" dirty="0"/>
-          </a:p>
-        </p:txBody>
-      </p:sp>
-      <p:sp>
-        <p:nvSpPr>
-          <p:cNvPr id="4" name="投影片編號版面配置區 3"/>
-          <p:cNvSpPr>
-            <a:spLocks noGrp="1"/>
-          </p:cNvSpPr>
-          <p:nvPr>
-            <p:ph type="sldNum" sz="quarter" idx="12"/>
-          </p:nvPr>
-        </p:nvSpPr>
-        <p:spPr/>
-        <p:txBody>
-          <a:bodyPr/>
-          <a:lstStyle/>
-          <a:p>
-            <a:pPr>
-              <a:defRPr/>
-            </a:pPr>
-            <a:fld id="{3DB7C113-B292-4711-9FA5-4E4B2395B52F}" type="slidenum">
-              <a:rPr lang="zh-TW" altLang="en-US" smtClean="0"/>
-              <a:pPr>
-                <a:defRPr/>
-              </a:pPr>
-              <a:t>45</a:t>
-            </a:fld>
-            <a:endParaRPr lang="zh-TW" altLang="en-US"/>
-          </a:p>
-        </p:txBody>
-      </p:sp>
-      <p:graphicFrame>
-        <p:nvGraphicFramePr>
-          <p:cNvPr id="6" name="內容版面配置區 5"/>
-          <p:cNvGraphicFramePr>
-            <a:graphicFrameLocks noGrp="1"/>
-          </p:cNvGraphicFramePr>
-          <p:nvPr>
-            <p:ph idx="1"/>
-            <p:extLst>
-              <p:ext uri="{D42A27DB-BD31-4B8C-83A1-F6EECF244321}">
-                <p14:modId xmlns:p14="http://schemas.microsoft.com/office/powerpoint/2010/main" val="428796126"/>
-              </p:ext>
-            </p:extLst>
-          </p:nvPr>
-        </p:nvGraphicFramePr>
-        <p:xfrm>
-          <a:off x="457200" y="2276872"/>
-          <a:ext cx="8229600" cy="3875139"/>
-        </p:xfrm>
-        <a:graphic>
-          <a:graphicData uri="http://schemas.openxmlformats.org/drawingml/2006/table">
-            <a:tbl>
-              <a:tblPr firstRow="1" bandRow="1">
-                <a:tableStyleId>{5C22544A-7EE6-4342-B048-85BDC9FD1C3A}</a:tableStyleId>
-              </a:tblPr>
-              <a:tblGrid>
-                <a:gridCol w="2743200"/>
-                <a:gridCol w="2743200"/>
-                <a:gridCol w="2743200"/>
-              </a:tblGrid>
-              <a:tr h="460648">
-                <a:tc>
-                  <a:txBody>
-                    <a:bodyPr/>
-                    <a:lstStyle/>
-                    <a:p>
-                      <a:endParaRPr lang="zh-TW" altLang="en-US" dirty="0"/>
-                    </a:p>
-                  </a:txBody>
-                  <a:tcPr/>
-                </a:tc>
-                <a:tc>
-                  <a:txBody>
-                    <a:bodyPr/>
-                    <a:lstStyle/>
-                    <a:p>
-                      <a:r>
-                        <a:rPr lang="zh-TW" altLang="en-US" sz="3600" dirty="0" smtClean="0"/>
-                        <a:t>手動部署</a:t>
-                      </a:r>
-                      <a:endParaRPr lang="zh-TW" altLang="en-US" sz="3600" dirty="0"/>
-                    </a:p>
-                  </a:txBody>
-                  <a:tcPr/>
-                </a:tc>
-                <a:tc>
-                  <a:txBody>
-                    <a:bodyPr/>
-                    <a:lstStyle/>
-                    <a:p>
-                      <a:r>
-                        <a:rPr lang="zh-TW" altLang="en-US" sz="3600" dirty="0" smtClean="0"/>
-                        <a:t>自動部署</a:t>
-                      </a:r>
-                      <a:endParaRPr lang="zh-TW" altLang="en-US" sz="3600" dirty="0"/>
-                    </a:p>
-                  </a:txBody>
-                  <a:tcPr/>
-                </a:tc>
-              </a:tr>
-              <a:tr h="1497699">
-                <a:tc>
-                  <a:txBody>
-                    <a:bodyPr/>
-                    <a:lstStyle/>
-                    <a:p>
-                      <a:r>
-                        <a:rPr lang="zh-TW" altLang="en-US" dirty="0" smtClean="0"/>
-                        <a:t>步驟</a:t>
-                      </a:r>
-                      <a:endParaRPr lang="zh-TW" altLang="en-US" dirty="0"/>
-                    </a:p>
-                  </a:txBody>
-                  <a:tcPr/>
-                </a:tc>
-                <a:tc>
-                  <a:txBody>
-                    <a:bodyPr/>
-                    <a:lstStyle/>
-                    <a:p>
-                      <a:r>
-                        <a:rPr lang="en-US" altLang="zh-TW" sz="1800" dirty="0" smtClean="0"/>
-                        <a:t>1.</a:t>
-                      </a:r>
-                      <a:r>
-                        <a:rPr lang="zh-TW" altLang="en-US" sz="1800" dirty="0" smtClean="0"/>
-                        <a:t>從</a:t>
-                      </a:r>
-                      <a:r>
-                        <a:rPr lang="en-US" altLang="zh-TW" sz="1800" dirty="0" err="1" smtClean="0"/>
-                        <a:t>Github</a:t>
-                      </a:r>
-                      <a:r>
-                        <a:rPr lang="zh-TW" altLang="en-US" sz="1800" dirty="0" smtClean="0"/>
-                        <a:t>下載程式碼 </a:t>
-                      </a:r>
-                      <a:endParaRPr lang="en-US" altLang="zh-TW" sz="1800" dirty="0" smtClean="0"/>
-                    </a:p>
-                    <a:p>
-                      <a:r>
-                        <a:rPr lang="en-US" altLang="zh-TW" sz="1800" dirty="0" smtClean="0"/>
-                        <a:t>2.</a:t>
-                      </a:r>
-                      <a:r>
-                        <a:rPr lang="zh-TW" altLang="en-US" sz="1800" dirty="0" smtClean="0"/>
-                        <a:t>下載與安裝</a:t>
-                      </a:r>
-                      <a:r>
-                        <a:rPr lang="en-US" altLang="zh-TW" sz="1800" dirty="0" smtClean="0"/>
-                        <a:t>IDE </a:t>
-                      </a:r>
-                    </a:p>
-                    <a:p>
-                      <a:pPr marL="0" marR="0" lvl="0" indent="0" algn="l" defTabSz="914400" rtl="0" eaLnBrk="1" fontAlgn="auto" latinLnBrk="0" hangingPunct="1">
-                        <a:lnSpc>
-                          <a:spcPct val="100000"/>
-                        </a:lnSpc>
-                        <a:spcBef>
-                          <a:spcPts val="0"/>
-                        </a:spcBef>
-                        <a:spcAft>
-                          <a:spcPts val="0"/>
-                        </a:spcAft>
-                        <a:buClrTx/>
-                        <a:buSzTx/>
-                        <a:buFontTx/>
-                        <a:buNone/>
-                        <a:tabLst/>
-                        <a:defRPr/>
-                      </a:pPr>
-                      <a:r>
-                        <a:rPr lang="en-US" altLang="zh-TW" sz="1800" dirty="0" smtClean="0"/>
-                        <a:t>3.</a:t>
-                      </a:r>
-                      <a:r>
-                        <a:rPr lang="zh-TW" altLang="en-US" sz="1800" dirty="0" smtClean="0">
-                          <a:latin typeface="標楷體" panose="03000509000000000000" pitchFamily="65" charset="-120"/>
-                        </a:rPr>
-                        <a:t>設定環境變數</a:t>
-                      </a:r>
-                      <a:endParaRPr lang="en-US" altLang="zh-TW" sz="1800" dirty="0" smtClean="0">
-                        <a:latin typeface="標楷體" panose="03000509000000000000" pitchFamily="65" charset="-120"/>
-                      </a:endParaRPr>
-                    </a:p>
-                    <a:p>
-                      <a:pPr marL="0" marR="0" lvl="0" indent="0" algn="l" defTabSz="914400" rtl="0" eaLnBrk="1" fontAlgn="auto" latinLnBrk="0" hangingPunct="1">
-                        <a:lnSpc>
-                          <a:spcPct val="100000"/>
-                        </a:lnSpc>
-                        <a:spcBef>
-                          <a:spcPts val="0"/>
-                        </a:spcBef>
-                        <a:spcAft>
-                          <a:spcPts val="0"/>
-                        </a:spcAft>
-                        <a:buClrTx/>
-                        <a:buSzTx/>
-                        <a:buFontTx/>
-                        <a:buNone/>
-                        <a:tabLst/>
-                        <a:defRPr/>
-                      </a:pPr>
-                      <a:r>
-                        <a:rPr lang="en-US" altLang="zh-TW" sz="1800" dirty="0" smtClean="0"/>
-                        <a:t>4.</a:t>
-                      </a:r>
-                      <a:r>
-                        <a:rPr lang="zh-TW" altLang="en-US" sz="1800" dirty="0" smtClean="0"/>
-                        <a:t>跑</a:t>
-                      </a:r>
-                      <a:r>
-                        <a:rPr lang="en-US" altLang="zh-TW" sz="1800" dirty="0" smtClean="0"/>
-                        <a:t>Unit Test</a:t>
-                      </a:r>
-                    </a:p>
-                    <a:p>
-                      <a:pPr marL="0" marR="0" lvl="0" indent="0" algn="l" defTabSz="914400" rtl="0" eaLnBrk="1" fontAlgn="auto" latinLnBrk="0" hangingPunct="1">
-                        <a:lnSpc>
-                          <a:spcPct val="100000"/>
-                        </a:lnSpc>
-                        <a:spcBef>
-                          <a:spcPts val="0"/>
-                        </a:spcBef>
-                        <a:spcAft>
-                          <a:spcPts val="0"/>
-                        </a:spcAft>
-                        <a:buClrTx/>
-                        <a:buSzTx/>
-                        <a:buFontTx/>
-                        <a:buNone/>
-                        <a:tabLst/>
-                        <a:defRPr/>
-                      </a:pPr>
-                      <a:r>
-                        <a:rPr lang="en-US" altLang="zh-TW" sz="1800" dirty="0" smtClean="0"/>
-                        <a:t>5.</a:t>
-                      </a:r>
-                      <a:r>
-                        <a:rPr lang="zh-TW" altLang="en-US" sz="1800" dirty="0" smtClean="0"/>
-                        <a:t>啟動</a:t>
-                      </a:r>
-                      <a:r>
-                        <a:rPr lang="en-US" altLang="zh-TW" sz="1800" dirty="0" smtClean="0"/>
-                        <a:t>Service</a:t>
-                      </a:r>
-                      <a:endParaRPr lang="zh-TW" altLang="en-US" sz="1800" dirty="0" smtClean="0"/>
-                    </a:p>
-                    <a:p>
-                      <a:pPr marL="0" marR="0" lvl="0" indent="0" algn="l" defTabSz="914400" rtl="0" eaLnBrk="1" fontAlgn="auto" latinLnBrk="0" hangingPunct="1">
-                        <a:lnSpc>
-                          <a:spcPct val="100000"/>
-                        </a:lnSpc>
-                        <a:spcBef>
-                          <a:spcPts val="0"/>
-                        </a:spcBef>
-                        <a:spcAft>
-                          <a:spcPts val="0"/>
-                        </a:spcAft>
-                        <a:buClrTx/>
-                        <a:buSzTx/>
-                        <a:buFontTx/>
-                        <a:buNone/>
-                        <a:tabLst/>
-                        <a:defRPr/>
-                      </a:pPr>
-                      <a:endParaRPr lang="en-US" altLang="zh-TW" sz="1800" dirty="0" smtClean="0"/>
-                    </a:p>
-                  </a:txBody>
-                  <a:tcPr/>
-                </a:tc>
-                <a:tc>
-                  <a:txBody>
-                    <a:bodyPr/>
-                    <a:lstStyle/>
-                    <a:p>
-                      <a:pPr marL="342900" indent="-342900">
-                        <a:buAutoNum type="arabicPeriod"/>
-                      </a:pPr>
-                      <a:r>
-                        <a:rPr lang="en-US" altLang="zh-TW" sz="1800" dirty="0" err="1" smtClean="0"/>
-                        <a:t>Git</a:t>
-                      </a:r>
-                      <a:r>
-                        <a:rPr lang="en-US" altLang="zh-TW" sz="1800" dirty="0" smtClean="0"/>
-                        <a:t> change push to </a:t>
-                      </a:r>
-                      <a:r>
-                        <a:rPr lang="en-US" altLang="zh-TW" sz="1800" dirty="0" err="1" smtClean="0"/>
-                        <a:t>Github</a:t>
-                      </a:r>
-                      <a:r>
-                        <a:rPr lang="en-US" altLang="zh-TW" sz="1800" dirty="0" smtClean="0"/>
-                        <a:t> </a:t>
-                      </a:r>
-                    </a:p>
-                    <a:p>
-                      <a:pPr marL="342900" marR="0" lvl="0" indent="-342900" algn="l" defTabSz="914400" rtl="0" eaLnBrk="1" fontAlgn="auto" latinLnBrk="0" hangingPunct="1">
-                        <a:lnSpc>
-                          <a:spcPct val="100000"/>
-                        </a:lnSpc>
-                        <a:spcBef>
-                          <a:spcPts val="0"/>
-                        </a:spcBef>
-                        <a:spcAft>
-                          <a:spcPts val="0"/>
-                        </a:spcAft>
-                        <a:buClrTx/>
-                        <a:buSzTx/>
-                        <a:buFontTx/>
-                        <a:buAutoNum type="arabicPeriod"/>
-                        <a:tabLst/>
-                        <a:defRPr/>
-                      </a:pPr>
-                      <a:r>
-                        <a:rPr lang="en-US" altLang="zh-TW" sz="1800" dirty="0" smtClean="0"/>
-                        <a:t>Unit Test -&gt; Build jar file -&gt; </a:t>
-                      </a:r>
-                      <a:r>
-                        <a:rPr lang="en-US" altLang="zh-TW" sz="1800" dirty="0" err="1" smtClean="0"/>
-                        <a:t>docker</a:t>
-                      </a:r>
-                      <a:r>
-                        <a:rPr lang="en-US" altLang="zh-TW" sz="1800" dirty="0" smtClean="0"/>
-                        <a:t> create image -&gt; </a:t>
-                      </a:r>
-                      <a:r>
-                        <a:rPr lang="zh-TW" altLang="en-US" sz="1800" dirty="0" smtClean="0"/>
-                        <a:t>自動啟動</a:t>
-                      </a:r>
-                      <a:r>
-                        <a:rPr lang="en-US" altLang="zh-TW" sz="1800" dirty="0" smtClean="0"/>
-                        <a:t>Service</a:t>
-                      </a:r>
-                      <a:endParaRPr lang="zh-TW" altLang="en-US" sz="1800" dirty="0" smtClean="0"/>
-                    </a:p>
-                    <a:p>
-                      <a:pPr marL="0" indent="0">
-                        <a:buNone/>
-                      </a:pPr>
-                      <a:endParaRPr lang="zh-TW" altLang="en-US" dirty="0"/>
-                    </a:p>
-                  </a:txBody>
-                  <a:tcPr/>
-                </a:tc>
-              </a:tr>
-              <a:tr h="1497699">
-                <a:tc>
-                  <a:txBody>
-                    <a:bodyPr/>
-                    <a:lstStyle/>
-                    <a:p>
-                      <a:r>
-                        <a:rPr lang="zh-TW" altLang="en-US" dirty="0" smtClean="0"/>
-                        <a:t>所花的時間差</a:t>
-                      </a:r>
-                      <a:endParaRPr lang="zh-TW" altLang="en-US" dirty="0"/>
-                    </a:p>
-                  </a:txBody>
-                  <a:tcPr/>
-                </a:tc>
-                <a:tc gridSpan="2">
-                  <a:txBody>
-                    <a:bodyPr/>
-                    <a:lstStyle/>
-                    <a:p>
-                      <a:r>
-                        <a:rPr lang="zh-TW" altLang="en-US" dirty="0" smtClean="0"/>
-                        <a:t>大約</a:t>
-                      </a:r>
-                      <a:r>
-                        <a:rPr lang="en-US" altLang="zh-TW" dirty="0" smtClean="0"/>
-                        <a:t>10</a:t>
-                      </a:r>
-                      <a:r>
-                        <a:rPr lang="zh-TW" altLang="en-US" dirty="0" smtClean="0"/>
-                        <a:t>分</a:t>
-                      </a:r>
-                      <a:endParaRPr lang="zh-TW" altLang="en-US" dirty="0"/>
-                    </a:p>
-                  </a:txBody>
-                  <a:tcPr/>
-                </a:tc>
-                <a:tc hMerge="1">
-                  <a:txBody>
-                    <a:bodyPr/>
-                    <a:lstStyle/>
-                    <a:p>
-                      <a:endParaRPr lang="zh-TW" altLang="en-US" dirty="0"/>
-                    </a:p>
-                  </a:txBody>
-                  <a:tcPr/>
-                </a:tc>
-              </a:tr>
-            </a:tbl>
-          </a:graphicData>
-        </a:graphic>
-      </p:graphicFrame>
-    </p:spTree>
-    <p:extLst>
-      <p:ext uri="{BB962C8B-B14F-4D97-AF65-F5344CB8AC3E}">
-        <p14:creationId xmlns:p14="http://schemas.microsoft.com/office/powerpoint/2010/main" val="2310772509"/>
-      </p:ext>
-    </p:extLst>
-  </p:cSld>
-  <p:clrMapOvr>
-    <a:masterClrMapping/>
-  </p:clrMapOvr>
-  <mc:AlternateContent xmlns:mc="http://schemas.openxmlformats.org/markup-compatibility/2006">
-    <mc:Choice xmlns:p14="http://schemas.microsoft.com/office/powerpoint/2010/main" Requires="p14">
-      <p:transition spd="slow" p14:dur="2000"/>
-    </mc:Choice>
-    <mc:Fallback>
-      <p:transition spd="slow"/>
-    </mc:Fallback>
-  </mc:AlternateContent>
-  <p:timing>
-    <p:tnLst>
-      <p:par>
-        <p:cTn id="1" dur="indefinite" restart="never" nodeType="tmRoot"/>
-      </p:par>
-    </p:tnLst>
-  </p:timing>
-</p:sld>
-</file>
-
-<file path=ppt/slides/slide46.xml><?xml version="1.0" encoding="utf-8"?>
-<p:sld xmlns:a="http://schemas.openxmlformats.org/drawingml/2006/main" xmlns:r="http://schemas.openxmlformats.org/officeDocument/2006/relationships" xmlns:p="http://schemas.openxmlformats.org/presentationml/2006/main" show="0">
-  <p:cSld>
-    <p:spTree>
-      <p:nvGrpSpPr>
-        <p:cNvPr id="1" name=""/>
-        <p:cNvGrpSpPr/>
-        <p:nvPr/>
-      </p:nvGrpSpPr>
-      <p:grpSpPr>
-        <a:xfrm>
-          <a:off x="0" y="0"/>
-          <a:ext cx="0" cy="0"/>
-          <a:chOff x="0" y="0"/>
-          <a:chExt cx="0" cy="0"/>
-        </a:xfrm>
-      </p:grpSpPr>
-      <p:sp>
-        <p:nvSpPr>
-          <p:cNvPr id="2" name="標題 1"/>
-          <p:cNvSpPr>
-            <a:spLocks noGrp="1"/>
-          </p:cNvSpPr>
-          <p:nvPr>
-            <p:ph type="title"/>
-          </p:nvPr>
-        </p:nvSpPr>
-        <p:spPr/>
-        <p:txBody>
-          <a:bodyPr/>
-          <a:lstStyle/>
-          <a:p>
-            <a:r>
-              <a:rPr lang="en-US" altLang="zh-TW" dirty="0" smtClean="0"/>
-              <a:t>DevOps</a:t>
-            </a:r>
-            <a:endParaRPr lang="zh-TW" altLang="en-US" dirty="0"/>
-          </a:p>
-        </p:txBody>
-      </p:sp>
-      <p:sp>
-        <p:nvSpPr>
-          <p:cNvPr id="3" name="內容版面配置區 2"/>
-          <p:cNvSpPr>
-            <a:spLocks noGrp="1"/>
-          </p:cNvSpPr>
-          <p:nvPr>
-            <p:ph idx="1"/>
-          </p:nvPr>
-        </p:nvSpPr>
-        <p:spPr>
-          <a:xfrm>
-            <a:off x="444288" y="1657730"/>
-            <a:ext cx="8699711" cy="4525963"/>
-          </a:xfrm>
-        </p:spPr>
-        <p:txBody>
-          <a:bodyPr/>
-          <a:lstStyle/>
-          <a:p>
-            <a:pPr marL="0" indent="0">
-              <a:buNone/>
-            </a:pPr>
-            <a:r>
-              <a:rPr lang="en-US" altLang="zh-TW" sz="2000" dirty="0" smtClean="0">
-                <a:latin typeface="標楷體" panose="03000509000000000000" pitchFamily="65" charset="-120"/>
-              </a:rPr>
-              <a:t>Development(</a:t>
-            </a:r>
-            <a:r>
-              <a:rPr lang="zh-TW" altLang="en-US" sz="2000" dirty="0" smtClean="0">
-                <a:latin typeface="標楷體" panose="03000509000000000000" pitchFamily="65" charset="-120"/>
-              </a:rPr>
-              <a:t>開發</a:t>
-            </a:r>
-            <a:r>
-              <a:rPr lang="en-US" altLang="zh-TW" sz="2000" dirty="0" smtClean="0">
-                <a:latin typeface="標楷體" panose="03000509000000000000" pitchFamily="65" charset="-120"/>
-              </a:rPr>
-              <a:t>)</a:t>
-            </a:r>
-          </a:p>
-          <a:p>
-            <a:pPr marL="0" indent="0">
-              <a:buNone/>
-            </a:pPr>
-            <a:r>
-              <a:rPr lang="en-US" altLang="zh-TW" sz="2000" dirty="0" smtClean="0">
-                <a:latin typeface="標楷體" panose="03000509000000000000" pitchFamily="65" charset="-120"/>
-              </a:rPr>
-              <a:t>Operation(</a:t>
-            </a:r>
-            <a:r>
-              <a:rPr lang="zh-TW" altLang="en-US" sz="2000" dirty="0">
-                <a:latin typeface="標楷體" panose="03000509000000000000" pitchFamily="65" charset="-120"/>
-              </a:rPr>
-              <a:t>維</a:t>
-            </a:r>
-            <a:r>
-              <a:rPr lang="zh-TW" altLang="en-US" sz="2000" dirty="0" smtClean="0">
-                <a:latin typeface="標楷體" panose="03000509000000000000" pitchFamily="65" charset="-120"/>
-              </a:rPr>
-              <a:t>運</a:t>
-            </a:r>
-            <a:r>
-              <a:rPr lang="en-US" altLang="zh-TW" sz="2000" dirty="0" smtClean="0">
-                <a:latin typeface="標楷體" panose="03000509000000000000" pitchFamily="65" charset="-120"/>
-              </a:rPr>
-              <a:t>)</a:t>
-            </a:r>
-          </a:p>
-          <a:p>
-            <a:pPr marL="0" indent="0">
-              <a:buNone/>
-            </a:pPr>
-            <a:r>
-              <a:rPr lang="zh-TW" altLang="en-US" sz="2000" dirty="0" smtClean="0">
-                <a:latin typeface="標楷體" panose="03000509000000000000" pitchFamily="65" charset="-120"/>
-              </a:rPr>
-              <a:t>目標 </a:t>
-            </a:r>
-            <a:r>
-              <a:rPr lang="en-US" altLang="zh-TW" sz="2000" dirty="0" smtClean="0">
-                <a:latin typeface="標楷體" panose="03000509000000000000" pitchFamily="65" charset="-120"/>
-              </a:rPr>
-              <a:t>:</a:t>
-            </a:r>
-            <a:r>
-              <a:rPr lang="zh-TW" altLang="en-US" sz="2000" dirty="0" smtClean="0">
-                <a:latin typeface="標楷體" panose="03000509000000000000" pitchFamily="65" charset="-120"/>
-              </a:rPr>
-              <a:t> 加快服務改版的速度</a:t>
-            </a:r>
-            <a:endParaRPr lang="en-US" altLang="zh-TW" sz="2000" dirty="0" smtClean="0">
-              <a:latin typeface="標楷體" panose="03000509000000000000" pitchFamily="65" charset="-120"/>
-            </a:endParaRPr>
-          </a:p>
-          <a:p>
-            <a:pPr marL="0" indent="0">
-              <a:buNone/>
-            </a:pPr>
-            <a:r>
-              <a:rPr lang="zh-TW" altLang="en-US" sz="2000" dirty="0" smtClean="0">
-                <a:latin typeface="標楷體" panose="03000509000000000000" pitchFamily="65" charset="-120"/>
-              </a:rPr>
-              <a:t>提出快速的交付、部署與得到使用者的回饋的觀念與工具</a:t>
-            </a:r>
-            <a:endParaRPr lang="en-US" altLang="zh-TW" sz="2000" dirty="0" smtClean="0">
-              <a:latin typeface="標楷體" panose="03000509000000000000" pitchFamily="65" charset="-120"/>
-            </a:endParaRPr>
-          </a:p>
-          <a:p>
-            <a:pPr marL="0" indent="0">
-              <a:buNone/>
-            </a:pPr>
-            <a:r>
-              <a:rPr lang="zh-TW" altLang="en-US" sz="2000" dirty="0"/>
-              <a:t>開發人員也可以專注在產生更有品質的程式碼，避免之後不停的</a:t>
-            </a:r>
-            <a:r>
-              <a:rPr lang="zh-TW" altLang="en-US" sz="2000" dirty="0" smtClean="0"/>
-              <a:t>修補</a:t>
-            </a:r>
-            <a:endParaRPr lang="en-US" altLang="zh-TW" sz="2000" dirty="0" smtClean="0"/>
-          </a:p>
-          <a:p>
-            <a:pPr marL="0" indent="0">
-              <a:buNone/>
-            </a:pPr>
-            <a:r>
-              <a:rPr lang="zh-TW" altLang="en-US" sz="2000" dirty="0" smtClean="0"/>
-              <a:t>程式碼</a:t>
-            </a:r>
-            <a:endParaRPr lang="en-US" altLang="zh-TW" sz="2000" dirty="0" smtClean="0"/>
-          </a:p>
-          <a:p>
-            <a:pPr marL="0" indent="0">
-              <a:buNone/>
-            </a:pPr>
-            <a:r>
-              <a:rPr lang="en-US" altLang="zh-TW" sz="2000" dirty="0" smtClean="0">
-                <a:latin typeface="標楷體" panose="03000509000000000000" pitchFamily="65" charset="-120"/>
-              </a:rPr>
-              <a:t>CALMS : </a:t>
-            </a:r>
-          </a:p>
-          <a:p>
-            <a:pPr marL="0" indent="0">
-              <a:buNone/>
-            </a:pPr>
-            <a:r>
-              <a:rPr lang="zh-TW" altLang="en-US" sz="2000" dirty="0" smtClean="0">
-                <a:latin typeface="標楷體" panose="03000509000000000000" pitchFamily="65" charset="-120"/>
-              </a:rPr>
-              <a:t>文</a:t>
-            </a:r>
-            <a:r>
-              <a:rPr lang="zh-TW" altLang="en-US" sz="2000" dirty="0">
-                <a:latin typeface="標楷體" panose="03000509000000000000" pitchFamily="65" charset="-120"/>
-              </a:rPr>
-              <a:t>化</a:t>
-            </a:r>
-            <a:r>
-              <a:rPr lang="en-US" altLang="zh-TW" sz="2000" dirty="0" smtClean="0">
-                <a:latin typeface="標楷體" panose="03000509000000000000" pitchFamily="65" charset="-120"/>
-              </a:rPr>
-              <a:t>(Culture)</a:t>
-            </a:r>
-            <a:r>
-              <a:rPr lang="zh-TW" altLang="en-US" sz="2000" dirty="0" smtClean="0">
-                <a:latin typeface="標楷體" panose="03000509000000000000" pitchFamily="65" charset="-120"/>
-              </a:rPr>
-              <a:t> </a:t>
-            </a:r>
-            <a:r>
-              <a:rPr lang="en-US" altLang="zh-TW" sz="2000" dirty="0" smtClean="0">
-                <a:latin typeface="標楷體" panose="03000509000000000000" pitchFamily="65" charset="-120"/>
-              </a:rPr>
-              <a:t>:</a:t>
-            </a:r>
-            <a:r>
-              <a:rPr lang="zh-TW" altLang="en-US" sz="2000" dirty="0" smtClean="0">
-                <a:latin typeface="標楷體" panose="03000509000000000000" pitchFamily="65" charset="-120"/>
-              </a:rPr>
-              <a:t> </a:t>
-            </a:r>
-            <a:r>
-              <a:rPr lang="zh-TW" altLang="en-US" sz="2000" dirty="0" smtClean="0"/>
-              <a:t>開發</a:t>
-            </a:r>
-            <a:r>
-              <a:rPr lang="zh-TW" altLang="en-US" sz="2000" dirty="0"/>
-              <a:t>多去想維運面，維運多去想開發</a:t>
-            </a:r>
-            <a:r>
-              <a:rPr lang="zh-TW" altLang="en-US" sz="2000" dirty="0" smtClean="0"/>
-              <a:t>面。</a:t>
-            </a:r>
-            <a:endParaRPr lang="en-US" altLang="zh-TW" sz="2000" dirty="0" smtClean="0">
-              <a:latin typeface="標楷體" panose="03000509000000000000" pitchFamily="65" charset="-120"/>
-            </a:endParaRPr>
-          </a:p>
-          <a:p>
-            <a:pPr marL="0" indent="0">
-              <a:buNone/>
-            </a:pPr>
-            <a:r>
-              <a:rPr lang="zh-TW" altLang="en-US" sz="2000" dirty="0" smtClean="0">
-                <a:latin typeface="標楷體" panose="03000509000000000000" pitchFamily="65" charset="-120"/>
-              </a:rPr>
-              <a:t>自動化</a:t>
-            </a:r>
-            <a:r>
-              <a:rPr lang="en-US" altLang="zh-TW" sz="2000" dirty="0" smtClean="0">
-                <a:latin typeface="標楷體" panose="03000509000000000000" pitchFamily="65" charset="-120"/>
-              </a:rPr>
-              <a:t>(Automation)</a:t>
-            </a:r>
-            <a:r>
-              <a:rPr lang="zh-TW" altLang="en-US" sz="2000" dirty="0" smtClean="0">
-                <a:latin typeface="標楷體" panose="03000509000000000000" pitchFamily="65" charset="-120"/>
-              </a:rPr>
-              <a:t> </a:t>
-            </a:r>
-            <a:r>
-              <a:rPr lang="en-US" altLang="zh-TW" sz="2000" dirty="0" smtClean="0">
-                <a:latin typeface="標楷體" panose="03000509000000000000" pitchFamily="65" charset="-120"/>
-              </a:rPr>
-              <a:t>:</a:t>
-            </a:r>
-            <a:r>
-              <a:rPr lang="zh-TW" altLang="en-US" sz="2000" dirty="0" smtClean="0">
-                <a:latin typeface="標楷體" panose="03000509000000000000" pitchFamily="65" charset="-120"/>
-              </a:rPr>
-              <a:t> 需求的潤滑劑。</a:t>
-            </a:r>
-            <a:endParaRPr lang="en-US" altLang="zh-TW" sz="2000" dirty="0" smtClean="0">
-              <a:latin typeface="標楷體" panose="03000509000000000000" pitchFamily="65" charset="-120"/>
-            </a:endParaRPr>
-          </a:p>
-          <a:p>
-            <a:pPr marL="0" indent="0">
-              <a:buNone/>
-            </a:pPr>
-            <a:r>
-              <a:rPr lang="zh-TW" altLang="en-US" sz="2000" dirty="0" smtClean="0">
-                <a:latin typeface="標楷體" panose="03000509000000000000" pitchFamily="65" charset="-120"/>
-              </a:rPr>
-              <a:t>精實</a:t>
-            </a:r>
-            <a:r>
-              <a:rPr lang="en-US" altLang="zh-TW" sz="2000" dirty="0" smtClean="0">
-                <a:latin typeface="標楷體" panose="03000509000000000000" pitchFamily="65" charset="-120"/>
-              </a:rPr>
-              <a:t>(Lean)</a:t>
-            </a:r>
-            <a:r>
-              <a:rPr lang="zh-TW" altLang="en-US" sz="2000" dirty="0" smtClean="0">
-                <a:latin typeface="標楷體" panose="03000509000000000000" pitchFamily="65" charset="-120"/>
-              </a:rPr>
-              <a:t> </a:t>
-            </a:r>
-            <a:r>
-              <a:rPr lang="en-US" altLang="zh-TW" sz="2000" dirty="0" smtClean="0">
-                <a:latin typeface="標楷體" panose="03000509000000000000" pitchFamily="65" charset="-120"/>
-              </a:rPr>
-              <a:t>:</a:t>
-            </a:r>
-            <a:r>
-              <a:rPr lang="zh-TW" altLang="en-US" sz="2000" dirty="0" smtClean="0">
-                <a:latin typeface="標楷體" panose="03000509000000000000" pitchFamily="65" charset="-120"/>
-              </a:rPr>
-              <a:t> </a:t>
-            </a:r>
-            <a:r>
-              <a:rPr lang="zh-TW" altLang="en-US" sz="2000" dirty="0" smtClean="0"/>
-              <a:t>精</a:t>
-            </a:r>
-            <a:r>
-              <a:rPr lang="zh-TW" altLang="en-US" sz="2000" dirty="0"/>
-              <a:t>實</a:t>
-            </a:r>
-            <a:r>
-              <a:rPr lang="zh-TW" altLang="en-US" sz="2000" dirty="0" smtClean="0"/>
-              <a:t>軟體開發。</a:t>
-            </a:r>
-            <a:endParaRPr lang="en-US" altLang="zh-TW" sz="2000" dirty="0" smtClean="0">
-              <a:latin typeface="標楷體" panose="03000509000000000000" pitchFamily="65" charset="-120"/>
-            </a:endParaRPr>
-          </a:p>
-          <a:p>
-            <a:pPr marL="0" indent="0">
-              <a:buNone/>
-            </a:pPr>
-            <a:r>
-              <a:rPr lang="zh-TW" altLang="en-US" sz="2000" dirty="0" smtClean="0">
-                <a:latin typeface="標楷體" panose="03000509000000000000" pitchFamily="65" charset="-120"/>
-              </a:rPr>
-              <a:t>測量</a:t>
-            </a:r>
-            <a:r>
-              <a:rPr lang="en-US" altLang="zh-TW" sz="2000" dirty="0" smtClean="0">
-                <a:latin typeface="標楷體" panose="03000509000000000000" pitchFamily="65" charset="-120"/>
-              </a:rPr>
-              <a:t>(Measurement)</a:t>
-            </a:r>
-            <a:r>
-              <a:rPr lang="zh-TW" altLang="en-US" sz="2000" dirty="0" smtClean="0">
-                <a:latin typeface="標楷體" panose="03000509000000000000" pitchFamily="65" charset="-120"/>
-              </a:rPr>
-              <a:t> </a:t>
-            </a:r>
-            <a:r>
-              <a:rPr lang="en-US" altLang="zh-TW" sz="2000" dirty="0" smtClean="0">
-                <a:latin typeface="標楷體" panose="03000509000000000000" pitchFamily="65" charset="-120"/>
-              </a:rPr>
-              <a:t>:</a:t>
-            </a:r>
-            <a:r>
-              <a:rPr lang="zh-TW" altLang="en-US" sz="2000" dirty="0" smtClean="0">
-                <a:latin typeface="標楷體" panose="03000509000000000000" pitchFamily="65" charset="-120"/>
-              </a:rPr>
-              <a:t> 提示</a:t>
-            </a:r>
-            <a:r>
-              <a:rPr lang="zh-TW" altLang="en-US" sz="2000" dirty="0" smtClean="0"/>
-              <a:t>團隊</a:t>
-            </a:r>
-            <a:r>
-              <a:rPr lang="zh-TW" altLang="en-US" sz="2000" dirty="0"/>
-              <a:t>如何做更正確的</a:t>
-            </a:r>
-            <a:r>
-              <a:rPr lang="zh-TW" altLang="en-US" sz="2000" dirty="0" smtClean="0"/>
-              <a:t>改善。</a:t>
-            </a:r>
-            <a:endParaRPr lang="en-US" altLang="zh-TW" sz="2000" dirty="0" smtClean="0">
-              <a:latin typeface="標楷體" panose="03000509000000000000" pitchFamily="65" charset="-120"/>
-            </a:endParaRPr>
-          </a:p>
-          <a:p>
-            <a:pPr marL="0" indent="0">
-              <a:buNone/>
-            </a:pPr>
-            <a:r>
-              <a:rPr lang="zh-TW" altLang="en-US" sz="2000" dirty="0" smtClean="0">
-                <a:latin typeface="標楷體" panose="03000509000000000000" pitchFamily="65" charset="-120"/>
-              </a:rPr>
-              <a:t>分享</a:t>
-            </a:r>
-            <a:r>
-              <a:rPr lang="en-US" altLang="zh-TW" sz="2000" dirty="0" smtClean="0">
-                <a:latin typeface="標楷體" panose="03000509000000000000" pitchFamily="65" charset="-120"/>
-              </a:rPr>
-              <a:t>(Sharing)</a:t>
-            </a:r>
-            <a:r>
-              <a:rPr lang="zh-TW" altLang="en-US" sz="2000" dirty="0" smtClean="0">
-                <a:latin typeface="標楷體" panose="03000509000000000000" pitchFamily="65" charset="-120"/>
-              </a:rPr>
-              <a:t> </a:t>
-            </a:r>
-            <a:r>
-              <a:rPr lang="en-US" altLang="zh-TW" sz="2000" dirty="0" smtClean="0">
-                <a:latin typeface="標楷體" panose="03000509000000000000" pitchFamily="65" charset="-120"/>
-              </a:rPr>
-              <a:t>:</a:t>
-            </a:r>
-            <a:r>
-              <a:rPr lang="zh-TW" altLang="en-US" sz="2000" dirty="0" smtClean="0">
-                <a:latin typeface="標楷體" panose="03000509000000000000" pitchFamily="65" charset="-120"/>
-              </a:rPr>
-              <a:t> </a:t>
-            </a:r>
-            <a:r>
-              <a:rPr lang="zh-TW" altLang="en-US" sz="2000" dirty="0" smtClean="0"/>
-              <a:t>增加</a:t>
-            </a:r>
-            <a:r>
-              <a:rPr lang="zh-TW" altLang="en-US" sz="2000" dirty="0"/>
-              <a:t>團隊</a:t>
-            </a:r>
-            <a:r>
-              <a:rPr lang="zh-TW" altLang="en-US" sz="2000" dirty="0" smtClean="0"/>
-              <a:t>透明度。</a:t>
-            </a:r>
-            <a:endParaRPr lang="zh-TW" altLang="en-US" sz="2000" dirty="0">
-              <a:latin typeface="標楷體" panose="03000509000000000000" pitchFamily="65" charset="-120"/>
-            </a:endParaRPr>
-          </a:p>
-        </p:txBody>
-      </p:sp>
-      <p:sp>
-        <p:nvSpPr>
-          <p:cNvPr id="4" name="投影片編號版面配置區 3"/>
-          <p:cNvSpPr>
-            <a:spLocks noGrp="1"/>
-          </p:cNvSpPr>
-          <p:nvPr>
-            <p:ph type="sldNum" sz="quarter" idx="12"/>
-          </p:nvPr>
-        </p:nvSpPr>
-        <p:spPr/>
-        <p:txBody>
-          <a:bodyPr/>
-          <a:lstStyle/>
-          <a:p>
-            <a:pPr>
-              <a:defRPr/>
-            </a:pPr>
-            <a:fld id="{3DB7C113-B292-4711-9FA5-4E4B2395B52F}" type="slidenum">
-              <a:rPr lang="zh-TW" altLang="en-US" smtClean="0"/>
-              <a:pPr>
-                <a:defRPr/>
-              </a:pPr>
-              <a:t>46</a:t>
-            </a:fld>
-            <a:endParaRPr lang="zh-TW" altLang="en-US"/>
-          </a:p>
-        </p:txBody>
-      </p:sp>
-    </p:spTree>
-    <p:extLst>
-      <p:ext uri="{BB962C8B-B14F-4D97-AF65-F5344CB8AC3E}">
-        <p14:creationId xmlns:p14="http://schemas.microsoft.com/office/powerpoint/2010/main" val="821378111"/>
-      </p:ext>
-    </p:extLst>
-  </p:cSld>
-  <p:clrMapOvr>
-    <a:masterClrMapping/>
-  </p:clrMapOvr>
-  <mc:AlternateContent xmlns:mc="http://schemas.openxmlformats.org/markup-compatibility/2006">
-    <mc:Choice xmlns:p14="http://schemas.microsoft.com/office/powerpoint/2010/main" Requires="p14">
-      <p:transition spd="slow" p14:dur="2000"/>
-    </mc:Choice>
-    <mc:Fallback>
-      <p:transition spd="slow"/>
-    </mc:Fallback>
-  </mc:AlternateContent>
-  <p:timing>
-    <p:tnLst>
-      <p:par>
-        <p:cTn id="1" dur="indefinite" restart="never" nodeType="tmRoot"/>
-      </p:par>
-    </p:tnLst>
-  </p:timing>
-</p:sld>
-</file>
-
-<file path=ppt/slides/slide47.xml><?xml version="1.0" encoding="utf-8"?>
-<p:sld xmlns:a="http://schemas.openxmlformats.org/drawingml/2006/main" xmlns:r="http://schemas.openxmlformats.org/officeDocument/2006/relationships" xmlns:p="http://schemas.openxmlformats.org/presentationml/2006/main" show="0">
-  <p:cSld>
-    <p:spTree>
-      <p:nvGrpSpPr>
-        <p:cNvPr id="1" name=""/>
-        <p:cNvGrpSpPr/>
-        <p:nvPr/>
-      </p:nvGrpSpPr>
-      <p:grpSpPr>
-        <a:xfrm>
-          <a:off x="0" y="0"/>
-          <a:ext cx="0" cy="0"/>
-          <a:chOff x="0" y="0"/>
-          <a:chExt cx="0" cy="0"/>
-        </a:xfrm>
-      </p:grpSpPr>
-      <p:sp>
-        <p:nvSpPr>
-          <p:cNvPr id="2" name="標題 1"/>
-          <p:cNvSpPr>
-            <a:spLocks noGrp="1"/>
-          </p:cNvSpPr>
-          <p:nvPr>
-            <p:ph type="title"/>
-          </p:nvPr>
-        </p:nvSpPr>
-        <p:spPr/>
-        <p:txBody>
-          <a:bodyPr/>
-          <a:lstStyle/>
-          <a:p>
-            <a:r>
-              <a:rPr lang="zh-TW" altLang="en-US" dirty="0" smtClean="0"/>
-              <a:t>貢獻</a:t>
-            </a:r>
-            <a:endParaRPr lang="zh-TW" altLang="en-US" dirty="0"/>
-          </a:p>
-        </p:txBody>
-      </p:sp>
-      <p:sp>
-        <p:nvSpPr>
-          <p:cNvPr id="3" name="內容版面配置區 2"/>
-          <p:cNvSpPr>
-            <a:spLocks noGrp="1"/>
-          </p:cNvSpPr>
-          <p:nvPr>
-            <p:ph idx="1"/>
-          </p:nvPr>
-        </p:nvSpPr>
-        <p:spPr/>
-        <p:txBody>
-          <a:bodyPr/>
-          <a:lstStyle/>
-          <a:p>
-            <a:pPr marL="0" indent="0">
-              <a:buNone/>
-            </a:pPr>
-            <a:r>
-              <a:rPr lang="zh-TW" altLang="en-US" sz="2800" dirty="0" smtClean="0"/>
-              <a:t>讓</a:t>
-            </a:r>
-            <a:r>
-              <a:rPr lang="en-US" altLang="zh-TW" sz="2800" dirty="0" err="1" smtClean="0"/>
-              <a:t>ezScrum</a:t>
-            </a:r>
-            <a:r>
-              <a:rPr lang="zh-TW" altLang="en-US" sz="2800" dirty="0" smtClean="0"/>
-              <a:t>有了自動化部署</a:t>
-            </a:r>
-            <a:endParaRPr lang="en-US" altLang="zh-TW" sz="2800" dirty="0" smtClean="0"/>
-          </a:p>
-          <a:p>
-            <a:pPr marL="0" indent="0">
-              <a:buNone/>
-            </a:pPr>
-            <a:r>
-              <a:rPr lang="en-US" altLang="zh-TW" sz="2800" dirty="0" smtClean="0"/>
-              <a:t>1</a:t>
-            </a:r>
-            <a:r>
-              <a:rPr lang="en-US" altLang="zh-TW" sz="2800" dirty="0" smtClean="0"/>
-              <a:t>.</a:t>
-            </a:r>
-            <a:r>
-              <a:rPr lang="zh-TW" altLang="en-US" sz="2800" dirty="0" smtClean="0"/>
-              <a:t>使用</a:t>
-            </a:r>
-            <a:r>
-              <a:rPr lang="en-US" altLang="zh-TW" sz="2800" dirty="0" smtClean="0"/>
-              <a:t>Jenkins</a:t>
-            </a:r>
-            <a:r>
-              <a:rPr lang="zh-TW" altLang="en-US" sz="2800" dirty="0" smtClean="0"/>
-              <a:t>連結</a:t>
-            </a:r>
-            <a:r>
-              <a:rPr lang="en-US" altLang="zh-TW" sz="2800" dirty="0" smtClean="0"/>
-              <a:t>GitHub</a:t>
-            </a:r>
-            <a:r>
-              <a:rPr lang="zh-TW" altLang="en-US" sz="2800" dirty="0" smtClean="0"/>
-              <a:t>專案並</a:t>
-            </a:r>
-            <a:r>
-              <a:rPr lang="zh-TW" altLang="en-US" sz="2800" dirty="0"/>
-              <a:t>且</a:t>
-            </a:r>
-            <a:r>
-              <a:rPr lang="zh-TW" altLang="en-US" sz="2800" dirty="0" smtClean="0"/>
-              <a:t>自動</a:t>
-            </a:r>
-            <a:r>
-              <a:rPr lang="zh-TW" altLang="en-US" sz="2800" dirty="0"/>
-              <a:t>跑專案</a:t>
-            </a:r>
-            <a:r>
-              <a:rPr lang="zh-TW" altLang="en-US" sz="2800" dirty="0" smtClean="0"/>
-              <a:t>的</a:t>
-            </a:r>
-            <a:r>
-              <a:rPr lang="en-US" altLang="zh-TW" sz="2800" dirty="0" smtClean="0"/>
-              <a:t>Test</a:t>
-            </a:r>
-            <a:endParaRPr lang="en-US" altLang="zh-TW" sz="2800" dirty="0" smtClean="0"/>
-          </a:p>
-          <a:p>
-            <a:pPr marL="0" indent="0">
-              <a:buNone/>
-            </a:pPr>
-            <a:r>
-              <a:rPr lang="en-US" altLang="zh-TW" sz="2800" dirty="0" smtClean="0"/>
-              <a:t>2.</a:t>
-            </a:r>
-            <a:r>
-              <a:rPr lang="zh-TW" altLang="en-US" sz="2800" dirty="0" smtClean="0"/>
-              <a:t>使用</a:t>
-            </a:r>
-            <a:r>
-              <a:rPr lang="en-US" altLang="zh-TW" sz="2800" dirty="0" smtClean="0"/>
-              <a:t>Docker</a:t>
-            </a:r>
-            <a:r>
-              <a:rPr lang="zh-TW" altLang="en-US" sz="2800" dirty="0" smtClean="0"/>
-              <a:t>將服務的</a:t>
-            </a:r>
-            <a:r>
-              <a:rPr lang="en-US" altLang="zh-TW" sz="2800" dirty="0" smtClean="0"/>
-              <a:t>Jar</a:t>
-            </a:r>
-            <a:r>
-              <a:rPr lang="zh-TW" altLang="en-US" sz="2800" dirty="0" smtClean="0"/>
-              <a:t>包產生成</a:t>
-            </a:r>
-            <a:r>
-              <a:rPr lang="en-US" altLang="zh-TW" sz="2800" dirty="0" smtClean="0"/>
-              <a:t>Image</a:t>
-            </a:r>
-          </a:p>
-          <a:p>
-            <a:pPr marL="0" indent="0">
-              <a:buNone/>
-            </a:pPr>
-            <a:r>
-              <a:rPr lang="en-US" altLang="zh-TW" sz="2800" dirty="0"/>
-              <a:t>3</a:t>
-            </a:r>
-            <a:r>
-              <a:rPr lang="en-US" altLang="zh-TW" sz="2800" dirty="0" smtClean="0"/>
-              <a:t>.</a:t>
-            </a:r>
-            <a:r>
-              <a:rPr lang="zh-TW" altLang="en-US" sz="2800" dirty="0" smtClean="0"/>
-              <a:t>撰寫驗收測試驗證</a:t>
-            </a:r>
-            <a:r>
-              <a:rPr lang="en-US" altLang="zh-TW" sz="2800" dirty="0" err="1" smtClean="0"/>
-              <a:t>Microservice</a:t>
-            </a:r>
-            <a:r>
-              <a:rPr lang="zh-TW" altLang="en-US" sz="2800" dirty="0" smtClean="0"/>
-              <a:t>已經連上線</a:t>
-            </a:r>
-            <a:endParaRPr lang="en-US" altLang="zh-TW" sz="2800" dirty="0" smtClean="0"/>
-          </a:p>
-          <a:p>
-            <a:pPr marL="0" indent="0">
-              <a:buNone/>
-            </a:pPr>
-            <a:endParaRPr lang="zh-TW" altLang="en-US" sz="2800" dirty="0"/>
-          </a:p>
-        </p:txBody>
-      </p:sp>
-      <p:sp>
-        <p:nvSpPr>
-          <p:cNvPr id="4" name="投影片編號版面配置區 3"/>
-          <p:cNvSpPr>
-            <a:spLocks noGrp="1"/>
-          </p:cNvSpPr>
-          <p:nvPr>
-            <p:ph type="sldNum" sz="quarter" idx="12"/>
-          </p:nvPr>
-        </p:nvSpPr>
-        <p:spPr/>
-        <p:txBody>
-          <a:bodyPr/>
-          <a:lstStyle/>
-          <a:p>
-            <a:pPr>
-              <a:defRPr/>
-            </a:pPr>
-            <a:fld id="{3DB7C113-B292-4711-9FA5-4E4B2395B52F}" type="slidenum">
-              <a:rPr lang="zh-TW" altLang="en-US" smtClean="0"/>
-              <a:pPr>
-                <a:defRPr/>
-              </a:pPr>
-              <a:t>47</a:t>
-            </a:fld>
-            <a:endParaRPr lang="zh-TW" altLang="en-US"/>
-          </a:p>
-        </p:txBody>
-      </p:sp>
-    </p:spTree>
-    <p:extLst>
-      <p:ext uri="{BB962C8B-B14F-4D97-AF65-F5344CB8AC3E}">
-        <p14:creationId xmlns:p14="http://schemas.microsoft.com/office/powerpoint/2010/main" val="3611920576"/>
-      </p:ext>
-    </p:extLst>
-  </p:cSld>
-  <p:clrMapOvr>
-    <a:masterClrMapping/>
-  </p:clrMapOvr>
-  <mc:AlternateContent xmlns:mc="http://schemas.openxmlformats.org/markup-compatibility/2006">
-    <mc:Choice xmlns:p14="http://schemas.microsoft.com/office/powerpoint/2010/main" Requires="p14">
-      <p:transition spd="slow" p14:dur="2000"/>
-    </mc:Choice>
-    <mc:Fallback>
-      <p:transition spd="slow"/>
-    </mc:Fallback>
-  </mc:AlternateContent>
-  <p:timing>
-    <p:tnLst>
-      <p:par>
-        <p:cTn id="1" dur="indefinite" restart="never" nodeType="tmRoot"/>
-      </p:par>
-    </p:tnLst>
-  </p:timing>
-</p:sld>
-</file>
-
-<file path=ppt/slides/slide48.xml><?xml version="1.0" encoding="utf-8"?>
-<p:sld xmlns:a="http://schemas.openxmlformats.org/drawingml/2006/main" xmlns:r="http://schemas.openxmlformats.org/officeDocument/2006/relationships" xmlns:p="http://schemas.openxmlformats.org/presentationml/2006/main" show="0">
-  <p:cSld>
-    <p:spTree>
-      <p:nvGrpSpPr>
-        <p:cNvPr id="1" name=""/>
-        <p:cNvGrpSpPr/>
-        <p:nvPr/>
-      </p:nvGrpSpPr>
-      <p:grpSpPr>
-        <a:xfrm>
-          <a:off x="0" y="0"/>
-          <a:ext cx="0" cy="0"/>
-          <a:chOff x="0" y="0"/>
-          <a:chExt cx="0" cy="0"/>
-        </a:xfrm>
-      </p:grpSpPr>
-      <p:sp>
-        <p:nvSpPr>
-          <p:cNvPr id="2" name="標題 1"/>
-          <p:cNvSpPr>
-            <a:spLocks noGrp="1"/>
-          </p:cNvSpPr>
-          <p:nvPr>
-            <p:ph type="title"/>
-          </p:nvPr>
-        </p:nvSpPr>
-        <p:spPr/>
-        <p:txBody>
-          <a:bodyPr/>
-          <a:lstStyle/>
-          <a:p>
-            <a:r>
-              <a:rPr lang="zh-TW" altLang="en-US" dirty="0" smtClean="0"/>
-              <a:t>做法</a:t>
-            </a:r>
-            <a:endParaRPr lang="zh-TW" altLang="en-US" dirty="0"/>
-          </a:p>
-        </p:txBody>
-      </p:sp>
-      <p:sp>
-        <p:nvSpPr>
-          <p:cNvPr id="3" name="內容版面配置區 2"/>
-          <p:cNvSpPr>
-            <a:spLocks noGrp="1"/>
-          </p:cNvSpPr>
-          <p:nvPr>
-            <p:ph idx="1"/>
-          </p:nvPr>
-        </p:nvSpPr>
-        <p:spPr>
-          <a:xfrm>
-            <a:off x="457200" y="1600200"/>
-            <a:ext cx="8686800" cy="4525963"/>
-          </a:xfrm>
-        </p:spPr>
-        <p:txBody>
-          <a:bodyPr/>
-          <a:lstStyle/>
-          <a:p>
-            <a:pPr marL="0" indent="0">
-              <a:buNone/>
-            </a:pPr>
-            <a:r>
-              <a:rPr lang="en-US" altLang="zh-TW" sz="2000" dirty="0" smtClean="0"/>
-              <a:t>1.</a:t>
-            </a:r>
-            <a:r>
-              <a:rPr lang="zh-TW" altLang="en-US" sz="2000" dirty="0" smtClean="0"/>
-              <a:t>當使用者在</a:t>
-            </a:r>
-            <a:r>
-              <a:rPr lang="en-US" altLang="zh-TW" sz="2000" dirty="0" err="1" smtClean="0"/>
-              <a:t>AccountManagement</a:t>
-            </a:r>
-            <a:r>
-              <a:rPr lang="zh-TW" altLang="en-US" sz="2000" dirty="0" smtClean="0"/>
-              <a:t>、</a:t>
-            </a:r>
-            <a:r>
-              <a:rPr lang="en-US" altLang="zh-TW" sz="2000" dirty="0" smtClean="0"/>
-              <a:t>Notification</a:t>
-            </a:r>
-            <a:r>
-              <a:rPr lang="zh-TW" altLang="en-US" sz="2000" dirty="0" smtClean="0"/>
-              <a:t>的兩</a:t>
-            </a:r>
-            <a:r>
-              <a:rPr lang="zh-TW" altLang="en-US" sz="2000" dirty="0"/>
-              <a:t>個</a:t>
-            </a:r>
-            <a:r>
-              <a:rPr lang="en-US" altLang="zh-TW" sz="2000" dirty="0" smtClean="0"/>
-              <a:t>Service</a:t>
-            </a:r>
-            <a:r>
-              <a:rPr lang="zh-TW" altLang="en-US" sz="2000" dirty="0" smtClean="0"/>
-              <a:t>修改</a:t>
-            </a:r>
-            <a:r>
-              <a:rPr lang="en-US" altLang="zh-TW" sz="2000" dirty="0" smtClean="0"/>
-              <a:t>Code</a:t>
-            </a:r>
-            <a:r>
-              <a:rPr lang="zh-TW" altLang="en-US" sz="2000" dirty="0" smtClean="0"/>
-              <a:t>並</a:t>
-            </a:r>
-            <a:endParaRPr lang="en-US" altLang="zh-TW" sz="2000" dirty="0" smtClean="0"/>
-          </a:p>
-          <a:p>
-            <a:pPr marL="0" indent="0">
-              <a:buNone/>
-            </a:pPr>
-            <a:r>
-              <a:rPr lang="zh-TW" altLang="en-US" sz="2000" dirty="0"/>
-              <a:t> </a:t>
-            </a:r>
-            <a:r>
-              <a:rPr lang="zh-TW" altLang="en-US" sz="2000" dirty="0" smtClean="0"/>
-              <a:t>        </a:t>
-            </a:r>
-            <a:r>
-              <a:rPr lang="en-US" altLang="zh-TW" sz="2000" dirty="0" smtClean="0"/>
-              <a:t>Push</a:t>
-            </a:r>
-            <a:r>
-              <a:rPr lang="zh-TW" altLang="en-US" sz="2000" dirty="0" smtClean="0"/>
-              <a:t>到</a:t>
-            </a:r>
-            <a:r>
-              <a:rPr lang="en-US" altLang="zh-TW" sz="2000" dirty="0" err="1" smtClean="0"/>
-              <a:t>Github</a:t>
-            </a:r>
-            <a:r>
-              <a:rPr lang="zh-TW" altLang="en-US" sz="2000" dirty="0" smtClean="0"/>
-              <a:t>上時，</a:t>
-            </a:r>
-            <a:r>
-              <a:rPr lang="en-US" altLang="zh-TW" sz="2000" dirty="0" smtClean="0"/>
-              <a:t>Jenkins</a:t>
-            </a:r>
-            <a:r>
-              <a:rPr lang="zh-TW" altLang="en-US" sz="2000" dirty="0" smtClean="0"/>
-              <a:t>接收通知自動跑</a:t>
-            </a:r>
-            <a:r>
-              <a:rPr lang="en-US" altLang="zh-TW" sz="2000" dirty="0" smtClean="0"/>
-              <a:t>Unit Test</a:t>
-            </a:r>
-            <a:r>
-              <a:rPr lang="zh-TW" altLang="en-US" sz="2000" dirty="0" smtClean="0"/>
-              <a:t>。</a:t>
-            </a:r>
-            <a:endParaRPr lang="en-US" altLang="zh-TW" sz="2000" dirty="0" smtClean="0"/>
-          </a:p>
-          <a:p>
-            <a:pPr marL="0" indent="0">
-              <a:buNone/>
-            </a:pPr>
-            <a:endParaRPr lang="en-US" altLang="zh-TW" sz="2000" dirty="0" smtClean="0"/>
-          </a:p>
-          <a:p>
-            <a:pPr marL="0" indent="0">
-              <a:buNone/>
-            </a:pPr>
-            <a:r>
-              <a:rPr lang="en-US" altLang="zh-TW" sz="2000" dirty="0" smtClean="0"/>
-              <a:t>2.</a:t>
-            </a:r>
-            <a:r>
-              <a:rPr lang="zh-TW" altLang="en-US" sz="2000" dirty="0" smtClean="0"/>
-              <a:t>使用</a:t>
-            </a:r>
-            <a:r>
-              <a:rPr lang="en-US" altLang="zh-TW" sz="2000" dirty="0" smtClean="0"/>
-              <a:t>Maven</a:t>
-            </a:r>
-            <a:r>
-              <a:rPr lang="zh-TW" altLang="en-US" sz="2000" dirty="0" smtClean="0"/>
-              <a:t>指令將</a:t>
-            </a:r>
-            <a:r>
-              <a:rPr lang="en-US" altLang="zh-TW" sz="2000" dirty="0" smtClean="0"/>
-              <a:t>Service</a:t>
-            </a:r>
-            <a:r>
-              <a:rPr lang="zh-TW" altLang="en-US" sz="2000" dirty="0" smtClean="0"/>
-              <a:t>建置、編譯與打包成可以執行</a:t>
-            </a:r>
-            <a:r>
-              <a:rPr lang="en-US" altLang="zh-TW" sz="2000" dirty="0" smtClean="0"/>
-              <a:t>jar</a:t>
-            </a:r>
-            <a:r>
-              <a:rPr lang="zh-TW" altLang="en-US" sz="2000" dirty="0" smtClean="0"/>
-              <a:t>包。</a:t>
-            </a:r>
-            <a:endParaRPr lang="en-US" altLang="zh-TW" sz="2000" dirty="0" smtClean="0"/>
-          </a:p>
-          <a:p>
-            <a:pPr marL="0" indent="0">
-              <a:buNone/>
-            </a:pPr>
-            <a:endParaRPr lang="en-US" altLang="zh-TW" sz="2000" dirty="0" smtClean="0"/>
-          </a:p>
-          <a:p>
-            <a:pPr marL="0" indent="0">
-              <a:buNone/>
-            </a:pPr>
-            <a:r>
-              <a:rPr lang="en-US" altLang="zh-TW" sz="2000" dirty="0" smtClean="0"/>
-              <a:t>3.</a:t>
-            </a:r>
-            <a:r>
-              <a:rPr lang="zh-TW" altLang="en-US" sz="2000" dirty="0" smtClean="0"/>
-              <a:t>使用</a:t>
-            </a:r>
-            <a:r>
-              <a:rPr lang="en-US" altLang="zh-TW" sz="2000" dirty="0" smtClean="0"/>
-              <a:t>Docker</a:t>
-            </a:r>
-            <a:r>
-              <a:rPr lang="zh-TW" altLang="en-US" sz="2000" dirty="0" smtClean="0"/>
-              <a:t>把</a:t>
-            </a:r>
-            <a:r>
-              <a:rPr lang="en-US" altLang="zh-TW" sz="2000" dirty="0" smtClean="0"/>
-              <a:t>jar</a:t>
-            </a:r>
-            <a:r>
-              <a:rPr lang="zh-TW" altLang="en-US" sz="2000" dirty="0" smtClean="0"/>
-              <a:t>包放入</a:t>
-            </a:r>
-            <a:r>
-              <a:rPr lang="en-US" altLang="zh-TW" sz="2000" dirty="0" smtClean="0"/>
-              <a:t>Docker</a:t>
-            </a:r>
-            <a:r>
-              <a:rPr lang="zh-TW" altLang="en-US" sz="2000" dirty="0" smtClean="0"/>
-              <a:t>的</a:t>
-            </a:r>
-            <a:r>
-              <a:rPr lang="en-US" altLang="zh-TW" sz="2000" dirty="0" smtClean="0"/>
-              <a:t>Image</a:t>
-            </a:r>
-            <a:r>
-              <a:rPr lang="zh-TW" altLang="en-US" sz="2000" dirty="0" smtClean="0"/>
-              <a:t>中。</a:t>
-            </a:r>
-            <a:endParaRPr lang="en-US" altLang="zh-TW" sz="2000" dirty="0" smtClean="0"/>
-          </a:p>
-          <a:p>
-            <a:pPr marL="0" indent="0">
-              <a:buNone/>
-            </a:pPr>
-            <a:endParaRPr lang="en-US" altLang="zh-TW" sz="2000" dirty="0"/>
-          </a:p>
-          <a:p>
-            <a:pPr marL="0" indent="0">
-              <a:buNone/>
-            </a:pPr>
-            <a:r>
-              <a:rPr lang="en-US" altLang="zh-TW" sz="2000" dirty="0" smtClean="0"/>
-              <a:t>4.</a:t>
-            </a:r>
-            <a:r>
-              <a:rPr lang="zh-TW" altLang="en-US" sz="2000" dirty="0" smtClean="0"/>
-              <a:t>使用</a:t>
-            </a:r>
-            <a:r>
-              <a:rPr lang="en-US" altLang="zh-TW" sz="2000" dirty="0" err="1" smtClean="0"/>
-              <a:t>Dockerfile</a:t>
-            </a:r>
-            <a:r>
-              <a:rPr lang="zh-TW" altLang="en-US" sz="2000" dirty="0" smtClean="0"/>
-              <a:t>建置</a:t>
-            </a:r>
-            <a:r>
-              <a:rPr lang="en-US" altLang="zh-TW" sz="2000" dirty="0" smtClean="0"/>
-              <a:t>Docker</a:t>
-            </a:r>
-            <a:r>
-              <a:rPr lang="zh-TW" altLang="en-US" sz="2000" dirty="0" smtClean="0"/>
-              <a:t>的</a:t>
-            </a:r>
-            <a:r>
-              <a:rPr lang="en-US" altLang="zh-TW" sz="2000" dirty="0" smtClean="0"/>
-              <a:t>Image</a:t>
-            </a:r>
-            <a:r>
-              <a:rPr lang="zh-TW" altLang="en-US" sz="2000" dirty="0" smtClean="0"/>
-              <a:t>並指定</a:t>
-            </a:r>
-            <a:r>
-              <a:rPr lang="en-US" altLang="zh-TW" sz="2000" dirty="0" smtClean="0"/>
-              <a:t>Image</a:t>
-            </a:r>
-            <a:r>
-              <a:rPr lang="zh-TW" altLang="en-US" sz="2000" dirty="0" smtClean="0"/>
-              <a:t>要部署的</a:t>
-            </a:r>
-            <a:r>
-              <a:rPr lang="en-US" altLang="zh-TW" sz="2000" dirty="0" smtClean="0"/>
-              <a:t>port</a:t>
-            </a:r>
-            <a:r>
-              <a:rPr lang="zh-TW" altLang="en-US" sz="2000" dirty="0" smtClean="0"/>
-              <a:t>號。</a:t>
-            </a:r>
-            <a:endParaRPr lang="en-US" altLang="zh-TW" sz="2000" dirty="0" smtClean="0"/>
-          </a:p>
-          <a:p>
-            <a:pPr marL="0" indent="0">
-              <a:buNone/>
-            </a:pPr>
-            <a:endParaRPr lang="en-US" altLang="zh-TW" sz="2000" dirty="0" smtClean="0"/>
-          </a:p>
-          <a:p>
-            <a:pPr marL="0" indent="0">
-              <a:buNone/>
-            </a:pPr>
-            <a:r>
-              <a:rPr lang="en-US" altLang="zh-TW" sz="2000" dirty="0"/>
-              <a:t>5</a:t>
-            </a:r>
-            <a:r>
-              <a:rPr lang="en-US" altLang="zh-TW" sz="2000" dirty="0" smtClean="0"/>
-              <a:t>.</a:t>
-            </a:r>
-            <a:r>
-              <a:rPr lang="zh-TW" altLang="en-US" sz="2000" dirty="0" smtClean="0"/>
-              <a:t>在</a:t>
-            </a:r>
-            <a:r>
-              <a:rPr lang="en-US" altLang="zh-TW" sz="2000" dirty="0" smtClean="0"/>
-              <a:t>Jenkins</a:t>
-            </a:r>
-            <a:r>
-              <a:rPr lang="zh-TW" altLang="en-US" sz="2000" dirty="0" smtClean="0"/>
-              <a:t>中自動啟動</a:t>
-            </a:r>
-            <a:r>
-              <a:rPr lang="en-US" altLang="zh-TW" sz="2000" dirty="0" smtClean="0"/>
-              <a:t>Service</a:t>
-            </a:r>
-            <a:r>
-              <a:rPr lang="zh-TW" altLang="en-US" sz="2000" dirty="0" smtClean="0"/>
-              <a:t>。</a:t>
-            </a:r>
-            <a:endParaRPr lang="en-US" altLang="zh-TW" sz="2000" dirty="0" smtClean="0"/>
-          </a:p>
-          <a:p>
-            <a:pPr marL="0" indent="0">
-              <a:buNone/>
-            </a:pPr>
-            <a:endParaRPr lang="en-US" altLang="zh-TW" sz="2000" dirty="0"/>
-          </a:p>
-          <a:p>
-            <a:pPr marL="0" indent="0">
-              <a:buNone/>
-            </a:pPr>
-            <a:r>
-              <a:rPr lang="en-US" altLang="zh-TW" sz="2000" dirty="0" smtClean="0"/>
-              <a:t>6.</a:t>
-            </a:r>
-            <a:r>
-              <a:rPr lang="zh-TW" altLang="en-US" sz="2000" dirty="0" smtClean="0"/>
-              <a:t>設計驗收測試確認</a:t>
-            </a:r>
-            <a:r>
-              <a:rPr lang="en-US" altLang="zh-TW" sz="2000" dirty="0" smtClean="0"/>
-              <a:t>Service</a:t>
-            </a:r>
-            <a:r>
-              <a:rPr lang="zh-TW" altLang="en-US" sz="2000" dirty="0" smtClean="0"/>
-              <a:t>已經啟動並與</a:t>
-            </a:r>
-            <a:r>
-              <a:rPr lang="en-US" altLang="zh-TW" sz="2000" dirty="0" err="1" smtClean="0"/>
-              <a:t>ezScrum</a:t>
-            </a:r>
-            <a:r>
-              <a:rPr lang="zh-TW" altLang="en-US" sz="2000" dirty="0" smtClean="0"/>
-              <a:t>連上線。</a:t>
-            </a:r>
-            <a:endParaRPr lang="zh-TW" altLang="en-US" sz="2000" dirty="0"/>
-          </a:p>
-        </p:txBody>
-      </p:sp>
-      <p:sp>
-        <p:nvSpPr>
-          <p:cNvPr id="4" name="投影片編號版面配置區 3"/>
-          <p:cNvSpPr>
-            <a:spLocks noGrp="1"/>
-          </p:cNvSpPr>
-          <p:nvPr>
-            <p:ph type="sldNum" sz="quarter" idx="12"/>
-          </p:nvPr>
-        </p:nvSpPr>
-        <p:spPr/>
-        <p:txBody>
-          <a:bodyPr/>
-          <a:lstStyle/>
-          <a:p>
-            <a:pPr>
-              <a:defRPr/>
-            </a:pPr>
-            <a:fld id="{3DB7C113-B292-4711-9FA5-4E4B2395B52F}" type="slidenum">
-              <a:rPr lang="zh-TW" altLang="en-US" smtClean="0"/>
-              <a:pPr>
-                <a:defRPr/>
-              </a:pPr>
-              <a:t>48</a:t>
-            </a:fld>
-            <a:endParaRPr lang="zh-TW" altLang="en-US"/>
-          </a:p>
-        </p:txBody>
-      </p:sp>
-    </p:spTree>
-    <p:extLst>
-      <p:ext uri="{BB962C8B-B14F-4D97-AF65-F5344CB8AC3E}">
-        <p14:creationId xmlns:p14="http://schemas.microsoft.com/office/powerpoint/2010/main" val="2049691656"/>
-      </p:ext>
-    </p:extLst>
-  </p:cSld>
-  <p:clrMapOvr>
-    <a:masterClrMapping/>
-  </p:clrMapOvr>
-  <mc:AlternateContent xmlns:mc="http://schemas.openxmlformats.org/markup-compatibility/2006">
-    <mc:Choice xmlns:p14="http://schemas.microsoft.com/office/powerpoint/2010/main" Requires="p14">
-      <p:transition spd="slow" p14:dur="2000"/>
-    </mc:Choice>
-    <mc:Fallback>
-      <p:transition spd="slow"/>
-    </mc:Fallback>
-  </mc:AlternateContent>
   <p:timing>
     <p:tnLst>
       <p:par>
@@ -21821,7 +19903,7 @@
     </p:spTree>
     <p:extLst>
       <p:ext uri="{BB962C8B-B14F-4D97-AF65-F5344CB8AC3E}">
-        <p14:creationId xmlns:p14="http://schemas.microsoft.com/office/powerpoint/2010/main" val="3230856703"/>
+        <p14:creationId xmlns="" xmlns:p14="http://schemas.microsoft.com/office/powerpoint/2010/main" val="3230856703"/>
       </p:ext>
     </p:extLst>
   </p:cSld>
@@ -21945,7 +20027,15 @@
             </a:pPr>
             <a:r>
               <a:rPr lang="zh-TW" altLang="en-US" sz="2800" dirty="0" smtClean="0"/>
-              <a:t>將此方法套用在</a:t>
+              <a:t>將此</a:t>
+            </a:r>
+            <a:r>
+              <a:rPr lang="zh-TW" altLang="en-US" sz="2800" dirty="0" smtClean="0"/>
+              <a:t>方法用</a:t>
+            </a:r>
+            <a:r>
+              <a:rPr lang="zh-TW" altLang="en-US" sz="2800" dirty="0" smtClean="0"/>
+              <a:t>在</a:t>
             </a:r>
             <a:r>
               <a:rPr lang="en-US" altLang="zh-TW" sz="2800" dirty="0" err="1" smtClean="0"/>
@@ -22006,7 +20096,7 @@
     </p:spTree>
     <p:extLst>
       <p:ext uri="{BB962C8B-B14F-4D97-AF65-F5344CB8AC3E}">
-        <p14:creationId xmlns:p14="http://schemas.microsoft.com/office/powerpoint/2010/main" val="3117316429"/>
+        <p14:creationId xmlns="" xmlns:p14="http://schemas.microsoft.com/office/powerpoint/2010/main" val="3117316429"/>
       </p:ext>
     </p:extLst>
   </p:cSld>
@@ -22300,7 +20390,7 @@
     </p:spTree>
     <p:extLst>
       <p:ext uri="{BB962C8B-B14F-4D97-AF65-F5344CB8AC3E}">
-        <p14:creationId xmlns:p14="http://schemas.microsoft.com/office/powerpoint/2010/main" val="2412168143"/>
+        <p14:creationId xmlns="" xmlns:p14="http://schemas.microsoft.com/office/powerpoint/2010/main" val="2412168143"/>
       </p:ext>
     </p:extLst>
   </p:cSld>
@@ -22608,7 +20698,7 @@
           <a:blip r:embed="rId3" cstate="print">
             <a:extLst>
               <a:ext uri="{28A0092B-C50C-407E-A947-70E740481C1C}">
-                <a14:useLocalDpi xmlns:a14="http://schemas.microsoft.com/office/drawing/2010/main" val="0"/>
+                <a14:useLocalDpi xmlns="" xmlns:a14="http://schemas.microsoft.com/office/drawing/2010/main" val="0"/>
               </a:ext>
             </a:extLst>
           </a:blip>
@@ -22629,7 +20719,7 @@
     </p:spTree>
     <p:extLst>
       <p:ext uri="{BB962C8B-B14F-4D97-AF65-F5344CB8AC3E}">
-        <p14:creationId xmlns:p14="http://schemas.microsoft.com/office/powerpoint/2010/main" val="4227570465"/>
+        <p14:creationId xmlns="" xmlns:p14="http://schemas.microsoft.com/office/powerpoint/2010/main" val="4227570465"/>
       </p:ext>
     </p:extLst>
   </p:cSld>
@@ -22870,7 +20960,7 @@
     </p:spTree>
     <p:extLst>
       <p:ext uri="{BB962C8B-B14F-4D97-AF65-F5344CB8AC3E}">
-        <p14:creationId xmlns:p14="http://schemas.microsoft.com/office/powerpoint/2010/main" val="2843213000"/>
+        <p14:creationId xmlns="" xmlns:p14="http://schemas.microsoft.com/office/powerpoint/2010/main" val="2843213000"/>
       </p:ext>
     </p:extLst>
   </p:cSld>
